--- a/한2018_파이썬을 활용한 데이터 분석_강의개요.pptx
+++ b/한2018_파이썬을 활용한 데이터 분석_강의개요.pptx
@@ -241,7 +241,7 @@
           <a:p>
             <a:fld id="{EED6BC92-8766-470F-B2F7-967053648231}" type="datetimeFigureOut">
               <a:rPr lang="ko-KR" altLang="en-US" smtClean="0"/>
-              <a:t>2018-06-04</a:t>
+              <a:t>2018-06-05</a:t>
             </a:fld>
             <a:endParaRPr lang="ko-KR" altLang="en-US"/>
           </a:p>
@@ -407,7 +407,7 @@
             <a:fld id="{D5D70811-BB17-44EC-93F5-EBED80FC02C9}" type="datetimeFigureOut">
               <a:rPr lang="ko-KR" altLang="en-US" smtClean="0"/>
               <a:pPr/>
-              <a:t>2018-06-04</a:t>
+              <a:t>2018-06-05</a:t>
             </a:fld>
             <a:endParaRPr lang="ko-KR" altLang="en-US"/>
           </a:p>
@@ -1150,7 +1150,7 @@
                 <a:tabLst/>
                 <a:defRPr/>
               </a:pPr>
-              <a:t>2018-06-04</a:t>
+              <a:t>2018-06-05</a:t>
             </a:fld>
             <a:endParaRPr kumimoji="0" lang="ko-KR" altLang="en-US" sz="1100" b="0" i="0" u="none" strike="noStrike" kern="1200" cap="none" spc="0" normalizeH="0" baseline="0" noProof="0">
               <a:ln>
@@ -1567,7 +1567,7 @@
                 <a:tabLst/>
                 <a:defRPr/>
               </a:pPr>
-              <a:t>2018-06-04</a:t>
+              <a:t>2018-06-05</a:t>
             </a:fld>
             <a:endParaRPr kumimoji="0" lang="ko-KR" altLang="en-US" sz="1100" b="0" i="0" u="none" strike="noStrike" kern="1200" cap="none" spc="0" normalizeH="0" baseline="0" noProof="0">
               <a:ln>
@@ -1900,7 +1900,7 @@
                 <a:tabLst/>
                 <a:defRPr/>
               </a:pPr>
-              <a:t>2018-06-04</a:t>
+              <a:t>2018-06-05</a:t>
             </a:fld>
             <a:endParaRPr kumimoji="0" lang="ko-KR" altLang="en-US" sz="1100" b="0" i="0" u="none" strike="noStrike" kern="1200" cap="none" spc="0" normalizeH="0" baseline="0" noProof="0">
               <a:ln>
@@ -2243,7 +2243,7 @@
                 <a:tabLst/>
                 <a:defRPr/>
               </a:pPr>
-              <a:t>2018-06-04</a:t>
+              <a:t>2018-06-05</a:t>
             </a:fld>
             <a:endParaRPr kumimoji="0" lang="ko-KR" altLang="en-US" sz="1100" b="0" i="0" u="none" strike="noStrike" kern="1200" cap="none" spc="0" normalizeH="0" baseline="0" noProof="0">
               <a:ln>
@@ -2637,7 +2637,7 @@
             <a:fld id="{BD343E2E-D187-44B7-945F-E031827BE040}" type="datetime1">
               <a:rPr lang="ko-KR" altLang="en-US" smtClean="0"/>
               <a:pPr/>
-              <a:t>2018-06-04</a:t>
+              <a:t>2018-06-05</a:t>
             </a:fld>
             <a:endParaRPr lang="ko-KR" altLang="en-US"/>
           </a:p>
@@ -2756,7 +2756,7 @@
             <a:fld id="{BD343E2E-D187-44B7-945F-E031827BE040}" type="datetime1">
               <a:rPr lang="ko-KR" altLang="en-US" smtClean="0"/>
               <a:pPr/>
-              <a:t>2018-06-04</a:t>
+              <a:t>2018-06-05</a:t>
             </a:fld>
             <a:endParaRPr lang="ko-KR" altLang="en-US"/>
           </a:p>
@@ -5608,7 +5608,7 @@
                 <a:tabLst/>
                 <a:defRPr/>
               </a:pPr>
-              <a:t>2018-06-04</a:t>
+              <a:t>2018-06-05</a:t>
             </a:fld>
             <a:endParaRPr kumimoji="0" lang="ko-KR" altLang="en-US" sz="1100" b="0" i="0" u="none" strike="noStrike" kern="1200" cap="none" spc="0" normalizeH="0" baseline="0" noProof="0">
               <a:ln>
@@ -7339,7 +7339,7 @@
           <a:p>
             <a:fld id="{880387B8-3802-47BF-8C63-CEC4E1DDA9E2}" type="datetimeFigureOut">
               <a:rPr lang="ko-KR" altLang="en-US" smtClean="0"/>
-              <a:t>2018-06-04</a:t>
+              <a:t>2018-06-05</a:t>
             </a:fld>
             <a:endParaRPr lang="ko-KR" altLang="en-US"/>
           </a:p>
@@ -7507,7 +7507,7 @@
           <a:p>
             <a:fld id="{880387B8-3802-47BF-8C63-CEC4E1DDA9E2}" type="datetimeFigureOut">
               <a:rPr lang="ko-KR" altLang="en-US" smtClean="0"/>
-              <a:t>2018-06-04</a:t>
+              <a:t>2018-06-05</a:t>
             </a:fld>
             <a:endParaRPr lang="ko-KR" altLang="en-US"/>
           </a:p>
@@ -8677,7 +8677,7 @@
           <a:p>
             <a:fld id="{880387B8-3802-47BF-8C63-CEC4E1DDA9E2}" type="datetimeFigureOut">
               <a:rPr lang="ko-KR" altLang="en-US" smtClean="0"/>
-              <a:t>2018-06-04</a:t>
+              <a:t>2018-06-05</a:t>
             </a:fld>
             <a:endParaRPr lang="ko-KR" altLang="en-US"/>
           </a:p>
@@ -8962,7 +8962,7 @@
           <a:p>
             <a:fld id="{880387B8-3802-47BF-8C63-CEC4E1DDA9E2}" type="datetimeFigureOut">
               <a:rPr lang="ko-KR" altLang="en-US" smtClean="0"/>
-              <a:t>2018-06-04</a:t>
+              <a:t>2018-06-05</a:t>
             </a:fld>
             <a:endParaRPr lang="ko-KR" altLang="en-US"/>
           </a:p>
@@ -9381,7 +9381,7 @@
           <a:p>
             <a:fld id="{880387B8-3802-47BF-8C63-CEC4E1DDA9E2}" type="datetimeFigureOut">
               <a:rPr lang="ko-KR" altLang="en-US" smtClean="0"/>
-              <a:t>2018-06-04</a:t>
+              <a:t>2018-06-05</a:t>
             </a:fld>
             <a:endParaRPr lang="ko-KR" altLang="en-US"/>
           </a:p>
@@ -9498,7 +9498,7 @@
           <a:p>
             <a:fld id="{880387B8-3802-47BF-8C63-CEC4E1DDA9E2}" type="datetimeFigureOut">
               <a:rPr lang="ko-KR" altLang="en-US" smtClean="0"/>
-              <a:t>2018-06-04</a:t>
+              <a:t>2018-06-05</a:t>
             </a:fld>
             <a:endParaRPr lang="ko-KR" altLang="en-US"/>
           </a:p>
@@ -9593,7 +9593,7 @@
           <a:p>
             <a:fld id="{880387B8-3802-47BF-8C63-CEC4E1DDA9E2}" type="datetimeFigureOut">
               <a:rPr lang="ko-KR" altLang="en-US" smtClean="0"/>
-              <a:t>2018-06-04</a:t>
+              <a:t>2018-06-05</a:t>
             </a:fld>
             <a:endParaRPr lang="ko-KR" altLang="en-US"/>
           </a:p>
@@ -9868,7 +9868,7 @@
           <a:p>
             <a:fld id="{880387B8-3802-47BF-8C63-CEC4E1DDA9E2}" type="datetimeFigureOut">
               <a:rPr lang="ko-KR" altLang="en-US" smtClean="0"/>
-              <a:t>2018-06-04</a:t>
+              <a:t>2018-06-05</a:t>
             </a:fld>
             <a:endParaRPr lang="ko-KR" altLang="en-US"/>
           </a:p>
@@ -10120,7 +10120,7 @@
           <a:p>
             <a:fld id="{880387B8-3802-47BF-8C63-CEC4E1DDA9E2}" type="datetimeFigureOut">
               <a:rPr lang="ko-KR" altLang="en-US" smtClean="0"/>
-              <a:t>2018-06-04</a:t>
+              <a:t>2018-06-05</a:t>
             </a:fld>
             <a:endParaRPr lang="ko-KR" altLang="en-US"/>
           </a:p>
@@ -10288,7 +10288,7 @@
           <a:p>
             <a:fld id="{880387B8-3802-47BF-8C63-CEC4E1DDA9E2}" type="datetimeFigureOut">
               <a:rPr lang="ko-KR" altLang="en-US" smtClean="0"/>
-              <a:t>2018-06-04</a:t>
+              <a:t>2018-06-05</a:t>
             </a:fld>
             <a:endParaRPr lang="ko-KR" altLang="en-US"/>
           </a:p>
@@ -10466,7 +10466,7 @@
           <a:p>
             <a:fld id="{880387B8-3802-47BF-8C63-CEC4E1DDA9E2}" type="datetimeFigureOut">
               <a:rPr lang="ko-KR" altLang="en-US" smtClean="0"/>
-              <a:t>2018-06-04</a:t>
+              <a:t>2018-06-05</a:t>
             </a:fld>
             <a:endParaRPr lang="ko-KR" altLang="en-US"/>
           </a:p>
@@ -10706,7 +10706,7 @@
           <a:p>
             <a:fld id="{365DA058-1A9C-4BAD-94E2-21D6C076F22A}" type="datetimeFigureOut">
               <a:rPr lang="ko-KR" altLang="en-US" smtClean="0"/>
-              <a:t>2018-06-04</a:t>
+              <a:t>2018-06-05</a:t>
             </a:fld>
             <a:endParaRPr lang="ko-KR" altLang="en-US"/>
           </a:p>
@@ -11001,7 +11001,7 @@
                 <a:tabLst/>
                 <a:defRPr/>
               </a:pPr>
-              <a:t>2018-06-04</a:t>
+              <a:t>2018-06-05</a:t>
             </a:fld>
             <a:endParaRPr kumimoji="0" lang="ko-KR" altLang="en-US" sz="1100" b="0" i="0" u="none" strike="noStrike" kern="1200" cap="none" spc="0" normalizeH="0" baseline="0" noProof="0">
               <a:ln>
@@ -11284,7 +11284,7 @@
           <a:p>
             <a:fld id="{365DA058-1A9C-4BAD-94E2-21D6C076F22A}" type="datetimeFigureOut">
               <a:rPr lang="ko-KR" altLang="en-US" smtClean="0"/>
-              <a:t>2018-06-04</a:t>
+              <a:t>2018-06-05</a:t>
             </a:fld>
             <a:endParaRPr lang="ko-KR" altLang="en-US"/>
           </a:p>
@@ -11529,7 +11529,7 @@
           <a:p>
             <a:fld id="{365DA058-1A9C-4BAD-94E2-21D6C076F22A}" type="datetimeFigureOut">
               <a:rPr lang="ko-KR" altLang="en-US" smtClean="0"/>
-              <a:t>2018-06-04</a:t>
+              <a:t>2018-06-05</a:t>
             </a:fld>
             <a:endParaRPr lang="ko-KR" altLang="en-US"/>
           </a:p>
@@ -11814,7 +11814,7 @@
           <a:p>
             <a:fld id="{365DA058-1A9C-4BAD-94E2-21D6C076F22A}" type="datetimeFigureOut">
               <a:rPr lang="ko-KR" altLang="en-US" smtClean="0"/>
-              <a:t>2018-06-04</a:t>
+              <a:t>2018-06-05</a:t>
             </a:fld>
             <a:endParaRPr lang="ko-KR" altLang="en-US"/>
           </a:p>
@@ -12233,7 +12233,7 @@
           <a:p>
             <a:fld id="{365DA058-1A9C-4BAD-94E2-21D6C076F22A}" type="datetimeFigureOut">
               <a:rPr lang="ko-KR" altLang="en-US" smtClean="0"/>
-              <a:t>2018-06-04</a:t>
+              <a:t>2018-06-05</a:t>
             </a:fld>
             <a:endParaRPr lang="ko-KR" altLang="en-US"/>
           </a:p>
@@ -12350,7 +12350,7 @@
           <a:p>
             <a:fld id="{365DA058-1A9C-4BAD-94E2-21D6C076F22A}" type="datetimeFigureOut">
               <a:rPr lang="ko-KR" altLang="en-US" smtClean="0"/>
-              <a:t>2018-06-04</a:t>
+              <a:t>2018-06-05</a:t>
             </a:fld>
             <a:endParaRPr lang="ko-KR" altLang="en-US"/>
           </a:p>
@@ -12445,7 +12445,7 @@
           <a:p>
             <a:fld id="{365DA058-1A9C-4BAD-94E2-21D6C076F22A}" type="datetimeFigureOut">
               <a:rPr lang="ko-KR" altLang="en-US" smtClean="0"/>
-              <a:t>2018-06-04</a:t>
+              <a:t>2018-06-05</a:t>
             </a:fld>
             <a:endParaRPr lang="ko-KR" altLang="en-US"/>
           </a:p>
@@ -12720,7 +12720,7 @@
           <a:p>
             <a:fld id="{365DA058-1A9C-4BAD-94E2-21D6C076F22A}" type="datetimeFigureOut">
               <a:rPr lang="ko-KR" altLang="en-US" smtClean="0"/>
-              <a:t>2018-06-04</a:t>
+              <a:t>2018-06-05</a:t>
             </a:fld>
             <a:endParaRPr lang="ko-KR" altLang="en-US"/>
           </a:p>
@@ -12972,7 +12972,7 @@
           <a:p>
             <a:fld id="{365DA058-1A9C-4BAD-94E2-21D6C076F22A}" type="datetimeFigureOut">
               <a:rPr lang="ko-KR" altLang="en-US" smtClean="0"/>
-              <a:t>2018-06-04</a:t>
+              <a:t>2018-06-05</a:t>
             </a:fld>
             <a:endParaRPr lang="ko-KR" altLang="en-US"/>
           </a:p>
@@ -13140,7 +13140,7 @@
           <a:p>
             <a:fld id="{365DA058-1A9C-4BAD-94E2-21D6C076F22A}" type="datetimeFigureOut">
               <a:rPr lang="ko-KR" altLang="en-US" smtClean="0"/>
-              <a:t>2018-06-04</a:t>
+              <a:t>2018-06-05</a:t>
             </a:fld>
             <a:endParaRPr lang="ko-KR" altLang="en-US"/>
           </a:p>
@@ -13318,7 +13318,7 @@
           <a:p>
             <a:fld id="{365DA058-1A9C-4BAD-94E2-21D6C076F22A}" type="datetimeFigureOut">
               <a:rPr lang="ko-KR" altLang="en-US" smtClean="0"/>
-              <a:t>2018-06-04</a:t>
+              <a:t>2018-06-05</a:t>
             </a:fld>
             <a:endParaRPr lang="ko-KR" altLang="en-US"/>
           </a:p>
@@ -13653,7 +13653,7 @@
                 <a:tabLst/>
                 <a:defRPr/>
               </a:pPr>
-              <a:t>2018-06-04</a:t>
+              <a:t>2018-06-05</a:t>
             </a:fld>
             <a:endParaRPr kumimoji="0" lang="ko-KR" altLang="en-US" sz="1100" b="0" i="0" u="none" strike="noStrike" kern="1200" cap="none" spc="0" normalizeH="0" baseline="0" noProof="0">
               <a:ln>
@@ -14237,7 +14237,7 @@
                 <a:tabLst/>
                 <a:defRPr/>
               </a:pPr>
-              <a:t>2018-06-04</a:t>
+              <a:t>2018-06-05</a:t>
             </a:fld>
             <a:endParaRPr kumimoji="0" lang="ko-KR" altLang="en-US" sz="1100" b="0" i="0" u="none" strike="noStrike" kern="1200" cap="none" spc="0" normalizeH="0" baseline="0" noProof="0">
               <a:ln>
@@ -14519,7 +14519,7 @@
                 <a:tabLst/>
                 <a:defRPr/>
               </a:pPr>
-              <a:t>2018-06-04</a:t>
+              <a:t>2018-06-05</a:t>
             </a:fld>
             <a:endParaRPr kumimoji="0" lang="ko-KR" altLang="en-US" sz="1100" b="0" i="0" u="none" strike="noStrike" kern="1200" cap="none" spc="0" normalizeH="0" baseline="0" noProof="0">
               <a:ln>
@@ -14779,7 +14779,7 @@
                 <a:tabLst/>
                 <a:defRPr/>
               </a:pPr>
-              <a:t>2018-06-04</a:t>
+              <a:t>2018-06-05</a:t>
             </a:fld>
             <a:endParaRPr kumimoji="0" lang="ko-KR" altLang="en-US" sz="1100" b="0" i="0" u="none" strike="noStrike" kern="1200" cap="none" spc="0" normalizeH="0" baseline="0" noProof="0">
               <a:ln>
@@ -15095,7 +15095,7 @@
                 <a:tabLst/>
                 <a:defRPr/>
               </a:pPr>
-              <a:t>2018-06-04</a:t>
+              <a:t>2018-06-05</a:t>
             </a:fld>
             <a:endParaRPr kumimoji="0" lang="ko-KR" altLang="en-US" sz="1100" b="0" i="0" u="none" strike="noStrike" kern="1200" cap="none" spc="0" normalizeH="0" baseline="0" noProof="0">
               <a:ln>
@@ -15874,7 +15874,7 @@
           <a:p>
             <a:fld id="{880387B8-3802-47BF-8C63-CEC4E1DDA9E2}" type="datetimeFigureOut">
               <a:rPr lang="ko-KR" altLang="en-US" smtClean="0"/>
-              <a:t>2018-06-04</a:t>
+              <a:t>2018-06-05</a:t>
             </a:fld>
             <a:endParaRPr lang="ko-KR" altLang="en-US"/>
           </a:p>
@@ -16382,7 +16382,7 @@
           <a:p>
             <a:fld id="{365DA058-1A9C-4BAD-94E2-21D6C076F22A}" type="datetimeFigureOut">
               <a:rPr lang="ko-KR" altLang="en-US" smtClean="0"/>
-              <a:t>2018-06-04</a:t>
+              <a:t>2018-06-05</a:t>
             </a:fld>
             <a:endParaRPr lang="ko-KR" altLang="en-US"/>
           </a:p>
@@ -16927,7 +16927,7 @@
           <a:p>
             <a:r>
               <a:rPr lang="en-US" altLang="ko-KR" dirty="0" smtClean="0"/>
-              <a:t>Day6 (6</a:t>
+              <a:t>Day7 (6</a:t>
             </a:r>
             <a:r>
               <a:rPr lang="ko-KR" altLang="en-US" dirty="0" smtClean="0"/>
@@ -16935,7 +16935,7 @@
             </a:r>
             <a:r>
               <a:rPr lang="en-US" altLang="ko-KR" dirty="0" smtClean="0"/>
-              <a:t>6</a:t>
+              <a:t>7</a:t>
             </a:r>
             <a:r>
               <a:rPr lang="ko-KR" altLang="en-US" dirty="0" smtClean="0"/>
@@ -16978,6 +16978,13 @@
   <p:clrMapOvr>
     <a:masterClrMapping/>
   </p:clrMapOvr>
+  <p:timing>
+    <p:tnLst>
+      <p:par>
+        <p:cTn id="1" dur="indefinite" restart="never" nodeType="tmRoot"/>
+      </p:par>
+    </p:tnLst>
+  </p:timing>
 </p:sld>
 </file>
 
@@ -24084,7 +24091,7 @@
           <a:p>
             <a:r>
               <a:rPr lang="en-US" altLang="ko-KR" dirty="0" smtClean="0"/>
-              <a:t>Day5 (6</a:t>
+              <a:t>Day6 (6</a:t>
             </a:r>
             <a:r>
               <a:rPr lang="ko-KR" altLang="en-US" dirty="0" smtClean="0"/>
@@ -24126,9 +24133,37 @@
               <a:t>학습목표</a:t>
             </a:r>
             <a:r>
-              <a:rPr lang="en-US" altLang="ko-KR" dirty="0"/>
-              <a:t>:</a:t>
-            </a:r>
+              <a:rPr lang="en-US" altLang="ko-KR" dirty="0" smtClean="0"/>
+              <a:t>: </a:t>
+            </a:r>
+          </a:p>
+          <a:p>
+            <a:pPr lvl="1"/>
+            <a:r>
+              <a:rPr lang="ko-KR" altLang="en-US" dirty="0" smtClean="0"/>
+              <a:t>텍스트 파일</a:t>
+            </a:r>
+            <a:r>
+              <a:rPr lang="en-US" altLang="ko-KR" dirty="0" smtClean="0"/>
+              <a:t>, </a:t>
+            </a:r>
+            <a:r>
+              <a:rPr lang="ko-KR" altLang="en-US" dirty="0" smtClean="0"/>
+              <a:t>데이터베이스</a:t>
+            </a:r>
+            <a:r>
+              <a:rPr lang="en-US" altLang="ko-KR" dirty="0" smtClean="0"/>
+              <a:t>, </a:t>
+            </a:r>
+            <a:r>
+              <a:rPr lang="ko-KR" altLang="en-US" dirty="0" smtClean="0"/>
+              <a:t>웹 등 다양한 데이터 소스로부터 데이터를 수집하고 분석할 수 있도록 준비한다</a:t>
+            </a:r>
+            <a:r>
+              <a:rPr lang="en-US" altLang="ko-KR" dirty="0" smtClean="0"/>
+              <a:t>.</a:t>
+            </a:r>
+            <a:endParaRPr lang="en-US" altLang="ko-KR" dirty="0"/>
           </a:p>
           <a:p>
             <a:r>
@@ -24136,9 +24171,268 @@
               <a:t>과제</a:t>
             </a:r>
             <a:r>
+              <a:rPr lang="en-US" altLang="ko-KR" dirty="0" smtClean="0"/>
+              <a:t>:</a:t>
+            </a:r>
+          </a:p>
+          <a:p>
+            <a:pPr lvl="1"/>
+            <a:r>
+              <a:rPr lang="ko-KR" altLang="en-US" dirty="0" smtClean="0"/>
+              <a:t>과제 </a:t>
+            </a:r>
+            <a:r>
+              <a:rPr lang="en-US" altLang="ko-KR" dirty="0" smtClean="0"/>
+              <a:t>1</a:t>
+            </a:r>
+          </a:p>
+          <a:p>
+            <a:pPr marL="1257300" lvl="2" indent="-342900">
+              <a:buFont typeface="+mj-lt"/>
+              <a:buAutoNum type="arabicPeriod"/>
+            </a:pPr>
+            <a:r>
+              <a:rPr lang="en-US" altLang="ko-KR" dirty="0" smtClean="0"/>
+              <a:t>concrete.csv</a:t>
+            </a:r>
+            <a:r>
+              <a:rPr lang="ko-KR" altLang="en-US" dirty="0"/>
+              <a:t>의 각 열의 데이터를 </a:t>
+            </a:r>
+            <a:r>
+              <a:rPr lang="en-US" altLang="ko-KR" dirty="0" err="1"/>
+              <a:t>zscore</a:t>
+            </a:r>
+            <a:r>
               <a:rPr lang="en-US" altLang="ko-KR" dirty="0"/>
-              <a:t>:</a:t>
-            </a:r>
+              <a:t> </a:t>
+            </a:r>
+            <a:r>
+              <a:rPr lang="ko-KR" altLang="en-US" dirty="0"/>
+              <a:t>표준화하는 </a:t>
+            </a:r>
+            <a:r>
+              <a:rPr lang="en-US" altLang="ko-KR" dirty="0" err="1"/>
+              <a:t>zscore_standize</a:t>
+            </a:r>
+            <a:r>
+              <a:rPr lang="en-US" altLang="ko-KR" dirty="0"/>
+              <a:t> </a:t>
+            </a:r>
+            <a:r>
+              <a:rPr lang="ko-KR" altLang="en-US" dirty="0"/>
+              <a:t>함수를 정의하고 이를 적용한 결과를 </a:t>
+            </a:r>
+            <a:r>
+              <a:rPr lang="en-US" altLang="ko-KR" dirty="0" err="1"/>
+              <a:t>zs_concrete</a:t>
+            </a:r>
+            <a:r>
+              <a:rPr lang="ko-KR" altLang="en-US" dirty="0"/>
+              <a:t>에 대입하라</a:t>
+            </a:r>
+            <a:r>
+              <a:rPr lang="en-US" altLang="ko-KR" dirty="0"/>
+              <a:t>.</a:t>
+            </a:r>
+          </a:p>
+          <a:p>
+            <a:pPr marL="1257300" lvl="2" indent="-342900">
+              <a:buFont typeface="+mj-lt"/>
+              <a:buAutoNum type="arabicPeriod"/>
+            </a:pPr>
+            <a:r>
+              <a:rPr lang="en-US" altLang="ko-KR" dirty="0" smtClean="0"/>
+              <a:t>concrete.csv</a:t>
+            </a:r>
+            <a:r>
+              <a:rPr lang="ko-KR" altLang="en-US" dirty="0"/>
+              <a:t>의 각 열의 데이터를 최소</a:t>
+            </a:r>
+            <a:r>
+              <a:rPr lang="en-US" altLang="ko-KR" dirty="0"/>
+              <a:t>-</a:t>
+            </a:r>
+            <a:r>
+              <a:rPr lang="ko-KR" altLang="en-US" dirty="0"/>
+              <a:t>최대 정규화하는 </a:t>
+            </a:r>
+            <a:r>
+              <a:rPr lang="en-US" altLang="ko-KR" dirty="0" err="1"/>
+              <a:t>minmax_normalize</a:t>
+            </a:r>
+            <a:r>
+              <a:rPr lang="en-US" altLang="ko-KR" dirty="0"/>
+              <a:t> </a:t>
+            </a:r>
+            <a:r>
+              <a:rPr lang="ko-KR" altLang="en-US" dirty="0"/>
+              <a:t>함수를 정의하고 이를 적용한 결과를 </a:t>
+            </a:r>
+            <a:r>
+              <a:rPr lang="en-US" altLang="ko-KR" dirty="0" err="1"/>
+              <a:t>mm_concrete</a:t>
+            </a:r>
+            <a:r>
+              <a:rPr lang="ko-KR" altLang="en-US" dirty="0"/>
+              <a:t>에 대입하라</a:t>
+            </a:r>
+            <a:r>
+              <a:rPr lang="en-US" altLang="ko-KR" dirty="0"/>
+              <a:t>.</a:t>
+            </a:r>
+          </a:p>
+          <a:p>
+            <a:pPr marL="1257300" lvl="2" indent="-342900">
+              <a:buFont typeface="+mj-lt"/>
+              <a:buAutoNum type="arabicPeriod"/>
+            </a:pPr>
+            <a:r>
+              <a:rPr lang="en-US" altLang="ko-KR" dirty="0"/>
+              <a:t>3. 1</a:t>
+            </a:r>
+            <a:r>
+              <a:rPr lang="ko-KR" altLang="en-US" dirty="0"/>
+              <a:t>과 </a:t>
+            </a:r>
+            <a:r>
+              <a:rPr lang="en-US" altLang="ko-KR" dirty="0"/>
+              <a:t>2</a:t>
+            </a:r>
+            <a:r>
+              <a:rPr lang="ko-KR" altLang="en-US" dirty="0"/>
+              <a:t>에서 정규화한 데이터를 시각화하라</a:t>
+            </a:r>
+            <a:r>
+              <a:rPr lang="en-US" altLang="ko-KR" dirty="0"/>
+              <a:t>.</a:t>
+            </a:r>
+          </a:p>
+          <a:p>
+            <a:pPr lvl="1"/>
+            <a:r>
+              <a:rPr lang="ko-KR" altLang="en-US" dirty="0" smtClean="0"/>
+              <a:t>과제 </a:t>
+            </a:r>
+            <a:r>
+              <a:rPr lang="en-US" altLang="ko-KR" dirty="0" smtClean="0"/>
+              <a:t>2</a:t>
+            </a:r>
+          </a:p>
+          <a:p>
+            <a:pPr marL="1257300" lvl="2" indent="-342900">
+              <a:buFont typeface="+mj-lt"/>
+              <a:buAutoNum type="arabicPeriod"/>
+            </a:pPr>
+            <a:r>
+              <a:rPr lang="en-US" altLang="ko-KR" dirty="0" smtClean="0"/>
+              <a:t>concrete_na.csv</a:t>
+            </a:r>
+            <a:r>
+              <a:rPr lang="ko-KR" altLang="en-US" dirty="0" smtClean="0"/>
+              <a:t>를 </a:t>
+            </a:r>
+            <a:r>
+              <a:rPr lang="ko-KR" altLang="en-US" dirty="0" err="1" smtClean="0"/>
+              <a:t>읽어들여</a:t>
+            </a:r>
+            <a:r>
+              <a:rPr lang="ko-KR" altLang="en-US" dirty="0" smtClean="0"/>
+              <a:t> </a:t>
+            </a:r>
+            <a:r>
+              <a:rPr lang="en-US" altLang="ko-KR" dirty="0" err="1" smtClean="0"/>
+              <a:t>DataFrame</a:t>
+            </a:r>
+            <a:r>
+              <a:rPr lang="en-US" altLang="ko-KR" dirty="0" smtClean="0"/>
+              <a:t> </a:t>
+            </a:r>
+            <a:r>
+              <a:rPr lang="ko-KR" altLang="en-US" dirty="0" smtClean="0"/>
+              <a:t>객체 </a:t>
+            </a:r>
+            <a:r>
+              <a:rPr lang="en-US" altLang="ko-KR" dirty="0" smtClean="0"/>
+              <a:t>c2</a:t>
+            </a:r>
+            <a:r>
+              <a:rPr lang="ko-KR" altLang="en-US" dirty="0" smtClean="0"/>
+              <a:t>를 만든다</a:t>
+            </a:r>
+            <a:r>
+              <a:rPr lang="en-US" altLang="ko-KR" dirty="0" smtClean="0"/>
+              <a:t>.</a:t>
+            </a:r>
+          </a:p>
+          <a:p>
+            <a:pPr marL="1257300" lvl="2" indent="-342900">
+              <a:buFont typeface="+mj-lt"/>
+              <a:buAutoNum type="arabicPeriod"/>
+            </a:pPr>
+            <a:r>
+              <a:rPr lang="en-US" altLang="ko-KR" dirty="0" smtClean="0"/>
+              <a:t>c2</a:t>
+            </a:r>
+            <a:r>
+              <a:rPr lang="ko-KR" altLang="en-US" dirty="0" smtClean="0"/>
+              <a:t>에서 누락 값을 처리하여 </a:t>
+            </a:r>
+            <a:r>
+              <a:rPr lang="en-US" altLang="ko-KR" dirty="0" err="1" smtClean="0"/>
+              <a:t>zscore_standize</a:t>
+            </a:r>
+            <a:r>
+              <a:rPr lang="ko-KR" altLang="en-US" dirty="0" smtClean="0"/>
+              <a:t>를 적용한 </a:t>
+            </a:r>
+            <a:r>
+              <a:rPr lang="en-US" altLang="ko-KR" dirty="0" smtClean="0"/>
+              <a:t>zsc2</a:t>
+            </a:r>
+            <a:r>
+              <a:rPr lang="ko-KR" altLang="en-US" dirty="0" smtClean="0"/>
+              <a:t>를 생성한다</a:t>
+            </a:r>
+            <a:r>
+              <a:rPr lang="en-US" altLang="ko-KR" dirty="0" smtClean="0"/>
+              <a:t>.</a:t>
+            </a:r>
+          </a:p>
+          <a:p>
+            <a:pPr marL="1257300" lvl="2" indent="-342900">
+              <a:buFont typeface="+mj-lt"/>
+              <a:buAutoNum type="arabicPeriod"/>
+            </a:pPr>
+            <a:r>
+              <a:rPr lang="en-US" altLang="ko-KR" dirty="0" smtClean="0"/>
+              <a:t>c2</a:t>
+            </a:r>
+            <a:r>
+              <a:rPr lang="ko-KR" altLang="en-US" dirty="0" smtClean="0"/>
+              <a:t>에서 누락 값을 처리하여 </a:t>
+            </a:r>
+            <a:r>
+              <a:rPr lang="en-US" altLang="ko-KR" dirty="0" err="1" smtClean="0"/>
+              <a:t>minmax_normalize</a:t>
+            </a:r>
+            <a:r>
+              <a:rPr lang="ko-KR" altLang="en-US" dirty="0" smtClean="0"/>
+              <a:t>를 적용한 </a:t>
+            </a:r>
+            <a:r>
+              <a:rPr lang="en-US" altLang="ko-KR" dirty="0" smtClean="0"/>
+              <a:t>mmc2</a:t>
+            </a:r>
+            <a:r>
+              <a:rPr lang="ko-KR" altLang="en-US" dirty="0" smtClean="0"/>
+              <a:t>를 생성한다</a:t>
+            </a:r>
+            <a:r>
+              <a:rPr lang="en-US" altLang="ko-KR" dirty="0" smtClean="0"/>
+              <a:t>.</a:t>
+            </a:r>
+            <a:endParaRPr lang="en-US" altLang="ko-KR" dirty="0" smtClean="0"/>
           </a:p>
           <a:p>
             <a:endParaRPr lang="ko-KR" altLang="en-US" dirty="0"/>

--- a/한2018_파이썬을 활용한 데이터 분석_강의개요.pptx
+++ b/한2018_파이썬을 활용한 데이터 분석_강의개요.pptx
@@ -241,7 +241,7 @@
           <a:p>
             <a:fld id="{EED6BC92-8766-470F-B2F7-967053648231}" type="datetimeFigureOut">
               <a:rPr lang="ko-KR" altLang="en-US" smtClean="0"/>
-              <a:t>2018-06-05</a:t>
+              <a:t>2018-06-07</a:t>
             </a:fld>
             <a:endParaRPr lang="ko-KR" altLang="en-US"/>
           </a:p>
@@ -407,7 +407,7 @@
             <a:fld id="{D5D70811-BB17-44EC-93F5-EBED80FC02C9}" type="datetimeFigureOut">
               <a:rPr lang="ko-KR" altLang="en-US" smtClean="0"/>
               <a:pPr/>
-              <a:t>2018-06-05</a:t>
+              <a:t>2018-06-07</a:t>
             </a:fld>
             <a:endParaRPr lang="ko-KR" altLang="en-US"/>
           </a:p>
@@ -1150,7 +1150,7 @@
                 <a:tabLst/>
                 <a:defRPr/>
               </a:pPr>
-              <a:t>2018-06-05</a:t>
+              <a:t>2018-06-07</a:t>
             </a:fld>
             <a:endParaRPr kumimoji="0" lang="ko-KR" altLang="en-US" sz="1100" b="0" i="0" u="none" strike="noStrike" kern="1200" cap="none" spc="0" normalizeH="0" baseline="0" noProof="0">
               <a:ln>
@@ -1567,7 +1567,7 @@
                 <a:tabLst/>
                 <a:defRPr/>
               </a:pPr>
-              <a:t>2018-06-05</a:t>
+              <a:t>2018-06-07</a:t>
             </a:fld>
             <a:endParaRPr kumimoji="0" lang="ko-KR" altLang="en-US" sz="1100" b="0" i="0" u="none" strike="noStrike" kern="1200" cap="none" spc="0" normalizeH="0" baseline="0" noProof="0">
               <a:ln>
@@ -1900,7 +1900,7 @@
                 <a:tabLst/>
                 <a:defRPr/>
               </a:pPr>
-              <a:t>2018-06-05</a:t>
+              <a:t>2018-06-07</a:t>
             </a:fld>
             <a:endParaRPr kumimoji="0" lang="ko-KR" altLang="en-US" sz="1100" b="0" i="0" u="none" strike="noStrike" kern="1200" cap="none" spc="0" normalizeH="0" baseline="0" noProof="0">
               <a:ln>
@@ -2243,7 +2243,7 @@
                 <a:tabLst/>
                 <a:defRPr/>
               </a:pPr>
-              <a:t>2018-06-05</a:t>
+              <a:t>2018-06-07</a:t>
             </a:fld>
             <a:endParaRPr kumimoji="0" lang="ko-KR" altLang="en-US" sz="1100" b="0" i="0" u="none" strike="noStrike" kern="1200" cap="none" spc="0" normalizeH="0" baseline="0" noProof="0">
               <a:ln>
@@ -2637,7 +2637,7 @@
             <a:fld id="{BD343E2E-D187-44B7-945F-E031827BE040}" type="datetime1">
               <a:rPr lang="ko-KR" altLang="en-US" smtClean="0"/>
               <a:pPr/>
-              <a:t>2018-06-05</a:t>
+              <a:t>2018-06-07</a:t>
             </a:fld>
             <a:endParaRPr lang="ko-KR" altLang="en-US"/>
           </a:p>
@@ -2756,7 +2756,7 @@
             <a:fld id="{BD343E2E-D187-44B7-945F-E031827BE040}" type="datetime1">
               <a:rPr lang="ko-KR" altLang="en-US" smtClean="0"/>
               <a:pPr/>
-              <a:t>2018-06-05</a:t>
+              <a:t>2018-06-07</a:t>
             </a:fld>
             <a:endParaRPr lang="ko-KR" altLang="en-US"/>
           </a:p>
@@ -5608,7 +5608,7 @@
                 <a:tabLst/>
                 <a:defRPr/>
               </a:pPr>
-              <a:t>2018-06-05</a:t>
+              <a:t>2018-06-07</a:t>
             </a:fld>
             <a:endParaRPr kumimoji="0" lang="ko-KR" altLang="en-US" sz="1100" b="0" i="0" u="none" strike="noStrike" kern="1200" cap="none" spc="0" normalizeH="0" baseline="0" noProof="0">
               <a:ln>
@@ -7339,7 +7339,7 @@
           <a:p>
             <a:fld id="{880387B8-3802-47BF-8C63-CEC4E1DDA9E2}" type="datetimeFigureOut">
               <a:rPr lang="ko-KR" altLang="en-US" smtClean="0"/>
-              <a:t>2018-06-05</a:t>
+              <a:t>2018-06-07</a:t>
             </a:fld>
             <a:endParaRPr lang="ko-KR" altLang="en-US"/>
           </a:p>
@@ -7507,7 +7507,7 @@
           <a:p>
             <a:fld id="{880387B8-3802-47BF-8C63-CEC4E1DDA9E2}" type="datetimeFigureOut">
               <a:rPr lang="ko-KR" altLang="en-US" smtClean="0"/>
-              <a:t>2018-06-05</a:t>
+              <a:t>2018-06-07</a:t>
             </a:fld>
             <a:endParaRPr lang="ko-KR" altLang="en-US"/>
           </a:p>
@@ -8677,7 +8677,7 @@
           <a:p>
             <a:fld id="{880387B8-3802-47BF-8C63-CEC4E1DDA9E2}" type="datetimeFigureOut">
               <a:rPr lang="ko-KR" altLang="en-US" smtClean="0"/>
-              <a:t>2018-06-05</a:t>
+              <a:t>2018-06-07</a:t>
             </a:fld>
             <a:endParaRPr lang="ko-KR" altLang="en-US"/>
           </a:p>
@@ -8962,7 +8962,7 @@
           <a:p>
             <a:fld id="{880387B8-3802-47BF-8C63-CEC4E1DDA9E2}" type="datetimeFigureOut">
               <a:rPr lang="ko-KR" altLang="en-US" smtClean="0"/>
-              <a:t>2018-06-05</a:t>
+              <a:t>2018-06-07</a:t>
             </a:fld>
             <a:endParaRPr lang="ko-KR" altLang="en-US"/>
           </a:p>
@@ -9381,7 +9381,7 @@
           <a:p>
             <a:fld id="{880387B8-3802-47BF-8C63-CEC4E1DDA9E2}" type="datetimeFigureOut">
               <a:rPr lang="ko-KR" altLang="en-US" smtClean="0"/>
-              <a:t>2018-06-05</a:t>
+              <a:t>2018-06-07</a:t>
             </a:fld>
             <a:endParaRPr lang="ko-KR" altLang="en-US"/>
           </a:p>
@@ -9498,7 +9498,7 @@
           <a:p>
             <a:fld id="{880387B8-3802-47BF-8C63-CEC4E1DDA9E2}" type="datetimeFigureOut">
               <a:rPr lang="ko-KR" altLang="en-US" smtClean="0"/>
-              <a:t>2018-06-05</a:t>
+              <a:t>2018-06-07</a:t>
             </a:fld>
             <a:endParaRPr lang="ko-KR" altLang="en-US"/>
           </a:p>
@@ -9593,7 +9593,7 @@
           <a:p>
             <a:fld id="{880387B8-3802-47BF-8C63-CEC4E1DDA9E2}" type="datetimeFigureOut">
               <a:rPr lang="ko-KR" altLang="en-US" smtClean="0"/>
-              <a:t>2018-06-05</a:t>
+              <a:t>2018-06-07</a:t>
             </a:fld>
             <a:endParaRPr lang="ko-KR" altLang="en-US"/>
           </a:p>
@@ -9868,7 +9868,7 @@
           <a:p>
             <a:fld id="{880387B8-3802-47BF-8C63-CEC4E1DDA9E2}" type="datetimeFigureOut">
               <a:rPr lang="ko-KR" altLang="en-US" smtClean="0"/>
-              <a:t>2018-06-05</a:t>
+              <a:t>2018-06-07</a:t>
             </a:fld>
             <a:endParaRPr lang="ko-KR" altLang="en-US"/>
           </a:p>
@@ -10120,7 +10120,7 @@
           <a:p>
             <a:fld id="{880387B8-3802-47BF-8C63-CEC4E1DDA9E2}" type="datetimeFigureOut">
               <a:rPr lang="ko-KR" altLang="en-US" smtClean="0"/>
-              <a:t>2018-06-05</a:t>
+              <a:t>2018-06-07</a:t>
             </a:fld>
             <a:endParaRPr lang="ko-KR" altLang="en-US"/>
           </a:p>
@@ -10288,7 +10288,7 @@
           <a:p>
             <a:fld id="{880387B8-3802-47BF-8C63-CEC4E1DDA9E2}" type="datetimeFigureOut">
               <a:rPr lang="ko-KR" altLang="en-US" smtClean="0"/>
-              <a:t>2018-06-05</a:t>
+              <a:t>2018-06-07</a:t>
             </a:fld>
             <a:endParaRPr lang="ko-KR" altLang="en-US"/>
           </a:p>
@@ -10466,7 +10466,7 @@
           <a:p>
             <a:fld id="{880387B8-3802-47BF-8C63-CEC4E1DDA9E2}" type="datetimeFigureOut">
               <a:rPr lang="ko-KR" altLang="en-US" smtClean="0"/>
-              <a:t>2018-06-05</a:t>
+              <a:t>2018-06-07</a:t>
             </a:fld>
             <a:endParaRPr lang="ko-KR" altLang="en-US"/>
           </a:p>
@@ -10706,7 +10706,7 @@
           <a:p>
             <a:fld id="{365DA058-1A9C-4BAD-94E2-21D6C076F22A}" type="datetimeFigureOut">
               <a:rPr lang="ko-KR" altLang="en-US" smtClean="0"/>
-              <a:t>2018-06-05</a:t>
+              <a:t>2018-06-07</a:t>
             </a:fld>
             <a:endParaRPr lang="ko-KR" altLang="en-US"/>
           </a:p>
@@ -11001,7 +11001,7 @@
                 <a:tabLst/>
                 <a:defRPr/>
               </a:pPr>
-              <a:t>2018-06-05</a:t>
+              <a:t>2018-06-07</a:t>
             </a:fld>
             <a:endParaRPr kumimoji="0" lang="ko-KR" altLang="en-US" sz="1100" b="0" i="0" u="none" strike="noStrike" kern="1200" cap="none" spc="0" normalizeH="0" baseline="0" noProof="0">
               <a:ln>
@@ -11284,7 +11284,7 @@
           <a:p>
             <a:fld id="{365DA058-1A9C-4BAD-94E2-21D6C076F22A}" type="datetimeFigureOut">
               <a:rPr lang="ko-KR" altLang="en-US" smtClean="0"/>
-              <a:t>2018-06-05</a:t>
+              <a:t>2018-06-07</a:t>
             </a:fld>
             <a:endParaRPr lang="ko-KR" altLang="en-US"/>
           </a:p>
@@ -11529,7 +11529,7 @@
           <a:p>
             <a:fld id="{365DA058-1A9C-4BAD-94E2-21D6C076F22A}" type="datetimeFigureOut">
               <a:rPr lang="ko-KR" altLang="en-US" smtClean="0"/>
-              <a:t>2018-06-05</a:t>
+              <a:t>2018-06-07</a:t>
             </a:fld>
             <a:endParaRPr lang="ko-KR" altLang="en-US"/>
           </a:p>
@@ -11814,7 +11814,7 @@
           <a:p>
             <a:fld id="{365DA058-1A9C-4BAD-94E2-21D6C076F22A}" type="datetimeFigureOut">
               <a:rPr lang="ko-KR" altLang="en-US" smtClean="0"/>
-              <a:t>2018-06-05</a:t>
+              <a:t>2018-06-07</a:t>
             </a:fld>
             <a:endParaRPr lang="ko-KR" altLang="en-US"/>
           </a:p>
@@ -12233,7 +12233,7 @@
           <a:p>
             <a:fld id="{365DA058-1A9C-4BAD-94E2-21D6C076F22A}" type="datetimeFigureOut">
               <a:rPr lang="ko-KR" altLang="en-US" smtClean="0"/>
-              <a:t>2018-06-05</a:t>
+              <a:t>2018-06-07</a:t>
             </a:fld>
             <a:endParaRPr lang="ko-KR" altLang="en-US"/>
           </a:p>
@@ -12350,7 +12350,7 @@
           <a:p>
             <a:fld id="{365DA058-1A9C-4BAD-94E2-21D6C076F22A}" type="datetimeFigureOut">
               <a:rPr lang="ko-KR" altLang="en-US" smtClean="0"/>
-              <a:t>2018-06-05</a:t>
+              <a:t>2018-06-07</a:t>
             </a:fld>
             <a:endParaRPr lang="ko-KR" altLang="en-US"/>
           </a:p>
@@ -12445,7 +12445,7 @@
           <a:p>
             <a:fld id="{365DA058-1A9C-4BAD-94E2-21D6C076F22A}" type="datetimeFigureOut">
               <a:rPr lang="ko-KR" altLang="en-US" smtClean="0"/>
-              <a:t>2018-06-05</a:t>
+              <a:t>2018-06-07</a:t>
             </a:fld>
             <a:endParaRPr lang="ko-KR" altLang="en-US"/>
           </a:p>
@@ -12720,7 +12720,7 @@
           <a:p>
             <a:fld id="{365DA058-1A9C-4BAD-94E2-21D6C076F22A}" type="datetimeFigureOut">
               <a:rPr lang="ko-KR" altLang="en-US" smtClean="0"/>
-              <a:t>2018-06-05</a:t>
+              <a:t>2018-06-07</a:t>
             </a:fld>
             <a:endParaRPr lang="ko-KR" altLang="en-US"/>
           </a:p>
@@ -12972,7 +12972,7 @@
           <a:p>
             <a:fld id="{365DA058-1A9C-4BAD-94E2-21D6C076F22A}" type="datetimeFigureOut">
               <a:rPr lang="ko-KR" altLang="en-US" smtClean="0"/>
-              <a:t>2018-06-05</a:t>
+              <a:t>2018-06-07</a:t>
             </a:fld>
             <a:endParaRPr lang="ko-KR" altLang="en-US"/>
           </a:p>
@@ -13140,7 +13140,7 @@
           <a:p>
             <a:fld id="{365DA058-1A9C-4BAD-94E2-21D6C076F22A}" type="datetimeFigureOut">
               <a:rPr lang="ko-KR" altLang="en-US" smtClean="0"/>
-              <a:t>2018-06-05</a:t>
+              <a:t>2018-06-07</a:t>
             </a:fld>
             <a:endParaRPr lang="ko-KR" altLang="en-US"/>
           </a:p>
@@ -13318,7 +13318,7 @@
           <a:p>
             <a:fld id="{365DA058-1A9C-4BAD-94E2-21D6C076F22A}" type="datetimeFigureOut">
               <a:rPr lang="ko-KR" altLang="en-US" smtClean="0"/>
-              <a:t>2018-06-05</a:t>
+              <a:t>2018-06-07</a:t>
             </a:fld>
             <a:endParaRPr lang="ko-KR" altLang="en-US"/>
           </a:p>
@@ -13653,7 +13653,7 @@
                 <a:tabLst/>
                 <a:defRPr/>
               </a:pPr>
-              <a:t>2018-06-05</a:t>
+              <a:t>2018-06-07</a:t>
             </a:fld>
             <a:endParaRPr kumimoji="0" lang="ko-KR" altLang="en-US" sz="1100" b="0" i="0" u="none" strike="noStrike" kern="1200" cap="none" spc="0" normalizeH="0" baseline="0" noProof="0">
               <a:ln>
@@ -14237,7 +14237,7 @@
                 <a:tabLst/>
                 <a:defRPr/>
               </a:pPr>
-              <a:t>2018-06-05</a:t>
+              <a:t>2018-06-07</a:t>
             </a:fld>
             <a:endParaRPr kumimoji="0" lang="ko-KR" altLang="en-US" sz="1100" b="0" i="0" u="none" strike="noStrike" kern="1200" cap="none" spc="0" normalizeH="0" baseline="0" noProof="0">
               <a:ln>
@@ -14519,7 +14519,7 @@
                 <a:tabLst/>
                 <a:defRPr/>
               </a:pPr>
-              <a:t>2018-06-05</a:t>
+              <a:t>2018-06-07</a:t>
             </a:fld>
             <a:endParaRPr kumimoji="0" lang="ko-KR" altLang="en-US" sz="1100" b="0" i="0" u="none" strike="noStrike" kern="1200" cap="none" spc="0" normalizeH="0" baseline="0" noProof="0">
               <a:ln>
@@ -14779,7 +14779,7 @@
                 <a:tabLst/>
                 <a:defRPr/>
               </a:pPr>
-              <a:t>2018-06-05</a:t>
+              <a:t>2018-06-07</a:t>
             </a:fld>
             <a:endParaRPr kumimoji="0" lang="ko-KR" altLang="en-US" sz="1100" b="0" i="0" u="none" strike="noStrike" kern="1200" cap="none" spc="0" normalizeH="0" baseline="0" noProof="0">
               <a:ln>
@@ -15095,7 +15095,7 @@
                 <a:tabLst/>
                 <a:defRPr/>
               </a:pPr>
-              <a:t>2018-06-05</a:t>
+              <a:t>2018-06-07</a:t>
             </a:fld>
             <a:endParaRPr kumimoji="0" lang="ko-KR" altLang="en-US" sz="1100" b="0" i="0" u="none" strike="noStrike" kern="1200" cap="none" spc="0" normalizeH="0" baseline="0" noProof="0">
               <a:ln>
@@ -15874,7 +15874,7 @@
           <a:p>
             <a:fld id="{880387B8-3802-47BF-8C63-CEC4E1DDA9E2}" type="datetimeFigureOut">
               <a:rPr lang="ko-KR" altLang="en-US" smtClean="0"/>
-              <a:t>2018-06-05</a:t>
+              <a:t>2018-06-07</a:t>
             </a:fld>
             <a:endParaRPr lang="ko-KR" altLang="en-US"/>
           </a:p>
@@ -16382,7 +16382,7 @@
           <a:p>
             <a:fld id="{365DA058-1A9C-4BAD-94E2-21D6C076F22A}" type="datetimeFigureOut">
               <a:rPr lang="ko-KR" altLang="en-US" smtClean="0"/>
-              <a:t>2018-06-05</a:t>
+              <a:t>2018-06-07</a:t>
             </a:fld>
             <a:endParaRPr lang="ko-KR" altLang="en-US"/>
           </a:p>
@@ -16964,7 +16964,269 @@
           <a:bodyPr/>
           <a:lstStyle/>
           <a:p>
-            <a:endParaRPr lang="ko-KR" altLang="en-US"/>
+            <a:r>
+              <a:rPr lang="ko-KR" altLang="en-US" dirty="0"/>
+              <a:t>학습목표</a:t>
+            </a:r>
+            <a:r>
+              <a:rPr lang="en-US" altLang="ko-KR" dirty="0"/>
+              <a:t>: </a:t>
+            </a:r>
+          </a:p>
+          <a:p>
+            <a:pPr lvl="1"/>
+            <a:r>
+              <a:rPr lang="en-US" altLang="ko-KR" dirty="0" smtClean="0"/>
+              <a:t>pandas</a:t>
+            </a:r>
+            <a:r>
+              <a:rPr lang="ko-KR" altLang="en-US" dirty="0" smtClean="0"/>
+              <a:t>의 </a:t>
+            </a:r>
+            <a:r>
+              <a:rPr lang="en-US" altLang="ko-KR" dirty="0" smtClean="0"/>
+              <a:t>merge, </a:t>
+            </a:r>
+            <a:r>
+              <a:rPr lang="en-US" altLang="ko-KR" dirty="0" err="1" smtClean="0"/>
+              <a:t>concat</a:t>
+            </a:r>
+            <a:r>
+              <a:rPr lang="en-US" altLang="ko-KR" dirty="0" smtClean="0"/>
+              <a:t>, </a:t>
+            </a:r>
+            <a:r>
+              <a:rPr lang="en-US" altLang="ko-KR" dirty="0" err="1" smtClean="0"/>
+              <a:t>combine_first</a:t>
+            </a:r>
+            <a:r>
+              <a:rPr lang="en-US" altLang="ko-KR" dirty="0" smtClean="0"/>
+              <a:t> </a:t>
+            </a:r>
+            <a:r>
+              <a:rPr lang="ko-KR" altLang="en-US" dirty="0" smtClean="0"/>
+              <a:t>함수를 이용해 </a:t>
+            </a:r>
+            <a:r>
+              <a:rPr lang="en-US" altLang="ko-KR" dirty="0" smtClean="0"/>
+              <a:t>Series</a:t>
+            </a:r>
+            <a:r>
+              <a:rPr lang="ko-KR" altLang="en-US" dirty="0" smtClean="0"/>
+              <a:t>나 </a:t>
+            </a:r>
+            <a:r>
+              <a:rPr lang="en-US" altLang="ko-KR" dirty="0" err="1" smtClean="0"/>
+              <a:t>DataFrame</a:t>
+            </a:r>
+            <a:r>
+              <a:rPr lang="en-US" altLang="ko-KR" dirty="0" smtClean="0"/>
+              <a:t> </a:t>
+            </a:r>
+            <a:r>
+              <a:rPr lang="ko-KR" altLang="en-US" dirty="0" smtClean="0"/>
+              <a:t>객체를 병합</a:t>
+            </a:r>
+            <a:r>
+              <a:rPr lang="en-US" altLang="ko-KR" dirty="0" smtClean="0"/>
+              <a:t> </a:t>
+            </a:r>
+            <a:r>
+              <a:rPr lang="ko-KR" altLang="en-US" dirty="0" smtClean="0"/>
+              <a:t>또는 연결할 수 있다</a:t>
+            </a:r>
+            <a:r>
+              <a:rPr lang="en-US" altLang="ko-KR" dirty="0" smtClean="0"/>
+              <a:t>.</a:t>
+            </a:r>
+          </a:p>
+          <a:p>
+            <a:pPr lvl="1"/>
+            <a:r>
+              <a:rPr lang="en-US" altLang="ko-KR" dirty="0" smtClean="0"/>
+              <a:t>pandas</a:t>
+            </a:r>
+            <a:r>
+              <a:rPr lang="ko-KR" altLang="en-US" dirty="0" smtClean="0"/>
+              <a:t>의 </a:t>
+            </a:r>
+            <a:r>
+              <a:rPr lang="en-US" altLang="ko-KR" dirty="0" smtClean="0"/>
+              <a:t>stack/unstack, pivot, </a:t>
+            </a:r>
+            <a:r>
+              <a:rPr lang="en-US" altLang="ko-KR" dirty="0" err="1" smtClean="0"/>
+              <a:t>set_index</a:t>
+            </a:r>
+            <a:r>
+              <a:rPr lang="en-US" altLang="ko-KR" dirty="0" smtClean="0"/>
+              <a:t> </a:t>
+            </a:r>
+            <a:r>
+              <a:rPr lang="ko-KR" altLang="en-US" dirty="0" smtClean="0"/>
+              <a:t>함수를 이용하여 </a:t>
+            </a:r>
+            <a:r>
+              <a:rPr lang="en-US" altLang="ko-KR" dirty="0" smtClean="0"/>
+              <a:t>Series</a:t>
+            </a:r>
+            <a:r>
+              <a:rPr lang="ko-KR" altLang="en-US" dirty="0" smtClean="0"/>
+              <a:t>나 </a:t>
+            </a:r>
+            <a:r>
+              <a:rPr lang="en-US" altLang="ko-KR" dirty="0" err="1" smtClean="0"/>
+              <a:t>DataFrame</a:t>
+            </a:r>
+            <a:r>
+              <a:rPr lang="en-US" altLang="ko-KR" dirty="0" smtClean="0"/>
+              <a:t> </a:t>
+            </a:r>
+            <a:r>
+              <a:rPr lang="ko-KR" altLang="en-US" dirty="0" smtClean="0"/>
+              <a:t>객체를 재형성할 수 있다</a:t>
+            </a:r>
+            <a:r>
+              <a:rPr lang="en-US" altLang="ko-KR" dirty="0" smtClean="0"/>
+              <a:t>.</a:t>
+            </a:r>
+          </a:p>
+          <a:p>
+            <a:r>
+              <a:rPr lang="ko-KR" altLang="en-US" dirty="0" smtClean="0"/>
+              <a:t>과제</a:t>
+            </a:r>
+            <a:r>
+              <a:rPr lang="en-US" altLang="ko-KR" dirty="0" smtClean="0"/>
+              <a:t>:</a:t>
+            </a:r>
+          </a:p>
+          <a:p>
+            <a:pPr lvl="1"/>
+            <a:r>
+              <a:rPr lang="ko-KR" altLang="en-US" dirty="0" smtClean="0"/>
+              <a:t>과제 </a:t>
+            </a:r>
+            <a:r>
+              <a:rPr lang="en-US" altLang="ko-KR" dirty="0" smtClean="0"/>
+              <a:t>1:</a:t>
+            </a:r>
+          </a:p>
+          <a:p>
+            <a:pPr lvl="2"/>
+            <a:r>
+              <a:rPr lang="en-US" altLang="ko-KR" dirty="0" smtClean="0"/>
+              <a:t>titanic.csv </a:t>
+            </a:r>
+            <a:r>
+              <a:rPr lang="ko-KR" altLang="en-US" dirty="0" smtClean="0"/>
+              <a:t>파일에서 누락 값을 처리</a:t>
+            </a:r>
+            <a:r>
+              <a:rPr lang="en-US" altLang="ko-KR" dirty="0"/>
+              <a:t> </a:t>
+            </a:r>
+            <a:r>
+              <a:rPr lang="ko-KR" altLang="en-US" dirty="0" smtClean="0"/>
+              <a:t>후 </a:t>
+            </a:r>
+            <a:r>
+              <a:rPr lang="en-US" altLang="ko-KR" dirty="0" err="1" smtClean="0"/>
+              <a:t>DataFrame</a:t>
+            </a:r>
+            <a:r>
+              <a:rPr lang="en-US" altLang="ko-KR" dirty="0" smtClean="0"/>
+              <a:t> </a:t>
+            </a:r>
+            <a:r>
+              <a:rPr lang="ko-KR" altLang="en-US" dirty="0" smtClean="0"/>
+              <a:t>객체인 </a:t>
+            </a:r>
+            <a:r>
+              <a:rPr lang="en-US" altLang="ko-KR" dirty="0" smtClean="0"/>
+              <a:t>titanic</a:t>
+            </a:r>
+            <a:r>
+              <a:rPr lang="ko-KR" altLang="en-US" dirty="0" smtClean="0"/>
+              <a:t>을 생성한다</a:t>
+            </a:r>
+            <a:r>
+              <a:rPr lang="en-US" altLang="ko-KR" dirty="0" smtClean="0"/>
+              <a:t>.</a:t>
+            </a:r>
+          </a:p>
+          <a:p>
+            <a:pPr lvl="2"/>
+            <a:r>
+              <a:rPr lang="en-US" altLang="ko-KR" dirty="0" smtClean="0"/>
+              <a:t>titanic</a:t>
+            </a:r>
+            <a:r>
+              <a:rPr lang="ko-KR" altLang="en-US" dirty="0" smtClean="0"/>
+              <a:t>에서 승객 등급별 생존자를 확인하기 편하도록 재형성한다</a:t>
+            </a:r>
+            <a:r>
+              <a:rPr lang="en-US" altLang="ko-KR" dirty="0" smtClean="0"/>
+              <a:t>.</a:t>
+            </a:r>
+          </a:p>
+          <a:p>
+            <a:pPr lvl="1"/>
+            <a:r>
+              <a:rPr lang="ko-KR" altLang="en-US" dirty="0" smtClean="0"/>
+              <a:t>과제 </a:t>
+            </a:r>
+            <a:r>
+              <a:rPr lang="en-US" altLang="ko-KR" dirty="0" smtClean="0"/>
+              <a:t>2:</a:t>
+            </a:r>
+          </a:p>
+          <a:p>
+            <a:pPr lvl="2"/>
+            <a:r>
+              <a:rPr lang="en-US" altLang="ko-KR" dirty="0" smtClean="0"/>
+              <a:t>7.5</a:t>
+            </a:r>
+            <a:r>
+              <a:rPr lang="ko-KR" altLang="en-US" dirty="0" smtClean="0"/>
+              <a:t>장의 예제</a:t>
+            </a:r>
+            <a:r>
+              <a:rPr lang="en-US" altLang="ko-KR" dirty="0" smtClean="0"/>
+              <a:t>: </a:t>
+            </a:r>
+            <a:r>
+              <a:rPr lang="ko-KR" altLang="en-US" dirty="0" smtClean="0"/>
+              <a:t>미국 </a:t>
+            </a:r>
+            <a:r>
+              <a:rPr lang="ko-KR" altLang="en-US" dirty="0" err="1" smtClean="0"/>
+              <a:t>농무부</a:t>
+            </a:r>
+            <a:r>
+              <a:rPr lang="ko-KR" altLang="en-US" dirty="0" smtClean="0"/>
+              <a:t> 음식 데이터베이스를 따라서 수행해보고 </a:t>
+            </a:r>
+            <a:r>
+              <a:rPr lang="en-US" altLang="ko-KR" dirty="0" smtClean="0"/>
+              <a:t>7</a:t>
+            </a:r>
+            <a:r>
+              <a:rPr lang="ko-KR" altLang="en-US" dirty="0" smtClean="0"/>
+              <a:t>장의 내용을 복습 및 예습한다</a:t>
+            </a:r>
+            <a:r>
+              <a:rPr lang="en-US" altLang="ko-KR" dirty="0" smtClean="0"/>
+              <a:t>.</a:t>
+            </a:r>
+          </a:p>
+          <a:p>
+            <a:pPr lvl="1"/>
+            <a:endParaRPr lang="en-US" altLang="ko-KR" dirty="0" smtClean="0"/>
+          </a:p>
+          <a:p>
+            <a:pPr lvl="1"/>
+            <a:endParaRPr lang="en-US" altLang="ko-KR" dirty="0" smtClean="0"/>
           </a:p>
         </p:txBody>
       </p:sp>
@@ -24432,7 +24694,6 @@
               <a:rPr lang="en-US" altLang="ko-KR" dirty="0" smtClean="0"/>
               <a:t>.</a:t>
             </a:r>
-            <a:endParaRPr lang="en-US" altLang="ko-KR" dirty="0" smtClean="0"/>
           </a:p>
           <a:p>
             <a:endParaRPr lang="ko-KR" altLang="en-US" dirty="0"/>

--- a/한2018_파이썬을 활용한 데이터 분석_강의개요.pptx
+++ b/한2018_파이썬을 활용한 데이터 분석_강의개요.pptx
@@ -7,10 +7,10 @@
     <p:sldMasterId id="2147483687" r:id="rId3"/>
   </p:sldMasterIdLst>
   <p:notesMasterIdLst>
-    <p:notesMasterId r:id="rId19"/>
+    <p:notesMasterId r:id="rId20"/>
   </p:notesMasterIdLst>
   <p:handoutMasterIdLst>
-    <p:handoutMasterId r:id="rId20"/>
+    <p:handoutMasterId r:id="rId21"/>
   </p:handoutMasterIdLst>
   <p:sldIdLst>
     <p:sldId id="1553" r:id="rId4"/>
@@ -18,16 +18,17 @@
     <p:sldId id="2093" r:id="rId6"/>
     <p:sldId id="2105" r:id="rId7"/>
     <p:sldId id="2097" r:id="rId8"/>
-    <p:sldId id="2100" r:id="rId9"/>
-    <p:sldId id="2102" r:id="rId10"/>
-    <p:sldId id="2104" r:id="rId11"/>
-    <p:sldId id="2101" r:id="rId12"/>
-    <p:sldId id="2103" r:id="rId13"/>
-    <p:sldId id="2096" r:id="rId14"/>
-    <p:sldId id="2098" r:id="rId15"/>
-    <p:sldId id="2095" r:id="rId16"/>
-    <p:sldId id="2099" r:id="rId17"/>
-    <p:sldId id="2106" r:id="rId18"/>
+    <p:sldId id="2099" r:id="rId9"/>
+    <p:sldId id="2100" r:id="rId10"/>
+    <p:sldId id="2102" r:id="rId11"/>
+    <p:sldId id="2104" r:id="rId12"/>
+    <p:sldId id="2101" r:id="rId13"/>
+    <p:sldId id="2103" r:id="rId14"/>
+    <p:sldId id="2107" r:id="rId15"/>
+    <p:sldId id="2096" r:id="rId16"/>
+    <p:sldId id="2098" r:id="rId17"/>
+    <p:sldId id="2095" r:id="rId18"/>
+    <p:sldId id="2106" r:id="rId19"/>
   </p:sldIdLst>
   <p:sldSz cx="9906000" cy="6858000" type="A4"/>
   <p:notesSz cx="7016750" cy="9302750"/>
@@ -241,7 +242,7 @@
           <a:p>
             <a:fld id="{EED6BC92-8766-470F-B2F7-967053648231}" type="datetimeFigureOut">
               <a:rPr lang="ko-KR" altLang="en-US" smtClean="0"/>
-              <a:t>2018-06-07</a:t>
+              <a:t>2018-06-08</a:t>
             </a:fld>
             <a:endParaRPr lang="ko-KR" altLang="en-US"/>
           </a:p>
@@ -407,7 +408,7 @@
             <a:fld id="{D5D70811-BB17-44EC-93F5-EBED80FC02C9}" type="datetimeFigureOut">
               <a:rPr lang="ko-KR" altLang="en-US" smtClean="0"/>
               <a:pPr/>
-              <a:t>2018-06-07</a:t>
+              <a:t>2018-06-08</a:t>
             </a:fld>
             <a:endParaRPr lang="ko-KR" altLang="en-US"/>
           </a:p>
@@ -1150,7 +1151,7 @@
                 <a:tabLst/>
                 <a:defRPr/>
               </a:pPr>
-              <a:t>2018-06-07</a:t>
+              <a:t>2018-06-08</a:t>
             </a:fld>
             <a:endParaRPr kumimoji="0" lang="ko-KR" altLang="en-US" sz="1100" b="0" i="0" u="none" strike="noStrike" kern="1200" cap="none" spc="0" normalizeH="0" baseline="0" noProof="0">
               <a:ln>
@@ -1567,7 +1568,7 @@
                 <a:tabLst/>
                 <a:defRPr/>
               </a:pPr>
-              <a:t>2018-06-07</a:t>
+              <a:t>2018-06-08</a:t>
             </a:fld>
             <a:endParaRPr kumimoji="0" lang="ko-KR" altLang="en-US" sz="1100" b="0" i="0" u="none" strike="noStrike" kern="1200" cap="none" spc="0" normalizeH="0" baseline="0" noProof="0">
               <a:ln>
@@ -1900,7 +1901,7 @@
                 <a:tabLst/>
                 <a:defRPr/>
               </a:pPr>
-              <a:t>2018-06-07</a:t>
+              <a:t>2018-06-08</a:t>
             </a:fld>
             <a:endParaRPr kumimoji="0" lang="ko-KR" altLang="en-US" sz="1100" b="0" i="0" u="none" strike="noStrike" kern="1200" cap="none" spc="0" normalizeH="0" baseline="0" noProof="0">
               <a:ln>
@@ -2243,7 +2244,7 @@
                 <a:tabLst/>
                 <a:defRPr/>
               </a:pPr>
-              <a:t>2018-06-07</a:t>
+              <a:t>2018-06-08</a:t>
             </a:fld>
             <a:endParaRPr kumimoji="0" lang="ko-KR" altLang="en-US" sz="1100" b="0" i="0" u="none" strike="noStrike" kern="1200" cap="none" spc="0" normalizeH="0" baseline="0" noProof="0">
               <a:ln>
@@ -2637,7 +2638,7 @@
             <a:fld id="{BD343E2E-D187-44B7-945F-E031827BE040}" type="datetime1">
               <a:rPr lang="ko-KR" altLang="en-US" smtClean="0"/>
               <a:pPr/>
-              <a:t>2018-06-07</a:t>
+              <a:t>2018-06-08</a:t>
             </a:fld>
             <a:endParaRPr lang="ko-KR" altLang="en-US"/>
           </a:p>
@@ -2756,7 +2757,7 @@
             <a:fld id="{BD343E2E-D187-44B7-945F-E031827BE040}" type="datetime1">
               <a:rPr lang="ko-KR" altLang="en-US" smtClean="0"/>
               <a:pPr/>
-              <a:t>2018-06-07</a:t>
+              <a:t>2018-06-08</a:t>
             </a:fld>
             <a:endParaRPr lang="ko-KR" altLang="en-US"/>
           </a:p>
@@ -5608,7 +5609,7 @@
                 <a:tabLst/>
                 <a:defRPr/>
               </a:pPr>
-              <a:t>2018-06-07</a:t>
+              <a:t>2018-06-08</a:t>
             </a:fld>
             <a:endParaRPr kumimoji="0" lang="ko-KR" altLang="en-US" sz="1100" b="0" i="0" u="none" strike="noStrike" kern="1200" cap="none" spc="0" normalizeH="0" baseline="0" noProof="0">
               <a:ln>
@@ -7339,7 +7340,7 @@
           <a:p>
             <a:fld id="{880387B8-3802-47BF-8C63-CEC4E1DDA9E2}" type="datetimeFigureOut">
               <a:rPr lang="ko-KR" altLang="en-US" smtClean="0"/>
-              <a:t>2018-06-07</a:t>
+              <a:t>2018-06-08</a:t>
             </a:fld>
             <a:endParaRPr lang="ko-KR" altLang="en-US"/>
           </a:p>
@@ -7507,7 +7508,7 @@
           <a:p>
             <a:fld id="{880387B8-3802-47BF-8C63-CEC4E1DDA9E2}" type="datetimeFigureOut">
               <a:rPr lang="ko-KR" altLang="en-US" smtClean="0"/>
-              <a:t>2018-06-07</a:t>
+              <a:t>2018-06-08</a:t>
             </a:fld>
             <a:endParaRPr lang="ko-KR" altLang="en-US"/>
           </a:p>
@@ -8677,7 +8678,7 @@
           <a:p>
             <a:fld id="{880387B8-3802-47BF-8C63-CEC4E1DDA9E2}" type="datetimeFigureOut">
               <a:rPr lang="ko-KR" altLang="en-US" smtClean="0"/>
-              <a:t>2018-06-07</a:t>
+              <a:t>2018-06-08</a:t>
             </a:fld>
             <a:endParaRPr lang="ko-KR" altLang="en-US"/>
           </a:p>
@@ -8962,7 +8963,7 @@
           <a:p>
             <a:fld id="{880387B8-3802-47BF-8C63-CEC4E1DDA9E2}" type="datetimeFigureOut">
               <a:rPr lang="ko-KR" altLang="en-US" smtClean="0"/>
-              <a:t>2018-06-07</a:t>
+              <a:t>2018-06-08</a:t>
             </a:fld>
             <a:endParaRPr lang="ko-KR" altLang="en-US"/>
           </a:p>
@@ -9381,7 +9382,7 @@
           <a:p>
             <a:fld id="{880387B8-3802-47BF-8C63-CEC4E1DDA9E2}" type="datetimeFigureOut">
               <a:rPr lang="ko-KR" altLang="en-US" smtClean="0"/>
-              <a:t>2018-06-07</a:t>
+              <a:t>2018-06-08</a:t>
             </a:fld>
             <a:endParaRPr lang="ko-KR" altLang="en-US"/>
           </a:p>
@@ -9498,7 +9499,7 @@
           <a:p>
             <a:fld id="{880387B8-3802-47BF-8C63-CEC4E1DDA9E2}" type="datetimeFigureOut">
               <a:rPr lang="ko-KR" altLang="en-US" smtClean="0"/>
-              <a:t>2018-06-07</a:t>
+              <a:t>2018-06-08</a:t>
             </a:fld>
             <a:endParaRPr lang="ko-KR" altLang="en-US"/>
           </a:p>
@@ -9593,7 +9594,7 @@
           <a:p>
             <a:fld id="{880387B8-3802-47BF-8C63-CEC4E1DDA9E2}" type="datetimeFigureOut">
               <a:rPr lang="ko-KR" altLang="en-US" smtClean="0"/>
-              <a:t>2018-06-07</a:t>
+              <a:t>2018-06-08</a:t>
             </a:fld>
             <a:endParaRPr lang="ko-KR" altLang="en-US"/>
           </a:p>
@@ -9868,7 +9869,7 @@
           <a:p>
             <a:fld id="{880387B8-3802-47BF-8C63-CEC4E1DDA9E2}" type="datetimeFigureOut">
               <a:rPr lang="ko-KR" altLang="en-US" smtClean="0"/>
-              <a:t>2018-06-07</a:t>
+              <a:t>2018-06-08</a:t>
             </a:fld>
             <a:endParaRPr lang="ko-KR" altLang="en-US"/>
           </a:p>
@@ -10120,7 +10121,7 @@
           <a:p>
             <a:fld id="{880387B8-3802-47BF-8C63-CEC4E1DDA9E2}" type="datetimeFigureOut">
               <a:rPr lang="ko-KR" altLang="en-US" smtClean="0"/>
-              <a:t>2018-06-07</a:t>
+              <a:t>2018-06-08</a:t>
             </a:fld>
             <a:endParaRPr lang="ko-KR" altLang="en-US"/>
           </a:p>
@@ -10288,7 +10289,7 @@
           <a:p>
             <a:fld id="{880387B8-3802-47BF-8C63-CEC4E1DDA9E2}" type="datetimeFigureOut">
               <a:rPr lang="ko-KR" altLang="en-US" smtClean="0"/>
-              <a:t>2018-06-07</a:t>
+              <a:t>2018-06-08</a:t>
             </a:fld>
             <a:endParaRPr lang="ko-KR" altLang="en-US"/>
           </a:p>
@@ -10466,7 +10467,7 @@
           <a:p>
             <a:fld id="{880387B8-3802-47BF-8C63-CEC4E1DDA9E2}" type="datetimeFigureOut">
               <a:rPr lang="ko-KR" altLang="en-US" smtClean="0"/>
-              <a:t>2018-06-07</a:t>
+              <a:t>2018-06-08</a:t>
             </a:fld>
             <a:endParaRPr lang="ko-KR" altLang="en-US"/>
           </a:p>
@@ -10706,7 +10707,7 @@
           <a:p>
             <a:fld id="{365DA058-1A9C-4BAD-94E2-21D6C076F22A}" type="datetimeFigureOut">
               <a:rPr lang="ko-KR" altLang="en-US" smtClean="0"/>
-              <a:t>2018-06-07</a:t>
+              <a:t>2018-06-08</a:t>
             </a:fld>
             <a:endParaRPr lang="ko-KR" altLang="en-US"/>
           </a:p>
@@ -11001,7 +11002,7 @@
                 <a:tabLst/>
                 <a:defRPr/>
               </a:pPr>
-              <a:t>2018-06-07</a:t>
+              <a:t>2018-06-08</a:t>
             </a:fld>
             <a:endParaRPr kumimoji="0" lang="ko-KR" altLang="en-US" sz="1100" b="0" i="0" u="none" strike="noStrike" kern="1200" cap="none" spc="0" normalizeH="0" baseline="0" noProof="0">
               <a:ln>
@@ -11284,7 +11285,7 @@
           <a:p>
             <a:fld id="{365DA058-1A9C-4BAD-94E2-21D6C076F22A}" type="datetimeFigureOut">
               <a:rPr lang="ko-KR" altLang="en-US" smtClean="0"/>
-              <a:t>2018-06-07</a:t>
+              <a:t>2018-06-08</a:t>
             </a:fld>
             <a:endParaRPr lang="ko-KR" altLang="en-US"/>
           </a:p>
@@ -11529,7 +11530,7 @@
           <a:p>
             <a:fld id="{365DA058-1A9C-4BAD-94E2-21D6C076F22A}" type="datetimeFigureOut">
               <a:rPr lang="ko-KR" altLang="en-US" smtClean="0"/>
-              <a:t>2018-06-07</a:t>
+              <a:t>2018-06-08</a:t>
             </a:fld>
             <a:endParaRPr lang="ko-KR" altLang="en-US"/>
           </a:p>
@@ -11814,7 +11815,7 @@
           <a:p>
             <a:fld id="{365DA058-1A9C-4BAD-94E2-21D6C076F22A}" type="datetimeFigureOut">
               <a:rPr lang="ko-KR" altLang="en-US" smtClean="0"/>
-              <a:t>2018-06-07</a:t>
+              <a:t>2018-06-08</a:t>
             </a:fld>
             <a:endParaRPr lang="ko-KR" altLang="en-US"/>
           </a:p>
@@ -12233,7 +12234,7 @@
           <a:p>
             <a:fld id="{365DA058-1A9C-4BAD-94E2-21D6C076F22A}" type="datetimeFigureOut">
               <a:rPr lang="ko-KR" altLang="en-US" smtClean="0"/>
-              <a:t>2018-06-07</a:t>
+              <a:t>2018-06-08</a:t>
             </a:fld>
             <a:endParaRPr lang="ko-KR" altLang="en-US"/>
           </a:p>
@@ -12350,7 +12351,7 @@
           <a:p>
             <a:fld id="{365DA058-1A9C-4BAD-94E2-21D6C076F22A}" type="datetimeFigureOut">
               <a:rPr lang="ko-KR" altLang="en-US" smtClean="0"/>
-              <a:t>2018-06-07</a:t>
+              <a:t>2018-06-08</a:t>
             </a:fld>
             <a:endParaRPr lang="ko-KR" altLang="en-US"/>
           </a:p>
@@ -12445,7 +12446,7 @@
           <a:p>
             <a:fld id="{365DA058-1A9C-4BAD-94E2-21D6C076F22A}" type="datetimeFigureOut">
               <a:rPr lang="ko-KR" altLang="en-US" smtClean="0"/>
-              <a:t>2018-06-07</a:t>
+              <a:t>2018-06-08</a:t>
             </a:fld>
             <a:endParaRPr lang="ko-KR" altLang="en-US"/>
           </a:p>
@@ -12720,7 +12721,7 @@
           <a:p>
             <a:fld id="{365DA058-1A9C-4BAD-94E2-21D6C076F22A}" type="datetimeFigureOut">
               <a:rPr lang="ko-KR" altLang="en-US" smtClean="0"/>
-              <a:t>2018-06-07</a:t>
+              <a:t>2018-06-08</a:t>
             </a:fld>
             <a:endParaRPr lang="ko-KR" altLang="en-US"/>
           </a:p>
@@ -12972,7 +12973,7 @@
           <a:p>
             <a:fld id="{365DA058-1A9C-4BAD-94E2-21D6C076F22A}" type="datetimeFigureOut">
               <a:rPr lang="ko-KR" altLang="en-US" smtClean="0"/>
-              <a:t>2018-06-07</a:t>
+              <a:t>2018-06-08</a:t>
             </a:fld>
             <a:endParaRPr lang="ko-KR" altLang="en-US"/>
           </a:p>
@@ -13140,7 +13141,7 @@
           <a:p>
             <a:fld id="{365DA058-1A9C-4BAD-94E2-21D6C076F22A}" type="datetimeFigureOut">
               <a:rPr lang="ko-KR" altLang="en-US" smtClean="0"/>
-              <a:t>2018-06-07</a:t>
+              <a:t>2018-06-08</a:t>
             </a:fld>
             <a:endParaRPr lang="ko-KR" altLang="en-US"/>
           </a:p>
@@ -13318,7 +13319,7 @@
           <a:p>
             <a:fld id="{365DA058-1A9C-4BAD-94E2-21D6C076F22A}" type="datetimeFigureOut">
               <a:rPr lang="ko-KR" altLang="en-US" smtClean="0"/>
-              <a:t>2018-06-07</a:t>
+              <a:t>2018-06-08</a:t>
             </a:fld>
             <a:endParaRPr lang="ko-KR" altLang="en-US"/>
           </a:p>
@@ -13653,7 +13654,7 @@
                 <a:tabLst/>
                 <a:defRPr/>
               </a:pPr>
-              <a:t>2018-06-07</a:t>
+              <a:t>2018-06-08</a:t>
             </a:fld>
             <a:endParaRPr kumimoji="0" lang="ko-KR" altLang="en-US" sz="1100" b="0" i="0" u="none" strike="noStrike" kern="1200" cap="none" spc="0" normalizeH="0" baseline="0" noProof="0">
               <a:ln>
@@ -14237,7 +14238,7 @@
                 <a:tabLst/>
                 <a:defRPr/>
               </a:pPr>
-              <a:t>2018-06-07</a:t>
+              <a:t>2018-06-08</a:t>
             </a:fld>
             <a:endParaRPr kumimoji="0" lang="ko-KR" altLang="en-US" sz="1100" b="0" i="0" u="none" strike="noStrike" kern="1200" cap="none" spc="0" normalizeH="0" baseline="0" noProof="0">
               <a:ln>
@@ -14519,7 +14520,7 @@
                 <a:tabLst/>
                 <a:defRPr/>
               </a:pPr>
-              <a:t>2018-06-07</a:t>
+              <a:t>2018-06-08</a:t>
             </a:fld>
             <a:endParaRPr kumimoji="0" lang="ko-KR" altLang="en-US" sz="1100" b="0" i="0" u="none" strike="noStrike" kern="1200" cap="none" spc="0" normalizeH="0" baseline="0" noProof="0">
               <a:ln>
@@ -14779,7 +14780,7 @@
                 <a:tabLst/>
                 <a:defRPr/>
               </a:pPr>
-              <a:t>2018-06-07</a:t>
+              <a:t>2018-06-08</a:t>
             </a:fld>
             <a:endParaRPr kumimoji="0" lang="ko-KR" altLang="en-US" sz="1100" b="0" i="0" u="none" strike="noStrike" kern="1200" cap="none" spc="0" normalizeH="0" baseline="0" noProof="0">
               <a:ln>
@@ -15095,7 +15096,7 @@
                 <a:tabLst/>
                 <a:defRPr/>
               </a:pPr>
-              <a:t>2018-06-07</a:t>
+              <a:t>2018-06-08</a:t>
             </a:fld>
             <a:endParaRPr kumimoji="0" lang="ko-KR" altLang="en-US" sz="1100" b="0" i="0" u="none" strike="noStrike" kern="1200" cap="none" spc="0" normalizeH="0" baseline="0" noProof="0">
               <a:ln>
@@ -15874,7 +15875,7 @@
           <a:p>
             <a:fld id="{880387B8-3802-47BF-8C63-CEC4E1DDA9E2}" type="datetimeFigureOut">
               <a:rPr lang="ko-KR" altLang="en-US" smtClean="0"/>
-              <a:t>2018-06-07</a:t>
+              <a:t>2018-06-08</a:t>
             </a:fld>
             <a:endParaRPr lang="ko-KR" altLang="en-US"/>
           </a:p>
@@ -16382,7 +16383,7 @@
           <a:p>
             <a:fld id="{365DA058-1A9C-4BAD-94E2-21D6C076F22A}" type="datetimeFigureOut">
               <a:rPr lang="ko-KR" altLang="en-US" smtClean="0"/>
-              <a:t>2018-06-07</a:t>
+              <a:t>2018-06-08</a:t>
             </a:fld>
             <a:endParaRPr lang="ko-KR" altLang="en-US"/>
           </a:p>
@@ -16927,7 +16928,7 @@
           <a:p>
             <a:r>
               <a:rPr lang="en-US" altLang="ko-KR" dirty="0" smtClean="0"/>
-              <a:t>Day7 (6</a:t>
+              <a:t>Day6 (6</a:t>
             </a:r>
             <a:r>
               <a:rPr lang="ko-KR" altLang="en-US" dirty="0" smtClean="0"/>
@@ -16935,7 +16936,7 @@
             </a:r>
             <a:r>
               <a:rPr lang="en-US" altLang="ko-KR" dirty="0" smtClean="0"/>
-              <a:t>7</a:t>
+              <a:t>5</a:t>
             </a:r>
             <a:r>
               <a:rPr lang="ko-KR" altLang="en-US" dirty="0" smtClean="0"/>
@@ -16969,51 +16970,212 @@
               <a:t>학습목표</a:t>
             </a:r>
             <a:r>
+              <a:rPr lang="en-US" altLang="ko-KR" dirty="0" smtClean="0"/>
+              <a:t>: </a:t>
+            </a:r>
+          </a:p>
+          <a:p>
+            <a:pPr lvl="1"/>
+            <a:r>
+              <a:rPr lang="ko-KR" altLang="en-US" dirty="0" smtClean="0"/>
+              <a:t>텍스트 파일</a:t>
+            </a:r>
+            <a:r>
+              <a:rPr lang="en-US" altLang="ko-KR" dirty="0" smtClean="0"/>
+              <a:t>, </a:t>
+            </a:r>
+            <a:r>
+              <a:rPr lang="ko-KR" altLang="en-US" dirty="0" smtClean="0"/>
+              <a:t>데이터베이스</a:t>
+            </a:r>
+            <a:r>
+              <a:rPr lang="en-US" altLang="ko-KR" dirty="0" smtClean="0"/>
+              <a:t>, </a:t>
+            </a:r>
+            <a:r>
+              <a:rPr lang="ko-KR" altLang="en-US" dirty="0" smtClean="0"/>
+              <a:t>웹 등 다양한 데이터 소스로부터 데이터를 수집하고 분석할 수 있도록 준비한다</a:t>
+            </a:r>
+            <a:r>
+              <a:rPr lang="en-US" altLang="ko-KR" dirty="0" smtClean="0"/>
+              <a:t>.</a:t>
+            </a:r>
+            <a:endParaRPr lang="en-US" altLang="ko-KR" dirty="0"/>
+          </a:p>
+          <a:p>
+            <a:r>
+              <a:rPr lang="ko-KR" altLang="en-US" dirty="0" smtClean="0"/>
+              <a:t>과제</a:t>
+            </a:r>
+            <a:r>
+              <a:rPr lang="en-US" altLang="ko-KR" dirty="0" smtClean="0"/>
+              <a:t>:</a:t>
+            </a:r>
+          </a:p>
+          <a:p>
+            <a:pPr lvl="1"/>
+            <a:r>
+              <a:rPr lang="ko-KR" altLang="en-US" dirty="0" smtClean="0"/>
+              <a:t>과제 </a:t>
+            </a:r>
+            <a:r>
+              <a:rPr lang="en-US" altLang="ko-KR" dirty="0" smtClean="0"/>
+              <a:t>1</a:t>
+            </a:r>
+          </a:p>
+          <a:p>
+            <a:pPr marL="1257300" lvl="2" indent="-342900">
+              <a:buFont typeface="+mj-lt"/>
+              <a:buAutoNum type="arabicPeriod"/>
+            </a:pPr>
+            <a:r>
+              <a:rPr lang="en-US" altLang="ko-KR" dirty="0" smtClean="0"/>
+              <a:t>concrete.csv</a:t>
+            </a:r>
+            <a:r>
+              <a:rPr lang="ko-KR" altLang="en-US" dirty="0"/>
+              <a:t>의 각 열의 데이터를 </a:t>
+            </a:r>
+            <a:r>
+              <a:rPr lang="en-US" altLang="ko-KR" dirty="0" err="1"/>
+              <a:t>zscore</a:t>
+            </a:r>
+            <a:r>
               <a:rPr lang="en-US" altLang="ko-KR" dirty="0"/>
-              <a:t>: </a:t>
+              <a:t> </a:t>
+            </a:r>
+            <a:r>
+              <a:rPr lang="ko-KR" altLang="en-US" dirty="0"/>
+              <a:t>표준화하는 </a:t>
+            </a:r>
+            <a:r>
+              <a:rPr lang="en-US" altLang="ko-KR" dirty="0" err="1"/>
+              <a:t>zscore_standize</a:t>
+            </a:r>
+            <a:r>
+              <a:rPr lang="en-US" altLang="ko-KR" dirty="0"/>
+              <a:t> </a:t>
+            </a:r>
+            <a:r>
+              <a:rPr lang="ko-KR" altLang="en-US" dirty="0"/>
+              <a:t>함수를 정의하고 이를 적용한 결과를 </a:t>
+            </a:r>
+            <a:r>
+              <a:rPr lang="en-US" altLang="ko-KR" dirty="0" err="1"/>
+              <a:t>zs_concrete</a:t>
+            </a:r>
+            <a:r>
+              <a:rPr lang="ko-KR" altLang="en-US" dirty="0"/>
+              <a:t>에 대입하라</a:t>
+            </a:r>
+            <a:r>
+              <a:rPr lang="en-US" altLang="ko-KR" dirty="0"/>
+              <a:t>.</a:t>
+            </a:r>
+          </a:p>
+          <a:p>
+            <a:pPr marL="1257300" lvl="2" indent="-342900">
+              <a:buFont typeface="+mj-lt"/>
+              <a:buAutoNum type="arabicPeriod"/>
+            </a:pPr>
+            <a:r>
+              <a:rPr lang="en-US" altLang="ko-KR" dirty="0" smtClean="0"/>
+              <a:t>concrete.csv</a:t>
+            </a:r>
+            <a:r>
+              <a:rPr lang="ko-KR" altLang="en-US" dirty="0"/>
+              <a:t>의 각 열의 데이터를 최소</a:t>
+            </a:r>
+            <a:r>
+              <a:rPr lang="en-US" altLang="ko-KR" dirty="0"/>
+              <a:t>-</a:t>
+            </a:r>
+            <a:r>
+              <a:rPr lang="ko-KR" altLang="en-US" dirty="0"/>
+              <a:t>최대 정규화하는 </a:t>
+            </a:r>
+            <a:r>
+              <a:rPr lang="en-US" altLang="ko-KR" dirty="0" err="1"/>
+              <a:t>minmax_normalize</a:t>
+            </a:r>
+            <a:r>
+              <a:rPr lang="en-US" altLang="ko-KR" dirty="0"/>
+              <a:t> </a:t>
+            </a:r>
+            <a:r>
+              <a:rPr lang="ko-KR" altLang="en-US" dirty="0"/>
+              <a:t>함수를 정의하고 이를 적용한 결과를 </a:t>
+            </a:r>
+            <a:r>
+              <a:rPr lang="en-US" altLang="ko-KR" dirty="0" err="1"/>
+              <a:t>mm_concrete</a:t>
+            </a:r>
+            <a:r>
+              <a:rPr lang="ko-KR" altLang="en-US" dirty="0"/>
+              <a:t>에 대입하라</a:t>
+            </a:r>
+            <a:r>
+              <a:rPr lang="en-US" altLang="ko-KR" dirty="0"/>
+              <a:t>.</a:t>
+            </a:r>
+          </a:p>
+          <a:p>
+            <a:pPr marL="1257300" lvl="2" indent="-342900">
+              <a:buFont typeface="+mj-lt"/>
+              <a:buAutoNum type="arabicPeriod"/>
+            </a:pPr>
+            <a:r>
+              <a:rPr lang="en-US" altLang="ko-KR" dirty="0"/>
+              <a:t>3. 1</a:t>
+            </a:r>
+            <a:r>
+              <a:rPr lang="ko-KR" altLang="en-US" dirty="0"/>
+              <a:t>과 </a:t>
+            </a:r>
+            <a:r>
+              <a:rPr lang="en-US" altLang="ko-KR" dirty="0"/>
+              <a:t>2</a:t>
+            </a:r>
+            <a:r>
+              <a:rPr lang="ko-KR" altLang="en-US" dirty="0"/>
+              <a:t>에서 정규화한 데이터를 시각화하라</a:t>
+            </a:r>
+            <a:r>
+              <a:rPr lang="en-US" altLang="ko-KR" dirty="0"/>
+              <a:t>.</a:t>
             </a:r>
           </a:p>
           <a:p>
             <a:pPr lvl="1"/>
             <a:r>
-              <a:rPr lang="en-US" altLang="ko-KR" dirty="0" smtClean="0"/>
-              <a:t>pandas</a:t>
-            </a:r>
-            <a:r>
-              <a:rPr lang="ko-KR" altLang="en-US" dirty="0" smtClean="0"/>
-              <a:t>의 </a:t>
-            </a:r>
-            <a:r>
-              <a:rPr lang="en-US" altLang="ko-KR" dirty="0" smtClean="0"/>
-              <a:t>merge, </a:t>
-            </a:r>
-            <a:r>
-              <a:rPr lang="en-US" altLang="ko-KR" dirty="0" err="1" smtClean="0"/>
-              <a:t>concat</a:t>
-            </a:r>
-            <a:r>
-              <a:rPr lang="en-US" altLang="ko-KR" dirty="0" smtClean="0"/>
-              <a:t>, </a:t>
-            </a:r>
-            <a:r>
-              <a:rPr lang="en-US" altLang="ko-KR" dirty="0" err="1" smtClean="0"/>
-              <a:t>combine_first</a:t>
-            </a:r>
-            <a:r>
-              <a:rPr lang="en-US" altLang="ko-KR" dirty="0" smtClean="0"/>
+              <a:rPr lang="ko-KR" altLang="en-US" dirty="0" smtClean="0"/>
+              <a:t>과제 </a:t>
+            </a:r>
+            <a:r>
+              <a:rPr lang="en-US" altLang="ko-KR" dirty="0" smtClean="0"/>
+              <a:t>2</a:t>
+            </a:r>
+          </a:p>
+          <a:p>
+            <a:pPr marL="1257300" lvl="2" indent="-342900">
+              <a:buFont typeface="+mj-lt"/>
+              <a:buAutoNum type="arabicPeriod"/>
+            </a:pPr>
+            <a:r>
+              <a:rPr lang="en-US" altLang="ko-KR" dirty="0" smtClean="0"/>
+              <a:t>concrete_na.csv</a:t>
+            </a:r>
+            <a:r>
+              <a:rPr lang="ko-KR" altLang="en-US" dirty="0" smtClean="0"/>
+              <a:t>를 </a:t>
+            </a:r>
+            <a:r>
+              <a:rPr lang="ko-KR" altLang="en-US" dirty="0" err="1" smtClean="0"/>
+              <a:t>읽어들여</a:t>
+            </a:r>
+            <a:r>
+              <a:rPr lang="ko-KR" altLang="en-US" dirty="0" smtClean="0"/>
               <a:t> </a:t>
-            </a:r>
-            <a:r>
-              <a:rPr lang="ko-KR" altLang="en-US" dirty="0" smtClean="0"/>
-              <a:t>함수를 이용해 </a:t>
-            </a:r>
-            <a:r>
-              <a:rPr lang="en-US" altLang="ko-KR" dirty="0" smtClean="0"/>
-              <a:t>Series</a:t>
-            </a:r>
-            <a:r>
-              <a:rPr lang="ko-KR" altLang="en-US" dirty="0" smtClean="0"/>
-              <a:t>나 </a:t>
             </a:r>
             <a:r>
               <a:rPr lang="en-US" altLang="ko-KR" dirty="0" err="1" smtClean="0"/>
@@ -17025,15 +17187,15 @@
             </a:r>
             <a:r>
               <a:rPr lang="ko-KR" altLang="en-US" dirty="0" smtClean="0"/>
-              <a:t>객체를 병합</a:t>
-            </a:r>
-            <a:r>
-              <a:rPr lang="en-US" altLang="ko-KR" dirty="0" smtClean="0"/>
-              <a:t> </a:t>
-            </a:r>
-            <a:r>
-              <a:rPr lang="ko-KR" altLang="en-US" dirty="0" smtClean="0"/>
-              <a:t>또는 연결할 수 있다</a:t>
+              <a:t>객체 </a:t>
+            </a:r>
+            <a:r>
+              <a:rPr lang="en-US" altLang="ko-KR" dirty="0" smtClean="0"/>
+              <a:t>c2</a:t>
+            </a:r>
+            <a:r>
+              <a:rPr lang="ko-KR" altLang="en-US" dirty="0" smtClean="0"/>
+              <a:t>를 만든다</a:t>
             </a:r>
             <a:r>
               <a:rPr lang="en-US" altLang="ko-KR" dirty="0" smtClean="0"/>
@@ -17041,50 +17203,67 @@
             </a:r>
           </a:p>
           <a:p>
-            <a:pPr lvl="1"/>
-            <a:r>
-              <a:rPr lang="en-US" altLang="ko-KR" dirty="0" smtClean="0"/>
-              <a:t>pandas</a:t>
-            </a:r>
-            <a:r>
-              <a:rPr lang="ko-KR" altLang="en-US" dirty="0" smtClean="0"/>
-              <a:t>의 </a:t>
-            </a:r>
-            <a:r>
-              <a:rPr lang="en-US" altLang="ko-KR" dirty="0" smtClean="0"/>
-              <a:t>stack/unstack, pivot, </a:t>
+            <a:pPr marL="1257300" lvl="2" indent="-342900">
+              <a:buFont typeface="+mj-lt"/>
+              <a:buAutoNum type="arabicPeriod"/>
+            </a:pPr>
+            <a:r>
+              <a:rPr lang="en-US" altLang="ko-KR" dirty="0" smtClean="0"/>
+              <a:t>c2</a:t>
+            </a:r>
+            <a:r>
+              <a:rPr lang="ko-KR" altLang="en-US" dirty="0" smtClean="0"/>
+              <a:t>에서 누락 값을 처리하여 </a:t>
             </a:r>
             <a:r>
               <a:rPr lang="en-US" altLang="ko-KR" dirty="0" err="1" smtClean="0"/>
-              <a:t>set_index</a:t>
-            </a:r>
-            <a:r>
-              <a:rPr lang="en-US" altLang="ko-KR" dirty="0" smtClean="0"/>
-              <a:t> </a:t>
-            </a:r>
-            <a:r>
-              <a:rPr lang="ko-KR" altLang="en-US" dirty="0" smtClean="0"/>
-              <a:t>함수를 이용하여 </a:t>
-            </a:r>
-            <a:r>
-              <a:rPr lang="en-US" altLang="ko-KR" dirty="0" smtClean="0"/>
-              <a:t>Series</a:t>
-            </a:r>
-            <a:r>
-              <a:rPr lang="ko-KR" altLang="en-US" dirty="0" smtClean="0"/>
-              <a:t>나 </a:t>
+              <a:t>zscore_standize</a:t>
+            </a:r>
+            <a:r>
+              <a:rPr lang="ko-KR" altLang="en-US" dirty="0" smtClean="0"/>
+              <a:t>를 적용한 </a:t>
+            </a:r>
+            <a:r>
+              <a:rPr lang="en-US" altLang="ko-KR" dirty="0" smtClean="0"/>
+              <a:t>zsc2</a:t>
+            </a:r>
+            <a:r>
+              <a:rPr lang="ko-KR" altLang="en-US" dirty="0" smtClean="0"/>
+              <a:t>를 생성한다</a:t>
+            </a:r>
+            <a:r>
+              <a:rPr lang="en-US" altLang="ko-KR" dirty="0" smtClean="0"/>
+              <a:t>.</a:t>
+            </a:r>
+          </a:p>
+          <a:p>
+            <a:pPr marL="1257300" lvl="2" indent="-342900">
+              <a:buFont typeface="+mj-lt"/>
+              <a:buAutoNum type="arabicPeriod"/>
+            </a:pPr>
+            <a:r>
+              <a:rPr lang="en-US" altLang="ko-KR" dirty="0" smtClean="0"/>
+              <a:t>c2</a:t>
+            </a:r>
+            <a:r>
+              <a:rPr lang="ko-KR" altLang="en-US" dirty="0" smtClean="0"/>
+              <a:t>에서 누락 값을 처리하여 </a:t>
             </a:r>
             <a:r>
               <a:rPr lang="en-US" altLang="ko-KR" dirty="0" err="1" smtClean="0"/>
-              <a:t>DataFrame</a:t>
-            </a:r>
-            <a:r>
-              <a:rPr lang="en-US" altLang="ko-KR" dirty="0" smtClean="0"/>
-              <a:t> </a:t>
-            </a:r>
-            <a:r>
-              <a:rPr lang="ko-KR" altLang="en-US" dirty="0" smtClean="0"/>
-              <a:t>객체를 재형성할 수 있다</a:t>
+              <a:t>minmax_normalize</a:t>
+            </a:r>
+            <a:r>
+              <a:rPr lang="ko-KR" altLang="en-US" dirty="0" smtClean="0"/>
+              <a:t>를 적용한 </a:t>
+            </a:r>
+            <a:r>
+              <a:rPr lang="en-US" altLang="ko-KR" dirty="0" smtClean="0"/>
+              <a:t>mmc2</a:t>
+            </a:r>
+            <a:r>
+              <a:rPr lang="ko-KR" altLang="en-US" dirty="0" smtClean="0"/>
+              <a:t>를 생성한다</a:t>
             </a:r>
             <a:r>
               <a:rPr lang="en-US" altLang="ko-KR" dirty="0" smtClean="0"/>
@@ -17092,148 +17271,14 @@
             </a:r>
           </a:p>
           <a:p>
-            <a:r>
-              <a:rPr lang="ko-KR" altLang="en-US" dirty="0" smtClean="0"/>
-              <a:t>과제</a:t>
-            </a:r>
-            <a:r>
-              <a:rPr lang="en-US" altLang="ko-KR" dirty="0" smtClean="0"/>
-              <a:t>:</a:t>
-            </a:r>
-          </a:p>
-          <a:p>
-            <a:pPr lvl="1"/>
-            <a:r>
-              <a:rPr lang="ko-KR" altLang="en-US" dirty="0" smtClean="0"/>
-              <a:t>과제 </a:t>
-            </a:r>
-            <a:r>
-              <a:rPr lang="en-US" altLang="ko-KR" dirty="0" smtClean="0"/>
-              <a:t>1:</a:t>
-            </a:r>
-          </a:p>
-          <a:p>
-            <a:pPr lvl="2"/>
-            <a:r>
-              <a:rPr lang="en-US" altLang="ko-KR" dirty="0" smtClean="0"/>
-              <a:t>titanic.csv </a:t>
-            </a:r>
-            <a:r>
-              <a:rPr lang="ko-KR" altLang="en-US" dirty="0" smtClean="0"/>
-              <a:t>파일에서 누락 값을 처리</a:t>
-            </a:r>
-            <a:r>
-              <a:rPr lang="en-US" altLang="ko-KR" dirty="0"/>
-              <a:t> </a:t>
-            </a:r>
-            <a:r>
-              <a:rPr lang="ko-KR" altLang="en-US" dirty="0" smtClean="0"/>
-              <a:t>후 </a:t>
-            </a:r>
-            <a:r>
-              <a:rPr lang="en-US" altLang="ko-KR" dirty="0" err="1" smtClean="0"/>
-              <a:t>DataFrame</a:t>
-            </a:r>
-            <a:r>
-              <a:rPr lang="en-US" altLang="ko-KR" dirty="0" smtClean="0"/>
-              <a:t> </a:t>
-            </a:r>
-            <a:r>
-              <a:rPr lang="ko-KR" altLang="en-US" dirty="0" smtClean="0"/>
-              <a:t>객체인 </a:t>
-            </a:r>
-            <a:r>
-              <a:rPr lang="en-US" altLang="ko-KR" dirty="0" smtClean="0"/>
-              <a:t>titanic</a:t>
-            </a:r>
-            <a:r>
-              <a:rPr lang="ko-KR" altLang="en-US" dirty="0" smtClean="0"/>
-              <a:t>을 생성한다</a:t>
-            </a:r>
-            <a:r>
-              <a:rPr lang="en-US" altLang="ko-KR" dirty="0" smtClean="0"/>
-              <a:t>.</a:t>
-            </a:r>
-          </a:p>
-          <a:p>
-            <a:pPr lvl="2"/>
-            <a:r>
-              <a:rPr lang="en-US" altLang="ko-KR" dirty="0" smtClean="0"/>
-              <a:t>titanic</a:t>
-            </a:r>
-            <a:r>
-              <a:rPr lang="ko-KR" altLang="en-US" dirty="0" smtClean="0"/>
-              <a:t>에서 승객 등급별 생존자를 확인하기 편하도록 재형성한다</a:t>
-            </a:r>
-            <a:r>
-              <a:rPr lang="en-US" altLang="ko-KR" dirty="0" smtClean="0"/>
-              <a:t>.</a:t>
-            </a:r>
-          </a:p>
-          <a:p>
-            <a:pPr lvl="1"/>
-            <a:r>
-              <a:rPr lang="ko-KR" altLang="en-US" dirty="0" smtClean="0"/>
-              <a:t>과제 </a:t>
-            </a:r>
-            <a:r>
-              <a:rPr lang="en-US" altLang="ko-KR" dirty="0" smtClean="0"/>
-              <a:t>2:</a:t>
-            </a:r>
-          </a:p>
-          <a:p>
-            <a:pPr lvl="2"/>
-            <a:r>
-              <a:rPr lang="en-US" altLang="ko-KR" dirty="0" smtClean="0"/>
-              <a:t>7.5</a:t>
-            </a:r>
-            <a:r>
-              <a:rPr lang="ko-KR" altLang="en-US" dirty="0" smtClean="0"/>
-              <a:t>장의 예제</a:t>
-            </a:r>
-            <a:r>
-              <a:rPr lang="en-US" altLang="ko-KR" dirty="0" smtClean="0"/>
-              <a:t>: </a:t>
-            </a:r>
-            <a:r>
-              <a:rPr lang="ko-KR" altLang="en-US" dirty="0" smtClean="0"/>
-              <a:t>미국 </a:t>
-            </a:r>
-            <a:r>
-              <a:rPr lang="ko-KR" altLang="en-US" dirty="0" err="1" smtClean="0"/>
-              <a:t>농무부</a:t>
-            </a:r>
-            <a:r>
-              <a:rPr lang="ko-KR" altLang="en-US" dirty="0" smtClean="0"/>
-              <a:t> 음식 데이터베이스를 따라서 수행해보고 </a:t>
-            </a:r>
-            <a:r>
-              <a:rPr lang="en-US" altLang="ko-KR" dirty="0" smtClean="0"/>
-              <a:t>7</a:t>
-            </a:r>
-            <a:r>
-              <a:rPr lang="ko-KR" altLang="en-US" dirty="0" smtClean="0"/>
-              <a:t>장의 내용을 복습 및 예습한다</a:t>
-            </a:r>
-            <a:r>
-              <a:rPr lang="en-US" altLang="ko-KR" dirty="0" smtClean="0"/>
-              <a:t>.</a:t>
-            </a:r>
-          </a:p>
-          <a:p>
-            <a:pPr lvl="1"/>
-            <a:endParaRPr lang="en-US" altLang="ko-KR" dirty="0" smtClean="0"/>
-          </a:p>
-          <a:p>
-            <a:pPr lvl="1"/>
-            <a:endParaRPr lang="en-US" altLang="ko-KR" dirty="0" smtClean="0"/>
+            <a:endParaRPr lang="ko-KR" altLang="en-US" dirty="0"/>
           </a:p>
         </p:txBody>
       </p:sp>
     </p:spTree>
     <p:extLst>
       <p:ext uri="{BB962C8B-B14F-4D97-AF65-F5344CB8AC3E}">
-        <p14:creationId xmlns:p14="http://schemas.microsoft.com/office/powerpoint/2010/main" val="4263144379"/>
+        <p14:creationId xmlns:p14="http://schemas.microsoft.com/office/powerpoint/2010/main" val="2092796152"/>
       </p:ext>
     </p:extLst>
   </p:cSld>
@@ -17283,28 +17328,24 @@
           <a:lstStyle/>
           <a:p>
             <a:r>
-              <a:rPr lang="ko-KR" altLang="en-US" dirty="0" err="1" smtClean="0"/>
-              <a:t>파이썬</a:t>
-            </a:r>
-            <a:r>
-              <a:rPr lang="en-US" altLang="ko-KR" dirty="0" smtClean="0"/>
-              <a:t>2</a:t>
-            </a:r>
-            <a:r>
-              <a:rPr lang="ko-KR" altLang="en-US" dirty="0" smtClean="0"/>
-              <a:t>와 </a:t>
-            </a:r>
-            <a:r>
-              <a:rPr lang="ko-KR" altLang="en-US" dirty="0" err="1" smtClean="0"/>
-              <a:t>파이썬</a:t>
-            </a:r>
-            <a:r>
-              <a:rPr lang="en-US" altLang="ko-KR" dirty="0" smtClean="0"/>
-              <a:t>3 </a:t>
-            </a:r>
-            <a:r>
-              <a:rPr lang="ko-KR" altLang="en-US" dirty="0" smtClean="0"/>
-              <a:t>함께 설치</a:t>
+              <a:rPr lang="en-US" altLang="ko-KR" dirty="0" smtClean="0"/>
+              <a:t>Day7 (6</a:t>
+            </a:r>
+            <a:r>
+              <a:rPr lang="ko-KR" altLang="en-US" dirty="0" smtClean="0"/>
+              <a:t>월 </a:t>
+            </a:r>
+            <a:r>
+              <a:rPr lang="en-US" altLang="ko-KR" dirty="0" smtClean="0"/>
+              <a:t>7</a:t>
+            </a:r>
+            <a:r>
+              <a:rPr lang="ko-KR" altLang="en-US" dirty="0" smtClean="0"/>
+              <a:t>일</a:t>
+            </a:r>
+            <a:r>
+              <a:rPr lang="en-US" altLang="ko-KR" dirty="0" smtClean="0"/>
+              <a:t>)</a:t>
             </a:r>
             <a:endParaRPr lang="ko-KR" altLang="en-US" dirty="0"/>
           </a:p>
@@ -17326,93 +17367,275 @@
           <a:lstStyle/>
           <a:p>
             <a:r>
-              <a:rPr lang="ko-KR" altLang="en-US" dirty="0" smtClean="0"/>
-              <a:t>먼저 </a:t>
-            </a:r>
-            <a:r>
-              <a:rPr lang="en-US" altLang="ko-KR" dirty="0" smtClean="0"/>
-              <a:t>anaconda3</a:t>
-            </a:r>
-            <a:r>
-              <a:rPr lang="ko-KR" altLang="en-US" dirty="0" smtClean="0"/>
-              <a:t>를 설치</a:t>
-            </a:r>
+              <a:rPr lang="ko-KR" altLang="en-US" dirty="0"/>
+              <a:t>학습목표</a:t>
+            </a:r>
+            <a:r>
+              <a:rPr lang="en-US" altLang="ko-KR" dirty="0"/>
+              <a:t>: </a:t>
+            </a:r>
+          </a:p>
+          <a:p>
+            <a:pPr lvl="1"/>
+            <a:r>
+              <a:rPr lang="en-US" altLang="ko-KR" dirty="0" smtClean="0"/>
+              <a:t>pandas</a:t>
+            </a:r>
+            <a:r>
+              <a:rPr lang="ko-KR" altLang="en-US" dirty="0" smtClean="0"/>
+              <a:t>의 </a:t>
+            </a:r>
+            <a:r>
+              <a:rPr lang="en-US" altLang="ko-KR" dirty="0" smtClean="0"/>
+              <a:t>merge, </a:t>
+            </a:r>
+            <a:r>
+              <a:rPr lang="en-US" altLang="ko-KR" dirty="0" err="1" smtClean="0"/>
+              <a:t>concat</a:t>
+            </a:r>
+            <a:r>
+              <a:rPr lang="en-US" altLang="ko-KR" dirty="0" smtClean="0"/>
+              <a:t>, </a:t>
+            </a:r>
+            <a:r>
+              <a:rPr lang="en-US" altLang="ko-KR" dirty="0" err="1" smtClean="0"/>
+              <a:t>combine_first</a:t>
+            </a:r>
+            <a:r>
+              <a:rPr lang="en-US" altLang="ko-KR" dirty="0" smtClean="0"/>
+              <a:t> </a:t>
+            </a:r>
+            <a:r>
+              <a:rPr lang="ko-KR" altLang="en-US" dirty="0" smtClean="0"/>
+              <a:t>함수를 이용해 </a:t>
+            </a:r>
+            <a:r>
+              <a:rPr lang="en-US" altLang="ko-KR" dirty="0" smtClean="0"/>
+              <a:t>Series</a:t>
+            </a:r>
+            <a:r>
+              <a:rPr lang="ko-KR" altLang="en-US" dirty="0" smtClean="0"/>
+              <a:t>나 </a:t>
+            </a:r>
+            <a:r>
+              <a:rPr lang="en-US" altLang="ko-KR" dirty="0" err="1" smtClean="0"/>
+              <a:t>DataFrame</a:t>
+            </a:r>
+            <a:r>
+              <a:rPr lang="en-US" altLang="ko-KR" dirty="0" smtClean="0"/>
+              <a:t> </a:t>
+            </a:r>
+            <a:r>
+              <a:rPr lang="ko-KR" altLang="en-US" dirty="0" smtClean="0"/>
+              <a:t>객체를 병합</a:t>
+            </a:r>
+            <a:r>
+              <a:rPr lang="en-US" altLang="ko-KR" dirty="0" smtClean="0"/>
+              <a:t> </a:t>
+            </a:r>
+            <a:r>
+              <a:rPr lang="ko-KR" altLang="en-US" dirty="0" smtClean="0"/>
+              <a:t>또는 연결할 수 있다</a:t>
+            </a:r>
+            <a:r>
+              <a:rPr lang="en-US" altLang="ko-KR" dirty="0" smtClean="0"/>
+              <a:t>.</a:t>
+            </a:r>
+          </a:p>
+          <a:p>
+            <a:pPr lvl="1"/>
+            <a:r>
+              <a:rPr lang="en-US" altLang="ko-KR" dirty="0" smtClean="0"/>
+              <a:t>pandas</a:t>
+            </a:r>
+            <a:r>
+              <a:rPr lang="ko-KR" altLang="en-US" dirty="0" smtClean="0"/>
+              <a:t>의 </a:t>
+            </a:r>
+            <a:r>
+              <a:rPr lang="en-US" altLang="ko-KR" dirty="0" smtClean="0"/>
+              <a:t>stack/unstack, pivot, </a:t>
+            </a:r>
+            <a:r>
+              <a:rPr lang="en-US" altLang="ko-KR" dirty="0" err="1" smtClean="0"/>
+              <a:t>set_index</a:t>
+            </a:r>
+            <a:r>
+              <a:rPr lang="en-US" altLang="ko-KR" dirty="0" smtClean="0"/>
+              <a:t> </a:t>
+            </a:r>
+            <a:r>
+              <a:rPr lang="ko-KR" altLang="en-US" dirty="0" smtClean="0"/>
+              <a:t>함수를 이용하여 </a:t>
+            </a:r>
+            <a:r>
+              <a:rPr lang="en-US" altLang="ko-KR" dirty="0" smtClean="0"/>
+              <a:t>Series</a:t>
+            </a:r>
+            <a:r>
+              <a:rPr lang="ko-KR" altLang="en-US" dirty="0" smtClean="0"/>
+              <a:t>나 </a:t>
+            </a:r>
+            <a:r>
+              <a:rPr lang="en-US" altLang="ko-KR" dirty="0" err="1" smtClean="0"/>
+              <a:t>DataFrame</a:t>
+            </a:r>
+            <a:r>
+              <a:rPr lang="en-US" altLang="ko-KR" dirty="0" smtClean="0"/>
+              <a:t> </a:t>
+            </a:r>
+            <a:r>
+              <a:rPr lang="ko-KR" altLang="en-US" dirty="0" smtClean="0"/>
+              <a:t>객체를 재형성할 수 있다</a:t>
+            </a:r>
+            <a:r>
+              <a:rPr lang="en-US" altLang="ko-KR" dirty="0" smtClean="0"/>
+              <a:t>.</a:t>
+            </a:r>
+          </a:p>
+          <a:p>
+            <a:r>
+              <a:rPr lang="ko-KR" altLang="en-US" dirty="0" smtClean="0"/>
+              <a:t>과제</a:t>
+            </a:r>
+            <a:r>
+              <a:rPr lang="en-US" altLang="ko-KR" dirty="0" smtClean="0"/>
+              <a:t>:</a:t>
+            </a:r>
+          </a:p>
+          <a:p>
+            <a:pPr lvl="1"/>
+            <a:r>
+              <a:rPr lang="ko-KR" altLang="en-US" dirty="0" smtClean="0"/>
+              <a:t>과제 </a:t>
+            </a:r>
+            <a:r>
+              <a:rPr lang="en-US" altLang="ko-KR" dirty="0" smtClean="0"/>
+              <a:t>1:</a:t>
+            </a:r>
+          </a:p>
+          <a:p>
+            <a:pPr lvl="2"/>
+            <a:r>
+              <a:rPr lang="en-US" altLang="ko-KR" dirty="0" smtClean="0"/>
+              <a:t>titanic.csv </a:t>
+            </a:r>
+            <a:r>
+              <a:rPr lang="ko-KR" altLang="en-US" dirty="0" smtClean="0"/>
+              <a:t>파일에서 누락 값을 처리</a:t>
+            </a:r>
+            <a:r>
+              <a:rPr lang="en-US" altLang="ko-KR" dirty="0"/>
+              <a:t> </a:t>
+            </a:r>
+            <a:r>
+              <a:rPr lang="ko-KR" altLang="en-US" dirty="0" smtClean="0"/>
+              <a:t>후 </a:t>
+            </a:r>
+            <a:r>
+              <a:rPr lang="en-US" altLang="ko-KR" dirty="0" err="1" smtClean="0"/>
+              <a:t>DataFrame</a:t>
+            </a:r>
+            <a:r>
+              <a:rPr lang="en-US" altLang="ko-KR" dirty="0" smtClean="0"/>
+              <a:t> </a:t>
+            </a:r>
+            <a:r>
+              <a:rPr lang="ko-KR" altLang="en-US" dirty="0" smtClean="0"/>
+              <a:t>객체인 </a:t>
+            </a:r>
+            <a:r>
+              <a:rPr lang="en-US" altLang="ko-KR" dirty="0" smtClean="0"/>
+              <a:t>titanic</a:t>
+            </a:r>
+            <a:r>
+              <a:rPr lang="ko-KR" altLang="en-US" dirty="0" smtClean="0"/>
+              <a:t>을 생성한다</a:t>
+            </a:r>
+            <a:r>
+              <a:rPr lang="en-US" altLang="ko-KR" dirty="0" smtClean="0"/>
+              <a:t>.</a:t>
+            </a:r>
+          </a:p>
+          <a:p>
+            <a:pPr lvl="2"/>
+            <a:r>
+              <a:rPr lang="en-US" altLang="ko-KR" dirty="0" smtClean="0"/>
+              <a:t>titanic</a:t>
+            </a:r>
+            <a:r>
+              <a:rPr lang="ko-KR" altLang="en-US" dirty="0" smtClean="0"/>
+              <a:t>에서 승객 등급별 생존자를 확인하기 편하도록 재형성한다</a:t>
+            </a:r>
+            <a:r>
+              <a:rPr lang="en-US" altLang="ko-KR" dirty="0" smtClean="0"/>
+              <a:t>.</a:t>
+            </a:r>
+          </a:p>
+          <a:p>
+            <a:pPr lvl="1"/>
+            <a:r>
+              <a:rPr lang="ko-KR" altLang="en-US" dirty="0" smtClean="0"/>
+              <a:t>과제 </a:t>
+            </a:r>
+            <a:r>
+              <a:rPr lang="en-US" altLang="ko-KR" dirty="0" smtClean="0"/>
+              <a:t>2:</a:t>
+            </a:r>
+          </a:p>
+          <a:p>
+            <a:pPr lvl="2"/>
+            <a:r>
+              <a:rPr lang="en-US" altLang="ko-KR" dirty="0" smtClean="0"/>
+              <a:t>7.5</a:t>
+            </a:r>
+            <a:r>
+              <a:rPr lang="ko-KR" altLang="en-US" dirty="0" smtClean="0"/>
+              <a:t>장의 예제</a:t>
+            </a:r>
+            <a:r>
+              <a:rPr lang="en-US" altLang="ko-KR" dirty="0" smtClean="0"/>
+              <a:t>: </a:t>
+            </a:r>
+            <a:r>
+              <a:rPr lang="ko-KR" altLang="en-US" dirty="0" smtClean="0"/>
+              <a:t>미국 </a:t>
+            </a:r>
+            <a:r>
+              <a:rPr lang="ko-KR" altLang="en-US" dirty="0" err="1" smtClean="0"/>
+              <a:t>농무부</a:t>
+            </a:r>
+            <a:r>
+              <a:rPr lang="ko-KR" altLang="en-US" dirty="0" smtClean="0"/>
+              <a:t> 음식 데이터베이스를 따라서 수행해보고 </a:t>
+            </a:r>
+            <a:r>
+              <a:rPr lang="en-US" altLang="ko-KR" dirty="0" smtClean="0"/>
+              <a:t>7</a:t>
+            </a:r>
+            <a:r>
+              <a:rPr lang="ko-KR" altLang="en-US" dirty="0" smtClean="0"/>
+              <a:t>장의 내용을 복습 및 예습한다</a:t>
+            </a:r>
+            <a:r>
+              <a:rPr lang="en-US" altLang="ko-KR" dirty="0" smtClean="0"/>
+              <a:t>.</a:t>
+            </a:r>
+          </a:p>
+          <a:p>
+            <a:pPr lvl="1"/>
             <a:endParaRPr lang="en-US" altLang="ko-KR" dirty="0" smtClean="0"/>
           </a:p>
           <a:p>
-            <a:r>
-              <a:rPr lang="en-US" altLang="ko-KR" dirty="0" smtClean="0"/>
-              <a:t>Anaconda prompt</a:t>
-            </a:r>
-            <a:r>
-              <a:rPr lang="ko-KR" altLang="en-US" dirty="0" smtClean="0"/>
-              <a:t>에서 아래 구문 실행</a:t>
-            </a:r>
+            <a:pPr lvl="1"/>
             <a:endParaRPr lang="en-US" altLang="ko-KR" dirty="0" smtClean="0"/>
-          </a:p>
-          <a:p>
-            <a:pPr lvl="1"/>
-            <a:r>
-              <a:rPr lang="en-US" altLang="ko-KR" dirty="0" err="1" smtClean="0"/>
-              <a:t>conda</a:t>
-            </a:r>
-            <a:r>
-              <a:rPr lang="en-US" altLang="ko-KR" dirty="0" smtClean="0"/>
-              <a:t> create –n py27 python=2.7 anaconda</a:t>
-            </a:r>
-          </a:p>
-          <a:p>
-            <a:pPr lvl="1"/>
-            <a:r>
-              <a:rPr lang="en-US" altLang="ko-KR" dirty="0" err="1" smtClean="0"/>
-              <a:t>conda</a:t>
-            </a:r>
-            <a:r>
-              <a:rPr lang="en-US" altLang="ko-KR" dirty="0" smtClean="0"/>
-              <a:t> activate py27</a:t>
-            </a:r>
-          </a:p>
-          <a:p>
-            <a:r>
-              <a:rPr lang="en-US" altLang="ko-KR" dirty="0" smtClean="0"/>
-              <a:t>anaconda navigator</a:t>
-            </a:r>
-            <a:r>
-              <a:rPr lang="ko-KR" altLang="en-US" dirty="0" smtClean="0"/>
-              <a:t>에서 </a:t>
-            </a:r>
-            <a:r>
-              <a:rPr lang="en-US" altLang="ko-KR" dirty="0" smtClean="0"/>
-              <a:t>base </a:t>
-            </a:r>
-            <a:r>
-              <a:rPr lang="ko-KR" altLang="en-US" dirty="0" smtClean="0"/>
-              <a:t>또는 </a:t>
-            </a:r>
-            <a:r>
-              <a:rPr lang="en-US" altLang="ko-KR" dirty="0" smtClean="0"/>
-              <a:t>py27</a:t>
-            </a:r>
-            <a:r>
-              <a:rPr lang="ko-KR" altLang="en-US" dirty="0" smtClean="0"/>
-              <a:t>을 선택하여 </a:t>
-            </a:r>
-            <a:r>
-              <a:rPr lang="en-US" altLang="ko-KR" dirty="0" smtClean="0"/>
-              <a:t>application </a:t>
-            </a:r>
-            <a:r>
-              <a:rPr lang="ko-KR" altLang="en-US" dirty="0" smtClean="0"/>
-              <a:t>실행</a:t>
-            </a:r>
-            <a:endParaRPr lang="ko-KR" altLang="en-US" dirty="0"/>
           </a:p>
         </p:txBody>
       </p:sp>
     </p:spTree>
     <p:extLst>
       <p:ext uri="{BB962C8B-B14F-4D97-AF65-F5344CB8AC3E}">
-        <p14:creationId xmlns:p14="http://schemas.microsoft.com/office/powerpoint/2010/main" val="1716625921"/>
+        <p14:creationId xmlns:p14="http://schemas.microsoft.com/office/powerpoint/2010/main" val="4263144379"/>
       </p:ext>
     </p:extLst>
   </p:cSld>
@@ -17462,24 +17685,28 @@
           <a:lstStyle/>
           <a:p>
             <a:r>
-              <a:rPr lang="en-US" altLang="ko-KR" dirty="0" err="1" smtClean="0"/>
-              <a:t>Jupyter</a:t>
-            </a:r>
-            <a:r>
-              <a:rPr lang="en-US" altLang="ko-KR" dirty="0" smtClean="0"/>
-              <a:t> notebook </a:t>
-            </a:r>
-            <a:r>
-              <a:rPr lang="ko-KR" altLang="en-US" dirty="0" smtClean="0"/>
-              <a:t>기본 </a:t>
-            </a:r>
-            <a:r>
-              <a:rPr lang="ko-KR" altLang="en-US" dirty="0" err="1" smtClean="0"/>
-              <a:t>디렉토리</a:t>
-            </a:r>
-            <a:r>
-              <a:rPr lang="ko-KR" altLang="en-US" dirty="0" smtClean="0"/>
-              <a:t> 변경</a:t>
+              <a:rPr lang="en-US" altLang="ko-KR" dirty="0" smtClean="0"/>
+              <a:t>Day8 </a:t>
+            </a:r>
+            <a:r>
+              <a:rPr lang="en-US" altLang="ko-KR" dirty="0" smtClean="0"/>
+              <a:t>(6</a:t>
+            </a:r>
+            <a:r>
+              <a:rPr lang="ko-KR" altLang="en-US" dirty="0" smtClean="0"/>
+              <a:t>월 </a:t>
+            </a:r>
+            <a:r>
+              <a:rPr lang="en-US" altLang="ko-KR" dirty="0" smtClean="0"/>
+              <a:t>8</a:t>
+            </a:r>
+            <a:r>
+              <a:rPr lang="ko-KR" altLang="en-US" dirty="0" smtClean="0"/>
+              <a:t>일</a:t>
+            </a:r>
+            <a:r>
+              <a:rPr lang="en-US" altLang="ko-KR" dirty="0" smtClean="0"/>
+              <a:t>)</a:t>
             </a:r>
             <a:endParaRPr lang="ko-KR" altLang="en-US" dirty="0"/>
           </a:p>
@@ -17501,79 +17728,352 @@
           <a:lstStyle/>
           <a:p>
             <a:r>
-              <a:rPr lang="en-US" altLang="ko-KR" dirty="0" smtClean="0"/>
-              <a:t>Anaconda prompt</a:t>
-            </a:r>
-            <a:r>
-              <a:rPr lang="ko-KR" altLang="en-US" dirty="0" smtClean="0"/>
-              <a:t>를 이용하여 다음 명령 실행</a:t>
+              <a:rPr lang="ko-KR" altLang="en-US" dirty="0"/>
+              <a:t>학습목표</a:t>
+            </a:r>
+            <a:r>
+              <a:rPr lang="en-US" altLang="ko-KR" dirty="0"/>
+              <a:t>: </a:t>
+            </a:r>
+          </a:p>
+          <a:p>
+            <a:pPr lvl="1"/>
+            <a:r>
+              <a:rPr lang="en-US" altLang="ko-KR" dirty="0" smtClean="0"/>
+              <a:t>pandas</a:t>
+            </a:r>
+            <a:r>
+              <a:rPr lang="ko-KR" altLang="en-US" dirty="0" smtClean="0"/>
+              <a:t>를 이용해 데이터를 변형하는 다양한 방법을 익힌다</a:t>
+            </a:r>
+            <a:r>
+              <a:rPr lang="en-US" altLang="ko-KR" dirty="0" smtClean="0"/>
+              <a:t>.</a:t>
+            </a:r>
+          </a:p>
+          <a:p>
+            <a:pPr lvl="1"/>
+            <a:r>
+              <a:rPr lang="en-US" altLang="ko-KR" dirty="0" smtClean="0"/>
+              <a:t>pandas</a:t>
+            </a:r>
+            <a:r>
+              <a:rPr lang="ko-KR" altLang="en-US" dirty="0" smtClean="0"/>
+              <a:t>에서 문자열을 다루는 다양한 방법을 익힌다</a:t>
+            </a:r>
+            <a:r>
+              <a:rPr lang="en-US" altLang="ko-KR" dirty="0" smtClean="0"/>
+              <a:t>.</a:t>
             </a:r>
             <a:endParaRPr lang="en-US" altLang="ko-KR" dirty="0" smtClean="0"/>
           </a:p>
           <a:p>
+            <a:pPr lvl="2"/>
+            <a:endParaRPr lang="en-US" altLang="ko-KR" dirty="0"/>
+          </a:p>
+          <a:p>
+            <a:r>
+              <a:rPr lang="ko-KR" altLang="en-US" dirty="0" smtClean="0"/>
+              <a:t>과제</a:t>
+            </a:r>
+            <a:r>
+              <a:rPr lang="en-US" altLang="ko-KR" dirty="0" smtClean="0"/>
+              <a:t>:</a:t>
+            </a:r>
+          </a:p>
+          <a:p>
             <a:pPr lvl="1"/>
             <a:r>
+              <a:rPr lang="ko-KR" altLang="en-US" dirty="0" smtClean="0"/>
+              <a:t>과제 </a:t>
+            </a:r>
+            <a:r>
+              <a:rPr lang="en-US" altLang="ko-KR" dirty="0" smtClean="0"/>
+              <a:t>1:</a:t>
+            </a:r>
+          </a:p>
+          <a:p>
+            <a:pPr lvl="2"/>
+            <a:r>
+              <a:rPr lang="en-US" altLang="ko-KR" dirty="0" smtClean="0"/>
+              <a:t>contacts.csv</a:t>
+            </a:r>
+            <a:r>
+              <a:rPr lang="ko-KR" altLang="en-US" dirty="0" smtClean="0"/>
+              <a:t>를 </a:t>
+            </a:r>
+            <a:r>
+              <a:rPr lang="ko-KR" altLang="en-US" dirty="0" err="1" smtClean="0"/>
+              <a:t>읽어들여</a:t>
+            </a:r>
+            <a:r>
+              <a:rPr lang="ko-KR" altLang="en-US" dirty="0" smtClean="0"/>
+              <a:t> </a:t>
+            </a:r>
+            <a:r>
               <a:rPr lang="en-US" altLang="ko-KR" dirty="0" err="1" smtClean="0"/>
-              <a:t>jupyter</a:t>
-            </a:r>
-            <a:r>
-              <a:rPr lang="en-US" altLang="ko-KR" dirty="0" smtClean="0"/>
-              <a:t> notebook –generate-</a:t>
-            </a:r>
-            <a:r>
-              <a:rPr lang="en-US" altLang="ko-KR" dirty="0" err="1" smtClean="0"/>
-              <a:t>config</a:t>
-            </a:r>
+              <a:t>DataFrame</a:t>
+            </a:r>
+            <a:r>
+              <a:rPr lang="en-US" altLang="ko-KR" dirty="0" smtClean="0"/>
+              <a:t> </a:t>
+            </a:r>
+            <a:r>
+              <a:rPr lang="ko-KR" altLang="en-US" dirty="0" smtClean="0"/>
+              <a:t>객체인 </a:t>
+            </a:r>
+            <a:r>
+              <a:rPr lang="en-US" altLang="ko-KR" dirty="0" smtClean="0"/>
+              <a:t>contacts</a:t>
+            </a:r>
+            <a:r>
+              <a:rPr lang="ko-KR" altLang="en-US" dirty="0" smtClean="0"/>
+              <a:t>로 만든다</a:t>
+            </a:r>
+            <a:r>
+              <a:rPr lang="en-US" altLang="ko-KR" dirty="0" smtClean="0"/>
+              <a:t>.</a:t>
+            </a:r>
+          </a:p>
+          <a:p>
+            <a:pPr lvl="2"/>
+            <a:r>
+              <a:rPr lang="ko-KR" altLang="en-US" dirty="0" smtClean="0"/>
+              <a:t>모든 열의 데이터에서 누락 값을 적절히 처리한다</a:t>
+            </a:r>
+            <a:r>
+              <a:rPr lang="en-US" altLang="ko-KR" dirty="0" smtClean="0"/>
+              <a:t>.</a:t>
+            </a:r>
+          </a:p>
+          <a:p>
+            <a:pPr lvl="2"/>
+            <a:r>
+              <a:rPr lang="ko-KR" altLang="en-US" dirty="0" smtClean="0"/>
+              <a:t>모든 열의 이름에서 공백문자를 제거한다</a:t>
+            </a:r>
+            <a:r>
+              <a:rPr lang="en-US" altLang="ko-KR" dirty="0" smtClean="0"/>
+              <a:t>.</a:t>
+            </a:r>
+          </a:p>
+          <a:p>
+            <a:pPr lvl="2"/>
+            <a:r>
+              <a:rPr lang="en-US" altLang="ko-KR" dirty="0" smtClean="0"/>
+              <a:t>‘</a:t>
+            </a:r>
+            <a:r>
+              <a:rPr lang="ko-KR" altLang="en-US" dirty="0" smtClean="0"/>
+              <a:t>성명</a:t>
+            </a:r>
+            <a:r>
+              <a:rPr lang="en-US" altLang="ko-KR" dirty="0" smtClean="0"/>
+              <a:t>’</a:t>
+            </a:r>
+            <a:r>
+              <a:rPr lang="ko-KR" altLang="en-US" dirty="0" smtClean="0"/>
+              <a:t> 열의 데이터에서 공백문자를 제거한다</a:t>
+            </a:r>
+            <a:r>
+              <a:rPr lang="en-US" altLang="ko-KR" dirty="0" smtClean="0"/>
+              <a:t>.</a:t>
+            </a:r>
+          </a:p>
+          <a:p>
+            <a:pPr lvl="2"/>
+            <a:r>
+              <a:rPr lang="en-US" altLang="ko-KR" dirty="0" smtClean="0"/>
+              <a:t>‘</a:t>
+            </a:r>
+            <a:r>
+              <a:rPr lang="ko-KR" altLang="en-US" dirty="0" smtClean="0"/>
+              <a:t>사무실</a:t>
+            </a:r>
+            <a:r>
+              <a:rPr lang="en-US" altLang="ko-KR" dirty="0" smtClean="0"/>
+              <a:t>’</a:t>
+            </a:r>
+            <a:r>
+              <a:rPr lang="ko-KR" altLang="en-US" dirty="0" smtClean="0"/>
+              <a:t> 열의 이름을 </a:t>
+            </a:r>
+            <a:r>
+              <a:rPr lang="en-US" altLang="ko-KR" dirty="0" smtClean="0"/>
+              <a:t>‘</a:t>
+            </a:r>
+            <a:r>
+              <a:rPr lang="ko-KR" altLang="en-US" dirty="0" smtClean="0"/>
+              <a:t>사무실 전화번호</a:t>
+            </a:r>
+            <a:r>
+              <a:rPr lang="en-US" altLang="ko-KR" dirty="0" smtClean="0"/>
+              <a:t>’</a:t>
+            </a:r>
+            <a:r>
+              <a:rPr lang="ko-KR" altLang="en-US" dirty="0" smtClean="0"/>
+              <a:t>로 변경한다</a:t>
+            </a:r>
+            <a:r>
+              <a:rPr lang="en-US" altLang="ko-KR" dirty="0" smtClean="0"/>
+              <a:t>.</a:t>
+            </a:r>
+          </a:p>
+          <a:p>
+            <a:pPr lvl="2"/>
+            <a:r>
+              <a:rPr lang="en-US" altLang="ko-KR" dirty="0" smtClean="0"/>
+              <a:t>‘</a:t>
+            </a:r>
+            <a:r>
+              <a:rPr lang="ko-KR" altLang="en-US" dirty="0" smtClean="0"/>
+              <a:t>사무실</a:t>
+            </a:r>
+            <a:r>
+              <a:rPr lang="en-US" altLang="ko-KR" dirty="0" smtClean="0"/>
+              <a:t>’ </a:t>
+            </a:r>
+            <a:r>
+              <a:rPr lang="ko-KR" altLang="en-US" dirty="0" smtClean="0"/>
+              <a:t>열의 데이터 앞에 </a:t>
+            </a:r>
+            <a:r>
+              <a:rPr lang="en-US" altLang="ko-KR" dirty="0" smtClean="0"/>
+              <a:t>’(02) 870-’</a:t>
+            </a:r>
+            <a:r>
+              <a:rPr lang="ko-KR" altLang="en-US" dirty="0"/>
+              <a:t> </a:t>
+            </a:r>
+            <a:r>
+              <a:rPr lang="ko-KR" altLang="en-US" dirty="0" smtClean="0"/>
+              <a:t>문자열을 연결한다</a:t>
+            </a:r>
+            <a:r>
+              <a:rPr lang="en-US" altLang="ko-KR" dirty="0" smtClean="0"/>
+              <a:t>.</a:t>
+            </a:r>
+          </a:p>
+          <a:p>
+            <a:pPr lvl="2"/>
+            <a:r>
+              <a:rPr lang="en-US" altLang="ko-KR" dirty="0" smtClean="0"/>
+              <a:t>‘</a:t>
+            </a:r>
+            <a:r>
+              <a:rPr lang="ko-KR" altLang="en-US" dirty="0" smtClean="0"/>
+              <a:t>담당업무</a:t>
+            </a:r>
+            <a:r>
+              <a:rPr lang="en-US" altLang="ko-KR" dirty="0" smtClean="0"/>
+              <a:t>’</a:t>
+            </a:r>
+            <a:r>
+              <a:rPr lang="ko-KR" altLang="en-US" dirty="0" smtClean="0"/>
+              <a:t>열을 </a:t>
+            </a:r>
+            <a:r>
+              <a:rPr lang="en-US" altLang="ko-KR" dirty="0" smtClean="0"/>
+              <a:t>parsing </a:t>
+            </a:r>
+            <a:r>
+              <a:rPr lang="ko-KR" altLang="en-US" dirty="0" smtClean="0"/>
+              <a:t>하여 </a:t>
+            </a:r>
+            <a:r>
+              <a:rPr lang="en-US" altLang="ko-KR" dirty="0" smtClean="0"/>
+              <a:t>dummy </a:t>
+            </a:r>
+            <a:r>
+              <a:rPr lang="ko-KR" altLang="en-US" dirty="0" smtClean="0"/>
+              <a:t>데이터로 만든다</a:t>
+            </a:r>
+            <a:r>
+              <a:rPr lang="en-US" altLang="ko-KR" dirty="0" smtClean="0"/>
+              <a:t>.</a:t>
+            </a:r>
+          </a:p>
+          <a:p>
+            <a:pPr lvl="1"/>
+            <a:r>
+              <a:rPr lang="ko-KR" altLang="en-US" dirty="0" smtClean="0"/>
+              <a:t>과제 </a:t>
+            </a:r>
+            <a:r>
+              <a:rPr lang="en-US" altLang="ko-KR" dirty="0" smtClean="0"/>
+              <a:t>2:</a:t>
+            </a:r>
+          </a:p>
+          <a:p>
+            <a:pPr lvl="2"/>
+            <a:r>
+              <a:rPr lang="en-US" altLang="ko-KR" dirty="0"/>
+              <a:t>7.5</a:t>
+            </a:r>
+            <a:r>
+              <a:rPr lang="ko-KR" altLang="en-US" dirty="0"/>
+              <a:t>장의 예제</a:t>
+            </a:r>
+            <a:r>
+              <a:rPr lang="en-US" altLang="ko-KR" dirty="0"/>
+              <a:t>: </a:t>
+            </a:r>
+            <a:r>
+              <a:rPr lang="ko-KR" altLang="en-US" dirty="0"/>
+              <a:t>미국 </a:t>
+            </a:r>
+            <a:r>
+              <a:rPr lang="ko-KR" altLang="en-US" dirty="0" err="1"/>
+              <a:t>농무부</a:t>
+            </a:r>
+            <a:r>
+              <a:rPr lang="ko-KR" altLang="en-US" dirty="0"/>
+              <a:t> 음식 데이터베이스를 따라서 수행해보고 </a:t>
+            </a:r>
+            <a:r>
+              <a:rPr lang="en-US" altLang="ko-KR" dirty="0"/>
+              <a:t>7</a:t>
+            </a:r>
+            <a:r>
+              <a:rPr lang="ko-KR" altLang="en-US" dirty="0"/>
+              <a:t>장의 내용을 복습 및 예습한다</a:t>
+            </a:r>
+            <a:r>
+              <a:rPr lang="en-US" altLang="ko-KR" dirty="0" smtClean="0"/>
+              <a:t>.</a:t>
+            </a:r>
+          </a:p>
+          <a:p>
+            <a:pPr lvl="2"/>
             <a:endParaRPr lang="en-US" altLang="ko-KR" dirty="0" smtClean="0"/>
           </a:p>
           <a:p>
             <a:pPr lvl="1"/>
-            <a:r>
-              <a:rPr lang="en-US" altLang="ko-KR" dirty="0" smtClean="0"/>
-              <a:t>.</a:t>
-            </a:r>
-            <a:r>
-              <a:rPr lang="en-US" altLang="ko-KR" dirty="0" err="1" smtClean="0"/>
-              <a:t>jupyter</a:t>
-            </a:r>
-            <a:r>
-              <a:rPr lang="en-US" altLang="ko-KR" dirty="0" smtClean="0"/>
-              <a:t> </a:t>
-            </a:r>
-            <a:r>
-              <a:rPr lang="ko-KR" altLang="en-US" dirty="0" err="1" smtClean="0"/>
-              <a:t>디렉토리로</a:t>
-            </a:r>
-            <a:r>
-              <a:rPr lang="ko-KR" altLang="en-US" dirty="0" smtClean="0"/>
-              <a:t> 이동</a:t>
-            </a:r>
             <a:endParaRPr lang="en-US" altLang="ko-KR" dirty="0" smtClean="0"/>
           </a:p>
           <a:p>
             <a:pPr lvl="1"/>
-            <a:r>
-              <a:rPr lang="en-US" altLang="ko-KR" dirty="0" err="1" smtClean="0"/>
-              <a:t>c.NotebookApp.notebook_dir</a:t>
-            </a:r>
-            <a:r>
-              <a:rPr lang="en-US" altLang="ko-KR" smtClean="0"/>
-              <a:t> =</a:t>
-            </a:r>
-            <a:endParaRPr lang="ko-KR" altLang="en-US" dirty="0"/>
+            <a:endParaRPr lang="en-US" altLang="ko-KR" dirty="0" smtClean="0"/>
           </a:p>
         </p:txBody>
       </p:sp>
     </p:spTree>
     <p:extLst>
       <p:ext uri="{BB962C8B-B14F-4D97-AF65-F5344CB8AC3E}">
-        <p14:creationId xmlns:p14="http://schemas.microsoft.com/office/powerpoint/2010/main" val="1447456994"/>
+        <p14:creationId xmlns:p14="http://schemas.microsoft.com/office/powerpoint/2010/main" val="2145516911"/>
       </p:ext>
     </p:extLst>
   </p:cSld>
   <p:clrMapOvr>
     <a:masterClrMapping/>
   </p:clrMapOvr>
+  <p:timing>
+    <p:tnLst>
+      <p:par>
+        <p:cTn id="1" dur="indefinite" restart="never" nodeType="tmRoot"/>
+      </p:par>
+    </p:tnLst>
+  </p:timing>
 </p:sld>
 </file>
 
@@ -17610,16 +18110,28 @@
           <a:lstStyle/>
           <a:p>
             <a:r>
-              <a:rPr lang="en-US" altLang="ko-KR" dirty="0" err="1" smtClean="0"/>
-              <a:t>Git</a:t>
-            </a:r>
-            <a:r>
-              <a:rPr lang="en-US" altLang="ko-KR" dirty="0" smtClean="0"/>
-              <a:t> hub </a:t>
-            </a:r>
-            <a:r>
-              <a:rPr lang="ko-KR" altLang="en-US" dirty="0" smtClean="0"/>
-              <a:t>사용하기</a:t>
+              <a:rPr lang="ko-KR" altLang="en-US" dirty="0" err="1" smtClean="0"/>
+              <a:t>파이썬</a:t>
+            </a:r>
+            <a:r>
+              <a:rPr lang="en-US" altLang="ko-KR" dirty="0" smtClean="0"/>
+              <a:t>2</a:t>
+            </a:r>
+            <a:r>
+              <a:rPr lang="ko-KR" altLang="en-US" dirty="0" smtClean="0"/>
+              <a:t>와 </a:t>
+            </a:r>
+            <a:r>
+              <a:rPr lang="ko-KR" altLang="en-US" dirty="0" err="1" smtClean="0"/>
+              <a:t>파이썬</a:t>
+            </a:r>
+            <a:r>
+              <a:rPr lang="en-US" altLang="ko-KR" dirty="0" smtClean="0"/>
+              <a:t>3 </a:t>
+            </a:r>
+            <a:r>
+              <a:rPr lang="ko-KR" altLang="en-US" dirty="0" smtClean="0"/>
+              <a:t>함께 설치</a:t>
             </a:r>
             <a:endParaRPr lang="ko-KR" altLang="en-US" dirty="0"/>
           </a:p>
@@ -17641,105 +18153,84 @@
           <a:lstStyle/>
           <a:p>
             <a:r>
-              <a:rPr lang="en-US" altLang="ko-KR" dirty="0">
-                <a:hlinkClick r:id="rId2"/>
-              </a:rPr>
-              <a:t>https://github.com</a:t>
-            </a:r>
-            <a:r>
-              <a:rPr lang="en-US" altLang="ko-KR" dirty="0" smtClean="0">
-                <a:hlinkClick r:id="rId2"/>
-              </a:rPr>
-              <a:t>/</a:t>
+              <a:rPr lang="ko-KR" altLang="en-US" dirty="0" smtClean="0"/>
+              <a:t>먼저 </a:t>
+            </a:r>
+            <a:r>
+              <a:rPr lang="en-US" altLang="ko-KR" dirty="0" smtClean="0"/>
+              <a:t>anaconda3</a:t>
+            </a:r>
+            <a:r>
+              <a:rPr lang="ko-KR" altLang="en-US" dirty="0" smtClean="0"/>
+              <a:t>를 설치</a:t>
             </a:r>
             <a:endParaRPr lang="en-US" altLang="ko-KR" dirty="0" smtClean="0"/>
           </a:p>
           <a:p>
+            <a:r>
+              <a:rPr lang="en-US" altLang="ko-KR" dirty="0" smtClean="0"/>
+              <a:t>Anaconda prompt</a:t>
+            </a:r>
+            <a:r>
+              <a:rPr lang="ko-KR" altLang="en-US" dirty="0" smtClean="0"/>
+              <a:t>에서 아래 구문 실행</a:t>
+            </a:r>
+            <a:endParaRPr lang="en-US" altLang="ko-KR" dirty="0" smtClean="0"/>
+          </a:p>
+          <a:p>
             <a:pPr lvl="1"/>
             <a:r>
-              <a:rPr lang="ko-KR" altLang="en-US" dirty="0" smtClean="0"/>
-              <a:t>회원가입</a:t>
-            </a:r>
-            <a:endParaRPr lang="en-US" altLang="ko-KR" dirty="0" smtClean="0"/>
+              <a:rPr lang="en-US" altLang="ko-KR" dirty="0" err="1" smtClean="0"/>
+              <a:t>conda</a:t>
+            </a:r>
+            <a:r>
+              <a:rPr lang="en-US" altLang="ko-KR" dirty="0" smtClean="0"/>
+              <a:t> create –n py27 python=2.7 anaconda</a:t>
+            </a:r>
           </a:p>
           <a:p>
             <a:pPr lvl="1"/>
             <a:r>
-              <a:rPr lang="en-US" altLang="ko-KR" dirty="0" smtClean="0"/>
-              <a:t>Desktop </a:t>
-            </a:r>
-            <a:r>
               <a:rPr lang="en-US" altLang="ko-KR" dirty="0" err="1" smtClean="0"/>
-              <a:t>github</a:t>
-            </a:r>
-            <a:r>
-              <a:rPr lang="en-US" altLang="ko-KR" dirty="0" smtClean="0"/>
-              <a:t> </a:t>
-            </a:r>
-            <a:r>
-              <a:rPr lang="ko-KR" altLang="en-US" dirty="0" smtClean="0"/>
-              <a:t>다운로드</a:t>
-            </a:r>
-            <a:endParaRPr lang="en-US" altLang="ko-KR" dirty="0" smtClean="0"/>
-          </a:p>
-          <a:p>
-            <a:pPr lvl="1"/>
-            <a:r>
-              <a:rPr lang="en-US" altLang="ko-KR" dirty="0" smtClean="0"/>
-              <a:t>Desktop </a:t>
-            </a:r>
-            <a:r>
-              <a:rPr lang="en-US" altLang="ko-KR" dirty="0" err="1" smtClean="0"/>
-              <a:t>github</a:t>
-            </a:r>
-            <a:r>
-              <a:rPr lang="ko-KR" altLang="en-US" dirty="0" smtClean="0"/>
-              <a:t>에 </a:t>
-            </a:r>
-            <a:r>
-              <a:rPr lang="en-US" altLang="ko-KR" dirty="0" smtClean="0"/>
-              <a:t>sign in</a:t>
-            </a:r>
-          </a:p>
-          <a:p>
-            <a:pPr lvl="1"/>
-            <a:r>
-              <a:rPr lang="ko-KR" altLang="en-US" dirty="0" smtClean="0"/>
-              <a:t>저장소 생성</a:t>
-            </a:r>
-            <a:endParaRPr lang="en-US" altLang="ko-KR" dirty="0" smtClean="0"/>
-          </a:p>
-          <a:p>
-            <a:pPr lvl="1"/>
-            <a:r>
-              <a:rPr lang="ko-KR" altLang="en-US" dirty="0" smtClean="0"/>
-              <a:t>저장소 </a:t>
-            </a:r>
-            <a:r>
-              <a:rPr lang="en-US" altLang="ko-KR" dirty="0" smtClean="0"/>
-              <a:t>publish</a:t>
-            </a:r>
-          </a:p>
-          <a:p>
-            <a:pPr lvl="1"/>
-            <a:r>
-              <a:rPr lang="ko-KR" altLang="en-US" dirty="0" smtClean="0"/>
-              <a:t>로컬 저장소를 브라우저로 열기</a:t>
-            </a:r>
-            <a:endParaRPr lang="en-US" altLang="ko-KR" dirty="0" smtClean="0"/>
-          </a:p>
-          <a:p>
-            <a:pPr lvl="1"/>
-            <a:r>
-              <a:rPr lang="en-US" altLang="ko-KR" dirty="0" smtClean="0"/>
-              <a:t>Initial commit</a:t>
-            </a:r>
-          </a:p>
-          <a:p>
-            <a:pPr lvl="1"/>
-            <a:r>
-              <a:rPr lang="en-US" altLang="ko-KR" dirty="0" smtClean="0"/>
-              <a:t>push</a:t>
+              <a:t>conda</a:t>
+            </a:r>
+            <a:r>
+              <a:rPr lang="en-US" altLang="ko-KR" dirty="0" smtClean="0"/>
+              <a:t> activate py27</a:t>
+            </a:r>
+          </a:p>
+          <a:p>
+            <a:r>
+              <a:rPr lang="en-US" altLang="ko-KR" dirty="0" smtClean="0"/>
+              <a:t>anaconda navigator</a:t>
+            </a:r>
+            <a:r>
+              <a:rPr lang="ko-KR" altLang="en-US" dirty="0" smtClean="0"/>
+              <a:t>에서 </a:t>
+            </a:r>
+            <a:r>
+              <a:rPr lang="en-US" altLang="ko-KR" dirty="0" smtClean="0"/>
+              <a:t>base </a:t>
+            </a:r>
+            <a:r>
+              <a:rPr lang="ko-KR" altLang="en-US" dirty="0" smtClean="0"/>
+              <a:t>또는 </a:t>
+            </a:r>
+            <a:r>
+              <a:rPr lang="en-US" altLang="ko-KR" dirty="0" smtClean="0"/>
+              <a:t>py27</a:t>
+            </a:r>
+            <a:r>
+              <a:rPr lang="ko-KR" altLang="en-US" dirty="0" smtClean="0"/>
+              <a:t>을 선택하여 </a:t>
+            </a:r>
+            <a:r>
+              <a:rPr lang="en-US" altLang="ko-KR" dirty="0" smtClean="0"/>
+              <a:t>application </a:t>
+            </a:r>
+            <a:r>
+              <a:rPr lang="ko-KR" altLang="en-US" dirty="0" smtClean="0"/>
+              <a:t>실행</a:t>
             </a:r>
             <a:endParaRPr lang="ko-KR" altLang="en-US" dirty="0"/>
           </a:p>
@@ -17748,7 +18239,7 @@
     </p:spTree>
     <p:extLst>
       <p:ext uri="{BB962C8B-B14F-4D97-AF65-F5344CB8AC3E}">
-        <p14:creationId xmlns:p14="http://schemas.microsoft.com/office/powerpoint/2010/main" val="131232343"/>
+        <p14:creationId xmlns:p14="http://schemas.microsoft.com/office/powerpoint/2010/main" val="1716625921"/>
       </p:ext>
     </p:extLst>
   </p:cSld>
@@ -17798,509 +18289,112 @@
           <a:lstStyle/>
           <a:p>
             <a:r>
-              <a:rPr lang="en-US" altLang="ko-KR" dirty="0" smtClean="0"/>
-              <a:t>Day2 </a:t>
-            </a:r>
-            <a:r>
-              <a:rPr lang="ko-KR" altLang="en-US" dirty="0" smtClean="0"/>
-              <a:t>과제 설명 </a:t>
-            </a:r>
-            <a:r>
-              <a:rPr lang="en-US" altLang="ko-KR" dirty="0" smtClean="0"/>
-              <a:t>(</a:t>
-            </a:r>
-            <a:r>
-              <a:rPr lang="ko-KR" altLang="en-US" dirty="0" smtClean="0"/>
-              <a:t>아래 과제를 수행하거나 </a:t>
-            </a:r>
-            <a:r>
-              <a:rPr lang="en-US" altLang="ko-KR" dirty="0" smtClean="0"/>
-              <a:t>4</a:t>
-            </a:r>
-            <a:r>
-              <a:rPr lang="ko-KR" altLang="en-US" dirty="0" smtClean="0"/>
-              <a:t>장을 읽고 공부하시오</a:t>
-            </a:r>
-            <a:r>
-              <a:rPr lang="en-US" altLang="ko-KR" dirty="0" smtClean="0"/>
-              <a:t>.)</a:t>
-            </a:r>
-            <a:r>
-              <a:rPr lang="ko-KR" altLang="en-US" dirty="0" smtClean="0"/>
+              <a:rPr lang="en-US" altLang="ko-KR" dirty="0" err="1" smtClean="0"/>
+              <a:t>Jupyter</a:t>
+            </a:r>
+            <a:r>
+              <a:rPr lang="en-US" altLang="ko-KR" dirty="0" smtClean="0"/>
+              <a:t> notebook </a:t>
+            </a:r>
+            <a:r>
+              <a:rPr lang="ko-KR" altLang="en-US" dirty="0" smtClean="0"/>
+              <a:t>기본 </a:t>
+            </a:r>
+            <a:r>
+              <a:rPr lang="ko-KR" altLang="en-US" dirty="0" err="1" smtClean="0"/>
+              <a:t>디렉토리</a:t>
+            </a:r>
+            <a:r>
+              <a:rPr lang="ko-KR" altLang="en-US" dirty="0" smtClean="0"/>
+              <a:t> 변경</a:t>
+            </a:r>
+            <a:endParaRPr lang="ko-KR" altLang="en-US" dirty="0"/>
+          </a:p>
+        </p:txBody>
+      </p:sp>
+      <p:sp>
+        <p:nvSpPr>
+          <p:cNvPr id="3" name="내용 개체 틀 2"/>
+          <p:cNvSpPr>
+            <a:spLocks noGrp="1"/>
+          </p:cNvSpPr>
+          <p:nvPr>
+            <p:ph idx="1"/>
+          </p:nvPr>
+        </p:nvSpPr>
+        <p:spPr/>
+        <p:txBody>
+          <a:bodyPr/>
+          <a:lstStyle/>
+          <a:p>
+            <a:r>
+              <a:rPr lang="en-US" altLang="ko-KR" dirty="0" smtClean="0"/>
+              <a:t>Anaconda prompt</a:t>
+            </a:r>
+            <a:r>
+              <a:rPr lang="ko-KR" altLang="en-US" dirty="0" smtClean="0"/>
+              <a:t>를 이용하여 다음 명령 실행</a:t>
+            </a:r>
+            <a:endParaRPr lang="en-US" altLang="ko-KR" dirty="0" smtClean="0"/>
+          </a:p>
+          <a:p>
+            <a:pPr lvl="1"/>
+            <a:r>
+              <a:rPr lang="en-US" altLang="ko-KR" dirty="0" err="1" smtClean="0"/>
+              <a:t>jupyter</a:t>
+            </a:r>
+            <a:r>
+              <a:rPr lang="en-US" altLang="ko-KR" dirty="0" smtClean="0"/>
+              <a:t> notebook –generate-</a:t>
+            </a:r>
+            <a:r>
+              <a:rPr lang="en-US" altLang="ko-KR" dirty="0" err="1" smtClean="0"/>
+              <a:t>config</a:t>
+            </a:r>
+            <a:endParaRPr lang="en-US" altLang="ko-KR" dirty="0" smtClean="0"/>
+          </a:p>
+          <a:p>
+            <a:pPr lvl="1"/>
+            <a:r>
+              <a:rPr lang="en-US" altLang="ko-KR" dirty="0" smtClean="0"/>
+              <a:t>.</a:t>
+            </a:r>
+            <a:r>
+              <a:rPr lang="en-US" altLang="ko-KR" dirty="0" err="1" smtClean="0"/>
+              <a:t>jupyter</a:t>
+            </a:r>
+            <a:r>
+              <a:rPr lang="en-US" altLang="ko-KR" dirty="0" smtClean="0"/>
               <a:t> </a:t>
             </a:r>
+            <a:r>
+              <a:rPr lang="ko-KR" altLang="en-US" dirty="0" err="1" smtClean="0"/>
+              <a:t>디렉토리로</a:t>
+            </a:r>
+            <a:r>
+              <a:rPr lang="ko-KR" altLang="en-US" dirty="0" smtClean="0"/>
+              <a:t> 이동</a:t>
+            </a:r>
+            <a:endParaRPr lang="en-US" altLang="ko-KR" dirty="0" smtClean="0"/>
+          </a:p>
+          <a:p>
+            <a:pPr lvl="1"/>
+            <a:r>
+              <a:rPr lang="en-US" altLang="ko-KR" dirty="0" err="1" smtClean="0"/>
+              <a:t>c.NotebookApp.notebook_dir</a:t>
+            </a:r>
+            <a:r>
+              <a:rPr lang="en-US" altLang="ko-KR" smtClean="0"/>
+              <a:t> =</a:t>
+            </a:r>
             <a:endParaRPr lang="ko-KR" altLang="en-US" dirty="0"/>
-          </a:p>
-        </p:txBody>
-      </p:sp>
-      <p:sp>
-        <p:nvSpPr>
-          <p:cNvPr id="3" name="내용 개체 틀 2"/>
-          <p:cNvSpPr>
-            <a:spLocks noGrp="1"/>
-          </p:cNvSpPr>
-          <p:nvPr>
-            <p:ph idx="1"/>
-          </p:nvPr>
-        </p:nvSpPr>
-        <p:spPr/>
-        <p:txBody>
-          <a:bodyPr>
-            <a:normAutofit fontScale="92500" lnSpcReduction="10000"/>
-          </a:bodyPr>
-          <a:lstStyle/>
-          <a:p>
-            <a:r>
-              <a:rPr lang="en-US" altLang="ko-KR" dirty="0"/>
-              <a:t>score.csv </a:t>
-            </a:r>
-            <a:r>
-              <a:rPr lang="ko-KR" altLang="en-US" dirty="0"/>
-              <a:t>파일을 </a:t>
-            </a:r>
-            <a:r>
-              <a:rPr lang="ko-KR" altLang="en-US" dirty="0" err="1"/>
-              <a:t>읽어들여서</a:t>
-            </a:r>
-            <a:r>
-              <a:rPr lang="ko-KR" altLang="en-US" dirty="0"/>
-              <a:t> </a:t>
-            </a:r>
-            <a:r>
-              <a:rPr lang="en-US" altLang="ko-KR" dirty="0" err="1"/>
-              <a:t>numpy</a:t>
-            </a:r>
-            <a:r>
-              <a:rPr lang="en-US" altLang="ko-KR" dirty="0"/>
-              <a:t> </a:t>
-            </a:r>
-            <a:r>
-              <a:rPr lang="en-US" altLang="ko-KR" dirty="0" err="1"/>
-              <a:t>ndarray</a:t>
-            </a:r>
-            <a:r>
-              <a:rPr lang="ko-KR" altLang="en-US" dirty="0"/>
-              <a:t>로 만들고 </a:t>
-            </a:r>
-            <a:r>
-              <a:rPr lang="en-US" altLang="ko-KR" dirty="0"/>
-              <a:t>np.dot() </a:t>
-            </a:r>
-            <a:r>
-              <a:rPr lang="ko-KR" altLang="en-US" dirty="0" err="1"/>
-              <a:t>메소드를</a:t>
-            </a:r>
-            <a:r>
-              <a:rPr lang="ko-KR" altLang="en-US" dirty="0"/>
-              <a:t> 이용해 개인별 점수를 구하라</a:t>
-            </a:r>
-            <a:r>
-              <a:rPr lang="en-US" altLang="ko-KR" dirty="0" smtClean="0"/>
-              <a:t>.</a:t>
-            </a:r>
-          </a:p>
-          <a:p>
-            <a:endParaRPr lang="en-US" altLang="ko-KR" dirty="0"/>
-          </a:p>
-          <a:p>
-            <a:endParaRPr lang="en-US" altLang="ko-KR" dirty="0" smtClean="0"/>
-          </a:p>
-          <a:p>
-            <a:pPr marL="0" indent="0">
-              <a:buNone/>
-            </a:pPr>
-            <a:endParaRPr lang="en-US" altLang="ko-KR" dirty="0" smtClean="0"/>
-          </a:p>
-          <a:p>
-            <a:r>
-              <a:rPr lang="ko-KR" altLang="en-US" dirty="0" smtClean="0"/>
-              <a:t>데이터 설명</a:t>
-            </a:r>
-            <a:r>
-              <a:rPr lang="en-US" altLang="ko-KR" dirty="0" smtClean="0"/>
-              <a:t>: </a:t>
-            </a:r>
-          </a:p>
-          <a:p>
-            <a:pPr lvl="1"/>
-            <a:r>
-              <a:rPr lang="en-US" altLang="ko-KR" dirty="0" smtClean="0"/>
-              <a:t>0~9 </a:t>
-            </a:r>
-            <a:r>
-              <a:rPr lang="ko-KR" altLang="en-US" dirty="0" smtClean="0"/>
-              <a:t>열이 개인별 객관식 답안 및 주관식 점수 </a:t>
-            </a:r>
-            <a:r>
-              <a:rPr lang="ko-KR" altLang="en-US" dirty="0" err="1" smtClean="0"/>
-              <a:t>데이터셋임</a:t>
-            </a:r>
-            <a:r>
-              <a:rPr lang="en-US" altLang="ko-KR" dirty="0" smtClean="0"/>
-              <a:t>.</a:t>
-            </a:r>
-          </a:p>
-          <a:p>
-            <a:pPr lvl="1"/>
-            <a:r>
-              <a:rPr lang="en-US" altLang="ko-KR" dirty="0" smtClean="0"/>
-              <a:t>10</a:t>
-            </a:r>
-            <a:r>
-              <a:rPr lang="ko-KR" altLang="en-US" dirty="0"/>
-              <a:t> </a:t>
-            </a:r>
-            <a:r>
-              <a:rPr lang="ko-KR" altLang="en-US" dirty="0" smtClean="0"/>
-              <a:t>열이 정답</a:t>
-            </a:r>
-            <a:endParaRPr lang="en-US" altLang="ko-KR" dirty="0" smtClean="0"/>
-          </a:p>
-          <a:p>
-            <a:pPr lvl="1"/>
-            <a:r>
-              <a:rPr lang="en-US" altLang="ko-KR" dirty="0" smtClean="0"/>
-              <a:t>0~19 </a:t>
-            </a:r>
-            <a:r>
-              <a:rPr lang="ko-KR" altLang="en-US" dirty="0" smtClean="0"/>
-              <a:t>행이 객관식 답안</a:t>
-            </a:r>
-            <a:endParaRPr lang="en-US" altLang="ko-KR" dirty="0" smtClean="0"/>
-          </a:p>
-          <a:p>
-            <a:pPr lvl="1"/>
-            <a:r>
-              <a:rPr lang="en-US" altLang="ko-KR" dirty="0" smtClean="0"/>
-              <a:t>20~21 </a:t>
-            </a:r>
-            <a:r>
-              <a:rPr lang="ko-KR" altLang="en-US" dirty="0" smtClean="0"/>
-              <a:t>행이 주관식 점수</a:t>
-            </a:r>
-            <a:endParaRPr lang="en-US" altLang="ko-KR" dirty="0"/>
-          </a:p>
-          <a:p>
-            <a:r>
-              <a:rPr lang="ko-KR" altLang="en-US" dirty="0" smtClean="0"/>
-              <a:t>과제</a:t>
-            </a:r>
-            <a:r>
-              <a:rPr lang="en-US" altLang="ko-KR" dirty="0" smtClean="0"/>
-              <a:t>:</a:t>
-            </a:r>
-          </a:p>
-          <a:p>
-            <a:pPr marL="800100" lvl="1" indent="-342900">
-              <a:buFont typeface="+mj-ea"/>
-              <a:buAutoNum type="circleNumDbPlain"/>
-            </a:pPr>
-            <a:r>
-              <a:rPr lang="ko-KR" altLang="en-US" dirty="0" smtClean="0"/>
-              <a:t>정답 열을 </a:t>
-            </a:r>
-            <a:r>
-              <a:rPr lang="ko-KR" altLang="en-US" dirty="0" err="1" smtClean="0"/>
-              <a:t>색인하여</a:t>
-            </a:r>
-            <a:r>
-              <a:rPr lang="ko-KR" altLang="en-US" dirty="0" smtClean="0"/>
-              <a:t> </a:t>
-            </a:r>
-            <a:r>
-              <a:rPr lang="en-US" altLang="ko-KR" dirty="0" smtClean="0"/>
-              <a:t>answer</a:t>
-            </a:r>
-            <a:r>
-              <a:rPr lang="ko-KR" altLang="en-US" dirty="0" smtClean="0"/>
-              <a:t>를 생성한다</a:t>
-            </a:r>
-            <a:r>
-              <a:rPr lang="en-US" altLang="ko-KR" dirty="0" smtClean="0"/>
-              <a:t>.</a:t>
-            </a:r>
-          </a:p>
-          <a:p>
-            <a:pPr marL="800100" lvl="1" indent="-342900">
-              <a:buFont typeface="+mj-ea"/>
-              <a:buAutoNum type="circleNumDbPlain"/>
-            </a:pPr>
-            <a:r>
-              <a:rPr lang="ko-KR" altLang="en-US" dirty="0" smtClean="0"/>
-              <a:t>객관식 답안 열을 </a:t>
-            </a:r>
-            <a:r>
-              <a:rPr lang="ko-KR" altLang="en-US" dirty="0" err="1" smtClean="0"/>
-              <a:t>색인하여</a:t>
-            </a:r>
-            <a:r>
-              <a:rPr lang="ko-KR" altLang="en-US" dirty="0" smtClean="0"/>
-              <a:t> </a:t>
-            </a:r>
-            <a:r>
-              <a:rPr lang="en-US" altLang="ko-KR" dirty="0" err="1" smtClean="0"/>
-              <a:t>dset</a:t>
-            </a:r>
-            <a:r>
-              <a:rPr lang="ko-KR" altLang="en-US" dirty="0" smtClean="0"/>
-              <a:t>을 생성한다</a:t>
-            </a:r>
-            <a:r>
-              <a:rPr lang="en-US" altLang="ko-KR" dirty="0" smtClean="0"/>
-              <a:t>.</a:t>
-            </a:r>
-          </a:p>
-          <a:p>
-            <a:pPr marL="800100" lvl="1" indent="-342900">
-              <a:buFont typeface="+mj-ea"/>
-              <a:buAutoNum type="circleNumDbPlain"/>
-            </a:pPr>
-            <a:r>
-              <a:rPr lang="en-US" altLang="ko-KR" dirty="0" err="1" smtClean="0"/>
-              <a:t>dset</a:t>
-            </a:r>
-            <a:r>
-              <a:rPr lang="en-US" altLang="ko-KR" dirty="0" smtClean="0"/>
-              <a:t> </a:t>
-            </a:r>
-            <a:r>
-              <a:rPr lang="ko-KR" altLang="en-US" dirty="0" smtClean="0"/>
-              <a:t>중 정답은 </a:t>
-            </a:r>
-            <a:r>
-              <a:rPr lang="en-US" altLang="ko-KR" dirty="0" smtClean="0"/>
-              <a:t>True </a:t>
-            </a:r>
-            <a:r>
-              <a:rPr lang="ko-KR" altLang="en-US" dirty="0" smtClean="0"/>
-              <a:t>오답인 경우는 </a:t>
-            </a:r>
-            <a:r>
-              <a:rPr lang="en-US" altLang="ko-KR" dirty="0" smtClean="0"/>
-              <a:t>False</a:t>
-            </a:r>
-            <a:r>
-              <a:rPr lang="ko-KR" altLang="en-US" dirty="0" smtClean="0"/>
-              <a:t>로 표시한 </a:t>
-            </a:r>
-            <a:r>
-              <a:rPr lang="en-US" altLang="ko-KR" dirty="0" err="1" smtClean="0"/>
-              <a:t>bool_answer</a:t>
-            </a:r>
-            <a:r>
-              <a:rPr lang="ko-KR" altLang="en-US" dirty="0" smtClean="0"/>
-              <a:t>를 생성한다</a:t>
-            </a:r>
-            <a:r>
-              <a:rPr lang="en-US" altLang="ko-KR" dirty="0" smtClean="0"/>
-              <a:t>.</a:t>
-            </a:r>
-          </a:p>
-          <a:p>
-            <a:pPr marL="800100" lvl="1" indent="-342900">
-              <a:buFont typeface="+mj-ea"/>
-              <a:buAutoNum type="circleNumDbPlain"/>
-            </a:pPr>
-            <a:r>
-              <a:rPr lang="ko-KR" altLang="en-US" dirty="0" smtClean="0"/>
-              <a:t>객관식 답안은 정답과 비교하여 정답이면 </a:t>
-            </a:r>
-            <a:r>
-              <a:rPr lang="en-US" altLang="ko-KR" dirty="0" smtClean="0"/>
-              <a:t>1, </a:t>
-            </a:r>
-            <a:r>
-              <a:rPr lang="ko-KR" altLang="en-US" dirty="0" smtClean="0"/>
-              <a:t>오답이면 </a:t>
-            </a:r>
-            <a:r>
-              <a:rPr lang="en-US" altLang="ko-KR" dirty="0" smtClean="0"/>
-              <a:t>0</a:t>
-            </a:r>
-            <a:r>
-              <a:rPr lang="ko-KR" altLang="en-US" dirty="0" smtClean="0"/>
-              <a:t>으로 표시한다</a:t>
-            </a:r>
-            <a:r>
-              <a:rPr lang="en-US" altLang="ko-KR" dirty="0" smtClean="0"/>
-              <a:t>. </a:t>
-            </a:r>
-            <a:r>
-              <a:rPr lang="ko-KR" altLang="en-US" dirty="0" smtClean="0"/>
-              <a:t>주관식 답안은 점수가 포함된 </a:t>
-            </a:r>
-            <a:r>
-              <a:rPr lang="en-US" altLang="ko-KR" dirty="0" err="1" smtClean="0"/>
-              <a:t>scoreset</a:t>
-            </a:r>
-            <a:r>
-              <a:rPr lang="ko-KR" altLang="en-US" dirty="0" smtClean="0"/>
-              <a:t>을 생성한다</a:t>
-            </a:r>
-            <a:r>
-              <a:rPr lang="en-US" altLang="ko-KR" dirty="0" smtClean="0"/>
-              <a:t>.</a:t>
-            </a:r>
-          </a:p>
-          <a:p>
-            <a:pPr marL="800100" lvl="1" indent="-342900">
-              <a:buFont typeface="+mj-ea"/>
-              <a:buAutoNum type="circleNumDbPlain"/>
-            </a:pPr>
-            <a:r>
-              <a:rPr lang="ko-KR" altLang="en-US" dirty="0" smtClean="0"/>
-              <a:t>개인 </a:t>
-            </a:r>
-            <a:r>
-              <a:rPr lang="ko-KR" altLang="en-US" dirty="0"/>
-              <a:t>별 객관식 배점은 </a:t>
-            </a:r>
-            <a:r>
-              <a:rPr lang="en-US" altLang="ko-KR" dirty="0"/>
-              <a:t>4</a:t>
-            </a:r>
-            <a:r>
-              <a:rPr lang="ko-KR" altLang="en-US" dirty="0" smtClean="0"/>
-              <a:t>점이고 주관식은 점수가 기입되어 있다</a:t>
-            </a:r>
-            <a:r>
-              <a:rPr lang="en-US" altLang="ko-KR" dirty="0" smtClean="0"/>
-              <a:t>. </a:t>
-            </a:r>
-            <a:r>
-              <a:rPr lang="ko-KR" altLang="en-US" dirty="0" smtClean="0"/>
-              <a:t>그러므로 </a:t>
-            </a:r>
-            <a:r>
-              <a:rPr lang="ko-KR" altLang="en-US" dirty="0" err="1" smtClean="0"/>
-              <a:t>문제별</a:t>
-            </a:r>
-            <a:r>
-              <a:rPr lang="ko-KR" altLang="en-US" dirty="0" smtClean="0"/>
-              <a:t> 배점을 </a:t>
-            </a:r>
-            <a:r>
-              <a:rPr lang="en-US" altLang="ko-KR" dirty="0" smtClean="0"/>
-              <a:t>points</a:t>
-            </a:r>
-            <a:r>
-              <a:rPr lang="ko-KR" altLang="en-US" dirty="0" smtClean="0"/>
-              <a:t>에 입력 후 </a:t>
-            </a:r>
-            <a:r>
-              <a:rPr lang="en-US" altLang="ko-KR" dirty="0" smtClean="0"/>
-              <a:t>np.dot()</a:t>
-            </a:r>
-            <a:r>
-              <a:rPr lang="ko-KR" altLang="en-US" dirty="0" smtClean="0"/>
-              <a:t>을 이용하여 개인별 점수를 계산한다</a:t>
-            </a:r>
-            <a:r>
-              <a:rPr lang="en-US" altLang="ko-KR" dirty="0" smtClean="0"/>
-              <a:t>.</a:t>
-            </a:r>
-          </a:p>
-          <a:p>
-            <a:pPr lvl="1"/>
-            <a:endParaRPr lang="ko-KR" altLang="en-US" dirty="0"/>
-          </a:p>
-        </p:txBody>
-      </p:sp>
-      <p:sp>
-        <p:nvSpPr>
-          <p:cNvPr id="4" name="TextBox 3"/>
-          <p:cNvSpPr txBox="1"/>
-          <p:nvPr/>
-        </p:nvSpPr>
-        <p:spPr>
-          <a:xfrm>
-            <a:off x="1201788" y="1484784"/>
-            <a:ext cx="8064896" cy="648072"/>
-          </a:xfrm>
-          <a:prstGeom prst="rect">
-            <a:avLst/>
-          </a:prstGeom>
-          <a:solidFill>
-            <a:schemeClr val="bg2"/>
-          </a:solidFill>
-          <a:ln w="3175">
-            <a:solidFill>
-              <a:schemeClr val="bg1">
-                <a:lumMod val="65000"/>
-              </a:schemeClr>
-            </a:solidFill>
-          </a:ln>
-          <a:effectLst>
-            <a:innerShdw blurRad="63500" dist="50800" dir="13500000">
-              <a:prstClr val="black">
-                <a:alpha val="50000"/>
-              </a:prstClr>
-            </a:innerShdw>
-          </a:effectLst>
-        </p:spPr>
-        <p:txBody>
-          <a:bodyPr wrap="square" lIns="90000" tIns="90000" rIns="90000" bIns="90000" rtlCol="0">
-            <a:noAutofit/>
-          </a:bodyPr>
-          <a:lstStyle/>
-          <a:p>
-            <a:r>
-              <a:rPr lang="en-US" altLang="ko-KR" sz="1600" dirty="0">
-                <a:latin typeface="Consolas" panose="020B0609020204030204" pitchFamily="49" charset="0"/>
-              </a:rPr>
-              <a:t>import </a:t>
-            </a:r>
-            <a:r>
-              <a:rPr lang="en-US" altLang="ko-KR" sz="1600" dirty="0" err="1">
-                <a:latin typeface="Consolas" panose="020B0609020204030204" pitchFamily="49" charset="0"/>
-              </a:rPr>
-              <a:t>numpy</a:t>
-            </a:r>
-            <a:r>
-              <a:rPr lang="en-US" altLang="ko-KR" sz="1600" dirty="0">
-                <a:latin typeface="Consolas" panose="020B0609020204030204" pitchFamily="49" charset="0"/>
-              </a:rPr>
-              <a:t> as np</a:t>
-            </a:r>
-          </a:p>
-          <a:p>
-            <a:r>
-              <a:rPr lang="en-US" altLang="ko-KR" sz="1600" dirty="0">
-                <a:latin typeface="Consolas" panose="020B0609020204030204" pitchFamily="49" charset="0"/>
-              </a:rPr>
-              <a:t>score = </a:t>
-            </a:r>
-            <a:r>
-              <a:rPr lang="en-US" altLang="ko-KR" sz="1600" dirty="0" err="1">
-                <a:latin typeface="Consolas" panose="020B0609020204030204" pitchFamily="49" charset="0"/>
-              </a:rPr>
-              <a:t>np.loadtxt</a:t>
-            </a:r>
-            <a:r>
-              <a:rPr lang="en-US" altLang="ko-KR" sz="1600" dirty="0">
-                <a:latin typeface="Consolas" panose="020B0609020204030204" pitchFamily="49" charset="0"/>
-              </a:rPr>
-              <a:t>('python_score.csv', delimiter=',', </a:t>
-            </a:r>
-            <a:r>
-              <a:rPr lang="en-US" altLang="ko-KR" sz="1600" dirty="0" err="1">
-                <a:latin typeface="Consolas" panose="020B0609020204030204" pitchFamily="49" charset="0"/>
-              </a:rPr>
-              <a:t>dtype</a:t>
-            </a:r>
-            <a:r>
-              <a:rPr lang="en-US" altLang="ko-KR" sz="1600" dirty="0">
-                <a:latin typeface="Consolas" panose="020B0609020204030204" pitchFamily="49" charset="0"/>
-              </a:rPr>
-              <a:t>='float64')</a:t>
-            </a:r>
           </a:p>
         </p:txBody>
       </p:sp>
     </p:spTree>
     <p:extLst>
       <p:ext uri="{BB962C8B-B14F-4D97-AF65-F5344CB8AC3E}">
-        <p14:creationId xmlns:p14="http://schemas.microsoft.com/office/powerpoint/2010/main" val="3896717905"/>
+        <p14:creationId xmlns:p14="http://schemas.microsoft.com/office/powerpoint/2010/main" val="1447456994"/>
       </p:ext>
     </p:extLst>
   </p:cSld>
@@ -18318,6 +18412,194 @@
 </file>
 
 <file path=ppt/slides/slide15.xml><?xml version="1.0" encoding="utf-8"?>
+<p:sld xmlns:a="http://schemas.openxmlformats.org/drawingml/2006/main" xmlns:r="http://schemas.openxmlformats.org/officeDocument/2006/relationships" xmlns:p="http://schemas.openxmlformats.org/presentationml/2006/main">
+  <p:cSld>
+    <p:spTree>
+      <p:nvGrpSpPr>
+        <p:cNvPr id="1" name=""/>
+        <p:cNvGrpSpPr/>
+        <p:nvPr/>
+      </p:nvGrpSpPr>
+      <p:grpSpPr>
+        <a:xfrm>
+          <a:off x="0" y="0"/>
+          <a:ext cx="0" cy="0"/>
+          <a:chOff x="0" y="0"/>
+          <a:chExt cx="0" cy="0"/>
+        </a:xfrm>
+      </p:grpSpPr>
+      <p:sp>
+        <p:nvSpPr>
+          <p:cNvPr id="2" name="제목 1"/>
+          <p:cNvSpPr>
+            <a:spLocks noGrp="1"/>
+          </p:cNvSpPr>
+          <p:nvPr>
+            <p:ph type="title"/>
+          </p:nvPr>
+        </p:nvSpPr>
+        <p:spPr/>
+        <p:txBody>
+          <a:bodyPr/>
+          <a:lstStyle/>
+          <a:p>
+            <a:r>
+              <a:rPr lang="en-US" altLang="ko-KR" dirty="0" err="1" smtClean="0"/>
+              <a:t>Git</a:t>
+            </a:r>
+            <a:r>
+              <a:rPr lang="en-US" altLang="ko-KR" dirty="0" smtClean="0"/>
+              <a:t> hub </a:t>
+            </a:r>
+            <a:r>
+              <a:rPr lang="ko-KR" altLang="en-US" dirty="0" smtClean="0"/>
+              <a:t>사용하기</a:t>
+            </a:r>
+            <a:endParaRPr lang="ko-KR" altLang="en-US" dirty="0"/>
+          </a:p>
+        </p:txBody>
+      </p:sp>
+      <p:sp>
+        <p:nvSpPr>
+          <p:cNvPr id="3" name="내용 개체 틀 2"/>
+          <p:cNvSpPr>
+            <a:spLocks noGrp="1"/>
+          </p:cNvSpPr>
+          <p:nvPr>
+            <p:ph idx="1"/>
+          </p:nvPr>
+        </p:nvSpPr>
+        <p:spPr/>
+        <p:txBody>
+          <a:bodyPr/>
+          <a:lstStyle/>
+          <a:p>
+            <a:r>
+              <a:rPr lang="en-US" altLang="ko-KR" dirty="0">
+                <a:hlinkClick r:id="rId2"/>
+              </a:rPr>
+              <a:t>https://github.com</a:t>
+            </a:r>
+            <a:r>
+              <a:rPr lang="en-US" altLang="ko-KR" dirty="0" smtClean="0">
+                <a:hlinkClick r:id="rId2"/>
+              </a:rPr>
+              <a:t>/</a:t>
+            </a:r>
+            <a:endParaRPr lang="en-US" altLang="ko-KR" dirty="0" smtClean="0"/>
+          </a:p>
+          <a:p>
+            <a:pPr lvl="1"/>
+            <a:r>
+              <a:rPr lang="ko-KR" altLang="en-US" dirty="0" smtClean="0"/>
+              <a:t>회원가입</a:t>
+            </a:r>
+            <a:endParaRPr lang="en-US" altLang="ko-KR" dirty="0" smtClean="0"/>
+          </a:p>
+          <a:p>
+            <a:pPr lvl="1"/>
+            <a:r>
+              <a:rPr lang="en-US" altLang="ko-KR" dirty="0" smtClean="0"/>
+              <a:t>Desktop </a:t>
+            </a:r>
+            <a:r>
+              <a:rPr lang="en-US" altLang="ko-KR" dirty="0" err="1" smtClean="0"/>
+              <a:t>github</a:t>
+            </a:r>
+            <a:r>
+              <a:rPr lang="en-US" altLang="ko-KR" dirty="0" smtClean="0"/>
+              <a:t> </a:t>
+            </a:r>
+            <a:r>
+              <a:rPr lang="ko-KR" altLang="en-US" dirty="0" smtClean="0"/>
+              <a:t>다운로드</a:t>
+            </a:r>
+            <a:endParaRPr lang="en-US" altLang="ko-KR" dirty="0" smtClean="0"/>
+          </a:p>
+          <a:p>
+            <a:pPr lvl="1"/>
+            <a:r>
+              <a:rPr lang="en-US" altLang="ko-KR" dirty="0" smtClean="0"/>
+              <a:t>Desktop </a:t>
+            </a:r>
+            <a:r>
+              <a:rPr lang="en-US" altLang="ko-KR" dirty="0" err="1" smtClean="0"/>
+              <a:t>github</a:t>
+            </a:r>
+            <a:r>
+              <a:rPr lang="ko-KR" altLang="en-US" dirty="0" smtClean="0"/>
+              <a:t>에 </a:t>
+            </a:r>
+            <a:r>
+              <a:rPr lang="en-US" altLang="ko-KR" dirty="0" smtClean="0"/>
+              <a:t>sign in</a:t>
+            </a:r>
+          </a:p>
+          <a:p>
+            <a:pPr lvl="1"/>
+            <a:r>
+              <a:rPr lang="ko-KR" altLang="en-US" dirty="0" smtClean="0"/>
+              <a:t>저장소 생성</a:t>
+            </a:r>
+            <a:endParaRPr lang="en-US" altLang="ko-KR" dirty="0" smtClean="0"/>
+          </a:p>
+          <a:p>
+            <a:pPr lvl="1"/>
+            <a:r>
+              <a:rPr lang="ko-KR" altLang="en-US" dirty="0" smtClean="0"/>
+              <a:t>저장소 </a:t>
+            </a:r>
+            <a:r>
+              <a:rPr lang="en-US" altLang="ko-KR" dirty="0" smtClean="0"/>
+              <a:t>publish</a:t>
+            </a:r>
+          </a:p>
+          <a:p>
+            <a:pPr lvl="1"/>
+            <a:r>
+              <a:rPr lang="ko-KR" altLang="en-US" dirty="0" smtClean="0"/>
+              <a:t>로컬 저장소를 브라우저로 열기</a:t>
+            </a:r>
+            <a:endParaRPr lang="en-US" altLang="ko-KR" dirty="0" smtClean="0"/>
+          </a:p>
+          <a:p>
+            <a:pPr lvl="1"/>
+            <a:r>
+              <a:rPr lang="en-US" altLang="ko-KR" dirty="0" smtClean="0"/>
+              <a:t>Initial commit</a:t>
+            </a:r>
+          </a:p>
+          <a:p>
+            <a:pPr lvl="1"/>
+            <a:r>
+              <a:rPr lang="en-US" altLang="ko-KR" dirty="0" smtClean="0"/>
+              <a:t>push</a:t>
+            </a:r>
+            <a:endParaRPr lang="ko-KR" altLang="en-US" dirty="0"/>
+          </a:p>
+        </p:txBody>
+      </p:sp>
+    </p:spTree>
+    <p:extLst>
+      <p:ext uri="{BB962C8B-B14F-4D97-AF65-F5344CB8AC3E}">
+        <p14:creationId xmlns:p14="http://schemas.microsoft.com/office/powerpoint/2010/main" val="131232343"/>
+      </p:ext>
+    </p:extLst>
+  </p:cSld>
+  <p:clrMapOvr>
+    <a:masterClrMapping/>
+  </p:clrMapOvr>
+  <p:timing>
+    <p:tnLst>
+      <p:par>
+        <p:cTn id="1" dur="indefinite" restart="never" nodeType="tmRoot"/>
+      </p:par>
+    </p:tnLst>
+  </p:timing>
+</p:sld>
+</file>
+
+<file path=ppt/slides/slide16.xml><?xml version="1.0" encoding="utf-8"?>
 <p:sld xmlns:a="http://schemas.openxmlformats.org/drawingml/2006/main" xmlns:r="http://schemas.openxmlformats.org/officeDocument/2006/relationships" xmlns:p="http://schemas.openxmlformats.org/presentationml/2006/main">
   <p:cSld>
     <p:spTree>
@@ -23108,7 +23390,7 @@
       </p:grpSpPr>
       <p:sp>
         <p:nvSpPr>
-          <p:cNvPr id="3" name="제목 2"/>
+          <p:cNvPr id="2" name="제목 1"/>
           <p:cNvSpPr>
             <a:spLocks noGrp="1"/>
           </p:cNvSpPr>
@@ -23123,23 +23405,35 @@
           <a:p>
             <a:r>
               <a:rPr lang="en-US" altLang="ko-KR" dirty="0" smtClean="0"/>
-              <a:t>Day3 (5</a:t>
-            </a:r>
-            <a:r>
-              <a:rPr lang="ko-KR" altLang="en-US" dirty="0" smtClean="0"/>
-              <a:t>월 </a:t>
-            </a:r>
-            <a:r>
-              <a:rPr lang="en-US" altLang="ko-KR" dirty="0" smtClean="0"/>
-              <a:t>31</a:t>
-            </a:r>
-            <a:r>
-              <a:rPr lang="ko-KR" altLang="en-US" dirty="0" smtClean="0"/>
-              <a:t>일</a:t>
-            </a:r>
-            <a:r>
-              <a:rPr lang="en-US" altLang="ko-KR" dirty="0" smtClean="0"/>
-              <a:t>)</a:t>
+              <a:t>Day2 </a:t>
+            </a:r>
+            <a:r>
+              <a:rPr lang="ko-KR" altLang="en-US" dirty="0" smtClean="0"/>
+              <a:t>과제 설명 </a:t>
+            </a:r>
+            <a:r>
+              <a:rPr lang="en-US" altLang="ko-KR" dirty="0" smtClean="0"/>
+              <a:t>(</a:t>
+            </a:r>
+            <a:r>
+              <a:rPr lang="ko-KR" altLang="en-US" dirty="0" smtClean="0"/>
+              <a:t>아래 과제를 수행하거나 </a:t>
+            </a:r>
+            <a:r>
+              <a:rPr lang="en-US" altLang="ko-KR" dirty="0" smtClean="0"/>
+              <a:t>4</a:t>
+            </a:r>
+            <a:r>
+              <a:rPr lang="ko-KR" altLang="en-US" dirty="0" smtClean="0"/>
+              <a:t>장을 읽고 공부하시오</a:t>
+            </a:r>
+            <a:r>
+              <a:rPr lang="en-US" altLang="ko-KR" dirty="0" smtClean="0"/>
+              <a:t>.)</a:t>
+            </a:r>
+            <a:r>
+              <a:rPr lang="ko-KR" altLang="en-US" dirty="0" smtClean="0"/>
+              <a:t> </a:t>
             </a:r>
             <a:endParaRPr lang="ko-KR" altLang="en-US" dirty="0"/>
           </a:p>
@@ -23147,7 +23441,7 @@
       </p:sp>
       <p:sp>
         <p:nvSpPr>
-          <p:cNvPr id="4" name="내용 개체 틀 3"/>
+          <p:cNvPr id="3" name="내용 개체 틀 2"/>
           <p:cNvSpPr>
             <a:spLocks noGrp="1"/>
           </p:cNvSpPr>
@@ -23157,12 +23451,145 @@
         </p:nvSpPr>
         <p:spPr/>
         <p:txBody>
-          <a:bodyPr/>
+          <a:bodyPr>
+            <a:normAutofit fontScale="92500" lnSpcReduction="10000"/>
+          </a:bodyPr>
           <a:lstStyle/>
           <a:p>
             <a:r>
-              <a:rPr lang="ko-KR" altLang="en-US" dirty="0" smtClean="0"/>
-              <a:t>학습목표</a:t>
+              <a:rPr lang="en-US" altLang="ko-KR" dirty="0"/>
+              <a:t>score.csv </a:t>
+            </a:r>
+            <a:r>
+              <a:rPr lang="ko-KR" altLang="en-US" dirty="0"/>
+              <a:t>파일을 </a:t>
+            </a:r>
+            <a:r>
+              <a:rPr lang="ko-KR" altLang="en-US" dirty="0" err="1"/>
+              <a:t>읽어들여서</a:t>
+            </a:r>
+            <a:r>
+              <a:rPr lang="ko-KR" altLang="en-US" dirty="0"/>
+              <a:t> </a:t>
+            </a:r>
+            <a:r>
+              <a:rPr lang="en-US" altLang="ko-KR" dirty="0" err="1"/>
+              <a:t>numpy</a:t>
+            </a:r>
+            <a:r>
+              <a:rPr lang="en-US" altLang="ko-KR" dirty="0"/>
+              <a:t> </a:t>
+            </a:r>
+            <a:r>
+              <a:rPr lang="en-US" altLang="ko-KR" dirty="0" err="1"/>
+              <a:t>ndarray</a:t>
+            </a:r>
+            <a:r>
+              <a:rPr lang="ko-KR" altLang="en-US" dirty="0"/>
+              <a:t>로 만들고 </a:t>
+            </a:r>
+            <a:r>
+              <a:rPr lang="en-US" altLang="ko-KR" dirty="0"/>
+              <a:t>np.dot() </a:t>
+            </a:r>
+            <a:r>
+              <a:rPr lang="ko-KR" altLang="en-US" dirty="0" err="1"/>
+              <a:t>메소드를</a:t>
+            </a:r>
+            <a:r>
+              <a:rPr lang="ko-KR" altLang="en-US" dirty="0"/>
+              <a:t> 이용해 개인별 점수를 구하라</a:t>
+            </a:r>
+            <a:r>
+              <a:rPr lang="en-US" altLang="ko-KR" dirty="0" smtClean="0"/>
+              <a:t>.</a:t>
+            </a:r>
+          </a:p>
+          <a:p>
+            <a:endParaRPr lang="en-US" altLang="ko-KR" dirty="0"/>
+          </a:p>
+          <a:p>
+            <a:endParaRPr lang="en-US" altLang="ko-KR" dirty="0" smtClean="0"/>
+          </a:p>
+          <a:p>
+            <a:pPr marL="0" indent="0">
+              <a:buNone/>
+            </a:pPr>
+            <a:endParaRPr lang="en-US" altLang="ko-KR" dirty="0" smtClean="0"/>
+          </a:p>
+          <a:p>
+            <a:r>
+              <a:rPr lang="ko-KR" altLang="en-US" dirty="0" smtClean="0"/>
+              <a:t>데이터 설명</a:t>
+            </a:r>
+            <a:r>
+              <a:rPr lang="en-US" altLang="ko-KR" dirty="0" smtClean="0"/>
+              <a:t>: </a:t>
+            </a:r>
+          </a:p>
+          <a:p>
+            <a:pPr lvl="1"/>
+            <a:r>
+              <a:rPr lang="en-US" altLang="ko-KR" dirty="0" smtClean="0"/>
+              <a:t>0~9 </a:t>
+            </a:r>
+            <a:r>
+              <a:rPr lang="ko-KR" altLang="en-US" dirty="0" smtClean="0"/>
+              <a:t>열이 개인별 객관식 답안 및 주관식 점수 </a:t>
+            </a:r>
+            <a:r>
+              <a:rPr lang="ko-KR" altLang="en-US" dirty="0" err="1" smtClean="0"/>
+              <a:t>데이터셋임</a:t>
+            </a:r>
+            <a:r>
+              <a:rPr lang="en-US" altLang="ko-KR" dirty="0" smtClean="0"/>
+              <a:t>.</a:t>
+            </a:r>
+          </a:p>
+          <a:p>
+            <a:pPr lvl="1"/>
+            <a:r>
+              <a:rPr lang="en-US" altLang="ko-KR" dirty="0" smtClean="0"/>
+              <a:t>10</a:t>
+            </a:r>
+            <a:r>
+              <a:rPr lang="ko-KR" altLang="en-US" dirty="0"/>
+              <a:t> </a:t>
+            </a:r>
+            <a:r>
+              <a:rPr lang="ko-KR" altLang="en-US" dirty="0" smtClean="0"/>
+              <a:t>열이 정답</a:t>
+            </a:r>
+            <a:endParaRPr lang="en-US" altLang="ko-KR" dirty="0" smtClean="0"/>
+          </a:p>
+          <a:p>
+            <a:pPr lvl="1"/>
+            <a:r>
+              <a:rPr lang="en-US" altLang="ko-KR" dirty="0" smtClean="0"/>
+              <a:t>0~19 </a:t>
+            </a:r>
+            <a:r>
+              <a:rPr lang="ko-KR" altLang="en-US" dirty="0" smtClean="0"/>
+              <a:t>행이 객관식 답안</a:t>
+            </a:r>
+            <a:endParaRPr lang="en-US" altLang="ko-KR" dirty="0" smtClean="0"/>
+          </a:p>
+          <a:p>
+            <a:pPr lvl="1"/>
+            <a:r>
+              <a:rPr lang="en-US" altLang="ko-KR" dirty="0" smtClean="0"/>
+              <a:t>20~21 </a:t>
+            </a:r>
+            <a:r>
+              <a:rPr lang="ko-KR" altLang="en-US" dirty="0" smtClean="0"/>
+              <a:t>행이 주관식 점수</a:t>
+            </a:r>
+            <a:endParaRPr lang="en-US" altLang="ko-KR" dirty="0"/>
+          </a:p>
+          <a:p>
+            <a:r>
+              <a:rPr lang="ko-KR" altLang="en-US" dirty="0" smtClean="0"/>
+              <a:t>과제</a:t>
             </a:r>
             <a:r>
               <a:rPr lang="en-US" altLang="ko-KR" dirty="0" smtClean="0"/>
@@ -23170,191 +23597,316 @@
             </a:r>
           </a:p>
           <a:p>
+            <a:pPr marL="800100" lvl="1" indent="-342900">
+              <a:buFont typeface="+mj-ea"/>
+              <a:buAutoNum type="circleNumDbPlain"/>
+            </a:pPr>
+            <a:r>
+              <a:rPr lang="ko-KR" altLang="en-US" dirty="0" smtClean="0"/>
+              <a:t>정답 열을 </a:t>
+            </a:r>
+            <a:r>
+              <a:rPr lang="ko-KR" altLang="en-US" dirty="0" err="1" smtClean="0"/>
+              <a:t>색인하여</a:t>
+            </a:r>
+            <a:r>
+              <a:rPr lang="ko-KR" altLang="en-US" dirty="0" smtClean="0"/>
+              <a:t> </a:t>
+            </a:r>
+            <a:r>
+              <a:rPr lang="en-US" altLang="ko-KR" dirty="0" smtClean="0"/>
+              <a:t>answer</a:t>
+            </a:r>
+            <a:r>
+              <a:rPr lang="ko-KR" altLang="en-US" dirty="0" smtClean="0"/>
+              <a:t>를 생성한다</a:t>
+            </a:r>
+            <a:r>
+              <a:rPr lang="en-US" altLang="ko-KR" dirty="0" smtClean="0"/>
+              <a:t>.</a:t>
+            </a:r>
+          </a:p>
+          <a:p>
+            <a:pPr marL="800100" lvl="1" indent="-342900">
+              <a:buFont typeface="+mj-ea"/>
+              <a:buAutoNum type="circleNumDbPlain"/>
+            </a:pPr>
+            <a:r>
+              <a:rPr lang="ko-KR" altLang="en-US" dirty="0" smtClean="0"/>
+              <a:t>객관식 답안 열을 </a:t>
+            </a:r>
+            <a:r>
+              <a:rPr lang="ko-KR" altLang="en-US" dirty="0" err="1" smtClean="0"/>
+              <a:t>색인하여</a:t>
+            </a:r>
+            <a:r>
+              <a:rPr lang="ko-KR" altLang="en-US" dirty="0" smtClean="0"/>
+              <a:t> </a:t>
+            </a:r>
+            <a:r>
+              <a:rPr lang="en-US" altLang="ko-KR" dirty="0" err="1" smtClean="0"/>
+              <a:t>dset</a:t>
+            </a:r>
+            <a:r>
+              <a:rPr lang="ko-KR" altLang="en-US" dirty="0" smtClean="0"/>
+              <a:t>을 생성한다</a:t>
+            </a:r>
+            <a:r>
+              <a:rPr lang="en-US" altLang="ko-KR" dirty="0" smtClean="0"/>
+              <a:t>.</a:t>
+            </a:r>
+          </a:p>
+          <a:p>
+            <a:pPr marL="800100" lvl="1" indent="-342900">
+              <a:buFont typeface="+mj-ea"/>
+              <a:buAutoNum type="circleNumDbPlain"/>
+            </a:pPr>
+            <a:r>
+              <a:rPr lang="en-US" altLang="ko-KR" dirty="0" err="1" smtClean="0"/>
+              <a:t>dset</a:t>
+            </a:r>
+            <a:r>
+              <a:rPr lang="en-US" altLang="ko-KR" dirty="0" smtClean="0"/>
+              <a:t> </a:t>
+            </a:r>
+            <a:r>
+              <a:rPr lang="ko-KR" altLang="en-US" dirty="0" smtClean="0"/>
+              <a:t>중 정답은 </a:t>
+            </a:r>
+            <a:r>
+              <a:rPr lang="en-US" altLang="ko-KR" dirty="0" smtClean="0"/>
+              <a:t>True </a:t>
+            </a:r>
+            <a:r>
+              <a:rPr lang="ko-KR" altLang="en-US" dirty="0" smtClean="0"/>
+              <a:t>오답인 경우는 </a:t>
+            </a:r>
+            <a:r>
+              <a:rPr lang="en-US" altLang="ko-KR" dirty="0" smtClean="0"/>
+              <a:t>False</a:t>
+            </a:r>
+            <a:r>
+              <a:rPr lang="ko-KR" altLang="en-US" dirty="0" smtClean="0"/>
+              <a:t>로 표시한 </a:t>
+            </a:r>
+            <a:r>
+              <a:rPr lang="en-US" altLang="ko-KR" dirty="0" err="1" smtClean="0"/>
+              <a:t>bool_answer</a:t>
+            </a:r>
+            <a:r>
+              <a:rPr lang="ko-KR" altLang="en-US" dirty="0" smtClean="0"/>
+              <a:t>를 생성한다</a:t>
+            </a:r>
+            <a:r>
+              <a:rPr lang="en-US" altLang="ko-KR" dirty="0" smtClean="0"/>
+              <a:t>.</a:t>
+            </a:r>
+          </a:p>
+          <a:p>
+            <a:pPr marL="800100" lvl="1" indent="-342900">
+              <a:buFont typeface="+mj-ea"/>
+              <a:buAutoNum type="circleNumDbPlain"/>
+            </a:pPr>
+            <a:r>
+              <a:rPr lang="ko-KR" altLang="en-US" dirty="0" smtClean="0"/>
+              <a:t>객관식 답안은 정답과 비교하여 정답이면 </a:t>
+            </a:r>
+            <a:r>
+              <a:rPr lang="en-US" altLang="ko-KR" dirty="0" smtClean="0"/>
+              <a:t>1, </a:t>
+            </a:r>
+            <a:r>
+              <a:rPr lang="ko-KR" altLang="en-US" dirty="0" smtClean="0"/>
+              <a:t>오답이면 </a:t>
+            </a:r>
+            <a:r>
+              <a:rPr lang="en-US" altLang="ko-KR" dirty="0" smtClean="0"/>
+              <a:t>0</a:t>
+            </a:r>
+            <a:r>
+              <a:rPr lang="ko-KR" altLang="en-US" dirty="0" smtClean="0"/>
+              <a:t>으로 표시한다</a:t>
+            </a:r>
+            <a:r>
+              <a:rPr lang="en-US" altLang="ko-KR" dirty="0" smtClean="0"/>
+              <a:t>. </a:t>
+            </a:r>
+            <a:r>
+              <a:rPr lang="ko-KR" altLang="en-US" dirty="0" smtClean="0"/>
+              <a:t>주관식 답안은 점수가 포함된 </a:t>
+            </a:r>
+            <a:r>
+              <a:rPr lang="en-US" altLang="ko-KR" dirty="0" err="1" smtClean="0"/>
+              <a:t>scoreset</a:t>
+            </a:r>
+            <a:r>
+              <a:rPr lang="ko-KR" altLang="en-US" dirty="0" smtClean="0"/>
+              <a:t>을 생성한다</a:t>
+            </a:r>
+            <a:r>
+              <a:rPr lang="en-US" altLang="ko-KR" dirty="0" smtClean="0"/>
+              <a:t>.</a:t>
+            </a:r>
+          </a:p>
+          <a:p>
+            <a:pPr marL="800100" lvl="1" indent="-342900">
+              <a:buFont typeface="+mj-ea"/>
+              <a:buAutoNum type="circleNumDbPlain"/>
+            </a:pPr>
+            <a:r>
+              <a:rPr lang="ko-KR" altLang="en-US" dirty="0" smtClean="0"/>
+              <a:t>개인 </a:t>
+            </a:r>
+            <a:r>
+              <a:rPr lang="ko-KR" altLang="en-US" dirty="0"/>
+              <a:t>별 객관식 배점은 </a:t>
+            </a:r>
+            <a:r>
+              <a:rPr lang="en-US" altLang="ko-KR" dirty="0"/>
+              <a:t>4</a:t>
+            </a:r>
+            <a:r>
+              <a:rPr lang="ko-KR" altLang="en-US" dirty="0" smtClean="0"/>
+              <a:t>점이고 주관식은 점수가 기입되어 있다</a:t>
+            </a:r>
+            <a:r>
+              <a:rPr lang="en-US" altLang="ko-KR" dirty="0" smtClean="0"/>
+              <a:t>. </a:t>
+            </a:r>
+            <a:r>
+              <a:rPr lang="ko-KR" altLang="en-US" dirty="0" smtClean="0"/>
+              <a:t>그러므로 </a:t>
+            </a:r>
+            <a:r>
+              <a:rPr lang="ko-KR" altLang="en-US" dirty="0" err="1" smtClean="0"/>
+              <a:t>문제별</a:t>
+            </a:r>
+            <a:r>
+              <a:rPr lang="ko-KR" altLang="en-US" dirty="0" smtClean="0"/>
+              <a:t> 배점을 </a:t>
+            </a:r>
+            <a:r>
+              <a:rPr lang="en-US" altLang="ko-KR" dirty="0" smtClean="0"/>
+              <a:t>points</a:t>
+            </a:r>
+            <a:r>
+              <a:rPr lang="ko-KR" altLang="en-US" dirty="0" smtClean="0"/>
+              <a:t>에 입력 후 </a:t>
+            </a:r>
+            <a:r>
+              <a:rPr lang="en-US" altLang="ko-KR" dirty="0" smtClean="0"/>
+              <a:t>np.dot()</a:t>
+            </a:r>
+            <a:r>
+              <a:rPr lang="ko-KR" altLang="en-US" dirty="0" smtClean="0"/>
+              <a:t>을 이용하여 개인별 점수를 계산한다</a:t>
+            </a:r>
+            <a:r>
+              <a:rPr lang="en-US" altLang="ko-KR" dirty="0" smtClean="0"/>
+              <a:t>.</a:t>
+            </a:r>
+          </a:p>
+          <a:p>
             <a:pPr lvl="1"/>
-            <a:r>
-              <a:rPr lang="en-US" altLang="ko-KR" dirty="0" err="1" smtClean="0"/>
-              <a:t>ndarray</a:t>
-            </a:r>
-            <a:r>
-              <a:rPr lang="en-US" altLang="ko-KR" dirty="0" smtClean="0"/>
-              <a:t> </a:t>
-            </a:r>
-            <a:r>
-              <a:rPr lang="ko-KR" altLang="en-US" dirty="0" smtClean="0"/>
-              <a:t>객체에 대한 </a:t>
-            </a:r>
-            <a:r>
-              <a:rPr lang="ko-KR" altLang="en-US" dirty="0" err="1" smtClean="0"/>
-              <a:t>불리언</a:t>
-            </a:r>
-            <a:r>
-              <a:rPr lang="ko-KR" altLang="en-US" dirty="0" smtClean="0"/>
-              <a:t> 색인 또는 </a:t>
-            </a:r>
-            <a:r>
-              <a:rPr lang="ko-KR" altLang="en-US" dirty="0" err="1" smtClean="0"/>
-              <a:t>팬시</a:t>
-            </a:r>
-            <a:r>
-              <a:rPr lang="ko-KR" altLang="en-US" dirty="0" smtClean="0"/>
-              <a:t> 색인을 익히고 활용한다</a:t>
-            </a:r>
-            <a:r>
-              <a:rPr lang="en-US" altLang="ko-KR" dirty="0" smtClean="0"/>
-              <a:t>.</a:t>
-            </a:r>
-          </a:p>
-          <a:p>
-            <a:pPr lvl="1"/>
-            <a:r>
-              <a:rPr lang="en-US" altLang="ko-KR" dirty="0" err="1" smtClean="0"/>
-              <a:t>ndarray</a:t>
-            </a:r>
-            <a:r>
-              <a:rPr lang="en-US" altLang="ko-KR" dirty="0" smtClean="0"/>
-              <a:t> </a:t>
-            </a:r>
-            <a:r>
-              <a:rPr lang="ko-KR" altLang="en-US" dirty="0" smtClean="0"/>
-              <a:t>객체에 적용한 다양한 </a:t>
-            </a:r>
-            <a:r>
-              <a:rPr lang="ko-KR" altLang="en-US" dirty="0" err="1" smtClean="0"/>
-              <a:t>유니버셜</a:t>
-            </a:r>
-            <a:r>
-              <a:rPr lang="ko-KR" altLang="en-US" dirty="0" smtClean="0"/>
-              <a:t> 함수를 익히고 활용한다</a:t>
-            </a:r>
-            <a:r>
-              <a:rPr lang="en-US" altLang="ko-KR" dirty="0" smtClean="0"/>
-              <a:t>.</a:t>
-            </a:r>
-          </a:p>
-          <a:p>
-            <a:pPr lvl="1"/>
-            <a:r>
-              <a:rPr lang="en-US" altLang="ko-KR" dirty="0" err="1" smtClean="0"/>
-              <a:t>ndarray</a:t>
-            </a:r>
-            <a:r>
-              <a:rPr lang="en-US" altLang="ko-KR" dirty="0" smtClean="0"/>
-              <a:t> </a:t>
-            </a:r>
-            <a:r>
-              <a:rPr lang="ko-KR" altLang="en-US" dirty="0" smtClean="0"/>
-              <a:t>객체를 디스크에 저장하거나 불러들이는 방법</a:t>
-            </a:r>
-            <a:r>
-              <a:rPr lang="en-US" altLang="ko-KR" dirty="0" smtClean="0"/>
-              <a:t>, </a:t>
-            </a:r>
-            <a:r>
-              <a:rPr lang="ko-KR" altLang="en-US" dirty="0" smtClean="0"/>
-              <a:t>텍스트 파일로부터 </a:t>
-            </a:r>
-            <a:r>
-              <a:rPr lang="en-US" altLang="ko-KR" dirty="0" err="1" smtClean="0"/>
-              <a:t>ndarray</a:t>
-            </a:r>
-            <a:r>
-              <a:rPr lang="en-US" altLang="ko-KR" dirty="0" smtClean="0"/>
-              <a:t> </a:t>
-            </a:r>
-            <a:r>
-              <a:rPr lang="ko-KR" altLang="en-US" dirty="0" smtClean="0"/>
-              <a:t>객체를 생성하는 방법을 익힌다</a:t>
-            </a:r>
-            <a:r>
-              <a:rPr lang="en-US" altLang="ko-KR" dirty="0" smtClean="0"/>
-              <a:t>.</a:t>
-            </a:r>
-          </a:p>
-          <a:p>
-            <a:pPr lvl="1"/>
-            <a:r>
-              <a:rPr lang="ko-KR" altLang="en-US" dirty="0" smtClean="0"/>
-              <a:t>선형대수</a:t>
-            </a:r>
-            <a:r>
-              <a:rPr lang="en-US" altLang="ko-KR" dirty="0" smtClean="0"/>
-              <a:t>, </a:t>
-            </a:r>
-            <a:r>
-              <a:rPr lang="ko-KR" altLang="en-US" dirty="0" err="1" smtClean="0"/>
-              <a:t>난수발생</a:t>
-            </a:r>
-            <a:r>
-              <a:rPr lang="ko-KR" altLang="en-US" dirty="0" smtClean="0"/>
-              <a:t> </a:t>
-            </a:r>
-            <a:r>
-              <a:rPr lang="ko-KR" altLang="en-US" dirty="0" err="1" smtClean="0"/>
-              <a:t>메소드에</a:t>
-            </a:r>
-            <a:r>
-              <a:rPr lang="ko-KR" altLang="en-US" dirty="0" smtClean="0"/>
-              <a:t> 대해 배운다</a:t>
-            </a:r>
-            <a:r>
-              <a:rPr lang="en-US" altLang="ko-KR" dirty="0" smtClean="0"/>
-              <a:t>.</a:t>
-            </a:r>
-          </a:p>
-          <a:p>
-            <a:pPr lvl="1"/>
-            <a:endParaRPr lang="en-US" altLang="ko-KR" dirty="0" smtClean="0"/>
-          </a:p>
-          <a:p>
-            <a:r>
-              <a:rPr lang="ko-KR" altLang="en-US" dirty="0" smtClean="0"/>
-              <a:t>과제</a:t>
-            </a:r>
-            <a:r>
-              <a:rPr lang="en-US" altLang="ko-KR" dirty="0" smtClean="0"/>
-              <a:t>:</a:t>
-            </a:r>
-          </a:p>
-          <a:p>
-            <a:pPr lvl="1"/>
-            <a:r>
-              <a:rPr lang="en-US" altLang="ko-KR" dirty="0" smtClean="0"/>
-              <a:t>4</a:t>
-            </a:r>
-            <a:r>
-              <a:rPr lang="ko-KR" altLang="en-US" dirty="0" smtClean="0"/>
-              <a:t>장에 있는 표</a:t>
-            </a:r>
-            <a:r>
-              <a:rPr lang="en-US" altLang="ko-KR" dirty="0" smtClean="0"/>
-              <a:t>4-3~</a:t>
-            </a:r>
-            <a:r>
-              <a:rPr lang="ko-KR" altLang="en-US" dirty="0" smtClean="0"/>
-              <a:t>표</a:t>
-            </a:r>
-            <a:r>
-              <a:rPr lang="en-US" altLang="ko-KR" dirty="0" smtClean="0"/>
-              <a:t>4-8</a:t>
-            </a:r>
-            <a:r>
-              <a:rPr lang="ko-KR" altLang="en-US" dirty="0" smtClean="0"/>
-              <a:t>까지에 있는 내용을 읽고 관련자료를 조사하여 정리 후 발표한다</a:t>
-            </a:r>
-            <a:r>
-              <a:rPr lang="en-US" altLang="ko-KR" dirty="0" smtClean="0"/>
-              <a:t>.</a:t>
-            </a:r>
-          </a:p>
-          <a:p>
             <a:endParaRPr lang="ko-KR" altLang="en-US" dirty="0"/>
+          </a:p>
+        </p:txBody>
+      </p:sp>
+      <p:sp>
+        <p:nvSpPr>
+          <p:cNvPr id="4" name="TextBox 3"/>
+          <p:cNvSpPr txBox="1"/>
+          <p:nvPr/>
+        </p:nvSpPr>
+        <p:spPr>
+          <a:xfrm>
+            <a:off x="1201788" y="1484784"/>
+            <a:ext cx="8064896" cy="648072"/>
+          </a:xfrm>
+          <a:prstGeom prst="rect">
+            <a:avLst/>
+          </a:prstGeom>
+          <a:solidFill>
+            <a:schemeClr val="bg2"/>
+          </a:solidFill>
+          <a:ln w="3175">
+            <a:solidFill>
+              <a:schemeClr val="bg1">
+                <a:lumMod val="65000"/>
+              </a:schemeClr>
+            </a:solidFill>
+          </a:ln>
+          <a:effectLst>
+            <a:innerShdw blurRad="63500" dist="50800" dir="13500000">
+              <a:prstClr val="black">
+                <a:alpha val="50000"/>
+              </a:prstClr>
+            </a:innerShdw>
+          </a:effectLst>
+        </p:spPr>
+        <p:txBody>
+          <a:bodyPr wrap="square" lIns="90000" tIns="90000" rIns="90000" bIns="90000" rtlCol="0">
+            <a:noAutofit/>
+          </a:bodyPr>
+          <a:lstStyle/>
+          <a:p>
+            <a:r>
+              <a:rPr lang="en-US" altLang="ko-KR" sz="1600" dirty="0">
+                <a:latin typeface="Consolas" panose="020B0609020204030204" pitchFamily="49" charset="0"/>
+              </a:rPr>
+              <a:t>import </a:t>
+            </a:r>
+            <a:r>
+              <a:rPr lang="en-US" altLang="ko-KR" sz="1600" dirty="0" err="1">
+                <a:latin typeface="Consolas" panose="020B0609020204030204" pitchFamily="49" charset="0"/>
+              </a:rPr>
+              <a:t>numpy</a:t>
+            </a:r>
+            <a:r>
+              <a:rPr lang="en-US" altLang="ko-KR" sz="1600" dirty="0">
+                <a:latin typeface="Consolas" panose="020B0609020204030204" pitchFamily="49" charset="0"/>
+              </a:rPr>
+              <a:t> as np</a:t>
+            </a:r>
+          </a:p>
+          <a:p>
+            <a:r>
+              <a:rPr lang="en-US" altLang="ko-KR" sz="1600" dirty="0">
+                <a:latin typeface="Consolas" panose="020B0609020204030204" pitchFamily="49" charset="0"/>
+              </a:rPr>
+              <a:t>score = </a:t>
+            </a:r>
+            <a:r>
+              <a:rPr lang="en-US" altLang="ko-KR" sz="1600" dirty="0" err="1">
+                <a:latin typeface="Consolas" panose="020B0609020204030204" pitchFamily="49" charset="0"/>
+              </a:rPr>
+              <a:t>np.loadtxt</a:t>
+            </a:r>
+            <a:r>
+              <a:rPr lang="en-US" altLang="ko-KR" sz="1600" dirty="0">
+                <a:latin typeface="Consolas" panose="020B0609020204030204" pitchFamily="49" charset="0"/>
+              </a:rPr>
+              <a:t>('python_score.csv', delimiter=',', </a:t>
+            </a:r>
+            <a:r>
+              <a:rPr lang="en-US" altLang="ko-KR" sz="1600" dirty="0" err="1">
+                <a:latin typeface="Consolas" panose="020B0609020204030204" pitchFamily="49" charset="0"/>
+              </a:rPr>
+              <a:t>dtype</a:t>
+            </a:r>
+            <a:r>
+              <a:rPr lang="en-US" altLang="ko-KR" sz="1600" dirty="0">
+                <a:latin typeface="Consolas" panose="020B0609020204030204" pitchFamily="49" charset="0"/>
+              </a:rPr>
+              <a:t>='float64')</a:t>
+            </a:r>
           </a:p>
         </p:txBody>
       </p:sp>
     </p:spTree>
     <p:extLst>
       <p:ext uri="{BB962C8B-B14F-4D97-AF65-F5344CB8AC3E}">
-        <p14:creationId xmlns:p14="http://schemas.microsoft.com/office/powerpoint/2010/main" val="365754423"/>
+        <p14:creationId xmlns:p14="http://schemas.microsoft.com/office/powerpoint/2010/main" val="3896717905"/>
       </p:ext>
     </p:extLst>
   </p:cSld>
@@ -23405,7 +23957,7 @@
           <a:p>
             <a:r>
               <a:rPr lang="en-US" altLang="ko-KR" dirty="0" smtClean="0"/>
-              <a:t>Day4 (6</a:t>
+              <a:t>Day3 (5</a:t>
             </a:r>
             <a:r>
               <a:rPr lang="ko-KR" altLang="en-US" dirty="0" smtClean="0"/>
@@ -23413,7 +23965,7 @@
             </a:r>
             <a:r>
               <a:rPr lang="en-US" altLang="ko-KR" dirty="0" smtClean="0"/>
-              <a:t>1</a:t>
+              <a:t>31</a:t>
             </a:r>
             <a:r>
               <a:rPr lang="ko-KR" altLang="en-US" dirty="0" smtClean="0"/>
@@ -23455,7 +24007,7 @@
             <a:pPr lvl="1"/>
             <a:r>
               <a:rPr lang="en-US" altLang="ko-KR" dirty="0" err="1" smtClean="0"/>
-              <a:t>numpy</a:t>
+              <a:t>ndarray</a:t>
             </a:r>
             <a:r>
               <a:rPr lang="en-US" altLang="ko-KR" dirty="0" smtClean="0"/>
@@ -23463,7 +24015,100 @@
             </a:r>
             <a:r>
               <a:rPr lang="ko-KR" altLang="en-US" dirty="0" smtClean="0"/>
-              <a:t>모듈의 선형대수</a:t>
+              <a:t>객체에 대한 </a:t>
+            </a:r>
+            <a:r>
+              <a:rPr lang="ko-KR" altLang="en-US" dirty="0" err="1" smtClean="0"/>
+              <a:t>불리언</a:t>
+            </a:r>
+            <a:r>
+              <a:rPr lang="ko-KR" altLang="en-US" dirty="0" smtClean="0"/>
+              <a:t> 색인 또는 </a:t>
+            </a:r>
+            <a:r>
+              <a:rPr lang="ko-KR" altLang="en-US" dirty="0" err="1" smtClean="0"/>
+              <a:t>팬시</a:t>
+            </a:r>
+            <a:r>
+              <a:rPr lang="ko-KR" altLang="en-US" dirty="0" smtClean="0"/>
+              <a:t> 색인을 익히고 활용한다</a:t>
+            </a:r>
+            <a:r>
+              <a:rPr lang="en-US" altLang="ko-KR" dirty="0" smtClean="0"/>
+              <a:t>.</a:t>
+            </a:r>
+          </a:p>
+          <a:p>
+            <a:pPr lvl="1"/>
+            <a:r>
+              <a:rPr lang="en-US" altLang="ko-KR" dirty="0" err="1" smtClean="0"/>
+              <a:t>ndarray</a:t>
+            </a:r>
+            <a:r>
+              <a:rPr lang="en-US" altLang="ko-KR" dirty="0" smtClean="0"/>
+              <a:t> </a:t>
+            </a:r>
+            <a:r>
+              <a:rPr lang="ko-KR" altLang="en-US" dirty="0" smtClean="0"/>
+              <a:t>객체에 적용한 다양한 </a:t>
+            </a:r>
+            <a:r>
+              <a:rPr lang="ko-KR" altLang="en-US" dirty="0" err="1" smtClean="0"/>
+              <a:t>유니버셜</a:t>
+            </a:r>
+            <a:r>
+              <a:rPr lang="ko-KR" altLang="en-US" dirty="0" smtClean="0"/>
+              <a:t> 함수를 익히고 활용한다</a:t>
+            </a:r>
+            <a:r>
+              <a:rPr lang="en-US" altLang="ko-KR" dirty="0" smtClean="0"/>
+              <a:t>.</a:t>
+            </a:r>
+          </a:p>
+          <a:p>
+            <a:pPr lvl="1"/>
+            <a:r>
+              <a:rPr lang="en-US" altLang="ko-KR" dirty="0" err="1" smtClean="0"/>
+              <a:t>ndarray</a:t>
+            </a:r>
+            <a:r>
+              <a:rPr lang="en-US" altLang="ko-KR" dirty="0" smtClean="0"/>
+              <a:t> </a:t>
+            </a:r>
+            <a:r>
+              <a:rPr lang="ko-KR" altLang="en-US" dirty="0" smtClean="0"/>
+              <a:t>객체를 디스크에 저장하거나 불러들이는 방법</a:t>
+            </a:r>
+            <a:r>
+              <a:rPr lang="en-US" altLang="ko-KR" dirty="0" smtClean="0"/>
+              <a:t>, </a:t>
+            </a:r>
+            <a:r>
+              <a:rPr lang="ko-KR" altLang="en-US" dirty="0" smtClean="0"/>
+              <a:t>텍스트 파일로부터 </a:t>
+            </a:r>
+            <a:r>
+              <a:rPr lang="en-US" altLang="ko-KR" dirty="0" err="1" smtClean="0"/>
+              <a:t>ndarray</a:t>
+            </a:r>
+            <a:r>
+              <a:rPr lang="en-US" altLang="ko-KR" dirty="0" smtClean="0"/>
+              <a:t> </a:t>
+            </a:r>
+            <a:r>
+              <a:rPr lang="ko-KR" altLang="en-US" dirty="0" smtClean="0"/>
+              <a:t>객체를 생성하는 방법을 익힌다</a:t>
+            </a:r>
+            <a:r>
+              <a:rPr lang="en-US" altLang="ko-KR" dirty="0" smtClean="0"/>
+              <a:t>.</a:t>
+            </a:r>
+          </a:p>
+          <a:p>
+            <a:pPr lvl="1"/>
+            <a:r>
+              <a:rPr lang="ko-KR" altLang="en-US" dirty="0" smtClean="0"/>
+              <a:t>선형대수</a:t>
             </a:r>
             <a:r>
               <a:rPr lang="en-US" altLang="ko-KR" dirty="0" smtClean="0"/>
@@ -23492,33 +24137,43 @@
           </a:p>
           <a:p>
             <a:pPr lvl="1"/>
-            <a:r>
-              <a:rPr lang="en-US" altLang="ko-KR" dirty="0" smtClean="0"/>
-              <a:t>pandas</a:t>
-            </a:r>
-            <a:r>
-              <a:rPr lang="ko-KR" altLang="en-US" dirty="0" smtClean="0"/>
-              <a:t>의 </a:t>
-            </a:r>
-            <a:r>
-              <a:rPr lang="en-US" altLang="ko-KR" dirty="0" smtClean="0"/>
-              <a:t>Series,</a:t>
-            </a:r>
-            <a:r>
-              <a:rPr lang="ko-KR" altLang="en-US" dirty="0" smtClean="0"/>
-              <a:t> </a:t>
-            </a:r>
-            <a:r>
-              <a:rPr lang="en-US" altLang="ko-KR" dirty="0" err="1" smtClean="0"/>
-              <a:t>DataFrame</a:t>
-            </a:r>
-            <a:r>
-              <a:rPr lang="en-US" altLang="ko-KR" dirty="0" smtClean="0"/>
-              <a:t>, Index </a:t>
-            </a:r>
-            <a:r>
-              <a:rPr lang="ko-KR" altLang="en-US" dirty="0" smtClean="0"/>
-              <a:t>객체에 대해 배우고 생성하는 다양한 방법을 배운다</a:t>
+            <a:endParaRPr lang="en-US" altLang="ko-KR" dirty="0" smtClean="0"/>
+          </a:p>
+          <a:p>
+            <a:r>
+              <a:rPr lang="ko-KR" altLang="en-US" dirty="0" smtClean="0"/>
+              <a:t>과제</a:t>
+            </a:r>
+            <a:r>
+              <a:rPr lang="en-US" altLang="ko-KR" dirty="0" smtClean="0"/>
+              <a:t>:</a:t>
+            </a:r>
+          </a:p>
+          <a:p>
+            <a:pPr lvl="1"/>
+            <a:r>
+              <a:rPr lang="en-US" altLang="ko-KR" dirty="0" smtClean="0"/>
+              <a:t>4</a:t>
+            </a:r>
+            <a:r>
+              <a:rPr lang="ko-KR" altLang="en-US" dirty="0" smtClean="0"/>
+              <a:t>장에 있는 표</a:t>
+            </a:r>
+            <a:r>
+              <a:rPr lang="en-US" altLang="ko-KR" dirty="0" smtClean="0"/>
+              <a:t>4-3~</a:t>
+            </a:r>
+            <a:r>
+              <a:rPr lang="ko-KR" altLang="en-US" dirty="0" smtClean="0"/>
+              <a:t>표</a:t>
+            </a:r>
+            <a:r>
+              <a:rPr lang="en-US" altLang="ko-KR" dirty="0" smtClean="0"/>
+              <a:t>4-8</a:t>
+            </a:r>
+            <a:r>
+              <a:rPr lang="ko-KR" altLang="en-US" dirty="0" smtClean="0"/>
+              <a:t>까지에 있는 내용을 읽고 관련자료를 조사하여 정리 후 발표한다</a:t>
             </a:r>
             <a:r>
               <a:rPr lang="en-US" altLang="ko-KR" dirty="0" smtClean="0"/>
@@ -23526,278 +24181,6 @@
             </a:r>
           </a:p>
           <a:p>
-            <a:pPr lvl="1"/>
-            <a:r>
-              <a:rPr lang="en-US" altLang="ko-KR" dirty="0" smtClean="0"/>
-              <a:t>pandas</a:t>
-            </a:r>
-            <a:r>
-              <a:rPr lang="ko-KR" altLang="en-US" dirty="0" smtClean="0"/>
-              <a:t>의 </a:t>
-            </a:r>
-            <a:r>
-              <a:rPr lang="en-US" altLang="ko-KR" dirty="0" err="1" smtClean="0"/>
-              <a:t>reindex</a:t>
-            </a:r>
-            <a:r>
-              <a:rPr lang="en-US" altLang="ko-KR" dirty="0" smtClean="0"/>
-              <a:t>, drop </a:t>
-            </a:r>
-            <a:r>
-              <a:rPr lang="ko-KR" altLang="en-US" dirty="0" err="1" smtClean="0"/>
-              <a:t>메소드를</a:t>
-            </a:r>
-            <a:r>
-              <a:rPr lang="ko-KR" altLang="en-US" dirty="0" smtClean="0"/>
-              <a:t> 익힌다</a:t>
-            </a:r>
-            <a:r>
-              <a:rPr lang="en-US" altLang="ko-KR" dirty="0" smtClean="0"/>
-              <a:t>.</a:t>
-            </a:r>
-          </a:p>
-          <a:p>
-            <a:r>
-              <a:rPr lang="ko-KR" altLang="en-US" dirty="0" smtClean="0"/>
-              <a:t>과제</a:t>
-            </a:r>
-            <a:r>
-              <a:rPr lang="en-US" altLang="ko-KR" dirty="0" smtClean="0"/>
-              <a:t>:</a:t>
-            </a:r>
-          </a:p>
-          <a:p>
-            <a:pPr lvl="1"/>
-            <a:r>
-              <a:rPr lang="en-US" altLang="ko-KR" dirty="0" smtClean="0"/>
-              <a:t>score.csv</a:t>
-            </a:r>
-            <a:r>
-              <a:rPr lang="ko-KR" altLang="en-US" dirty="0" smtClean="0"/>
-              <a:t>를 </a:t>
-            </a:r>
-            <a:r>
-              <a:rPr lang="en-US" altLang="ko-KR" dirty="0" smtClean="0"/>
-              <a:t>pandas</a:t>
-            </a:r>
-            <a:r>
-              <a:rPr lang="ko-KR" altLang="en-US" dirty="0" smtClean="0"/>
-              <a:t>의 </a:t>
-            </a:r>
-            <a:r>
-              <a:rPr lang="en-US" altLang="ko-KR" dirty="0" err="1" smtClean="0"/>
-              <a:t>DataFrame</a:t>
-            </a:r>
-            <a:r>
-              <a:rPr lang="en-US" altLang="ko-KR" dirty="0" smtClean="0"/>
-              <a:t> </a:t>
-            </a:r>
-            <a:r>
-              <a:rPr lang="ko-KR" altLang="en-US" dirty="0" smtClean="0"/>
-              <a:t>객체로 </a:t>
-            </a:r>
-            <a:r>
-              <a:rPr lang="ko-KR" altLang="en-US" dirty="0" err="1" smtClean="0"/>
-              <a:t>읽어들여서</a:t>
-            </a:r>
-            <a:r>
-              <a:rPr lang="ko-KR" altLang="en-US" dirty="0" smtClean="0"/>
-              <a:t> </a:t>
-            </a:r>
-            <a:r>
-              <a:rPr lang="en-US" altLang="ko-KR" dirty="0" err="1" smtClean="0"/>
-              <a:t>reindex</a:t>
-            </a:r>
-            <a:r>
-              <a:rPr lang="en-US" altLang="ko-KR" dirty="0" smtClean="0"/>
-              <a:t> </a:t>
-            </a:r>
-            <a:r>
-              <a:rPr lang="ko-KR" altLang="en-US" dirty="0" err="1" smtClean="0"/>
-              <a:t>메소드를</a:t>
-            </a:r>
-            <a:r>
-              <a:rPr lang="ko-KR" altLang="en-US" dirty="0" smtClean="0"/>
-              <a:t> 사용하여 객관식 답안 부분만 분리한 </a:t>
-            </a:r>
-            <a:r>
-              <a:rPr lang="en-US" altLang="ko-KR" dirty="0" err="1" smtClean="0"/>
-              <a:t>DataFrame</a:t>
-            </a:r>
-            <a:r>
-              <a:rPr lang="en-US" altLang="ko-KR" dirty="0" smtClean="0"/>
-              <a:t> </a:t>
-            </a:r>
-            <a:r>
-              <a:rPr lang="ko-KR" altLang="en-US" dirty="0" smtClean="0"/>
-              <a:t>객체를 생성한다</a:t>
-            </a:r>
-            <a:r>
-              <a:rPr lang="en-US" altLang="ko-KR" dirty="0" smtClean="0"/>
-              <a:t>.</a:t>
-            </a:r>
-          </a:p>
-          <a:p>
-            <a:pPr lvl="1"/>
-            <a:r>
-              <a:rPr lang="ko-KR" altLang="en-US" dirty="0" err="1" smtClean="0"/>
-              <a:t>문제별</a:t>
-            </a:r>
-            <a:r>
-              <a:rPr lang="ko-KR" altLang="en-US" dirty="0" smtClean="0"/>
-              <a:t> </a:t>
-            </a:r>
-            <a:r>
-              <a:rPr lang="ko-KR" altLang="en-US" dirty="0" err="1" smtClean="0"/>
-              <a:t>오답율을</a:t>
-            </a:r>
-            <a:r>
-              <a:rPr lang="ko-KR" altLang="en-US" dirty="0" smtClean="0"/>
-              <a:t> 마지막 칼럼으로 추가한다</a:t>
-            </a:r>
-            <a:r>
-              <a:rPr lang="en-US" altLang="ko-KR" dirty="0" smtClean="0"/>
-              <a:t>.</a:t>
-            </a:r>
-          </a:p>
-          <a:p>
-            <a:pPr lvl="1"/>
-            <a:r>
-              <a:rPr lang="en-US" altLang="ko-KR" dirty="0" err="1" smtClean="0"/>
-              <a:t>matplotlib</a:t>
-            </a:r>
-            <a:r>
-              <a:rPr lang="ko-KR" altLang="en-US" dirty="0" smtClean="0"/>
-              <a:t>으로 </a:t>
-            </a:r>
-            <a:r>
-              <a:rPr lang="ko-KR" altLang="en-US" dirty="0" err="1" smtClean="0"/>
-              <a:t>오답율</a:t>
-            </a:r>
-            <a:r>
-              <a:rPr lang="ko-KR" altLang="en-US" dirty="0" smtClean="0"/>
-              <a:t> 칼럼을 </a:t>
-            </a:r>
-            <a:r>
-              <a:rPr lang="en-US" altLang="ko-KR" dirty="0" smtClean="0"/>
-              <a:t>plot </a:t>
-            </a:r>
-            <a:r>
-              <a:rPr lang="ko-KR" altLang="en-US" dirty="0" smtClean="0"/>
-              <a:t>해본다</a:t>
-            </a:r>
-            <a:r>
-              <a:rPr lang="en-US" altLang="ko-KR" dirty="0" smtClean="0"/>
-              <a:t>.</a:t>
-            </a:r>
-          </a:p>
-          <a:p>
-            <a:pPr lvl="1"/>
-            <a:r>
-              <a:rPr lang="ko-KR" altLang="en-US" dirty="0" smtClean="0"/>
-              <a:t>표 </a:t>
-            </a:r>
-            <a:r>
-              <a:rPr lang="en-US" altLang="ko-KR" dirty="0" smtClean="0"/>
-              <a:t>5-1</a:t>
-            </a:r>
-            <a:r>
-              <a:rPr lang="ko-KR" altLang="en-US" dirty="0" smtClean="0"/>
-              <a:t>의 다양한 입력데이터로 </a:t>
-            </a:r>
-            <a:r>
-              <a:rPr lang="en-US" altLang="ko-KR" dirty="0" err="1" smtClean="0"/>
-              <a:t>DataFrame</a:t>
-            </a:r>
-            <a:r>
-              <a:rPr lang="ko-KR" altLang="en-US" dirty="0" smtClean="0"/>
-              <a:t>을 생성해 본다</a:t>
-            </a:r>
-            <a:r>
-              <a:rPr lang="en-US" altLang="ko-KR" dirty="0" smtClean="0"/>
-              <a:t>. </a:t>
-            </a:r>
-          </a:p>
-          <a:p>
-            <a:pPr lvl="1"/>
-            <a:r>
-              <a:rPr lang="ko-KR" altLang="en-US" dirty="0" smtClean="0"/>
-              <a:t>결과물</a:t>
-            </a:r>
-            <a:r>
-              <a:rPr lang="en-US" altLang="ko-KR" dirty="0" smtClean="0"/>
-              <a:t>: </a:t>
-            </a:r>
-            <a:br>
-              <a:rPr lang="en-US" altLang="ko-KR" dirty="0" smtClean="0"/>
-            </a:br>
-            <a:r>
-              <a:rPr lang="en-US" altLang="ko-KR" dirty="0" err="1" smtClean="0"/>
-              <a:t>Jupyter</a:t>
-            </a:r>
-            <a:r>
-              <a:rPr lang="en-US" altLang="ko-KR" dirty="0" smtClean="0"/>
-              <a:t> Notebook</a:t>
-            </a:r>
-            <a:r>
-              <a:rPr lang="ko-KR" altLang="en-US" dirty="0" smtClean="0"/>
-              <a:t>의 </a:t>
-            </a:r>
-            <a:r>
-              <a:rPr lang="en-US" altLang="ko-KR" dirty="0" smtClean="0"/>
-              <a:t>html </a:t>
-            </a:r>
-            <a:r>
-              <a:rPr lang="ko-KR" altLang="en-US" dirty="0" smtClean="0"/>
-              <a:t>파일을</a:t>
-            </a:r>
-            <a:r>
-              <a:rPr lang="en-US" altLang="ko-KR" dirty="0" smtClean="0"/>
-              <a:t> </a:t>
-            </a:r>
-            <a:r>
-              <a:rPr lang="ko-KR" altLang="en-US" dirty="0" smtClean="0"/>
-              <a:t>본인의 </a:t>
-            </a:r>
-            <a:r>
-              <a:rPr lang="en-US" altLang="ko-KR" dirty="0" smtClean="0"/>
-              <a:t>GitHub</a:t>
-            </a:r>
-            <a:r>
-              <a:rPr lang="ko-KR" altLang="en-US" dirty="0" smtClean="0"/>
-              <a:t>에 올릴 것</a:t>
-            </a:r>
-            <a:r>
-              <a:rPr lang="en-US" altLang="ko-KR" dirty="0" smtClean="0"/>
-              <a:t>. </a:t>
-            </a:r>
-            <a:br>
-              <a:rPr lang="en-US" altLang="ko-KR" dirty="0" smtClean="0"/>
-            </a:br>
-            <a:r>
-              <a:rPr lang="ko-KR" altLang="en-US" dirty="0" smtClean="0"/>
-              <a:t>예</a:t>
-            </a:r>
-            <a:r>
-              <a:rPr lang="en-US" altLang="ko-KR" dirty="0" smtClean="0"/>
-              <a:t>) </a:t>
-            </a:r>
-            <a:r>
-              <a:rPr lang="ko-KR" altLang="en-US" dirty="0" smtClean="0"/>
-              <a:t>백설희</a:t>
-            </a:r>
-            <a:r>
-              <a:rPr lang="en-US" altLang="ko-KR" dirty="0" smtClean="0"/>
-              <a:t>_</a:t>
-            </a:r>
-            <a:r>
-              <a:rPr lang="ko-KR" altLang="en-US" dirty="0" smtClean="0"/>
-              <a:t>과제</a:t>
-            </a:r>
-            <a:r>
-              <a:rPr lang="en-US" altLang="ko-KR" dirty="0" smtClean="0"/>
-              <a:t>04_filename.html</a:t>
-            </a:r>
             <a:endParaRPr lang="ko-KR" altLang="en-US" dirty="0"/>
           </a:p>
         </p:txBody>
@@ -23805,7 +24188,7 @@
     </p:spTree>
     <p:extLst>
       <p:ext uri="{BB962C8B-B14F-4D97-AF65-F5344CB8AC3E}">
-        <p14:creationId xmlns:p14="http://schemas.microsoft.com/office/powerpoint/2010/main" val="2591631410"/>
+        <p14:creationId xmlns:p14="http://schemas.microsoft.com/office/powerpoint/2010/main" val="365754423"/>
       </p:ext>
     </p:extLst>
   </p:cSld>
@@ -23856,7 +24239,7 @@
           <a:p>
             <a:r>
               <a:rPr lang="en-US" altLang="ko-KR" dirty="0" smtClean="0"/>
-              <a:t>Day5 (6</a:t>
+              <a:t>Day4 (6</a:t>
             </a:r>
             <a:r>
               <a:rPr lang="ko-KR" altLang="en-US" dirty="0" smtClean="0"/>
@@ -23864,7 +24247,7 @@
             </a:r>
             <a:r>
               <a:rPr lang="en-US" altLang="ko-KR" dirty="0" smtClean="0"/>
-              <a:t>4</a:t>
+              <a:t>1</a:t>
             </a:r>
             <a:r>
               <a:rPr lang="ko-KR" altLang="en-US" dirty="0" smtClean="0"/>
@@ -23890,9 +24273,7 @@
         </p:nvSpPr>
         <p:spPr/>
         <p:txBody>
-          <a:bodyPr>
-            <a:normAutofit/>
-          </a:bodyPr>
+          <a:bodyPr/>
           <a:lstStyle/>
           <a:p>
             <a:r>
@@ -23907,6 +24288,45 @@
           <a:p>
             <a:pPr lvl="1"/>
             <a:r>
+              <a:rPr lang="en-US" altLang="ko-KR" dirty="0" err="1" smtClean="0"/>
+              <a:t>numpy</a:t>
+            </a:r>
+            <a:r>
+              <a:rPr lang="en-US" altLang="ko-KR" dirty="0" smtClean="0"/>
+              <a:t> </a:t>
+            </a:r>
+            <a:r>
+              <a:rPr lang="ko-KR" altLang="en-US" dirty="0" smtClean="0"/>
+              <a:t>모듈의 선형대수</a:t>
+            </a:r>
+            <a:r>
+              <a:rPr lang="en-US" altLang="ko-KR" dirty="0" smtClean="0"/>
+              <a:t>, </a:t>
+            </a:r>
+            <a:r>
+              <a:rPr lang="ko-KR" altLang="en-US" dirty="0" err="1" smtClean="0"/>
+              <a:t>난수발생</a:t>
+            </a:r>
+            <a:r>
+              <a:rPr lang="ko-KR" altLang="en-US" dirty="0" smtClean="0"/>
+              <a:t> </a:t>
+            </a:r>
+            <a:r>
+              <a:rPr lang="ko-KR" altLang="en-US" dirty="0" err="1" smtClean="0"/>
+              <a:t>메소드에</a:t>
+            </a:r>
+            <a:r>
+              <a:rPr lang="ko-KR" altLang="en-US" dirty="0" smtClean="0"/>
+              <a:t> 대해 배운다</a:t>
+            </a:r>
+            <a:r>
+              <a:rPr lang="en-US" altLang="ko-KR" dirty="0" smtClean="0"/>
+              <a:t>.</a:t>
+            </a:r>
+          </a:p>
+          <a:p>
+            <a:pPr lvl="1"/>
+            <a:r>
               <a:rPr lang="en-US" altLang="ko-KR" dirty="0" smtClean="0"/>
               <a:t>pandas</a:t>
             </a:r>
@@ -23916,11 +24336,11 @@
             </a:r>
             <a:r>
               <a:rPr lang="en-US" altLang="ko-KR" dirty="0" smtClean="0"/>
-              <a:t>Series </a:t>
-            </a:r>
-            <a:r>
-              <a:rPr lang="ko-KR" altLang="en-US" dirty="0" smtClean="0"/>
-              <a:t>및 </a:t>
+              <a:t>Series,</a:t>
+            </a:r>
+            <a:r>
+              <a:rPr lang="ko-KR" altLang="en-US" dirty="0" smtClean="0"/>
+              <a:t> </a:t>
             </a:r>
             <a:r>
               <a:rPr lang="en-US" altLang="ko-KR" dirty="0" err="1" smtClean="0"/>
@@ -23928,11 +24348,11 @@
             </a:r>
             <a:r>
               <a:rPr lang="en-US" altLang="ko-KR" dirty="0" smtClean="0"/>
-              <a:t> </a:t>
-            </a:r>
-            <a:r>
-              <a:rPr lang="ko-KR" altLang="en-US" dirty="0" smtClean="0"/>
-              <a:t>객체에서 값 선택하는 다양한 방법을 익힌다</a:t>
+              <a:t>, Index </a:t>
+            </a:r>
+            <a:r>
+              <a:rPr lang="ko-KR" altLang="en-US" dirty="0" smtClean="0"/>
+              <a:t>객체에 대해 배우고 생성하는 다양한 방법을 배운다</a:t>
             </a:r>
             <a:r>
               <a:rPr lang="en-US" altLang="ko-KR" dirty="0" smtClean="0"/>
@@ -23947,7 +24367,15 @@
             </a:r>
             <a:r>
               <a:rPr lang="ko-KR" altLang="en-US" dirty="0" smtClean="0"/>
-              <a:t>의 다양한 통계 </a:t>
+              <a:t>의 </a:t>
+            </a:r>
+            <a:r>
+              <a:rPr lang="en-US" altLang="ko-KR" dirty="0" err="1" smtClean="0"/>
+              <a:t>reindex</a:t>
+            </a:r>
+            <a:r>
+              <a:rPr lang="en-US" altLang="ko-KR" dirty="0" smtClean="0"/>
+              <a:t>, drop </a:t>
             </a:r>
             <a:r>
               <a:rPr lang="ko-KR" altLang="en-US" dirty="0" err="1" smtClean="0"/>
@@ -23963,92 +24391,32 @@
             </a:r>
           </a:p>
           <a:p>
+            <a:r>
+              <a:rPr lang="ko-KR" altLang="en-US" dirty="0" smtClean="0"/>
+              <a:t>과제</a:t>
+            </a:r>
+            <a:r>
+              <a:rPr lang="en-US" altLang="ko-KR" dirty="0" smtClean="0"/>
+              <a:t>:</a:t>
+            </a:r>
+          </a:p>
+          <a:p>
             <a:pPr lvl="1"/>
             <a:r>
-              <a:rPr lang="en-US" altLang="ko-KR" dirty="0"/>
-              <a:t>pandas </a:t>
-            </a:r>
-            <a:r>
-              <a:rPr lang="ko-KR" altLang="en-US" dirty="0"/>
-              <a:t>객체 중 누락된 데이터의 처리 방법을 익힌다</a:t>
-            </a:r>
-            <a:r>
-              <a:rPr lang="en-US" altLang="ko-KR" dirty="0"/>
-              <a:t>.</a:t>
-            </a:r>
-          </a:p>
-          <a:p>
-            <a:pPr lvl="1"/>
-            <a:r>
-              <a:rPr lang="ko-KR" altLang="en-US" dirty="0"/>
-              <a:t>계층적 색인을 이해하고 </a:t>
-            </a:r>
-            <a:r>
-              <a:rPr lang="ko-KR" altLang="en-US" dirty="0" err="1"/>
-              <a:t>확용한다</a:t>
-            </a:r>
-            <a:r>
-              <a:rPr lang="en-US" altLang="ko-KR" dirty="0" smtClean="0"/>
-              <a:t>.</a:t>
-            </a:r>
-            <a:endParaRPr lang="en-US" altLang="ko-KR" dirty="0"/>
-          </a:p>
-          <a:p>
-            <a:pPr lvl="1"/>
-            <a:endParaRPr lang="en-US" altLang="ko-KR" dirty="0" smtClean="0"/>
-          </a:p>
-          <a:p>
-            <a:r>
-              <a:rPr lang="ko-KR" altLang="en-US" dirty="0" smtClean="0"/>
-              <a:t>과제</a:t>
-            </a:r>
-            <a:r>
-              <a:rPr lang="en-US" altLang="ko-KR" dirty="0" smtClean="0"/>
-              <a:t>:</a:t>
-            </a:r>
-          </a:p>
-          <a:p>
-            <a:pPr marL="800100" lvl="1" indent="-342900">
-              <a:buFont typeface="+mj-lt"/>
-              <a:buAutoNum type="arabicPeriod"/>
-            </a:pPr>
-            <a:r>
-              <a:rPr lang="ko-KR" altLang="en-US" dirty="0" smtClean="0"/>
-              <a:t>과제</a:t>
-            </a:r>
-            <a:r>
-              <a:rPr lang="en-US" altLang="ko-KR" dirty="0" smtClean="0"/>
-              <a:t>5-1:</a:t>
-            </a:r>
-          </a:p>
-          <a:p>
-            <a:pPr marL="1200150" lvl="2" indent="-342900">
-              <a:buFont typeface="+mj-lt"/>
-              <a:buAutoNum type="arabicPeriod"/>
-            </a:pPr>
-            <a:r>
-              <a:rPr lang="en-US" altLang="ko-KR" dirty="0" err="1" smtClean="0"/>
-              <a:t>yahoo_price.pkl</a:t>
-            </a:r>
-            <a:r>
-              <a:rPr lang="ko-KR" altLang="en-US" dirty="0" smtClean="0"/>
-              <a:t>을 </a:t>
-            </a:r>
-            <a:r>
-              <a:rPr lang="ko-KR" altLang="en-US" dirty="0" err="1" smtClean="0"/>
-              <a:t>읽어들여</a:t>
-            </a:r>
-            <a:r>
-              <a:rPr lang="ko-KR" altLang="en-US" dirty="0" smtClean="0"/>
-              <a:t> </a:t>
-            </a:r>
-            <a:r>
-              <a:rPr lang="en-US" altLang="ko-KR" dirty="0" smtClean="0"/>
-              <a:t>price</a:t>
-            </a:r>
-            <a:r>
-              <a:rPr lang="ko-KR" altLang="en-US" dirty="0" smtClean="0"/>
-              <a:t>라는 </a:t>
+              <a:rPr lang="en-US" altLang="ko-KR" dirty="0" smtClean="0"/>
+              <a:t>score.csv</a:t>
+            </a:r>
+            <a:r>
+              <a:rPr lang="ko-KR" altLang="en-US" dirty="0" smtClean="0"/>
+              <a:t>를 </a:t>
+            </a:r>
+            <a:r>
+              <a:rPr lang="en-US" altLang="ko-KR" dirty="0" smtClean="0"/>
+              <a:t>pandas</a:t>
+            </a:r>
+            <a:r>
+              <a:rPr lang="ko-KR" altLang="en-US" dirty="0" smtClean="0"/>
+              <a:t>의 </a:t>
             </a:r>
             <a:r>
               <a:rPr lang="en-US" altLang="ko-KR" dirty="0" err="1" smtClean="0"/>
@@ -24060,42 +24428,31 @@
             </a:r>
             <a:r>
               <a:rPr lang="ko-KR" altLang="en-US" dirty="0" smtClean="0"/>
-              <a:t>객체를 생성한다</a:t>
-            </a:r>
-            <a:r>
-              <a:rPr lang="en-US" altLang="ko-KR" dirty="0" smtClean="0"/>
-              <a:t>.</a:t>
-            </a:r>
-            <a:r>
-              <a:rPr lang="en-US" altLang="ko-KR" dirty="0"/>
-              <a:t/>
-            </a:r>
-            <a:br>
-              <a:rPr lang="en-US" altLang="ko-KR" dirty="0"/>
-            </a:br>
+              <a:t>객체로 </a:t>
+            </a:r>
+            <a:r>
+              <a:rPr lang="ko-KR" altLang="en-US" dirty="0" err="1" smtClean="0"/>
+              <a:t>읽어들여서</a:t>
+            </a:r>
+            <a:r>
+              <a:rPr lang="ko-KR" altLang="en-US" dirty="0" smtClean="0"/>
+              <a:t> </a:t>
+            </a:r>
             <a:r>
               <a:rPr lang="en-US" altLang="ko-KR" dirty="0" err="1" smtClean="0"/>
-              <a:t>yahoo_volume.pkl</a:t>
-            </a:r>
-            <a:r>
-              <a:rPr lang="ko-KR" altLang="en-US" dirty="0" smtClean="0"/>
-              <a:t>을 </a:t>
+              <a:t>reindex</a:t>
+            </a:r>
+            <a:r>
+              <a:rPr lang="en-US" altLang="ko-KR" dirty="0" smtClean="0"/>
+              <a:t> </a:t>
             </a:r>
             <a:r>
               <a:rPr lang="ko-KR" altLang="en-US" dirty="0" err="1" smtClean="0"/>
-              <a:t>읽어들여</a:t>
-            </a:r>
-            <a:r>
-              <a:rPr lang="ko-KR" altLang="en-US" dirty="0" smtClean="0"/>
-              <a:t> </a:t>
-            </a:r>
-            <a:r>
-              <a:rPr lang="en-US" altLang="ko-KR" dirty="0" smtClean="0"/>
-              <a:t>volume</a:t>
-            </a:r>
-            <a:r>
-              <a:rPr lang="ko-KR" altLang="en-US" dirty="0" smtClean="0"/>
-              <a:t>이라는 </a:t>
+              <a:t>메소드를</a:t>
+            </a:r>
+            <a:r>
+              <a:rPr lang="ko-KR" altLang="en-US" dirty="0" smtClean="0"/>
+              <a:t> 사용하여 객관식 답안 부분만 분리한 </a:t>
             </a:r>
             <a:r>
               <a:rPr lang="en-US" altLang="ko-KR" dirty="0" err="1" smtClean="0"/>
@@ -24115,194 +24472,174 @@
             </a:r>
           </a:p>
           <a:p>
-            <a:pPr marL="1200150" lvl="2" indent="-342900">
-              <a:buFont typeface="+mj-lt"/>
-              <a:buAutoNum type="arabicPeriod"/>
-            </a:pPr>
-            <a:r>
-              <a:rPr lang="en-US" altLang="ko-KR" dirty="0" smtClean="0"/>
-              <a:t>price</a:t>
-            </a:r>
-            <a:r>
-              <a:rPr lang="ko-KR" altLang="en-US" dirty="0"/>
+            <a:pPr lvl="1"/>
+            <a:r>
+              <a:rPr lang="ko-KR" altLang="en-US" dirty="0" err="1" smtClean="0"/>
+              <a:t>문제별</a:t>
+            </a:r>
+            <a:r>
+              <a:rPr lang="ko-KR" altLang="en-US" dirty="0" smtClean="0"/>
               <a:t> </a:t>
             </a:r>
             <a:r>
-              <a:rPr lang="ko-KR" altLang="en-US" dirty="0" smtClean="0"/>
-              <a:t>중 년도가 계층적 색인의 레벨 </a:t>
-            </a:r>
-            <a:r>
-              <a:rPr lang="en-US" altLang="ko-KR" dirty="0" smtClean="0"/>
-              <a:t>0</a:t>
-            </a:r>
-            <a:r>
-              <a:rPr lang="ko-KR" altLang="en-US" dirty="0" smtClean="0"/>
-              <a:t>으로 되도록 </a:t>
-            </a:r>
+              <a:rPr lang="ko-KR" altLang="en-US" dirty="0" err="1" smtClean="0"/>
+              <a:t>오답율을</a:t>
+            </a:r>
+            <a:r>
+              <a:rPr lang="ko-KR" altLang="en-US" dirty="0" smtClean="0"/>
+              <a:t> 마지막 칼럼으로 추가한다</a:t>
+            </a:r>
+            <a:r>
+              <a:rPr lang="en-US" altLang="ko-KR" dirty="0" smtClean="0"/>
+              <a:t>.</a:t>
+            </a:r>
+          </a:p>
+          <a:p>
+            <a:pPr lvl="1"/>
             <a:r>
               <a:rPr lang="en-US" altLang="ko-KR" dirty="0" err="1" smtClean="0"/>
-              <a:t>m_price</a:t>
-            </a:r>
-            <a:r>
-              <a:rPr lang="ko-KR" altLang="en-US" dirty="0" smtClean="0"/>
-              <a:t>를 생성한다</a:t>
+              <a:t>matplotlib</a:t>
+            </a:r>
+            <a:r>
+              <a:rPr lang="ko-KR" altLang="en-US" dirty="0" smtClean="0"/>
+              <a:t>으로 </a:t>
+            </a:r>
+            <a:r>
+              <a:rPr lang="ko-KR" altLang="en-US" dirty="0" err="1" smtClean="0"/>
+              <a:t>오답율</a:t>
+            </a:r>
+            <a:r>
+              <a:rPr lang="ko-KR" altLang="en-US" dirty="0" smtClean="0"/>
+              <a:t> 칼럼을 </a:t>
+            </a:r>
+            <a:r>
+              <a:rPr lang="en-US" altLang="ko-KR" dirty="0" smtClean="0"/>
+              <a:t>plot </a:t>
+            </a:r>
+            <a:r>
+              <a:rPr lang="ko-KR" altLang="en-US" dirty="0" smtClean="0"/>
+              <a:t>해본다</a:t>
             </a:r>
             <a:r>
               <a:rPr lang="en-US" altLang="ko-KR" dirty="0" smtClean="0"/>
               <a:t>.</a:t>
             </a:r>
-            <a:r>
-              <a:rPr lang="en-US" altLang="ko-KR" dirty="0"/>
-              <a:t/>
-            </a:r>
-            <a:br>
-              <a:rPr lang="en-US" altLang="ko-KR" dirty="0"/>
-            </a:br>
-            <a:r>
-              <a:rPr lang="en-US" altLang="ko-KR" dirty="0" smtClean="0"/>
-              <a:t>volume</a:t>
-            </a:r>
-            <a:r>
-              <a:rPr lang="ko-KR" altLang="en-US" dirty="0" smtClean="0"/>
-              <a:t>도 계층적 색인이 추가된 </a:t>
-            </a:r>
-            <a:r>
-              <a:rPr lang="en-US" altLang="ko-KR" dirty="0" err="1" smtClean="0"/>
-              <a:t>m_volume</a:t>
-            </a:r>
-            <a:r>
-              <a:rPr lang="ko-KR" altLang="en-US" dirty="0" smtClean="0"/>
-              <a:t>을 생성한다</a:t>
-            </a:r>
-            <a:r>
-              <a:rPr lang="en-US" altLang="ko-KR" dirty="0" smtClean="0"/>
-              <a:t>.</a:t>
-            </a:r>
-          </a:p>
-          <a:p>
-            <a:pPr marL="1200150" lvl="2" indent="-342900">
-              <a:buFont typeface="+mj-lt"/>
-              <a:buAutoNum type="arabicPeriod"/>
-            </a:pPr>
-            <a:r>
-              <a:rPr lang="en-US" altLang="ko-KR" dirty="0" err="1" smtClean="0"/>
-              <a:t>m_price</a:t>
-            </a:r>
-            <a:r>
-              <a:rPr lang="ko-KR" altLang="en-US" dirty="0" smtClean="0"/>
-              <a:t>와 </a:t>
-            </a:r>
-            <a:r>
-              <a:rPr lang="en-US" altLang="ko-KR" dirty="0" err="1" smtClean="0"/>
-              <a:t>m_volume</a:t>
-            </a:r>
-            <a:r>
-              <a:rPr lang="ko-KR" altLang="en-US" dirty="0" smtClean="0"/>
-              <a:t>에 퍼센트 변화율을 추가한다</a:t>
-            </a:r>
-            <a:r>
-              <a:rPr lang="en-US" altLang="ko-KR" dirty="0" smtClean="0"/>
-              <a:t>.</a:t>
-            </a:r>
-          </a:p>
-          <a:p>
-            <a:pPr marL="800100" lvl="1" indent="-342900">
-              <a:buFont typeface="+mj-lt"/>
-              <a:buAutoNum type="arabicPeriod"/>
-            </a:pPr>
-            <a:endParaRPr lang="en-US" altLang="ko-KR" dirty="0" smtClean="0"/>
-          </a:p>
-          <a:p>
-            <a:pPr marL="800100" lvl="1" indent="-342900">
-              <a:buFont typeface="+mj-lt"/>
-              <a:buAutoNum type="arabicPeriod"/>
-            </a:pPr>
-            <a:r>
-              <a:rPr lang="ko-KR" altLang="en-US" dirty="0" smtClean="0"/>
-              <a:t>과제</a:t>
-            </a:r>
-            <a:r>
-              <a:rPr lang="en-US" altLang="ko-KR" dirty="0" smtClean="0"/>
-              <a:t>5-2:</a:t>
-            </a:r>
-          </a:p>
-          <a:p>
-            <a:pPr marL="1200150" lvl="2" indent="-342900">
-              <a:buFont typeface="+mj-lt"/>
-              <a:buAutoNum type="arabicPeriod"/>
-            </a:pPr>
-            <a:r>
-              <a:rPr lang="en-US" altLang="ko-KR" dirty="0" smtClean="0"/>
-              <a:t>concrete.csv</a:t>
-            </a:r>
-            <a:r>
-              <a:rPr lang="ko-KR" altLang="en-US" dirty="0" smtClean="0"/>
-              <a:t>를 </a:t>
-            </a:r>
-            <a:r>
-              <a:rPr lang="ko-KR" altLang="en-US" dirty="0" err="1" smtClean="0"/>
-              <a:t>읽어들여</a:t>
-            </a:r>
-            <a:r>
-              <a:rPr lang="ko-KR" altLang="en-US" dirty="0" smtClean="0"/>
-              <a:t> </a:t>
-            </a:r>
-            <a:r>
-              <a:rPr lang="en-US" altLang="ko-KR" dirty="0" smtClean="0"/>
-              <a:t>concrete</a:t>
-            </a:r>
-            <a:r>
-              <a:rPr lang="ko-KR" altLang="en-US" dirty="0" smtClean="0"/>
-              <a:t>라는 </a:t>
+          </a:p>
+          <a:p>
+            <a:pPr lvl="1"/>
+            <a:r>
+              <a:rPr lang="ko-KR" altLang="en-US" dirty="0" smtClean="0"/>
+              <a:t>표 </a:t>
+            </a:r>
+            <a:r>
+              <a:rPr lang="en-US" altLang="ko-KR" dirty="0" smtClean="0"/>
+              <a:t>5-1</a:t>
+            </a:r>
+            <a:r>
+              <a:rPr lang="ko-KR" altLang="en-US" dirty="0" smtClean="0"/>
+              <a:t>의 다양한 입력데이터로 </a:t>
             </a:r>
             <a:r>
               <a:rPr lang="en-US" altLang="ko-KR" dirty="0" err="1" smtClean="0"/>
               <a:t>DataFrame</a:t>
             </a:r>
             <a:r>
+              <a:rPr lang="ko-KR" altLang="en-US" dirty="0" smtClean="0"/>
+              <a:t>을 생성해 본다</a:t>
+            </a:r>
+            <a:r>
+              <a:rPr lang="en-US" altLang="ko-KR" dirty="0" smtClean="0"/>
+              <a:t>. </a:t>
+            </a:r>
+          </a:p>
+          <a:p>
+            <a:pPr lvl="1"/>
+            <a:r>
+              <a:rPr lang="ko-KR" altLang="en-US" dirty="0" smtClean="0"/>
+              <a:t>결과물</a:t>
+            </a:r>
+            <a:r>
+              <a:rPr lang="en-US" altLang="ko-KR" dirty="0" smtClean="0"/>
+              <a:t>: </a:t>
+            </a:r>
+            <a:br>
+              <a:rPr lang="en-US" altLang="ko-KR" dirty="0" smtClean="0"/>
+            </a:br>
+            <a:r>
+              <a:rPr lang="en-US" altLang="ko-KR" dirty="0" err="1" smtClean="0"/>
+              <a:t>Jupyter</a:t>
+            </a:r>
+            <a:r>
+              <a:rPr lang="en-US" altLang="ko-KR" dirty="0" smtClean="0"/>
+              <a:t> Notebook</a:t>
+            </a:r>
+            <a:r>
+              <a:rPr lang="ko-KR" altLang="en-US" dirty="0" smtClean="0"/>
+              <a:t>의 </a:t>
+            </a:r>
+            <a:r>
+              <a:rPr lang="en-US" altLang="ko-KR" dirty="0" smtClean="0"/>
+              <a:t>html </a:t>
+            </a:r>
+            <a:r>
+              <a:rPr lang="ko-KR" altLang="en-US" dirty="0" smtClean="0"/>
+              <a:t>파일을</a:t>
+            </a:r>
+            <a:r>
               <a:rPr lang="en-US" altLang="ko-KR" dirty="0" smtClean="0"/>
               <a:t> </a:t>
             </a:r>
             <a:r>
               <a:rPr lang="ko-KR" altLang="en-US" dirty="0" smtClean="0"/>
-              <a:t>객체를 생성한다</a:t>
-            </a:r>
-            <a:r>
-              <a:rPr lang="en-US" altLang="ko-KR" dirty="0" smtClean="0"/>
-              <a:t>.</a:t>
-            </a:r>
-          </a:p>
-          <a:p>
-            <a:pPr marL="1200150" lvl="2" indent="-342900">
-              <a:buFont typeface="+mj-lt"/>
-              <a:buAutoNum type="arabicPeriod"/>
-            </a:pPr>
-            <a:r>
-              <a:rPr lang="en-US" altLang="ko-KR" dirty="0" smtClean="0"/>
-              <a:t>4</a:t>
-            </a:r>
-            <a:r>
-              <a:rPr lang="ko-KR" altLang="en-US" dirty="0" smtClean="0"/>
-              <a:t>의 데이터를 관찰하여 분석 방법을 고민해본다</a:t>
-            </a:r>
-            <a:r>
-              <a:rPr lang="en-US" altLang="ko-KR" dirty="0" smtClean="0"/>
-              <a:t>.</a:t>
-            </a:r>
-          </a:p>
-          <a:p>
-            <a:pPr marL="800100" lvl="1" indent="-342900">
-              <a:buFont typeface="+mj-lt"/>
-              <a:buAutoNum type="arabicPeriod"/>
-            </a:pPr>
-            <a:endParaRPr lang="en-US" altLang="ko-KR" dirty="0" smtClean="0"/>
+              <a:t>본인의 </a:t>
+            </a:r>
+            <a:r>
+              <a:rPr lang="en-US" altLang="ko-KR" dirty="0" smtClean="0"/>
+              <a:t>GitHub</a:t>
+            </a:r>
+            <a:r>
+              <a:rPr lang="ko-KR" altLang="en-US" dirty="0" smtClean="0"/>
+              <a:t>에 올릴 것</a:t>
+            </a:r>
+            <a:r>
+              <a:rPr lang="en-US" altLang="ko-KR" dirty="0" smtClean="0"/>
+              <a:t>. </a:t>
+            </a:r>
+            <a:br>
+              <a:rPr lang="en-US" altLang="ko-KR" dirty="0" smtClean="0"/>
+            </a:br>
+            <a:r>
+              <a:rPr lang="ko-KR" altLang="en-US" dirty="0" smtClean="0"/>
+              <a:t>예</a:t>
+            </a:r>
+            <a:r>
+              <a:rPr lang="en-US" altLang="ko-KR" dirty="0" smtClean="0"/>
+              <a:t>) </a:t>
+            </a:r>
+            <a:r>
+              <a:rPr lang="ko-KR" altLang="en-US" dirty="0" smtClean="0"/>
+              <a:t>백설희</a:t>
+            </a:r>
+            <a:r>
+              <a:rPr lang="en-US" altLang="ko-KR" dirty="0" smtClean="0"/>
+              <a:t>_</a:t>
+            </a:r>
+            <a:r>
+              <a:rPr lang="ko-KR" altLang="en-US" dirty="0" smtClean="0"/>
+              <a:t>과제</a:t>
+            </a:r>
+            <a:r>
+              <a:rPr lang="en-US" altLang="ko-KR" dirty="0" smtClean="0"/>
+              <a:t>04_filename.html</a:t>
+            </a:r>
+            <a:endParaRPr lang="ko-KR" altLang="en-US" dirty="0"/>
           </a:p>
         </p:txBody>
       </p:sp>
     </p:spTree>
     <p:extLst>
       <p:ext uri="{BB962C8B-B14F-4D97-AF65-F5344CB8AC3E}">
-        <p14:creationId xmlns:p14="http://schemas.microsoft.com/office/powerpoint/2010/main" val="1262497410"/>
+        <p14:creationId xmlns:p14="http://schemas.microsoft.com/office/powerpoint/2010/main" val="2591631410"/>
       </p:ext>
     </p:extLst>
   </p:cSld>
@@ -24338,7 +24675,7 @@
       </p:grpSpPr>
       <p:sp>
         <p:nvSpPr>
-          <p:cNvPr id="2" name="제목 1"/>
+          <p:cNvPr id="3" name="제목 2"/>
           <p:cNvSpPr>
             <a:spLocks noGrp="1"/>
           </p:cNvSpPr>
@@ -24353,7 +24690,7 @@
           <a:p>
             <a:r>
               <a:rPr lang="en-US" altLang="ko-KR" dirty="0" smtClean="0"/>
-              <a:t>Day6 (6</a:t>
+              <a:t>Day5 (6</a:t>
             </a:r>
             <a:r>
               <a:rPr lang="ko-KR" altLang="en-US" dirty="0" smtClean="0"/>
@@ -24361,7 +24698,7 @@
             </a:r>
             <a:r>
               <a:rPr lang="en-US" altLang="ko-KR" dirty="0" smtClean="0"/>
-              <a:t>5</a:t>
+              <a:t>4</a:t>
             </a:r>
             <a:r>
               <a:rPr lang="ko-KR" altLang="en-US" dirty="0" smtClean="0"/>
@@ -24377,7 +24714,7 @@
       </p:sp>
       <p:sp>
         <p:nvSpPr>
-          <p:cNvPr id="3" name="내용 개체 틀 2"/>
+          <p:cNvPr id="4" name="내용 개체 틀 3"/>
           <p:cNvSpPr>
             <a:spLocks noGrp="1"/>
           </p:cNvSpPr>
@@ -24387,39 +24724,102 @@
         </p:nvSpPr>
         <p:spPr/>
         <p:txBody>
-          <a:bodyPr/>
+          <a:bodyPr>
+            <a:normAutofit/>
+          </a:bodyPr>
           <a:lstStyle/>
           <a:p>
             <a:r>
+              <a:rPr lang="ko-KR" altLang="en-US" dirty="0" smtClean="0"/>
+              <a:t>학습목표</a:t>
+            </a:r>
+            <a:r>
+              <a:rPr lang="en-US" altLang="ko-KR" dirty="0" smtClean="0"/>
+              <a:t>:</a:t>
+            </a:r>
+          </a:p>
+          <a:p>
+            <a:pPr lvl="1"/>
+            <a:r>
+              <a:rPr lang="en-US" altLang="ko-KR" dirty="0" smtClean="0"/>
+              <a:t>pandas</a:t>
+            </a:r>
+            <a:r>
+              <a:rPr lang="ko-KR" altLang="en-US" dirty="0" smtClean="0"/>
+              <a:t>의 </a:t>
+            </a:r>
+            <a:r>
+              <a:rPr lang="en-US" altLang="ko-KR" dirty="0" smtClean="0"/>
+              <a:t>Series </a:t>
+            </a:r>
+            <a:r>
+              <a:rPr lang="ko-KR" altLang="en-US" dirty="0" smtClean="0"/>
+              <a:t>및 </a:t>
+            </a:r>
+            <a:r>
+              <a:rPr lang="en-US" altLang="ko-KR" dirty="0" err="1" smtClean="0"/>
+              <a:t>DataFrame</a:t>
+            </a:r>
+            <a:r>
+              <a:rPr lang="en-US" altLang="ko-KR" dirty="0" smtClean="0"/>
+              <a:t> </a:t>
+            </a:r>
+            <a:r>
+              <a:rPr lang="ko-KR" altLang="en-US" dirty="0" smtClean="0"/>
+              <a:t>객체에서 값 선택하는 다양한 방법을 익힌다</a:t>
+            </a:r>
+            <a:r>
+              <a:rPr lang="en-US" altLang="ko-KR" dirty="0" smtClean="0"/>
+              <a:t>.</a:t>
+            </a:r>
+          </a:p>
+          <a:p>
+            <a:pPr lvl="1"/>
+            <a:r>
+              <a:rPr lang="en-US" altLang="ko-KR" dirty="0" smtClean="0"/>
+              <a:t>pandas</a:t>
+            </a:r>
+            <a:r>
+              <a:rPr lang="ko-KR" altLang="en-US" dirty="0" smtClean="0"/>
+              <a:t>의 다양한 통계 </a:t>
+            </a:r>
+            <a:r>
+              <a:rPr lang="ko-KR" altLang="en-US" dirty="0" err="1" smtClean="0"/>
+              <a:t>메소드를</a:t>
+            </a:r>
+            <a:r>
+              <a:rPr lang="ko-KR" altLang="en-US" dirty="0" smtClean="0"/>
+              <a:t> 익힌다</a:t>
+            </a:r>
+            <a:r>
+              <a:rPr lang="en-US" altLang="ko-KR" dirty="0" smtClean="0"/>
+              <a:t>.</a:t>
+            </a:r>
+          </a:p>
+          <a:p>
+            <a:pPr lvl="1"/>
+            <a:r>
+              <a:rPr lang="en-US" altLang="ko-KR" dirty="0"/>
+              <a:t>pandas </a:t>
+            </a:r>
+            <a:r>
               <a:rPr lang="ko-KR" altLang="en-US" dirty="0"/>
-              <a:t>학습목표</a:t>
-            </a:r>
-            <a:r>
-              <a:rPr lang="en-US" altLang="ko-KR" dirty="0" smtClean="0"/>
-              <a:t>: </a:t>
+              <a:t>객체 중 누락된 데이터의 처리 방법을 익힌다</a:t>
+            </a:r>
+            <a:r>
+              <a:rPr lang="en-US" altLang="ko-KR" dirty="0"/>
+              <a:t>.</a:t>
             </a:r>
           </a:p>
           <a:p>
             <a:pPr lvl="1"/>
             <a:r>
-              <a:rPr lang="ko-KR" altLang="en-US" dirty="0" smtClean="0"/>
-              <a:t>텍스트 파일</a:t>
-            </a:r>
-            <a:r>
-              <a:rPr lang="en-US" altLang="ko-KR" dirty="0" smtClean="0"/>
-              <a:t>, </a:t>
-            </a:r>
-            <a:r>
-              <a:rPr lang="ko-KR" altLang="en-US" dirty="0" smtClean="0"/>
-              <a:t>데이터베이스</a:t>
-            </a:r>
-            <a:r>
-              <a:rPr lang="en-US" altLang="ko-KR" dirty="0" smtClean="0"/>
-              <a:t>, </a:t>
-            </a:r>
-            <a:r>
-              <a:rPr lang="ko-KR" altLang="en-US" dirty="0" smtClean="0"/>
-              <a:t>웹 등 다양한 데이터 소스로부터 데이터를 수집하고 분석할 수 있도록 준비한다</a:t>
+              <a:rPr lang="ko-KR" altLang="en-US" dirty="0"/>
+              <a:t>계층적 색인을 이해하고 </a:t>
+            </a:r>
+            <a:r>
+              <a:rPr lang="ko-KR" altLang="en-US" dirty="0" err="1"/>
+              <a:t>확용한다</a:t>
             </a:r>
             <a:r>
               <a:rPr lang="en-US" altLang="ko-KR" dirty="0" smtClean="0"/>
@@ -24428,6 +24828,10 @@
             <a:endParaRPr lang="en-US" altLang="ko-KR" dirty="0"/>
           </a:p>
           <a:p>
+            <a:pPr lvl="1"/>
+            <a:endParaRPr lang="en-US" altLang="ko-KR" dirty="0" smtClean="0"/>
+          </a:p>
+          <a:p>
             <a:r>
               <a:rPr lang="ko-KR" altLang="en-US" dirty="0" smtClean="0"/>
               <a:t>과제</a:t>
@@ -24438,189 +24842,197 @@
             </a:r>
           </a:p>
           <a:p>
-            <a:pPr lvl="1"/>
-            <a:r>
-              <a:rPr lang="ko-KR" altLang="en-US" dirty="0" smtClean="0"/>
-              <a:t>과제 </a:t>
-            </a:r>
-            <a:r>
-              <a:rPr lang="en-US" altLang="ko-KR" dirty="0" smtClean="0"/>
-              <a:t>1</a:t>
-            </a:r>
-          </a:p>
-          <a:p>
-            <a:pPr marL="1257300" lvl="2" indent="-342900">
+            <a:pPr marL="800100" lvl="1" indent="-342900">
               <a:buFont typeface="+mj-lt"/>
               <a:buAutoNum type="arabicPeriod"/>
             </a:pPr>
             <a:r>
-              <a:rPr lang="en-US" altLang="ko-KR" dirty="0" smtClean="0"/>
-              <a:t>concrete.csv</a:t>
-            </a:r>
-            <a:r>
-              <a:rPr lang="ko-KR" altLang="en-US" dirty="0"/>
-              <a:t>의 각 열의 데이터를 </a:t>
-            </a:r>
-            <a:r>
-              <a:rPr lang="en-US" altLang="ko-KR" dirty="0" err="1"/>
-              <a:t>zscore</a:t>
-            </a:r>
-            <a:r>
-              <a:rPr lang="en-US" altLang="ko-KR" dirty="0"/>
-              <a:t> </a:t>
-            </a:r>
-            <a:r>
-              <a:rPr lang="ko-KR" altLang="en-US" dirty="0"/>
-              <a:t>표준화하는 </a:t>
-            </a:r>
-            <a:r>
-              <a:rPr lang="en-US" altLang="ko-KR" dirty="0" err="1"/>
-              <a:t>zscore_standize</a:t>
-            </a:r>
-            <a:r>
-              <a:rPr lang="en-US" altLang="ko-KR" dirty="0"/>
-              <a:t> </a:t>
-            </a:r>
-            <a:r>
-              <a:rPr lang="ko-KR" altLang="en-US" dirty="0"/>
-              <a:t>함수를 정의하고 이를 적용한 결과를 </a:t>
-            </a:r>
-            <a:r>
-              <a:rPr lang="en-US" altLang="ko-KR" dirty="0" err="1"/>
-              <a:t>zs_concrete</a:t>
-            </a:r>
-            <a:r>
-              <a:rPr lang="ko-KR" altLang="en-US" dirty="0"/>
-              <a:t>에 대입하라</a:t>
-            </a:r>
-            <a:r>
-              <a:rPr lang="en-US" altLang="ko-KR" dirty="0"/>
-              <a:t>.</a:t>
-            </a:r>
-          </a:p>
-          <a:p>
-            <a:pPr marL="1257300" lvl="2" indent="-342900">
+              <a:rPr lang="ko-KR" altLang="en-US" dirty="0" smtClean="0"/>
+              <a:t>과제</a:t>
+            </a:r>
+            <a:r>
+              <a:rPr lang="en-US" altLang="ko-KR" dirty="0" smtClean="0"/>
+              <a:t>5-1:</a:t>
+            </a:r>
+          </a:p>
+          <a:p>
+            <a:pPr marL="1200150" lvl="2" indent="-342900">
               <a:buFont typeface="+mj-lt"/>
               <a:buAutoNum type="arabicPeriod"/>
             </a:pPr>
             <a:r>
-              <a:rPr lang="en-US" altLang="ko-KR" dirty="0" smtClean="0"/>
-              <a:t>concrete.csv</a:t>
-            </a:r>
-            <a:r>
-              <a:rPr lang="ko-KR" altLang="en-US" dirty="0"/>
-              <a:t>의 각 열의 데이터를 최소</a:t>
+              <a:rPr lang="en-US" altLang="ko-KR" dirty="0" err="1" smtClean="0"/>
+              <a:t>yahoo_price.pkl</a:t>
+            </a:r>
+            <a:r>
+              <a:rPr lang="ko-KR" altLang="en-US" dirty="0" smtClean="0"/>
+              <a:t>을 </a:t>
+            </a:r>
+            <a:r>
+              <a:rPr lang="ko-KR" altLang="en-US" dirty="0" err="1" smtClean="0"/>
+              <a:t>읽어들여</a:t>
+            </a:r>
+            <a:r>
+              <a:rPr lang="ko-KR" altLang="en-US" dirty="0" smtClean="0"/>
+              <a:t> </a:t>
+            </a:r>
+            <a:r>
+              <a:rPr lang="en-US" altLang="ko-KR" dirty="0" smtClean="0"/>
+              <a:t>price</a:t>
+            </a:r>
+            <a:r>
+              <a:rPr lang="ko-KR" altLang="en-US" dirty="0" smtClean="0"/>
+              <a:t>라는 </a:t>
+            </a:r>
+            <a:r>
+              <a:rPr lang="en-US" altLang="ko-KR" dirty="0" err="1" smtClean="0"/>
+              <a:t>DataFrame</a:t>
+            </a:r>
+            <a:r>
+              <a:rPr lang="en-US" altLang="ko-KR" dirty="0" smtClean="0"/>
+              <a:t> </a:t>
+            </a:r>
+            <a:r>
+              <a:rPr lang="ko-KR" altLang="en-US" dirty="0" smtClean="0"/>
+              <a:t>객체를 생성한다</a:t>
+            </a:r>
+            <a:r>
+              <a:rPr lang="en-US" altLang="ko-KR" dirty="0" smtClean="0"/>
+              <a:t>.</a:t>
             </a:r>
             <a:r>
               <a:rPr lang="en-US" altLang="ko-KR" dirty="0"/>
-              <a:t>-</a:t>
-            </a:r>
-            <a:r>
-              <a:rPr lang="ko-KR" altLang="en-US" dirty="0"/>
-              <a:t>최대 정규화하는 </a:t>
-            </a:r>
-            <a:r>
-              <a:rPr lang="en-US" altLang="ko-KR" dirty="0" err="1"/>
-              <a:t>minmax_normalize</a:t>
-            </a:r>
-            <a:r>
+              <a:t/>
+            </a:r>
+            <a:br>
               <a:rPr lang="en-US" altLang="ko-KR" dirty="0"/>
+            </a:br>
+            <a:r>
+              <a:rPr lang="en-US" altLang="ko-KR" dirty="0" err="1" smtClean="0"/>
+              <a:t>yahoo_volume.pkl</a:t>
+            </a:r>
+            <a:r>
+              <a:rPr lang="ko-KR" altLang="en-US" dirty="0" smtClean="0"/>
+              <a:t>을 </a:t>
+            </a:r>
+            <a:r>
+              <a:rPr lang="ko-KR" altLang="en-US" dirty="0" err="1" smtClean="0"/>
+              <a:t>읽어들여</a:t>
+            </a:r>
+            <a:r>
+              <a:rPr lang="ko-KR" altLang="en-US" dirty="0" smtClean="0"/>
               <a:t> </a:t>
             </a:r>
             <a:r>
-              <a:rPr lang="ko-KR" altLang="en-US" dirty="0"/>
-              <a:t>함수를 정의하고 이를 적용한 결과를 </a:t>
-            </a:r>
-            <a:r>
-              <a:rPr lang="en-US" altLang="ko-KR" dirty="0" err="1"/>
-              <a:t>mm_concrete</a:t>
-            </a:r>
-            <a:r>
-              <a:rPr lang="ko-KR" altLang="en-US" dirty="0"/>
-              <a:t>에 대입하라</a:t>
-            </a:r>
-            <a:r>
-              <a:rPr lang="en-US" altLang="ko-KR" dirty="0"/>
+              <a:rPr lang="en-US" altLang="ko-KR" dirty="0" smtClean="0"/>
+              <a:t>volume</a:t>
+            </a:r>
+            <a:r>
+              <a:rPr lang="ko-KR" altLang="en-US" dirty="0" smtClean="0"/>
+              <a:t>이라는 </a:t>
+            </a:r>
+            <a:r>
+              <a:rPr lang="en-US" altLang="ko-KR" dirty="0" err="1" smtClean="0"/>
+              <a:t>DataFrame</a:t>
+            </a:r>
+            <a:r>
+              <a:rPr lang="en-US" altLang="ko-KR" dirty="0" smtClean="0"/>
+              <a:t> </a:t>
+            </a:r>
+            <a:r>
+              <a:rPr lang="ko-KR" altLang="en-US" dirty="0" smtClean="0"/>
+              <a:t>객체를 생성한다</a:t>
+            </a:r>
+            <a:r>
+              <a:rPr lang="en-US" altLang="ko-KR" dirty="0" smtClean="0"/>
               <a:t>.</a:t>
             </a:r>
           </a:p>
           <a:p>
-            <a:pPr marL="1257300" lvl="2" indent="-342900">
+            <a:pPr marL="1200150" lvl="2" indent="-342900">
               <a:buFont typeface="+mj-lt"/>
               <a:buAutoNum type="arabicPeriod"/>
             </a:pPr>
             <a:r>
+              <a:rPr lang="en-US" altLang="ko-KR" dirty="0" smtClean="0"/>
+              <a:t>price</a:t>
+            </a:r>
+            <a:r>
+              <a:rPr lang="ko-KR" altLang="en-US" dirty="0"/>
+              <a:t> </a:t>
+            </a:r>
+            <a:r>
+              <a:rPr lang="ko-KR" altLang="en-US" dirty="0" smtClean="0"/>
+              <a:t>중 년도가 계층적 색인의 레벨 </a:t>
+            </a:r>
+            <a:r>
+              <a:rPr lang="en-US" altLang="ko-KR" dirty="0" smtClean="0"/>
+              <a:t>0</a:t>
+            </a:r>
+            <a:r>
+              <a:rPr lang="ko-KR" altLang="en-US" dirty="0" smtClean="0"/>
+              <a:t>으로 되도록 </a:t>
+            </a:r>
+            <a:r>
+              <a:rPr lang="en-US" altLang="ko-KR" dirty="0" err="1" smtClean="0"/>
+              <a:t>m_price</a:t>
+            </a:r>
+            <a:r>
+              <a:rPr lang="ko-KR" altLang="en-US" dirty="0" smtClean="0"/>
+              <a:t>를 생성한다</a:t>
+            </a:r>
+            <a:r>
+              <a:rPr lang="en-US" altLang="ko-KR" dirty="0" smtClean="0"/>
+              <a:t>.</a:t>
+            </a:r>
+            <a:r>
               <a:rPr lang="en-US" altLang="ko-KR" dirty="0"/>
-              <a:t>3. 1</a:t>
-            </a:r>
-            <a:r>
-              <a:rPr lang="ko-KR" altLang="en-US" dirty="0"/>
-              <a:t>과 </a:t>
-            </a:r>
-            <a:r>
+              <a:t/>
+            </a:r>
+            <a:br>
               <a:rPr lang="en-US" altLang="ko-KR" dirty="0"/>
-              <a:t>2</a:t>
-            </a:r>
-            <a:r>
-              <a:rPr lang="ko-KR" altLang="en-US" dirty="0"/>
-              <a:t>에서 정규화한 데이터를 시각화하라</a:t>
-            </a:r>
-            <a:r>
-              <a:rPr lang="en-US" altLang="ko-KR" dirty="0"/>
+            </a:br>
+            <a:r>
+              <a:rPr lang="en-US" altLang="ko-KR" dirty="0" smtClean="0"/>
+              <a:t>volume</a:t>
+            </a:r>
+            <a:r>
+              <a:rPr lang="ko-KR" altLang="en-US" dirty="0" smtClean="0"/>
+              <a:t>도 계층적 색인이 추가된 </a:t>
+            </a:r>
+            <a:r>
+              <a:rPr lang="en-US" altLang="ko-KR" dirty="0" err="1" smtClean="0"/>
+              <a:t>m_volume</a:t>
+            </a:r>
+            <a:r>
+              <a:rPr lang="ko-KR" altLang="en-US" dirty="0" smtClean="0"/>
+              <a:t>을 생성한다</a:t>
+            </a:r>
+            <a:r>
+              <a:rPr lang="en-US" altLang="ko-KR" dirty="0" smtClean="0"/>
               <a:t>.</a:t>
             </a:r>
           </a:p>
           <a:p>
-            <a:pPr lvl="1"/>
-            <a:r>
-              <a:rPr lang="ko-KR" altLang="en-US" dirty="0" smtClean="0"/>
-              <a:t>과제 </a:t>
-            </a:r>
-            <a:r>
-              <a:rPr lang="en-US" altLang="ko-KR" dirty="0" smtClean="0"/>
-              <a:t>2</a:t>
-            </a:r>
-          </a:p>
-          <a:p>
-            <a:pPr marL="1257300" lvl="2" indent="-342900">
+            <a:pPr marL="1200150" lvl="2" indent="-342900">
               <a:buFont typeface="+mj-lt"/>
               <a:buAutoNum type="arabicPeriod"/>
             </a:pPr>
             <a:r>
-              <a:rPr lang="en-US" altLang="ko-KR" dirty="0" smtClean="0"/>
-              <a:t>concrete_na.csv</a:t>
-            </a:r>
-            <a:r>
-              <a:rPr lang="ko-KR" altLang="en-US" dirty="0" smtClean="0"/>
-              <a:t>를 </a:t>
-            </a:r>
-            <a:r>
-              <a:rPr lang="ko-KR" altLang="en-US" dirty="0" err="1" smtClean="0"/>
-              <a:t>읽어들여</a:t>
-            </a:r>
-            <a:r>
-              <a:rPr lang="ko-KR" altLang="en-US" dirty="0" smtClean="0"/>
-              <a:t> </a:t>
-            </a:r>
-            <a:r>
               <a:rPr lang="en-US" altLang="ko-KR" dirty="0" err="1" smtClean="0"/>
-              <a:t>DataFrame</a:t>
-            </a:r>
-            <a:r>
-              <a:rPr lang="en-US" altLang="ko-KR" dirty="0" smtClean="0"/>
-              <a:t> </a:t>
-            </a:r>
-            <a:r>
-              <a:rPr lang="ko-KR" altLang="en-US" dirty="0" smtClean="0"/>
-              <a:t>객체 </a:t>
-            </a:r>
-            <a:r>
-              <a:rPr lang="en-US" altLang="ko-KR" dirty="0" smtClean="0"/>
-              <a:t>c2</a:t>
-            </a:r>
-            <a:r>
-              <a:rPr lang="ko-KR" altLang="en-US" dirty="0" smtClean="0"/>
-              <a:t>를 만든다</a:t>
+              <a:t>m_price</a:t>
+            </a:r>
+            <a:r>
+              <a:rPr lang="ko-KR" altLang="en-US" dirty="0" smtClean="0"/>
+              <a:t>와 </a:t>
+            </a:r>
+            <a:r>
+              <a:rPr lang="en-US" altLang="ko-KR" dirty="0" err="1" smtClean="0"/>
+              <a:t>m_volume</a:t>
+            </a:r>
+            <a:r>
+              <a:rPr lang="ko-KR" altLang="en-US" dirty="0" smtClean="0"/>
+              <a:t>에 퍼센트 변화율을 추가한다</a:t>
             </a:r>
             <a:r>
               <a:rPr lang="en-US" altLang="ko-KR" dirty="0" smtClean="0"/>
@@ -24628,67 +25040,66 @@
             </a:r>
           </a:p>
           <a:p>
-            <a:pPr marL="1257300" lvl="2" indent="-342900">
+            <a:pPr marL="800100" lvl="1" indent="-342900">
               <a:buFont typeface="+mj-lt"/>
               <a:buAutoNum type="arabicPeriod"/>
             </a:pPr>
-            <a:r>
-              <a:rPr lang="en-US" altLang="ko-KR" dirty="0" smtClean="0"/>
-              <a:t>c2</a:t>
-            </a:r>
-            <a:r>
-              <a:rPr lang="ko-KR" altLang="en-US" dirty="0" smtClean="0"/>
-              <a:t>에서 누락 값을 처리하여 </a:t>
-            </a:r>
-            <a:r>
-              <a:rPr lang="en-US" altLang="ko-KR" dirty="0" err="1" smtClean="0"/>
-              <a:t>zscore_standize</a:t>
-            </a:r>
-            <a:r>
-              <a:rPr lang="ko-KR" altLang="en-US" dirty="0" smtClean="0"/>
-              <a:t>를 적용한 </a:t>
-            </a:r>
-            <a:r>
-              <a:rPr lang="en-US" altLang="ko-KR" dirty="0" smtClean="0"/>
-              <a:t>zsc2</a:t>
-            </a:r>
-            <a:r>
-              <a:rPr lang="ko-KR" altLang="en-US" dirty="0" smtClean="0"/>
-              <a:t>를 생성한다</a:t>
-            </a:r>
-            <a:r>
-              <a:rPr lang="en-US" altLang="ko-KR" dirty="0" smtClean="0"/>
-              <a:t>.</a:t>
-            </a:r>
-          </a:p>
-          <a:p>
-            <a:pPr marL="1257300" lvl="2" indent="-342900">
+            <a:endParaRPr lang="en-US" altLang="ko-KR" dirty="0" smtClean="0"/>
+          </a:p>
+          <a:p>
+            <a:pPr marL="800100" lvl="1" indent="-342900">
               <a:buFont typeface="+mj-lt"/>
               <a:buAutoNum type="arabicPeriod"/>
             </a:pPr>
             <a:r>
-              <a:rPr lang="en-US" altLang="ko-KR" dirty="0" smtClean="0"/>
-              <a:t>c2</a:t>
-            </a:r>
-            <a:r>
-              <a:rPr lang="ko-KR" altLang="en-US" dirty="0" smtClean="0"/>
-              <a:t>에서 누락 값을 처리하여 </a:t>
+              <a:rPr lang="ko-KR" altLang="en-US" dirty="0" smtClean="0"/>
+              <a:t>과제</a:t>
+            </a:r>
+            <a:r>
+              <a:rPr lang="en-US" altLang="ko-KR" dirty="0" smtClean="0"/>
+              <a:t>5-2:</a:t>
+            </a:r>
+          </a:p>
+          <a:p>
+            <a:pPr marL="1200150" lvl="2" indent="-342900">
+              <a:buFont typeface="+mj-lt"/>
+              <a:buAutoNum type="arabicPeriod"/>
+            </a:pPr>
+            <a:r>
+              <a:rPr lang="en-US" altLang="ko-KR" dirty="0" smtClean="0"/>
+              <a:t>concrete.csv</a:t>
+            </a:r>
+            <a:r>
+              <a:rPr lang="ko-KR" altLang="en-US" dirty="0" smtClean="0"/>
+              <a:t>를 </a:t>
+            </a:r>
+            <a:r>
+              <a:rPr lang="ko-KR" altLang="en-US" dirty="0" err="1" smtClean="0"/>
+              <a:t>읽어들여</a:t>
+            </a:r>
+            <a:r>
+              <a:rPr lang="ko-KR" altLang="en-US" dirty="0" smtClean="0"/>
+              <a:t> </a:t>
+            </a:r>
+            <a:r>
+              <a:rPr lang="en-US" altLang="ko-KR" dirty="0" smtClean="0"/>
+              <a:t>concrete</a:t>
+            </a:r>
+            <a:r>
+              <a:rPr lang="ko-KR" altLang="en-US" dirty="0" smtClean="0"/>
+              <a:t>라는 </a:t>
             </a:r>
             <a:r>
               <a:rPr lang="en-US" altLang="ko-KR" dirty="0" err="1" smtClean="0"/>
-              <a:t>minmax_normalize</a:t>
-            </a:r>
-            <a:r>
-              <a:rPr lang="ko-KR" altLang="en-US" dirty="0" smtClean="0"/>
-              <a:t>를 적용한 </a:t>
-            </a:r>
-            <a:r>
-              <a:rPr lang="en-US" altLang="ko-KR" dirty="0" smtClean="0"/>
-              <a:t>mmc2</a:t>
-            </a:r>
-            <a:r>
-              <a:rPr lang="ko-KR" altLang="en-US" dirty="0" smtClean="0"/>
-              <a:t>를 생성한다</a:t>
+              <a:t>DataFrame</a:t>
+            </a:r>
+            <a:r>
+              <a:rPr lang="en-US" altLang="ko-KR" dirty="0" smtClean="0"/>
+              <a:t> </a:t>
+            </a:r>
+            <a:r>
+              <a:rPr lang="ko-KR" altLang="en-US" dirty="0" smtClean="0"/>
+              <a:t>객체를 생성한다</a:t>
             </a:r>
             <a:r>
               <a:rPr lang="en-US" altLang="ko-KR" dirty="0" smtClean="0"/>
@@ -24696,14 +25107,36 @@
             </a:r>
           </a:p>
           <a:p>
-            <a:endParaRPr lang="ko-KR" altLang="en-US" dirty="0"/>
+            <a:pPr marL="1200150" lvl="2" indent="-342900">
+              <a:buFont typeface="+mj-lt"/>
+              <a:buAutoNum type="arabicPeriod"/>
+            </a:pPr>
+            <a:r>
+              <a:rPr lang="en-US" altLang="ko-KR" dirty="0" smtClean="0"/>
+              <a:t>4</a:t>
+            </a:r>
+            <a:r>
+              <a:rPr lang="ko-KR" altLang="en-US" dirty="0" smtClean="0"/>
+              <a:t>의 데이터를 관찰하여 분석 방법을 고민해본다</a:t>
+            </a:r>
+            <a:r>
+              <a:rPr lang="en-US" altLang="ko-KR" dirty="0" smtClean="0"/>
+              <a:t>.</a:t>
+            </a:r>
+          </a:p>
+          <a:p>
+            <a:pPr marL="800100" lvl="1" indent="-342900">
+              <a:buFont typeface="+mj-lt"/>
+              <a:buAutoNum type="arabicPeriod"/>
+            </a:pPr>
+            <a:endParaRPr lang="en-US" altLang="ko-KR" dirty="0" smtClean="0"/>
           </a:p>
         </p:txBody>
       </p:sp>
     </p:spTree>
     <p:extLst>
       <p:ext uri="{BB962C8B-B14F-4D97-AF65-F5344CB8AC3E}">
-        <p14:creationId xmlns:p14="http://schemas.microsoft.com/office/powerpoint/2010/main" val="2092796152"/>
+        <p14:creationId xmlns:p14="http://schemas.microsoft.com/office/powerpoint/2010/main" val="1262497410"/>
       </p:ext>
     </p:extLst>
   </p:cSld>

--- a/한2018_파이썬을 활용한 데이터 분석_강의개요.pptx
+++ b/한2018_파이썬을 활용한 데이터 분석_강의개요.pptx
@@ -25,10 +25,10 @@
     <p:sldId id="2101" r:id="rId13"/>
     <p:sldId id="2103" r:id="rId14"/>
     <p:sldId id="2107" r:id="rId15"/>
-    <p:sldId id="2096" r:id="rId16"/>
-    <p:sldId id="2098" r:id="rId17"/>
-    <p:sldId id="2095" r:id="rId18"/>
-    <p:sldId id="2106" r:id="rId19"/>
+    <p:sldId id="2108" r:id="rId16"/>
+    <p:sldId id="2096" r:id="rId17"/>
+    <p:sldId id="2098" r:id="rId18"/>
+    <p:sldId id="2095" r:id="rId19"/>
   </p:sldIdLst>
   <p:sldSz cx="9906000" cy="6858000" type="A4"/>
   <p:notesSz cx="7016750" cy="9302750"/>
@@ -242,7 +242,7 @@
           <a:p>
             <a:fld id="{EED6BC92-8766-470F-B2F7-967053648231}" type="datetimeFigureOut">
               <a:rPr lang="ko-KR" altLang="en-US" smtClean="0"/>
-              <a:t>2018-06-08</a:t>
+              <a:t>2018-06-12</a:t>
             </a:fld>
             <a:endParaRPr lang="ko-KR" altLang="en-US"/>
           </a:p>
@@ -408,7 +408,7 @@
             <a:fld id="{D5D70811-BB17-44EC-93F5-EBED80FC02C9}" type="datetimeFigureOut">
               <a:rPr lang="ko-KR" altLang="en-US" smtClean="0"/>
               <a:pPr/>
-              <a:t>2018-06-08</a:t>
+              <a:t>2018-06-12</a:t>
             </a:fld>
             <a:endParaRPr lang="ko-KR" altLang="en-US"/>
           </a:p>
@@ -1151,7 +1151,7 @@
                 <a:tabLst/>
                 <a:defRPr/>
               </a:pPr>
-              <a:t>2018-06-08</a:t>
+              <a:t>2018-06-12</a:t>
             </a:fld>
             <a:endParaRPr kumimoji="0" lang="ko-KR" altLang="en-US" sz="1100" b="0" i="0" u="none" strike="noStrike" kern="1200" cap="none" spc="0" normalizeH="0" baseline="0" noProof="0">
               <a:ln>
@@ -1568,7 +1568,7 @@
                 <a:tabLst/>
                 <a:defRPr/>
               </a:pPr>
-              <a:t>2018-06-08</a:t>
+              <a:t>2018-06-12</a:t>
             </a:fld>
             <a:endParaRPr kumimoji="0" lang="ko-KR" altLang="en-US" sz="1100" b="0" i="0" u="none" strike="noStrike" kern="1200" cap="none" spc="0" normalizeH="0" baseline="0" noProof="0">
               <a:ln>
@@ -1901,7 +1901,7 @@
                 <a:tabLst/>
                 <a:defRPr/>
               </a:pPr>
-              <a:t>2018-06-08</a:t>
+              <a:t>2018-06-12</a:t>
             </a:fld>
             <a:endParaRPr kumimoji="0" lang="ko-KR" altLang="en-US" sz="1100" b="0" i="0" u="none" strike="noStrike" kern="1200" cap="none" spc="0" normalizeH="0" baseline="0" noProof="0">
               <a:ln>
@@ -2244,7 +2244,7 @@
                 <a:tabLst/>
                 <a:defRPr/>
               </a:pPr>
-              <a:t>2018-06-08</a:t>
+              <a:t>2018-06-12</a:t>
             </a:fld>
             <a:endParaRPr kumimoji="0" lang="ko-KR" altLang="en-US" sz="1100" b="0" i="0" u="none" strike="noStrike" kern="1200" cap="none" spc="0" normalizeH="0" baseline="0" noProof="0">
               <a:ln>
@@ -2638,7 +2638,7 @@
             <a:fld id="{BD343E2E-D187-44B7-945F-E031827BE040}" type="datetime1">
               <a:rPr lang="ko-KR" altLang="en-US" smtClean="0"/>
               <a:pPr/>
-              <a:t>2018-06-08</a:t>
+              <a:t>2018-06-12</a:t>
             </a:fld>
             <a:endParaRPr lang="ko-KR" altLang="en-US"/>
           </a:p>
@@ -2757,7 +2757,7 @@
             <a:fld id="{BD343E2E-D187-44B7-945F-E031827BE040}" type="datetime1">
               <a:rPr lang="ko-KR" altLang="en-US" smtClean="0"/>
               <a:pPr/>
-              <a:t>2018-06-08</a:t>
+              <a:t>2018-06-12</a:t>
             </a:fld>
             <a:endParaRPr lang="ko-KR" altLang="en-US"/>
           </a:p>
@@ -5609,7 +5609,7 @@
                 <a:tabLst/>
                 <a:defRPr/>
               </a:pPr>
-              <a:t>2018-06-08</a:t>
+              <a:t>2018-06-12</a:t>
             </a:fld>
             <a:endParaRPr kumimoji="0" lang="ko-KR" altLang="en-US" sz="1100" b="0" i="0" u="none" strike="noStrike" kern="1200" cap="none" spc="0" normalizeH="0" baseline="0" noProof="0">
               <a:ln>
@@ -7340,7 +7340,7 @@
           <a:p>
             <a:fld id="{880387B8-3802-47BF-8C63-CEC4E1DDA9E2}" type="datetimeFigureOut">
               <a:rPr lang="ko-KR" altLang="en-US" smtClean="0"/>
-              <a:t>2018-06-08</a:t>
+              <a:t>2018-06-12</a:t>
             </a:fld>
             <a:endParaRPr lang="ko-KR" altLang="en-US"/>
           </a:p>
@@ -7508,7 +7508,7 @@
           <a:p>
             <a:fld id="{880387B8-3802-47BF-8C63-CEC4E1DDA9E2}" type="datetimeFigureOut">
               <a:rPr lang="ko-KR" altLang="en-US" smtClean="0"/>
-              <a:t>2018-06-08</a:t>
+              <a:t>2018-06-12</a:t>
             </a:fld>
             <a:endParaRPr lang="ko-KR" altLang="en-US"/>
           </a:p>
@@ -8678,7 +8678,7 @@
           <a:p>
             <a:fld id="{880387B8-3802-47BF-8C63-CEC4E1DDA9E2}" type="datetimeFigureOut">
               <a:rPr lang="ko-KR" altLang="en-US" smtClean="0"/>
-              <a:t>2018-06-08</a:t>
+              <a:t>2018-06-12</a:t>
             </a:fld>
             <a:endParaRPr lang="ko-KR" altLang="en-US"/>
           </a:p>
@@ -8963,7 +8963,7 @@
           <a:p>
             <a:fld id="{880387B8-3802-47BF-8C63-CEC4E1DDA9E2}" type="datetimeFigureOut">
               <a:rPr lang="ko-KR" altLang="en-US" smtClean="0"/>
-              <a:t>2018-06-08</a:t>
+              <a:t>2018-06-12</a:t>
             </a:fld>
             <a:endParaRPr lang="ko-KR" altLang="en-US"/>
           </a:p>
@@ -9382,7 +9382,7 @@
           <a:p>
             <a:fld id="{880387B8-3802-47BF-8C63-CEC4E1DDA9E2}" type="datetimeFigureOut">
               <a:rPr lang="ko-KR" altLang="en-US" smtClean="0"/>
-              <a:t>2018-06-08</a:t>
+              <a:t>2018-06-12</a:t>
             </a:fld>
             <a:endParaRPr lang="ko-KR" altLang="en-US"/>
           </a:p>
@@ -9499,7 +9499,7 @@
           <a:p>
             <a:fld id="{880387B8-3802-47BF-8C63-CEC4E1DDA9E2}" type="datetimeFigureOut">
               <a:rPr lang="ko-KR" altLang="en-US" smtClean="0"/>
-              <a:t>2018-06-08</a:t>
+              <a:t>2018-06-12</a:t>
             </a:fld>
             <a:endParaRPr lang="ko-KR" altLang="en-US"/>
           </a:p>
@@ -9594,7 +9594,7 @@
           <a:p>
             <a:fld id="{880387B8-3802-47BF-8C63-CEC4E1DDA9E2}" type="datetimeFigureOut">
               <a:rPr lang="ko-KR" altLang="en-US" smtClean="0"/>
-              <a:t>2018-06-08</a:t>
+              <a:t>2018-06-12</a:t>
             </a:fld>
             <a:endParaRPr lang="ko-KR" altLang="en-US"/>
           </a:p>
@@ -9869,7 +9869,7 @@
           <a:p>
             <a:fld id="{880387B8-3802-47BF-8C63-CEC4E1DDA9E2}" type="datetimeFigureOut">
               <a:rPr lang="ko-KR" altLang="en-US" smtClean="0"/>
-              <a:t>2018-06-08</a:t>
+              <a:t>2018-06-12</a:t>
             </a:fld>
             <a:endParaRPr lang="ko-KR" altLang="en-US"/>
           </a:p>
@@ -10121,7 +10121,7 @@
           <a:p>
             <a:fld id="{880387B8-3802-47BF-8C63-CEC4E1DDA9E2}" type="datetimeFigureOut">
               <a:rPr lang="ko-KR" altLang="en-US" smtClean="0"/>
-              <a:t>2018-06-08</a:t>
+              <a:t>2018-06-12</a:t>
             </a:fld>
             <a:endParaRPr lang="ko-KR" altLang="en-US"/>
           </a:p>
@@ -10289,7 +10289,7 @@
           <a:p>
             <a:fld id="{880387B8-3802-47BF-8C63-CEC4E1DDA9E2}" type="datetimeFigureOut">
               <a:rPr lang="ko-KR" altLang="en-US" smtClean="0"/>
-              <a:t>2018-06-08</a:t>
+              <a:t>2018-06-12</a:t>
             </a:fld>
             <a:endParaRPr lang="ko-KR" altLang="en-US"/>
           </a:p>
@@ -10467,7 +10467,7 @@
           <a:p>
             <a:fld id="{880387B8-3802-47BF-8C63-CEC4E1DDA9E2}" type="datetimeFigureOut">
               <a:rPr lang="ko-KR" altLang="en-US" smtClean="0"/>
-              <a:t>2018-06-08</a:t>
+              <a:t>2018-06-12</a:t>
             </a:fld>
             <a:endParaRPr lang="ko-KR" altLang="en-US"/>
           </a:p>
@@ -10707,7 +10707,7 @@
           <a:p>
             <a:fld id="{365DA058-1A9C-4BAD-94E2-21D6C076F22A}" type="datetimeFigureOut">
               <a:rPr lang="ko-KR" altLang="en-US" smtClean="0"/>
-              <a:t>2018-06-08</a:t>
+              <a:t>2018-06-12</a:t>
             </a:fld>
             <a:endParaRPr lang="ko-KR" altLang="en-US"/>
           </a:p>
@@ -11002,7 +11002,7 @@
                 <a:tabLst/>
                 <a:defRPr/>
               </a:pPr>
-              <a:t>2018-06-08</a:t>
+              <a:t>2018-06-12</a:t>
             </a:fld>
             <a:endParaRPr kumimoji="0" lang="ko-KR" altLang="en-US" sz="1100" b="0" i="0" u="none" strike="noStrike" kern="1200" cap="none" spc="0" normalizeH="0" baseline="0" noProof="0">
               <a:ln>
@@ -11285,7 +11285,7 @@
           <a:p>
             <a:fld id="{365DA058-1A9C-4BAD-94E2-21D6C076F22A}" type="datetimeFigureOut">
               <a:rPr lang="ko-KR" altLang="en-US" smtClean="0"/>
-              <a:t>2018-06-08</a:t>
+              <a:t>2018-06-12</a:t>
             </a:fld>
             <a:endParaRPr lang="ko-KR" altLang="en-US"/>
           </a:p>
@@ -11530,7 +11530,7 @@
           <a:p>
             <a:fld id="{365DA058-1A9C-4BAD-94E2-21D6C076F22A}" type="datetimeFigureOut">
               <a:rPr lang="ko-KR" altLang="en-US" smtClean="0"/>
-              <a:t>2018-06-08</a:t>
+              <a:t>2018-06-12</a:t>
             </a:fld>
             <a:endParaRPr lang="ko-KR" altLang="en-US"/>
           </a:p>
@@ -11815,7 +11815,7 @@
           <a:p>
             <a:fld id="{365DA058-1A9C-4BAD-94E2-21D6C076F22A}" type="datetimeFigureOut">
               <a:rPr lang="ko-KR" altLang="en-US" smtClean="0"/>
-              <a:t>2018-06-08</a:t>
+              <a:t>2018-06-12</a:t>
             </a:fld>
             <a:endParaRPr lang="ko-KR" altLang="en-US"/>
           </a:p>
@@ -12234,7 +12234,7 @@
           <a:p>
             <a:fld id="{365DA058-1A9C-4BAD-94E2-21D6C076F22A}" type="datetimeFigureOut">
               <a:rPr lang="ko-KR" altLang="en-US" smtClean="0"/>
-              <a:t>2018-06-08</a:t>
+              <a:t>2018-06-12</a:t>
             </a:fld>
             <a:endParaRPr lang="ko-KR" altLang="en-US"/>
           </a:p>
@@ -12351,7 +12351,7 @@
           <a:p>
             <a:fld id="{365DA058-1A9C-4BAD-94E2-21D6C076F22A}" type="datetimeFigureOut">
               <a:rPr lang="ko-KR" altLang="en-US" smtClean="0"/>
-              <a:t>2018-06-08</a:t>
+              <a:t>2018-06-12</a:t>
             </a:fld>
             <a:endParaRPr lang="ko-KR" altLang="en-US"/>
           </a:p>
@@ -12446,7 +12446,7 @@
           <a:p>
             <a:fld id="{365DA058-1A9C-4BAD-94E2-21D6C076F22A}" type="datetimeFigureOut">
               <a:rPr lang="ko-KR" altLang="en-US" smtClean="0"/>
-              <a:t>2018-06-08</a:t>
+              <a:t>2018-06-12</a:t>
             </a:fld>
             <a:endParaRPr lang="ko-KR" altLang="en-US"/>
           </a:p>
@@ -12721,7 +12721,7 @@
           <a:p>
             <a:fld id="{365DA058-1A9C-4BAD-94E2-21D6C076F22A}" type="datetimeFigureOut">
               <a:rPr lang="ko-KR" altLang="en-US" smtClean="0"/>
-              <a:t>2018-06-08</a:t>
+              <a:t>2018-06-12</a:t>
             </a:fld>
             <a:endParaRPr lang="ko-KR" altLang="en-US"/>
           </a:p>
@@ -12973,7 +12973,7 @@
           <a:p>
             <a:fld id="{365DA058-1A9C-4BAD-94E2-21D6C076F22A}" type="datetimeFigureOut">
               <a:rPr lang="ko-KR" altLang="en-US" smtClean="0"/>
-              <a:t>2018-06-08</a:t>
+              <a:t>2018-06-12</a:t>
             </a:fld>
             <a:endParaRPr lang="ko-KR" altLang="en-US"/>
           </a:p>
@@ -13141,7 +13141,7 @@
           <a:p>
             <a:fld id="{365DA058-1A9C-4BAD-94E2-21D6C076F22A}" type="datetimeFigureOut">
               <a:rPr lang="ko-KR" altLang="en-US" smtClean="0"/>
-              <a:t>2018-06-08</a:t>
+              <a:t>2018-06-12</a:t>
             </a:fld>
             <a:endParaRPr lang="ko-KR" altLang="en-US"/>
           </a:p>
@@ -13319,7 +13319,7 @@
           <a:p>
             <a:fld id="{365DA058-1A9C-4BAD-94E2-21D6C076F22A}" type="datetimeFigureOut">
               <a:rPr lang="ko-KR" altLang="en-US" smtClean="0"/>
-              <a:t>2018-06-08</a:t>
+              <a:t>2018-06-12</a:t>
             </a:fld>
             <a:endParaRPr lang="ko-KR" altLang="en-US"/>
           </a:p>
@@ -13654,7 +13654,7 @@
                 <a:tabLst/>
                 <a:defRPr/>
               </a:pPr>
-              <a:t>2018-06-08</a:t>
+              <a:t>2018-06-12</a:t>
             </a:fld>
             <a:endParaRPr kumimoji="0" lang="ko-KR" altLang="en-US" sz="1100" b="0" i="0" u="none" strike="noStrike" kern="1200" cap="none" spc="0" normalizeH="0" baseline="0" noProof="0">
               <a:ln>
@@ -14238,7 +14238,7 @@
                 <a:tabLst/>
                 <a:defRPr/>
               </a:pPr>
-              <a:t>2018-06-08</a:t>
+              <a:t>2018-06-12</a:t>
             </a:fld>
             <a:endParaRPr kumimoji="0" lang="ko-KR" altLang="en-US" sz="1100" b="0" i="0" u="none" strike="noStrike" kern="1200" cap="none" spc="0" normalizeH="0" baseline="0" noProof="0">
               <a:ln>
@@ -14520,7 +14520,7 @@
                 <a:tabLst/>
                 <a:defRPr/>
               </a:pPr>
-              <a:t>2018-06-08</a:t>
+              <a:t>2018-06-12</a:t>
             </a:fld>
             <a:endParaRPr kumimoji="0" lang="ko-KR" altLang="en-US" sz="1100" b="0" i="0" u="none" strike="noStrike" kern="1200" cap="none" spc="0" normalizeH="0" baseline="0" noProof="0">
               <a:ln>
@@ -14780,7 +14780,7 @@
                 <a:tabLst/>
                 <a:defRPr/>
               </a:pPr>
-              <a:t>2018-06-08</a:t>
+              <a:t>2018-06-12</a:t>
             </a:fld>
             <a:endParaRPr kumimoji="0" lang="ko-KR" altLang="en-US" sz="1100" b="0" i="0" u="none" strike="noStrike" kern="1200" cap="none" spc="0" normalizeH="0" baseline="0" noProof="0">
               <a:ln>
@@ -15096,7 +15096,7 @@
                 <a:tabLst/>
                 <a:defRPr/>
               </a:pPr>
-              <a:t>2018-06-08</a:t>
+              <a:t>2018-06-12</a:t>
             </a:fld>
             <a:endParaRPr kumimoji="0" lang="ko-KR" altLang="en-US" sz="1100" b="0" i="0" u="none" strike="noStrike" kern="1200" cap="none" spc="0" normalizeH="0" baseline="0" noProof="0">
               <a:ln>
@@ -15875,7 +15875,7 @@
           <a:p>
             <a:fld id="{880387B8-3802-47BF-8C63-CEC4E1DDA9E2}" type="datetimeFigureOut">
               <a:rPr lang="ko-KR" altLang="en-US" smtClean="0"/>
-              <a:t>2018-06-08</a:t>
+              <a:t>2018-06-12</a:t>
             </a:fld>
             <a:endParaRPr lang="ko-KR" altLang="en-US"/>
           </a:p>
@@ -16383,7 +16383,7 @@
           <a:p>
             <a:fld id="{365DA058-1A9C-4BAD-94E2-21D6C076F22A}" type="datetimeFigureOut">
               <a:rPr lang="ko-KR" altLang="en-US" smtClean="0"/>
-              <a:t>2018-06-08</a:t>
+              <a:t>2018-06-12</a:t>
             </a:fld>
             <a:endParaRPr lang="ko-KR" altLang="en-US"/>
           </a:p>
@@ -17686,11 +17686,7 @@
           <a:p>
             <a:r>
               <a:rPr lang="en-US" altLang="ko-KR" dirty="0" smtClean="0"/>
-              <a:t>Day8 </a:t>
-            </a:r>
-            <a:r>
-              <a:rPr lang="en-US" altLang="ko-KR" dirty="0" smtClean="0"/>
-              <a:t>(6</a:t>
+              <a:t>Day8 (6</a:t>
             </a:r>
             <a:r>
               <a:rPr lang="ko-KR" altLang="en-US" dirty="0" smtClean="0"/>
@@ -17765,7 +17761,6 @@
               <a:rPr lang="en-US" altLang="ko-KR" dirty="0" smtClean="0"/>
               <a:t>.</a:t>
             </a:r>
-            <a:endParaRPr lang="en-US" altLang="ko-KR" dirty="0" smtClean="0"/>
           </a:p>
           <a:p>
             <a:pPr lvl="2"/>
@@ -18110,28 +18105,28 @@
           <a:lstStyle/>
           <a:p>
             <a:r>
-              <a:rPr lang="ko-KR" altLang="en-US" dirty="0" err="1" smtClean="0"/>
-              <a:t>파이썬</a:t>
-            </a:r>
-            <a:r>
-              <a:rPr lang="en-US" altLang="ko-KR" dirty="0" smtClean="0"/>
-              <a:t>2</a:t>
-            </a:r>
-            <a:r>
-              <a:rPr lang="ko-KR" altLang="en-US" dirty="0" smtClean="0"/>
-              <a:t>와 </a:t>
-            </a:r>
-            <a:r>
-              <a:rPr lang="ko-KR" altLang="en-US" dirty="0" err="1" smtClean="0"/>
-              <a:t>파이썬</a:t>
-            </a:r>
-            <a:r>
-              <a:rPr lang="en-US" altLang="ko-KR" dirty="0" smtClean="0"/>
-              <a:t>3 </a:t>
-            </a:r>
-            <a:r>
-              <a:rPr lang="ko-KR" altLang="en-US" dirty="0" smtClean="0"/>
-              <a:t>함께 설치</a:t>
+              <a:rPr lang="en-US" altLang="ko-KR" dirty="0" smtClean="0"/>
+              <a:t>Day10 </a:t>
+            </a:r>
+            <a:r>
+              <a:rPr lang="en-US" altLang="ko-KR" dirty="0" smtClean="0"/>
+              <a:t>(6</a:t>
+            </a:r>
+            <a:r>
+              <a:rPr lang="ko-KR" altLang="en-US" dirty="0" smtClean="0"/>
+              <a:t>월 </a:t>
+            </a:r>
+            <a:r>
+              <a:rPr lang="en-US" altLang="ko-KR" dirty="0" smtClean="0"/>
+              <a:t>12</a:t>
+            </a:r>
+            <a:r>
+              <a:rPr lang="ko-KR" altLang="en-US" dirty="0" smtClean="0"/>
+              <a:t>일</a:t>
+            </a:r>
+            <a:r>
+              <a:rPr lang="en-US" altLang="ko-KR" dirty="0" smtClean="0"/>
+              <a:t>)</a:t>
             </a:r>
             <a:endParaRPr lang="ko-KR" altLang="en-US" dirty="0"/>
           </a:p>
@@ -18153,93 +18148,326 @@
           <a:lstStyle/>
           <a:p>
             <a:r>
-              <a:rPr lang="ko-KR" altLang="en-US" dirty="0" smtClean="0"/>
-              <a:t>먼저 </a:t>
-            </a:r>
-            <a:r>
-              <a:rPr lang="en-US" altLang="ko-KR" dirty="0" smtClean="0"/>
-              <a:t>anaconda3</a:t>
-            </a:r>
-            <a:r>
-              <a:rPr lang="ko-KR" altLang="en-US" dirty="0" smtClean="0"/>
-              <a:t>를 설치</a:t>
+              <a:rPr lang="ko-KR" altLang="en-US" dirty="0"/>
+              <a:t>학습목표</a:t>
+            </a:r>
+            <a:r>
+              <a:rPr lang="en-US" altLang="ko-KR" dirty="0"/>
+              <a:t>: </a:t>
+            </a:r>
+          </a:p>
+          <a:p>
+            <a:pPr lvl="1"/>
+            <a:r>
+              <a:rPr lang="ko-KR" altLang="en-US" dirty="0" smtClean="0"/>
+              <a:t>함수</a:t>
+            </a:r>
+            <a:r>
+              <a:rPr lang="en-US" altLang="ko-KR" dirty="0" smtClean="0"/>
+              <a:t>, </a:t>
+            </a:r>
+            <a:r>
+              <a:rPr lang="ko-KR" altLang="en-US" dirty="0" smtClean="0"/>
+              <a:t>배열</a:t>
+            </a:r>
+            <a:r>
+              <a:rPr lang="en-US" altLang="ko-KR" dirty="0" smtClean="0"/>
+              <a:t>, </a:t>
+            </a:r>
+            <a:r>
+              <a:rPr lang="en-US" altLang="ko-KR" dirty="0" err="1" smtClean="0"/>
+              <a:t>DataFrame</a:t>
+            </a:r>
+            <a:r>
+              <a:rPr lang="ko-KR" altLang="en-US" dirty="0" smtClean="0"/>
+              <a:t>의 열 이름 등 다양한 키를 기준으로 </a:t>
+            </a:r>
+            <a:r>
+              <a:rPr lang="en-US" altLang="ko-KR" dirty="0" err="1" smtClean="0"/>
+              <a:t>GroupBy</a:t>
+            </a:r>
+            <a:r>
+              <a:rPr lang="en-US" altLang="ko-KR" dirty="0" smtClean="0"/>
+              <a:t> </a:t>
+            </a:r>
+            <a:r>
+              <a:rPr lang="ko-KR" altLang="en-US" dirty="0" smtClean="0"/>
+              <a:t>객체를 생성하는 방법을 익힌다</a:t>
+            </a:r>
+            <a:r>
+              <a:rPr lang="en-US" altLang="ko-KR" dirty="0" smtClean="0"/>
+              <a:t>.</a:t>
+            </a:r>
+          </a:p>
+          <a:p>
+            <a:pPr lvl="1"/>
+            <a:r>
+              <a:rPr lang="en-US" altLang="ko-KR" dirty="0" err="1" smtClean="0"/>
+              <a:t>GroupBy</a:t>
+            </a:r>
+            <a:r>
+              <a:rPr lang="en-US" altLang="ko-KR" dirty="0" smtClean="0"/>
+              <a:t> </a:t>
+            </a:r>
+            <a:r>
+              <a:rPr lang="ko-KR" altLang="en-US" dirty="0" smtClean="0"/>
+              <a:t>객체에 </a:t>
+            </a:r>
+            <a:r>
+              <a:rPr lang="ko-KR" altLang="en-US" dirty="0" err="1" smtClean="0"/>
+              <a:t>통계메소드를</a:t>
+            </a:r>
+            <a:r>
+              <a:rPr lang="ko-KR" altLang="en-US" dirty="0" smtClean="0"/>
+              <a:t> 적용하는 방법을 익힌다</a:t>
+            </a:r>
+            <a:r>
+              <a:rPr lang="en-US" altLang="ko-KR" dirty="0" smtClean="0"/>
+              <a:t>.</a:t>
             </a:r>
             <a:endParaRPr lang="en-US" altLang="ko-KR" dirty="0" smtClean="0"/>
           </a:p>
           <a:p>
-            <a:r>
-              <a:rPr lang="en-US" altLang="ko-KR" dirty="0" smtClean="0"/>
-              <a:t>Anaconda prompt</a:t>
-            </a:r>
-            <a:r>
-              <a:rPr lang="ko-KR" altLang="en-US" dirty="0" smtClean="0"/>
-              <a:t>에서 아래 구문 실행</a:t>
+            <a:pPr lvl="2"/>
+            <a:endParaRPr lang="en-US" altLang="ko-KR" dirty="0"/>
+          </a:p>
+          <a:p>
+            <a:r>
+              <a:rPr lang="ko-KR" altLang="en-US" dirty="0" smtClean="0"/>
+              <a:t>과제</a:t>
+            </a:r>
+            <a:r>
+              <a:rPr lang="en-US" altLang="ko-KR" dirty="0" smtClean="0"/>
+              <a:t>:</a:t>
+            </a:r>
+          </a:p>
+          <a:p>
+            <a:pPr lvl="1"/>
+            <a:r>
+              <a:rPr lang="en-US" altLang="ko-KR" dirty="0" smtClean="0"/>
+              <a:t>titanic.csv </a:t>
+            </a:r>
+            <a:r>
+              <a:rPr lang="ko-KR" altLang="en-US" dirty="0" smtClean="0"/>
+              <a:t>파일을 이용해 </a:t>
+            </a:r>
+            <a:r>
+              <a:rPr lang="en-US" altLang="ko-KR" dirty="0" err="1" smtClean="0"/>
+              <a:t>GroupBy</a:t>
+            </a:r>
+            <a:r>
+              <a:rPr lang="ko-KR" altLang="en-US" dirty="0" smtClean="0"/>
+              <a:t>를 적용해보자</a:t>
+            </a:r>
+            <a:r>
+              <a:rPr lang="en-US" altLang="ko-KR" dirty="0" smtClean="0"/>
+              <a:t>.</a:t>
+            </a:r>
+          </a:p>
+          <a:p>
+            <a:pPr lvl="2"/>
+            <a:r>
+              <a:rPr lang="en-US" altLang="ko-KR" dirty="0" smtClean="0"/>
+              <a:t>titanic.csv </a:t>
+            </a:r>
+            <a:r>
+              <a:rPr lang="ko-KR" altLang="en-US" dirty="0" smtClean="0"/>
+              <a:t>파일을 </a:t>
+            </a:r>
+            <a:r>
+              <a:rPr lang="ko-KR" altLang="en-US" dirty="0" err="1" smtClean="0"/>
+              <a:t>읽어들여</a:t>
+            </a:r>
+            <a:r>
+              <a:rPr lang="ko-KR" altLang="en-US" dirty="0" smtClean="0"/>
+              <a:t> </a:t>
+            </a:r>
+            <a:r>
+              <a:rPr lang="en-US" altLang="ko-KR" dirty="0" err="1" smtClean="0"/>
+              <a:t>DataFrame</a:t>
+            </a:r>
+            <a:r>
+              <a:rPr lang="en-US" altLang="ko-KR" dirty="0" smtClean="0"/>
+              <a:t> </a:t>
+            </a:r>
+            <a:r>
+              <a:rPr lang="ko-KR" altLang="en-US" dirty="0" smtClean="0"/>
+              <a:t>객체인 </a:t>
+            </a:r>
+            <a:r>
+              <a:rPr lang="en-US" altLang="ko-KR" dirty="0" err="1" smtClean="0"/>
+              <a:t>titani</a:t>
+            </a:r>
+            <a:r>
+              <a:rPr lang="ko-KR" altLang="en-US" dirty="0" smtClean="0"/>
+              <a:t>을 </a:t>
+            </a:r>
+            <a:r>
+              <a:rPr lang="ko-KR" altLang="en-US" dirty="0" smtClean="0"/>
+              <a:t>생성하고 </a:t>
+            </a:r>
+            <a:r>
+              <a:rPr lang="en-US" altLang="ko-KR" dirty="0" err="1" smtClean="0"/>
+              <a:t>agerange</a:t>
+            </a:r>
+            <a:r>
+              <a:rPr lang="en-US" altLang="ko-KR" dirty="0" smtClean="0"/>
+              <a:t> </a:t>
+            </a:r>
+            <a:r>
+              <a:rPr lang="ko-KR" altLang="en-US" dirty="0" smtClean="0"/>
+              <a:t>열을 추가한다</a:t>
+            </a:r>
+            <a:r>
+              <a:rPr lang="en-US" altLang="ko-KR" dirty="0" smtClean="0"/>
+              <a:t>. </a:t>
+            </a:r>
+            <a:r>
+              <a:rPr lang="en-US" altLang="ko-KR" dirty="0" err="1" smtClean="0"/>
+              <a:t>agerange</a:t>
+            </a:r>
+            <a:r>
+              <a:rPr lang="en-US" altLang="ko-KR" dirty="0" smtClean="0"/>
+              <a:t> </a:t>
+            </a:r>
+            <a:r>
+              <a:rPr lang="ko-KR" altLang="en-US" dirty="0" smtClean="0"/>
+              <a:t>열은 </a:t>
+            </a:r>
+            <a:r>
+              <a:rPr lang="en-US" altLang="ko-KR" dirty="0" smtClean="0"/>
+              <a:t>age </a:t>
+            </a:r>
+            <a:r>
+              <a:rPr lang="ko-KR" altLang="en-US" dirty="0" smtClean="0"/>
+              <a:t>열에 포함된 나이를 </a:t>
+            </a:r>
+            <a:r>
+              <a:rPr lang="en-US" altLang="ko-KR" dirty="0" smtClean="0"/>
+              <a:t>0~15</a:t>
+            </a:r>
+            <a:r>
+              <a:rPr lang="en-US" altLang="ko-KR" dirty="0" smtClean="0"/>
+              <a:t>, 16~60, 61~120</a:t>
+            </a:r>
+            <a:r>
+              <a:rPr lang="ko-KR" altLang="en-US" dirty="0" smtClean="0"/>
+              <a:t>세로 구분한 범주형 데이터가 </a:t>
+            </a:r>
+            <a:r>
+              <a:rPr lang="ko-KR" altLang="en-US" dirty="0" err="1" smtClean="0"/>
+              <a:t>되도록한다</a:t>
+            </a:r>
+            <a:r>
+              <a:rPr lang="en-US" altLang="ko-KR" dirty="0" smtClean="0"/>
+              <a:t>.</a:t>
+            </a:r>
+          </a:p>
+          <a:p>
+            <a:pPr lvl="2"/>
+            <a:r>
+              <a:rPr lang="en-US" altLang="ko-KR" dirty="0" smtClean="0"/>
+              <a:t>titanic</a:t>
+            </a:r>
+            <a:r>
+              <a:rPr lang="ko-KR" altLang="en-US" dirty="0" smtClean="0"/>
+              <a:t>을 </a:t>
+            </a:r>
+            <a:r>
+              <a:rPr lang="en-US" altLang="ko-KR" dirty="0" err="1" smtClean="0"/>
+              <a:t>agerange</a:t>
+            </a:r>
+            <a:r>
+              <a:rPr lang="ko-KR" altLang="en-US" dirty="0" smtClean="0"/>
+              <a:t>와 </a:t>
+            </a:r>
+            <a:r>
+              <a:rPr lang="en-US" altLang="ko-KR" dirty="0" err="1" smtClean="0"/>
+              <a:t>pcalss</a:t>
+            </a:r>
+            <a:r>
+              <a:rPr lang="ko-KR" altLang="en-US" dirty="0" smtClean="0"/>
+              <a:t>를 기준으로 묶은 </a:t>
+            </a:r>
+            <a:r>
+              <a:rPr lang="en-US" altLang="ko-KR" dirty="0" err="1" smtClean="0"/>
+              <a:t>g_titanic</a:t>
+            </a:r>
+            <a:r>
+              <a:rPr lang="ko-KR" altLang="en-US" dirty="0" smtClean="0"/>
+              <a:t> 객체를 생성한다</a:t>
+            </a:r>
+            <a:r>
+              <a:rPr lang="en-US" altLang="ko-KR" dirty="0" smtClean="0"/>
+              <a:t>.</a:t>
+            </a:r>
+          </a:p>
+          <a:p>
+            <a:pPr lvl="2"/>
+            <a:r>
+              <a:rPr lang="en-US" altLang="ko-KR" dirty="0" err="1" smtClean="0"/>
+              <a:t>g_titanic</a:t>
+            </a:r>
+            <a:r>
+              <a:rPr lang="en-US" altLang="ko-KR" dirty="0" smtClean="0"/>
+              <a:t> </a:t>
+            </a:r>
+            <a:r>
+              <a:rPr lang="ko-KR" altLang="en-US" dirty="0" smtClean="0"/>
+              <a:t>객체를 이용하여 </a:t>
+            </a:r>
+            <a:r>
+              <a:rPr lang="ko-KR" altLang="en-US" dirty="0" smtClean="0"/>
+              <a:t>연령대와 승객등급별 </a:t>
+            </a:r>
+            <a:r>
+              <a:rPr lang="ko-KR" altLang="en-US" dirty="0" smtClean="0"/>
+              <a:t>생존자의 합계</a:t>
+            </a:r>
+            <a:r>
+              <a:rPr lang="en-US" altLang="ko-KR" dirty="0" smtClean="0"/>
+              <a:t>(sum), </a:t>
+            </a:r>
+            <a:r>
+              <a:rPr lang="ko-KR" altLang="en-US" dirty="0" smtClean="0"/>
+              <a:t>승객 합계</a:t>
+            </a:r>
+            <a:r>
+              <a:rPr lang="en-US" altLang="ko-KR" dirty="0" smtClean="0"/>
+              <a:t>(count), </a:t>
+            </a:r>
+            <a:r>
+              <a:rPr lang="ko-KR" altLang="en-US" dirty="0" smtClean="0"/>
+              <a:t>평균</a:t>
+            </a:r>
+            <a:r>
+              <a:rPr lang="en-US" altLang="ko-KR" dirty="0" smtClean="0"/>
+              <a:t>(mean)</a:t>
+            </a:r>
+            <a:r>
+              <a:rPr lang="ko-KR" altLang="en-US" dirty="0" smtClean="0"/>
+              <a:t>을 구한다</a:t>
+            </a:r>
+            <a:r>
+              <a:rPr lang="en-US" altLang="ko-KR" dirty="0" smtClean="0"/>
+              <a:t>.</a:t>
             </a:r>
             <a:endParaRPr lang="en-US" altLang="ko-KR" dirty="0" smtClean="0"/>
           </a:p>
           <a:p>
             <a:pPr lvl="1"/>
-            <a:r>
-              <a:rPr lang="en-US" altLang="ko-KR" dirty="0" err="1" smtClean="0"/>
-              <a:t>conda</a:t>
-            </a:r>
-            <a:r>
-              <a:rPr lang="en-US" altLang="ko-KR" dirty="0" smtClean="0"/>
-              <a:t> create –n py27 python=2.7 anaconda</a:t>
-            </a:r>
+            <a:endParaRPr lang="en-US" altLang="ko-KR" dirty="0" smtClean="0"/>
           </a:p>
           <a:p>
             <a:pPr lvl="1"/>
-            <a:r>
-              <a:rPr lang="en-US" altLang="ko-KR" dirty="0" err="1" smtClean="0"/>
-              <a:t>conda</a:t>
-            </a:r>
-            <a:r>
-              <a:rPr lang="en-US" altLang="ko-KR" dirty="0" smtClean="0"/>
-              <a:t> activate py27</a:t>
-            </a:r>
-          </a:p>
-          <a:p>
-            <a:r>
-              <a:rPr lang="en-US" altLang="ko-KR" dirty="0" smtClean="0"/>
-              <a:t>anaconda navigator</a:t>
-            </a:r>
-            <a:r>
-              <a:rPr lang="ko-KR" altLang="en-US" dirty="0" smtClean="0"/>
-              <a:t>에서 </a:t>
-            </a:r>
-            <a:r>
-              <a:rPr lang="en-US" altLang="ko-KR" dirty="0" smtClean="0"/>
-              <a:t>base </a:t>
-            </a:r>
-            <a:r>
-              <a:rPr lang="ko-KR" altLang="en-US" dirty="0" smtClean="0"/>
-              <a:t>또는 </a:t>
-            </a:r>
-            <a:r>
-              <a:rPr lang="en-US" altLang="ko-KR" dirty="0" smtClean="0"/>
-              <a:t>py27</a:t>
-            </a:r>
-            <a:r>
-              <a:rPr lang="ko-KR" altLang="en-US" dirty="0" smtClean="0"/>
-              <a:t>을 선택하여 </a:t>
-            </a:r>
-            <a:r>
-              <a:rPr lang="en-US" altLang="ko-KR" dirty="0" smtClean="0"/>
-              <a:t>application </a:t>
-            </a:r>
-            <a:r>
-              <a:rPr lang="ko-KR" altLang="en-US" dirty="0" smtClean="0"/>
-              <a:t>실행</a:t>
-            </a:r>
-            <a:endParaRPr lang="ko-KR" altLang="en-US" dirty="0"/>
+            <a:endParaRPr lang="en-US" altLang="ko-KR" dirty="0" smtClean="0"/>
           </a:p>
         </p:txBody>
       </p:sp>
     </p:spTree>
     <p:extLst>
       <p:ext uri="{BB962C8B-B14F-4D97-AF65-F5344CB8AC3E}">
-        <p14:creationId xmlns:p14="http://schemas.microsoft.com/office/powerpoint/2010/main" val="1716625921"/>
+        <p14:creationId xmlns:p14="http://schemas.microsoft.com/office/powerpoint/2010/main" val="3023259224"/>
       </p:ext>
     </p:extLst>
   </p:cSld>
@@ -18289,24 +18517,28 @@
           <a:lstStyle/>
           <a:p>
             <a:r>
-              <a:rPr lang="en-US" altLang="ko-KR" dirty="0" err="1" smtClean="0"/>
-              <a:t>Jupyter</a:t>
-            </a:r>
-            <a:r>
-              <a:rPr lang="en-US" altLang="ko-KR" dirty="0" smtClean="0"/>
-              <a:t> notebook </a:t>
-            </a:r>
-            <a:r>
-              <a:rPr lang="ko-KR" altLang="en-US" dirty="0" smtClean="0"/>
-              <a:t>기본 </a:t>
-            </a:r>
-            <a:r>
               <a:rPr lang="ko-KR" altLang="en-US" dirty="0" err="1" smtClean="0"/>
-              <a:t>디렉토리</a:t>
-            </a:r>
-            <a:r>
-              <a:rPr lang="ko-KR" altLang="en-US" dirty="0" smtClean="0"/>
-              <a:t> 변경</a:t>
+              <a:t>파이썬</a:t>
+            </a:r>
+            <a:r>
+              <a:rPr lang="en-US" altLang="ko-KR" dirty="0" smtClean="0"/>
+              <a:t>2</a:t>
+            </a:r>
+            <a:r>
+              <a:rPr lang="ko-KR" altLang="en-US" dirty="0" smtClean="0"/>
+              <a:t>와 </a:t>
+            </a:r>
+            <a:r>
+              <a:rPr lang="ko-KR" altLang="en-US" dirty="0" err="1" smtClean="0"/>
+              <a:t>파이썬</a:t>
+            </a:r>
+            <a:r>
+              <a:rPr lang="en-US" altLang="ko-KR" dirty="0" smtClean="0"/>
+              <a:t>3 </a:t>
+            </a:r>
+            <a:r>
+              <a:rPr lang="ko-KR" altLang="en-US" dirty="0" smtClean="0"/>
+              <a:t>함께 설치</a:t>
             </a:r>
             <a:endParaRPr lang="ko-KR" altLang="en-US" dirty="0"/>
           </a:p>
@@ -18328,12 +18560,27 @@
           <a:lstStyle/>
           <a:p>
             <a:r>
+              <a:rPr lang="ko-KR" altLang="en-US" dirty="0" smtClean="0"/>
+              <a:t>먼저 </a:t>
+            </a:r>
+            <a:r>
+              <a:rPr lang="en-US" altLang="ko-KR" dirty="0" smtClean="0"/>
+              <a:t>anaconda3</a:t>
+            </a:r>
+            <a:r>
+              <a:rPr lang="ko-KR" altLang="en-US" dirty="0" smtClean="0"/>
+              <a:t>를 설치</a:t>
+            </a:r>
+            <a:endParaRPr lang="en-US" altLang="ko-KR" dirty="0" smtClean="0"/>
+          </a:p>
+          <a:p>
+            <a:r>
               <a:rPr lang="en-US" altLang="ko-KR" dirty="0" smtClean="0"/>
               <a:t>Anaconda prompt</a:t>
             </a:r>
             <a:r>
               <a:rPr lang="ko-KR" altLang="en-US" dirty="0" smtClean="0"/>
-              <a:t>를 이용하여 다음 명령 실행</a:t>
+              <a:t>에서 아래 구문 실행</a:t>
             </a:r>
             <a:endParaRPr lang="en-US" altLang="ko-KR" dirty="0" smtClean="0"/>
           </a:p>
@@ -18341,51 +18588,56 @@
             <a:pPr lvl="1"/>
             <a:r>
               <a:rPr lang="en-US" altLang="ko-KR" dirty="0" err="1" smtClean="0"/>
-              <a:t>jupyter</a:t>
-            </a:r>
-            <a:r>
-              <a:rPr lang="en-US" altLang="ko-KR" dirty="0" smtClean="0"/>
-              <a:t> notebook –generate-</a:t>
-            </a:r>
+              <a:t>conda</a:t>
+            </a:r>
+            <a:r>
+              <a:rPr lang="en-US" altLang="ko-KR" dirty="0" smtClean="0"/>
+              <a:t> create –n py27 python=2.7 anaconda</a:t>
+            </a:r>
+          </a:p>
+          <a:p>
+            <a:pPr lvl="1"/>
             <a:r>
               <a:rPr lang="en-US" altLang="ko-KR" dirty="0" err="1" smtClean="0"/>
-              <a:t>config</a:t>
-            </a:r>
-            <a:endParaRPr lang="en-US" altLang="ko-KR" dirty="0" smtClean="0"/>
-          </a:p>
-          <a:p>
-            <a:pPr lvl="1"/>
-            <a:r>
-              <a:rPr lang="en-US" altLang="ko-KR" dirty="0" smtClean="0"/>
-              <a:t>.</a:t>
-            </a:r>
-            <a:r>
-              <a:rPr lang="en-US" altLang="ko-KR" dirty="0" err="1" smtClean="0"/>
-              <a:t>jupyter</a:t>
-            </a:r>
-            <a:r>
-              <a:rPr lang="en-US" altLang="ko-KR" dirty="0" smtClean="0"/>
-              <a:t> </a:t>
-            </a:r>
-            <a:r>
-              <a:rPr lang="ko-KR" altLang="en-US" dirty="0" err="1" smtClean="0"/>
-              <a:t>디렉토리로</a:t>
-            </a:r>
-            <a:r>
-              <a:rPr lang="ko-KR" altLang="en-US" dirty="0" smtClean="0"/>
-              <a:t> 이동</a:t>
-            </a:r>
-            <a:endParaRPr lang="en-US" altLang="ko-KR" dirty="0" smtClean="0"/>
-          </a:p>
-          <a:p>
-            <a:pPr lvl="1"/>
-            <a:r>
-              <a:rPr lang="en-US" altLang="ko-KR" dirty="0" err="1" smtClean="0"/>
-              <a:t>c.NotebookApp.notebook_dir</a:t>
-            </a:r>
-            <a:r>
-              <a:rPr lang="en-US" altLang="ko-KR" smtClean="0"/>
-              <a:t> =</a:t>
+              <a:t>conda</a:t>
+            </a:r>
+            <a:r>
+              <a:rPr lang="en-US" altLang="ko-KR" dirty="0" smtClean="0"/>
+              <a:t> activate py27</a:t>
+            </a:r>
+          </a:p>
+          <a:p>
+            <a:r>
+              <a:rPr lang="en-US" altLang="ko-KR" dirty="0" smtClean="0"/>
+              <a:t>anaconda navigator</a:t>
+            </a:r>
+            <a:r>
+              <a:rPr lang="ko-KR" altLang="en-US" dirty="0" smtClean="0"/>
+              <a:t>에서 </a:t>
+            </a:r>
+            <a:r>
+              <a:rPr lang="en-US" altLang="ko-KR" dirty="0" smtClean="0"/>
+              <a:t>base </a:t>
+            </a:r>
+            <a:r>
+              <a:rPr lang="ko-KR" altLang="en-US" dirty="0" smtClean="0"/>
+              <a:t>또는 </a:t>
+            </a:r>
+            <a:r>
+              <a:rPr lang="en-US" altLang="ko-KR" dirty="0" smtClean="0"/>
+              <a:t>py27</a:t>
+            </a:r>
+            <a:r>
+              <a:rPr lang="ko-KR" altLang="en-US" dirty="0" smtClean="0"/>
+              <a:t>을 선택하여 </a:t>
+            </a:r>
+            <a:r>
+              <a:rPr lang="en-US" altLang="ko-KR" dirty="0" smtClean="0"/>
+              <a:t>application </a:t>
+            </a:r>
+            <a:r>
+              <a:rPr lang="ko-KR" altLang="en-US" dirty="0" smtClean="0"/>
+              <a:t>실행</a:t>
             </a:r>
             <a:endParaRPr lang="ko-KR" altLang="en-US" dirty="0"/>
           </a:p>
@@ -18394,7 +18646,7 @@
     </p:spTree>
     <p:extLst>
       <p:ext uri="{BB962C8B-B14F-4D97-AF65-F5344CB8AC3E}">
-        <p14:creationId xmlns:p14="http://schemas.microsoft.com/office/powerpoint/2010/main" val="1447456994"/>
+        <p14:creationId xmlns:p14="http://schemas.microsoft.com/office/powerpoint/2010/main" val="1716625921"/>
       </p:ext>
     </p:extLst>
   </p:cSld>
@@ -18445,15 +18697,23 @@
           <a:p>
             <a:r>
               <a:rPr lang="en-US" altLang="ko-KR" dirty="0" err="1" smtClean="0"/>
-              <a:t>Git</a:t>
-            </a:r>
-            <a:r>
-              <a:rPr lang="en-US" altLang="ko-KR" dirty="0" smtClean="0"/>
-              <a:t> hub </a:t>
-            </a:r>
-            <a:r>
-              <a:rPr lang="ko-KR" altLang="en-US" dirty="0" smtClean="0"/>
-              <a:t>사용하기</a:t>
+              <a:t>Jupyter</a:t>
+            </a:r>
+            <a:r>
+              <a:rPr lang="en-US" altLang="ko-KR" dirty="0" smtClean="0"/>
+              <a:t> notebook </a:t>
+            </a:r>
+            <a:r>
+              <a:rPr lang="ko-KR" altLang="en-US" dirty="0" smtClean="0"/>
+              <a:t>기본 </a:t>
+            </a:r>
+            <a:r>
+              <a:rPr lang="ko-KR" altLang="en-US" dirty="0" err="1" smtClean="0"/>
+              <a:t>디렉토리</a:t>
+            </a:r>
+            <a:r>
+              <a:rPr lang="ko-KR" altLang="en-US" dirty="0" smtClean="0"/>
+              <a:t> 변경</a:t>
             </a:r>
             <a:endParaRPr lang="ko-KR" altLang="en-US" dirty="0"/>
           </a:p>
@@ -18475,24 +18735,28 @@
           <a:lstStyle/>
           <a:p>
             <a:r>
-              <a:rPr lang="en-US" altLang="ko-KR" dirty="0">
-                <a:hlinkClick r:id="rId2"/>
-              </a:rPr>
-              <a:t>https://github.com</a:t>
-            </a:r>
-            <a:r>
-              <a:rPr lang="en-US" altLang="ko-KR" dirty="0" smtClean="0">
-                <a:hlinkClick r:id="rId2"/>
-              </a:rPr>
-              <a:t>/</a:t>
+              <a:rPr lang="en-US" altLang="ko-KR" dirty="0" smtClean="0"/>
+              <a:t>Anaconda prompt</a:t>
+            </a:r>
+            <a:r>
+              <a:rPr lang="ko-KR" altLang="en-US" dirty="0" smtClean="0"/>
+              <a:t>를 이용하여 다음 명령 실행</a:t>
             </a:r>
             <a:endParaRPr lang="en-US" altLang="ko-KR" dirty="0" smtClean="0"/>
           </a:p>
           <a:p>
             <a:pPr lvl="1"/>
             <a:r>
-              <a:rPr lang="ko-KR" altLang="en-US" dirty="0" smtClean="0"/>
-              <a:t>회원가입</a:t>
+              <a:rPr lang="en-US" altLang="ko-KR" dirty="0" err="1" smtClean="0"/>
+              <a:t>jupyter</a:t>
+            </a:r>
+            <a:r>
+              <a:rPr lang="en-US" altLang="ko-KR" dirty="0" smtClean="0"/>
+              <a:t> notebook –generate-</a:t>
+            </a:r>
+            <a:r>
+              <a:rPr lang="en-US" altLang="ko-KR" dirty="0" err="1" smtClean="0"/>
+              <a:t>config</a:t>
             </a:r>
             <a:endParaRPr lang="en-US" altLang="ko-KR" dirty="0" smtClean="0"/>
           </a:p>
@@ -18500,80 +18764,35 @@
             <a:pPr lvl="1"/>
             <a:r>
               <a:rPr lang="en-US" altLang="ko-KR" dirty="0" smtClean="0"/>
-              <a:t>Desktop </a:t>
+              <a:t>.</a:t>
             </a:r>
             <a:r>
               <a:rPr lang="en-US" altLang="ko-KR" dirty="0" err="1" smtClean="0"/>
-              <a:t>github</a:t>
+              <a:t>jupyter</a:t>
             </a:r>
             <a:r>
               <a:rPr lang="en-US" altLang="ko-KR" dirty="0" smtClean="0"/>
               <a:t> </a:t>
             </a:r>
             <a:r>
-              <a:rPr lang="ko-KR" altLang="en-US" dirty="0" smtClean="0"/>
-              <a:t>다운로드</a:t>
+              <a:rPr lang="ko-KR" altLang="en-US" dirty="0" err="1" smtClean="0"/>
+              <a:t>디렉토리로</a:t>
+            </a:r>
+            <a:r>
+              <a:rPr lang="ko-KR" altLang="en-US" dirty="0" smtClean="0"/>
+              <a:t> 이동</a:t>
             </a:r>
             <a:endParaRPr lang="en-US" altLang="ko-KR" dirty="0" smtClean="0"/>
           </a:p>
           <a:p>
             <a:pPr lvl="1"/>
             <a:r>
-              <a:rPr lang="en-US" altLang="ko-KR" dirty="0" smtClean="0"/>
-              <a:t>Desktop </a:t>
-            </a:r>
-            <a:r>
               <a:rPr lang="en-US" altLang="ko-KR" dirty="0" err="1" smtClean="0"/>
-              <a:t>github</a:t>
-            </a:r>
-            <a:r>
-              <a:rPr lang="ko-KR" altLang="en-US" dirty="0" smtClean="0"/>
-              <a:t>에 </a:t>
-            </a:r>
-            <a:r>
-              <a:rPr lang="en-US" altLang="ko-KR" dirty="0" smtClean="0"/>
-              <a:t>sign in</a:t>
-            </a:r>
-          </a:p>
-          <a:p>
-            <a:pPr lvl="1"/>
-            <a:r>
-              <a:rPr lang="ko-KR" altLang="en-US" dirty="0" smtClean="0"/>
-              <a:t>저장소 생성</a:t>
-            </a:r>
-            <a:endParaRPr lang="en-US" altLang="ko-KR" dirty="0" smtClean="0"/>
-          </a:p>
-          <a:p>
-            <a:pPr lvl="1"/>
-            <a:r>
-              <a:rPr lang="ko-KR" altLang="en-US" dirty="0" smtClean="0"/>
-              <a:t>저장소 </a:t>
-            </a:r>
-            <a:r>
-              <a:rPr lang="en-US" altLang="ko-KR" dirty="0" smtClean="0"/>
-              <a:t>publish</a:t>
-            </a:r>
-          </a:p>
-          <a:p>
-            <a:pPr lvl="1"/>
-            <a:r>
-              <a:rPr lang="ko-KR" altLang="en-US" dirty="0" smtClean="0"/>
-              <a:t>로컬 저장소를 브라우저로 열기</a:t>
-            </a:r>
-            <a:endParaRPr lang="en-US" altLang="ko-KR" dirty="0" smtClean="0"/>
-          </a:p>
-          <a:p>
-            <a:pPr lvl="1"/>
-            <a:r>
-              <a:rPr lang="en-US" altLang="ko-KR" dirty="0" smtClean="0"/>
-              <a:t>Initial commit</a:t>
-            </a:r>
-          </a:p>
-          <a:p>
-            <a:pPr lvl="1"/>
-            <a:r>
-              <a:rPr lang="en-US" altLang="ko-KR" dirty="0" smtClean="0"/>
-              <a:t>push</a:t>
+              <a:t>c.NotebookApp.notebook_dir</a:t>
+            </a:r>
+            <a:r>
+              <a:rPr lang="en-US" altLang="ko-KR" smtClean="0"/>
+              <a:t> =</a:t>
             </a:r>
             <a:endParaRPr lang="ko-KR" altLang="en-US" dirty="0"/>
           </a:p>
@@ -18582,7 +18801,7 @@
     </p:spTree>
     <p:extLst>
       <p:ext uri="{BB962C8B-B14F-4D97-AF65-F5344CB8AC3E}">
-        <p14:creationId xmlns:p14="http://schemas.microsoft.com/office/powerpoint/2010/main" val="131232343"/>
+        <p14:creationId xmlns:p14="http://schemas.microsoft.com/office/powerpoint/2010/main" val="1447456994"/>
       </p:ext>
     </p:extLst>
   </p:cSld>
@@ -18631,7 +18850,19 @@
           <a:bodyPr/>
           <a:lstStyle/>
           <a:p>
-            <a:endParaRPr lang="ko-KR" altLang="en-US"/>
+            <a:r>
+              <a:rPr lang="en-US" altLang="ko-KR" dirty="0" err="1" smtClean="0"/>
+              <a:t>Git</a:t>
+            </a:r>
+            <a:r>
+              <a:rPr lang="en-US" altLang="ko-KR" dirty="0" smtClean="0"/>
+              <a:t> hub </a:t>
+            </a:r>
+            <a:r>
+              <a:rPr lang="ko-KR" altLang="en-US" dirty="0" smtClean="0"/>
+              <a:t>사용하기</a:t>
+            </a:r>
+            <a:endParaRPr lang="ko-KR" altLang="en-US" dirty="0"/>
           </a:p>
         </p:txBody>
       </p:sp>
@@ -18650,692 +18881,115 @@
           <a:bodyPr/>
           <a:lstStyle/>
           <a:p>
+            <a:r>
+              <a:rPr lang="en-US" altLang="ko-KR" dirty="0">
+                <a:hlinkClick r:id="rId2"/>
+              </a:rPr>
+              <a:t>https://github.com</a:t>
+            </a:r>
+            <a:r>
+              <a:rPr lang="en-US" altLang="ko-KR" dirty="0" smtClean="0">
+                <a:hlinkClick r:id="rId2"/>
+              </a:rPr>
+              <a:t>/</a:t>
+            </a:r>
+            <a:endParaRPr lang="en-US" altLang="ko-KR" dirty="0" smtClean="0"/>
+          </a:p>
+          <a:p>
+            <a:pPr lvl="1"/>
+            <a:r>
+              <a:rPr lang="ko-KR" altLang="en-US" dirty="0" smtClean="0"/>
+              <a:t>회원가입</a:t>
+            </a:r>
+            <a:endParaRPr lang="en-US" altLang="ko-KR" dirty="0" smtClean="0"/>
+          </a:p>
+          <a:p>
+            <a:pPr lvl="1"/>
+            <a:r>
+              <a:rPr lang="en-US" altLang="ko-KR" dirty="0" smtClean="0"/>
+              <a:t>Desktop </a:t>
+            </a:r>
+            <a:r>
+              <a:rPr lang="en-US" altLang="ko-KR" dirty="0" err="1" smtClean="0"/>
+              <a:t>github</a:t>
+            </a:r>
+            <a:r>
+              <a:rPr lang="en-US" altLang="ko-KR" dirty="0" smtClean="0"/>
+              <a:t> </a:t>
+            </a:r>
+            <a:r>
+              <a:rPr lang="ko-KR" altLang="en-US" dirty="0" smtClean="0"/>
+              <a:t>다운로드</a:t>
+            </a:r>
+            <a:endParaRPr lang="en-US" altLang="ko-KR" dirty="0" smtClean="0"/>
+          </a:p>
+          <a:p>
+            <a:pPr lvl="1"/>
+            <a:r>
+              <a:rPr lang="en-US" altLang="ko-KR" dirty="0" smtClean="0"/>
+              <a:t>Desktop </a:t>
+            </a:r>
+            <a:r>
+              <a:rPr lang="en-US" altLang="ko-KR" dirty="0" err="1" smtClean="0"/>
+              <a:t>github</a:t>
+            </a:r>
+            <a:r>
+              <a:rPr lang="ko-KR" altLang="en-US" dirty="0" smtClean="0"/>
+              <a:t>에 </a:t>
+            </a:r>
+            <a:r>
+              <a:rPr lang="en-US" altLang="ko-KR" dirty="0" smtClean="0"/>
+              <a:t>sign in</a:t>
+            </a:r>
+          </a:p>
+          <a:p>
+            <a:pPr lvl="1"/>
+            <a:r>
+              <a:rPr lang="ko-KR" altLang="en-US" dirty="0" smtClean="0"/>
+              <a:t>저장소 생성</a:t>
+            </a:r>
+            <a:endParaRPr lang="en-US" altLang="ko-KR" dirty="0" smtClean="0"/>
+          </a:p>
+          <a:p>
+            <a:pPr lvl="1"/>
+            <a:r>
+              <a:rPr lang="ko-KR" altLang="en-US" dirty="0" smtClean="0"/>
+              <a:t>저장소 </a:t>
+            </a:r>
+            <a:r>
+              <a:rPr lang="en-US" altLang="ko-KR" dirty="0" smtClean="0"/>
+              <a:t>publish</a:t>
+            </a:r>
+          </a:p>
+          <a:p>
+            <a:pPr lvl="1"/>
+            <a:r>
+              <a:rPr lang="ko-KR" altLang="en-US" dirty="0" smtClean="0"/>
+              <a:t>로컬 저장소를 브라우저로 열기</a:t>
+            </a:r>
+            <a:endParaRPr lang="en-US" altLang="ko-KR" dirty="0" smtClean="0"/>
+          </a:p>
+          <a:p>
+            <a:pPr lvl="1"/>
+            <a:r>
+              <a:rPr lang="en-US" altLang="ko-KR" dirty="0" smtClean="0"/>
+              <a:t>Initial commit</a:t>
+            </a:r>
+          </a:p>
+          <a:p>
+            <a:pPr lvl="1"/>
+            <a:r>
+              <a:rPr lang="en-US" altLang="ko-KR" dirty="0" smtClean="0"/>
+              <a:t>push</a:t>
+            </a:r>
             <a:endParaRPr lang="ko-KR" altLang="en-US" dirty="0"/>
-          </a:p>
-        </p:txBody>
-      </p:sp>
-      <p:sp>
-        <p:nvSpPr>
-          <p:cNvPr id="4" name="직사각형 3"/>
-          <p:cNvSpPr/>
-          <p:nvPr/>
-        </p:nvSpPr>
-        <p:spPr>
-          <a:xfrm>
-            <a:off x="1424608" y="1556792"/>
-            <a:ext cx="360040" cy="360040"/>
-          </a:xfrm>
-          <a:prstGeom prst="rect">
-            <a:avLst/>
-          </a:prstGeom>
-          <a:solidFill>
-            <a:srgbClr val="D1D1D1"/>
-          </a:solidFill>
-          <a:ln w="6350">
-            <a:solidFill>
-              <a:schemeClr val="tx1">
-                <a:lumMod val="50000"/>
-                <a:lumOff val="50000"/>
-              </a:schemeClr>
-            </a:solidFill>
-          </a:ln>
-        </p:spPr>
-        <p:style>
-          <a:lnRef idx="2">
-            <a:schemeClr val="accent1">
-              <a:shade val="50000"/>
-            </a:schemeClr>
-          </a:lnRef>
-          <a:fillRef idx="1">
-            <a:schemeClr val="accent1"/>
-          </a:fillRef>
-          <a:effectRef idx="0">
-            <a:schemeClr val="accent1"/>
-          </a:effectRef>
-          <a:fontRef idx="minor">
-            <a:schemeClr val="lt1"/>
-          </a:fontRef>
-        </p:style>
-        <p:txBody>
-          <a:bodyPr lIns="0" tIns="0" rIns="0" bIns="0" rtlCol="0" anchor="ctr"/>
-          <a:lstStyle/>
-          <a:p>
-            <a:pPr algn="ctr"/>
-            <a:r>
-              <a:rPr lang="en-US" altLang="ko-KR" sz="1400" b="1" dirty="0" smtClean="0">
-                <a:solidFill>
-                  <a:schemeClr val="tx1"/>
-                </a:solidFill>
-              </a:rPr>
-              <a:t>0</a:t>
-            </a:r>
-            <a:endParaRPr lang="ko-KR" altLang="en-US" sz="1400" b="1" dirty="0">
-              <a:solidFill>
-                <a:schemeClr val="tx1"/>
-              </a:solidFill>
-            </a:endParaRPr>
-          </a:p>
-        </p:txBody>
-      </p:sp>
-      <p:sp>
-        <p:nvSpPr>
-          <p:cNvPr id="5" name="직사각형 4"/>
-          <p:cNvSpPr/>
-          <p:nvPr/>
-        </p:nvSpPr>
-        <p:spPr>
-          <a:xfrm>
-            <a:off x="1424608" y="1932092"/>
-            <a:ext cx="360040" cy="360040"/>
-          </a:xfrm>
-          <a:prstGeom prst="rect">
-            <a:avLst/>
-          </a:prstGeom>
-          <a:solidFill>
-            <a:srgbClr val="D1D1D1"/>
-          </a:solidFill>
-          <a:ln w="6350">
-            <a:solidFill>
-              <a:schemeClr val="tx1">
-                <a:lumMod val="50000"/>
-                <a:lumOff val="50000"/>
-              </a:schemeClr>
-            </a:solidFill>
-          </a:ln>
-        </p:spPr>
-        <p:style>
-          <a:lnRef idx="2">
-            <a:schemeClr val="accent1">
-              <a:shade val="50000"/>
-            </a:schemeClr>
-          </a:lnRef>
-          <a:fillRef idx="1">
-            <a:schemeClr val="accent1"/>
-          </a:fillRef>
-          <a:effectRef idx="0">
-            <a:schemeClr val="accent1"/>
-          </a:effectRef>
-          <a:fontRef idx="minor">
-            <a:schemeClr val="lt1"/>
-          </a:fontRef>
-        </p:style>
-        <p:txBody>
-          <a:bodyPr lIns="0" tIns="0" rIns="0" bIns="0" rtlCol="0" anchor="ctr"/>
-          <a:lstStyle/>
-          <a:p>
-            <a:pPr algn="ctr"/>
-            <a:r>
-              <a:rPr lang="en-US" altLang="ko-KR" sz="1400" b="1" dirty="0" smtClean="0">
-                <a:solidFill>
-                  <a:schemeClr val="tx1"/>
-                </a:solidFill>
-              </a:rPr>
-              <a:t>1</a:t>
-            </a:r>
-            <a:endParaRPr lang="ko-KR" altLang="en-US" sz="1400" b="1" dirty="0">
-              <a:solidFill>
-                <a:schemeClr val="tx1"/>
-              </a:solidFill>
-            </a:endParaRPr>
-          </a:p>
-        </p:txBody>
-      </p:sp>
-      <p:sp>
-        <p:nvSpPr>
-          <p:cNvPr id="6" name="직사각형 5"/>
-          <p:cNvSpPr/>
-          <p:nvPr/>
-        </p:nvSpPr>
-        <p:spPr>
-          <a:xfrm>
-            <a:off x="1424608" y="2307392"/>
-            <a:ext cx="360040" cy="360040"/>
-          </a:xfrm>
-          <a:prstGeom prst="rect">
-            <a:avLst/>
-          </a:prstGeom>
-          <a:solidFill>
-            <a:srgbClr val="D1D1D1"/>
-          </a:solidFill>
-          <a:ln w="6350">
-            <a:solidFill>
-              <a:schemeClr val="tx1">
-                <a:lumMod val="50000"/>
-                <a:lumOff val="50000"/>
-              </a:schemeClr>
-            </a:solidFill>
-          </a:ln>
-        </p:spPr>
-        <p:style>
-          <a:lnRef idx="2">
-            <a:schemeClr val="accent1">
-              <a:shade val="50000"/>
-            </a:schemeClr>
-          </a:lnRef>
-          <a:fillRef idx="1">
-            <a:schemeClr val="accent1"/>
-          </a:fillRef>
-          <a:effectRef idx="0">
-            <a:schemeClr val="accent1"/>
-          </a:effectRef>
-          <a:fontRef idx="minor">
-            <a:schemeClr val="lt1"/>
-          </a:fontRef>
-        </p:style>
-        <p:txBody>
-          <a:bodyPr lIns="0" tIns="0" rIns="0" bIns="0" rtlCol="0" anchor="ctr"/>
-          <a:lstStyle/>
-          <a:p>
-            <a:pPr algn="ctr"/>
-            <a:r>
-              <a:rPr lang="en-US" altLang="ko-KR" sz="1400" b="1" dirty="0" smtClean="0">
-                <a:solidFill>
-                  <a:schemeClr val="tx1"/>
-                </a:solidFill>
-              </a:rPr>
-              <a:t>2</a:t>
-            </a:r>
-            <a:endParaRPr lang="ko-KR" altLang="en-US" sz="1400" b="1" dirty="0">
-              <a:solidFill>
-                <a:schemeClr val="tx1"/>
-              </a:solidFill>
-            </a:endParaRPr>
-          </a:p>
-        </p:txBody>
-      </p:sp>
-      <p:sp>
-        <p:nvSpPr>
-          <p:cNvPr id="7" name="직사각형 6"/>
-          <p:cNvSpPr/>
-          <p:nvPr/>
-        </p:nvSpPr>
-        <p:spPr>
-          <a:xfrm>
-            <a:off x="1424608" y="2682692"/>
-            <a:ext cx="360040" cy="360040"/>
-          </a:xfrm>
-          <a:prstGeom prst="rect">
-            <a:avLst/>
-          </a:prstGeom>
-          <a:solidFill>
-            <a:srgbClr val="D1D1D1"/>
-          </a:solidFill>
-          <a:ln w="6350">
-            <a:solidFill>
-              <a:schemeClr val="tx1">
-                <a:lumMod val="50000"/>
-                <a:lumOff val="50000"/>
-              </a:schemeClr>
-            </a:solidFill>
-          </a:ln>
-        </p:spPr>
-        <p:style>
-          <a:lnRef idx="2">
-            <a:schemeClr val="accent1">
-              <a:shade val="50000"/>
-            </a:schemeClr>
-          </a:lnRef>
-          <a:fillRef idx="1">
-            <a:schemeClr val="accent1"/>
-          </a:fillRef>
-          <a:effectRef idx="0">
-            <a:schemeClr val="accent1"/>
-          </a:effectRef>
-          <a:fontRef idx="minor">
-            <a:schemeClr val="lt1"/>
-          </a:fontRef>
-        </p:style>
-        <p:txBody>
-          <a:bodyPr lIns="0" tIns="0" rIns="0" bIns="0" rtlCol="0" anchor="ctr"/>
-          <a:lstStyle/>
-          <a:p>
-            <a:pPr algn="ctr"/>
-            <a:r>
-              <a:rPr lang="en-US" altLang="ko-KR" sz="1400" b="1" dirty="0" smtClean="0">
-                <a:solidFill>
-                  <a:schemeClr val="tx1"/>
-                </a:solidFill>
-              </a:rPr>
-              <a:t>3</a:t>
-            </a:r>
-            <a:endParaRPr lang="ko-KR" altLang="en-US" sz="1400" b="1" dirty="0">
-              <a:solidFill>
-                <a:schemeClr val="tx1"/>
-              </a:solidFill>
-            </a:endParaRPr>
-          </a:p>
-        </p:txBody>
-      </p:sp>
-      <p:sp>
-        <p:nvSpPr>
-          <p:cNvPr id="8" name="직사각형 7"/>
-          <p:cNvSpPr/>
-          <p:nvPr/>
-        </p:nvSpPr>
-        <p:spPr>
-          <a:xfrm>
-            <a:off x="1424608" y="3057992"/>
-            <a:ext cx="360040" cy="360040"/>
-          </a:xfrm>
-          <a:prstGeom prst="rect">
-            <a:avLst/>
-          </a:prstGeom>
-          <a:solidFill>
-            <a:srgbClr val="D1D1D1"/>
-          </a:solidFill>
-          <a:ln w="6350">
-            <a:solidFill>
-              <a:schemeClr val="tx1">
-                <a:lumMod val="50000"/>
-                <a:lumOff val="50000"/>
-              </a:schemeClr>
-            </a:solidFill>
-          </a:ln>
-        </p:spPr>
-        <p:style>
-          <a:lnRef idx="2">
-            <a:schemeClr val="accent1">
-              <a:shade val="50000"/>
-            </a:schemeClr>
-          </a:lnRef>
-          <a:fillRef idx="1">
-            <a:schemeClr val="accent1"/>
-          </a:fillRef>
-          <a:effectRef idx="0">
-            <a:schemeClr val="accent1"/>
-          </a:effectRef>
-          <a:fontRef idx="minor">
-            <a:schemeClr val="lt1"/>
-          </a:fontRef>
-        </p:style>
-        <p:txBody>
-          <a:bodyPr lIns="0" tIns="0" rIns="0" bIns="0" rtlCol="0" anchor="ctr"/>
-          <a:lstStyle/>
-          <a:p>
-            <a:pPr algn="ctr"/>
-            <a:r>
-              <a:rPr lang="en-US" altLang="ko-KR" sz="1400" b="1" dirty="0" smtClean="0">
-                <a:solidFill>
-                  <a:schemeClr val="tx1"/>
-                </a:solidFill>
-              </a:rPr>
-              <a:t>4</a:t>
-            </a:r>
-            <a:endParaRPr lang="ko-KR" altLang="en-US" sz="1400" b="1" dirty="0">
-              <a:solidFill>
-                <a:schemeClr val="tx1"/>
-              </a:solidFill>
-            </a:endParaRPr>
-          </a:p>
-        </p:txBody>
-      </p:sp>
-      <p:sp>
-        <p:nvSpPr>
-          <p:cNvPr id="9" name="직사각형 8"/>
-          <p:cNvSpPr/>
-          <p:nvPr/>
-        </p:nvSpPr>
-        <p:spPr>
-          <a:xfrm>
-            <a:off x="1784648" y="1556792"/>
-            <a:ext cx="1584176" cy="360040"/>
-          </a:xfrm>
-          <a:prstGeom prst="rect">
-            <a:avLst/>
-          </a:prstGeom>
-          <a:solidFill>
-            <a:srgbClr val="FFEFCF"/>
-          </a:solidFill>
-          <a:ln w="6350">
-            <a:solidFill>
-              <a:schemeClr val="tx1">
-                <a:lumMod val="50000"/>
-                <a:lumOff val="50000"/>
-              </a:schemeClr>
-            </a:solidFill>
-          </a:ln>
-        </p:spPr>
-        <p:style>
-          <a:lnRef idx="2">
-            <a:schemeClr val="accent1">
-              <a:shade val="50000"/>
-            </a:schemeClr>
-          </a:lnRef>
-          <a:fillRef idx="1">
-            <a:schemeClr val="accent1"/>
-          </a:fillRef>
-          <a:effectRef idx="0">
-            <a:schemeClr val="accent1"/>
-          </a:effectRef>
-          <a:fontRef idx="minor">
-            <a:schemeClr val="lt1"/>
-          </a:fontRef>
-        </p:style>
-        <p:txBody>
-          <a:bodyPr lIns="0" tIns="0" rIns="0" bIns="0" rtlCol="0" anchor="ctr"/>
-          <a:lstStyle/>
-          <a:p>
-            <a:pPr algn="ctr"/>
-            <a:r>
-              <a:rPr lang="en-US" altLang="ko-KR" sz="1400" b="1" dirty="0" smtClean="0">
-                <a:solidFill>
-                  <a:schemeClr val="tx1"/>
-                </a:solidFill>
-              </a:rPr>
-              <a:t>0</a:t>
-            </a:r>
-            <a:endParaRPr lang="ko-KR" altLang="en-US" sz="1400" b="1" dirty="0">
-              <a:solidFill>
-                <a:schemeClr val="tx1"/>
-              </a:solidFill>
-            </a:endParaRPr>
-          </a:p>
-        </p:txBody>
-      </p:sp>
-      <p:sp>
-        <p:nvSpPr>
-          <p:cNvPr id="10" name="직사각형 9"/>
-          <p:cNvSpPr/>
-          <p:nvPr/>
-        </p:nvSpPr>
-        <p:spPr>
-          <a:xfrm>
-            <a:off x="1784648" y="1932092"/>
-            <a:ext cx="1584176" cy="360040"/>
-          </a:xfrm>
-          <a:prstGeom prst="rect">
-            <a:avLst/>
-          </a:prstGeom>
-          <a:solidFill>
-            <a:srgbClr val="FFEFCF"/>
-          </a:solidFill>
-          <a:ln w="6350">
-            <a:solidFill>
-              <a:schemeClr val="tx1">
-                <a:lumMod val="50000"/>
-                <a:lumOff val="50000"/>
-              </a:schemeClr>
-            </a:solidFill>
-          </a:ln>
-        </p:spPr>
-        <p:style>
-          <a:lnRef idx="2">
-            <a:schemeClr val="accent1">
-              <a:shade val="50000"/>
-            </a:schemeClr>
-          </a:lnRef>
-          <a:fillRef idx="1">
-            <a:schemeClr val="accent1"/>
-          </a:fillRef>
-          <a:effectRef idx="0">
-            <a:schemeClr val="accent1"/>
-          </a:effectRef>
-          <a:fontRef idx="minor">
-            <a:schemeClr val="lt1"/>
-          </a:fontRef>
-        </p:style>
-        <p:txBody>
-          <a:bodyPr lIns="0" tIns="0" rIns="0" bIns="0" rtlCol="0" anchor="ctr"/>
-          <a:lstStyle/>
-          <a:p>
-            <a:pPr algn="ctr"/>
-            <a:r>
-              <a:rPr lang="en-US" altLang="ko-KR" sz="1400" b="1" dirty="0" smtClean="0">
-                <a:solidFill>
-                  <a:schemeClr val="tx1"/>
-                </a:solidFill>
-              </a:rPr>
-              <a:t>1</a:t>
-            </a:r>
-            <a:endParaRPr lang="ko-KR" altLang="en-US" sz="1400" b="1" dirty="0">
-              <a:solidFill>
-                <a:schemeClr val="tx1"/>
-              </a:solidFill>
-            </a:endParaRPr>
-          </a:p>
-        </p:txBody>
-      </p:sp>
-      <p:sp>
-        <p:nvSpPr>
-          <p:cNvPr id="11" name="직사각형 10"/>
-          <p:cNvSpPr/>
-          <p:nvPr/>
-        </p:nvSpPr>
-        <p:spPr>
-          <a:xfrm>
-            <a:off x="1784648" y="2307392"/>
-            <a:ext cx="1584176" cy="360040"/>
-          </a:xfrm>
-          <a:prstGeom prst="rect">
-            <a:avLst/>
-          </a:prstGeom>
-          <a:solidFill>
-            <a:srgbClr val="FFEFCF"/>
-          </a:solidFill>
-          <a:ln w="6350">
-            <a:solidFill>
-              <a:schemeClr val="tx1">
-                <a:lumMod val="50000"/>
-                <a:lumOff val="50000"/>
-              </a:schemeClr>
-            </a:solidFill>
-          </a:ln>
-        </p:spPr>
-        <p:style>
-          <a:lnRef idx="2">
-            <a:schemeClr val="accent1">
-              <a:shade val="50000"/>
-            </a:schemeClr>
-          </a:lnRef>
-          <a:fillRef idx="1">
-            <a:schemeClr val="accent1"/>
-          </a:fillRef>
-          <a:effectRef idx="0">
-            <a:schemeClr val="accent1"/>
-          </a:effectRef>
-          <a:fontRef idx="minor">
-            <a:schemeClr val="lt1"/>
-          </a:fontRef>
-        </p:style>
-        <p:txBody>
-          <a:bodyPr lIns="0" tIns="0" rIns="0" bIns="0" rtlCol="0" anchor="ctr"/>
-          <a:lstStyle/>
-          <a:p>
-            <a:pPr algn="ctr"/>
-            <a:r>
-              <a:rPr lang="en-US" altLang="ko-KR" sz="1400" b="1" dirty="0" smtClean="0">
-                <a:solidFill>
-                  <a:schemeClr val="tx1"/>
-                </a:solidFill>
-              </a:rPr>
-              <a:t>2</a:t>
-            </a:r>
-            <a:endParaRPr lang="ko-KR" altLang="en-US" sz="1400" b="1" dirty="0">
-              <a:solidFill>
-                <a:schemeClr val="tx1"/>
-              </a:solidFill>
-            </a:endParaRPr>
-          </a:p>
-        </p:txBody>
-      </p:sp>
-      <p:sp>
-        <p:nvSpPr>
-          <p:cNvPr id="12" name="직사각형 11"/>
-          <p:cNvSpPr/>
-          <p:nvPr/>
-        </p:nvSpPr>
-        <p:spPr>
-          <a:xfrm>
-            <a:off x="1784648" y="2682692"/>
-            <a:ext cx="1584176" cy="360040"/>
-          </a:xfrm>
-          <a:prstGeom prst="rect">
-            <a:avLst/>
-          </a:prstGeom>
-          <a:solidFill>
-            <a:srgbClr val="FFEFCF"/>
-          </a:solidFill>
-          <a:ln w="6350">
-            <a:solidFill>
-              <a:schemeClr val="tx1">
-                <a:lumMod val="50000"/>
-                <a:lumOff val="50000"/>
-              </a:schemeClr>
-            </a:solidFill>
-          </a:ln>
-        </p:spPr>
-        <p:style>
-          <a:lnRef idx="2">
-            <a:schemeClr val="accent1">
-              <a:shade val="50000"/>
-            </a:schemeClr>
-          </a:lnRef>
-          <a:fillRef idx="1">
-            <a:schemeClr val="accent1"/>
-          </a:fillRef>
-          <a:effectRef idx="0">
-            <a:schemeClr val="accent1"/>
-          </a:effectRef>
-          <a:fontRef idx="minor">
-            <a:schemeClr val="lt1"/>
-          </a:fontRef>
-        </p:style>
-        <p:txBody>
-          <a:bodyPr lIns="0" tIns="0" rIns="0" bIns="0" rtlCol="0" anchor="ctr"/>
-          <a:lstStyle/>
-          <a:p>
-            <a:pPr algn="ctr"/>
-            <a:r>
-              <a:rPr lang="en-US" altLang="ko-KR" sz="1400" b="1" dirty="0" smtClean="0">
-                <a:solidFill>
-                  <a:schemeClr val="tx1"/>
-                </a:solidFill>
-              </a:rPr>
-              <a:t>3</a:t>
-            </a:r>
-            <a:endParaRPr lang="ko-KR" altLang="en-US" sz="1400" b="1" dirty="0">
-              <a:solidFill>
-                <a:schemeClr val="tx1"/>
-              </a:solidFill>
-            </a:endParaRPr>
-          </a:p>
-        </p:txBody>
-      </p:sp>
-      <p:sp>
-        <p:nvSpPr>
-          <p:cNvPr id="13" name="직사각형 12"/>
-          <p:cNvSpPr/>
-          <p:nvPr/>
-        </p:nvSpPr>
-        <p:spPr>
-          <a:xfrm>
-            <a:off x="1784648" y="3057992"/>
-            <a:ext cx="1584176" cy="360040"/>
-          </a:xfrm>
-          <a:prstGeom prst="rect">
-            <a:avLst/>
-          </a:prstGeom>
-          <a:solidFill>
-            <a:srgbClr val="FFEFCF"/>
-          </a:solidFill>
-          <a:ln w="6350">
-            <a:solidFill>
-              <a:schemeClr val="tx1">
-                <a:lumMod val="50000"/>
-                <a:lumOff val="50000"/>
-              </a:schemeClr>
-            </a:solidFill>
-          </a:ln>
-        </p:spPr>
-        <p:style>
-          <a:lnRef idx="2">
-            <a:schemeClr val="accent1">
-              <a:shade val="50000"/>
-            </a:schemeClr>
-          </a:lnRef>
-          <a:fillRef idx="1">
-            <a:schemeClr val="accent1"/>
-          </a:fillRef>
-          <a:effectRef idx="0">
-            <a:schemeClr val="accent1"/>
-          </a:effectRef>
-          <a:fontRef idx="minor">
-            <a:schemeClr val="lt1"/>
-          </a:fontRef>
-        </p:style>
-        <p:txBody>
-          <a:bodyPr lIns="0" tIns="0" rIns="0" bIns="0" rtlCol="0" anchor="ctr"/>
-          <a:lstStyle/>
-          <a:p>
-            <a:pPr algn="ctr"/>
-            <a:r>
-              <a:rPr lang="en-US" altLang="ko-KR" sz="1400" b="1" dirty="0" smtClean="0">
-                <a:solidFill>
-                  <a:schemeClr val="tx1"/>
-                </a:solidFill>
-              </a:rPr>
-              <a:t>4</a:t>
-            </a:r>
-            <a:endParaRPr lang="ko-KR" altLang="en-US" sz="1400" b="1" dirty="0">
-              <a:solidFill>
-                <a:schemeClr val="tx1"/>
-              </a:solidFill>
-            </a:endParaRPr>
-          </a:p>
-        </p:txBody>
-      </p:sp>
-      <p:sp>
-        <p:nvSpPr>
-          <p:cNvPr id="14" name="TextBox 13"/>
-          <p:cNvSpPr txBox="1"/>
-          <p:nvPr/>
-        </p:nvSpPr>
-        <p:spPr>
-          <a:xfrm>
-            <a:off x="3368824" y="4077072"/>
-            <a:ext cx="1872208" cy="338950"/>
-          </a:xfrm>
-          <a:prstGeom prst="rect">
-            <a:avLst/>
-          </a:prstGeom>
-          <a:noFill/>
-          <a:ln w="3175">
-            <a:solidFill>
-              <a:schemeClr val="bg1">
-                <a:lumMod val="65000"/>
-              </a:schemeClr>
-            </a:solidFill>
-          </a:ln>
-          <a:effectLst>
-            <a:innerShdw blurRad="63500" dist="50800" dir="13500000">
-              <a:prstClr val="black">
-                <a:alpha val="50000"/>
-              </a:prstClr>
-            </a:innerShdw>
-          </a:effectLst>
-        </p:spPr>
-        <p:txBody>
-          <a:bodyPr wrap="square" lIns="90000" tIns="90000" rIns="90000" bIns="90000" rtlCol="0">
-            <a:noAutofit/>
-          </a:bodyPr>
-          <a:lstStyle/>
-          <a:p>
-            <a:r>
-              <a:rPr lang="en-US" altLang="ko-KR" sz="1200" dirty="0" smtClean="0">
-                <a:latin typeface="Consolas" panose="020B0609020204030204" pitchFamily="49" charset="0"/>
-              </a:rPr>
-              <a:t>df1.reindex(0, 1, 2)</a:t>
-            </a:r>
-            <a:endParaRPr lang="en-US" altLang="ko-KR" sz="1200" dirty="0">
-              <a:latin typeface="Consolas" panose="020B0609020204030204" pitchFamily="49" charset="0"/>
-            </a:endParaRPr>
           </a:p>
         </p:txBody>
       </p:sp>
     </p:spTree>
     <p:extLst>
       <p:ext uri="{BB962C8B-B14F-4D97-AF65-F5344CB8AC3E}">
-        <p14:creationId xmlns:p14="http://schemas.microsoft.com/office/powerpoint/2010/main" val="91638500"/>
+        <p14:creationId xmlns:p14="http://schemas.microsoft.com/office/powerpoint/2010/main" val="131232343"/>
       </p:ext>
     </p:extLst>
   </p:cSld>
@@ -19690,7 +19344,7 @@
                   <a:srgbClr val="FF0000"/>
                 </a:solidFill>
               </a:rPr>
-              <a:t>5</a:t>
+              <a:t>4</a:t>
             </a:r>
             <a:r>
               <a:rPr lang="ko-KR" altLang="en-US" dirty="0" smtClean="0">

--- a/한2018_파이썬을 활용한 데이터 분석_강의개요.pptx
+++ b/한2018_파이썬을 활용한 데이터 분석_강의개요.pptx
@@ -7,16 +7,16 @@
     <p:sldMasterId id="2147483687" r:id="rId3"/>
   </p:sldMasterIdLst>
   <p:notesMasterIdLst>
-    <p:notesMasterId r:id="rId20"/>
+    <p:notesMasterId r:id="rId21"/>
   </p:notesMasterIdLst>
   <p:handoutMasterIdLst>
-    <p:handoutMasterId r:id="rId21"/>
+    <p:handoutMasterId r:id="rId22"/>
   </p:handoutMasterIdLst>
   <p:sldIdLst>
     <p:sldId id="1553" r:id="rId4"/>
     <p:sldId id="2094" r:id="rId5"/>
-    <p:sldId id="2093" r:id="rId6"/>
-    <p:sldId id="2105" r:id="rId7"/>
+    <p:sldId id="2105" r:id="rId6"/>
+    <p:sldId id="2093" r:id="rId7"/>
     <p:sldId id="2097" r:id="rId8"/>
     <p:sldId id="2099" r:id="rId9"/>
     <p:sldId id="2100" r:id="rId10"/>
@@ -26,9 +26,10 @@
     <p:sldId id="2103" r:id="rId14"/>
     <p:sldId id="2107" r:id="rId15"/>
     <p:sldId id="2108" r:id="rId16"/>
-    <p:sldId id="2096" r:id="rId17"/>
-    <p:sldId id="2098" r:id="rId18"/>
-    <p:sldId id="2095" r:id="rId19"/>
+    <p:sldId id="2109" r:id="rId17"/>
+    <p:sldId id="2096" r:id="rId18"/>
+    <p:sldId id="2098" r:id="rId19"/>
+    <p:sldId id="2095" r:id="rId20"/>
   </p:sldIdLst>
   <p:sldSz cx="9906000" cy="6858000" type="A4"/>
   <p:notesSz cx="7016750" cy="9302750"/>
@@ -242,7 +243,7 @@
           <a:p>
             <a:fld id="{EED6BC92-8766-470F-B2F7-967053648231}" type="datetimeFigureOut">
               <a:rPr lang="ko-KR" altLang="en-US" smtClean="0"/>
-              <a:t>2018-06-12</a:t>
+              <a:t>2018-06-14</a:t>
             </a:fld>
             <a:endParaRPr lang="ko-KR" altLang="en-US"/>
           </a:p>
@@ -408,7 +409,7 @@
             <a:fld id="{D5D70811-BB17-44EC-93F5-EBED80FC02C9}" type="datetimeFigureOut">
               <a:rPr lang="ko-KR" altLang="en-US" smtClean="0"/>
               <a:pPr/>
-              <a:t>2018-06-12</a:t>
+              <a:t>2018-06-14</a:t>
             </a:fld>
             <a:endParaRPr lang="ko-KR" altLang="en-US"/>
           </a:p>
@@ -1151,7 +1152,7 @@
                 <a:tabLst/>
                 <a:defRPr/>
               </a:pPr>
-              <a:t>2018-06-12</a:t>
+              <a:t>2018-06-14</a:t>
             </a:fld>
             <a:endParaRPr kumimoji="0" lang="ko-KR" altLang="en-US" sz="1100" b="0" i="0" u="none" strike="noStrike" kern="1200" cap="none" spc="0" normalizeH="0" baseline="0" noProof="0">
               <a:ln>
@@ -1568,7 +1569,7 @@
                 <a:tabLst/>
                 <a:defRPr/>
               </a:pPr>
-              <a:t>2018-06-12</a:t>
+              <a:t>2018-06-14</a:t>
             </a:fld>
             <a:endParaRPr kumimoji="0" lang="ko-KR" altLang="en-US" sz="1100" b="0" i="0" u="none" strike="noStrike" kern="1200" cap="none" spc="0" normalizeH="0" baseline="0" noProof="0">
               <a:ln>
@@ -1901,7 +1902,7 @@
                 <a:tabLst/>
                 <a:defRPr/>
               </a:pPr>
-              <a:t>2018-06-12</a:t>
+              <a:t>2018-06-14</a:t>
             </a:fld>
             <a:endParaRPr kumimoji="0" lang="ko-KR" altLang="en-US" sz="1100" b="0" i="0" u="none" strike="noStrike" kern="1200" cap="none" spc="0" normalizeH="0" baseline="0" noProof="0">
               <a:ln>
@@ -2244,7 +2245,7 @@
                 <a:tabLst/>
                 <a:defRPr/>
               </a:pPr>
-              <a:t>2018-06-12</a:t>
+              <a:t>2018-06-14</a:t>
             </a:fld>
             <a:endParaRPr kumimoji="0" lang="ko-KR" altLang="en-US" sz="1100" b="0" i="0" u="none" strike="noStrike" kern="1200" cap="none" spc="0" normalizeH="0" baseline="0" noProof="0">
               <a:ln>
@@ -2638,7 +2639,7 @@
             <a:fld id="{BD343E2E-D187-44B7-945F-E031827BE040}" type="datetime1">
               <a:rPr lang="ko-KR" altLang="en-US" smtClean="0"/>
               <a:pPr/>
-              <a:t>2018-06-12</a:t>
+              <a:t>2018-06-14</a:t>
             </a:fld>
             <a:endParaRPr lang="ko-KR" altLang="en-US"/>
           </a:p>
@@ -2757,7 +2758,7 @@
             <a:fld id="{BD343E2E-D187-44B7-945F-E031827BE040}" type="datetime1">
               <a:rPr lang="ko-KR" altLang="en-US" smtClean="0"/>
               <a:pPr/>
-              <a:t>2018-06-12</a:t>
+              <a:t>2018-06-14</a:t>
             </a:fld>
             <a:endParaRPr lang="ko-KR" altLang="en-US"/>
           </a:p>
@@ -5609,7 +5610,7 @@
                 <a:tabLst/>
                 <a:defRPr/>
               </a:pPr>
-              <a:t>2018-06-12</a:t>
+              <a:t>2018-06-14</a:t>
             </a:fld>
             <a:endParaRPr kumimoji="0" lang="ko-KR" altLang="en-US" sz="1100" b="0" i="0" u="none" strike="noStrike" kern="1200" cap="none" spc="0" normalizeH="0" baseline="0" noProof="0">
               <a:ln>
@@ -7340,7 +7341,7 @@
           <a:p>
             <a:fld id="{880387B8-3802-47BF-8C63-CEC4E1DDA9E2}" type="datetimeFigureOut">
               <a:rPr lang="ko-KR" altLang="en-US" smtClean="0"/>
-              <a:t>2018-06-12</a:t>
+              <a:t>2018-06-14</a:t>
             </a:fld>
             <a:endParaRPr lang="ko-KR" altLang="en-US"/>
           </a:p>
@@ -7508,7 +7509,7 @@
           <a:p>
             <a:fld id="{880387B8-3802-47BF-8C63-CEC4E1DDA9E2}" type="datetimeFigureOut">
               <a:rPr lang="ko-KR" altLang="en-US" smtClean="0"/>
-              <a:t>2018-06-12</a:t>
+              <a:t>2018-06-14</a:t>
             </a:fld>
             <a:endParaRPr lang="ko-KR" altLang="en-US"/>
           </a:p>
@@ -8678,7 +8679,7 @@
           <a:p>
             <a:fld id="{880387B8-3802-47BF-8C63-CEC4E1DDA9E2}" type="datetimeFigureOut">
               <a:rPr lang="ko-KR" altLang="en-US" smtClean="0"/>
-              <a:t>2018-06-12</a:t>
+              <a:t>2018-06-14</a:t>
             </a:fld>
             <a:endParaRPr lang="ko-KR" altLang="en-US"/>
           </a:p>
@@ -8963,7 +8964,7 @@
           <a:p>
             <a:fld id="{880387B8-3802-47BF-8C63-CEC4E1DDA9E2}" type="datetimeFigureOut">
               <a:rPr lang="ko-KR" altLang="en-US" smtClean="0"/>
-              <a:t>2018-06-12</a:t>
+              <a:t>2018-06-14</a:t>
             </a:fld>
             <a:endParaRPr lang="ko-KR" altLang="en-US"/>
           </a:p>
@@ -9382,7 +9383,7 @@
           <a:p>
             <a:fld id="{880387B8-3802-47BF-8C63-CEC4E1DDA9E2}" type="datetimeFigureOut">
               <a:rPr lang="ko-KR" altLang="en-US" smtClean="0"/>
-              <a:t>2018-06-12</a:t>
+              <a:t>2018-06-14</a:t>
             </a:fld>
             <a:endParaRPr lang="ko-KR" altLang="en-US"/>
           </a:p>
@@ -9499,7 +9500,7 @@
           <a:p>
             <a:fld id="{880387B8-3802-47BF-8C63-CEC4E1DDA9E2}" type="datetimeFigureOut">
               <a:rPr lang="ko-KR" altLang="en-US" smtClean="0"/>
-              <a:t>2018-06-12</a:t>
+              <a:t>2018-06-14</a:t>
             </a:fld>
             <a:endParaRPr lang="ko-KR" altLang="en-US"/>
           </a:p>
@@ -9594,7 +9595,7 @@
           <a:p>
             <a:fld id="{880387B8-3802-47BF-8C63-CEC4E1DDA9E2}" type="datetimeFigureOut">
               <a:rPr lang="ko-KR" altLang="en-US" smtClean="0"/>
-              <a:t>2018-06-12</a:t>
+              <a:t>2018-06-14</a:t>
             </a:fld>
             <a:endParaRPr lang="ko-KR" altLang="en-US"/>
           </a:p>
@@ -9869,7 +9870,7 @@
           <a:p>
             <a:fld id="{880387B8-3802-47BF-8C63-CEC4E1DDA9E2}" type="datetimeFigureOut">
               <a:rPr lang="ko-KR" altLang="en-US" smtClean="0"/>
-              <a:t>2018-06-12</a:t>
+              <a:t>2018-06-14</a:t>
             </a:fld>
             <a:endParaRPr lang="ko-KR" altLang="en-US"/>
           </a:p>
@@ -10121,7 +10122,7 @@
           <a:p>
             <a:fld id="{880387B8-3802-47BF-8C63-CEC4E1DDA9E2}" type="datetimeFigureOut">
               <a:rPr lang="ko-KR" altLang="en-US" smtClean="0"/>
-              <a:t>2018-06-12</a:t>
+              <a:t>2018-06-14</a:t>
             </a:fld>
             <a:endParaRPr lang="ko-KR" altLang="en-US"/>
           </a:p>
@@ -10289,7 +10290,7 @@
           <a:p>
             <a:fld id="{880387B8-3802-47BF-8C63-CEC4E1DDA9E2}" type="datetimeFigureOut">
               <a:rPr lang="ko-KR" altLang="en-US" smtClean="0"/>
-              <a:t>2018-06-12</a:t>
+              <a:t>2018-06-14</a:t>
             </a:fld>
             <a:endParaRPr lang="ko-KR" altLang="en-US"/>
           </a:p>
@@ -10467,7 +10468,7 @@
           <a:p>
             <a:fld id="{880387B8-3802-47BF-8C63-CEC4E1DDA9E2}" type="datetimeFigureOut">
               <a:rPr lang="ko-KR" altLang="en-US" smtClean="0"/>
-              <a:t>2018-06-12</a:t>
+              <a:t>2018-06-14</a:t>
             </a:fld>
             <a:endParaRPr lang="ko-KR" altLang="en-US"/>
           </a:p>
@@ -10707,7 +10708,7 @@
           <a:p>
             <a:fld id="{365DA058-1A9C-4BAD-94E2-21D6C076F22A}" type="datetimeFigureOut">
               <a:rPr lang="ko-KR" altLang="en-US" smtClean="0"/>
-              <a:t>2018-06-12</a:t>
+              <a:t>2018-06-14</a:t>
             </a:fld>
             <a:endParaRPr lang="ko-KR" altLang="en-US"/>
           </a:p>
@@ -11002,7 +11003,7 @@
                 <a:tabLst/>
                 <a:defRPr/>
               </a:pPr>
-              <a:t>2018-06-12</a:t>
+              <a:t>2018-06-14</a:t>
             </a:fld>
             <a:endParaRPr kumimoji="0" lang="ko-KR" altLang="en-US" sz="1100" b="0" i="0" u="none" strike="noStrike" kern="1200" cap="none" spc="0" normalizeH="0" baseline="0" noProof="0">
               <a:ln>
@@ -11285,7 +11286,7 @@
           <a:p>
             <a:fld id="{365DA058-1A9C-4BAD-94E2-21D6C076F22A}" type="datetimeFigureOut">
               <a:rPr lang="ko-KR" altLang="en-US" smtClean="0"/>
-              <a:t>2018-06-12</a:t>
+              <a:t>2018-06-14</a:t>
             </a:fld>
             <a:endParaRPr lang="ko-KR" altLang="en-US"/>
           </a:p>
@@ -11530,7 +11531,7 @@
           <a:p>
             <a:fld id="{365DA058-1A9C-4BAD-94E2-21D6C076F22A}" type="datetimeFigureOut">
               <a:rPr lang="ko-KR" altLang="en-US" smtClean="0"/>
-              <a:t>2018-06-12</a:t>
+              <a:t>2018-06-14</a:t>
             </a:fld>
             <a:endParaRPr lang="ko-KR" altLang="en-US"/>
           </a:p>
@@ -11815,7 +11816,7 @@
           <a:p>
             <a:fld id="{365DA058-1A9C-4BAD-94E2-21D6C076F22A}" type="datetimeFigureOut">
               <a:rPr lang="ko-KR" altLang="en-US" smtClean="0"/>
-              <a:t>2018-06-12</a:t>
+              <a:t>2018-06-14</a:t>
             </a:fld>
             <a:endParaRPr lang="ko-KR" altLang="en-US"/>
           </a:p>
@@ -12234,7 +12235,7 @@
           <a:p>
             <a:fld id="{365DA058-1A9C-4BAD-94E2-21D6C076F22A}" type="datetimeFigureOut">
               <a:rPr lang="ko-KR" altLang="en-US" smtClean="0"/>
-              <a:t>2018-06-12</a:t>
+              <a:t>2018-06-14</a:t>
             </a:fld>
             <a:endParaRPr lang="ko-KR" altLang="en-US"/>
           </a:p>
@@ -12351,7 +12352,7 @@
           <a:p>
             <a:fld id="{365DA058-1A9C-4BAD-94E2-21D6C076F22A}" type="datetimeFigureOut">
               <a:rPr lang="ko-KR" altLang="en-US" smtClean="0"/>
-              <a:t>2018-06-12</a:t>
+              <a:t>2018-06-14</a:t>
             </a:fld>
             <a:endParaRPr lang="ko-KR" altLang="en-US"/>
           </a:p>
@@ -12446,7 +12447,7 @@
           <a:p>
             <a:fld id="{365DA058-1A9C-4BAD-94E2-21D6C076F22A}" type="datetimeFigureOut">
               <a:rPr lang="ko-KR" altLang="en-US" smtClean="0"/>
-              <a:t>2018-06-12</a:t>
+              <a:t>2018-06-14</a:t>
             </a:fld>
             <a:endParaRPr lang="ko-KR" altLang="en-US"/>
           </a:p>
@@ -12721,7 +12722,7 @@
           <a:p>
             <a:fld id="{365DA058-1A9C-4BAD-94E2-21D6C076F22A}" type="datetimeFigureOut">
               <a:rPr lang="ko-KR" altLang="en-US" smtClean="0"/>
-              <a:t>2018-06-12</a:t>
+              <a:t>2018-06-14</a:t>
             </a:fld>
             <a:endParaRPr lang="ko-KR" altLang="en-US"/>
           </a:p>
@@ -12973,7 +12974,7 @@
           <a:p>
             <a:fld id="{365DA058-1A9C-4BAD-94E2-21D6C076F22A}" type="datetimeFigureOut">
               <a:rPr lang="ko-KR" altLang="en-US" smtClean="0"/>
-              <a:t>2018-06-12</a:t>
+              <a:t>2018-06-14</a:t>
             </a:fld>
             <a:endParaRPr lang="ko-KR" altLang="en-US"/>
           </a:p>
@@ -13141,7 +13142,7 @@
           <a:p>
             <a:fld id="{365DA058-1A9C-4BAD-94E2-21D6C076F22A}" type="datetimeFigureOut">
               <a:rPr lang="ko-KR" altLang="en-US" smtClean="0"/>
-              <a:t>2018-06-12</a:t>
+              <a:t>2018-06-14</a:t>
             </a:fld>
             <a:endParaRPr lang="ko-KR" altLang="en-US"/>
           </a:p>
@@ -13319,7 +13320,7 @@
           <a:p>
             <a:fld id="{365DA058-1A9C-4BAD-94E2-21D6C076F22A}" type="datetimeFigureOut">
               <a:rPr lang="ko-KR" altLang="en-US" smtClean="0"/>
-              <a:t>2018-06-12</a:t>
+              <a:t>2018-06-14</a:t>
             </a:fld>
             <a:endParaRPr lang="ko-KR" altLang="en-US"/>
           </a:p>
@@ -13654,7 +13655,7 @@
                 <a:tabLst/>
                 <a:defRPr/>
               </a:pPr>
-              <a:t>2018-06-12</a:t>
+              <a:t>2018-06-14</a:t>
             </a:fld>
             <a:endParaRPr kumimoji="0" lang="ko-KR" altLang="en-US" sz="1100" b="0" i="0" u="none" strike="noStrike" kern="1200" cap="none" spc="0" normalizeH="0" baseline="0" noProof="0">
               <a:ln>
@@ -14238,7 +14239,7 @@
                 <a:tabLst/>
                 <a:defRPr/>
               </a:pPr>
-              <a:t>2018-06-12</a:t>
+              <a:t>2018-06-14</a:t>
             </a:fld>
             <a:endParaRPr kumimoji="0" lang="ko-KR" altLang="en-US" sz="1100" b="0" i="0" u="none" strike="noStrike" kern="1200" cap="none" spc="0" normalizeH="0" baseline="0" noProof="0">
               <a:ln>
@@ -14520,7 +14521,7 @@
                 <a:tabLst/>
                 <a:defRPr/>
               </a:pPr>
-              <a:t>2018-06-12</a:t>
+              <a:t>2018-06-14</a:t>
             </a:fld>
             <a:endParaRPr kumimoji="0" lang="ko-KR" altLang="en-US" sz="1100" b="0" i="0" u="none" strike="noStrike" kern="1200" cap="none" spc="0" normalizeH="0" baseline="0" noProof="0">
               <a:ln>
@@ -14780,7 +14781,7 @@
                 <a:tabLst/>
                 <a:defRPr/>
               </a:pPr>
-              <a:t>2018-06-12</a:t>
+              <a:t>2018-06-14</a:t>
             </a:fld>
             <a:endParaRPr kumimoji="0" lang="ko-KR" altLang="en-US" sz="1100" b="0" i="0" u="none" strike="noStrike" kern="1200" cap="none" spc="0" normalizeH="0" baseline="0" noProof="0">
               <a:ln>
@@ -15096,7 +15097,7 @@
                 <a:tabLst/>
                 <a:defRPr/>
               </a:pPr>
-              <a:t>2018-06-12</a:t>
+              <a:t>2018-06-14</a:t>
             </a:fld>
             <a:endParaRPr kumimoji="0" lang="ko-KR" altLang="en-US" sz="1100" b="0" i="0" u="none" strike="noStrike" kern="1200" cap="none" spc="0" normalizeH="0" baseline="0" noProof="0">
               <a:ln>
@@ -15875,7 +15876,7 @@
           <a:p>
             <a:fld id="{880387B8-3802-47BF-8C63-CEC4E1DDA9E2}" type="datetimeFigureOut">
               <a:rPr lang="ko-KR" altLang="en-US" smtClean="0"/>
-              <a:t>2018-06-12</a:t>
+              <a:t>2018-06-14</a:t>
             </a:fld>
             <a:endParaRPr lang="ko-KR" altLang="en-US"/>
           </a:p>
@@ -16383,7 +16384,7 @@
           <a:p>
             <a:fld id="{365DA058-1A9C-4BAD-94E2-21D6C076F22A}" type="datetimeFigureOut">
               <a:rPr lang="ko-KR" altLang="en-US" smtClean="0"/>
-              <a:t>2018-06-12</a:t>
+              <a:t>2018-06-14</a:t>
             </a:fld>
             <a:endParaRPr lang="ko-KR" altLang="en-US"/>
           </a:p>
@@ -18106,11 +18107,7 @@
           <a:p>
             <a:r>
               <a:rPr lang="en-US" altLang="ko-KR" dirty="0" smtClean="0"/>
-              <a:t>Day10 </a:t>
-            </a:r>
-            <a:r>
-              <a:rPr lang="en-US" altLang="ko-KR" dirty="0" smtClean="0"/>
-              <a:t>(6</a:t>
+              <a:t>Day10 (6</a:t>
             </a:r>
             <a:r>
               <a:rPr lang="ko-KR" altLang="en-US" dirty="0" smtClean="0"/>
@@ -18225,7 +18222,6 @@
               <a:rPr lang="en-US" altLang="ko-KR" dirty="0" smtClean="0"/>
               <a:t>.</a:t>
             </a:r>
-            <a:endParaRPr lang="en-US" altLang="ko-KR" dirty="0" smtClean="0"/>
           </a:p>
           <a:p>
             <a:pPr lvl="2"/>
@@ -18344,11 +18340,7 @@
             </a:r>
             <a:r>
               <a:rPr lang="en-US" altLang="ko-KR" dirty="0" smtClean="0"/>
-              <a:t>0~15</a:t>
-            </a:r>
-            <a:r>
-              <a:rPr lang="en-US" altLang="ko-KR" dirty="0" smtClean="0"/>
-              <a:t>, 16~60, 61~120</a:t>
+              <a:t>0~15, 16~60, 61~120</a:t>
             </a:r>
             <a:r>
               <a:rPr lang="ko-KR" altLang="en-US" dirty="0" smtClean="0"/>
@@ -18366,8 +18358,8 @@
           <a:p>
             <a:pPr lvl="2"/>
             <a:r>
-              <a:rPr lang="en-US" altLang="ko-KR" dirty="0" smtClean="0"/>
-              <a:t>titanic</a:t>
+              <a:rPr lang="en-US" altLang="ko-KR" dirty="0" err="1" smtClean="0"/>
+              <a:t>titani</a:t>
             </a:r>
             <a:r>
               <a:rPr lang="ko-KR" altLang="en-US" dirty="0" smtClean="0"/>
@@ -18383,7 +18375,7 @@
             </a:r>
             <a:r>
               <a:rPr lang="en-US" altLang="ko-KR" dirty="0" err="1" smtClean="0"/>
-              <a:t>pcalss</a:t>
+              <a:t>pclass</a:t>
             </a:r>
             <a:r>
               <a:rPr lang="ko-KR" altLang="en-US" dirty="0" smtClean="0"/>
@@ -18414,15 +18406,7 @@
             </a:r>
             <a:r>
               <a:rPr lang="ko-KR" altLang="en-US" dirty="0" smtClean="0"/>
-              <a:t>객체를 이용하여 </a:t>
-            </a:r>
-            <a:r>
-              <a:rPr lang="ko-KR" altLang="en-US" dirty="0" smtClean="0"/>
-              <a:t>연령대와 승객등급별 </a:t>
-            </a:r>
-            <a:r>
-              <a:rPr lang="ko-KR" altLang="en-US" dirty="0" smtClean="0"/>
-              <a:t>생존자의 합계</a:t>
+              <a:t>객체를 이용하여 연령대와 승객등급별 생존자의 합계</a:t>
             </a:r>
             <a:r>
               <a:rPr lang="en-US" altLang="ko-KR" dirty="0" smtClean="0"/>
@@ -18452,7 +18436,6 @@
               <a:rPr lang="en-US" altLang="ko-KR" dirty="0" smtClean="0"/>
               <a:t>.</a:t>
             </a:r>
-            <a:endParaRPr lang="en-US" altLang="ko-KR" dirty="0" smtClean="0"/>
           </a:p>
           <a:p>
             <a:pPr lvl="1"/>
@@ -18517,28 +18500,28 @@
           <a:lstStyle/>
           <a:p>
             <a:r>
-              <a:rPr lang="ko-KR" altLang="en-US" dirty="0" err="1" smtClean="0"/>
-              <a:t>파이썬</a:t>
-            </a:r>
-            <a:r>
-              <a:rPr lang="en-US" altLang="ko-KR" dirty="0" smtClean="0"/>
-              <a:t>2</a:t>
-            </a:r>
-            <a:r>
-              <a:rPr lang="ko-KR" altLang="en-US" dirty="0" smtClean="0"/>
-              <a:t>와 </a:t>
-            </a:r>
-            <a:r>
-              <a:rPr lang="ko-KR" altLang="en-US" dirty="0" err="1" smtClean="0"/>
-              <a:t>파이썬</a:t>
-            </a:r>
-            <a:r>
-              <a:rPr lang="en-US" altLang="ko-KR" dirty="0" smtClean="0"/>
-              <a:t>3 </a:t>
-            </a:r>
-            <a:r>
-              <a:rPr lang="ko-KR" altLang="en-US" dirty="0" smtClean="0"/>
-              <a:t>함께 설치</a:t>
+              <a:rPr lang="en-US" altLang="ko-KR" dirty="0" smtClean="0"/>
+              <a:t>Day11 </a:t>
+            </a:r>
+            <a:r>
+              <a:rPr lang="en-US" altLang="ko-KR" dirty="0" smtClean="0"/>
+              <a:t>(6</a:t>
+            </a:r>
+            <a:r>
+              <a:rPr lang="ko-KR" altLang="en-US" dirty="0" smtClean="0"/>
+              <a:t>월 </a:t>
+            </a:r>
+            <a:r>
+              <a:rPr lang="en-US" altLang="ko-KR" dirty="0" smtClean="0"/>
+              <a:t>14</a:t>
+            </a:r>
+            <a:r>
+              <a:rPr lang="ko-KR" altLang="en-US" dirty="0" smtClean="0"/>
+              <a:t>일</a:t>
+            </a:r>
+            <a:r>
+              <a:rPr lang="en-US" altLang="ko-KR" dirty="0" smtClean="0"/>
+              <a:t>)</a:t>
             </a:r>
             <a:endParaRPr lang="ko-KR" altLang="en-US" dirty="0"/>
           </a:p>
@@ -18560,93 +18543,122 @@
           <a:lstStyle/>
           <a:p>
             <a:r>
-              <a:rPr lang="ko-KR" altLang="en-US" dirty="0" smtClean="0"/>
-              <a:t>먼저 </a:t>
-            </a:r>
-            <a:r>
-              <a:rPr lang="en-US" altLang="ko-KR" dirty="0" smtClean="0"/>
-              <a:t>anaconda3</a:t>
-            </a:r>
-            <a:r>
-              <a:rPr lang="ko-KR" altLang="en-US" dirty="0" smtClean="0"/>
-              <a:t>를 설치</a:t>
+              <a:rPr lang="ko-KR" altLang="en-US" dirty="0"/>
+              <a:t>학습목표</a:t>
+            </a:r>
+            <a:r>
+              <a:rPr lang="en-US" altLang="ko-KR" dirty="0"/>
+              <a:t>: </a:t>
+            </a:r>
+          </a:p>
+          <a:p>
+            <a:pPr lvl="1"/>
+            <a:r>
+              <a:rPr lang="ko-KR" altLang="en-US" dirty="0" smtClean="0"/>
+              <a:t>그룹별 연산과 변형 방법을 익힌다</a:t>
+            </a:r>
+            <a:r>
+              <a:rPr lang="en-US" altLang="ko-KR" dirty="0" smtClean="0"/>
+              <a:t>.</a:t>
+            </a:r>
+          </a:p>
+          <a:p>
+            <a:pPr lvl="1"/>
+            <a:r>
+              <a:rPr lang="ko-KR" altLang="en-US" dirty="0" smtClean="0"/>
+              <a:t>피벗 테이블과 </a:t>
+            </a:r>
+            <a:r>
+              <a:rPr lang="ko-KR" altLang="en-US" dirty="0" err="1" smtClean="0"/>
+              <a:t>교차알람표를</a:t>
+            </a:r>
+            <a:r>
+              <a:rPr lang="ko-KR" altLang="en-US" dirty="0" smtClean="0"/>
+              <a:t> 생성하는 방법을 익힌다</a:t>
+            </a:r>
+            <a:r>
+              <a:rPr lang="en-US" altLang="ko-KR" dirty="0" smtClean="0"/>
+              <a:t>.</a:t>
+            </a:r>
+          </a:p>
+          <a:p>
+            <a:pPr lvl="1"/>
+            <a:r>
+              <a:rPr lang="en-US" altLang="ko-KR" dirty="0" smtClean="0"/>
+              <a:t>2012</a:t>
+            </a:r>
+            <a:r>
+              <a:rPr lang="ko-KR" altLang="en-US" dirty="0" smtClean="0"/>
+              <a:t>년 미국 대선 후원금 데이터에 대한 분석에 </a:t>
+            </a:r>
+            <a:r>
+              <a:rPr lang="ko-KR" altLang="en-US" dirty="0" smtClean="0"/>
+              <a:t>그룹별 분석 방법을 적용해본다</a:t>
+            </a:r>
+            <a:r>
+              <a:rPr lang="en-US" altLang="ko-KR" dirty="0" smtClean="0"/>
+              <a:t>.</a:t>
             </a:r>
             <a:endParaRPr lang="en-US" altLang="ko-KR" dirty="0" smtClean="0"/>
           </a:p>
           <a:p>
-            <a:r>
-              <a:rPr lang="en-US" altLang="ko-KR" dirty="0" smtClean="0"/>
-              <a:t>Anaconda prompt</a:t>
-            </a:r>
-            <a:r>
-              <a:rPr lang="ko-KR" altLang="en-US" dirty="0" smtClean="0"/>
-              <a:t>에서 아래 구문 실행</a:t>
+            <a:pPr lvl="2"/>
+            <a:endParaRPr lang="en-US" altLang="ko-KR" dirty="0"/>
+          </a:p>
+          <a:p>
+            <a:r>
+              <a:rPr lang="ko-KR" altLang="en-US" dirty="0" smtClean="0"/>
+              <a:t>과제</a:t>
+            </a:r>
+            <a:r>
+              <a:rPr lang="en-US" altLang="ko-KR" dirty="0" smtClean="0"/>
+              <a:t>:</a:t>
+            </a:r>
+          </a:p>
+          <a:p>
+            <a:pPr lvl="1"/>
+            <a:r>
+              <a:rPr lang="en-US" altLang="ko-KR" dirty="0" smtClean="0">
+                <a:hlinkClick r:id="rId2"/>
+              </a:rPr>
+              <a:t>http://www.fec.gov/disclosure/PDownload.do</a:t>
+            </a:r>
+            <a:r>
+              <a:rPr lang="en-US" altLang="ko-KR" dirty="0" smtClean="0"/>
+              <a:t> </a:t>
+            </a:r>
+            <a:r>
+              <a:rPr lang="ko-KR" altLang="en-US" dirty="0" smtClean="0"/>
+              <a:t>사이트에서 </a:t>
+            </a:r>
+            <a:r>
+              <a:rPr lang="en-US" altLang="ko-KR" dirty="0" smtClean="0"/>
+              <a:t>2016</a:t>
+            </a:r>
+            <a:r>
+              <a:rPr lang="ko-KR" altLang="en-US" dirty="0" smtClean="0"/>
+              <a:t>년 미국 대선 후원금 데이터를 다운받아 다양한 그룹별 분석 방법을 적용해본다</a:t>
+            </a:r>
+            <a:r>
+              <a:rPr lang="en-US" altLang="ko-KR" dirty="0" smtClean="0"/>
+              <a:t>.</a:t>
             </a:r>
             <a:endParaRPr lang="en-US" altLang="ko-KR" dirty="0" smtClean="0"/>
           </a:p>
           <a:p>
             <a:pPr lvl="1"/>
-            <a:r>
-              <a:rPr lang="en-US" altLang="ko-KR" dirty="0" err="1" smtClean="0"/>
-              <a:t>conda</a:t>
-            </a:r>
-            <a:r>
-              <a:rPr lang="en-US" altLang="ko-KR" dirty="0" smtClean="0"/>
-              <a:t> create –n py27 python=2.7 anaconda</a:t>
-            </a:r>
+            <a:endParaRPr lang="en-US" altLang="ko-KR" dirty="0" smtClean="0"/>
           </a:p>
           <a:p>
             <a:pPr lvl="1"/>
-            <a:r>
-              <a:rPr lang="en-US" altLang="ko-KR" dirty="0" err="1" smtClean="0"/>
-              <a:t>conda</a:t>
-            </a:r>
-            <a:r>
-              <a:rPr lang="en-US" altLang="ko-KR" dirty="0" smtClean="0"/>
-              <a:t> activate py27</a:t>
-            </a:r>
-          </a:p>
-          <a:p>
-            <a:r>
-              <a:rPr lang="en-US" altLang="ko-KR" dirty="0" smtClean="0"/>
-              <a:t>anaconda navigator</a:t>
-            </a:r>
-            <a:r>
-              <a:rPr lang="ko-KR" altLang="en-US" dirty="0" smtClean="0"/>
-              <a:t>에서 </a:t>
-            </a:r>
-            <a:r>
-              <a:rPr lang="en-US" altLang="ko-KR" dirty="0" smtClean="0"/>
-              <a:t>base </a:t>
-            </a:r>
-            <a:r>
-              <a:rPr lang="ko-KR" altLang="en-US" dirty="0" smtClean="0"/>
-              <a:t>또는 </a:t>
-            </a:r>
-            <a:r>
-              <a:rPr lang="en-US" altLang="ko-KR" dirty="0" smtClean="0"/>
-              <a:t>py27</a:t>
-            </a:r>
-            <a:r>
-              <a:rPr lang="ko-KR" altLang="en-US" dirty="0" smtClean="0"/>
-              <a:t>을 선택하여 </a:t>
-            </a:r>
-            <a:r>
-              <a:rPr lang="en-US" altLang="ko-KR" dirty="0" smtClean="0"/>
-              <a:t>application </a:t>
-            </a:r>
-            <a:r>
-              <a:rPr lang="ko-KR" altLang="en-US" dirty="0" smtClean="0"/>
-              <a:t>실행</a:t>
-            </a:r>
-            <a:endParaRPr lang="ko-KR" altLang="en-US" dirty="0"/>
+            <a:endParaRPr lang="en-US" altLang="ko-KR" dirty="0" smtClean="0"/>
           </a:p>
         </p:txBody>
       </p:sp>
     </p:spTree>
     <p:extLst>
       <p:ext uri="{BB962C8B-B14F-4D97-AF65-F5344CB8AC3E}">
-        <p14:creationId xmlns:p14="http://schemas.microsoft.com/office/powerpoint/2010/main" val="1716625921"/>
+        <p14:creationId xmlns:p14="http://schemas.microsoft.com/office/powerpoint/2010/main" val="1533556069"/>
       </p:ext>
     </p:extLst>
   </p:cSld>
@@ -18696,6 +18708,185 @@
           <a:lstStyle/>
           <a:p>
             <a:r>
+              <a:rPr lang="ko-KR" altLang="en-US" dirty="0" err="1" smtClean="0"/>
+              <a:t>파이썬</a:t>
+            </a:r>
+            <a:r>
+              <a:rPr lang="en-US" altLang="ko-KR" dirty="0" smtClean="0"/>
+              <a:t>2</a:t>
+            </a:r>
+            <a:r>
+              <a:rPr lang="ko-KR" altLang="en-US" dirty="0" smtClean="0"/>
+              <a:t>와 </a:t>
+            </a:r>
+            <a:r>
+              <a:rPr lang="ko-KR" altLang="en-US" dirty="0" err="1" smtClean="0"/>
+              <a:t>파이썬</a:t>
+            </a:r>
+            <a:r>
+              <a:rPr lang="en-US" altLang="ko-KR" dirty="0" smtClean="0"/>
+              <a:t>3 </a:t>
+            </a:r>
+            <a:r>
+              <a:rPr lang="ko-KR" altLang="en-US" dirty="0" smtClean="0"/>
+              <a:t>함께 설치</a:t>
+            </a:r>
+            <a:endParaRPr lang="ko-KR" altLang="en-US" dirty="0"/>
+          </a:p>
+        </p:txBody>
+      </p:sp>
+      <p:sp>
+        <p:nvSpPr>
+          <p:cNvPr id="3" name="내용 개체 틀 2"/>
+          <p:cNvSpPr>
+            <a:spLocks noGrp="1"/>
+          </p:cNvSpPr>
+          <p:nvPr>
+            <p:ph idx="1"/>
+          </p:nvPr>
+        </p:nvSpPr>
+        <p:spPr/>
+        <p:txBody>
+          <a:bodyPr/>
+          <a:lstStyle/>
+          <a:p>
+            <a:r>
+              <a:rPr lang="ko-KR" altLang="en-US" dirty="0" smtClean="0"/>
+              <a:t>먼저 </a:t>
+            </a:r>
+            <a:r>
+              <a:rPr lang="en-US" altLang="ko-KR" dirty="0" smtClean="0"/>
+              <a:t>anaconda3</a:t>
+            </a:r>
+            <a:r>
+              <a:rPr lang="ko-KR" altLang="en-US" dirty="0" smtClean="0"/>
+              <a:t>를 설치</a:t>
+            </a:r>
+            <a:endParaRPr lang="en-US" altLang="ko-KR" dirty="0" smtClean="0"/>
+          </a:p>
+          <a:p>
+            <a:r>
+              <a:rPr lang="en-US" altLang="ko-KR" dirty="0" smtClean="0"/>
+              <a:t>Anaconda prompt</a:t>
+            </a:r>
+            <a:r>
+              <a:rPr lang="ko-KR" altLang="en-US" dirty="0" smtClean="0"/>
+              <a:t>에서 아래 구문 실행</a:t>
+            </a:r>
+            <a:endParaRPr lang="en-US" altLang="ko-KR" dirty="0" smtClean="0"/>
+          </a:p>
+          <a:p>
+            <a:pPr lvl="1"/>
+            <a:r>
+              <a:rPr lang="en-US" altLang="ko-KR" dirty="0" err="1" smtClean="0"/>
+              <a:t>conda</a:t>
+            </a:r>
+            <a:r>
+              <a:rPr lang="en-US" altLang="ko-KR" dirty="0" smtClean="0"/>
+              <a:t> create –n py27 python=2.7 anaconda</a:t>
+            </a:r>
+          </a:p>
+          <a:p>
+            <a:pPr lvl="1"/>
+            <a:r>
+              <a:rPr lang="en-US" altLang="ko-KR" dirty="0" err="1" smtClean="0"/>
+              <a:t>conda</a:t>
+            </a:r>
+            <a:r>
+              <a:rPr lang="en-US" altLang="ko-KR" dirty="0" smtClean="0"/>
+              <a:t> activate py27</a:t>
+            </a:r>
+          </a:p>
+          <a:p>
+            <a:r>
+              <a:rPr lang="en-US" altLang="ko-KR" dirty="0" smtClean="0"/>
+              <a:t>anaconda navigator</a:t>
+            </a:r>
+            <a:r>
+              <a:rPr lang="ko-KR" altLang="en-US" dirty="0" smtClean="0"/>
+              <a:t>에서 </a:t>
+            </a:r>
+            <a:r>
+              <a:rPr lang="en-US" altLang="ko-KR" dirty="0" smtClean="0"/>
+              <a:t>base </a:t>
+            </a:r>
+            <a:r>
+              <a:rPr lang="ko-KR" altLang="en-US" dirty="0" smtClean="0"/>
+              <a:t>또는 </a:t>
+            </a:r>
+            <a:r>
+              <a:rPr lang="en-US" altLang="ko-KR" dirty="0" smtClean="0"/>
+              <a:t>py27</a:t>
+            </a:r>
+            <a:r>
+              <a:rPr lang="ko-KR" altLang="en-US" dirty="0" smtClean="0"/>
+              <a:t>을 선택하여 </a:t>
+            </a:r>
+            <a:r>
+              <a:rPr lang="en-US" altLang="ko-KR" dirty="0" smtClean="0"/>
+              <a:t>application </a:t>
+            </a:r>
+            <a:r>
+              <a:rPr lang="ko-KR" altLang="en-US" dirty="0" smtClean="0"/>
+              <a:t>실행</a:t>
+            </a:r>
+            <a:endParaRPr lang="ko-KR" altLang="en-US" dirty="0"/>
+          </a:p>
+        </p:txBody>
+      </p:sp>
+    </p:spTree>
+    <p:extLst>
+      <p:ext uri="{BB962C8B-B14F-4D97-AF65-F5344CB8AC3E}">
+        <p14:creationId xmlns:p14="http://schemas.microsoft.com/office/powerpoint/2010/main" val="1716625921"/>
+      </p:ext>
+    </p:extLst>
+  </p:cSld>
+  <p:clrMapOvr>
+    <a:masterClrMapping/>
+  </p:clrMapOvr>
+  <p:timing>
+    <p:tnLst>
+      <p:par>
+        <p:cTn id="1" dur="indefinite" restart="never" nodeType="tmRoot"/>
+      </p:par>
+    </p:tnLst>
+  </p:timing>
+</p:sld>
+</file>
+
+<file path=ppt/slides/slide16.xml><?xml version="1.0" encoding="utf-8"?>
+<p:sld xmlns:a="http://schemas.openxmlformats.org/drawingml/2006/main" xmlns:r="http://schemas.openxmlformats.org/officeDocument/2006/relationships" xmlns:p="http://schemas.openxmlformats.org/presentationml/2006/main">
+  <p:cSld>
+    <p:spTree>
+      <p:nvGrpSpPr>
+        <p:cNvPr id="1" name=""/>
+        <p:cNvGrpSpPr/>
+        <p:nvPr/>
+      </p:nvGrpSpPr>
+      <p:grpSpPr>
+        <a:xfrm>
+          <a:off x="0" y="0"/>
+          <a:ext cx="0" cy="0"/>
+          <a:chOff x="0" y="0"/>
+          <a:chExt cx="0" cy="0"/>
+        </a:xfrm>
+      </p:grpSpPr>
+      <p:sp>
+        <p:nvSpPr>
+          <p:cNvPr id="2" name="제목 1"/>
+          <p:cNvSpPr>
+            <a:spLocks noGrp="1"/>
+          </p:cNvSpPr>
+          <p:nvPr>
+            <p:ph type="title"/>
+          </p:nvPr>
+        </p:nvSpPr>
+        <p:spPr/>
+        <p:txBody>
+          <a:bodyPr/>
+          <a:lstStyle/>
+          <a:p>
+            <a:r>
               <a:rPr lang="en-US" altLang="ko-KR" dirty="0" err="1" smtClean="0"/>
               <a:t>Jupyter</a:t>
             </a:r>
@@ -18818,7 +19009,7 @@
 </p:sld>
 </file>
 
-<file path=ppt/slides/slide16.xml><?xml version="1.0" encoding="utf-8"?>
+<file path=ppt/slides/slide17.xml><?xml version="1.0" encoding="utf-8"?>
 <p:sld xmlns:a="http://schemas.openxmlformats.org/drawingml/2006/main" xmlns:r="http://schemas.openxmlformats.org/officeDocument/2006/relationships" xmlns:p="http://schemas.openxmlformats.org/presentationml/2006/main">
   <p:cSld>
     <p:spTree>
@@ -19756,335 +19947,6 @@
 </file>
 
 <file path=ppt/slides/slide3.xml><?xml version="1.0" encoding="utf-8"?>
-<p:sld xmlns:a="http://schemas.openxmlformats.org/drawingml/2006/main" xmlns:r="http://schemas.openxmlformats.org/officeDocument/2006/relationships" xmlns:p="http://schemas.openxmlformats.org/presentationml/2006/main">
-  <p:cSld>
-    <p:spTree>
-      <p:nvGrpSpPr>
-        <p:cNvPr id="1" name=""/>
-        <p:cNvGrpSpPr/>
-        <p:nvPr/>
-      </p:nvGrpSpPr>
-      <p:grpSpPr>
-        <a:xfrm>
-          <a:off x="0" y="0"/>
-          <a:ext cx="0" cy="0"/>
-          <a:chOff x="0" y="0"/>
-          <a:chExt cx="0" cy="0"/>
-        </a:xfrm>
-      </p:grpSpPr>
-      <p:sp>
-        <p:nvSpPr>
-          <p:cNvPr id="3" name="제목 2"/>
-          <p:cNvSpPr>
-            <a:spLocks noGrp="1"/>
-          </p:cNvSpPr>
-          <p:nvPr>
-            <p:ph type="title"/>
-          </p:nvPr>
-        </p:nvSpPr>
-        <p:spPr/>
-        <p:txBody>
-          <a:bodyPr/>
-          <a:lstStyle/>
-          <a:p>
-            <a:r>
-              <a:rPr lang="en-US" altLang="ko-KR" dirty="0" smtClean="0"/>
-              <a:t>Day1 (5</a:t>
-            </a:r>
-            <a:r>
-              <a:rPr lang="ko-KR" altLang="en-US" dirty="0" smtClean="0"/>
-              <a:t>월 </a:t>
-            </a:r>
-            <a:r>
-              <a:rPr lang="en-US" altLang="ko-KR" dirty="0" smtClean="0"/>
-              <a:t>29</a:t>
-            </a:r>
-            <a:r>
-              <a:rPr lang="ko-KR" altLang="en-US" dirty="0" smtClean="0"/>
-              <a:t>일</a:t>
-            </a:r>
-            <a:r>
-              <a:rPr lang="en-US" altLang="ko-KR" dirty="0" smtClean="0"/>
-              <a:t>)</a:t>
-            </a:r>
-            <a:endParaRPr lang="ko-KR" altLang="en-US" dirty="0"/>
-          </a:p>
-        </p:txBody>
-      </p:sp>
-      <p:sp>
-        <p:nvSpPr>
-          <p:cNvPr id="4" name="내용 개체 틀 3"/>
-          <p:cNvSpPr>
-            <a:spLocks noGrp="1"/>
-          </p:cNvSpPr>
-          <p:nvPr>
-            <p:ph idx="1"/>
-          </p:nvPr>
-        </p:nvSpPr>
-        <p:spPr/>
-        <p:txBody>
-          <a:bodyPr/>
-          <a:lstStyle/>
-          <a:p>
-            <a:r>
-              <a:rPr lang="ko-KR" altLang="en-US" dirty="0" smtClean="0"/>
-              <a:t>학습목표</a:t>
-            </a:r>
-            <a:r>
-              <a:rPr lang="en-US" altLang="ko-KR" dirty="0" smtClean="0"/>
-              <a:t>:</a:t>
-            </a:r>
-          </a:p>
-          <a:p>
-            <a:pPr lvl="1"/>
-            <a:r>
-              <a:rPr lang="ko-KR" altLang="en-US" dirty="0" smtClean="0"/>
-              <a:t>아나콘다 </a:t>
-            </a:r>
-            <a:r>
-              <a:rPr lang="ko-KR" altLang="en-US" dirty="0" err="1" smtClean="0"/>
-              <a:t>배포판</a:t>
-            </a:r>
-            <a:r>
-              <a:rPr lang="ko-KR" altLang="en-US" dirty="0" smtClean="0"/>
-              <a:t> 설치</a:t>
-            </a:r>
-            <a:r>
-              <a:rPr lang="en-US" altLang="ko-KR" dirty="0" smtClean="0"/>
-              <a:t>, </a:t>
-            </a:r>
-            <a:r>
-              <a:rPr lang="ko-KR" altLang="en-US" dirty="0" err="1" smtClean="0"/>
-              <a:t>파이썬</a:t>
-            </a:r>
-            <a:r>
-              <a:rPr lang="en-US" altLang="ko-KR" dirty="0" smtClean="0"/>
-              <a:t>2</a:t>
-            </a:r>
-            <a:r>
-              <a:rPr lang="ko-KR" altLang="en-US" dirty="0" smtClean="0"/>
-              <a:t>와 </a:t>
-            </a:r>
-            <a:r>
-              <a:rPr lang="ko-KR" altLang="en-US" dirty="0" err="1" smtClean="0"/>
-              <a:t>파이썬</a:t>
-            </a:r>
-            <a:r>
-              <a:rPr lang="en-US" altLang="ko-KR" dirty="0" smtClean="0"/>
-              <a:t>3 </a:t>
-            </a:r>
-            <a:r>
-              <a:rPr lang="ko-KR" altLang="en-US" dirty="0" smtClean="0"/>
-              <a:t>함께 활용</a:t>
-            </a:r>
-            <a:endParaRPr lang="en-US" altLang="ko-KR" dirty="0" smtClean="0"/>
-          </a:p>
-          <a:p>
-            <a:pPr lvl="1"/>
-            <a:r>
-              <a:rPr lang="ko-KR" altLang="en-US" dirty="0" smtClean="0"/>
-              <a:t>개발자 또는 데이터 </a:t>
-            </a:r>
-            <a:r>
-              <a:rPr lang="ko-KR" altLang="en-US" dirty="0" err="1" smtClean="0"/>
-              <a:t>사이언티스트의</a:t>
-            </a:r>
-            <a:r>
-              <a:rPr lang="ko-KR" altLang="en-US" dirty="0" smtClean="0"/>
-              <a:t> 포트폴리오</a:t>
-            </a:r>
-            <a:r>
-              <a:rPr lang="en-US" altLang="ko-KR" dirty="0" smtClean="0"/>
-              <a:t>, </a:t>
-            </a:r>
-            <a:r>
-              <a:rPr lang="en-US" altLang="ko-KR" dirty="0" err="1"/>
-              <a:t>Github</a:t>
-            </a:r>
-            <a:r>
-              <a:rPr lang="en-US" altLang="ko-KR" dirty="0"/>
-              <a:t> </a:t>
-            </a:r>
-            <a:r>
-              <a:rPr lang="ko-KR" altLang="en-US" dirty="0" smtClean="0"/>
-              <a:t>소개</a:t>
-            </a:r>
-            <a:endParaRPr lang="en-US" altLang="ko-KR" dirty="0"/>
-          </a:p>
-          <a:p>
-            <a:pPr lvl="1"/>
-            <a:r>
-              <a:rPr lang="en-US" altLang="ko-KR" dirty="0" smtClean="0"/>
-              <a:t>2</a:t>
-            </a:r>
-            <a:r>
-              <a:rPr lang="ko-KR" altLang="en-US" dirty="0" smtClean="0"/>
-              <a:t>장 사례분석 예제 확인</a:t>
-            </a:r>
-            <a:endParaRPr lang="en-US" altLang="ko-KR" dirty="0" smtClean="0"/>
-          </a:p>
-          <a:p>
-            <a:pPr lvl="1"/>
-            <a:r>
-              <a:rPr lang="en-US" altLang="ko-KR" dirty="0" smtClean="0"/>
-              <a:t>3</a:t>
-            </a:r>
-            <a:r>
-              <a:rPr lang="ko-KR" altLang="en-US" dirty="0" smtClean="0"/>
-              <a:t>장 </a:t>
-            </a:r>
-            <a:r>
-              <a:rPr lang="en-US" altLang="ko-KR" dirty="0" err="1" smtClean="0"/>
-              <a:t>IPython</a:t>
-            </a:r>
-            <a:r>
-              <a:rPr lang="en-US" altLang="ko-KR" dirty="0" smtClean="0"/>
-              <a:t> </a:t>
-            </a:r>
-            <a:r>
-              <a:rPr lang="ko-KR" altLang="en-US" dirty="0" smtClean="0"/>
-              <a:t>내용 확인</a:t>
-            </a:r>
-            <a:r>
-              <a:rPr lang="en-US" altLang="ko-KR" dirty="0" smtClean="0"/>
-              <a:t>, debug </a:t>
-            </a:r>
-            <a:r>
-              <a:rPr lang="ko-KR" altLang="en-US" dirty="0" smtClean="0"/>
-              <a:t>모드 사용법 확인</a:t>
-            </a:r>
-            <a:endParaRPr lang="en-US" altLang="ko-KR" dirty="0" smtClean="0"/>
-          </a:p>
-          <a:p>
-            <a:pPr marL="0" indent="0">
-              <a:buNone/>
-            </a:pPr>
-            <a:endParaRPr lang="en-US" altLang="ko-KR" dirty="0" smtClean="0"/>
-          </a:p>
-          <a:p>
-            <a:r>
-              <a:rPr lang="ko-KR" altLang="en-US" dirty="0" smtClean="0"/>
-              <a:t>과제</a:t>
-            </a:r>
-            <a:r>
-              <a:rPr lang="en-US" altLang="ko-KR" dirty="0" smtClean="0"/>
-              <a:t>:</a:t>
-            </a:r>
-          </a:p>
-          <a:p>
-            <a:pPr lvl="1"/>
-            <a:r>
-              <a:rPr lang="en-US" altLang="ko-KR" dirty="0" smtClean="0"/>
-              <a:t>3.4 </a:t>
-            </a:r>
-            <a:r>
-              <a:rPr lang="ko-KR" altLang="en-US" dirty="0" smtClean="0"/>
-              <a:t>소프트웨어 개발 도구의 내용을 읽고 </a:t>
-            </a:r>
-            <a:r>
-              <a:rPr lang="en-US" altLang="ko-KR" dirty="0" err="1" smtClean="0"/>
-              <a:t>Jupyter</a:t>
-            </a:r>
-            <a:r>
-              <a:rPr lang="en-US" altLang="ko-KR" dirty="0" smtClean="0"/>
-              <a:t> Notebook</a:t>
-            </a:r>
-            <a:r>
-              <a:rPr lang="ko-KR" altLang="en-US" dirty="0" smtClean="0"/>
-              <a:t>에 요약한다</a:t>
-            </a:r>
-            <a:r>
-              <a:rPr lang="en-US" altLang="ko-KR" dirty="0" smtClean="0"/>
-              <a:t>.</a:t>
-            </a:r>
-          </a:p>
-          <a:p>
-            <a:pPr lvl="1"/>
-            <a:r>
-              <a:rPr lang="ko-KR" altLang="en-US" dirty="0" smtClean="0"/>
-              <a:t>디버깅 도구를 익힌다</a:t>
-            </a:r>
-            <a:r>
-              <a:rPr lang="en-US" altLang="ko-KR" dirty="0" smtClean="0"/>
-              <a:t>.</a:t>
-            </a:r>
-          </a:p>
-          <a:p>
-            <a:pPr lvl="1"/>
-            <a:endParaRPr lang="en-US" altLang="ko-KR" dirty="0" smtClean="0"/>
-          </a:p>
-          <a:p>
-            <a:r>
-              <a:rPr lang="ko-KR" altLang="en-US" dirty="0" smtClean="0"/>
-              <a:t>장기 과제</a:t>
-            </a:r>
-            <a:r>
-              <a:rPr lang="en-US" altLang="ko-KR" dirty="0" smtClean="0"/>
-              <a:t>: </a:t>
-            </a:r>
-          </a:p>
-          <a:p>
-            <a:pPr lvl="1"/>
-            <a:r>
-              <a:rPr lang="ko-KR" altLang="en-US" dirty="0" smtClean="0"/>
-              <a:t>나만의 포트폴리오를 작성한다</a:t>
-            </a:r>
-            <a:r>
-              <a:rPr lang="en-US" altLang="ko-KR" dirty="0" smtClean="0"/>
-              <a:t>.</a:t>
-            </a:r>
-          </a:p>
-          <a:p>
-            <a:pPr lvl="1"/>
-            <a:r>
-              <a:rPr lang="ko-KR" altLang="en-US" dirty="0" smtClean="0"/>
-              <a:t>과정 중 개발한 소스코드를 </a:t>
-            </a:r>
-            <a:r>
-              <a:rPr lang="en-US" altLang="ko-KR" dirty="0" err="1" smtClean="0"/>
-              <a:t>Github</a:t>
-            </a:r>
-            <a:r>
-              <a:rPr lang="ko-KR" altLang="en-US" dirty="0" smtClean="0"/>
-              <a:t>로 관리한다</a:t>
-            </a:r>
-            <a:r>
-              <a:rPr lang="en-US" altLang="ko-KR" dirty="0" smtClean="0"/>
-              <a:t>.</a:t>
-            </a:r>
-          </a:p>
-          <a:p>
-            <a:endParaRPr lang="en-US" altLang="ko-KR" dirty="0" smtClean="0"/>
-          </a:p>
-          <a:p>
-            <a:endParaRPr lang="en-US" altLang="ko-KR" dirty="0" smtClean="0"/>
-          </a:p>
-          <a:p>
-            <a:endParaRPr lang="ko-KR" altLang="en-US" dirty="0"/>
-          </a:p>
-        </p:txBody>
-      </p:sp>
-    </p:spTree>
-    <p:extLst>
-      <p:ext uri="{BB962C8B-B14F-4D97-AF65-F5344CB8AC3E}">
-        <p14:creationId xmlns:p14="http://schemas.microsoft.com/office/powerpoint/2010/main" val="3724092545"/>
-      </p:ext>
-    </p:extLst>
-  </p:cSld>
-  <p:clrMapOvr>
-    <a:masterClrMapping/>
-  </p:clrMapOvr>
-  <p:timing>
-    <p:tnLst>
-      <p:par>
-        <p:cTn id="1" dur="indefinite" restart="never" nodeType="tmRoot"/>
-      </p:par>
-    </p:tnLst>
-  </p:timing>
-</p:sld>
-</file>
-
-<file path=ppt/slides/slide4.xml><?xml version="1.0" encoding="utf-8"?>
 <p:sld xmlns:a="http://schemas.openxmlformats.org/drawingml/2006/main" xmlns:r="http://schemas.openxmlformats.org/officeDocument/2006/relationships" xmlns:p="http://schemas.openxmlformats.org/presentationml/2006/main">
   <p:cSld>
     <p:spTree>
@@ -22679,6 +22541,335 @@
 </p:sld>
 </file>
 
+<file path=ppt/slides/slide4.xml><?xml version="1.0" encoding="utf-8"?>
+<p:sld xmlns:a="http://schemas.openxmlformats.org/drawingml/2006/main" xmlns:r="http://schemas.openxmlformats.org/officeDocument/2006/relationships" xmlns:p="http://schemas.openxmlformats.org/presentationml/2006/main">
+  <p:cSld>
+    <p:spTree>
+      <p:nvGrpSpPr>
+        <p:cNvPr id="1" name=""/>
+        <p:cNvGrpSpPr/>
+        <p:nvPr/>
+      </p:nvGrpSpPr>
+      <p:grpSpPr>
+        <a:xfrm>
+          <a:off x="0" y="0"/>
+          <a:ext cx="0" cy="0"/>
+          <a:chOff x="0" y="0"/>
+          <a:chExt cx="0" cy="0"/>
+        </a:xfrm>
+      </p:grpSpPr>
+      <p:sp>
+        <p:nvSpPr>
+          <p:cNvPr id="3" name="제목 2"/>
+          <p:cNvSpPr>
+            <a:spLocks noGrp="1"/>
+          </p:cNvSpPr>
+          <p:nvPr>
+            <p:ph type="title"/>
+          </p:nvPr>
+        </p:nvSpPr>
+        <p:spPr/>
+        <p:txBody>
+          <a:bodyPr/>
+          <a:lstStyle/>
+          <a:p>
+            <a:r>
+              <a:rPr lang="en-US" altLang="ko-KR" dirty="0" smtClean="0"/>
+              <a:t>Day1 (5</a:t>
+            </a:r>
+            <a:r>
+              <a:rPr lang="ko-KR" altLang="en-US" dirty="0" smtClean="0"/>
+              <a:t>월 </a:t>
+            </a:r>
+            <a:r>
+              <a:rPr lang="en-US" altLang="ko-KR" dirty="0" smtClean="0"/>
+              <a:t>29</a:t>
+            </a:r>
+            <a:r>
+              <a:rPr lang="ko-KR" altLang="en-US" dirty="0" smtClean="0"/>
+              <a:t>일</a:t>
+            </a:r>
+            <a:r>
+              <a:rPr lang="en-US" altLang="ko-KR" dirty="0" smtClean="0"/>
+              <a:t>)</a:t>
+            </a:r>
+            <a:endParaRPr lang="ko-KR" altLang="en-US" dirty="0"/>
+          </a:p>
+        </p:txBody>
+      </p:sp>
+      <p:sp>
+        <p:nvSpPr>
+          <p:cNvPr id="4" name="내용 개체 틀 3"/>
+          <p:cNvSpPr>
+            <a:spLocks noGrp="1"/>
+          </p:cNvSpPr>
+          <p:nvPr>
+            <p:ph idx="1"/>
+          </p:nvPr>
+        </p:nvSpPr>
+        <p:spPr/>
+        <p:txBody>
+          <a:bodyPr/>
+          <a:lstStyle/>
+          <a:p>
+            <a:r>
+              <a:rPr lang="ko-KR" altLang="en-US" dirty="0" smtClean="0"/>
+              <a:t>학습목표</a:t>
+            </a:r>
+            <a:r>
+              <a:rPr lang="en-US" altLang="ko-KR" dirty="0" smtClean="0"/>
+              <a:t>:</a:t>
+            </a:r>
+          </a:p>
+          <a:p>
+            <a:pPr lvl="1"/>
+            <a:r>
+              <a:rPr lang="ko-KR" altLang="en-US" dirty="0" smtClean="0"/>
+              <a:t>아나콘다 </a:t>
+            </a:r>
+            <a:r>
+              <a:rPr lang="ko-KR" altLang="en-US" dirty="0" err="1" smtClean="0"/>
+              <a:t>배포판</a:t>
+            </a:r>
+            <a:r>
+              <a:rPr lang="ko-KR" altLang="en-US" dirty="0" smtClean="0"/>
+              <a:t> 설치</a:t>
+            </a:r>
+            <a:r>
+              <a:rPr lang="en-US" altLang="ko-KR" dirty="0" smtClean="0"/>
+              <a:t>, </a:t>
+            </a:r>
+            <a:r>
+              <a:rPr lang="ko-KR" altLang="en-US" dirty="0" err="1" smtClean="0"/>
+              <a:t>파이썬</a:t>
+            </a:r>
+            <a:r>
+              <a:rPr lang="en-US" altLang="ko-KR" dirty="0" smtClean="0"/>
+              <a:t>2</a:t>
+            </a:r>
+            <a:r>
+              <a:rPr lang="ko-KR" altLang="en-US" dirty="0" smtClean="0"/>
+              <a:t>와 </a:t>
+            </a:r>
+            <a:r>
+              <a:rPr lang="ko-KR" altLang="en-US" dirty="0" err="1" smtClean="0"/>
+              <a:t>파이썬</a:t>
+            </a:r>
+            <a:r>
+              <a:rPr lang="en-US" altLang="ko-KR" dirty="0" smtClean="0"/>
+              <a:t>3 </a:t>
+            </a:r>
+            <a:r>
+              <a:rPr lang="ko-KR" altLang="en-US" dirty="0" smtClean="0"/>
+              <a:t>함께 활용</a:t>
+            </a:r>
+            <a:endParaRPr lang="en-US" altLang="ko-KR" dirty="0" smtClean="0"/>
+          </a:p>
+          <a:p>
+            <a:pPr lvl="1"/>
+            <a:r>
+              <a:rPr lang="ko-KR" altLang="en-US" dirty="0" smtClean="0"/>
+              <a:t>개발자 또는 데이터 </a:t>
+            </a:r>
+            <a:r>
+              <a:rPr lang="ko-KR" altLang="en-US" dirty="0" err="1" smtClean="0"/>
+              <a:t>사이언티스트의</a:t>
+            </a:r>
+            <a:r>
+              <a:rPr lang="ko-KR" altLang="en-US" dirty="0" smtClean="0"/>
+              <a:t> 포트폴리오</a:t>
+            </a:r>
+            <a:r>
+              <a:rPr lang="en-US" altLang="ko-KR" dirty="0" smtClean="0"/>
+              <a:t>, </a:t>
+            </a:r>
+            <a:r>
+              <a:rPr lang="en-US" altLang="ko-KR" dirty="0" err="1"/>
+              <a:t>Github</a:t>
+            </a:r>
+            <a:r>
+              <a:rPr lang="en-US" altLang="ko-KR" dirty="0"/>
+              <a:t> </a:t>
+            </a:r>
+            <a:r>
+              <a:rPr lang="ko-KR" altLang="en-US" dirty="0" smtClean="0"/>
+              <a:t>소개</a:t>
+            </a:r>
+            <a:endParaRPr lang="en-US" altLang="ko-KR" dirty="0"/>
+          </a:p>
+          <a:p>
+            <a:pPr lvl="1"/>
+            <a:r>
+              <a:rPr lang="en-US" altLang="ko-KR" dirty="0" smtClean="0"/>
+              <a:t>2</a:t>
+            </a:r>
+            <a:r>
+              <a:rPr lang="ko-KR" altLang="en-US" dirty="0" smtClean="0"/>
+              <a:t>장 사례분석 예제 확인</a:t>
+            </a:r>
+            <a:endParaRPr lang="en-US" altLang="ko-KR" dirty="0" smtClean="0"/>
+          </a:p>
+          <a:p>
+            <a:pPr lvl="1"/>
+            <a:r>
+              <a:rPr lang="en-US" altLang="ko-KR" dirty="0" smtClean="0"/>
+              <a:t>3</a:t>
+            </a:r>
+            <a:r>
+              <a:rPr lang="ko-KR" altLang="en-US" dirty="0" smtClean="0"/>
+              <a:t>장 </a:t>
+            </a:r>
+            <a:r>
+              <a:rPr lang="en-US" altLang="ko-KR" dirty="0" err="1" smtClean="0"/>
+              <a:t>IPython</a:t>
+            </a:r>
+            <a:r>
+              <a:rPr lang="en-US" altLang="ko-KR" dirty="0" smtClean="0"/>
+              <a:t> </a:t>
+            </a:r>
+            <a:r>
+              <a:rPr lang="ko-KR" altLang="en-US" dirty="0" smtClean="0"/>
+              <a:t>내용 확인</a:t>
+            </a:r>
+            <a:r>
+              <a:rPr lang="en-US" altLang="ko-KR" dirty="0" smtClean="0"/>
+              <a:t>, debug </a:t>
+            </a:r>
+            <a:r>
+              <a:rPr lang="ko-KR" altLang="en-US" dirty="0" smtClean="0"/>
+              <a:t>모드 사용법 확인</a:t>
+            </a:r>
+            <a:endParaRPr lang="en-US" altLang="ko-KR" dirty="0" smtClean="0"/>
+          </a:p>
+          <a:p>
+            <a:pPr marL="0" indent="0">
+              <a:buNone/>
+            </a:pPr>
+            <a:endParaRPr lang="en-US" altLang="ko-KR" dirty="0" smtClean="0"/>
+          </a:p>
+          <a:p>
+            <a:r>
+              <a:rPr lang="ko-KR" altLang="en-US" dirty="0" smtClean="0"/>
+              <a:t>과제</a:t>
+            </a:r>
+            <a:r>
+              <a:rPr lang="en-US" altLang="ko-KR" dirty="0" smtClean="0"/>
+              <a:t>:</a:t>
+            </a:r>
+          </a:p>
+          <a:p>
+            <a:pPr lvl="1"/>
+            <a:r>
+              <a:rPr lang="en-US" altLang="ko-KR" dirty="0" smtClean="0"/>
+              <a:t>3.4 </a:t>
+            </a:r>
+            <a:r>
+              <a:rPr lang="ko-KR" altLang="en-US" dirty="0" smtClean="0"/>
+              <a:t>소프트웨어 개발 도구의 내용을 읽고 </a:t>
+            </a:r>
+            <a:r>
+              <a:rPr lang="en-US" altLang="ko-KR" dirty="0" err="1" smtClean="0"/>
+              <a:t>Jupyter</a:t>
+            </a:r>
+            <a:r>
+              <a:rPr lang="en-US" altLang="ko-KR" dirty="0" smtClean="0"/>
+              <a:t> Notebook</a:t>
+            </a:r>
+            <a:r>
+              <a:rPr lang="ko-KR" altLang="en-US" dirty="0" smtClean="0"/>
+              <a:t>에 요약한다</a:t>
+            </a:r>
+            <a:r>
+              <a:rPr lang="en-US" altLang="ko-KR" dirty="0" smtClean="0"/>
+              <a:t>.</a:t>
+            </a:r>
+          </a:p>
+          <a:p>
+            <a:pPr lvl="1"/>
+            <a:r>
+              <a:rPr lang="ko-KR" altLang="en-US" dirty="0" smtClean="0"/>
+              <a:t>디버깅 도구를 익힌다</a:t>
+            </a:r>
+            <a:r>
+              <a:rPr lang="en-US" altLang="ko-KR" dirty="0" smtClean="0"/>
+              <a:t>.</a:t>
+            </a:r>
+          </a:p>
+          <a:p>
+            <a:pPr lvl="1"/>
+            <a:endParaRPr lang="en-US" altLang="ko-KR" dirty="0" smtClean="0"/>
+          </a:p>
+          <a:p>
+            <a:r>
+              <a:rPr lang="ko-KR" altLang="en-US" dirty="0" smtClean="0"/>
+              <a:t>장기 과제</a:t>
+            </a:r>
+            <a:r>
+              <a:rPr lang="en-US" altLang="ko-KR" dirty="0" smtClean="0"/>
+              <a:t>: </a:t>
+            </a:r>
+          </a:p>
+          <a:p>
+            <a:pPr lvl="1"/>
+            <a:r>
+              <a:rPr lang="ko-KR" altLang="en-US" dirty="0" smtClean="0"/>
+              <a:t>나만의 포트폴리오를 작성한다</a:t>
+            </a:r>
+            <a:r>
+              <a:rPr lang="en-US" altLang="ko-KR" dirty="0" smtClean="0"/>
+              <a:t>.</a:t>
+            </a:r>
+          </a:p>
+          <a:p>
+            <a:pPr lvl="1"/>
+            <a:r>
+              <a:rPr lang="ko-KR" altLang="en-US" dirty="0" smtClean="0"/>
+              <a:t>과정 중 개발한 소스코드를 </a:t>
+            </a:r>
+            <a:r>
+              <a:rPr lang="en-US" altLang="ko-KR" dirty="0" err="1" smtClean="0"/>
+              <a:t>Github</a:t>
+            </a:r>
+            <a:r>
+              <a:rPr lang="ko-KR" altLang="en-US" dirty="0" smtClean="0"/>
+              <a:t>로 관리한다</a:t>
+            </a:r>
+            <a:r>
+              <a:rPr lang="en-US" altLang="ko-KR" dirty="0" smtClean="0"/>
+              <a:t>.</a:t>
+            </a:r>
+          </a:p>
+          <a:p>
+            <a:endParaRPr lang="en-US" altLang="ko-KR" dirty="0" smtClean="0"/>
+          </a:p>
+          <a:p>
+            <a:endParaRPr lang="en-US" altLang="ko-KR" dirty="0" smtClean="0"/>
+          </a:p>
+          <a:p>
+            <a:endParaRPr lang="ko-KR" altLang="en-US" dirty="0"/>
+          </a:p>
+        </p:txBody>
+      </p:sp>
+    </p:spTree>
+    <p:extLst>
+      <p:ext uri="{BB962C8B-B14F-4D97-AF65-F5344CB8AC3E}">
+        <p14:creationId xmlns:p14="http://schemas.microsoft.com/office/powerpoint/2010/main" val="3724092545"/>
+      </p:ext>
+    </p:extLst>
+  </p:cSld>
+  <p:clrMapOvr>
+    <a:masterClrMapping/>
+  </p:clrMapOvr>
+  <p:timing>
+    <p:tnLst>
+      <p:par>
+        <p:cTn id="1" dur="indefinite" restart="never" nodeType="tmRoot"/>
+      </p:par>
+    </p:tnLst>
+  </p:timing>
+</p:sld>
+</file>
+
 <file path=ppt/slides/slide5.xml><?xml version="1.0" encoding="utf-8"?>
 <p:sld xmlns:a="http://schemas.openxmlformats.org/drawingml/2006/main" xmlns:r="http://schemas.openxmlformats.org/officeDocument/2006/relationships" xmlns:p="http://schemas.openxmlformats.org/presentationml/2006/main">
   <p:cSld>

--- a/한2018_파이썬을 활용한 데이터 분석_강의개요.pptx
+++ b/한2018_파이썬을 활용한 데이터 분석_강의개요.pptx
@@ -7,10 +7,10 @@
     <p:sldMasterId id="2147483687" r:id="rId3"/>
   </p:sldMasterIdLst>
   <p:notesMasterIdLst>
-    <p:notesMasterId r:id="rId21"/>
+    <p:notesMasterId r:id="rId23"/>
   </p:notesMasterIdLst>
   <p:handoutMasterIdLst>
-    <p:handoutMasterId r:id="rId22"/>
+    <p:handoutMasterId r:id="rId24"/>
   </p:handoutMasterIdLst>
   <p:sldIdLst>
     <p:sldId id="1553" r:id="rId4"/>
@@ -27,9 +27,11 @@
     <p:sldId id="2107" r:id="rId15"/>
     <p:sldId id="2108" r:id="rId16"/>
     <p:sldId id="2109" r:id="rId17"/>
-    <p:sldId id="2096" r:id="rId18"/>
-    <p:sldId id="2098" r:id="rId19"/>
-    <p:sldId id="2095" r:id="rId20"/>
+    <p:sldId id="2110" r:id="rId18"/>
+    <p:sldId id="2111" r:id="rId19"/>
+    <p:sldId id="2096" r:id="rId20"/>
+    <p:sldId id="2098" r:id="rId21"/>
+    <p:sldId id="2095" r:id="rId22"/>
   </p:sldIdLst>
   <p:sldSz cx="9906000" cy="6858000" type="A4"/>
   <p:notesSz cx="7016750" cy="9302750"/>
@@ -243,7 +245,7 @@
           <a:p>
             <a:fld id="{EED6BC92-8766-470F-B2F7-967053648231}" type="datetimeFigureOut">
               <a:rPr lang="ko-KR" altLang="en-US" smtClean="0"/>
-              <a:t>2018-06-14</a:t>
+              <a:t>2018-06-15</a:t>
             </a:fld>
             <a:endParaRPr lang="ko-KR" altLang="en-US"/>
           </a:p>
@@ -409,7 +411,7 @@
             <a:fld id="{D5D70811-BB17-44EC-93F5-EBED80FC02C9}" type="datetimeFigureOut">
               <a:rPr lang="ko-KR" altLang="en-US" smtClean="0"/>
               <a:pPr/>
-              <a:t>2018-06-14</a:t>
+              <a:t>2018-06-15</a:t>
             </a:fld>
             <a:endParaRPr lang="ko-KR" altLang="en-US"/>
           </a:p>
@@ -1152,7 +1154,7 @@
                 <a:tabLst/>
                 <a:defRPr/>
               </a:pPr>
-              <a:t>2018-06-14</a:t>
+              <a:t>2018-06-15</a:t>
             </a:fld>
             <a:endParaRPr kumimoji="0" lang="ko-KR" altLang="en-US" sz="1100" b="0" i="0" u="none" strike="noStrike" kern="1200" cap="none" spc="0" normalizeH="0" baseline="0" noProof="0">
               <a:ln>
@@ -1569,7 +1571,7 @@
                 <a:tabLst/>
                 <a:defRPr/>
               </a:pPr>
-              <a:t>2018-06-14</a:t>
+              <a:t>2018-06-15</a:t>
             </a:fld>
             <a:endParaRPr kumimoji="0" lang="ko-KR" altLang="en-US" sz="1100" b="0" i="0" u="none" strike="noStrike" kern="1200" cap="none" spc="0" normalizeH="0" baseline="0" noProof="0">
               <a:ln>
@@ -1902,7 +1904,7 @@
                 <a:tabLst/>
                 <a:defRPr/>
               </a:pPr>
-              <a:t>2018-06-14</a:t>
+              <a:t>2018-06-15</a:t>
             </a:fld>
             <a:endParaRPr kumimoji="0" lang="ko-KR" altLang="en-US" sz="1100" b="0" i="0" u="none" strike="noStrike" kern="1200" cap="none" spc="0" normalizeH="0" baseline="0" noProof="0">
               <a:ln>
@@ -2245,7 +2247,7 @@
                 <a:tabLst/>
                 <a:defRPr/>
               </a:pPr>
-              <a:t>2018-06-14</a:t>
+              <a:t>2018-06-15</a:t>
             </a:fld>
             <a:endParaRPr kumimoji="0" lang="ko-KR" altLang="en-US" sz="1100" b="0" i="0" u="none" strike="noStrike" kern="1200" cap="none" spc="0" normalizeH="0" baseline="0" noProof="0">
               <a:ln>
@@ -2639,7 +2641,7 @@
             <a:fld id="{BD343E2E-D187-44B7-945F-E031827BE040}" type="datetime1">
               <a:rPr lang="ko-KR" altLang="en-US" smtClean="0"/>
               <a:pPr/>
-              <a:t>2018-06-14</a:t>
+              <a:t>2018-06-15</a:t>
             </a:fld>
             <a:endParaRPr lang="ko-KR" altLang="en-US"/>
           </a:p>
@@ -2758,7 +2760,7 @@
             <a:fld id="{BD343E2E-D187-44B7-945F-E031827BE040}" type="datetime1">
               <a:rPr lang="ko-KR" altLang="en-US" smtClean="0"/>
               <a:pPr/>
-              <a:t>2018-06-14</a:t>
+              <a:t>2018-06-15</a:t>
             </a:fld>
             <a:endParaRPr lang="ko-KR" altLang="en-US"/>
           </a:p>
@@ -5610,7 +5612,7 @@
                 <a:tabLst/>
                 <a:defRPr/>
               </a:pPr>
-              <a:t>2018-06-14</a:t>
+              <a:t>2018-06-15</a:t>
             </a:fld>
             <a:endParaRPr kumimoji="0" lang="ko-KR" altLang="en-US" sz="1100" b="0" i="0" u="none" strike="noStrike" kern="1200" cap="none" spc="0" normalizeH="0" baseline="0" noProof="0">
               <a:ln>
@@ -7341,7 +7343,7 @@
           <a:p>
             <a:fld id="{880387B8-3802-47BF-8C63-CEC4E1DDA9E2}" type="datetimeFigureOut">
               <a:rPr lang="ko-KR" altLang="en-US" smtClean="0"/>
-              <a:t>2018-06-14</a:t>
+              <a:t>2018-06-15</a:t>
             </a:fld>
             <a:endParaRPr lang="ko-KR" altLang="en-US"/>
           </a:p>
@@ -7509,7 +7511,7 @@
           <a:p>
             <a:fld id="{880387B8-3802-47BF-8C63-CEC4E1DDA9E2}" type="datetimeFigureOut">
               <a:rPr lang="ko-KR" altLang="en-US" smtClean="0"/>
-              <a:t>2018-06-14</a:t>
+              <a:t>2018-06-15</a:t>
             </a:fld>
             <a:endParaRPr lang="ko-KR" altLang="en-US"/>
           </a:p>
@@ -8679,7 +8681,7 @@
           <a:p>
             <a:fld id="{880387B8-3802-47BF-8C63-CEC4E1DDA9E2}" type="datetimeFigureOut">
               <a:rPr lang="ko-KR" altLang="en-US" smtClean="0"/>
-              <a:t>2018-06-14</a:t>
+              <a:t>2018-06-15</a:t>
             </a:fld>
             <a:endParaRPr lang="ko-KR" altLang="en-US"/>
           </a:p>
@@ -8964,7 +8966,7 @@
           <a:p>
             <a:fld id="{880387B8-3802-47BF-8C63-CEC4E1DDA9E2}" type="datetimeFigureOut">
               <a:rPr lang="ko-KR" altLang="en-US" smtClean="0"/>
-              <a:t>2018-06-14</a:t>
+              <a:t>2018-06-15</a:t>
             </a:fld>
             <a:endParaRPr lang="ko-KR" altLang="en-US"/>
           </a:p>
@@ -9383,7 +9385,7 @@
           <a:p>
             <a:fld id="{880387B8-3802-47BF-8C63-CEC4E1DDA9E2}" type="datetimeFigureOut">
               <a:rPr lang="ko-KR" altLang="en-US" smtClean="0"/>
-              <a:t>2018-06-14</a:t>
+              <a:t>2018-06-15</a:t>
             </a:fld>
             <a:endParaRPr lang="ko-KR" altLang="en-US"/>
           </a:p>
@@ -9500,7 +9502,7 @@
           <a:p>
             <a:fld id="{880387B8-3802-47BF-8C63-CEC4E1DDA9E2}" type="datetimeFigureOut">
               <a:rPr lang="ko-KR" altLang="en-US" smtClean="0"/>
-              <a:t>2018-06-14</a:t>
+              <a:t>2018-06-15</a:t>
             </a:fld>
             <a:endParaRPr lang="ko-KR" altLang="en-US"/>
           </a:p>
@@ -9595,7 +9597,7 @@
           <a:p>
             <a:fld id="{880387B8-3802-47BF-8C63-CEC4E1DDA9E2}" type="datetimeFigureOut">
               <a:rPr lang="ko-KR" altLang="en-US" smtClean="0"/>
-              <a:t>2018-06-14</a:t>
+              <a:t>2018-06-15</a:t>
             </a:fld>
             <a:endParaRPr lang="ko-KR" altLang="en-US"/>
           </a:p>
@@ -9870,7 +9872,7 @@
           <a:p>
             <a:fld id="{880387B8-3802-47BF-8C63-CEC4E1DDA9E2}" type="datetimeFigureOut">
               <a:rPr lang="ko-KR" altLang="en-US" smtClean="0"/>
-              <a:t>2018-06-14</a:t>
+              <a:t>2018-06-15</a:t>
             </a:fld>
             <a:endParaRPr lang="ko-KR" altLang="en-US"/>
           </a:p>
@@ -10122,7 +10124,7 @@
           <a:p>
             <a:fld id="{880387B8-3802-47BF-8C63-CEC4E1DDA9E2}" type="datetimeFigureOut">
               <a:rPr lang="ko-KR" altLang="en-US" smtClean="0"/>
-              <a:t>2018-06-14</a:t>
+              <a:t>2018-06-15</a:t>
             </a:fld>
             <a:endParaRPr lang="ko-KR" altLang="en-US"/>
           </a:p>
@@ -10290,7 +10292,7 @@
           <a:p>
             <a:fld id="{880387B8-3802-47BF-8C63-CEC4E1DDA9E2}" type="datetimeFigureOut">
               <a:rPr lang="ko-KR" altLang="en-US" smtClean="0"/>
-              <a:t>2018-06-14</a:t>
+              <a:t>2018-06-15</a:t>
             </a:fld>
             <a:endParaRPr lang="ko-KR" altLang="en-US"/>
           </a:p>
@@ -10468,7 +10470,7 @@
           <a:p>
             <a:fld id="{880387B8-3802-47BF-8C63-CEC4E1DDA9E2}" type="datetimeFigureOut">
               <a:rPr lang="ko-KR" altLang="en-US" smtClean="0"/>
-              <a:t>2018-06-14</a:t>
+              <a:t>2018-06-15</a:t>
             </a:fld>
             <a:endParaRPr lang="ko-KR" altLang="en-US"/>
           </a:p>
@@ -10708,7 +10710,7 @@
           <a:p>
             <a:fld id="{365DA058-1A9C-4BAD-94E2-21D6C076F22A}" type="datetimeFigureOut">
               <a:rPr lang="ko-KR" altLang="en-US" smtClean="0"/>
-              <a:t>2018-06-14</a:t>
+              <a:t>2018-06-15</a:t>
             </a:fld>
             <a:endParaRPr lang="ko-KR" altLang="en-US"/>
           </a:p>
@@ -11003,7 +11005,7 @@
                 <a:tabLst/>
                 <a:defRPr/>
               </a:pPr>
-              <a:t>2018-06-14</a:t>
+              <a:t>2018-06-15</a:t>
             </a:fld>
             <a:endParaRPr kumimoji="0" lang="ko-KR" altLang="en-US" sz="1100" b="0" i="0" u="none" strike="noStrike" kern="1200" cap="none" spc="0" normalizeH="0" baseline="0" noProof="0">
               <a:ln>
@@ -11286,7 +11288,7 @@
           <a:p>
             <a:fld id="{365DA058-1A9C-4BAD-94E2-21D6C076F22A}" type="datetimeFigureOut">
               <a:rPr lang="ko-KR" altLang="en-US" smtClean="0"/>
-              <a:t>2018-06-14</a:t>
+              <a:t>2018-06-15</a:t>
             </a:fld>
             <a:endParaRPr lang="ko-KR" altLang="en-US"/>
           </a:p>
@@ -11531,7 +11533,7 @@
           <a:p>
             <a:fld id="{365DA058-1A9C-4BAD-94E2-21D6C076F22A}" type="datetimeFigureOut">
               <a:rPr lang="ko-KR" altLang="en-US" smtClean="0"/>
-              <a:t>2018-06-14</a:t>
+              <a:t>2018-06-15</a:t>
             </a:fld>
             <a:endParaRPr lang="ko-KR" altLang="en-US"/>
           </a:p>
@@ -11816,7 +11818,7 @@
           <a:p>
             <a:fld id="{365DA058-1A9C-4BAD-94E2-21D6C076F22A}" type="datetimeFigureOut">
               <a:rPr lang="ko-KR" altLang="en-US" smtClean="0"/>
-              <a:t>2018-06-14</a:t>
+              <a:t>2018-06-15</a:t>
             </a:fld>
             <a:endParaRPr lang="ko-KR" altLang="en-US"/>
           </a:p>
@@ -12235,7 +12237,7 @@
           <a:p>
             <a:fld id="{365DA058-1A9C-4BAD-94E2-21D6C076F22A}" type="datetimeFigureOut">
               <a:rPr lang="ko-KR" altLang="en-US" smtClean="0"/>
-              <a:t>2018-06-14</a:t>
+              <a:t>2018-06-15</a:t>
             </a:fld>
             <a:endParaRPr lang="ko-KR" altLang="en-US"/>
           </a:p>
@@ -12352,7 +12354,7 @@
           <a:p>
             <a:fld id="{365DA058-1A9C-4BAD-94E2-21D6C076F22A}" type="datetimeFigureOut">
               <a:rPr lang="ko-KR" altLang="en-US" smtClean="0"/>
-              <a:t>2018-06-14</a:t>
+              <a:t>2018-06-15</a:t>
             </a:fld>
             <a:endParaRPr lang="ko-KR" altLang="en-US"/>
           </a:p>
@@ -12447,7 +12449,7 @@
           <a:p>
             <a:fld id="{365DA058-1A9C-4BAD-94E2-21D6C076F22A}" type="datetimeFigureOut">
               <a:rPr lang="ko-KR" altLang="en-US" smtClean="0"/>
-              <a:t>2018-06-14</a:t>
+              <a:t>2018-06-15</a:t>
             </a:fld>
             <a:endParaRPr lang="ko-KR" altLang="en-US"/>
           </a:p>
@@ -12722,7 +12724,7 @@
           <a:p>
             <a:fld id="{365DA058-1A9C-4BAD-94E2-21D6C076F22A}" type="datetimeFigureOut">
               <a:rPr lang="ko-KR" altLang="en-US" smtClean="0"/>
-              <a:t>2018-06-14</a:t>
+              <a:t>2018-06-15</a:t>
             </a:fld>
             <a:endParaRPr lang="ko-KR" altLang="en-US"/>
           </a:p>
@@ -12974,7 +12976,7 @@
           <a:p>
             <a:fld id="{365DA058-1A9C-4BAD-94E2-21D6C076F22A}" type="datetimeFigureOut">
               <a:rPr lang="ko-KR" altLang="en-US" smtClean="0"/>
-              <a:t>2018-06-14</a:t>
+              <a:t>2018-06-15</a:t>
             </a:fld>
             <a:endParaRPr lang="ko-KR" altLang="en-US"/>
           </a:p>
@@ -13142,7 +13144,7 @@
           <a:p>
             <a:fld id="{365DA058-1A9C-4BAD-94E2-21D6C076F22A}" type="datetimeFigureOut">
               <a:rPr lang="ko-KR" altLang="en-US" smtClean="0"/>
-              <a:t>2018-06-14</a:t>
+              <a:t>2018-06-15</a:t>
             </a:fld>
             <a:endParaRPr lang="ko-KR" altLang="en-US"/>
           </a:p>
@@ -13320,7 +13322,7 @@
           <a:p>
             <a:fld id="{365DA058-1A9C-4BAD-94E2-21D6C076F22A}" type="datetimeFigureOut">
               <a:rPr lang="ko-KR" altLang="en-US" smtClean="0"/>
-              <a:t>2018-06-14</a:t>
+              <a:t>2018-06-15</a:t>
             </a:fld>
             <a:endParaRPr lang="ko-KR" altLang="en-US"/>
           </a:p>
@@ -13655,7 +13657,7 @@
                 <a:tabLst/>
                 <a:defRPr/>
               </a:pPr>
-              <a:t>2018-06-14</a:t>
+              <a:t>2018-06-15</a:t>
             </a:fld>
             <a:endParaRPr kumimoji="0" lang="ko-KR" altLang="en-US" sz="1100" b="0" i="0" u="none" strike="noStrike" kern="1200" cap="none" spc="0" normalizeH="0" baseline="0" noProof="0">
               <a:ln>
@@ -14239,7 +14241,7 @@
                 <a:tabLst/>
                 <a:defRPr/>
               </a:pPr>
-              <a:t>2018-06-14</a:t>
+              <a:t>2018-06-15</a:t>
             </a:fld>
             <a:endParaRPr kumimoji="0" lang="ko-KR" altLang="en-US" sz="1100" b="0" i="0" u="none" strike="noStrike" kern="1200" cap="none" spc="0" normalizeH="0" baseline="0" noProof="0">
               <a:ln>
@@ -14521,7 +14523,7 @@
                 <a:tabLst/>
                 <a:defRPr/>
               </a:pPr>
-              <a:t>2018-06-14</a:t>
+              <a:t>2018-06-15</a:t>
             </a:fld>
             <a:endParaRPr kumimoji="0" lang="ko-KR" altLang="en-US" sz="1100" b="0" i="0" u="none" strike="noStrike" kern="1200" cap="none" spc="0" normalizeH="0" baseline="0" noProof="0">
               <a:ln>
@@ -14781,7 +14783,7 @@
                 <a:tabLst/>
                 <a:defRPr/>
               </a:pPr>
-              <a:t>2018-06-14</a:t>
+              <a:t>2018-06-15</a:t>
             </a:fld>
             <a:endParaRPr kumimoji="0" lang="ko-KR" altLang="en-US" sz="1100" b="0" i="0" u="none" strike="noStrike" kern="1200" cap="none" spc="0" normalizeH="0" baseline="0" noProof="0">
               <a:ln>
@@ -15097,7 +15099,7 @@
                 <a:tabLst/>
                 <a:defRPr/>
               </a:pPr>
-              <a:t>2018-06-14</a:t>
+              <a:t>2018-06-15</a:t>
             </a:fld>
             <a:endParaRPr kumimoji="0" lang="ko-KR" altLang="en-US" sz="1100" b="0" i="0" u="none" strike="noStrike" kern="1200" cap="none" spc="0" normalizeH="0" baseline="0" noProof="0">
               <a:ln>
@@ -15876,7 +15878,7 @@
           <a:p>
             <a:fld id="{880387B8-3802-47BF-8C63-CEC4E1DDA9E2}" type="datetimeFigureOut">
               <a:rPr lang="ko-KR" altLang="en-US" smtClean="0"/>
-              <a:t>2018-06-14</a:t>
+              <a:t>2018-06-15</a:t>
             </a:fld>
             <a:endParaRPr lang="ko-KR" altLang="en-US"/>
           </a:p>
@@ -16384,7 +16386,7 @@
           <a:p>
             <a:fld id="{365DA058-1A9C-4BAD-94E2-21D6C076F22A}" type="datetimeFigureOut">
               <a:rPr lang="ko-KR" altLang="en-US" smtClean="0"/>
-              <a:t>2018-06-14</a:t>
+              <a:t>2018-06-15</a:t>
             </a:fld>
             <a:endParaRPr lang="ko-KR" altLang="en-US"/>
           </a:p>
@@ -18296,11 +18298,7 @@
             </a:r>
             <a:r>
               <a:rPr lang="ko-KR" altLang="en-US" dirty="0" smtClean="0"/>
-              <a:t>을 </a:t>
-            </a:r>
-            <a:r>
-              <a:rPr lang="ko-KR" altLang="en-US" dirty="0" smtClean="0"/>
-              <a:t>생성하고 </a:t>
+              <a:t>을 생성하고 </a:t>
             </a:r>
             <a:r>
               <a:rPr lang="en-US" altLang="ko-KR" dirty="0" err="1" smtClean="0"/>
@@ -18501,11 +18499,7 @@
           <a:p>
             <a:r>
               <a:rPr lang="en-US" altLang="ko-KR" dirty="0" smtClean="0"/>
-              <a:t>Day11 </a:t>
-            </a:r>
-            <a:r>
-              <a:rPr lang="en-US" altLang="ko-KR" dirty="0" smtClean="0"/>
-              <a:t>(6</a:t>
+              <a:t>Day11 (6</a:t>
             </a:r>
             <a:r>
               <a:rPr lang="ko-KR" altLang="en-US" dirty="0" smtClean="0"/>
@@ -18589,17 +18583,12 @@
             </a:r>
             <a:r>
               <a:rPr lang="ko-KR" altLang="en-US" dirty="0" smtClean="0"/>
-              <a:t>년 미국 대선 후원금 데이터에 대한 분석에 </a:t>
-            </a:r>
-            <a:r>
-              <a:rPr lang="ko-KR" altLang="en-US" dirty="0" smtClean="0"/>
-              <a:t>그룹별 분석 방법을 적용해본다</a:t>
+              <a:t>년 미국 대선 후원금 데이터에 대한 분석에 그룹별 분석 방법을 적용해본다</a:t>
             </a:r>
             <a:r>
               <a:rPr lang="en-US" altLang="ko-KR" dirty="0" smtClean="0"/>
               <a:t>.</a:t>
             </a:r>
-            <a:endParaRPr lang="en-US" altLang="ko-KR" dirty="0" smtClean="0"/>
           </a:p>
           <a:p>
             <a:pPr lvl="2"/>
@@ -18643,7 +18632,6 @@
               <a:rPr lang="en-US" altLang="ko-KR" dirty="0" smtClean="0"/>
               <a:t>.</a:t>
             </a:r>
-            <a:endParaRPr lang="en-US" altLang="ko-KR" dirty="0" smtClean="0"/>
           </a:p>
           <a:p>
             <a:pPr lvl="1"/>
@@ -18708,28 +18696,28 @@
           <a:lstStyle/>
           <a:p>
             <a:r>
-              <a:rPr lang="ko-KR" altLang="en-US" dirty="0" err="1" smtClean="0"/>
-              <a:t>파이썬</a:t>
-            </a:r>
-            <a:r>
-              <a:rPr lang="en-US" altLang="ko-KR" dirty="0" smtClean="0"/>
-              <a:t>2</a:t>
-            </a:r>
-            <a:r>
-              <a:rPr lang="ko-KR" altLang="en-US" dirty="0" smtClean="0"/>
-              <a:t>와 </a:t>
-            </a:r>
-            <a:r>
-              <a:rPr lang="ko-KR" altLang="en-US" dirty="0" err="1" smtClean="0"/>
-              <a:t>파이썬</a:t>
-            </a:r>
-            <a:r>
-              <a:rPr lang="en-US" altLang="ko-KR" dirty="0" smtClean="0"/>
-              <a:t>3 </a:t>
-            </a:r>
-            <a:r>
-              <a:rPr lang="ko-KR" altLang="en-US" dirty="0" smtClean="0"/>
-              <a:t>함께 설치</a:t>
+              <a:rPr lang="en-US" altLang="ko-KR" dirty="0" smtClean="0"/>
+              <a:t>Day12 </a:t>
+            </a:r>
+            <a:r>
+              <a:rPr lang="en-US" altLang="ko-KR" dirty="0" smtClean="0"/>
+              <a:t>(6</a:t>
+            </a:r>
+            <a:r>
+              <a:rPr lang="ko-KR" altLang="en-US" dirty="0" smtClean="0"/>
+              <a:t>월 </a:t>
+            </a:r>
+            <a:r>
+              <a:rPr lang="en-US" altLang="ko-KR" dirty="0" smtClean="0"/>
+              <a:t>15</a:t>
+            </a:r>
+            <a:r>
+              <a:rPr lang="ko-KR" altLang="en-US" dirty="0" smtClean="0"/>
+              <a:t>일</a:t>
+            </a:r>
+            <a:r>
+              <a:rPr lang="en-US" altLang="ko-KR" dirty="0" smtClean="0"/>
+              <a:t>)</a:t>
             </a:r>
             <a:endParaRPr lang="ko-KR" altLang="en-US" dirty="0"/>
           </a:p>
@@ -18751,93 +18739,294 @@
           <a:lstStyle/>
           <a:p>
             <a:r>
-              <a:rPr lang="ko-KR" altLang="en-US" dirty="0" smtClean="0"/>
-              <a:t>먼저 </a:t>
-            </a:r>
-            <a:r>
-              <a:rPr lang="en-US" altLang="ko-KR" dirty="0" smtClean="0"/>
-              <a:t>anaconda3</a:t>
-            </a:r>
-            <a:r>
-              <a:rPr lang="ko-KR" altLang="en-US" dirty="0" smtClean="0"/>
-              <a:t>를 설치</a:t>
+              <a:rPr lang="ko-KR" altLang="en-US" dirty="0"/>
+              <a:t>학습목표</a:t>
+            </a:r>
+            <a:r>
+              <a:rPr lang="en-US" altLang="ko-KR" dirty="0"/>
+              <a:t>: </a:t>
+            </a:r>
+          </a:p>
+          <a:p>
+            <a:pPr lvl="1"/>
+            <a:r>
+              <a:rPr lang="ko-KR" altLang="en-US" dirty="0" smtClean="0"/>
+              <a:t>날짜</a:t>
+            </a:r>
+            <a:r>
+              <a:rPr lang="en-US" altLang="ko-KR" dirty="0" smtClean="0"/>
+              <a:t>, </a:t>
+            </a:r>
+            <a:r>
+              <a:rPr lang="ko-KR" altLang="en-US" dirty="0" smtClean="0"/>
+              <a:t>시각</a:t>
+            </a:r>
+            <a:r>
+              <a:rPr lang="en-US" altLang="ko-KR" dirty="0" smtClean="0"/>
+              <a:t>, </a:t>
+            </a:r>
+            <a:r>
+              <a:rPr lang="ko-KR" altLang="en-US" dirty="0" smtClean="0"/>
+              <a:t>시간 객체를 생성하고 </a:t>
+            </a:r>
+            <a:r>
+              <a:rPr lang="ko-KR" altLang="en-US" dirty="0" err="1" smtClean="0"/>
+              <a:t>색인하는</a:t>
+            </a:r>
+            <a:r>
+              <a:rPr lang="ko-KR" altLang="en-US" dirty="0" smtClean="0"/>
+              <a:t> 방법을 익힌다</a:t>
+            </a:r>
+            <a:r>
+              <a:rPr lang="en-US" altLang="ko-KR" dirty="0" smtClean="0"/>
+              <a:t>.</a:t>
+            </a:r>
+          </a:p>
+          <a:p>
+            <a:pPr lvl="1"/>
+            <a:r>
+              <a:rPr lang="en-US" altLang="ko-KR" dirty="0" err="1" smtClean="0"/>
+              <a:t>DatetimeIndex</a:t>
+            </a:r>
+            <a:r>
+              <a:rPr lang="ko-KR" altLang="en-US" dirty="0" smtClean="0"/>
+              <a:t>를 색인으로 하는 </a:t>
+            </a:r>
+            <a:r>
+              <a:rPr lang="ko-KR" altLang="en-US" dirty="0" err="1" smtClean="0"/>
+              <a:t>시계열</a:t>
+            </a:r>
+            <a:r>
+              <a:rPr lang="ko-KR" altLang="en-US" dirty="0" smtClean="0"/>
+              <a:t> 데이터를 생성하고 </a:t>
+            </a:r>
+            <a:r>
+              <a:rPr lang="ko-KR" altLang="en-US" dirty="0" err="1" smtClean="0"/>
+              <a:t>색인하는</a:t>
+            </a:r>
+            <a:r>
+              <a:rPr lang="ko-KR" altLang="en-US" dirty="0" smtClean="0"/>
+              <a:t> 방법을 익힌다</a:t>
+            </a:r>
+            <a:r>
+              <a:rPr lang="en-US" altLang="ko-KR" dirty="0" smtClean="0"/>
+              <a:t>.</a:t>
+            </a:r>
+            <a:endParaRPr lang="en-US" altLang="ko-KR" dirty="0"/>
+          </a:p>
+          <a:p>
+            <a:r>
+              <a:rPr lang="ko-KR" altLang="en-US" dirty="0" smtClean="0"/>
+              <a:t>과제</a:t>
+            </a:r>
+            <a:r>
+              <a:rPr lang="en-US" altLang="ko-KR" dirty="0" smtClean="0"/>
+              <a:t>:</a:t>
+            </a:r>
+          </a:p>
+          <a:p>
+            <a:pPr lvl="1"/>
+            <a:r>
+              <a:rPr lang="en-US" altLang="ko-KR" dirty="0" smtClean="0">
+                <a:hlinkClick r:id="rId2"/>
+              </a:rPr>
+              <a:t>http://www.fec.gov/disclosure/PDownload.do</a:t>
+            </a:r>
+            <a:r>
+              <a:rPr lang="en-US" altLang="ko-KR" dirty="0" smtClean="0"/>
+              <a:t> </a:t>
+            </a:r>
+            <a:r>
+              <a:rPr lang="ko-KR" altLang="en-US" dirty="0" smtClean="0"/>
+              <a:t>사이트에서 </a:t>
+            </a:r>
+            <a:r>
+              <a:rPr lang="en-US" altLang="ko-KR" dirty="0" smtClean="0"/>
+              <a:t>2016</a:t>
+            </a:r>
+            <a:r>
+              <a:rPr lang="ko-KR" altLang="en-US" dirty="0" smtClean="0"/>
+              <a:t>년 미국 대선 후원금 데이터를 다운받아 다양한 그룹별 분석 방법을 적용해본다</a:t>
+            </a:r>
+            <a:r>
+              <a:rPr lang="en-US" altLang="ko-KR" dirty="0" smtClean="0"/>
+              <a:t>.</a:t>
+            </a:r>
+          </a:p>
+          <a:p>
+            <a:pPr lvl="2" indent="-285750"/>
+            <a:r>
+              <a:rPr lang="ko-KR" altLang="en-US" dirty="0" smtClean="0"/>
+              <a:t>트럼프와 </a:t>
+            </a:r>
+            <a:r>
+              <a:rPr lang="ko-KR" altLang="en-US" dirty="0" err="1" smtClean="0"/>
+              <a:t>힐러리를</a:t>
+            </a:r>
+            <a:r>
+              <a:rPr lang="ko-KR" altLang="en-US" dirty="0" smtClean="0"/>
+              <a:t> 후원한 데이터 만을 골라낸다</a:t>
+            </a:r>
+            <a:r>
+              <a:rPr lang="en-US" altLang="ko-KR" dirty="0" smtClean="0"/>
+              <a:t>.</a:t>
+            </a:r>
+          </a:p>
+          <a:p>
+            <a:pPr lvl="2" indent="-285750"/>
+            <a:r>
+              <a:rPr lang="ko-KR" altLang="en-US" dirty="0" smtClean="0"/>
+              <a:t>직업 별로 트럼프와 </a:t>
+            </a:r>
+            <a:r>
+              <a:rPr lang="ko-KR" altLang="en-US" dirty="0" err="1" smtClean="0"/>
+              <a:t>힐러리의</a:t>
+            </a:r>
+            <a:r>
+              <a:rPr lang="ko-KR" altLang="en-US" dirty="0" smtClean="0"/>
+              <a:t> 후원총액 비율을 보여주는 </a:t>
+            </a:r>
+            <a:r>
+              <a:rPr lang="ko-KR" altLang="en-US" dirty="0" err="1" smtClean="0"/>
+              <a:t>피봇테이블을</a:t>
+            </a:r>
+            <a:r>
+              <a:rPr lang="ko-KR" altLang="en-US" dirty="0" smtClean="0"/>
+              <a:t> 작성하라</a:t>
+            </a:r>
+            <a:r>
+              <a:rPr lang="en-US" altLang="ko-KR" dirty="0" smtClean="0"/>
+              <a:t>.</a:t>
+            </a:r>
+          </a:p>
+          <a:p>
+            <a:pPr lvl="2" indent="-285750"/>
+            <a:r>
+              <a:rPr lang="ko-KR" altLang="en-US" dirty="0" smtClean="0"/>
+              <a:t>고용주 별로 </a:t>
+            </a:r>
+            <a:r>
+              <a:rPr lang="ko-KR" altLang="en-US" dirty="0"/>
+              <a:t>트럼프와 </a:t>
+            </a:r>
+            <a:r>
+              <a:rPr lang="ko-KR" altLang="en-US" dirty="0" err="1"/>
+              <a:t>힐러리의</a:t>
+            </a:r>
+            <a:r>
+              <a:rPr lang="ko-KR" altLang="en-US" dirty="0"/>
+              <a:t> 후원총액 비율을 보여주는 </a:t>
+            </a:r>
+            <a:r>
+              <a:rPr lang="ko-KR" altLang="en-US" dirty="0" err="1"/>
+              <a:t>피봇테이블을</a:t>
+            </a:r>
+            <a:r>
+              <a:rPr lang="ko-KR" altLang="en-US" dirty="0"/>
+              <a:t> 작성하라</a:t>
+            </a:r>
+            <a:r>
+              <a:rPr lang="en-US" altLang="ko-KR" dirty="0"/>
+              <a:t>.</a:t>
+            </a:r>
+          </a:p>
+          <a:p>
+            <a:pPr lvl="2" indent="-285750"/>
+            <a:r>
+              <a:rPr lang="ko-KR" altLang="en-US" dirty="0" smtClean="0"/>
+              <a:t>주 </a:t>
+            </a:r>
+            <a:r>
+              <a:rPr lang="ko-KR" altLang="en-US" dirty="0"/>
+              <a:t>별로 트럼프와 </a:t>
+            </a:r>
+            <a:r>
+              <a:rPr lang="ko-KR" altLang="en-US" dirty="0" err="1"/>
+              <a:t>힐러리의</a:t>
+            </a:r>
+            <a:r>
+              <a:rPr lang="ko-KR" altLang="en-US" dirty="0"/>
+              <a:t> 후원총액 비율을 보여주는 </a:t>
+            </a:r>
+            <a:r>
+              <a:rPr lang="ko-KR" altLang="en-US" dirty="0" err="1"/>
+              <a:t>피봇테이블을</a:t>
+            </a:r>
+            <a:r>
+              <a:rPr lang="ko-KR" altLang="en-US" dirty="0"/>
+              <a:t> 작성하라</a:t>
             </a:r>
             <a:endParaRPr lang="en-US" altLang="ko-KR" dirty="0" smtClean="0"/>
           </a:p>
           <a:p>
-            <a:r>
-              <a:rPr lang="en-US" altLang="ko-KR" dirty="0" smtClean="0"/>
-              <a:t>Anaconda prompt</a:t>
-            </a:r>
-            <a:r>
-              <a:rPr lang="ko-KR" altLang="en-US" dirty="0" smtClean="0"/>
-              <a:t>에서 아래 구문 실행</a:t>
+            <a:pPr lvl="2" indent="-285750"/>
+            <a:r>
+              <a:rPr lang="ko-KR" altLang="en-US" dirty="0" smtClean="0"/>
+              <a:t>후원금의 규모별 트럼프와 </a:t>
+            </a:r>
+            <a:r>
+              <a:rPr lang="ko-KR" altLang="en-US" dirty="0" err="1" smtClean="0"/>
+              <a:t>힐러리</a:t>
+            </a:r>
+            <a:r>
+              <a:rPr lang="ko-KR" altLang="en-US" dirty="0" smtClean="0"/>
+              <a:t> 후원빈도를 보여주는 </a:t>
+            </a:r>
+            <a:r>
+              <a:rPr lang="ko-KR" altLang="en-US" dirty="0" err="1" smtClean="0"/>
+              <a:t>피봇테이블을</a:t>
+            </a:r>
+            <a:r>
+              <a:rPr lang="ko-KR" altLang="en-US" dirty="0" smtClean="0"/>
+              <a:t> 작성하라</a:t>
+            </a:r>
+            <a:r>
+              <a:rPr lang="en-US" altLang="ko-KR" dirty="0" smtClean="0"/>
+              <a:t>.</a:t>
+            </a:r>
+          </a:p>
+          <a:p>
+            <a:pPr lvl="2" indent="-285750"/>
+            <a:r>
+              <a:rPr lang="ko-KR" altLang="en-US" dirty="0" smtClean="0"/>
+              <a:t>월 별로 트럼프와 </a:t>
+            </a:r>
+            <a:r>
+              <a:rPr lang="ko-KR" altLang="en-US" dirty="0" err="1" smtClean="0"/>
+              <a:t>힐러리의</a:t>
+            </a:r>
+            <a:r>
+              <a:rPr lang="ko-KR" altLang="en-US" dirty="0" smtClean="0"/>
+              <a:t> 후원총액을 보여주는 </a:t>
+            </a:r>
+            <a:r>
+              <a:rPr lang="ko-KR" altLang="en-US" dirty="0" err="1" smtClean="0"/>
+              <a:t>피봇테이블을</a:t>
+            </a:r>
+            <a:r>
+              <a:rPr lang="ko-KR" altLang="en-US" dirty="0" smtClean="0"/>
+              <a:t> 작성하라</a:t>
+            </a:r>
+            <a:r>
+              <a:rPr lang="en-US" altLang="ko-KR" dirty="0" smtClean="0"/>
+              <a:t>.</a:t>
             </a:r>
             <a:endParaRPr lang="en-US" altLang="ko-KR" dirty="0" smtClean="0"/>
           </a:p>
           <a:p>
             <a:pPr lvl="1"/>
-            <a:r>
-              <a:rPr lang="en-US" altLang="ko-KR" dirty="0" err="1" smtClean="0"/>
-              <a:t>conda</a:t>
-            </a:r>
-            <a:r>
-              <a:rPr lang="en-US" altLang="ko-KR" dirty="0" smtClean="0"/>
-              <a:t> create –n py27 python=2.7 anaconda</a:t>
-            </a:r>
+            <a:endParaRPr lang="en-US" altLang="ko-KR" dirty="0" smtClean="0"/>
           </a:p>
           <a:p>
             <a:pPr lvl="1"/>
-            <a:r>
-              <a:rPr lang="en-US" altLang="ko-KR" dirty="0" err="1" smtClean="0"/>
-              <a:t>conda</a:t>
-            </a:r>
-            <a:r>
-              <a:rPr lang="en-US" altLang="ko-KR" dirty="0" smtClean="0"/>
-              <a:t> activate py27</a:t>
-            </a:r>
-          </a:p>
-          <a:p>
-            <a:r>
-              <a:rPr lang="en-US" altLang="ko-KR" dirty="0" smtClean="0"/>
-              <a:t>anaconda navigator</a:t>
-            </a:r>
-            <a:r>
-              <a:rPr lang="ko-KR" altLang="en-US" dirty="0" smtClean="0"/>
-              <a:t>에서 </a:t>
-            </a:r>
-            <a:r>
-              <a:rPr lang="en-US" altLang="ko-KR" dirty="0" smtClean="0"/>
-              <a:t>base </a:t>
-            </a:r>
-            <a:r>
-              <a:rPr lang="ko-KR" altLang="en-US" dirty="0" smtClean="0"/>
-              <a:t>또는 </a:t>
-            </a:r>
-            <a:r>
-              <a:rPr lang="en-US" altLang="ko-KR" dirty="0" smtClean="0"/>
-              <a:t>py27</a:t>
-            </a:r>
-            <a:r>
-              <a:rPr lang="ko-KR" altLang="en-US" dirty="0" smtClean="0"/>
-              <a:t>을 선택하여 </a:t>
-            </a:r>
-            <a:r>
-              <a:rPr lang="en-US" altLang="ko-KR" dirty="0" smtClean="0"/>
-              <a:t>application </a:t>
-            </a:r>
-            <a:r>
-              <a:rPr lang="ko-KR" altLang="en-US" dirty="0" smtClean="0"/>
-              <a:t>실행</a:t>
-            </a:r>
-            <a:endParaRPr lang="ko-KR" altLang="en-US" dirty="0"/>
+            <a:endParaRPr lang="en-US" altLang="ko-KR" dirty="0" smtClean="0"/>
           </a:p>
         </p:txBody>
       </p:sp>
     </p:spTree>
     <p:extLst>
       <p:ext uri="{BB962C8B-B14F-4D97-AF65-F5344CB8AC3E}">
-        <p14:creationId xmlns:p14="http://schemas.microsoft.com/office/powerpoint/2010/main" val="1716625921"/>
+        <p14:creationId xmlns:p14="http://schemas.microsoft.com/office/powerpoint/2010/main" val="1708591251"/>
       </p:ext>
     </p:extLst>
   </p:cSld>
@@ -18887,6 +19076,422 @@
           <a:lstStyle/>
           <a:p>
             <a:r>
+              <a:rPr lang="ko-KR" altLang="en-US" dirty="0" smtClean="0"/>
+              <a:t>미니프로젝트 </a:t>
+            </a:r>
+            <a:r>
+              <a:rPr lang="ko-KR" altLang="en-US" dirty="0" err="1" smtClean="0"/>
+              <a:t>기획안</a:t>
+            </a:r>
+            <a:r>
+              <a:rPr lang="ko-KR" altLang="en-US" dirty="0" smtClean="0"/>
+              <a:t> 포함할 내용</a:t>
+            </a:r>
+            <a:endParaRPr lang="ko-KR" altLang="en-US" dirty="0"/>
+          </a:p>
+        </p:txBody>
+      </p:sp>
+      <p:sp>
+        <p:nvSpPr>
+          <p:cNvPr id="3" name="내용 개체 틀 2"/>
+          <p:cNvSpPr>
+            <a:spLocks noGrp="1"/>
+          </p:cNvSpPr>
+          <p:nvPr>
+            <p:ph idx="1"/>
+          </p:nvPr>
+        </p:nvSpPr>
+        <p:spPr/>
+        <p:txBody>
+          <a:bodyPr/>
+          <a:lstStyle/>
+          <a:p>
+            <a:r>
+              <a:rPr lang="ko-KR" altLang="en-US" dirty="0" smtClean="0"/>
+              <a:t>주제</a:t>
+            </a:r>
+            <a:r>
+              <a:rPr lang="en-US" altLang="ko-KR" dirty="0" smtClean="0"/>
+              <a:t>: </a:t>
+            </a:r>
+            <a:endParaRPr lang="en-US" altLang="ko-KR" dirty="0"/>
+          </a:p>
+          <a:p>
+            <a:pPr lvl="1"/>
+            <a:r>
+              <a:rPr lang="en-US" altLang="ko-KR" dirty="0" smtClean="0"/>
+              <a:t>‘Life’ (</a:t>
+            </a:r>
+            <a:r>
+              <a:rPr lang="ko-KR" altLang="en-US" dirty="0" smtClean="0"/>
+              <a:t>삶</a:t>
+            </a:r>
+            <a:r>
+              <a:rPr lang="en-US" altLang="ko-KR" dirty="0" smtClean="0"/>
+              <a:t>, </a:t>
+            </a:r>
+            <a:r>
+              <a:rPr lang="ko-KR" altLang="en-US" dirty="0" smtClean="0"/>
+              <a:t>생명</a:t>
+            </a:r>
+            <a:r>
+              <a:rPr lang="en-US" altLang="ko-KR" dirty="0" smtClean="0"/>
+              <a:t>)</a:t>
+            </a:r>
+            <a:r>
+              <a:rPr lang="ko-KR" altLang="en-US" dirty="0" smtClean="0"/>
+              <a:t>과 연관된 데이터를 분석하여 분석결과를 </a:t>
+            </a:r>
+            <a:r>
+              <a:rPr lang="en-US" altLang="ko-KR" dirty="0" err="1" smtClean="0"/>
+              <a:t>Jupyter</a:t>
+            </a:r>
+            <a:r>
+              <a:rPr lang="en-US" altLang="ko-KR" dirty="0" smtClean="0"/>
+              <a:t> Notebook</a:t>
+            </a:r>
+            <a:r>
+              <a:rPr lang="ko-KR" altLang="en-US" dirty="0" smtClean="0"/>
+              <a:t>을 이용하여 보고서로 작성한다</a:t>
+            </a:r>
+            <a:r>
+              <a:rPr lang="en-US" altLang="ko-KR" dirty="0" smtClean="0"/>
+              <a:t>.</a:t>
+            </a:r>
+          </a:p>
+          <a:p>
+            <a:pPr lvl="1"/>
+            <a:endParaRPr lang="en-US" altLang="ko-KR" dirty="0" smtClean="0"/>
+          </a:p>
+          <a:p>
+            <a:r>
+              <a:rPr lang="ko-KR" altLang="en-US" dirty="0" smtClean="0"/>
+              <a:t>필수 요구사항</a:t>
+            </a:r>
+            <a:r>
+              <a:rPr lang="en-US" altLang="ko-KR" dirty="0" smtClean="0"/>
+              <a:t>:</a:t>
+            </a:r>
+          </a:p>
+          <a:p>
+            <a:pPr lvl="1"/>
+            <a:r>
+              <a:rPr lang="ko-KR" altLang="en-US" dirty="0" smtClean="0"/>
+              <a:t>분석할 데이터는 무엇인가</a:t>
+            </a:r>
+            <a:r>
+              <a:rPr lang="en-US" altLang="ko-KR" dirty="0" smtClean="0"/>
+              <a:t>?</a:t>
+            </a:r>
+          </a:p>
+          <a:p>
+            <a:pPr lvl="1"/>
+            <a:r>
+              <a:rPr lang="ko-KR" altLang="en-US" dirty="0" smtClean="0"/>
+              <a:t>데이터 수집 방법</a:t>
+            </a:r>
+            <a:endParaRPr lang="en-US" altLang="ko-KR" dirty="0" smtClean="0"/>
+          </a:p>
+          <a:p>
+            <a:pPr lvl="1"/>
+            <a:r>
+              <a:rPr lang="ko-KR" altLang="en-US" dirty="0" smtClean="0"/>
+              <a:t>데이터 분석 방법</a:t>
+            </a:r>
+            <a:endParaRPr lang="en-US" altLang="ko-KR" dirty="0" smtClean="0"/>
+          </a:p>
+          <a:p>
+            <a:pPr lvl="2"/>
+            <a:r>
+              <a:rPr lang="ko-KR" altLang="en-US" dirty="0" smtClean="0"/>
+              <a:t>전처리</a:t>
+            </a:r>
+            <a:endParaRPr lang="en-US" altLang="ko-KR" dirty="0" smtClean="0"/>
+          </a:p>
+          <a:p>
+            <a:pPr lvl="2"/>
+            <a:r>
+              <a:rPr lang="ko-KR" altLang="en-US" dirty="0" smtClean="0"/>
+              <a:t>데이터 병합</a:t>
+            </a:r>
+            <a:endParaRPr lang="en-US" altLang="ko-KR" dirty="0" smtClean="0"/>
+          </a:p>
+          <a:p>
+            <a:pPr lvl="2"/>
+            <a:r>
+              <a:rPr lang="ko-KR" altLang="en-US" dirty="0" smtClean="0"/>
+              <a:t>통계 함수 및 분석 테이블 작성 방법 등</a:t>
+            </a:r>
+            <a:endParaRPr lang="en-US" altLang="ko-KR" dirty="0" smtClean="0"/>
+          </a:p>
+          <a:p>
+            <a:pPr lvl="1"/>
+            <a:r>
+              <a:rPr lang="ko-KR" altLang="en-US" dirty="0" smtClean="0"/>
+              <a:t>시각화 방법</a:t>
+            </a:r>
+            <a:endParaRPr lang="en-US" altLang="ko-KR" dirty="0" smtClean="0"/>
+          </a:p>
+          <a:p>
+            <a:pPr lvl="1"/>
+            <a:endParaRPr lang="en-US" altLang="ko-KR" dirty="0" smtClean="0"/>
+          </a:p>
+          <a:p>
+            <a:r>
+              <a:rPr lang="ko-KR" altLang="en-US" dirty="0" smtClean="0"/>
+              <a:t>옵션</a:t>
+            </a:r>
+            <a:r>
+              <a:rPr lang="en-US" altLang="ko-KR" dirty="0" smtClean="0"/>
+              <a:t>:</a:t>
+            </a:r>
+          </a:p>
+          <a:p>
+            <a:pPr lvl="1"/>
+            <a:r>
+              <a:rPr lang="ko-KR" altLang="en-US" dirty="0" smtClean="0"/>
+              <a:t>그래픽 사용자 인터페이스</a:t>
+            </a:r>
+            <a:endParaRPr lang="en-US" altLang="ko-KR" dirty="0" smtClean="0"/>
+          </a:p>
+          <a:p>
+            <a:pPr lvl="1"/>
+            <a:endParaRPr lang="en-US" altLang="ko-KR" dirty="0" smtClean="0"/>
+          </a:p>
+        </p:txBody>
+      </p:sp>
+    </p:spTree>
+    <p:extLst>
+      <p:ext uri="{BB962C8B-B14F-4D97-AF65-F5344CB8AC3E}">
+        <p14:creationId xmlns:p14="http://schemas.microsoft.com/office/powerpoint/2010/main" val="1448573168"/>
+      </p:ext>
+    </p:extLst>
+  </p:cSld>
+  <p:clrMapOvr>
+    <a:masterClrMapping/>
+  </p:clrMapOvr>
+  <p:timing>
+    <p:tnLst>
+      <p:par>
+        <p:cTn id="1" dur="indefinite" restart="never" nodeType="tmRoot"/>
+      </p:par>
+    </p:tnLst>
+  </p:timing>
+</p:sld>
+</file>
+
+<file path=ppt/slides/slide17.xml><?xml version="1.0" encoding="utf-8"?>
+<p:sld xmlns:a="http://schemas.openxmlformats.org/drawingml/2006/main" xmlns:r="http://schemas.openxmlformats.org/officeDocument/2006/relationships" xmlns:p="http://schemas.openxmlformats.org/presentationml/2006/main">
+  <p:cSld>
+    <p:spTree>
+      <p:nvGrpSpPr>
+        <p:cNvPr id="1" name=""/>
+        <p:cNvGrpSpPr/>
+        <p:nvPr/>
+      </p:nvGrpSpPr>
+      <p:grpSpPr>
+        <a:xfrm>
+          <a:off x="0" y="0"/>
+          <a:ext cx="0" cy="0"/>
+          <a:chOff x="0" y="0"/>
+          <a:chExt cx="0" cy="0"/>
+        </a:xfrm>
+      </p:grpSpPr>
+      <p:sp>
+        <p:nvSpPr>
+          <p:cNvPr id="2" name="제목 1"/>
+          <p:cNvSpPr>
+            <a:spLocks noGrp="1"/>
+          </p:cNvSpPr>
+          <p:nvPr>
+            <p:ph type="title"/>
+          </p:nvPr>
+        </p:nvSpPr>
+        <p:spPr/>
+        <p:txBody>
+          <a:bodyPr/>
+          <a:lstStyle/>
+          <a:p>
+            <a:r>
+              <a:rPr lang="ko-KR" altLang="en-US" dirty="0" err="1" smtClean="0"/>
+              <a:t>파이썬</a:t>
+            </a:r>
+            <a:r>
+              <a:rPr lang="en-US" altLang="ko-KR" dirty="0" smtClean="0"/>
+              <a:t>2</a:t>
+            </a:r>
+            <a:r>
+              <a:rPr lang="ko-KR" altLang="en-US" dirty="0" smtClean="0"/>
+              <a:t>와 </a:t>
+            </a:r>
+            <a:r>
+              <a:rPr lang="ko-KR" altLang="en-US" dirty="0" err="1" smtClean="0"/>
+              <a:t>파이썬</a:t>
+            </a:r>
+            <a:r>
+              <a:rPr lang="en-US" altLang="ko-KR" dirty="0" smtClean="0"/>
+              <a:t>3 </a:t>
+            </a:r>
+            <a:r>
+              <a:rPr lang="ko-KR" altLang="en-US" dirty="0" smtClean="0"/>
+              <a:t>함께 설치</a:t>
+            </a:r>
+            <a:endParaRPr lang="ko-KR" altLang="en-US" dirty="0"/>
+          </a:p>
+        </p:txBody>
+      </p:sp>
+      <p:sp>
+        <p:nvSpPr>
+          <p:cNvPr id="3" name="내용 개체 틀 2"/>
+          <p:cNvSpPr>
+            <a:spLocks noGrp="1"/>
+          </p:cNvSpPr>
+          <p:nvPr>
+            <p:ph idx="1"/>
+          </p:nvPr>
+        </p:nvSpPr>
+        <p:spPr/>
+        <p:txBody>
+          <a:bodyPr/>
+          <a:lstStyle/>
+          <a:p>
+            <a:r>
+              <a:rPr lang="ko-KR" altLang="en-US" dirty="0" smtClean="0"/>
+              <a:t>먼저 </a:t>
+            </a:r>
+            <a:r>
+              <a:rPr lang="en-US" altLang="ko-KR" dirty="0" smtClean="0"/>
+              <a:t>anaconda3</a:t>
+            </a:r>
+            <a:r>
+              <a:rPr lang="ko-KR" altLang="en-US" dirty="0" smtClean="0"/>
+              <a:t>를 설치</a:t>
+            </a:r>
+            <a:endParaRPr lang="en-US" altLang="ko-KR" dirty="0" smtClean="0"/>
+          </a:p>
+          <a:p>
+            <a:r>
+              <a:rPr lang="en-US" altLang="ko-KR" dirty="0" smtClean="0"/>
+              <a:t>Anaconda prompt</a:t>
+            </a:r>
+            <a:r>
+              <a:rPr lang="ko-KR" altLang="en-US" dirty="0" smtClean="0"/>
+              <a:t>에서 아래 구문 실행</a:t>
+            </a:r>
+            <a:endParaRPr lang="en-US" altLang="ko-KR" dirty="0" smtClean="0"/>
+          </a:p>
+          <a:p>
+            <a:pPr lvl="1"/>
+            <a:r>
+              <a:rPr lang="en-US" altLang="ko-KR" dirty="0" err="1" smtClean="0"/>
+              <a:t>conda</a:t>
+            </a:r>
+            <a:r>
+              <a:rPr lang="en-US" altLang="ko-KR" dirty="0" smtClean="0"/>
+              <a:t> create –n py27 python=2.7 anaconda</a:t>
+            </a:r>
+          </a:p>
+          <a:p>
+            <a:pPr lvl="1"/>
+            <a:r>
+              <a:rPr lang="en-US" altLang="ko-KR" dirty="0" err="1" smtClean="0"/>
+              <a:t>conda</a:t>
+            </a:r>
+            <a:r>
+              <a:rPr lang="en-US" altLang="ko-KR" dirty="0" smtClean="0"/>
+              <a:t> activate py27</a:t>
+            </a:r>
+          </a:p>
+          <a:p>
+            <a:r>
+              <a:rPr lang="en-US" altLang="ko-KR" dirty="0" smtClean="0"/>
+              <a:t>anaconda navigator</a:t>
+            </a:r>
+            <a:r>
+              <a:rPr lang="ko-KR" altLang="en-US" dirty="0" smtClean="0"/>
+              <a:t>에서 </a:t>
+            </a:r>
+            <a:r>
+              <a:rPr lang="en-US" altLang="ko-KR" dirty="0" smtClean="0"/>
+              <a:t>base </a:t>
+            </a:r>
+            <a:r>
+              <a:rPr lang="ko-KR" altLang="en-US" dirty="0" smtClean="0"/>
+              <a:t>또는 </a:t>
+            </a:r>
+            <a:r>
+              <a:rPr lang="en-US" altLang="ko-KR" dirty="0" smtClean="0"/>
+              <a:t>py27</a:t>
+            </a:r>
+            <a:r>
+              <a:rPr lang="ko-KR" altLang="en-US" dirty="0" smtClean="0"/>
+              <a:t>을 선택하여 </a:t>
+            </a:r>
+            <a:r>
+              <a:rPr lang="en-US" altLang="ko-KR" dirty="0" smtClean="0"/>
+              <a:t>application </a:t>
+            </a:r>
+            <a:r>
+              <a:rPr lang="ko-KR" altLang="en-US" dirty="0" smtClean="0"/>
+              <a:t>실행</a:t>
+            </a:r>
+            <a:endParaRPr lang="ko-KR" altLang="en-US" dirty="0"/>
+          </a:p>
+        </p:txBody>
+      </p:sp>
+    </p:spTree>
+    <p:extLst>
+      <p:ext uri="{BB962C8B-B14F-4D97-AF65-F5344CB8AC3E}">
+        <p14:creationId xmlns:p14="http://schemas.microsoft.com/office/powerpoint/2010/main" val="1716625921"/>
+      </p:ext>
+    </p:extLst>
+  </p:cSld>
+  <p:clrMapOvr>
+    <a:masterClrMapping/>
+  </p:clrMapOvr>
+  <p:timing>
+    <p:tnLst>
+      <p:par>
+        <p:cTn id="1" dur="indefinite" restart="never" nodeType="tmRoot"/>
+      </p:par>
+    </p:tnLst>
+  </p:timing>
+</p:sld>
+</file>
+
+<file path=ppt/slides/slide18.xml><?xml version="1.0" encoding="utf-8"?>
+<p:sld xmlns:a="http://schemas.openxmlformats.org/drawingml/2006/main" xmlns:r="http://schemas.openxmlformats.org/officeDocument/2006/relationships" xmlns:p="http://schemas.openxmlformats.org/presentationml/2006/main">
+  <p:cSld>
+    <p:spTree>
+      <p:nvGrpSpPr>
+        <p:cNvPr id="1" name=""/>
+        <p:cNvGrpSpPr/>
+        <p:nvPr/>
+      </p:nvGrpSpPr>
+      <p:grpSpPr>
+        <a:xfrm>
+          <a:off x="0" y="0"/>
+          <a:ext cx="0" cy="0"/>
+          <a:chOff x="0" y="0"/>
+          <a:chExt cx="0" cy="0"/>
+        </a:xfrm>
+      </p:grpSpPr>
+      <p:sp>
+        <p:nvSpPr>
+          <p:cNvPr id="2" name="제목 1"/>
+          <p:cNvSpPr>
+            <a:spLocks noGrp="1"/>
+          </p:cNvSpPr>
+          <p:nvPr>
+            <p:ph type="title"/>
+          </p:nvPr>
+        </p:nvSpPr>
+        <p:spPr/>
+        <p:txBody>
+          <a:bodyPr/>
+          <a:lstStyle/>
+          <a:p>
+            <a:r>
               <a:rPr lang="en-US" altLang="ko-KR" dirty="0" err="1" smtClean="0"/>
               <a:t>Jupyter</a:t>
             </a:r>
@@ -19009,7 +19614,7 @@
 </p:sld>
 </file>
 
-<file path=ppt/slides/slide17.xml><?xml version="1.0" encoding="utf-8"?>
+<file path=ppt/slides/slide19.xml><?xml version="1.0" encoding="utf-8"?>
 <p:sld xmlns:a="http://schemas.openxmlformats.org/drawingml/2006/main" xmlns:r="http://schemas.openxmlformats.org/officeDocument/2006/relationships" xmlns:p="http://schemas.openxmlformats.org/presentationml/2006/main">
   <p:cSld>
     <p:spTree>

--- a/한2018_파이썬을 활용한 데이터 분석_강의개요.pptx
+++ b/한2018_파이썬을 활용한 데이터 분석_강의개요.pptx
@@ -7,10 +7,10 @@
     <p:sldMasterId id="2147483687" r:id="rId3"/>
   </p:sldMasterIdLst>
   <p:notesMasterIdLst>
-    <p:notesMasterId r:id="rId27"/>
+    <p:notesMasterId r:id="rId36"/>
   </p:notesMasterIdLst>
   <p:handoutMasterIdLst>
-    <p:handoutMasterId r:id="rId28"/>
+    <p:handoutMasterId r:id="rId37"/>
   </p:handoutMasterIdLst>
   <p:sldIdLst>
     <p:sldId id="1553" r:id="rId4"/>
@@ -25,17 +25,26 @@
     <p:sldId id="2101" r:id="rId13"/>
     <p:sldId id="2103" r:id="rId14"/>
     <p:sldId id="2107" r:id="rId15"/>
-    <p:sldId id="2108" r:id="rId16"/>
-    <p:sldId id="2109" r:id="rId17"/>
-    <p:sldId id="2110" r:id="rId18"/>
-    <p:sldId id="2115" r:id="rId19"/>
-    <p:sldId id="2111" r:id="rId20"/>
-    <p:sldId id="2096" r:id="rId21"/>
-    <p:sldId id="2098" r:id="rId22"/>
-    <p:sldId id="2095" r:id="rId23"/>
-    <p:sldId id="2112" r:id="rId24"/>
-    <p:sldId id="2113" r:id="rId25"/>
-    <p:sldId id="2114" r:id="rId26"/>
+    <p:sldId id="2123" r:id="rId16"/>
+    <p:sldId id="2108" r:id="rId17"/>
+    <p:sldId id="2109" r:id="rId18"/>
+    <p:sldId id="2110" r:id="rId19"/>
+    <p:sldId id="2115" r:id="rId20"/>
+    <p:sldId id="2117" r:id="rId21"/>
+    <p:sldId id="2118" r:id="rId22"/>
+    <p:sldId id="2119" r:id="rId23"/>
+    <p:sldId id="2121" r:id="rId24"/>
+    <p:sldId id="2122" r:id="rId25"/>
+    <p:sldId id="2124" r:id="rId26"/>
+    <p:sldId id="2111" r:id="rId27"/>
+    <p:sldId id="2096" r:id="rId28"/>
+    <p:sldId id="2098" r:id="rId29"/>
+    <p:sldId id="2095" r:id="rId30"/>
+    <p:sldId id="2112" r:id="rId31"/>
+    <p:sldId id="2113" r:id="rId32"/>
+    <p:sldId id="2114" r:id="rId33"/>
+    <p:sldId id="2116" r:id="rId34"/>
+    <p:sldId id="2120" r:id="rId35"/>
   </p:sldIdLst>
   <p:sldSz cx="9906000" cy="6858000" type="A4"/>
   <p:notesSz cx="7016750" cy="9302750"/>
@@ -249,7 +258,7 @@
           <a:p>
             <a:fld id="{EED6BC92-8766-470F-B2F7-967053648231}" type="datetimeFigureOut">
               <a:rPr lang="ko-KR" altLang="en-US" smtClean="0"/>
-              <a:t>2018-06-18</a:t>
+              <a:t>2018-06-26</a:t>
             </a:fld>
             <a:endParaRPr lang="ko-KR" altLang="en-US"/>
           </a:p>
@@ -415,7 +424,7 @@
             <a:fld id="{D5D70811-BB17-44EC-93F5-EBED80FC02C9}" type="datetimeFigureOut">
               <a:rPr lang="ko-KR" altLang="en-US" smtClean="0"/>
               <a:pPr/>
-              <a:t>2018-06-18</a:t>
+              <a:t>2018-06-26</a:t>
             </a:fld>
             <a:endParaRPr lang="ko-KR" altLang="en-US"/>
           </a:p>
@@ -1158,7 +1167,7 @@
                 <a:tabLst/>
                 <a:defRPr/>
               </a:pPr>
-              <a:t>2018-06-18</a:t>
+              <a:t>2018-06-26</a:t>
             </a:fld>
             <a:endParaRPr kumimoji="0" lang="ko-KR" altLang="en-US" sz="1100" b="0" i="0" u="none" strike="noStrike" kern="1200" cap="none" spc="0" normalizeH="0" baseline="0" noProof="0">
               <a:ln>
@@ -1575,7 +1584,7 @@
                 <a:tabLst/>
                 <a:defRPr/>
               </a:pPr>
-              <a:t>2018-06-18</a:t>
+              <a:t>2018-06-26</a:t>
             </a:fld>
             <a:endParaRPr kumimoji="0" lang="ko-KR" altLang="en-US" sz="1100" b="0" i="0" u="none" strike="noStrike" kern="1200" cap="none" spc="0" normalizeH="0" baseline="0" noProof="0">
               <a:ln>
@@ -1908,7 +1917,7 @@
                 <a:tabLst/>
                 <a:defRPr/>
               </a:pPr>
-              <a:t>2018-06-18</a:t>
+              <a:t>2018-06-26</a:t>
             </a:fld>
             <a:endParaRPr kumimoji="0" lang="ko-KR" altLang="en-US" sz="1100" b="0" i="0" u="none" strike="noStrike" kern="1200" cap="none" spc="0" normalizeH="0" baseline="0" noProof="0">
               <a:ln>
@@ -2251,7 +2260,7 @@
                 <a:tabLst/>
                 <a:defRPr/>
               </a:pPr>
-              <a:t>2018-06-18</a:t>
+              <a:t>2018-06-26</a:t>
             </a:fld>
             <a:endParaRPr kumimoji="0" lang="ko-KR" altLang="en-US" sz="1100" b="0" i="0" u="none" strike="noStrike" kern="1200" cap="none" spc="0" normalizeH="0" baseline="0" noProof="0">
               <a:ln>
@@ -2645,7 +2654,7 @@
             <a:fld id="{BD343E2E-D187-44B7-945F-E031827BE040}" type="datetime1">
               <a:rPr lang="ko-KR" altLang="en-US" smtClean="0"/>
               <a:pPr/>
-              <a:t>2018-06-18</a:t>
+              <a:t>2018-06-26</a:t>
             </a:fld>
             <a:endParaRPr lang="ko-KR" altLang="en-US"/>
           </a:p>
@@ -2764,7 +2773,7 @@
             <a:fld id="{BD343E2E-D187-44B7-945F-E031827BE040}" type="datetime1">
               <a:rPr lang="ko-KR" altLang="en-US" smtClean="0"/>
               <a:pPr/>
-              <a:t>2018-06-18</a:t>
+              <a:t>2018-06-26</a:t>
             </a:fld>
             <a:endParaRPr lang="ko-KR" altLang="en-US"/>
           </a:p>
@@ -5616,7 +5625,7 @@
                 <a:tabLst/>
                 <a:defRPr/>
               </a:pPr>
-              <a:t>2018-06-18</a:t>
+              <a:t>2018-06-26</a:t>
             </a:fld>
             <a:endParaRPr kumimoji="0" lang="ko-KR" altLang="en-US" sz="1100" b="0" i="0" u="none" strike="noStrike" kern="1200" cap="none" spc="0" normalizeH="0" baseline="0" noProof="0">
               <a:ln>
@@ -7347,7 +7356,7 @@
           <a:p>
             <a:fld id="{880387B8-3802-47BF-8C63-CEC4E1DDA9E2}" type="datetimeFigureOut">
               <a:rPr lang="ko-KR" altLang="en-US" smtClean="0"/>
-              <a:t>2018-06-18</a:t>
+              <a:t>2018-06-26</a:t>
             </a:fld>
             <a:endParaRPr lang="ko-KR" altLang="en-US"/>
           </a:p>
@@ -7515,7 +7524,7 @@
           <a:p>
             <a:fld id="{880387B8-3802-47BF-8C63-CEC4E1DDA9E2}" type="datetimeFigureOut">
               <a:rPr lang="ko-KR" altLang="en-US" smtClean="0"/>
-              <a:t>2018-06-18</a:t>
+              <a:t>2018-06-26</a:t>
             </a:fld>
             <a:endParaRPr lang="ko-KR" altLang="en-US"/>
           </a:p>
@@ -8685,7 +8694,7 @@
           <a:p>
             <a:fld id="{880387B8-3802-47BF-8C63-CEC4E1DDA9E2}" type="datetimeFigureOut">
               <a:rPr lang="ko-KR" altLang="en-US" smtClean="0"/>
-              <a:t>2018-06-18</a:t>
+              <a:t>2018-06-26</a:t>
             </a:fld>
             <a:endParaRPr lang="ko-KR" altLang="en-US"/>
           </a:p>
@@ -8970,7 +8979,7 @@
           <a:p>
             <a:fld id="{880387B8-3802-47BF-8C63-CEC4E1DDA9E2}" type="datetimeFigureOut">
               <a:rPr lang="ko-KR" altLang="en-US" smtClean="0"/>
-              <a:t>2018-06-18</a:t>
+              <a:t>2018-06-26</a:t>
             </a:fld>
             <a:endParaRPr lang="ko-KR" altLang="en-US"/>
           </a:p>
@@ -9389,7 +9398,7 @@
           <a:p>
             <a:fld id="{880387B8-3802-47BF-8C63-CEC4E1DDA9E2}" type="datetimeFigureOut">
               <a:rPr lang="ko-KR" altLang="en-US" smtClean="0"/>
-              <a:t>2018-06-18</a:t>
+              <a:t>2018-06-26</a:t>
             </a:fld>
             <a:endParaRPr lang="ko-KR" altLang="en-US"/>
           </a:p>
@@ -9506,7 +9515,7 @@
           <a:p>
             <a:fld id="{880387B8-3802-47BF-8C63-CEC4E1DDA9E2}" type="datetimeFigureOut">
               <a:rPr lang="ko-KR" altLang="en-US" smtClean="0"/>
-              <a:t>2018-06-18</a:t>
+              <a:t>2018-06-26</a:t>
             </a:fld>
             <a:endParaRPr lang="ko-KR" altLang="en-US"/>
           </a:p>
@@ -9601,7 +9610,7 @@
           <a:p>
             <a:fld id="{880387B8-3802-47BF-8C63-CEC4E1DDA9E2}" type="datetimeFigureOut">
               <a:rPr lang="ko-KR" altLang="en-US" smtClean="0"/>
-              <a:t>2018-06-18</a:t>
+              <a:t>2018-06-26</a:t>
             </a:fld>
             <a:endParaRPr lang="ko-KR" altLang="en-US"/>
           </a:p>
@@ -9876,7 +9885,7 @@
           <a:p>
             <a:fld id="{880387B8-3802-47BF-8C63-CEC4E1DDA9E2}" type="datetimeFigureOut">
               <a:rPr lang="ko-KR" altLang="en-US" smtClean="0"/>
-              <a:t>2018-06-18</a:t>
+              <a:t>2018-06-26</a:t>
             </a:fld>
             <a:endParaRPr lang="ko-KR" altLang="en-US"/>
           </a:p>
@@ -10128,7 +10137,7 @@
           <a:p>
             <a:fld id="{880387B8-3802-47BF-8C63-CEC4E1DDA9E2}" type="datetimeFigureOut">
               <a:rPr lang="ko-KR" altLang="en-US" smtClean="0"/>
-              <a:t>2018-06-18</a:t>
+              <a:t>2018-06-26</a:t>
             </a:fld>
             <a:endParaRPr lang="ko-KR" altLang="en-US"/>
           </a:p>
@@ -10296,7 +10305,7 @@
           <a:p>
             <a:fld id="{880387B8-3802-47BF-8C63-CEC4E1DDA9E2}" type="datetimeFigureOut">
               <a:rPr lang="ko-KR" altLang="en-US" smtClean="0"/>
-              <a:t>2018-06-18</a:t>
+              <a:t>2018-06-26</a:t>
             </a:fld>
             <a:endParaRPr lang="ko-KR" altLang="en-US"/>
           </a:p>
@@ -10474,7 +10483,7 @@
           <a:p>
             <a:fld id="{880387B8-3802-47BF-8C63-CEC4E1DDA9E2}" type="datetimeFigureOut">
               <a:rPr lang="ko-KR" altLang="en-US" smtClean="0"/>
-              <a:t>2018-06-18</a:t>
+              <a:t>2018-06-26</a:t>
             </a:fld>
             <a:endParaRPr lang="ko-KR" altLang="en-US"/>
           </a:p>
@@ -10714,7 +10723,7 @@
           <a:p>
             <a:fld id="{365DA058-1A9C-4BAD-94E2-21D6C076F22A}" type="datetimeFigureOut">
               <a:rPr lang="ko-KR" altLang="en-US" smtClean="0"/>
-              <a:t>2018-06-18</a:t>
+              <a:t>2018-06-26</a:t>
             </a:fld>
             <a:endParaRPr lang="ko-KR" altLang="en-US"/>
           </a:p>
@@ -11009,7 +11018,7 @@
                 <a:tabLst/>
                 <a:defRPr/>
               </a:pPr>
-              <a:t>2018-06-18</a:t>
+              <a:t>2018-06-26</a:t>
             </a:fld>
             <a:endParaRPr kumimoji="0" lang="ko-KR" altLang="en-US" sz="1100" b="0" i="0" u="none" strike="noStrike" kern="1200" cap="none" spc="0" normalizeH="0" baseline="0" noProof="0">
               <a:ln>
@@ -11292,7 +11301,7 @@
           <a:p>
             <a:fld id="{365DA058-1A9C-4BAD-94E2-21D6C076F22A}" type="datetimeFigureOut">
               <a:rPr lang="ko-KR" altLang="en-US" smtClean="0"/>
-              <a:t>2018-06-18</a:t>
+              <a:t>2018-06-26</a:t>
             </a:fld>
             <a:endParaRPr lang="ko-KR" altLang="en-US"/>
           </a:p>
@@ -11537,7 +11546,7 @@
           <a:p>
             <a:fld id="{365DA058-1A9C-4BAD-94E2-21D6C076F22A}" type="datetimeFigureOut">
               <a:rPr lang="ko-KR" altLang="en-US" smtClean="0"/>
-              <a:t>2018-06-18</a:t>
+              <a:t>2018-06-26</a:t>
             </a:fld>
             <a:endParaRPr lang="ko-KR" altLang="en-US"/>
           </a:p>
@@ -11822,7 +11831,7 @@
           <a:p>
             <a:fld id="{365DA058-1A9C-4BAD-94E2-21D6C076F22A}" type="datetimeFigureOut">
               <a:rPr lang="ko-KR" altLang="en-US" smtClean="0"/>
-              <a:t>2018-06-18</a:t>
+              <a:t>2018-06-26</a:t>
             </a:fld>
             <a:endParaRPr lang="ko-KR" altLang="en-US"/>
           </a:p>
@@ -12241,7 +12250,7 @@
           <a:p>
             <a:fld id="{365DA058-1A9C-4BAD-94E2-21D6C076F22A}" type="datetimeFigureOut">
               <a:rPr lang="ko-KR" altLang="en-US" smtClean="0"/>
-              <a:t>2018-06-18</a:t>
+              <a:t>2018-06-26</a:t>
             </a:fld>
             <a:endParaRPr lang="ko-KR" altLang="en-US"/>
           </a:p>
@@ -12358,7 +12367,7 @@
           <a:p>
             <a:fld id="{365DA058-1A9C-4BAD-94E2-21D6C076F22A}" type="datetimeFigureOut">
               <a:rPr lang="ko-KR" altLang="en-US" smtClean="0"/>
-              <a:t>2018-06-18</a:t>
+              <a:t>2018-06-26</a:t>
             </a:fld>
             <a:endParaRPr lang="ko-KR" altLang="en-US"/>
           </a:p>
@@ -12453,7 +12462,7 @@
           <a:p>
             <a:fld id="{365DA058-1A9C-4BAD-94E2-21D6C076F22A}" type="datetimeFigureOut">
               <a:rPr lang="ko-KR" altLang="en-US" smtClean="0"/>
-              <a:t>2018-06-18</a:t>
+              <a:t>2018-06-26</a:t>
             </a:fld>
             <a:endParaRPr lang="ko-KR" altLang="en-US"/>
           </a:p>
@@ -12728,7 +12737,7 @@
           <a:p>
             <a:fld id="{365DA058-1A9C-4BAD-94E2-21D6C076F22A}" type="datetimeFigureOut">
               <a:rPr lang="ko-KR" altLang="en-US" smtClean="0"/>
-              <a:t>2018-06-18</a:t>
+              <a:t>2018-06-26</a:t>
             </a:fld>
             <a:endParaRPr lang="ko-KR" altLang="en-US"/>
           </a:p>
@@ -12980,7 +12989,7 @@
           <a:p>
             <a:fld id="{365DA058-1A9C-4BAD-94E2-21D6C076F22A}" type="datetimeFigureOut">
               <a:rPr lang="ko-KR" altLang="en-US" smtClean="0"/>
-              <a:t>2018-06-18</a:t>
+              <a:t>2018-06-26</a:t>
             </a:fld>
             <a:endParaRPr lang="ko-KR" altLang="en-US"/>
           </a:p>
@@ -13148,7 +13157,7 @@
           <a:p>
             <a:fld id="{365DA058-1A9C-4BAD-94E2-21D6C076F22A}" type="datetimeFigureOut">
               <a:rPr lang="ko-KR" altLang="en-US" smtClean="0"/>
-              <a:t>2018-06-18</a:t>
+              <a:t>2018-06-26</a:t>
             </a:fld>
             <a:endParaRPr lang="ko-KR" altLang="en-US"/>
           </a:p>
@@ -13326,7 +13335,7 @@
           <a:p>
             <a:fld id="{365DA058-1A9C-4BAD-94E2-21D6C076F22A}" type="datetimeFigureOut">
               <a:rPr lang="ko-KR" altLang="en-US" smtClean="0"/>
-              <a:t>2018-06-18</a:t>
+              <a:t>2018-06-26</a:t>
             </a:fld>
             <a:endParaRPr lang="ko-KR" altLang="en-US"/>
           </a:p>
@@ -13661,7 +13670,7 @@
                 <a:tabLst/>
                 <a:defRPr/>
               </a:pPr>
-              <a:t>2018-06-18</a:t>
+              <a:t>2018-06-26</a:t>
             </a:fld>
             <a:endParaRPr kumimoji="0" lang="ko-KR" altLang="en-US" sz="1100" b="0" i="0" u="none" strike="noStrike" kern="1200" cap="none" spc="0" normalizeH="0" baseline="0" noProof="0">
               <a:ln>
@@ -14245,7 +14254,7 @@
                 <a:tabLst/>
                 <a:defRPr/>
               </a:pPr>
-              <a:t>2018-06-18</a:t>
+              <a:t>2018-06-26</a:t>
             </a:fld>
             <a:endParaRPr kumimoji="0" lang="ko-KR" altLang="en-US" sz="1100" b="0" i="0" u="none" strike="noStrike" kern="1200" cap="none" spc="0" normalizeH="0" baseline="0" noProof="0">
               <a:ln>
@@ -14527,7 +14536,7 @@
                 <a:tabLst/>
                 <a:defRPr/>
               </a:pPr>
-              <a:t>2018-06-18</a:t>
+              <a:t>2018-06-26</a:t>
             </a:fld>
             <a:endParaRPr kumimoji="0" lang="ko-KR" altLang="en-US" sz="1100" b="0" i="0" u="none" strike="noStrike" kern="1200" cap="none" spc="0" normalizeH="0" baseline="0" noProof="0">
               <a:ln>
@@ -14787,7 +14796,7 @@
                 <a:tabLst/>
                 <a:defRPr/>
               </a:pPr>
-              <a:t>2018-06-18</a:t>
+              <a:t>2018-06-26</a:t>
             </a:fld>
             <a:endParaRPr kumimoji="0" lang="ko-KR" altLang="en-US" sz="1100" b="0" i="0" u="none" strike="noStrike" kern="1200" cap="none" spc="0" normalizeH="0" baseline="0" noProof="0">
               <a:ln>
@@ -15103,7 +15112,7 @@
                 <a:tabLst/>
                 <a:defRPr/>
               </a:pPr>
-              <a:t>2018-06-18</a:t>
+              <a:t>2018-06-26</a:t>
             </a:fld>
             <a:endParaRPr kumimoji="0" lang="ko-KR" altLang="en-US" sz="1100" b="0" i="0" u="none" strike="noStrike" kern="1200" cap="none" spc="0" normalizeH="0" baseline="0" noProof="0">
               <a:ln>
@@ -15882,7 +15891,7 @@
           <a:p>
             <a:fld id="{880387B8-3802-47BF-8C63-CEC4E1DDA9E2}" type="datetimeFigureOut">
               <a:rPr lang="ko-KR" altLang="en-US" smtClean="0"/>
-              <a:t>2018-06-18</a:t>
+              <a:t>2018-06-26</a:t>
             </a:fld>
             <a:endParaRPr lang="ko-KR" altLang="en-US"/>
           </a:p>
@@ -16390,7 +16399,7 @@
           <a:p>
             <a:fld id="{365DA058-1A9C-4BAD-94E2-21D6C076F22A}" type="datetimeFigureOut">
               <a:rPr lang="ko-KR" altLang="en-US" smtClean="0"/>
-              <a:t>2018-06-18</a:t>
+              <a:t>2018-06-26</a:t>
             </a:fld>
             <a:endParaRPr lang="ko-KR" altLang="en-US"/>
           </a:p>
@@ -18113,7 +18122,7 @@
           <a:p>
             <a:r>
               <a:rPr lang="en-US" altLang="ko-KR" dirty="0" smtClean="0"/>
-              <a:t>Day10 (6</a:t>
+              <a:t>Day9 (6</a:t>
             </a:r>
             <a:r>
               <a:rPr lang="ko-KR" altLang="en-US" dirty="0" smtClean="0"/>
@@ -18121,7 +18130,7 @@
             </a:r>
             <a:r>
               <a:rPr lang="en-US" altLang="ko-KR" dirty="0" smtClean="0"/>
-              <a:t>12</a:t>
+              <a:t>11</a:t>
             </a:r>
             <a:r>
               <a:rPr lang="ko-KR" altLang="en-US" dirty="0" smtClean="0"/>
@@ -18162,40 +18171,74 @@
           <a:p>
             <a:pPr lvl="1"/>
             <a:r>
-              <a:rPr lang="ko-KR" altLang="en-US" dirty="0" smtClean="0"/>
-              <a:t>함수</a:t>
-            </a:r>
-            <a:r>
-              <a:rPr lang="en-US" altLang="ko-KR" dirty="0" smtClean="0"/>
-              <a:t>, </a:t>
-            </a:r>
-            <a:r>
-              <a:rPr lang="ko-KR" altLang="en-US" dirty="0" smtClean="0"/>
-              <a:t>배열</a:t>
-            </a:r>
-            <a:r>
-              <a:rPr lang="en-US" altLang="ko-KR" dirty="0" smtClean="0"/>
-              <a:t>, </a:t>
-            </a:r>
-            <a:r>
               <a:rPr lang="en-US" altLang="ko-KR" dirty="0" err="1" smtClean="0"/>
-              <a:t>DataFrame</a:t>
-            </a:r>
-            <a:r>
-              <a:rPr lang="ko-KR" altLang="en-US" dirty="0" smtClean="0"/>
-              <a:t>의 열 이름 등 다양한 키를 기준으로 </a:t>
-            </a:r>
+              <a:t>matplotlib</a:t>
+            </a:r>
+            <a:r>
+              <a:rPr lang="ko-KR" altLang="en-US" dirty="0" smtClean="0"/>
+              <a:t>을 이용하여 다양한 방법으로 </a:t>
+            </a:r>
+            <a:r>
+              <a:rPr lang="ko-KR" altLang="en-US" dirty="0" err="1" smtClean="0"/>
+              <a:t>플롯하는</a:t>
+            </a:r>
+            <a:r>
+              <a:rPr lang="ko-KR" altLang="en-US" dirty="0" smtClean="0"/>
+              <a:t> 방법을 익힌다</a:t>
+            </a:r>
+            <a:r>
+              <a:rPr lang="en-US" altLang="ko-KR" dirty="0" smtClean="0"/>
+              <a:t>.</a:t>
+            </a:r>
+          </a:p>
+          <a:p>
+            <a:pPr lvl="1"/>
             <a:r>
               <a:rPr lang="en-US" altLang="ko-KR" dirty="0" err="1" smtClean="0"/>
-              <a:t>GroupBy</a:t>
-            </a:r>
-            <a:r>
-              <a:rPr lang="en-US" altLang="ko-KR" dirty="0" smtClean="0"/>
+              <a:t>matplotlib</a:t>
+            </a:r>
+            <a:r>
+              <a:rPr lang="ko-KR" altLang="en-US" dirty="0" smtClean="0"/>
+              <a:t>의 갤러리에서 애니메이션 플롯 예제를 변형해본다</a:t>
+            </a:r>
+            <a:r>
+              <a:rPr lang="en-US" altLang="ko-KR" dirty="0" smtClean="0"/>
+              <a:t>.</a:t>
+            </a:r>
+          </a:p>
+          <a:p>
+            <a:pPr lvl="1"/>
+            <a:r>
+              <a:rPr lang="en-US" altLang="ko-KR" dirty="0" smtClean="0"/>
+              <a:t>pandas </a:t>
+            </a:r>
+            <a:r>
+              <a:rPr lang="ko-KR" altLang="en-US" dirty="0" smtClean="0"/>
+              <a:t>객체의 </a:t>
+            </a:r>
+            <a:r>
+              <a:rPr lang="ko-KR" altLang="en-US" dirty="0" err="1" smtClean="0"/>
+              <a:t>인스턴스</a:t>
+            </a:r>
+            <a:r>
+              <a:rPr lang="ko-KR" altLang="en-US" dirty="0" smtClean="0"/>
               <a:t> </a:t>
             </a:r>
             <a:r>
-              <a:rPr lang="ko-KR" altLang="en-US" dirty="0" smtClean="0"/>
-              <a:t>객체를 생성하는 방법을 익힌다</a:t>
+              <a:rPr lang="ko-KR" altLang="en-US" dirty="0" err="1" smtClean="0"/>
+              <a:t>메소드인</a:t>
+            </a:r>
+            <a:r>
+              <a:rPr lang="ko-KR" altLang="en-US" dirty="0" smtClean="0"/>
+              <a:t> </a:t>
+            </a:r>
+            <a:r>
+              <a:rPr lang="en-US" altLang="ko-KR" dirty="0" smtClean="0"/>
+              <a:t>plot()</a:t>
+            </a:r>
+            <a:r>
+              <a:rPr lang="ko-KR" altLang="en-US" dirty="0" smtClean="0"/>
+              <a:t>을 이용하는 방법을 알아본다</a:t>
             </a:r>
             <a:r>
               <a:rPr lang="en-US" altLang="ko-KR" dirty="0" smtClean="0"/>
@@ -18206,7 +18249,7 @@
             <a:pPr lvl="1"/>
             <a:r>
               <a:rPr lang="en-US" altLang="ko-KR" dirty="0" err="1" smtClean="0"/>
-              <a:t>GroupBy</a:t>
+              <a:t>seaborn</a:t>
             </a:r>
             <a:r>
               <a:rPr lang="en-US" altLang="ko-KR" dirty="0" smtClean="0"/>
@@ -18214,225 +18257,7 @@
             </a:r>
             <a:r>
               <a:rPr lang="ko-KR" altLang="en-US" dirty="0" smtClean="0"/>
-              <a:t>객체에 </a:t>
-            </a:r>
-            <a:r>
-              <a:rPr lang="ko-KR" altLang="en-US" dirty="0" err="1" smtClean="0"/>
-              <a:t>통계메소드를</a:t>
-            </a:r>
-            <a:r>
-              <a:rPr lang="ko-KR" altLang="en-US" dirty="0" smtClean="0"/>
-              <a:t> 적용하는 방법을 익힌다</a:t>
-            </a:r>
-            <a:r>
-              <a:rPr lang="en-US" altLang="ko-KR" dirty="0" smtClean="0"/>
-              <a:t>.</a:t>
-            </a:r>
-          </a:p>
-          <a:p>
-            <a:pPr lvl="2"/>
-            <a:endParaRPr lang="en-US" altLang="ko-KR" dirty="0"/>
-          </a:p>
-          <a:p>
-            <a:r>
-              <a:rPr lang="ko-KR" altLang="en-US" dirty="0" smtClean="0"/>
-              <a:t>과제</a:t>
-            </a:r>
-            <a:r>
-              <a:rPr lang="en-US" altLang="ko-KR" dirty="0" smtClean="0"/>
-              <a:t>:</a:t>
-            </a:r>
-          </a:p>
-          <a:p>
-            <a:pPr lvl="1"/>
-            <a:r>
-              <a:rPr lang="en-US" altLang="ko-KR" dirty="0" smtClean="0"/>
-              <a:t>titanic.csv </a:t>
-            </a:r>
-            <a:r>
-              <a:rPr lang="ko-KR" altLang="en-US" dirty="0" smtClean="0"/>
-              <a:t>파일을 이용해 </a:t>
-            </a:r>
-            <a:r>
-              <a:rPr lang="en-US" altLang="ko-KR" dirty="0" err="1" smtClean="0"/>
-              <a:t>GroupBy</a:t>
-            </a:r>
-            <a:r>
-              <a:rPr lang="ko-KR" altLang="en-US" dirty="0" smtClean="0"/>
-              <a:t>를 적용해보자</a:t>
-            </a:r>
-            <a:r>
-              <a:rPr lang="en-US" altLang="ko-KR" dirty="0" smtClean="0"/>
-              <a:t>.</a:t>
-            </a:r>
-          </a:p>
-          <a:p>
-            <a:pPr lvl="2"/>
-            <a:r>
-              <a:rPr lang="en-US" altLang="ko-KR" dirty="0" smtClean="0"/>
-              <a:t>titanic.csv </a:t>
-            </a:r>
-            <a:r>
-              <a:rPr lang="ko-KR" altLang="en-US" dirty="0" smtClean="0"/>
-              <a:t>파일을 </a:t>
-            </a:r>
-            <a:r>
-              <a:rPr lang="ko-KR" altLang="en-US" dirty="0" err="1" smtClean="0"/>
-              <a:t>읽어들여</a:t>
-            </a:r>
-            <a:r>
-              <a:rPr lang="ko-KR" altLang="en-US" dirty="0" smtClean="0"/>
-              <a:t> </a:t>
-            </a:r>
-            <a:r>
-              <a:rPr lang="en-US" altLang="ko-KR" dirty="0" err="1" smtClean="0"/>
-              <a:t>DataFrame</a:t>
-            </a:r>
-            <a:r>
-              <a:rPr lang="en-US" altLang="ko-KR" dirty="0" smtClean="0"/>
-              <a:t> </a:t>
-            </a:r>
-            <a:r>
-              <a:rPr lang="ko-KR" altLang="en-US" dirty="0" smtClean="0"/>
-              <a:t>객체인 </a:t>
-            </a:r>
-            <a:r>
-              <a:rPr lang="en-US" altLang="ko-KR" dirty="0" err="1" smtClean="0"/>
-              <a:t>titani</a:t>
-            </a:r>
-            <a:r>
-              <a:rPr lang="ko-KR" altLang="en-US" dirty="0" smtClean="0"/>
-              <a:t>을 생성하고 </a:t>
-            </a:r>
-            <a:r>
-              <a:rPr lang="en-US" altLang="ko-KR" dirty="0" err="1" smtClean="0"/>
-              <a:t>agerange</a:t>
-            </a:r>
-            <a:r>
-              <a:rPr lang="en-US" altLang="ko-KR" dirty="0" smtClean="0"/>
-              <a:t> </a:t>
-            </a:r>
-            <a:r>
-              <a:rPr lang="ko-KR" altLang="en-US" dirty="0" smtClean="0"/>
-              <a:t>열을 추가한다</a:t>
-            </a:r>
-            <a:r>
-              <a:rPr lang="en-US" altLang="ko-KR" dirty="0" smtClean="0"/>
-              <a:t>. </a:t>
-            </a:r>
-            <a:r>
-              <a:rPr lang="en-US" altLang="ko-KR" dirty="0" err="1" smtClean="0"/>
-              <a:t>agerange</a:t>
-            </a:r>
-            <a:r>
-              <a:rPr lang="en-US" altLang="ko-KR" dirty="0" smtClean="0"/>
-              <a:t> </a:t>
-            </a:r>
-            <a:r>
-              <a:rPr lang="ko-KR" altLang="en-US" dirty="0" smtClean="0"/>
-              <a:t>열은 </a:t>
-            </a:r>
-            <a:r>
-              <a:rPr lang="en-US" altLang="ko-KR" dirty="0" smtClean="0"/>
-              <a:t>age </a:t>
-            </a:r>
-            <a:r>
-              <a:rPr lang="ko-KR" altLang="en-US" dirty="0" smtClean="0"/>
-              <a:t>열에 포함된 나이를 </a:t>
-            </a:r>
-            <a:r>
-              <a:rPr lang="en-US" altLang="ko-KR" dirty="0" smtClean="0"/>
-              <a:t>0~15, 16~60, 61~120</a:t>
-            </a:r>
-            <a:r>
-              <a:rPr lang="ko-KR" altLang="en-US" dirty="0" smtClean="0"/>
-              <a:t>세로 구분한 범주형 데이터가 </a:t>
-            </a:r>
-            <a:r>
-              <a:rPr lang="ko-KR" altLang="en-US" dirty="0" err="1" smtClean="0"/>
-              <a:t>되도록한다</a:t>
-            </a:r>
-            <a:r>
-              <a:rPr lang="en-US" altLang="ko-KR" dirty="0" smtClean="0"/>
-              <a:t>.</a:t>
-            </a:r>
-          </a:p>
-          <a:p>
-            <a:pPr lvl="2"/>
-            <a:r>
-              <a:rPr lang="en-US" altLang="ko-KR" dirty="0" err="1" smtClean="0"/>
-              <a:t>titani</a:t>
-            </a:r>
-            <a:r>
-              <a:rPr lang="ko-KR" altLang="en-US" dirty="0" smtClean="0"/>
-              <a:t>을 </a:t>
-            </a:r>
-            <a:r>
-              <a:rPr lang="en-US" altLang="ko-KR" dirty="0" err="1" smtClean="0"/>
-              <a:t>agerange</a:t>
-            </a:r>
-            <a:r>
-              <a:rPr lang="ko-KR" altLang="en-US" dirty="0" smtClean="0"/>
-              <a:t>와 </a:t>
-            </a:r>
-            <a:r>
-              <a:rPr lang="en-US" altLang="ko-KR" dirty="0" err="1" smtClean="0"/>
-              <a:t>pclass</a:t>
-            </a:r>
-            <a:r>
-              <a:rPr lang="ko-KR" altLang="en-US" dirty="0" smtClean="0"/>
-              <a:t>를 기준으로 묶은 </a:t>
-            </a:r>
-            <a:r>
-              <a:rPr lang="en-US" altLang="ko-KR" dirty="0" err="1" smtClean="0"/>
-              <a:t>g_titanic</a:t>
-            </a:r>
-            <a:r>
-              <a:rPr lang="ko-KR" altLang="en-US" dirty="0" smtClean="0"/>
-              <a:t> 객체를 생성한다</a:t>
-            </a:r>
-            <a:r>
-              <a:rPr lang="en-US" altLang="ko-KR" dirty="0" smtClean="0"/>
-              <a:t>.</a:t>
-            </a:r>
-          </a:p>
-          <a:p>
-            <a:pPr lvl="2"/>
-            <a:r>
-              <a:rPr lang="en-US" altLang="ko-KR" dirty="0" err="1" smtClean="0"/>
-              <a:t>g_titanic</a:t>
-            </a:r>
-            <a:r>
-              <a:rPr lang="en-US" altLang="ko-KR" dirty="0" smtClean="0"/>
-              <a:t> </a:t>
-            </a:r>
-            <a:r>
-              <a:rPr lang="ko-KR" altLang="en-US" dirty="0" smtClean="0"/>
-              <a:t>객체를 이용하여 연령대와 승객등급별 생존자의 합계</a:t>
-            </a:r>
-            <a:r>
-              <a:rPr lang="en-US" altLang="ko-KR" dirty="0" smtClean="0"/>
-              <a:t>(sum), </a:t>
-            </a:r>
-            <a:r>
-              <a:rPr lang="ko-KR" altLang="en-US" dirty="0" smtClean="0"/>
-              <a:t>승객 합계</a:t>
-            </a:r>
-            <a:r>
-              <a:rPr lang="en-US" altLang="ko-KR" dirty="0" smtClean="0"/>
-              <a:t>(count), </a:t>
-            </a:r>
-            <a:r>
-              <a:rPr lang="ko-KR" altLang="en-US" dirty="0" smtClean="0"/>
-              <a:t>평균</a:t>
-            </a:r>
-            <a:r>
-              <a:rPr lang="en-US" altLang="ko-KR" dirty="0" smtClean="0"/>
-              <a:t>(mean)</a:t>
-            </a:r>
-            <a:r>
-              <a:rPr lang="ko-KR" altLang="en-US" dirty="0" smtClean="0"/>
-              <a:t>을 구한다</a:t>
+              <a:t>등 최신 시각화 모듈에 대해 배운다</a:t>
             </a:r>
             <a:r>
               <a:rPr lang="en-US" altLang="ko-KR" dirty="0" smtClean="0"/>
@@ -18452,7 +18277,7 @@
     </p:spTree>
     <p:extLst>
       <p:ext uri="{BB962C8B-B14F-4D97-AF65-F5344CB8AC3E}">
-        <p14:creationId xmlns:p14="http://schemas.microsoft.com/office/powerpoint/2010/main" val="3023259224"/>
+        <p14:creationId xmlns:p14="http://schemas.microsoft.com/office/powerpoint/2010/main" val="3404407147"/>
       </p:ext>
     </p:extLst>
   </p:cSld>
@@ -18503,7 +18328,7 @@
           <a:p>
             <a:r>
               <a:rPr lang="en-US" altLang="ko-KR" dirty="0" smtClean="0"/>
-              <a:t>Day11 (6</a:t>
+              <a:t>Day10 (6</a:t>
             </a:r>
             <a:r>
               <a:rPr lang="ko-KR" altLang="en-US" dirty="0" smtClean="0"/>
@@ -18511,7 +18336,7 @@
             </a:r>
             <a:r>
               <a:rPr lang="en-US" altLang="ko-KR" dirty="0" smtClean="0"/>
-              <a:t>14</a:t>
+              <a:t>12</a:t>
             </a:r>
             <a:r>
               <a:rPr lang="ko-KR" altLang="en-US" dirty="0" smtClean="0"/>
@@ -18553,7 +18378,39 @@
             <a:pPr lvl="1"/>
             <a:r>
               <a:rPr lang="ko-KR" altLang="en-US" dirty="0" smtClean="0"/>
-              <a:t>그룹별 연산과 변형 방법을 익힌다</a:t>
+              <a:t>함수</a:t>
+            </a:r>
+            <a:r>
+              <a:rPr lang="en-US" altLang="ko-KR" dirty="0" smtClean="0"/>
+              <a:t>, </a:t>
+            </a:r>
+            <a:r>
+              <a:rPr lang="ko-KR" altLang="en-US" dirty="0" smtClean="0"/>
+              <a:t>배열</a:t>
+            </a:r>
+            <a:r>
+              <a:rPr lang="en-US" altLang="ko-KR" dirty="0" smtClean="0"/>
+              <a:t>, </a:t>
+            </a:r>
+            <a:r>
+              <a:rPr lang="en-US" altLang="ko-KR" dirty="0" err="1" smtClean="0"/>
+              <a:t>DataFrame</a:t>
+            </a:r>
+            <a:r>
+              <a:rPr lang="ko-KR" altLang="en-US" dirty="0" smtClean="0"/>
+              <a:t>의 열 이름 등 다양한 키를 기준으로 </a:t>
+            </a:r>
+            <a:r>
+              <a:rPr lang="en-US" altLang="ko-KR" dirty="0" err="1" smtClean="0"/>
+              <a:t>GroupBy</a:t>
+            </a:r>
+            <a:r>
+              <a:rPr lang="en-US" altLang="ko-KR" dirty="0" smtClean="0"/>
+              <a:t> </a:t>
+            </a:r>
+            <a:r>
+              <a:rPr lang="ko-KR" altLang="en-US" dirty="0" smtClean="0"/>
+              <a:t>객체를 생성하는 방법을 익힌다</a:t>
             </a:r>
             <a:r>
               <a:rPr lang="en-US" altLang="ko-KR" dirty="0" smtClean="0"/>
@@ -18563,31 +18420,24 @@
           <a:p>
             <a:pPr lvl="1"/>
             <a:r>
-              <a:rPr lang="ko-KR" altLang="en-US" dirty="0" smtClean="0"/>
-              <a:t>피벗 테이블과 </a:t>
+              <a:rPr lang="en-US" altLang="ko-KR" dirty="0" err="1" smtClean="0"/>
+              <a:t>GroupBy</a:t>
+            </a:r>
+            <a:r>
+              <a:rPr lang="en-US" altLang="ko-KR" dirty="0" smtClean="0"/>
+              <a:t> </a:t>
+            </a:r>
+            <a:r>
+              <a:rPr lang="ko-KR" altLang="en-US" dirty="0" smtClean="0"/>
+              <a:t>객체에 </a:t>
             </a:r>
             <a:r>
               <a:rPr lang="ko-KR" altLang="en-US" dirty="0" err="1" smtClean="0"/>
-              <a:t>교차알람표를</a:t>
-            </a:r>
-            <a:r>
-              <a:rPr lang="ko-KR" altLang="en-US" dirty="0" smtClean="0"/>
-              <a:t> 생성하는 방법을 익힌다</a:t>
-            </a:r>
-            <a:r>
-              <a:rPr lang="en-US" altLang="ko-KR" dirty="0" smtClean="0"/>
-              <a:t>.</a:t>
-            </a:r>
-          </a:p>
-          <a:p>
-            <a:pPr lvl="1"/>
-            <a:r>
-              <a:rPr lang="en-US" altLang="ko-KR" dirty="0" smtClean="0"/>
-              <a:t>2012</a:t>
-            </a:r>
-            <a:r>
-              <a:rPr lang="ko-KR" altLang="en-US" dirty="0" smtClean="0"/>
-              <a:t>년 미국 대선 후원금 데이터에 대한 분석에 그룹별 분석 방법을 적용해본다</a:t>
+              <a:t>통계메소드를</a:t>
+            </a:r>
+            <a:r>
+              <a:rPr lang="ko-KR" altLang="en-US" dirty="0" smtClean="0"/>
+              <a:t> 적용하는 방법을 익힌다</a:t>
             </a:r>
             <a:r>
               <a:rPr lang="en-US" altLang="ko-KR" dirty="0" smtClean="0"/>
@@ -18611,26 +18461,197 @@
           <a:p>
             <a:pPr lvl="1"/>
             <a:r>
-              <a:rPr lang="en-US" altLang="ko-KR" dirty="0" smtClean="0">
-                <a:hlinkClick r:id="rId2"/>
-              </a:rPr>
-              <a:t>http://www.fec.gov/disclosure/PDownload.do</a:t>
-            </a:r>
-            <a:r>
-              <a:rPr lang="en-US" altLang="ko-KR" dirty="0" smtClean="0"/>
+              <a:rPr lang="en-US" altLang="ko-KR" dirty="0" smtClean="0"/>
+              <a:t>titanic.csv </a:t>
+            </a:r>
+            <a:r>
+              <a:rPr lang="ko-KR" altLang="en-US" dirty="0" smtClean="0"/>
+              <a:t>파일을 이용해 </a:t>
+            </a:r>
+            <a:r>
+              <a:rPr lang="en-US" altLang="ko-KR" dirty="0" err="1" smtClean="0"/>
+              <a:t>GroupBy</a:t>
+            </a:r>
+            <a:r>
+              <a:rPr lang="ko-KR" altLang="en-US" dirty="0" smtClean="0"/>
+              <a:t>를 적용해보자</a:t>
+            </a:r>
+            <a:r>
+              <a:rPr lang="en-US" altLang="ko-KR" dirty="0" smtClean="0"/>
+              <a:t>.</a:t>
+            </a:r>
+          </a:p>
+          <a:p>
+            <a:pPr lvl="2"/>
+            <a:r>
+              <a:rPr lang="en-US" altLang="ko-KR" dirty="0" smtClean="0"/>
+              <a:t>titanic.csv </a:t>
+            </a:r>
+            <a:r>
+              <a:rPr lang="ko-KR" altLang="en-US" dirty="0" smtClean="0"/>
+              <a:t>파일을 </a:t>
+            </a:r>
+            <a:r>
+              <a:rPr lang="ko-KR" altLang="en-US" dirty="0" err="1" smtClean="0"/>
+              <a:t>읽어들여</a:t>
+            </a:r>
+            <a:r>
+              <a:rPr lang="ko-KR" altLang="en-US" dirty="0" smtClean="0"/>
               <a:t> </a:t>
             </a:r>
             <a:r>
-              <a:rPr lang="ko-KR" altLang="en-US" dirty="0" smtClean="0"/>
-              <a:t>사이트에서 </a:t>
-            </a:r>
-            <a:r>
-              <a:rPr lang="en-US" altLang="ko-KR" dirty="0" smtClean="0"/>
-              <a:t>2016</a:t>
-            </a:r>
-            <a:r>
-              <a:rPr lang="ko-KR" altLang="en-US" dirty="0" smtClean="0"/>
-              <a:t>년 미국 대선 후원금 데이터를 다운받아 다양한 그룹별 분석 방법을 적용해본다</a:t>
+              <a:rPr lang="en-US" altLang="ko-KR" dirty="0" err="1" smtClean="0"/>
+              <a:t>DataFrame</a:t>
+            </a:r>
+            <a:r>
+              <a:rPr lang="en-US" altLang="ko-KR" dirty="0" smtClean="0"/>
+              <a:t> </a:t>
+            </a:r>
+            <a:r>
+              <a:rPr lang="ko-KR" altLang="en-US" dirty="0" smtClean="0"/>
+              <a:t>객체인 </a:t>
+            </a:r>
+            <a:r>
+              <a:rPr lang="en-US" altLang="ko-KR" dirty="0" smtClean="0"/>
+              <a:t>titanic</a:t>
+            </a:r>
+            <a:r>
+              <a:rPr lang="ko-KR" altLang="en-US" dirty="0" smtClean="0"/>
+              <a:t>을 </a:t>
+            </a:r>
+            <a:r>
+              <a:rPr lang="ko-KR" altLang="en-US" dirty="0" smtClean="0"/>
+              <a:t>생성하고 </a:t>
+            </a:r>
+            <a:r>
+              <a:rPr lang="en-US" altLang="ko-KR" dirty="0" err="1" smtClean="0"/>
+              <a:t>agerange</a:t>
+            </a:r>
+            <a:r>
+              <a:rPr lang="en-US" altLang="ko-KR" dirty="0" smtClean="0"/>
+              <a:t> </a:t>
+            </a:r>
+            <a:r>
+              <a:rPr lang="ko-KR" altLang="en-US" dirty="0" smtClean="0"/>
+              <a:t>열을 추가한다</a:t>
+            </a:r>
+            <a:r>
+              <a:rPr lang="en-US" altLang="ko-KR" dirty="0" smtClean="0"/>
+              <a:t>. </a:t>
+            </a:r>
+            <a:r>
+              <a:rPr lang="en-US" altLang="ko-KR" dirty="0" err="1" smtClean="0"/>
+              <a:t>agerange</a:t>
+            </a:r>
+            <a:r>
+              <a:rPr lang="en-US" altLang="ko-KR" dirty="0" smtClean="0"/>
+              <a:t> </a:t>
+            </a:r>
+            <a:r>
+              <a:rPr lang="ko-KR" altLang="en-US" dirty="0" smtClean="0"/>
+              <a:t>열은 </a:t>
+            </a:r>
+            <a:r>
+              <a:rPr lang="en-US" altLang="ko-KR" dirty="0" smtClean="0"/>
+              <a:t>age </a:t>
+            </a:r>
+            <a:r>
+              <a:rPr lang="ko-KR" altLang="en-US" dirty="0" smtClean="0"/>
+              <a:t>열에 포함된 나이를 </a:t>
+            </a:r>
+            <a:r>
+              <a:rPr lang="en-US" altLang="ko-KR" dirty="0" smtClean="0"/>
+              <a:t>0~15, 16~60, 61~120</a:t>
+            </a:r>
+            <a:r>
+              <a:rPr lang="ko-KR" altLang="en-US" dirty="0" smtClean="0"/>
+              <a:t>세로 구분한 범주형 데이터가 </a:t>
+            </a:r>
+            <a:r>
+              <a:rPr lang="ko-KR" altLang="en-US" dirty="0" err="1" smtClean="0"/>
+              <a:t>되도록한다</a:t>
+            </a:r>
+            <a:r>
+              <a:rPr lang="en-US" altLang="ko-KR" dirty="0" smtClean="0"/>
+              <a:t>.</a:t>
+            </a:r>
+          </a:p>
+          <a:p>
+            <a:pPr lvl="2"/>
+            <a:r>
+              <a:rPr lang="en-US" altLang="ko-KR" dirty="0" err="1" smtClean="0"/>
+              <a:t>titani</a:t>
+            </a:r>
+            <a:r>
+              <a:rPr lang="ko-KR" altLang="en-US" dirty="0" smtClean="0"/>
+              <a:t>을 </a:t>
+            </a:r>
+            <a:r>
+              <a:rPr lang="en-US" altLang="ko-KR" dirty="0" err="1" smtClean="0"/>
+              <a:t>agerange</a:t>
+            </a:r>
+            <a:r>
+              <a:rPr lang="ko-KR" altLang="en-US" dirty="0" smtClean="0"/>
+              <a:t>와 </a:t>
+            </a:r>
+            <a:r>
+              <a:rPr lang="en-US" altLang="ko-KR" dirty="0" err="1" smtClean="0"/>
+              <a:t>pclass</a:t>
+            </a:r>
+            <a:r>
+              <a:rPr lang="ko-KR" altLang="en-US" dirty="0" smtClean="0"/>
+              <a:t>를 기준으로 묶은 </a:t>
+            </a:r>
+            <a:r>
+              <a:rPr lang="en-US" altLang="ko-KR" dirty="0" err="1" smtClean="0"/>
+              <a:t>g_titanic</a:t>
+            </a:r>
+            <a:r>
+              <a:rPr lang="ko-KR" altLang="en-US" dirty="0" smtClean="0"/>
+              <a:t> 객체를 생성한다</a:t>
+            </a:r>
+            <a:r>
+              <a:rPr lang="en-US" altLang="ko-KR" dirty="0" smtClean="0"/>
+              <a:t>.</a:t>
+            </a:r>
+          </a:p>
+          <a:p>
+            <a:pPr lvl="2"/>
+            <a:r>
+              <a:rPr lang="en-US" altLang="ko-KR" dirty="0" err="1" smtClean="0"/>
+              <a:t>g_titanic</a:t>
+            </a:r>
+            <a:r>
+              <a:rPr lang="en-US" altLang="ko-KR" dirty="0" smtClean="0"/>
+              <a:t> </a:t>
+            </a:r>
+            <a:r>
+              <a:rPr lang="ko-KR" altLang="en-US" dirty="0" smtClean="0"/>
+              <a:t>객체를 이용하여 연령대와 승객등급별 생존자의 합계</a:t>
+            </a:r>
+            <a:r>
+              <a:rPr lang="en-US" altLang="ko-KR" dirty="0" smtClean="0"/>
+              <a:t>(sum), </a:t>
+            </a:r>
+            <a:r>
+              <a:rPr lang="ko-KR" altLang="en-US" dirty="0" smtClean="0"/>
+              <a:t>승객 합계</a:t>
+            </a:r>
+            <a:r>
+              <a:rPr lang="en-US" altLang="ko-KR" dirty="0" smtClean="0"/>
+              <a:t>(count), </a:t>
+            </a:r>
+            <a:r>
+              <a:rPr lang="ko-KR" altLang="en-US" dirty="0" smtClean="0"/>
+              <a:t>평균</a:t>
+            </a:r>
+            <a:r>
+              <a:rPr lang="en-US" altLang="ko-KR" dirty="0" smtClean="0"/>
+              <a:t>(mean)</a:t>
+            </a:r>
+            <a:r>
+              <a:rPr lang="ko-KR" altLang="en-US" dirty="0" smtClean="0"/>
+              <a:t>을 구한다</a:t>
             </a:r>
             <a:r>
               <a:rPr lang="en-US" altLang="ko-KR" dirty="0" smtClean="0"/>
@@ -18650,7 +18671,7 @@
     </p:spTree>
     <p:extLst>
       <p:ext uri="{BB962C8B-B14F-4D97-AF65-F5344CB8AC3E}">
-        <p14:creationId xmlns:p14="http://schemas.microsoft.com/office/powerpoint/2010/main" val="1533556069"/>
+        <p14:creationId xmlns:p14="http://schemas.microsoft.com/office/powerpoint/2010/main" val="3023259224"/>
       </p:ext>
     </p:extLst>
   </p:cSld>
@@ -18701,7 +18722,7 @@
           <a:p>
             <a:r>
               <a:rPr lang="en-US" altLang="ko-KR" dirty="0" smtClean="0"/>
-              <a:t>Day12 (6</a:t>
+              <a:t>Day11 (6</a:t>
             </a:r>
             <a:r>
               <a:rPr lang="ko-KR" altLang="en-US" dirty="0" smtClean="0"/>
@@ -18709,7 +18730,7 @@
             </a:r>
             <a:r>
               <a:rPr lang="en-US" altLang="ko-KR" dirty="0" smtClean="0"/>
-              <a:t>15</a:t>
+              <a:t>14</a:t>
             </a:r>
             <a:r>
               <a:rPr lang="ko-KR" altLang="en-US" dirty="0" smtClean="0"/>
@@ -18751,31 +18772,26 @@
             <a:pPr lvl="1"/>
             <a:r>
               <a:rPr lang="ko-KR" altLang="en-US" dirty="0" smtClean="0"/>
-              <a:t>날짜</a:t>
-            </a:r>
-            <a:r>
-              <a:rPr lang="en-US" altLang="ko-KR" dirty="0" smtClean="0"/>
-              <a:t>, </a:t>
-            </a:r>
-            <a:r>
-              <a:rPr lang="ko-KR" altLang="en-US" dirty="0" smtClean="0"/>
-              <a:t>시각</a:t>
-            </a:r>
-            <a:r>
-              <a:rPr lang="en-US" altLang="ko-KR" dirty="0" smtClean="0"/>
-              <a:t>, </a:t>
-            </a:r>
-            <a:r>
-              <a:rPr lang="ko-KR" altLang="en-US" dirty="0" smtClean="0"/>
-              <a:t>시간 객체를 생성하고 </a:t>
+              <a:t>그룹별 연산과 변형 방법을 익힌다</a:t>
+            </a:r>
+            <a:r>
+              <a:rPr lang="en-US" altLang="ko-KR" dirty="0" smtClean="0"/>
+              <a:t>.</a:t>
+            </a:r>
+          </a:p>
+          <a:p>
+            <a:pPr lvl="1"/>
+            <a:r>
+              <a:rPr lang="ko-KR" altLang="en-US" dirty="0" smtClean="0"/>
+              <a:t>피벗 테이블과 </a:t>
             </a:r>
             <a:r>
               <a:rPr lang="ko-KR" altLang="en-US" dirty="0" err="1" smtClean="0"/>
-              <a:t>색인하는</a:t>
-            </a:r>
-            <a:r>
-              <a:rPr lang="ko-KR" altLang="en-US" dirty="0" smtClean="0"/>
-              <a:t> 방법을 익힌다</a:t>
+              <a:t>교차알람표를</a:t>
+            </a:r>
+            <a:r>
+              <a:rPr lang="ko-KR" altLang="en-US" dirty="0" smtClean="0"/>
+              <a:t> 생성하는 방법을 익힌다</a:t>
             </a:r>
             <a:r>
               <a:rPr lang="en-US" altLang="ko-KR" dirty="0" smtClean="0"/>
@@ -18785,33 +18801,20 @@
           <a:p>
             <a:pPr lvl="1"/>
             <a:r>
-              <a:rPr lang="en-US" altLang="ko-KR" dirty="0" err="1" smtClean="0"/>
-              <a:t>DatetimeIndex</a:t>
-            </a:r>
-            <a:r>
-              <a:rPr lang="ko-KR" altLang="en-US" dirty="0" smtClean="0"/>
-              <a:t>를 색인으로 하는 </a:t>
-            </a:r>
-            <a:r>
-              <a:rPr lang="ko-KR" altLang="en-US" dirty="0" err="1" smtClean="0"/>
-              <a:t>시계열</a:t>
-            </a:r>
-            <a:r>
-              <a:rPr lang="ko-KR" altLang="en-US" dirty="0" smtClean="0"/>
-              <a:t> 데이터를 생성하고 </a:t>
-            </a:r>
-            <a:r>
-              <a:rPr lang="ko-KR" altLang="en-US" dirty="0" err="1" smtClean="0"/>
-              <a:t>색인하는</a:t>
-            </a:r>
-            <a:r>
-              <a:rPr lang="ko-KR" altLang="en-US" dirty="0" smtClean="0"/>
-              <a:t> 방법을 익힌다</a:t>
+              <a:rPr lang="en-US" altLang="ko-KR" dirty="0" smtClean="0"/>
+              <a:t>2012</a:t>
+            </a:r>
+            <a:r>
+              <a:rPr lang="ko-KR" altLang="en-US" dirty="0" smtClean="0"/>
+              <a:t>년 미국 대선 후원금 데이터에 대한 분석에 그룹별 분석 방법을 적용해본다</a:t>
             </a:r>
             <a:r>
               <a:rPr lang="en-US" altLang="ko-KR" dirty="0" smtClean="0"/>
               <a:t>.</a:t>
             </a:r>
+          </a:p>
+          <a:p>
+            <a:pPr lvl="2"/>
             <a:endParaRPr lang="en-US" altLang="ko-KR" dirty="0"/>
           </a:p>
           <a:p>
@@ -18847,165 +18850,6 @@
             <a:r>
               <a:rPr lang="ko-KR" altLang="en-US" dirty="0" smtClean="0"/>
               <a:t>년 미국 대선 후원금 데이터를 다운받아 다양한 그룹별 분석 방법을 적용해본다</a:t>
-            </a:r>
-            <a:r>
-              <a:rPr lang="en-US" altLang="ko-KR" dirty="0" smtClean="0"/>
-              <a:t>.</a:t>
-            </a:r>
-          </a:p>
-          <a:p>
-            <a:pPr lvl="2" indent="-285750"/>
-            <a:r>
-              <a:rPr lang="ko-KR" altLang="en-US" dirty="0" smtClean="0"/>
-              <a:t>트럼프와 </a:t>
-            </a:r>
-            <a:r>
-              <a:rPr lang="ko-KR" altLang="en-US" dirty="0" err="1" smtClean="0"/>
-              <a:t>힐러리를</a:t>
-            </a:r>
-            <a:r>
-              <a:rPr lang="ko-KR" altLang="en-US" dirty="0" smtClean="0"/>
-              <a:t> 후원한 데이터 만을 골라낸다</a:t>
-            </a:r>
-            <a:r>
-              <a:rPr lang="en-US" altLang="ko-KR" dirty="0" smtClean="0"/>
-              <a:t>.</a:t>
-            </a:r>
-          </a:p>
-          <a:p>
-            <a:pPr lvl="2" indent="-285750"/>
-            <a:r>
-              <a:rPr lang="ko-KR" altLang="en-US" dirty="0" smtClean="0"/>
-              <a:t>직업 별로 트럼프와 </a:t>
-            </a:r>
-            <a:r>
-              <a:rPr lang="ko-KR" altLang="en-US" dirty="0" err="1" smtClean="0"/>
-              <a:t>힐러리의</a:t>
-            </a:r>
-            <a:r>
-              <a:rPr lang="ko-KR" altLang="en-US" dirty="0" smtClean="0"/>
-              <a:t> 후원총액 비율을 보여주는 </a:t>
-            </a:r>
-            <a:r>
-              <a:rPr lang="ko-KR" altLang="en-US" dirty="0" err="1" smtClean="0"/>
-              <a:t>피봇테이블을</a:t>
-            </a:r>
-            <a:r>
-              <a:rPr lang="ko-KR" altLang="en-US" dirty="0" smtClean="0"/>
-              <a:t> 작성하라</a:t>
-            </a:r>
-            <a:r>
-              <a:rPr lang="en-US" altLang="ko-KR" dirty="0" smtClean="0"/>
-              <a:t>.</a:t>
-            </a:r>
-          </a:p>
-          <a:p>
-            <a:pPr lvl="2" indent="-285750"/>
-            <a:r>
-              <a:rPr lang="ko-KR" altLang="en-US" dirty="0" smtClean="0"/>
-              <a:t>고용주 별로 </a:t>
-            </a:r>
-            <a:r>
-              <a:rPr lang="ko-KR" altLang="en-US" dirty="0"/>
-              <a:t>트럼프와 </a:t>
-            </a:r>
-            <a:r>
-              <a:rPr lang="ko-KR" altLang="en-US" dirty="0" err="1"/>
-              <a:t>힐러리의</a:t>
-            </a:r>
-            <a:r>
-              <a:rPr lang="ko-KR" altLang="en-US" dirty="0"/>
-              <a:t> 후원총액 비율을 보여주는 </a:t>
-            </a:r>
-            <a:r>
-              <a:rPr lang="ko-KR" altLang="en-US" dirty="0" err="1"/>
-              <a:t>피봇테이블을</a:t>
-            </a:r>
-            <a:r>
-              <a:rPr lang="ko-KR" altLang="en-US" dirty="0"/>
-              <a:t> 작성하라</a:t>
-            </a:r>
-            <a:r>
-              <a:rPr lang="en-US" altLang="ko-KR" dirty="0"/>
-              <a:t>.</a:t>
-            </a:r>
-          </a:p>
-          <a:p>
-            <a:pPr lvl="2" indent="-285750"/>
-            <a:r>
-              <a:rPr lang="ko-KR" altLang="en-US" dirty="0" smtClean="0"/>
-              <a:t>주 </a:t>
-            </a:r>
-            <a:r>
-              <a:rPr lang="ko-KR" altLang="en-US" dirty="0"/>
-              <a:t>별로 트럼프와 </a:t>
-            </a:r>
-            <a:r>
-              <a:rPr lang="ko-KR" altLang="en-US" dirty="0" err="1"/>
-              <a:t>힐러리의</a:t>
-            </a:r>
-            <a:r>
-              <a:rPr lang="ko-KR" altLang="en-US" dirty="0"/>
-              <a:t> 후원총액 비율을 보여주는 </a:t>
-            </a:r>
-            <a:r>
-              <a:rPr lang="ko-KR" altLang="en-US" dirty="0" err="1"/>
-              <a:t>피봇테이블을</a:t>
-            </a:r>
-            <a:r>
-              <a:rPr lang="ko-KR" altLang="en-US" dirty="0"/>
-              <a:t> 작성하라</a:t>
-            </a:r>
-            <a:endParaRPr lang="en-US" altLang="ko-KR" dirty="0" smtClean="0"/>
-          </a:p>
-          <a:p>
-            <a:pPr lvl="2" indent="-285750"/>
-            <a:r>
-              <a:rPr lang="ko-KR" altLang="en-US" dirty="0" smtClean="0"/>
-              <a:t>후원금의 규모별 트럼프와 </a:t>
-            </a:r>
-            <a:r>
-              <a:rPr lang="ko-KR" altLang="en-US" dirty="0" err="1" smtClean="0"/>
-              <a:t>힐러리</a:t>
-            </a:r>
-            <a:r>
-              <a:rPr lang="ko-KR" altLang="en-US" dirty="0" smtClean="0"/>
-              <a:t> 후원빈도를 보여주는 </a:t>
-            </a:r>
-            <a:r>
-              <a:rPr lang="ko-KR" altLang="en-US" dirty="0" err="1" smtClean="0"/>
-              <a:t>피봇테이블을</a:t>
-            </a:r>
-            <a:r>
-              <a:rPr lang="ko-KR" altLang="en-US" dirty="0" smtClean="0"/>
-              <a:t> 작성하라</a:t>
-            </a:r>
-            <a:r>
-              <a:rPr lang="en-US" altLang="ko-KR" dirty="0" smtClean="0"/>
-              <a:t>.</a:t>
-            </a:r>
-          </a:p>
-          <a:p>
-            <a:pPr lvl="2" indent="-285750"/>
-            <a:r>
-              <a:rPr lang="ko-KR" altLang="en-US" dirty="0" smtClean="0"/>
-              <a:t>월 별로 트럼프와 </a:t>
-            </a:r>
-            <a:r>
-              <a:rPr lang="ko-KR" altLang="en-US" dirty="0" err="1" smtClean="0"/>
-              <a:t>힐러리의</a:t>
-            </a:r>
-            <a:r>
-              <a:rPr lang="ko-KR" altLang="en-US" dirty="0" smtClean="0"/>
-              <a:t> 후원총액을 보여주는 </a:t>
-            </a:r>
-            <a:r>
-              <a:rPr lang="ko-KR" altLang="en-US" dirty="0" err="1" smtClean="0"/>
-              <a:t>피봇테이블을</a:t>
-            </a:r>
-            <a:r>
-              <a:rPr lang="ko-KR" altLang="en-US" dirty="0" smtClean="0"/>
-              <a:t> 작성하라</a:t>
             </a:r>
             <a:r>
               <a:rPr lang="en-US" altLang="ko-KR" dirty="0" smtClean="0"/>
@@ -19025,7 +18869,7 @@
     </p:spTree>
     <p:extLst>
       <p:ext uri="{BB962C8B-B14F-4D97-AF65-F5344CB8AC3E}">
-        <p14:creationId xmlns:p14="http://schemas.microsoft.com/office/powerpoint/2010/main" val="1708591251"/>
+        <p14:creationId xmlns:p14="http://schemas.microsoft.com/office/powerpoint/2010/main" val="1533556069"/>
       </p:ext>
     </p:extLst>
   </p:cSld>
@@ -19076,7 +18920,7 @@
           <a:p>
             <a:r>
               <a:rPr lang="en-US" altLang="ko-KR" dirty="0" smtClean="0"/>
-              <a:t>Day13 (6</a:t>
+              <a:t>Day12 (6</a:t>
             </a:r>
             <a:r>
               <a:rPr lang="ko-KR" altLang="en-US" dirty="0" smtClean="0"/>
@@ -19084,7 +18928,7 @@
             </a:r>
             <a:r>
               <a:rPr lang="en-US" altLang="ko-KR" dirty="0" smtClean="0"/>
-              <a:t>18</a:t>
+              <a:t>15</a:t>
             </a:r>
             <a:r>
               <a:rPr lang="ko-KR" altLang="en-US" dirty="0" smtClean="0"/>
@@ -19125,35 +18969,63 @@
           <a:p>
             <a:pPr lvl="1"/>
             <a:r>
+              <a:rPr lang="ko-KR" altLang="en-US" dirty="0" smtClean="0"/>
+              <a:t>날짜</a:t>
+            </a:r>
+            <a:r>
+              <a:rPr lang="en-US" altLang="ko-KR" dirty="0" smtClean="0"/>
+              <a:t>, </a:t>
+            </a:r>
+            <a:r>
+              <a:rPr lang="ko-KR" altLang="en-US" dirty="0" smtClean="0"/>
+              <a:t>시각</a:t>
+            </a:r>
+            <a:r>
+              <a:rPr lang="en-US" altLang="ko-KR" dirty="0" smtClean="0"/>
+              <a:t>, </a:t>
+            </a:r>
+            <a:r>
+              <a:rPr lang="ko-KR" altLang="en-US" dirty="0" smtClean="0"/>
+              <a:t>시간 객체를 생성하고 </a:t>
+            </a:r>
+            <a:r>
+              <a:rPr lang="ko-KR" altLang="en-US" dirty="0" err="1" smtClean="0"/>
+              <a:t>색인하는</a:t>
+            </a:r>
+            <a:r>
+              <a:rPr lang="ko-KR" altLang="en-US" dirty="0" smtClean="0"/>
+              <a:t> 방법을 익힌다</a:t>
+            </a:r>
+            <a:r>
+              <a:rPr lang="en-US" altLang="ko-KR" dirty="0" smtClean="0"/>
+              <a:t>.</a:t>
+            </a:r>
+          </a:p>
+          <a:p>
+            <a:pPr lvl="1"/>
+            <a:r>
               <a:rPr lang="en-US" altLang="ko-KR" dirty="0" err="1" smtClean="0"/>
-              <a:t>PeriodIndex</a:t>
-            </a:r>
-            <a:r>
-              <a:rPr lang="en-US" altLang="ko-KR" dirty="0" smtClean="0"/>
-              <a:t> </a:t>
-            </a:r>
-            <a:r>
-              <a:rPr lang="ko-KR" altLang="en-US" dirty="0" smtClean="0"/>
-              <a:t>객체를 생성하는 방법을 익힌다</a:t>
-            </a:r>
-            <a:r>
-              <a:rPr lang="en-US" altLang="ko-KR" dirty="0" smtClean="0"/>
-              <a:t>.</a:t>
-            </a:r>
-          </a:p>
-          <a:p>
-            <a:pPr lvl="1"/>
-            <a:r>
-              <a:rPr lang="ko-KR" altLang="en-US" dirty="0" smtClean="0"/>
-              <a:t>다양한 </a:t>
+              <a:t>DatetimeIndex</a:t>
+            </a:r>
+            <a:r>
+              <a:rPr lang="ko-KR" altLang="en-US" dirty="0" smtClean="0"/>
+              <a:t>를 색인으로 하는 </a:t>
             </a:r>
             <a:r>
               <a:rPr lang="ko-KR" altLang="en-US" dirty="0" err="1" smtClean="0"/>
-              <a:t>리샘플링</a:t>
-            </a:r>
-            <a:r>
-              <a:rPr lang="ko-KR" altLang="en-US" dirty="0" smtClean="0"/>
-              <a:t> 방법을 익히고 애플의 주가 데이터에 적용해본다</a:t>
+              <a:t>시계열</a:t>
+            </a:r>
+            <a:r>
+              <a:rPr lang="ko-KR" altLang="en-US" dirty="0" smtClean="0"/>
+              <a:t> 데이터를 생성하고 </a:t>
+            </a:r>
+            <a:r>
+              <a:rPr lang="ko-KR" altLang="en-US" dirty="0" err="1" smtClean="0"/>
+              <a:t>색인하는</a:t>
+            </a:r>
+            <a:r>
+              <a:rPr lang="ko-KR" altLang="en-US" dirty="0" smtClean="0"/>
+              <a:t> 방법을 익힌다</a:t>
             </a:r>
             <a:r>
               <a:rPr lang="en-US" altLang="ko-KR" dirty="0" smtClean="0"/>
@@ -19177,7 +19049,7 @@
               <a:rPr lang="en-US" altLang="ko-KR" dirty="0" smtClean="0">
                 <a:hlinkClick r:id="rId2"/>
               </a:rPr>
-              <a:t>https://finance.yahoo.com/</a:t>
+              <a:t>http://www.fec.gov/disclosure/PDownload.do</a:t>
             </a:r>
             <a:r>
               <a:rPr lang="en-US" altLang="ko-KR" dirty="0" smtClean="0"/>
@@ -19185,39 +19057,34 @@
             </a:r>
             <a:r>
               <a:rPr lang="ko-KR" altLang="en-US" dirty="0" smtClean="0"/>
-              <a:t>사이트에서 몇몇 기업의 주가 데이터를 </a:t>
+              <a:t>사이트에서 </a:t>
+            </a:r>
+            <a:r>
+              <a:rPr lang="en-US" altLang="ko-KR" dirty="0" smtClean="0"/>
+              <a:t>2016</a:t>
+            </a:r>
+            <a:r>
+              <a:rPr lang="ko-KR" altLang="en-US" dirty="0" smtClean="0"/>
+              <a:t>년 미국 대선 후원금 데이터를 다운받아 다양한 그룹별 분석 방법을 적용해본다</a:t>
+            </a:r>
+            <a:r>
+              <a:rPr lang="en-US" altLang="ko-KR" dirty="0" smtClean="0"/>
+              <a:t>.</a:t>
+            </a:r>
+          </a:p>
+          <a:p>
+            <a:pPr lvl="2" indent="-285750"/>
+            <a:r>
+              <a:rPr lang="ko-KR" altLang="en-US" dirty="0" smtClean="0"/>
+              <a:t>트럼프와 </a:t>
             </a:r>
             <a:r>
               <a:rPr lang="ko-KR" altLang="en-US" dirty="0" err="1" smtClean="0"/>
-              <a:t>다운로드하여</a:t>
-            </a:r>
-            <a:r>
-              <a:rPr lang="ko-KR" altLang="en-US" dirty="0" smtClean="0"/>
-              <a:t> </a:t>
-            </a:r>
-            <a:r>
-              <a:rPr lang="en-US" altLang="ko-KR" dirty="0" err="1" smtClean="0"/>
-              <a:t>concat</a:t>
-            </a:r>
-            <a:r>
-              <a:rPr lang="ko-KR" altLang="en-US" dirty="0" smtClean="0"/>
-              <a:t>으로 연결하여 통합된 </a:t>
-            </a:r>
-            <a:r>
-              <a:rPr lang="en-US" altLang="ko-KR" dirty="0" err="1" smtClean="0"/>
-              <a:t>DataFrame</a:t>
-            </a:r>
-            <a:r>
-              <a:rPr lang="en-US" altLang="ko-KR" dirty="0" smtClean="0"/>
-              <a:t> </a:t>
-            </a:r>
-            <a:r>
-              <a:rPr lang="en-US" altLang="ko-KR" dirty="0" err="1" smtClean="0"/>
-              <a:t>df</a:t>
-            </a:r>
-            <a:r>
-              <a:rPr lang="ko-KR" altLang="en-US" dirty="0" smtClean="0"/>
-              <a:t>로 만든다</a:t>
+              <a:t>힐러리를</a:t>
+            </a:r>
+            <a:r>
+              <a:rPr lang="ko-KR" altLang="en-US" dirty="0" smtClean="0"/>
+              <a:t> 후원한 데이터 만을 골라낸다</a:t>
             </a:r>
             <a:r>
               <a:rPr lang="en-US" altLang="ko-KR" dirty="0" smtClean="0"/>
@@ -19225,220 +19092,147 @@
             </a:r>
           </a:p>
           <a:p>
-            <a:pPr lvl="2"/>
-            <a:r>
-              <a:rPr lang="ko-KR" altLang="en-US" dirty="0" smtClean="0"/>
-              <a:t>기간</a:t>
-            </a:r>
-            <a:r>
-              <a:rPr lang="en-US" altLang="ko-KR" dirty="0" smtClean="0"/>
-              <a:t>: 2009</a:t>
-            </a:r>
-            <a:r>
-              <a:rPr lang="ko-KR" altLang="en-US" dirty="0" smtClean="0"/>
-              <a:t>년 </a:t>
-            </a:r>
-            <a:r>
-              <a:rPr lang="en-US" altLang="ko-KR" dirty="0" smtClean="0"/>
-              <a:t>1</a:t>
-            </a:r>
-            <a:r>
-              <a:rPr lang="ko-KR" altLang="en-US" dirty="0" smtClean="0"/>
-              <a:t>월 </a:t>
-            </a:r>
-            <a:r>
-              <a:rPr lang="en-US" altLang="ko-KR" dirty="0" smtClean="0"/>
-              <a:t>1</a:t>
-            </a:r>
-            <a:r>
-              <a:rPr lang="ko-KR" altLang="en-US" dirty="0" smtClean="0"/>
-              <a:t>일</a:t>
-            </a:r>
-            <a:r>
-              <a:rPr lang="en-US" altLang="ko-KR" dirty="0" smtClean="0"/>
-              <a:t>~2012</a:t>
-            </a:r>
-            <a:r>
-              <a:rPr lang="ko-KR" altLang="en-US" dirty="0" smtClean="0"/>
-              <a:t>년 </a:t>
-            </a:r>
-            <a:r>
-              <a:rPr lang="en-US" altLang="ko-KR" dirty="0" smtClean="0"/>
-              <a:t>6</a:t>
-            </a:r>
-            <a:r>
-              <a:rPr lang="ko-KR" altLang="en-US" dirty="0" smtClean="0"/>
-              <a:t>월</a:t>
-            </a:r>
-            <a:r>
-              <a:rPr lang="en-US" altLang="ko-KR" dirty="0" smtClean="0"/>
-              <a:t> 1</a:t>
-            </a:r>
-            <a:r>
-              <a:rPr lang="ko-KR" altLang="en-US" dirty="0" smtClean="0"/>
-              <a:t>일</a:t>
+            <a:pPr lvl="2" indent="-285750"/>
+            <a:r>
+              <a:rPr lang="ko-KR" altLang="en-US" dirty="0" smtClean="0"/>
+              <a:t>직업 별로 트럼프와 </a:t>
+            </a:r>
+            <a:r>
+              <a:rPr lang="ko-KR" altLang="en-US" dirty="0" err="1" smtClean="0"/>
+              <a:t>힐러리의</a:t>
+            </a:r>
+            <a:r>
+              <a:rPr lang="ko-KR" altLang="en-US" dirty="0" smtClean="0"/>
+              <a:t> 후원총액 비율을 보여주는 </a:t>
+            </a:r>
+            <a:r>
+              <a:rPr lang="ko-KR" altLang="en-US" dirty="0" err="1" smtClean="0"/>
+              <a:t>피봇테이블을</a:t>
+            </a:r>
+            <a:r>
+              <a:rPr lang="ko-KR" altLang="en-US" dirty="0" smtClean="0"/>
+              <a:t> 작성하라</a:t>
+            </a:r>
+            <a:r>
+              <a:rPr lang="en-US" altLang="ko-KR" dirty="0" smtClean="0"/>
+              <a:t>.</a:t>
+            </a:r>
+          </a:p>
+          <a:p>
+            <a:pPr lvl="2" indent="-285750"/>
+            <a:r>
+              <a:rPr lang="ko-KR" altLang="en-US" dirty="0" smtClean="0"/>
+              <a:t>고용주 별로 </a:t>
+            </a:r>
+            <a:r>
+              <a:rPr lang="ko-KR" altLang="en-US" dirty="0"/>
+              <a:t>트럼프와 </a:t>
+            </a:r>
+            <a:r>
+              <a:rPr lang="ko-KR" altLang="en-US" dirty="0" err="1"/>
+              <a:t>힐러리의</a:t>
+            </a:r>
+            <a:r>
+              <a:rPr lang="ko-KR" altLang="en-US" dirty="0"/>
+              <a:t> 후원총액 비율을 보여주는 </a:t>
+            </a:r>
+            <a:r>
+              <a:rPr lang="ko-KR" altLang="en-US" dirty="0" err="1"/>
+              <a:t>피봇테이블을</a:t>
+            </a:r>
+            <a:r>
+              <a:rPr lang="ko-KR" altLang="en-US" dirty="0"/>
+              <a:t> 작성하라</a:t>
+            </a:r>
+            <a:r>
+              <a:rPr lang="en-US" altLang="ko-KR" dirty="0"/>
+              <a:t>.</a:t>
+            </a:r>
+          </a:p>
+          <a:p>
+            <a:pPr lvl="2" indent="-285750"/>
+            <a:r>
+              <a:rPr lang="ko-KR" altLang="en-US" dirty="0" smtClean="0"/>
+              <a:t>주 </a:t>
+            </a:r>
+            <a:r>
+              <a:rPr lang="ko-KR" altLang="en-US" dirty="0"/>
+              <a:t>별로 트럼프와 </a:t>
+            </a:r>
+            <a:r>
+              <a:rPr lang="ko-KR" altLang="en-US" dirty="0" err="1"/>
+              <a:t>힐러리의</a:t>
+            </a:r>
+            <a:r>
+              <a:rPr lang="ko-KR" altLang="en-US" dirty="0"/>
+              <a:t> 후원총액 비율을 보여주는 </a:t>
+            </a:r>
+            <a:r>
+              <a:rPr lang="ko-KR" altLang="en-US" dirty="0" err="1"/>
+              <a:t>피봇테이블을</a:t>
+            </a:r>
+            <a:r>
+              <a:rPr lang="ko-KR" altLang="en-US" dirty="0"/>
+              <a:t> 작성하라</a:t>
             </a:r>
             <a:endParaRPr lang="en-US" altLang="ko-KR" dirty="0" smtClean="0"/>
           </a:p>
           <a:p>
-            <a:pPr lvl="2"/>
-            <a:r>
-              <a:rPr lang="ko-KR" altLang="en-US" dirty="0" smtClean="0"/>
-              <a:t>주기</a:t>
-            </a:r>
-            <a:r>
-              <a:rPr lang="en-US" altLang="ko-KR" dirty="0" smtClean="0"/>
-              <a:t>: Daily</a:t>
-            </a:r>
-          </a:p>
-          <a:p>
-            <a:pPr lvl="2"/>
-            <a:r>
-              <a:rPr lang="ko-KR" altLang="en-US" dirty="0" smtClean="0"/>
-              <a:t>기업 목록</a:t>
-            </a:r>
-            <a:r>
-              <a:rPr lang="en-US" altLang="ko-KR" dirty="0" smtClean="0"/>
-              <a:t>: [‘AAPL’, ‘GOOG’, ‘MSFT’, ‘GS’, ‘MS’, ‘BAC’, ‘C’]</a:t>
-            </a:r>
-            <a:r>
-              <a:rPr lang="ko-KR" altLang="en-US" dirty="0" smtClean="0"/>
-              <a:t> </a:t>
-            </a:r>
-            <a:endParaRPr lang="en-US" altLang="ko-KR" dirty="0" smtClean="0"/>
-          </a:p>
-          <a:p>
-            <a:pPr lvl="2"/>
-            <a:r>
-              <a:rPr lang="ko-KR" altLang="en-US" dirty="0" smtClean="0"/>
-              <a:t>데이터 칼럼</a:t>
-            </a:r>
-            <a:r>
-              <a:rPr lang="en-US" altLang="ko-KR" dirty="0" smtClean="0"/>
-              <a:t>: [‘Close’]</a:t>
+            <a:pPr lvl="2" indent="-285750"/>
+            <a:r>
+              <a:rPr lang="ko-KR" altLang="en-US" dirty="0" smtClean="0"/>
+              <a:t>후원금의 규모별 트럼프와 </a:t>
+            </a:r>
+            <a:r>
+              <a:rPr lang="ko-KR" altLang="en-US" dirty="0" err="1" smtClean="0"/>
+              <a:t>힐러리</a:t>
+            </a:r>
+            <a:r>
+              <a:rPr lang="ko-KR" altLang="en-US" dirty="0" smtClean="0"/>
+              <a:t> 후원빈도를 보여주는 </a:t>
+            </a:r>
+            <a:r>
+              <a:rPr lang="ko-KR" altLang="en-US" dirty="0" err="1" smtClean="0"/>
+              <a:t>피봇테이블을</a:t>
+            </a:r>
+            <a:r>
+              <a:rPr lang="ko-KR" altLang="en-US" dirty="0" smtClean="0"/>
+              <a:t> 작성하라</a:t>
+            </a:r>
+            <a:r>
+              <a:rPr lang="en-US" altLang="ko-KR" dirty="0" smtClean="0"/>
+              <a:t>.</a:t>
+            </a:r>
+          </a:p>
+          <a:p>
+            <a:pPr lvl="2" indent="-285750"/>
+            <a:r>
+              <a:rPr lang="ko-KR" altLang="en-US" dirty="0" smtClean="0"/>
+              <a:t>월 별로 트럼프와 </a:t>
+            </a:r>
+            <a:r>
+              <a:rPr lang="ko-KR" altLang="en-US" dirty="0" err="1" smtClean="0"/>
+              <a:t>힐러리의</a:t>
+            </a:r>
+            <a:r>
+              <a:rPr lang="ko-KR" altLang="en-US" dirty="0" smtClean="0"/>
+              <a:t> 후원총액을 보여주는 </a:t>
+            </a:r>
+            <a:r>
+              <a:rPr lang="ko-KR" altLang="en-US" dirty="0" err="1" smtClean="0"/>
+              <a:t>피봇테이블을</a:t>
+            </a:r>
+            <a:r>
+              <a:rPr lang="ko-KR" altLang="en-US" dirty="0" smtClean="0"/>
+              <a:t> 작성하라</a:t>
+            </a:r>
+            <a:r>
+              <a:rPr lang="en-US" altLang="ko-KR" dirty="0" smtClean="0"/>
+              <a:t>.</a:t>
             </a:r>
           </a:p>
           <a:p>
             <a:pPr lvl="1"/>
-            <a:r>
-              <a:rPr lang="ko-KR" altLang="en-US" dirty="0" smtClean="0"/>
-              <a:t>위 데이터에 대하여 </a:t>
-            </a:r>
-            <a:r>
-              <a:rPr lang="ko-KR" altLang="en-US" dirty="0" err="1" smtClean="0"/>
-              <a:t>업샘플링</a:t>
-            </a:r>
-            <a:r>
-              <a:rPr lang="en-US" altLang="ko-KR" dirty="0" smtClean="0"/>
-              <a:t>, </a:t>
-            </a:r>
-            <a:r>
-              <a:rPr lang="ko-KR" altLang="en-US" dirty="0" smtClean="0"/>
-              <a:t>다운샘플링</a:t>
-            </a:r>
-            <a:r>
-              <a:rPr lang="en-US" altLang="ko-KR" dirty="0" smtClean="0"/>
-              <a:t>, </a:t>
-            </a:r>
-            <a:r>
-              <a:rPr lang="ko-KR" altLang="en-US" dirty="0" err="1" smtClean="0"/>
-              <a:t>앵커드</a:t>
-            </a:r>
-            <a:r>
-              <a:rPr lang="ko-KR" altLang="en-US" dirty="0" smtClean="0"/>
-              <a:t> 오프셋을 이용한 </a:t>
-            </a:r>
-            <a:r>
-              <a:rPr lang="ko-KR" altLang="en-US" dirty="0" err="1" smtClean="0"/>
-              <a:t>리샘플링을</a:t>
-            </a:r>
-            <a:r>
-              <a:rPr lang="ko-KR" altLang="en-US" dirty="0" smtClean="0"/>
-              <a:t> 연습한다</a:t>
-            </a:r>
-            <a:r>
-              <a:rPr lang="en-US" altLang="ko-KR" dirty="0" smtClean="0"/>
-              <a:t>.</a:t>
-            </a:r>
-          </a:p>
-          <a:p>
-            <a:pPr lvl="2"/>
-            <a:r>
-              <a:rPr lang="ko-KR" altLang="en-US" dirty="0" err="1" smtClean="0"/>
-              <a:t>업샘플링</a:t>
-            </a:r>
-            <a:r>
-              <a:rPr lang="en-US" altLang="ko-KR" dirty="0" smtClean="0"/>
-              <a:t>: 4</a:t>
-            </a:r>
-            <a:r>
-              <a:rPr lang="ko-KR" altLang="en-US" dirty="0" smtClean="0"/>
-              <a:t>시간을 주기로 </a:t>
-            </a:r>
-            <a:r>
-              <a:rPr lang="ko-KR" altLang="en-US" dirty="0" err="1" smtClean="0"/>
-              <a:t>리샘플링</a:t>
-            </a:r>
-            <a:endParaRPr lang="en-US" altLang="ko-KR" dirty="0" smtClean="0"/>
-          </a:p>
-          <a:p>
-            <a:pPr lvl="2"/>
-            <a:r>
-              <a:rPr lang="ko-KR" altLang="en-US" dirty="0" smtClean="0"/>
-              <a:t>다운샘플링</a:t>
-            </a:r>
-            <a:r>
-              <a:rPr lang="en-US" altLang="ko-KR" dirty="0" smtClean="0"/>
-              <a:t>: </a:t>
-            </a:r>
-            <a:r>
-              <a:rPr lang="ko-KR" altLang="en-US" dirty="0" smtClean="0"/>
-              <a:t>일주일을 주기로 </a:t>
-            </a:r>
-            <a:r>
-              <a:rPr lang="ko-KR" altLang="en-US" dirty="0" err="1" smtClean="0"/>
-              <a:t>리샘플링</a:t>
-            </a:r>
-            <a:r>
-              <a:rPr lang="en-US" altLang="ko-KR" dirty="0" smtClean="0"/>
-              <a:t>, </a:t>
-            </a:r>
-            <a:r>
-              <a:rPr lang="ko-KR" altLang="en-US" dirty="0" smtClean="0"/>
-              <a:t>월을 주기로 </a:t>
-            </a:r>
-            <a:r>
-              <a:rPr lang="ko-KR" altLang="en-US" dirty="0" err="1" smtClean="0"/>
-              <a:t>리샘플링</a:t>
-            </a:r>
-            <a:endParaRPr lang="en-US" altLang="ko-KR" dirty="0" smtClean="0"/>
-          </a:p>
-          <a:p>
-            <a:pPr lvl="2"/>
-            <a:r>
-              <a:rPr lang="ko-KR" altLang="en-US" dirty="0" err="1" smtClean="0"/>
-              <a:t>앵커드</a:t>
-            </a:r>
-            <a:r>
-              <a:rPr lang="ko-KR" altLang="en-US" dirty="0" smtClean="0"/>
-              <a:t> 오프셋을 이용한 </a:t>
-            </a:r>
-            <a:r>
-              <a:rPr lang="ko-KR" altLang="en-US" dirty="0" err="1" smtClean="0"/>
-              <a:t>리샘플링</a:t>
-            </a:r>
-            <a:r>
-              <a:rPr lang="en-US" altLang="ko-KR" dirty="0" smtClean="0"/>
-              <a:t>: </a:t>
-            </a:r>
-            <a:r>
-              <a:rPr lang="ko-KR" altLang="en-US" dirty="0" smtClean="0"/>
-              <a:t>매주 수요일을 주기로 </a:t>
-            </a:r>
-            <a:r>
-              <a:rPr lang="ko-KR" altLang="en-US" smtClean="0"/>
-              <a:t>리샘플링</a:t>
-            </a:r>
             <a:endParaRPr lang="en-US" altLang="ko-KR" dirty="0" smtClean="0"/>
           </a:p>
           <a:p>
@@ -19450,7 +19244,7 @@
     </p:spTree>
     <p:extLst>
       <p:ext uri="{BB962C8B-B14F-4D97-AF65-F5344CB8AC3E}">
-        <p14:creationId xmlns:p14="http://schemas.microsoft.com/office/powerpoint/2010/main" val="2113244578"/>
+        <p14:creationId xmlns:p14="http://schemas.microsoft.com/office/powerpoint/2010/main" val="1708591251"/>
       </p:ext>
     </p:extLst>
   </p:cSld>
@@ -19500,16 +19294,24 @@
           <a:lstStyle/>
           <a:p>
             <a:r>
-              <a:rPr lang="ko-KR" altLang="en-US" dirty="0" smtClean="0"/>
-              <a:t>미니프로젝트 </a:t>
-            </a:r>
-            <a:r>
-              <a:rPr lang="ko-KR" altLang="en-US" dirty="0" err="1" smtClean="0"/>
-              <a:t>기획안</a:t>
-            </a:r>
-            <a:r>
-              <a:rPr lang="ko-KR" altLang="en-US" dirty="0" smtClean="0"/>
-              <a:t> 포함할 내용</a:t>
+              <a:rPr lang="en-US" altLang="ko-KR" dirty="0" smtClean="0"/>
+              <a:t>Day13 (6</a:t>
+            </a:r>
+            <a:r>
+              <a:rPr lang="ko-KR" altLang="en-US" dirty="0" smtClean="0"/>
+              <a:t>월 </a:t>
+            </a:r>
+            <a:r>
+              <a:rPr lang="en-US" altLang="ko-KR" dirty="0" smtClean="0"/>
+              <a:t>18</a:t>
+            </a:r>
+            <a:r>
+              <a:rPr lang="ko-KR" altLang="en-US" dirty="0" smtClean="0"/>
+              <a:t>일</a:t>
+            </a:r>
+            <a:r>
+              <a:rPr lang="en-US" altLang="ko-KR" dirty="0" smtClean="0"/>
+              <a:t>)</a:t>
             </a:r>
             <a:endParaRPr lang="ko-KR" altLang="en-US" dirty="0"/>
           </a:p>
@@ -19531,24 +19333,219 @@
           <a:lstStyle/>
           <a:p>
             <a:r>
-              <a:rPr lang="ko-KR" altLang="en-US" dirty="0" smtClean="0"/>
-              <a:t>주제</a:t>
-            </a:r>
-            <a:r>
-              <a:rPr lang="en-US" altLang="ko-KR" dirty="0" smtClean="0"/>
+              <a:rPr lang="ko-KR" altLang="en-US" dirty="0"/>
+              <a:t>학습목표</a:t>
+            </a:r>
+            <a:r>
+              <a:rPr lang="en-US" altLang="ko-KR" dirty="0"/>
               <a:t>: </a:t>
             </a:r>
+          </a:p>
+          <a:p>
+            <a:pPr lvl="1"/>
+            <a:r>
+              <a:rPr lang="en-US" altLang="ko-KR" dirty="0" err="1" smtClean="0"/>
+              <a:t>PeriodIndex</a:t>
+            </a:r>
+            <a:r>
+              <a:rPr lang="en-US" altLang="ko-KR" dirty="0" smtClean="0"/>
+              <a:t> </a:t>
+            </a:r>
+            <a:r>
+              <a:rPr lang="ko-KR" altLang="en-US" dirty="0" smtClean="0"/>
+              <a:t>객체를 생성하는 방법을 익힌다</a:t>
+            </a:r>
+            <a:r>
+              <a:rPr lang="en-US" altLang="ko-KR" dirty="0" smtClean="0"/>
+              <a:t>.</a:t>
+            </a:r>
+          </a:p>
+          <a:p>
+            <a:pPr lvl="1"/>
+            <a:r>
+              <a:rPr lang="ko-KR" altLang="en-US" dirty="0" smtClean="0"/>
+              <a:t>다양한 </a:t>
+            </a:r>
+            <a:r>
+              <a:rPr lang="ko-KR" altLang="en-US" dirty="0" err="1" smtClean="0"/>
+              <a:t>리샘플링</a:t>
+            </a:r>
+            <a:r>
+              <a:rPr lang="ko-KR" altLang="en-US" dirty="0" smtClean="0"/>
+              <a:t> 방법을 익히고 애플의 주가 데이터에 적용해본다</a:t>
+            </a:r>
+            <a:r>
+              <a:rPr lang="en-US" altLang="ko-KR" dirty="0" smtClean="0"/>
+              <a:t>.</a:t>
+            </a:r>
             <a:endParaRPr lang="en-US" altLang="ko-KR" dirty="0"/>
           </a:p>
           <a:p>
+            <a:r>
+              <a:rPr lang="ko-KR" altLang="en-US" dirty="0" smtClean="0"/>
+              <a:t>과제</a:t>
+            </a:r>
+            <a:r>
+              <a:rPr lang="en-US" altLang="ko-KR" dirty="0" smtClean="0"/>
+              <a:t>:</a:t>
+            </a:r>
+          </a:p>
+          <a:p>
             <a:pPr lvl="1"/>
             <a:r>
-              <a:rPr lang="en-US" altLang="ko-KR" dirty="0" smtClean="0"/>
-              <a:t>‘Life’ (</a:t>
-            </a:r>
-            <a:r>
-              <a:rPr lang="ko-KR" altLang="en-US" dirty="0" smtClean="0"/>
-              <a:t>삶</a:t>
+              <a:rPr lang="en-US" altLang="ko-KR" dirty="0" smtClean="0">
+                <a:hlinkClick r:id="rId2"/>
+              </a:rPr>
+              <a:t>https://finance.yahoo.com/</a:t>
+            </a:r>
+            <a:r>
+              <a:rPr lang="en-US" altLang="ko-KR" dirty="0" smtClean="0"/>
+              <a:t> </a:t>
+            </a:r>
+            <a:r>
+              <a:rPr lang="ko-KR" altLang="en-US" dirty="0" smtClean="0"/>
+              <a:t>사이트에서 몇몇 기업의 주가 데이터를 </a:t>
+            </a:r>
+            <a:r>
+              <a:rPr lang="ko-KR" altLang="en-US" dirty="0" err="1" smtClean="0"/>
+              <a:t>다운로드하여</a:t>
+            </a:r>
+            <a:r>
+              <a:rPr lang="ko-KR" altLang="en-US" dirty="0" smtClean="0"/>
+              <a:t> </a:t>
+            </a:r>
+            <a:r>
+              <a:rPr lang="en-US" altLang="ko-KR" dirty="0" err="1" smtClean="0"/>
+              <a:t>concat</a:t>
+            </a:r>
+            <a:r>
+              <a:rPr lang="ko-KR" altLang="en-US" dirty="0" smtClean="0"/>
+              <a:t>으로 연결하여 통합된 </a:t>
+            </a:r>
+            <a:r>
+              <a:rPr lang="en-US" altLang="ko-KR" dirty="0" err="1" smtClean="0"/>
+              <a:t>DataFrame</a:t>
+            </a:r>
+            <a:r>
+              <a:rPr lang="en-US" altLang="ko-KR" dirty="0" smtClean="0"/>
+              <a:t> </a:t>
+            </a:r>
+            <a:r>
+              <a:rPr lang="en-US" altLang="ko-KR" dirty="0" err="1" smtClean="0"/>
+              <a:t>df</a:t>
+            </a:r>
+            <a:r>
+              <a:rPr lang="ko-KR" altLang="en-US" dirty="0" smtClean="0"/>
+              <a:t>로 만든다</a:t>
+            </a:r>
+            <a:r>
+              <a:rPr lang="en-US" altLang="ko-KR" dirty="0" smtClean="0"/>
+              <a:t>.</a:t>
+            </a:r>
+          </a:p>
+          <a:p>
+            <a:pPr lvl="2"/>
+            <a:r>
+              <a:rPr lang="ko-KR" altLang="en-US" dirty="0" smtClean="0"/>
+              <a:t>기간</a:t>
+            </a:r>
+            <a:r>
+              <a:rPr lang="en-US" altLang="ko-KR" dirty="0" smtClean="0"/>
+              <a:t>: 2009</a:t>
+            </a:r>
+            <a:r>
+              <a:rPr lang="ko-KR" altLang="en-US" dirty="0" smtClean="0"/>
+              <a:t>년 </a:t>
+            </a:r>
+            <a:r>
+              <a:rPr lang="en-US" altLang="ko-KR" dirty="0" smtClean="0"/>
+              <a:t>1</a:t>
+            </a:r>
+            <a:r>
+              <a:rPr lang="ko-KR" altLang="en-US" dirty="0" smtClean="0"/>
+              <a:t>월 </a:t>
+            </a:r>
+            <a:r>
+              <a:rPr lang="en-US" altLang="ko-KR" dirty="0" smtClean="0"/>
+              <a:t>1</a:t>
+            </a:r>
+            <a:r>
+              <a:rPr lang="ko-KR" altLang="en-US" dirty="0" smtClean="0"/>
+              <a:t>일</a:t>
+            </a:r>
+            <a:r>
+              <a:rPr lang="en-US" altLang="ko-KR" dirty="0" smtClean="0"/>
+              <a:t>~2012</a:t>
+            </a:r>
+            <a:r>
+              <a:rPr lang="ko-KR" altLang="en-US" dirty="0" smtClean="0"/>
+              <a:t>년 </a:t>
+            </a:r>
+            <a:r>
+              <a:rPr lang="en-US" altLang="ko-KR" dirty="0" smtClean="0"/>
+              <a:t>6</a:t>
+            </a:r>
+            <a:r>
+              <a:rPr lang="ko-KR" altLang="en-US" dirty="0" smtClean="0"/>
+              <a:t>월</a:t>
+            </a:r>
+            <a:r>
+              <a:rPr lang="en-US" altLang="ko-KR" dirty="0" smtClean="0"/>
+              <a:t> 1</a:t>
+            </a:r>
+            <a:r>
+              <a:rPr lang="ko-KR" altLang="en-US" dirty="0" smtClean="0"/>
+              <a:t>일</a:t>
+            </a:r>
+            <a:endParaRPr lang="en-US" altLang="ko-KR" dirty="0" smtClean="0"/>
+          </a:p>
+          <a:p>
+            <a:pPr lvl="2"/>
+            <a:r>
+              <a:rPr lang="ko-KR" altLang="en-US" dirty="0" smtClean="0"/>
+              <a:t>주기</a:t>
+            </a:r>
+            <a:r>
+              <a:rPr lang="en-US" altLang="ko-KR" dirty="0" smtClean="0"/>
+              <a:t>: Daily</a:t>
+            </a:r>
+          </a:p>
+          <a:p>
+            <a:pPr lvl="2"/>
+            <a:r>
+              <a:rPr lang="ko-KR" altLang="en-US" dirty="0" smtClean="0"/>
+              <a:t>기업 목록</a:t>
+            </a:r>
+            <a:r>
+              <a:rPr lang="en-US" altLang="ko-KR" dirty="0" smtClean="0"/>
+              <a:t>: [‘AAPL’, ‘GOOG’, ‘MSFT’, ‘GS’, ‘MS’, ‘BAC’, ‘C’]</a:t>
+            </a:r>
+            <a:r>
+              <a:rPr lang="ko-KR" altLang="en-US" dirty="0" smtClean="0"/>
+              <a:t> </a:t>
+            </a:r>
+            <a:endParaRPr lang="en-US" altLang="ko-KR" dirty="0" smtClean="0"/>
+          </a:p>
+          <a:p>
+            <a:pPr lvl="2"/>
+            <a:r>
+              <a:rPr lang="ko-KR" altLang="en-US" dirty="0" smtClean="0"/>
+              <a:t>데이터 칼럼</a:t>
+            </a:r>
+            <a:r>
+              <a:rPr lang="en-US" altLang="ko-KR" dirty="0" smtClean="0"/>
+              <a:t>: [‘Close’]</a:t>
+            </a:r>
+          </a:p>
+          <a:p>
+            <a:pPr lvl="1"/>
+            <a:r>
+              <a:rPr lang="ko-KR" altLang="en-US" dirty="0" smtClean="0"/>
+              <a:t>위 데이터에 대하여 </a:t>
+            </a:r>
+            <a:r>
+              <a:rPr lang="ko-KR" altLang="en-US" dirty="0" err="1" smtClean="0"/>
+              <a:t>업샘플링</a:t>
             </a:r>
             <a:r>
               <a:rPr lang="en-US" altLang="ko-KR" dirty="0" smtClean="0"/>
@@ -19556,27 +19553,27 @@
             </a:r>
             <a:r>
               <a:rPr lang="ko-KR" altLang="en-US" dirty="0" smtClean="0"/>
-              <a:t>생명</a:t>
-            </a:r>
-            <a:r>
-              <a:rPr lang="en-US" altLang="ko-KR" dirty="0" smtClean="0"/>
-              <a:t>)</a:t>
-            </a:r>
-            <a:r>
-              <a:rPr lang="ko-KR" altLang="en-US" dirty="0" smtClean="0"/>
-              <a:t>과 연관된 데이터를 분석하여 분석결과를 </a:t>
-            </a:r>
-            <a:r>
-              <a:rPr lang="en-US" altLang="ko-KR" dirty="0" err="1" smtClean="0"/>
-              <a:t>Jupyter</a:t>
-            </a:r>
-            <a:r>
-              <a:rPr lang="en-US" altLang="ko-KR" dirty="0" smtClean="0"/>
-              <a:t> Notebook</a:t>
-            </a:r>
-            <a:r>
-              <a:rPr lang="ko-KR" altLang="en-US" dirty="0" smtClean="0"/>
-              <a:t>을 이용하여 보고서로 작성한다</a:t>
+              <a:t>다운샘플링</a:t>
+            </a:r>
+            <a:r>
+              <a:rPr lang="en-US" altLang="ko-KR" dirty="0" smtClean="0"/>
+              <a:t>, </a:t>
+            </a:r>
+            <a:r>
+              <a:rPr lang="ko-KR" altLang="en-US" dirty="0" err="1" smtClean="0"/>
+              <a:t>앵커드</a:t>
+            </a:r>
+            <a:r>
+              <a:rPr lang="ko-KR" altLang="en-US" dirty="0" smtClean="0"/>
+              <a:t> 오프셋을 이용한 </a:t>
+            </a:r>
+            <a:r>
+              <a:rPr lang="ko-KR" altLang="en-US" dirty="0" err="1" smtClean="0"/>
+              <a:t>리샘플링을</a:t>
+            </a:r>
+            <a:r>
+              <a:rPr lang="ko-KR" altLang="en-US" dirty="0" smtClean="0"/>
+              <a:t> 연습한다</a:t>
             </a:r>
             <a:r>
               <a:rPr lang="en-US" altLang="ko-KR" dirty="0" smtClean="0"/>
@@ -19584,97 +19581,82 @@
             </a:r>
           </a:p>
           <a:p>
-            <a:pPr lvl="1"/>
+            <a:pPr lvl="2"/>
+            <a:r>
+              <a:rPr lang="ko-KR" altLang="en-US" dirty="0" err="1" smtClean="0"/>
+              <a:t>업샘플링</a:t>
+            </a:r>
+            <a:r>
+              <a:rPr lang="en-US" altLang="ko-KR" dirty="0" smtClean="0"/>
+              <a:t>: 4</a:t>
+            </a:r>
+            <a:r>
+              <a:rPr lang="ko-KR" altLang="en-US" dirty="0" smtClean="0"/>
+              <a:t>시간을 주기로 </a:t>
+            </a:r>
+            <a:r>
+              <a:rPr lang="ko-KR" altLang="en-US" dirty="0" err="1" smtClean="0"/>
+              <a:t>리샘플링</a:t>
+            </a:r>
             <a:endParaRPr lang="en-US" altLang="ko-KR" dirty="0" smtClean="0"/>
           </a:p>
           <a:p>
-            <a:r>
-              <a:rPr lang="ko-KR" altLang="en-US" dirty="0" smtClean="0"/>
-              <a:t>필수 요구사항</a:t>
-            </a:r>
-            <a:r>
-              <a:rPr lang="en-US" altLang="ko-KR" dirty="0" smtClean="0"/>
-              <a:t>:</a:t>
-            </a:r>
-          </a:p>
-          <a:p>
-            <a:pPr lvl="1"/>
-            <a:r>
-              <a:rPr lang="ko-KR" altLang="en-US" dirty="0" smtClean="0"/>
-              <a:t>분석할 데이터는 무엇인가</a:t>
-            </a:r>
-            <a:r>
-              <a:rPr lang="en-US" altLang="ko-KR" dirty="0" smtClean="0"/>
-              <a:t>?</a:t>
-            </a:r>
-          </a:p>
-          <a:p>
-            <a:pPr lvl="1"/>
-            <a:r>
-              <a:rPr lang="ko-KR" altLang="en-US" dirty="0" smtClean="0"/>
-              <a:t>데이터 수집 방법</a:t>
+            <a:pPr lvl="2"/>
+            <a:r>
+              <a:rPr lang="ko-KR" altLang="en-US" dirty="0" smtClean="0"/>
+              <a:t>다운샘플링</a:t>
+            </a:r>
+            <a:r>
+              <a:rPr lang="en-US" altLang="ko-KR" dirty="0" smtClean="0"/>
+              <a:t>: </a:t>
+            </a:r>
+            <a:r>
+              <a:rPr lang="ko-KR" altLang="en-US" dirty="0" smtClean="0"/>
+              <a:t>일주일을 주기로 </a:t>
+            </a:r>
+            <a:r>
+              <a:rPr lang="ko-KR" altLang="en-US" dirty="0" err="1" smtClean="0"/>
+              <a:t>리샘플링</a:t>
+            </a:r>
+            <a:r>
+              <a:rPr lang="en-US" altLang="ko-KR" dirty="0" smtClean="0"/>
+              <a:t>, </a:t>
+            </a:r>
+            <a:r>
+              <a:rPr lang="ko-KR" altLang="en-US" dirty="0" smtClean="0"/>
+              <a:t>월을 주기로 </a:t>
+            </a:r>
+            <a:r>
+              <a:rPr lang="ko-KR" altLang="en-US" dirty="0" err="1" smtClean="0"/>
+              <a:t>리샘플링</a:t>
             </a:r>
             <a:endParaRPr lang="en-US" altLang="ko-KR" dirty="0" smtClean="0"/>
           </a:p>
           <a:p>
-            <a:pPr lvl="1"/>
-            <a:r>
-              <a:rPr lang="ko-KR" altLang="en-US" dirty="0" smtClean="0"/>
-              <a:t>데이터 분석 방법</a:t>
-            </a:r>
-            <a:endParaRPr lang="en-US" altLang="ko-KR" dirty="0" smtClean="0"/>
-          </a:p>
-          <a:p>
             <a:pPr lvl="2"/>
             <a:r>
-              <a:rPr lang="ko-KR" altLang="en-US" dirty="0" smtClean="0"/>
-              <a:t>전처리</a:t>
-            </a:r>
-            <a:endParaRPr lang="en-US" altLang="ko-KR" dirty="0" smtClean="0"/>
-          </a:p>
-          <a:p>
-            <a:pPr lvl="2"/>
-            <a:r>
-              <a:rPr lang="ko-KR" altLang="en-US" dirty="0" smtClean="0"/>
-              <a:t>데이터 병합</a:t>
-            </a:r>
-            <a:endParaRPr lang="en-US" altLang="ko-KR" dirty="0" smtClean="0"/>
-          </a:p>
-          <a:p>
-            <a:pPr lvl="2"/>
-            <a:r>
-              <a:rPr lang="ko-KR" altLang="en-US" dirty="0" smtClean="0"/>
-              <a:t>통계 함수 및 분석 테이블 작성 방법 등</a:t>
-            </a:r>
-            <a:endParaRPr lang="en-US" altLang="ko-KR" dirty="0" smtClean="0"/>
-          </a:p>
-          <a:p>
-            <a:pPr lvl="1"/>
-            <a:r>
-              <a:rPr lang="ko-KR" altLang="en-US" dirty="0" smtClean="0"/>
-              <a:t>시각화 방법</a:t>
-            </a:r>
-            <a:endParaRPr lang="en-US" altLang="ko-KR" dirty="0" smtClean="0"/>
-          </a:p>
-          <a:p>
-            <a:pPr lvl="1"/>
-            <a:endParaRPr lang="en-US" altLang="ko-KR" dirty="0" smtClean="0"/>
-          </a:p>
-          <a:p>
-            <a:r>
-              <a:rPr lang="ko-KR" altLang="en-US" dirty="0" smtClean="0"/>
-              <a:t>옵션</a:t>
-            </a:r>
-            <a:r>
-              <a:rPr lang="en-US" altLang="ko-KR" dirty="0" smtClean="0"/>
-              <a:t>:</a:t>
-            </a:r>
-          </a:p>
-          <a:p>
-            <a:pPr lvl="1"/>
-            <a:r>
-              <a:rPr lang="ko-KR" altLang="en-US" dirty="0" smtClean="0"/>
-              <a:t>그래픽 사용자 인터페이스</a:t>
+              <a:rPr lang="ko-KR" altLang="en-US" dirty="0" err="1" smtClean="0"/>
+              <a:t>앵커드</a:t>
+            </a:r>
+            <a:r>
+              <a:rPr lang="ko-KR" altLang="en-US" dirty="0" smtClean="0"/>
+              <a:t> 오프셋을 이용한 </a:t>
+            </a:r>
+            <a:r>
+              <a:rPr lang="ko-KR" altLang="en-US" dirty="0" err="1" smtClean="0"/>
+              <a:t>리샘플링</a:t>
+            </a:r>
+            <a:r>
+              <a:rPr lang="en-US" altLang="ko-KR" dirty="0" smtClean="0"/>
+              <a:t>: </a:t>
+            </a:r>
+            <a:r>
+              <a:rPr lang="ko-KR" altLang="en-US" dirty="0" smtClean="0"/>
+              <a:t>매주 수요일을 주기로 </a:t>
+            </a:r>
+            <a:r>
+              <a:rPr lang="ko-KR" altLang="en-US" smtClean="0"/>
+              <a:t>리샘플링</a:t>
             </a:r>
             <a:endParaRPr lang="en-US" altLang="ko-KR" dirty="0" smtClean="0"/>
           </a:p>
@@ -19687,7 +19669,7 @@
     </p:spTree>
     <p:extLst>
       <p:ext uri="{BB962C8B-B14F-4D97-AF65-F5344CB8AC3E}">
-        <p14:creationId xmlns:p14="http://schemas.microsoft.com/office/powerpoint/2010/main" val="1448573168"/>
+        <p14:creationId xmlns:p14="http://schemas.microsoft.com/office/powerpoint/2010/main" val="2113244578"/>
       </p:ext>
     </p:extLst>
   </p:cSld>
@@ -19737,28 +19719,24 @@
           <a:lstStyle/>
           <a:p>
             <a:r>
-              <a:rPr lang="ko-KR" altLang="en-US" dirty="0" err="1" smtClean="0"/>
-              <a:t>파이썬</a:t>
-            </a:r>
-            <a:r>
-              <a:rPr lang="en-US" altLang="ko-KR" dirty="0" smtClean="0"/>
-              <a:t>2</a:t>
-            </a:r>
-            <a:r>
-              <a:rPr lang="ko-KR" altLang="en-US" dirty="0" smtClean="0"/>
-              <a:t>와 </a:t>
-            </a:r>
-            <a:r>
-              <a:rPr lang="ko-KR" altLang="en-US" dirty="0" err="1" smtClean="0"/>
-              <a:t>파이썬</a:t>
-            </a:r>
-            <a:r>
-              <a:rPr lang="en-US" altLang="ko-KR" dirty="0" smtClean="0"/>
-              <a:t>3 </a:t>
-            </a:r>
-            <a:r>
-              <a:rPr lang="ko-KR" altLang="en-US" dirty="0" smtClean="0"/>
-              <a:t>함께 설치</a:t>
+              <a:rPr lang="en-US" altLang="ko-KR" dirty="0" smtClean="0"/>
+              <a:t>Day14 (6</a:t>
+            </a:r>
+            <a:r>
+              <a:rPr lang="ko-KR" altLang="en-US" dirty="0" smtClean="0"/>
+              <a:t>월 </a:t>
+            </a:r>
+            <a:r>
+              <a:rPr lang="en-US" altLang="ko-KR" dirty="0" smtClean="0"/>
+              <a:t>19</a:t>
+            </a:r>
+            <a:r>
+              <a:rPr lang="ko-KR" altLang="en-US" dirty="0" smtClean="0"/>
+              <a:t>일</a:t>
+            </a:r>
+            <a:r>
+              <a:rPr lang="en-US" altLang="ko-KR" dirty="0" smtClean="0"/>
+              <a:t>)</a:t>
             </a:r>
             <a:endParaRPr lang="ko-KR" altLang="en-US" dirty="0"/>
           </a:p>
@@ -19780,93 +19758,90 @@
           <a:lstStyle/>
           <a:p>
             <a:r>
-              <a:rPr lang="ko-KR" altLang="en-US" dirty="0" smtClean="0"/>
-              <a:t>먼저 </a:t>
-            </a:r>
-            <a:r>
-              <a:rPr lang="en-US" altLang="ko-KR" dirty="0" smtClean="0"/>
-              <a:t>anaconda3</a:t>
-            </a:r>
-            <a:r>
-              <a:rPr lang="ko-KR" altLang="en-US" dirty="0" smtClean="0"/>
-              <a:t>를 설치</a:t>
-            </a:r>
+              <a:rPr lang="ko-KR" altLang="en-US" dirty="0"/>
+              <a:t>학습목표</a:t>
+            </a:r>
+            <a:r>
+              <a:rPr lang="en-US" altLang="ko-KR" dirty="0"/>
+              <a:t>: </a:t>
+            </a:r>
+          </a:p>
+          <a:p>
+            <a:pPr lvl="1"/>
+            <a:r>
+              <a:rPr lang="ko-KR" altLang="en-US" dirty="0" smtClean="0"/>
+              <a:t>금융</a:t>
+            </a:r>
+            <a:r>
+              <a:rPr lang="en-US" altLang="ko-KR" dirty="0" smtClean="0"/>
+              <a:t>, </a:t>
+            </a:r>
+            <a:r>
+              <a:rPr lang="ko-KR" altLang="en-US" dirty="0" smtClean="0"/>
+              <a:t>경제 분야에 적용된 </a:t>
+            </a:r>
+            <a:r>
+              <a:rPr lang="en-US" altLang="ko-KR" dirty="0" smtClean="0"/>
+              <a:t>pandas</a:t>
+            </a:r>
+            <a:r>
+              <a:rPr lang="ko-KR" altLang="en-US" dirty="0" smtClean="0"/>
+              <a:t> 코드의 사례로 부터 수익률 계산</a:t>
+            </a:r>
+            <a:r>
+              <a:rPr lang="en-US" altLang="ko-KR" dirty="0" smtClean="0"/>
+              <a:t>, </a:t>
+            </a:r>
+            <a:r>
+              <a:rPr lang="ko-KR" altLang="en-US" dirty="0" smtClean="0"/>
+              <a:t>경제 지표 계산</a:t>
+            </a:r>
+            <a:r>
+              <a:rPr lang="en-US" altLang="ko-KR" dirty="0" smtClean="0"/>
+              <a:t>, </a:t>
+            </a:r>
+            <a:r>
+              <a:rPr lang="ko-KR" altLang="en-US" dirty="0" err="1" smtClean="0"/>
+              <a:t>이동창</a:t>
+            </a:r>
+            <a:r>
+              <a:rPr lang="ko-KR" altLang="en-US" dirty="0"/>
+              <a:t> </a:t>
+            </a:r>
+            <a:r>
+              <a:rPr lang="ko-KR" altLang="en-US" dirty="0" smtClean="0"/>
+              <a:t>연산 등 다양한 기법을 </a:t>
+            </a:r>
+            <a:r>
+              <a:rPr lang="ko-KR" altLang="en-US" dirty="0" err="1" smtClean="0"/>
+              <a:t>익한다</a:t>
+            </a:r>
+            <a:r>
+              <a:rPr lang="en-US" altLang="ko-KR" dirty="0" smtClean="0"/>
+              <a:t>.</a:t>
+            </a:r>
+          </a:p>
+          <a:p>
+            <a:pPr lvl="1"/>
             <a:endParaRPr lang="en-US" altLang="ko-KR" dirty="0" smtClean="0"/>
           </a:p>
           <a:p>
             <a:r>
-              <a:rPr lang="en-US" altLang="ko-KR" dirty="0" smtClean="0"/>
-              <a:t>Anaconda prompt</a:t>
-            </a:r>
-            <a:r>
-              <a:rPr lang="ko-KR" altLang="en-US" dirty="0" smtClean="0"/>
-              <a:t>에서 아래 구문 실행</a:t>
-            </a:r>
+              <a:rPr lang="ko-KR" altLang="en-US" dirty="0" smtClean="0"/>
+              <a:t>미니프로젝트 수행</a:t>
+            </a:r>
+            <a:endParaRPr lang="en-US" altLang="ko-KR" dirty="0"/>
+          </a:p>
+          <a:p>
+            <a:pPr lvl="1"/>
             <a:endParaRPr lang="en-US" altLang="ko-KR" dirty="0" smtClean="0"/>
-          </a:p>
-          <a:p>
-            <a:pPr lvl="1"/>
-            <a:r>
-              <a:rPr lang="en-US" altLang="ko-KR" dirty="0" err="1" smtClean="0"/>
-              <a:t>conda</a:t>
-            </a:r>
-            <a:r>
-              <a:rPr lang="en-US" altLang="ko-KR" dirty="0" smtClean="0"/>
-              <a:t> create –n py27 python=2.7 anaconda</a:t>
-            </a:r>
-          </a:p>
-          <a:p>
-            <a:pPr lvl="1"/>
-            <a:r>
-              <a:rPr lang="en-US" altLang="ko-KR" dirty="0" err="1" smtClean="0"/>
-              <a:t>conda</a:t>
-            </a:r>
-            <a:r>
-              <a:rPr lang="en-US" altLang="ko-KR" dirty="0" smtClean="0"/>
-              <a:t> activate py27</a:t>
-            </a:r>
-          </a:p>
-          <a:p>
-            <a:r>
-              <a:rPr lang="en-US" altLang="ko-KR" dirty="0" smtClean="0"/>
-              <a:t>anaconda navigator</a:t>
-            </a:r>
-            <a:r>
-              <a:rPr lang="ko-KR" altLang="en-US" dirty="0" smtClean="0"/>
-              <a:t>에서 </a:t>
-            </a:r>
-            <a:r>
-              <a:rPr lang="en-US" altLang="ko-KR" dirty="0" smtClean="0"/>
-              <a:t>base </a:t>
-            </a:r>
-            <a:r>
-              <a:rPr lang="ko-KR" altLang="en-US" dirty="0" smtClean="0"/>
-              <a:t>또는 </a:t>
-            </a:r>
-            <a:r>
-              <a:rPr lang="en-US" altLang="ko-KR" dirty="0" smtClean="0"/>
-              <a:t>py27</a:t>
-            </a:r>
-            <a:r>
-              <a:rPr lang="ko-KR" altLang="en-US" dirty="0" smtClean="0"/>
-              <a:t>을 선택하여 </a:t>
-            </a:r>
-            <a:r>
-              <a:rPr lang="en-US" altLang="ko-KR" dirty="0" smtClean="0"/>
-              <a:t>application </a:t>
-            </a:r>
-            <a:r>
-              <a:rPr lang="ko-KR" altLang="en-US" dirty="0" smtClean="0"/>
-              <a:t>실행</a:t>
-            </a:r>
-            <a:endParaRPr lang="ko-KR" altLang="en-US" dirty="0"/>
           </a:p>
         </p:txBody>
       </p:sp>
     </p:spTree>
     <p:extLst>
       <p:ext uri="{BB962C8B-B14F-4D97-AF65-F5344CB8AC3E}">
-        <p14:creationId xmlns:p14="http://schemas.microsoft.com/office/powerpoint/2010/main" val="1716625921"/>
+        <p14:creationId xmlns:p14="http://schemas.microsoft.com/office/powerpoint/2010/main" val="683072926"/>
       </p:ext>
     </p:extLst>
   </p:cSld>
@@ -19916,24 +19891,24 @@
           <a:lstStyle/>
           <a:p>
             <a:r>
-              <a:rPr lang="en-US" altLang="ko-KR" dirty="0" err="1" smtClean="0"/>
-              <a:t>Jupyter</a:t>
-            </a:r>
-            <a:r>
-              <a:rPr lang="en-US" altLang="ko-KR" dirty="0" smtClean="0"/>
-              <a:t> notebook </a:t>
-            </a:r>
-            <a:r>
-              <a:rPr lang="ko-KR" altLang="en-US" dirty="0" smtClean="0"/>
-              <a:t>기본 </a:t>
-            </a:r>
-            <a:r>
-              <a:rPr lang="ko-KR" altLang="en-US" dirty="0" err="1" smtClean="0"/>
-              <a:t>디렉토리</a:t>
-            </a:r>
-            <a:r>
-              <a:rPr lang="ko-KR" altLang="en-US" dirty="0" smtClean="0"/>
-              <a:t> 변경</a:t>
+              <a:rPr lang="en-US" altLang="ko-KR" dirty="0" smtClean="0"/>
+              <a:t>Day15 (6</a:t>
+            </a:r>
+            <a:r>
+              <a:rPr lang="ko-KR" altLang="en-US" dirty="0" smtClean="0"/>
+              <a:t>월 </a:t>
+            </a:r>
+            <a:r>
+              <a:rPr lang="en-US" altLang="ko-KR" dirty="0" smtClean="0"/>
+              <a:t>20</a:t>
+            </a:r>
+            <a:r>
+              <a:rPr lang="ko-KR" altLang="en-US" dirty="0" smtClean="0"/>
+              <a:t>일</a:t>
+            </a:r>
+            <a:r>
+              <a:rPr lang="en-US" altLang="ko-KR" dirty="0" smtClean="0"/>
+              <a:t>)</a:t>
             </a:r>
             <a:endParaRPr lang="ko-KR" altLang="en-US" dirty="0"/>
           </a:p>
@@ -19955,73 +19930,145 @@
           <a:lstStyle/>
           <a:p>
             <a:r>
-              <a:rPr lang="en-US" altLang="ko-KR" dirty="0" smtClean="0"/>
-              <a:t>Anaconda prompt</a:t>
-            </a:r>
-            <a:r>
-              <a:rPr lang="ko-KR" altLang="en-US" dirty="0" smtClean="0"/>
-              <a:t>를 이용하여 다음 명령 실행</a:t>
-            </a:r>
+              <a:rPr lang="ko-KR" altLang="en-US" dirty="0"/>
+              <a:t>학습목표</a:t>
+            </a:r>
+            <a:r>
+              <a:rPr lang="en-US" altLang="ko-KR" dirty="0"/>
+              <a:t>: </a:t>
+            </a:r>
+          </a:p>
+          <a:p>
+            <a:pPr lvl="1"/>
+            <a:r>
+              <a:rPr lang="ko-KR" altLang="en-US" dirty="0" smtClean="0"/>
+              <a:t>금융</a:t>
+            </a:r>
+            <a:r>
+              <a:rPr lang="en-US" altLang="ko-KR" dirty="0" smtClean="0"/>
+              <a:t>, </a:t>
+            </a:r>
+            <a:r>
+              <a:rPr lang="ko-KR" altLang="en-US" dirty="0" smtClean="0"/>
+              <a:t>경제 분야에 적용된 </a:t>
+            </a:r>
+            <a:r>
+              <a:rPr lang="en-US" altLang="ko-KR" dirty="0" smtClean="0"/>
+              <a:t>pandas</a:t>
+            </a:r>
+            <a:r>
+              <a:rPr lang="ko-KR" altLang="en-US" dirty="0" smtClean="0"/>
+              <a:t> 코드의 사례로 부터 수익률 계산</a:t>
+            </a:r>
+            <a:r>
+              <a:rPr lang="en-US" altLang="ko-KR" dirty="0" smtClean="0"/>
+              <a:t>, </a:t>
+            </a:r>
+            <a:r>
+              <a:rPr lang="ko-KR" altLang="en-US" dirty="0" smtClean="0"/>
+              <a:t>경제 지표 계산</a:t>
+            </a:r>
+            <a:r>
+              <a:rPr lang="en-US" altLang="ko-KR" dirty="0" smtClean="0"/>
+              <a:t>, </a:t>
+            </a:r>
+            <a:r>
+              <a:rPr lang="ko-KR" altLang="en-US" dirty="0" err="1" smtClean="0"/>
+              <a:t>이동창</a:t>
+            </a:r>
+            <a:r>
+              <a:rPr lang="ko-KR" altLang="en-US" dirty="0"/>
+              <a:t> </a:t>
+            </a:r>
+            <a:r>
+              <a:rPr lang="ko-KR" altLang="en-US" dirty="0" smtClean="0"/>
+              <a:t>연산 등 다양한 기법을 </a:t>
+            </a:r>
+            <a:r>
+              <a:rPr lang="ko-KR" altLang="en-US" dirty="0" err="1" smtClean="0"/>
+              <a:t>익한다</a:t>
+            </a:r>
+            <a:r>
+              <a:rPr lang="en-US" altLang="ko-KR" dirty="0" smtClean="0"/>
+              <a:t>.</a:t>
+            </a:r>
+          </a:p>
+          <a:p>
+            <a:pPr lvl="1"/>
+            <a:r>
+              <a:rPr lang="en-US" altLang="ko-KR" dirty="0" err="1" smtClean="0"/>
+              <a:t>NumPy</a:t>
+            </a:r>
+            <a:r>
+              <a:rPr lang="en-US" altLang="ko-KR" dirty="0" smtClean="0"/>
+              <a:t> </a:t>
+            </a:r>
+            <a:r>
+              <a:rPr lang="en-US" altLang="ko-KR" dirty="0" err="1" smtClean="0"/>
+              <a:t>ndarray</a:t>
+            </a:r>
+            <a:r>
+              <a:rPr lang="ko-KR" altLang="en-US" dirty="0" smtClean="0"/>
+              <a:t>의 메모리 순서</a:t>
+            </a:r>
+            <a:r>
+              <a:rPr lang="en-US" altLang="ko-KR" dirty="0" smtClean="0"/>
+              <a:t>, </a:t>
+            </a:r>
+            <a:r>
+              <a:rPr lang="ko-KR" altLang="en-US" dirty="0" smtClean="0"/>
+              <a:t>재형성</a:t>
+            </a:r>
+            <a:r>
+              <a:rPr lang="en-US" altLang="ko-KR" dirty="0" smtClean="0"/>
+              <a:t>, </a:t>
+            </a:r>
+            <a:r>
+              <a:rPr lang="ko-KR" altLang="en-US" dirty="0" err="1" smtClean="0"/>
+              <a:t>이어붙이기</a:t>
+            </a:r>
+            <a:r>
+              <a:rPr lang="en-US" altLang="ko-KR" dirty="0" smtClean="0"/>
+              <a:t>, </a:t>
+            </a:r>
+            <a:r>
+              <a:rPr lang="ko-KR" altLang="en-US" dirty="0" err="1" smtClean="0"/>
+              <a:t>브로드캐스팅</a:t>
+            </a:r>
+            <a:r>
+              <a:rPr lang="ko-KR" altLang="en-US" dirty="0" smtClean="0"/>
+              <a:t> 등 고급 기능을 익힌다</a:t>
+            </a:r>
+            <a:r>
+              <a:rPr lang="en-US" altLang="ko-KR" dirty="0" smtClean="0"/>
+              <a:t>.</a:t>
+            </a:r>
+          </a:p>
+          <a:p>
+            <a:pPr lvl="1"/>
+            <a:endParaRPr lang="en-US" altLang="ko-KR" dirty="0"/>
+          </a:p>
+          <a:p>
+            <a:r>
+              <a:rPr lang="ko-KR" altLang="en-US" dirty="0"/>
+              <a:t>미니프로젝트 수행</a:t>
+            </a:r>
+            <a:endParaRPr lang="en-US" altLang="ko-KR" dirty="0"/>
+          </a:p>
+          <a:p>
+            <a:pPr lvl="1"/>
+            <a:endParaRPr lang="en-US" altLang="ko-KR" dirty="0"/>
+          </a:p>
+          <a:p>
+            <a:pPr lvl="1"/>
             <a:endParaRPr lang="en-US" altLang="ko-KR" dirty="0" smtClean="0"/>
-          </a:p>
-          <a:p>
-            <a:pPr lvl="1"/>
-            <a:r>
-              <a:rPr lang="en-US" altLang="ko-KR" dirty="0" err="1" smtClean="0"/>
-              <a:t>jupyter</a:t>
-            </a:r>
-            <a:r>
-              <a:rPr lang="en-US" altLang="ko-KR" dirty="0" smtClean="0"/>
-              <a:t> notebook –generate-</a:t>
-            </a:r>
-            <a:r>
-              <a:rPr lang="en-US" altLang="ko-KR" dirty="0" err="1" smtClean="0"/>
-              <a:t>config</a:t>
-            </a:r>
-            <a:endParaRPr lang="en-US" altLang="ko-KR" dirty="0" smtClean="0"/>
-          </a:p>
-          <a:p>
-            <a:pPr lvl="1"/>
-            <a:r>
-              <a:rPr lang="en-US" altLang="ko-KR" dirty="0" smtClean="0"/>
-              <a:t>.</a:t>
-            </a:r>
-            <a:r>
-              <a:rPr lang="en-US" altLang="ko-KR" dirty="0" err="1" smtClean="0"/>
-              <a:t>jupyter</a:t>
-            </a:r>
-            <a:r>
-              <a:rPr lang="en-US" altLang="ko-KR" dirty="0" smtClean="0"/>
-              <a:t> </a:t>
-            </a:r>
-            <a:r>
-              <a:rPr lang="ko-KR" altLang="en-US" dirty="0" err="1" smtClean="0"/>
-              <a:t>디렉토리로</a:t>
-            </a:r>
-            <a:r>
-              <a:rPr lang="ko-KR" altLang="en-US" dirty="0" smtClean="0"/>
-              <a:t> 이동</a:t>
-            </a:r>
-            <a:endParaRPr lang="en-US" altLang="ko-KR" dirty="0" smtClean="0"/>
-          </a:p>
-          <a:p>
-            <a:pPr lvl="1"/>
-            <a:r>
-              <a:rPr lang="en-US" altLang="ko-KR" dirty="0" err="1" smtClean="0"/>
-              <a:t>c.NotebookApp.notebook_dir</a:t>
-            </a:r>
-            <a:r>
-              <a:rPr lang="en-US" altLang="ko-KR" smtClean="0"/>
-              <a:t> =</a:t>
-            </a:r>
-            <a:endParaRPr lang="ko-KR" altLang="en-US" dirty="0"/>
           </a:p>
         </p:txBody>
       </p:sp>
     </p:spTree>
     <p:extLst>
       <p:ext uri="{BB962C8B-B14F-4D97-AF65-F5344CB8AC3E}">
-        <p14:creationId xmlns:p14="http://schemas.microsoft.com/office/powerpoint/2010/main" val="1447456994"/>
+        <p14:creationId xmlns:p14="http://schemas.microsoft.com/office/powerpoint/2010/main" val="3996396032"/>
       </p:ext>
     </p:extLst>
   </p:cSld>
@@ -20820,6 +20867,1453 @@
           <a:lstStyle/>
           <a:p>
             <a:r>
+              <a:rPr lang="en-US" altLang="ko-KR" dirty="0" smtClean="0"/>
+              <a:t>Day16 (6</a:t>
+            </a:r>
+            <a:r>
+              <a:rPr lang="ko-KR" altLang="en-US" dirty="0" smtClean="0"/>
+              <a:t>월 </a:t>
+            </a:r>
+            <a:r>
+              <a:rPr lang="en-US" altLang="ko-KR" dirty="0" smtClean="0"/>
+              <a:t>21</a:t>
+            </a:r>
+            <a:r>
+              <a:rPr lang="ko-KR" altLang="en-US" dirty="0" smtClean="0"/>
+              <a:t>일</a:t>
+            </a:r>
+            <a:r>
+              <a:rPr lang="en-US" altLang="ko-KR" dirty="0" smtClean="0"/>
+              <a:t>)</a:t>
+            </a:r>
+            <a:endParaRPr lang="ko-KR" altLang="en-US" dirty="0"/>
+          </a:p>
+        </p:txBody>
+      </p:sp>
+      <p:sp>
+        <p:nvSpPr>
+          <p:cNvPr id="3" name="내용 개체 틀 2"/>
+          <p:cNvSpPr>
+            <a:spLocks noGrp="1"/>
+          </p:cNvSpPr>
+          <p:nvPr>
+            <p:ph idx="1"/>
+          </p:nvPr>
+        </p:nvSpPr>
+        <p:spPr/>
+        <p:txBody>
+          <a:bodyPr/>
+          <a:lstStyle/>
+          <a:p>
+            <a:r>
+              <a:rPr lang="ko-KR" altLang="en-US" dirty="0"/>
+              <a:t>학습목표</a:t>
+            </a:r>
+            <a:r>
+              <a:rPr lang="en-US" altLang="ko-KR" dirty="0"/>
+              <a:t>: </a:t>
+            </a:r>
+          </a:p>
+          <a:p>
+            <a:pPr lvl="1"/>
+            <a:r>
+              <a:rPr lang="en-US" altLang="ko-KR" dirty="0" err="1" smtClean="0"/>
+              <a:t>NumPy</a:t>
+            </a:r>
+            <a:r>
+              <a:rPr lang="en-US" altLang="ko-KR" dirty="0" smtClean="0"/>
+              <a:t> </a:t>
+            </a:r>
+            <a:r>
+              <a:rPr lang="en-US" altLang="ko-KR" dirty="0" err="1" smtClean="0"/>
+              <a:t>ndarray</a:t>
+            </a:r>
+            <a:r>
+              <a:rPr lang="ko-KR" altLang="en-US" dirty="0" smtClean="0"/>
+              <a:t>의 </a:t>
+            </a:r>
+            <a:r>
+              <a:rPr lang="en-US" altLang="ko-KR" dirty="0" err="1" smtClean="0"/>
+              <a:t>ufunc</a:t>
+            </a:r>
+            <a:r>
+              <a:rPr lang="en-US" altLang="ko-KR" dirty="0" smtClean="0"/>
+              <a:t>, </a:t>
+            </a:r>
+            <a:r>
+              <a:rPr lang="ko-KR" altLang="en-US" dirty="0" smtClean="0"/>
+              <a:t>구조화된 배열</a:t>
+            </a:r>
+            <a:r>
+              <a:rPr lang="en-US" altLang="ko-KR" dirty="0" smtClean="0"/>
+              <a:t>, </a:t>
+            </a:r>
+            <a:r>
+              <a:rPr lang="ko-KR" altLang="en-US" dirty="0" smtClean="0"/>
+              <a:t>정렬</a:t>
+            </a:r>
+            <a:r>
+              <a:rPr lang="en-US" altLang="ko-KR" dirty="0" smtClean="0"/>
+              <a:t>, </a:t>
+            </a:r>
+            <a:r>
+              <a:rPr lang="ko-KR" altLang="en-US" dirty="0" smtClean="0"/>
+              <a:t> </a:t>
+            </a:r>
+            <a:r>
+              <a:rPr lang="en-US" altLang="ko-KR" dirty="0" smtClean="0"/>
+              <a:t>matrix </a:t>
+            </a:r>
+            <a:r>
+              <a:rPr lang="ko-KR" altLang="en-US" dirty="0" smtClean="0"/>
+              <a:t>클래스를 익힌다</a:t>
+            </a:r>
+            <a:r>
+              <a:rPr lang="en-US" altLang="ko-KR" dirty="0" smtClean="0"/>
+              <a:t>.</a:t>
+            </a:r>
+          </a:p>
+          <a:p>
+            <a:pPr lvl="1"/>
+            <a:r>
+              <a:rPr lang="en-US" altLang="ko-KR" dirty="0" err="1" smtClean="0"/>
+              <a:t>ndarray</a:t>
+            </a:r>
+            <a:r>
+              <a:rPr lang="ko-KR" altLang="en-US" dirty="0" smtClean="0"/>
+              <a:t>의 메모리 순서에 따라 어떤 성능상의 차이가 있는지 확인한다</a:t>
+            </a:r>
+            <a:r>
+              <a:rPr lang="en-US" altLang="ko-KR" dirty="0" smtClean="0"/>
+              <a:t>.</a:t>
+            </a:r>
+          </a:p>
+          <a:p>
+            <a:pPr lvl="1"/>
+            <a:endParaRPr lang="en-US" altLang="ko-KR" dirty="0"/>
+          </a:p>
+          <a:p>
+            <a:r>
+              <a:rPr lang="ko-KR" altLang="en-US" dirty="0"/>
+              <a:t>미니프로젝트 수행</a:t>
+            </a:r>
+            <a:endParaRPr lang="en-US" altLang="ko-KR" dirty="0"/>
+          </a:p>
+          <a:p>
+            <a:endParaRPr lang="en-US" altLang="ko-KR" dirty="0"/>
+          </a:p>
+          <a:p>
+            <a:pPr lvl="1"/>
+            <a:endParaRPr lang="en-US" altLang="ko-KR" dirty="0" smtClean="0"/>
+          </a:p>
+        </p:txBody>
+      </p:sp>
+    </p:spTree>
+    <p:extLst>
+      <p:ext uri="{BB962C8B-B14F-4D97-AF65-F5344CB8AC3E}">
+        <p14:creationId xmlns:p14="http://schemas.microsoft.com/office/powerpoint/2010/main" val="2424220645"/>
+      </p:ext>
+    </p:extLst>
+  </p:cSld>
+  <p:clrMapOvr>
+    <a:masterClrMapping/>
+  </p:clrMapOvr>
+  <p:timing>
+    <p:tnLst>
+      <p:par>
+        <p:cTn id="1" dur="indefinite" restart="never" nodeType="tmRoot"/>
+      </p:par>
+    </p:tnLst>
+  </p:timing>
+</p:sld>
+</file>
+
+<file path=ppt/slides/slide21.xml><?xml version="1.0" encoding="utf-8"?>
+<p:sld xmlns:a="http://schemas.openxmlformats.org/drawingml/2006/main" xmlns:r="http://schemas.openxmlformats.org/officeDocument/2006/relationships" xmlns:p="http://schemas.openxmlformats.org/presentationml/2006/main">
+  <p:cSld>
+    <p:spTree>
+      <p:nvGrpSpPr>
+        <p:cNvPr id="1" name=""/>
+        <p:cNvGrpSpPr/>
+        <p:nvPr/>
+      </p:nvGrpSpPr>
+      <p:grpSpPr>
+        <a:xfrm>
+          <a:off x="0" y="0"/>
+          <a:ext cx="0" cy="0"/>
+          <a:chOff x="0" y="0"/>
+          <a:chExt cx="0" cy="0"/>
+        </a:xfrm>
+      </p:grpSpPr>
+      <p:sp>
+        <p:nvSpPr>
+          <p:cNvPr id="2" name="제목 1"/>
+          <p:cNvSpPr>
+            <a:spLocks noGrp="1"/>
+          </p:cNvSpPr>
+          <p:nvPr>
+            <p:ph type="title"/>
+          </p:nvPr>
+        </p:nvSpPr>
+        <p:spPr/>
+        <p:txBody>
+          <a:bodyPr/>
+          <a:lstStyle/>
+          <a:p>
+            <a:r>
+              <a:rPr lang="en-US" altLang="ko-KR" dirty="0" smtClean="0"/>
+              <a:t>Day17 (6</a:t>
+            </a:r>
+            <a:r>
+              <a:rPr lang="ko-KR" altLang="en-US" dirty="0" smtClean="0"/>
+              <a:t>월 </a:t>
+            </a:r>
+            <a:r>
+              <a:rPr lang="en-US" altLang="ko-KR" dirty="0" smtClean="0"/>
+              <a:t>22</a:t>
+            </a:r>
+            <a:r>
+              <a:rPr lang="ko-KR" altLang="en-US" dirty="0" smtClean="0"/>
+              <a:t>일</a:t>
+            </a:r>
+            <a:r>
+              <a:rPr lang="en-US" altLang="ko-KR" dirty="0" smtClean="0"/>
+              <a:t>)</a:t>
+            </a:r>
+            <a:endParaRPr lang="ko-KR" altLang="en-US" dirty="0"/>
+          </a:p>
+        </p:txBody>
+      </p:sp>
+      <p:sp>
+        <p:nvSpPr>
+          <p:cNvPr id="3" name="내용 개체 틀 2"/>
+          <p:cNvSpPr>
+            <a:spLocks noGrp="1"/>
+          </p:cNvSpPr>
+          <p:nvPr>
+            <p:ph idx="1"/>
+          </p:nvPr>
+        </p:nvSpPr>
+        <p:spPr/>
+        <p:txBody>
+          <a:bodyPr/>
+          <a:lstStyle/>
+          <a:p>
+            <a:r>
+              <a:rPr lang="ko-KR" altLang="en-US" dirty="0"/>
+              <a:t>학습목표</a:t>
+            </a:r>
+            <a:r>
+              <a:rPr lang="en-US" altLang="ko-KR" dirty="0"/>
+              <a:t>: </a:t>
+            </a:r>
+          </a:p>
+          <a:p>
+            <a:pPr lvl="1"/>
+            <a:r>
+              <a:rPr lang="en-US" altLang="ko-KR" dirty="0" err="1" smtClean="0"/>
+              <a:t>NumPy</a:t>
+            </a:r>
+            <a:r>
+              <a:rPr lang="ko-KR" altLang="en-US" dirty="0" smtClean="0"/>
+              <a:t>에서 </a:t>
+            </a:r>
+            <a:r>
+              <a:rPr lang="en-US" altLang="ko-KR" dirty="0" smtClean="0"/>
+              <a:t>array </a:t>
+            </a:r>
+            <a:r>
+              <a:rPr lang="ko-KR" altLang="en-US" dirty="0" smtClean="0"/>
+              <a:t>객체와 </a:t>
+            </a:r>
+            <a:r>
+              <a:rPr lang="en-US" altLang="ko-KR" dirty="0" smtClean="0"/>
+              <a:t>matrix </a:t>
+            </a:r>
+            <a:r>
+              <a:rPr lang="ko-KR" altLang="en-US" dirty="0" smtClean="0"/>
+              <a:t>객체의 차이를 알고 두 객체를 이용한 연산 예제를 익힌다</a:t>
+            </a:r>
+            <a:r>
+              <a:rPr lang="en-US" altLang="ko-KR" dirty="0" smtClean="0"/>
+              <a:t>.</a:t>
+            </a:r>
+          </a:p>
+          <a:p>
+            <a:pPr lvl="1"/>
+            <a:r>
+              <a:rPr lang="en-US" altLang="ko-KR" dirty="0" err="1" smtClean="0"/>
+              <a:t>NumPy</a:t>
+            </a:r>
+            <a:r>
+              <a:rPr lang="ko-KR" altLang="en-US" dirty="0" smtClean="0"/>
+              <a:t>에서 디스크에 있는 대용량 데이터를 다루는 </a:t>
+            </a:r>
+            <a:r>
+              <a:rPr lang="en-US" altLang="ko-KR" dirty="0" err="1" smtClean="0"/>
+              <a:t>memmap</a:t>
+            </a:r>
+            <a:r>
+              <a:rPr lang="ko-KR" altLang="en-US" dirty="0" smtClean="0"/>
+              <a:t>와 계층적 데이터 포맷인 </a:t>
+            </a:r>
+            <a:r>
+              <a:rPr lang="en-US" altLang="ko-KR" dirty="0" smtClean="0"/>
+              <a:t>HDF5</a:t>
+            </a:r>
+            <a:r>
+              <a:rPr lang="ko-KR" altLang="en-US" dirty="0" smtClean="0"/>
+              <a:t>를 다루는 </a:t>
+            </a:r>
+            <a:r>
+              <a:rPr lang="ko-KR" altLang="en-US" dirty="0" err="1" smtClean="0"/>
+              <a:t>메소드를</a:t>
+            </a:r>
+            <a:r>
+              <a:rPr lang="ko-KR" altLang="en-US" dirty="0" smtClean="0"/>
+              <a:t> 익힌다</a:t>
+            </a:r>
+            <a:r>
+              <a:rPr lang="en-US" altLang="ko-KR" dirty="0" smtClean="0"/>
+              <a:t>.</a:t>
+            </a:r>
+          </a:p>
+          <a:p>
+            <a:pPr lvl="1"/>
+            <a:r>
+              <a:rPr lang="en-US" altLang="ko-KR" dirty="0" err="1" smtClean="0"/>
+              <a:t>NumPy</a:t>
+            </a:r>
+            <a:r>
+              <a:rPr lang="ko-KR" altLang="en-US" dirty="0" smtClean="0"/>
+              <a:t>를 활용할 때 성능이 좋은 배열연산을 수행하는 코드 작성 방법을 익힌다</a:t>
+            </a:r>
+            <a:r>
+              <a:rPr lang="en-US" altLang="ko-KR" dirty="0" smtClean="0"/>
+              <a:t>.</a:t>
+            </a:r>
+          </a:p>
+          <a:p>
+            <a:pPr lvl="1"/>
+            <a:r>
+              <a:rPr lang="ko-KR" altLang="en-US" dirty="0" err="1" smtClean="0"/>
+              <a:t>파이썬의</a:t>
+            </a:r>
+            <a:r>
+              <a:rPr lang="ko-KR" altLang="en-US" dirty="0" smtClean="0"/>
+              <a:t> 쉬운 문법으로 </a:t>
+            </a:r>
+            <a:r>
+              <a:rPr lang="en-US" altLang="ko-KR" dirty="0" smtClean="0"/>
+              <a:t>C</a:t>
+            </a:r>
+            <a:r>
+              <a:rPr lang="ko-KR" altLang="en-US" dirty="0" smtClean="0"/>
+              <a:t>의 성능을 이용하는 </a:t>
+            </a:r>
+            <a:r>
+              <a:rPr lang="en-US" altLang="ko-KR" dirty="0" err="1" smtClean="0"/>
+              <a:t>Cython</a:t>
+            </a:r>
+            <a:r>
+              <a:rPr lang="en-US" altLang="ko-KR" dirty="0" smtClean="0"/>
+              <a:t> </a:t>
+            </a:r>
+            <a:r>
+              <a:rPr lang="ko-KR" altLang="en-US" dirty="0" smtClean="0"/>
+              <a:t>모듈에 대하여 배운다</a:t>
+            </a:r>
+            <a:r>
+              <a:rPr lang="en-US" altLang="ko-KR" dirty="0" smtClean="0"/>
+              <a:t>.</a:t>
+            </a:r>
+          </a:p>
+          <a:p>
+            <a:pPr lvl="1"/>
+            <a:endParaRPr lang="en-US" altLang="ko-KR" dirty="0"/>
+          </a:p>
+          <a:p>
+            <a:r>
+              <a:rPr lang="ko-KR" altLang="en-US" dirty="0"/>
+              <a:t>미니프로젝트 수행</a:t>
+            </a:r>
+            <a:endParaRPr lang="en-US" altLang="ko-KR" dirty="0"/>
+          </a:p>
+          <a:p>
+            <a:endParaRPr lang="en-US" altLang="ko-KR" dirty="0" smtClean="0"/>
+          </a:p>
+        </p:txBody>
+      </p:sp>
+    </p:spTree>
+    <p:extLst>
+      <p:ext uri="{BB962C8B-B14F-4D97-AF65-F5344CB8AC3E}">
+        <p14:creationId xmlns:p14="http://schemas.microsoft.com/office/powerpoint/2010/main" val="2245834974"/>
+      </p:ext>
+    </p:extLst>
+  </p:cSld>
+  <p:clrMapOvr>
+    <a:masterClrMapping/>
+  </p:clrMapOvr>
+  <p:timing>
+    <p:tnLst>
+      <p:par>
+        <p:cTn id="1" dur="indefinite" restart="never" nodeType="tmRoot"/>
+      </p:par>
+    </p:tnLst>
+  </p:timing>
+</p:sld>
+</file>
+
+<file path=ppt/slides/slide22.xml><?xml version="1.0" encoding="utf-8"?>
+<p:sld xmlns:a="http://schemas.openxmlformats.org/drawingml/2006/main" xmlns:r="http://schemas.openxmlformats.org/officeDocument/2006/relationships" xmlns:p="http://schemas.openxmlformats.org/presentationml/2006/main">
+  <p:cSld>
+    <p:spTree>
+      <p:nvGrpSpPr>
+        <p:cNvPr id="1" name=""/>
+        <p:cNvGrpSpPr/>
+        <p:nvPr/>
+      </p:nvGrpSpPr>
+      <p:grpSpPr>
+        <a:xfrm>
+          <a:off x="0" y="0"/>
+          <a:ext cx="0" cy="0"/>
+          <a:chOff x="0" y="0"/>
+          <a:chExt cx="0" cy="0"/>
+        </a:xfrm>
+      </p:grpSpPr>
+      <p:sp>
+        <p:nvSpPr>
+          <p:cNvPr id="2" name="제목 1"/>
+          <p:cNvSpPr>
+            <a:spLocks noGrp="1"/>
+          </p:cNvSpPr>
+          <p:nvPr>
+            <p:ph type="title"/>
+          </p:nvPr>
+        </p:nvSpPr>
+        <p:spPr/>
+        <p:txBody>
+          <a:bodyPr/>
+          <a:lstStyle/>
+          <a:p>
+            <a:r>
+              <a:rPr lang="en-US" altLang="ko-KR" dirty="0" smtClean="0"/>
+              <a:t>Day18 (6</a:t>
+            </a:r>
+            <a:r>
+              <a:rPr lang="ko-KR" altLang="en-US" dirty="0" smtClean="0"/>
+              <a:t>월 </a:t>
+            </a:r>
+            <a:r>
+              <a:rPr lang="en-US" altLang="ko-KR" dirty="0" smtClean="0"/>
+              <a:t>25</a:t>
+            </a:r>
+            <a:r>
+              <a:rPr lang="ko-KR" altLang="en-US" dirty="0" smtClean="0"/>
+              <a:t>일</a:t>
+            </a:r>
+            <a:r>
+              <a:rPr lang="en-US" altLang="ko-KR" dirty="0" smtClean="0"/>
+              <a:t>)</a:t>
+            </a:r>
+            <a:endParaRPr lang="ko-KR" altLang="en-US" dirty="0"/>
+          </a:p>
+        </p:txBody>
+      </p:sp>
+      <p:sp>
+        <p:nvSpPr>
+          <p:cNvPr id="3" name="내용 개체 틀 2"/>
+          <p:cNvSpPr>
+            <a:spLocks noGrp="1"/>
+          </p:cNvSpPr>
+          <p:nvPr>
+            <p:ph idx="1"/>
+          </p:nvPr>
+        </p:nvSpPr>
+        <p:spPr/>
+        <p:txBody>
+          <a:bodyPr/>
+          <a:lstStyle/>
+          <a:p>
+            <a:r>
+              <a:rPr lang="ko-KR" altLang="en-US" dirty="0"/>
+              <a:t>학습목표</a:t>
+            </a:r>
+            <a:r>
+              <a:rPr lang="en-US" altLang="ko-KR" dirty="0"/>
+              <a:t>: </a:t>
+            </a:r>
+          </a:p>
+          <a:p>
+            <a:pPr lvl="1"/>
+            <a:r>
+              <a:rPr lang="en-US" altLang="ko-KR" dirty="0" err="1" smtClean="0"/>
+              <a:t>NumPy</a:t>
+            </a:r>
+            <a:r>
+              <a:rPr lang="ko-KR" altLang="en-US" dirty="0" smtClean="0"/>
+              <a:t>와 </a:t>
+            </a:r>
+            <a:r>
+              <a:rPr lang="en-US" altLang="ko-KR" dirty="0" smtClean="0"/>
+              <a:t>Pandas </a:t>
+            </a:r>
+            <a:r>
+              <a:rPr lang="ko-KR" altLang="en-US" dirty="0" smtClean="0"/>
+              <a:t>모듈 사용에 있어 중요한 부분을 되짚어본다</a:t>
+            </a:r>
+            <a:r>
+              <a:rPr lang="en-US" altLang="ko-KR" dirty="0" smtClean="0"/>
+              <a:t>.</a:t>
+            </a:r>
+          </a:p>
+          <a:p>
+            <a:pPr marL="1257300" lvl="2" indent="-342900">
+              <a:buFont typeface="+mj-lt"/>
+              <a:buAutoNum type="arabicPeriod"/>
+            </a:pPr>
+            <a:r>
+              <a:rPr lang="ko-KR" altLang="en-US" dirty="0" smtClean="0"/>
+              <a:t>그룹 별 사용자 집계함수의 적용</a:t>
+            </a:r>
+            <a:endParaRPr lang="en-US" altLang="ko-KR" dirty="0" smtClean="0"/>
+          </a:p>
+          <a:p>
+            <a:pPr marL="1257300" lvl="2" indent="-342900">
+              <a:buFont typeface="+mj-lt"/>
+              <a:buAutoNum type="arabicPeriod"/>
+            </a:pPr>
+            <a:r>
+              <a:rPr lang="ko-KR" altLang="en-US" dirty="0" err="1" smtClean="0"/>
+              <a:t>버킷</a:t>
+            </a:r>
+            <a:r>
+              <a:rPr lang="ko-KR" altLang="en-US" dirty="0" smtClean="0"/>
+              <a:t> 별 </a:t>
+            </a:r>
+            <a:r>
+              <a:rPr lang="ko-KR" altLang="en-US" dirty="0" err="1" smtClean="0"/>
+              <a:t>그룹핑</a:t>
+            </a:r>
+            <a:r>
+              <a:rPr lang="ko-KR" altLang="en-US" dirty="0" smtClean="0"/>
+              <a:t> 및 집계함수의 적용</a:t>
+            </a:r>
+            <a:endParaRPr lang="en-US" altLang="ko-KR" dirty="0" smtClean="0"/>
+          </a:p>
+          <a:p>
+            <a:pPr marL="1257300" lvl="2" indent="-342900">
+              <a:buFont typeface="+mj-lt"/>
+              <a:buAutoNum type="arabicPeriod"/>
+            </a:pPr>
+            <a:r>
+              <a:rPr lang="ko-KR" altLang="en-US" dirty="0" err="1" smtClean="0"/>
+              <a:t>피봇</a:t>
+            </a:r>
+            <a:r>
+              <a:rPr lang="ko-KR" altLang="en-US" dirty="0" smtClean="0"/>
+              <a:t> 테이블 생성</a:t>
+            </a:r>
+            <a:endParaRPr lang="en-US" altLang="ko-KR" dirty="0" smtClean="0"/>
+          </a:p>
+          <a:p>
+            <a:pPr marL="1257300" lvl="2" indent="-342900">
+              <a:buFont typeface="+mj-lt"/>
+              <a:buAutoNum type="arabicPeriod"/>
+            </a:pPr>
+            <a:r>
+              <a:rPr lang="ko-KR" altLang="en-US" dirty="0" smtClean="0"/>
+              <a:t>시계열의 </a:t>
+            </a:r>
+            <a:r>
+              <a:rPr lang="ko-KR" altLang="en-US" dirty="0" err="1" smtClean="0"/>
+              <a:t>리샘플링</a:t>
+            </a:r>
+            <a:endParaRPr lang="en-US" altLang="ko-KR" dirty="0" smtClean="0"/>
+          </a:p>
+          <a:p>
+            <a:pPr marL="1257300" lvl="2" indent="-342900">
+              <a:buFont typeface="+mj-lt"/>
+              <a:buAutoNum type="arabicPeriod"/>
+            </a:pPr>
+            <a:r>
+              <a:rPr lang="ko-KR" altLang="en-US" dirty="0" smtClean="0"/>
+              <a:t>시계열의 </a:t>
+            </a:r>
+            <a:r>
+              <a:rPr lang="ko-KR" altLang="en-US" dirty="0" err="1" smtClean="0"/>
+              <a:t>리샘플링에</a:t>
+            </a:r>
+            <a:r>
+              <a:rPr lang="ko-KR" altLang="en-US" dirty="0" smtClean="0"/>
+              <a:t> </a:t>
+            </a:r>
+            <a:r>
+              <a:rPr lang="en-US" altLang="ko-KR" dirty="0" err="1" smtClean="0"/>
+              <a:t>GroupBy</a:t>
+            </a:r>
+            <a:r>
+              <a:rPr lang="en-US" altLang="ko-KR" dirty="0" smtClean="0"/>
+              <a:t> </a:t>
+            </a:r>
+            <a:r>
+              <a:rPr lang="ko-KR" altLang="en-US" dirty="0" smtClean="0"/>
+              <a:t>적용</a:t>
+            </a:r>
+            <a:endParaRPr lang="en-US" altLang="ko-KR" dirty="0" smtClean="0"/>
+          </a:p>
+          <a:p>
+            <a:pPr marL="1257300" lvl="2" indent="-342900">
+              <a:buFont typeface="+mj-lt"/>
+              <a:buAutoNum type="arabicPeriod"/>
+            </a:pPr>
+            <a:r>
+              <a:rPr lang="ko-KR" altLang="en-US" dirty="0" smtClean="0"/>
+              <a:t>금융 사례에서 배당금이 있는 경우의 수익지수 계산</a:t>
+            </a:r>
+            <a:endParaRPr lang="en-US" altLang="ko-KR" dirty="0" smtClean="0"/>
+          </a:p>
+          <a:p>
+            <a:pPr marL="1257300" lvl="2" indent="-342900">
+              <a:buFont typeface="+mj-lt"/>
+              <a:buAutoNum type="arabicPeriod"/>
+            </a:pPr>
+            <a:r>
+              <a:rPr lang="ko-KR" altLang="en-US" dirty="0" smtClean="0"/>
+              <a:t>금융 사례에서 두 개의 종목 사이에 이동 상관관계 적용</a:t>
+            </a:r>
+            <a:endParaRPr lang="en-US" altLang="ko-KR" dirty="0" smtClean="0"/>
+          </a:p>
+          <a:p>
+            <a:pPr marL="1257300" lvl="2" indent="-342900">
+              <a:buFont typeface="+mj-lt"/>
+              <a:buAutoNum type="arabicPeriod"/>
+            </a:pPr>
+            <a:r>
+              <a:rPr lang="ko-KR" altLang="en-US" dirty="0" smtClean="0"/>
+              <a:t>배열 정렬에 간접정렬 적용</a:t>
+            </a:r>
+            <a:endParaRPr lang="en-US" altLang="ko-KR" dirty="0" smtClean="0"/>
+          </a:p>
+          <a:p>
+            <a:pPr marL="1257300" lvl="2" indent="-342900">
+              <a:buFont typeface="+mj-lt"/>
+              <a:buAutoNum type="arabicPeriod"/>
+            </a:pPr>
+            <a:r>
+              <a:rPr lang="ko-KR" altLang="en-US" dirty="0" smtClean="0"/>
+              <a:t>차원이 다른 다차원 배열 사이에서 </a:t>
+            </a:r>
+            <a:r>
+              <a:rPr lang="ko-KR" altLang="en-US" dirty="0" err="1" smtClean="0"/>
+              <a:t>브로드캐스팅을</a:t>
+            </a:r>
+            <a:r>
+              <a:rPr lang="ko-KR" altLang="en-US" dirty="0" smtClean="0"/>
+              <a:t> 이용한 연산</a:t>
+            </a:r>
+            <a:endParaRPr lang="en-US" altLang="ko-KR" dirty="0" smtClean="0"/>
+          </a:p>
+          <a:p>
+            <a:pPr marL="1257300" lvl="2" indent="-342900">
+              <a:buFont typeface="+mj-lt"/>
+              <a:buAutoNum type="arabicPeriod"/>
+            </a:pPr>
+            <a:r>
+              <a:rPr lang="en-US" altLang="ko-KR" dirty="0" err="1" smtClean="0"/>
+              <a:t>datetime</a:t>
+            </a:r>
+            <a:r>
+              <a:rPr lang="en-US" altLang="ko-KR" dirty="0" smtClean="0"/>
+              <a:t> </a:t>
+            </a:r>
+            <a:r>
+              <a:rPr lang="ko-KR" altLang="en-US" dirty="0" smtClean="0"/>
+              <a:t>객체를 </a:t>
+            </a:r>
+            <a:r>
+              <a:rPr lang="en-US" altLang="ko-KR" dirty="0" err="1" smtClean="0"/>
+              <a:t>foatmatted</a:t>
+            </a:r>
+            <a:r>
+              <a:rPr lang="en-US" altLang="ko-KR" dirty="0" smtClean="0"/>
+              <a:t> </a:t>
+            </a:r>
+            <a:r>
+              <a:rPr lang="ko-KR" altLang="en-US" dirty="0" smtClean="0"/>
+              <a:t>문자열로 변환</a:t>
+            </a:r>
+            <a:endParaRPr lang="en-US" altLang="ko-KR" dirty="0" smtClean="0"/>
+          </a:p>
+          <a:p>
+            <a:pPr marL="1257300" lvl="2" indent="-342900">
+              <a:buFont typeface="+mj-lt"/>
+              <a:buAutoNum type="arabicPeriod"/>
+            </a:pPr>
+            <a:endParaRPr lang="en-US" altLang="ko-KR" dirty="0"/>
+          </a:p>
+          <a:p>
+            <a:pPr marL="457200"/>
+            <a:r>
+              <a:rPr lang="ko-KR" altLang="en-US" dirty="0"/>
+              <a:t>미니프로젝트 수행</a:t>
+            </a:r>
+            <a:endParaRPr lang="en-US" altLang="ko-KR" dirty="0"/>
+          </a:p>
+          <a:p>
+            <a:pPr marL="114300" indent="0">
+              <a:buNone/>
+            </a:pPr>
+            <a:endParaRPr lang="en-US" altLang="ko-KR" dirty="0" smtClean="0"/>
+          </a:p>
+        </p:txBody>
+      </p:sp>
+    </p:spTree>
+    <p:extLst>
+      <p:ext uri="{BB962C8B-B14F-4D97-AF65-F5344CB8AC3E}">
+        <p14:creationId xmlns:p14="http://schemas.microsoft.com/office/powerpoint/2010/main" val="373832016"/>
+      </p:ext>
+    </p:extLst>
+  </p:cSld>
+  <p:clrMapOvr>
+    <a:masterClrMapping/>
+  </p:clrMapOvr>
+  <p:timing>
+    <p:tnLst>
+      <p:par>
+        <p:cTn id="1" dur="indefinite" restart="never" nodeType="tmRoot"/>
+      </p:par>
+    </p:tnLst>
+  </p:timing>
+</p:sld>
+</file>
+
+<file path=ppt/slides/slide23.xml><?xml version="1.0" encoding="utf-8"?>
+<p:sld xmlns:a="http://schemas.openxmlformats.org/drawingml/2006/main" xmlns:r="http://schemas.openxmlformats.org/officeDocument/2006/relationships" xmlns:p="http://schemas.openxmlformats.org/presentationml/2006/main">
+  <p:cSld>
+    <p:spTree>
+      <p:nvGrpSpPr>
+        <p:cNvPr id="1" name=""/>
+        <p:cNvGrpSpPr/>
+        <p:nvPr/>
+      </p:nvGrpSpPr>
+      <p:grpSpPr>
+        <a:xfrm>
+          <a:off x="0" y="0"/>
+          <a:ext cx="0" cy="0"/>
+          <a:chOff x="0" y="0"/>
+          <a:chExt cx="0" cy="0"/>
+        </a:xfrm>
+      </p:grpSpPr>
+      <p:sp>
+        <p:nvSpPr>
+          <p:cNvPr id="2" name="제목 1"/>
+          <p:cNvSpPr>
+            <a:spLocks noGrp="1"/>
+          </p:cNvSpPr>
+          <p:nvPr>
+            <p:ph type="title"/>
+          </p:nvPr>
+        </p:nvSpPr>
+        <p:spPr/>
+        <p:txBody>
+          <a:bodyPr/>
+          <a:lstStyle/>
+          <a:p>
+            <a:r>
+              <a:rPr lang="en-US" altLang="ko-KR" dirty="0" smtClean="0"/>
+              <a:t>Day19 </a:t>
+            </a:r>
+            <a:r>
+              <a:rPr lang="en-US" altLang="ko-KR" dirty="0" smtClean="0"/>
+              <a:t>(6</a:t>
+            </a:r>
+            <a:r>
+              <a:rPr lang="ko-KR" altLang="en-US" dirty="0" smtClean="0"/>
+              <a:t>월 </a:t>
+            </a:r>
+            <a:r>
+              <a:rPr lang="en-US" altLang="ko-KR" dirty="0" smtClean="0"/>
+              <a:t>26</a:t>
+            </a:r>
+            <a:r>
+              <a:rPr lang="ko-KR" altLang="en-US" dirty="0" smtClean="0"/>
+              <a:t>일</a:t>
+            </a:r>
+            <a:r>
+              <a:rPr lang="en-US" altLang="ko-KR" dirty="0" smtClean="0"/>
+              <a:t>)</a:t>
+            </a:r>
+            <a:endParaRPr lang="ko-KR" altLang="en-US" dirty="0"/>
+          </a:p>
+        </p:txBody>
+      </p:sp>
+      <p:sp>
+        <p:nvSpPr>
+          <p:cNvPr id="3" name="내용 개체 틀 2"/>
+          <p:cNvSpPr>
+            <a:spLocks noGrp="1"/>
+          </p:cNvSpPr>
+          <p:nvPr>
+            <p:ph idx="1"/>
+          </p:nvPr>
+        </p:nvSpPr>
+        <p:spPr/>
+        <p:txBody>
+          <a:bodyPr/>
+          <a:lstStyle/>
+          <a:p>
+            <a:r>
+              <a:rPr lang="ko-KR" altLang="en-US" dirty="0"/>
+              <a:t>학습목표</a:t>
+            </a:r>
+            <a:r>
+              <a:rPr lang="en-US" altLang="ko-KR" dirty="0"/>
+              <a:t>: </a:t>
+            </a:r>
+          </a:p>
+          <a:p>
+            <a:pPr lvl="1"/>
+            <a:r>
+              <a:rPr lang="ko-KR" altLang="en-US" dirty="0" smtClean="0"/>
+              <a:t>평가</a:t>
+            </a:r>
+            <a:endParaRPr lang="en-US" altLang="ko-KR" dirty="0" smtClean="0"/>
+          </a:p>
+          <a:p>
+            <a:pPr lvl="1"/>
+            <a:r>
+              <a:rPr lang="ko-KR" altLang="en-US" dirty="0" smtClean="0"/>
+              <a:t>미니 프로젝트 결과물의 발표</a:t>
+            </a:r>
+            <a:endParaRPr lang="en-US" altLang="ko-KR" dirty="0" smtClean="0"/>
+          </a:p>
+        </p:txBody>
+      </p:sp>
+    </p:spTree>
+    <p:extLst>
+      <p:ext uri="{BB962C8B-B14F-4D97-AF65-F5344CB8AC3E}">
+        <p14:creationId xmlns:p14="http://schemas.microsoft.com/office/powerpoint/2010/main" val="3021859241"/>
+      </p:ext>
+    </p:extLst>
+  </p:cSld>
+  <p:clrMapOvr>
+    <a:masterClrMapping/>
+  </p:clrMapOvr>
+  <p:timing>
+    <p:tnLst>
+      <p:par>
+        <p:cTn id="1" dur="indefinite" restart="never" nodeType="tmRoot"/>
+      </p:par>
+    </p:tnLst>
+  </p:timing>
+</p:sld>
+</file>
+
+<file path=ppt/slides/slide24.xml><?xml version="1.0" encoding="utf-8"?>
+<p:sld xmlns:a="http://schemas.openxmlformats.org/drawingml/2006/main" xmlns:r="http://schemas.openxmlformats.org/officeDocument/2006/relationships" xmlns:p="http://schemas.openxmlformats.org/presentationml/2006/main">
+  <p:cSld>
+    <p:spTree>
+      <p:nvGrpSpPr>
+        <p:cNvPr id="1" name=""/>
+        <p:cNvGrpSpPr/>
+        <p:nvPr/>
+      </p:nvGrpSpPr>
+      <p:grpSpPr>
+        <a:xfrm>
+          <a:off x="0" y="0"/>
+          <a:ext cx="0" cy="0"/>
+          <a:chOff x="0" y="0"/>
+          <a:chExt cx="0" cy="0"/>
+        </a:xfrm>
+      </p:grpSpPr>
+      <p:sp>
+        <p:nvSpPr>
+          <p:cNvPr id="2" name="제목 1"/>
+          <p:cNvSpPr>
+            <a:spLocks noGrp="1"/>
+          </p:cNvSpPr>
+          <p:nvPr>
+            <p:ph type="title"/>
+          </p:nvPr>
+        </p:nvSpPr>
+        <p:spPr/>
+        <p:txBody>
+          <a:bodyPr/>
+          <a:lstStyle/>
+          <a:p>
+            <a:r>
+              <a:rPr lang="ko-KR" altLang="en-US" dirty="0" smtClean="0"/>
+              <a:t>미니프로젝트 </a:t>
+            </a:r>
+            <a:r>
+              <a:rPr lang="ko-KR" altLang="en-US" dirty="0" err="1" smtClean="0"/>
+              <a:t>기획안</a:t>
+            </a:r>
+            <a:r>
+              <a:rPr lang="ko-KR" altLang="en-US" dirty="0" smtClean="0"/>
+              <a:t> 포함할 내용</a:t>
+            </a:r>
+            <a:endParaRPr lang="ko-KR" altLang="en-US" dirty="0"/>
+          </a:p>
+        </p:txBody>
+      </p:sp>
+      <p:sp>
+        <p:nvSpPr>
+          <p:cNvPr id="3" name="내용 개체 틀 2"/>
+          <p:cNvSpPr>
+            <a:spLocks noGrp="1"/>
+          </p:cNvSpPr>
+          <p:nvPr>
+            <p:ph idx="1"/>
+          </p:nvPr>
+        </p:nvSpPr>
+        <p:spPr/>
+        <p:txBody>
+          <a:bodyPr/>
+          <a:lstStyle/>
+          <a:p>
+            <a:r>
+              <a:rPr lang="ko-KR" altLang="en-US" dirty="0" smtClean="0"/>
+              <a:t>주제</a:t>
+            </a:r>
+            <a:r>
+              <a:rPr lang="en-US" altLang="ko-KR" dirty="0" smtClean="0"/>
+              <a:t>: </a:t>
+            </a:r>
+            <a:endParaRPr lang="en-US" altLang="ko-KR" dirty="0"/>
+          </a:p>
+          <a:p>
+            <a:pPr lvl="1"/>
+            <a:r>
+              <a:rPr lang="en-US" altLang="ko-KR" dirty="0" smtClean="0"/>
+              <a:t>‘Life’ (</a:t>
+            </a:r>
+            <a:r>
+              <a:rPr lang="ko-KR" altLang="en-US" dirty="0" smtClean="0"/>
+              <a:t>삶</a:t>
+            </a:r>
+            <a:r>
+              <a:rPr lang="en-US" altLang="ko-KR" dirty="0" smtClean="0"/>
+              <a:t>, </a:t>
+            </a:r>
+            <a:r>
+              <a:rPr lang="ko-KR" altLang="en-US" dirty="0" smtClean="0"/>
+              <a:t>생명</a:t>
+            </a:r>
+            <a:r>
+              <a:rPr lang="en-US" altLang="ko-KR" dirty="0" smtClean="0"/>
+              <a:t>)</a:t>
+            </a:r>
+            <a:r>
+              <a:rPr lang="ko-KR" altLang="en-US" dirty="0" smtClean="0"/>
+              <a:t>과 연관된 데이터를 분석하여 분석결과를 </a:t>
+            </a:r>
+            <a:r>
+              <a:rPr lang="en-US" altLang="ko-KR" dirty="0" err="1" smtClean="0"/>
+              <a:t>Jupyter</a:t>
+            </a:r>
+            <a:r>
+              <a:rPr lang="en-US" altLang="ko-KR" dirty="0" smtClean="0"/>
+              <a:t> Notebook</a:t>
+            </a:r>
+            <a:r>
+              <a:rPr lang="ko-KR" altLang="en-US" dirty="0" smtClean="0"/>
+              <a:t>을 이용하여 보고서로 작성한다</a:t>
+            </a:r>
+            <a:r>
+              <a:rPr lang="en-US" altLang="ko-KR" dirty="0" smtClean="0"/>
+              <a:t>.</a:t>
+            </a:r>
+          </a:p>
+          <a:p>
+            <a:pPr lvl="1"/>
+            <a:endParaRPr lang="en-US" altLang="ko-KR" dirty="0" smtClean="0"/>
+          </a:p>
+          <a:p>
+            <a:r>
+              <a:rPr lang="ko-KR" altLang="en-US" dirty="0" smtClean="0"/>
+              <a:t>필수 요구사항</a:t>
+            </a:r>
+            <a:r>
+              <a:rPr lang="en-US" altLang="ko-KR" dirty="0" smtClean="0"/>
+              <a:t>:</a:t>
+            </a:r>
+          </a:p>
+          <a:p>
+            <a:pPr lvl="1"/>
+            <a:r>
+              <a:rPr lang="ko-KR" altLang="en-US" dirty="0" smtClean="0"/>
+              <a:t>분석할 데이터는 무엇인가</a:t>
+            </a:r>
+            <a:r>
+              <a:rPr lang="en-US" altLang="ko-KR" dirty="0" smtClean="0"/>
+              <a:t>?</a:t>
+            </a:r>
+          </a:p>
+          <a:p>
+            <a:pPr lvl="1"/>
+            <a:r>
+              <a:rPr lang="ko-KR" altLang="en-US" dirty="0" smtClean="0"/>
+              <a:t>데이터 수집 방법</a:t>
+            </a:r>
+            <a:endParaRPr lang="en-US" altLang="ko-KR" dirty="0" smtClean="0"/>
+          </a:p>
+          <a:p>
+            <a:pPr lvl="1"/>
+            <a:r>
+              <a:rPr lang="ko-KR" altLang="en-US" dirty="0" smtClean="0"/>
+              <a:t>데이터 분석 방법</a:t>
+            </a:r>
+            <a:endParaRPr lang="en-US" altLang="ko-KR" dirty="0" smtClean="0"/>
+          </a:p>
+          <a:p>
+            <a:pPr lvl="2"/>
+            <a:r>
+              <a:rPr lang="ko-KR" altLang="en-US" dirty="0" smtClean="0"/>
+              <a:t>전처리</a:t>
+            </a:r>
+            <a:endParaRPr lang="en-US" altLang="ko-KR" dirty="0" smtClean="0"/>
+          </a:p>
+          <a:p>
+            <a:pPr lvl="2"/>
+            <a:r>
+              <a:rPr lang="ko-KR" altLang="en-US" dirty="0" smtClean="0"/>
+              <a:t>데이터 병합</a:t>
+            </a:r>
+            <a:endParaRPr lang="en-US" altLang="ko-KR" dirty="0" smtClean="0"/>
+          </a:p>
+          <a:p>
+            <a:pPr lvl="2"/>
+            <a:r>
+              <a:rPr lang="ko-KR" altLang="en-US" dirty="0" smtClean="0"/>
+              <a:t>통계 함수 및 분석 테이블 작성 방법 등</a:t>
+            </a:r>
+            <a:endParaRPr lang="en-US" altLang="ko-KR" dirty="0" smtClean="0"/>
+          </a:p>
+          <a:p>
+            <a:pPr lvl="1"/>
+            <a:r>
+              <a:rPr lang="ko-KR" altLang="en-US" dirty="0" smtClean="0"/>
+              <a:t>시각화 방법</a:t>
+            </a:r>
+            <a:endParaRPr lang="en-US" altLang="ko-KR" dirty="0" smtClean="0"/>
+          </a:p>
+          <a:p>
+            <a:pPr lvl="1"/>
+            <a:endParaRPr lang="en-US" altLang="ko-KR" dirty="0" smtClean="0"/>
+          </a:p>
+          <a:p>
+            <a:r>
+              <a:rPr lang="ko-KR" altLang="en-US" dirty="0" smtClean="0"/>
+              <a:t>옵션</a:t>
+            </a:r>
+            <a:r>
+              <a:rPr lang="en-US" altLang="ko-KR" dirty="0" smtClean="0"/>
+              <a:t>:</a:t>
+            </a:r>
+          </a:p>
+          <a:p>
+            <a:pPr lvl="1"/>
+            <a:r>
+              <a:rPr lang="ko-KR" altLang="en-US" dirty="0" smtClean="0"/>
+              <a:t>그래픽 사용자 인터페이스</a:t>
+            </a:r>
+            <a:endParaRPr lang="en-US" altLang="ko-KR" dirty="0" smtClean="0"/>
+          </a:p>
+          <a:p>
+            <a:pPr lvl="1"/>
+            <a:endParaRPr lang="en-US" altLang="ko-KR" dirty="0" smtClean="0"/>
+          </a:p>
+        </p:txBody>
+      </p:sp>
+    </p:spTree>
+    <p:extLst>
+      <p:ext uri="{BB962C8B-B14F-4D97-AF65-F5344CB8AC3E}">
+        <p14:creationId xmlns:p14="http://schemas.microsoft.com/office/powerpoint/2010/main" val="1448573168"/>
+      </p:ext>
+    </p:extLst>
+  </p:cSld>
+  <p:clrMapOvr>
+    <a:masterClrMapping/>
+  </p:clrMapOvr>
+  <p:timing>
+    <p:tnLst>
+      <p:par>
+        <p:cTn id="1" dur="indefinite" restart="never" nodeType="tmRoot"/>
+      </p:par>
+    </p:tnLst>
+  </p:timing>
+</p:sld>
+</file>
+
+<file path=ppt/slides/slide25.xml><?xml version="1.0" encoding="utf-8"?>
+<p:sld xmlns:a="http://schemas.openxmlformats.org/drawingml/2006/main" xmlns:r="http://schemas.openxmlformats.org/officeDocument/2006/relationships" xmlns:p="http://schemas.openxmlformats.org/presentationml/2006/main">
+  <p:cSld>
+    <p:spTree>
+      <p:nvGrpSpPr>
+        <p:cNvPr id="1" name=""/>
+        <p:cNvGrpSpPr/>
+        <p:nvPr/>
+      </p:nvGrpSpPr>
+      <p:grpSpPr>
+        <a:xfrm>
+          <a:off x="0" y="0"/>
+          <a:ext cx="0" cy="0"/>
+          <a:chOff x="0" y="0"/>
+          <a:chExt cx="0" cy="0"/>
+        </a:xfrm>
+      </p:grpSpPr>
+      <p:sp>
+        <p:nvSpPr>
+          <p:cNvPr id="2" name="제목 1"/>
+          <p:cNvSpPr>
+            <a:spLocks noGrp="1"/>
+          </p:cNvSpPr>
+          <p:nvPr>
+            <p:ph type="title"/>
+          </p:nvPr>
+        </p:nvSpPr>
+        <p:spPr/>
+        <p:txBody>
+          <a:bodyPr/>
+          <a:lstStyle/>
+          <a:p>
+            <a:r>
+              <a:rPr lang="ko-KR" altLang="en-US" dirty="0" err="1" smtClean="0"/>
+              <a:t>파이썬</a:t>
+            </a:r>
+            <a:r>
+              <a:rPr lang="en-US" altLang="ko-KR" dirty="0" smtClean="0"/>
+              <a:t>2</a:t>
+            </a:r>
+            <a:r>
+              <a:rPr lang="ko-KR" altLang="en-US" dirty="0" smtClean="0"/>
+              <a:t>와 </a:t>
+            </a:r>
+            <a:r>
+              <a:rPr lang="ko-KR" altLang="en-US" dirty="0" err="1" smtClean="0"/>
+              <a:t>파이썬</a:t>
+            </a:r>
+            <a:r>
+              <a:rPr lang="en-US" altLang="ko-KR" dirty="0" smtClean="0"/>
+              <a:t>3 </a:t>
+            </a:r>
+            <a:r>
+              <a:rPr lang="ko-KR" altLang="en-US" dirty="0" smtClean="0"/>
+              <a:t>함께 설치</a:t>
+            </a:r>
+            <a:endParaRPr lang="ko-KR" altLang="en-US" dirty="0"/>
+          </a:p>
+        </p:txBody>
+      </p:sp>
+      <p:sp>
+        <p:nvSpPr>
+          <p:cNvPr id="3" name="내용 개체 틀 2"/>
+          <p:cNvSpPr>
+            <a:spLocks noGrp="1"/>
+          </p:cNvSpPr>
+          <p:nvPr>
+            <p:ph idx="1"/>
+          </p:nvPr>
+        </p:nvSpPr>
+        <p:spPr/>
+        <p:txBody>
+          <a:bodyPr/>
+          <a:lstStyle/>
+          <a:p>
+            <a:r>
+              <a:rPr lang="ko-KR" altLang="en-US" dirty="0" smtClean="0"/>
+              <a:t>먼저 </a:t>
+            </a:r>
+            <a:r>
+              <a:rPr lang="en-US" altLang="ko-KR" dirty="0" smtClean="0"/>
+              <a:t>anaconda3</a:t>
+            </a:r>
+            <a:r>
+              <a:rPr lang="ko-KR" altLang="en-US" dirty="0" smtClean="0"/>
+              <a:t>를 설치</a:t>
+            </a:r>
+            <a:endParaRPr lang="en-US" altLang="ko-KR" dirty="0" smtClean="0"/>
+          </a:p>
+          <a:p>
+            <a:r>
+              <a:rPr lang="en-US" altLang="ko-KR" dirty="0" smtClean="0"/>
+              <a:t>Anaconda prompt</a:t>
+            </a:r>
+            <a:r>
+              <a:rPr lang="ko-KR" altLang="en-US" dirty="0" smtClean="0"/>
+              <a:t>에서 아래 구문 실행</a:t>
+            </a:r>
+            <a:endParaRPr lang="en-US" altLang="ko-KR" dirty="0" smtClean="0"/>
+          </a:p>
+          <a:p>
+            <a:pPr lvl="1"/>
+            <a:r>
+              <a:rPr lang="en-US" altLang="ko-KR" dirty="0" err="1" smtClean="0"/>
+              <a:t>conda</a:t>
+            </a:r>
+            <a:r>
+              <a:rPr lang="en-US" altLang="ko-KR" dirty="0" smtClean="0"/>
+              <a:t> create –n py27 python=2.7 anaconda</a:t>
+            </a:r>
+          </a:p>
+          <a:p>
+            <a:pPr lvl="1"/>
+            <a:r>
+              <a:rPr lang="en-US" altLang="ko-KR" dirty="0" err="1" smtClean="0"/>
+              <a:t>conda</a:t>
+            </a:r>
+            <a:r>
+              <a:rPr lang="en-US" altLang="ko-KR" dirty="0" smtClean="0"/>
+              <a:t> activate py27</a:t>
+            </a:r>
+          </a:p>
+          <a:p>
+            <a:r>
+              <a:rPr lang="en-US" altLang="ko-KR" dirty="0" smtClean="0"/>
+              <a:t>anaconda navigator</a:t>
+            </a:r>
+            <a:r>
+              <a:rPr lang="ko-KR" altLang="en-US" dirty="0" smtClean="0"/>
+              <a:t>에서 </a:t>
+            </a:r>
+            <a:r>
+              <a:rPr lang="en-US" altLang="ko-KR" dirty="0" smtClean="0"/>
+              <a:t>base </a:t>
+            </a:r>
+            <a:r>
+              <a:rPr lang="ko-KR" altLang="en-US" dirty="0" smtClean="0"/>
+              <a:t>또는 </a:t>
+            </a:r>
+            <a:r>
+              <a:rPr lang="en-US" altLang="ko-KR" dirty="0" smtClean="0"/>
+              <a:t>py27</a:t>
+            </a:r>
+            <a:r>
+              <a:rPr lang="ko-KR" altLang="en-US" dirty="0" smtClean="0"/>
+              <a:t>을 선택하여 </a:t>
+            </a:r>
+            <a:r>
+              <a:rPr lang="en-US" altLang="ko-KR" dirty="0" smtClean="0"/>
+              <a:t>application </a:t>
+            </a:r>
+            <a:r>
+              <a:rPr lang="ko-KR" altLang="en-US" dirty="0" smtClean="0"/>
+              <a:t>실행</a:t>
+            </a:r>
+            <a:endParaRPr lang="ko-KR" altLang="en-US" dirty="0"/>
+          </a:p>
+        </p:txBody>
+      </p:sp>
+    </p:spTree>
+    <p:extLst>
+      <p:ext uri="{BB962C8B-B14F-4D97-AF65-F5344CB8AC3E}">
+        <p14:creationId xmlns:p14="http://schemas.microsoft.com/office/powerpoint/2010/main" val="1716625921"/>
+      </p:ext>
+    </p:extLst>
+  </p:cSld>
+  <p:clrMapOvr>
+    <a:masterClrMapping/>
+  </p:clrMapOvr>
+  <p:timing>
+    <p:tnLst>
+      <p:par>
+        <p:cTn id="1" dur="indefinite" restart="never" nodeType="tmRoot"/>
+      </p:par>
+    </p:tnLst>
+  </p:timing>
+</p:sld>
+</file>
+
+<file path=ppt/slides/slide26.xml><?xml version="1.0" encoding="utf-8"?>
+<p:sld xmlns:a="http://schemas.openxmlformats.org/drawingml/2006/main" xmlns:r="http://schemas.openxmlformats.org/officeDocument/2006/relationships" xmlns:p="http://schemas.openxmlformats.org/presentationml/2006/main">
+  <p:cSld>
+    <p:spTree>
+      <p:nvGrpSpPr>
+        <p:cNvPr id="1" name=""/>
+        <p:cNvGrpSpPr/>
+        <p:nvPr/>
+      </p:nvGrpSpPr>
+      <p:grpSpPr>
+        <a:xfrm>
+          <a:off x="0" y="0"/>
+          <a:ext cx="0" cy="0"/>
+          <a:chOff x="0" y="0"/>
+          <a:chExt cx="0" cy="0"/>
+        </a:xfrm>
+      </p:grpSpPr>
+      <p:sp>
+        <p:nvSpPr>
+          <p:cNvPr id="2" name="제목 1"/>
+          <p:cNvSpPr>
+            <a:spLocks noGrp="1"/>
+          </p:cNvSpPr>
+          <p:nvPr>
+            <p:ph type="title"/>
+          </p:nvPr>
+        </p:nvSpPr>
+        <p:spPr/>
+        <p:txBody>
+          <a:bodyPr/>
+          <a:lstStyle/>
+          <a:p>
+            <a:r>
+              <a:rPr lang="en-US" altLang="ko-KR" dirty="0" err="1" smtClean="0"/>
+              <a:t>Jupyter</a:t>
+            </a:r>
+            <a:r>
+              <a:rPr lang="en-US" altLang="ko-KR" dirty="0" smtClean="0"/>
+              <a:t> notebook </a:t>
+            </a:r>
+            <a:r>
+              <a:rPr lang="ko-KR" altLang="en-US" dirty="0" smtClean="0"/>
+              <a:t>기본 </a:t>
+            </a:r>
+            <a:r>
+              <a:rPr lang="ko-KR" altLang="en-US" dirty="0" err="1" smtClean="0"/>
+              <a:t>디렉토리</a:t>
+            </a:r>
+            <a:r>
+              <a:rPr lang="ko-KR" altLang="en-US" dirty="0" smtClean="0"/>
+              <a:t> 변경</a:t>
+            </a:r>
+            <a:endParaRPr lang="ko-KR" altLang="en-US" dirty="0"/>
+          </a:p>
+        </p:txBody>
+      </p:sp>
+      <p:sp>
+        <p:nvSpPr>
+          <p:cNvPr id="3" name="내용 개체 틀 2"/>
+          <p:cNvSpPr>
+            <a:spLocks noGrp="1"/>
+          </p:cNvSpPr>
+          <p:nvPr>
+            <p:ph idx="1"/>
+          </p:nvPr>
+        </p:nvSpPr>
+        <p:spPr/>
+        <p:txBody>
+          <a:bodyPr/>
+          <a:lstStyle/>
+          <a:p>
+            <a:r>
+              <a:rPr lang="en-US" altLang="ko-KR" dirty="0" smtClean="0"/>
+              <a:t>Anaconda prompt</a:t>
+            </a:r>
+            <a:r>
+              <a:rPr lang="ko-KR" altLang="en-US" dirty="0" smtClean="0"/>
+              <a:t>를 이용하여 다음 명령 실행</a:t>
+            </a:r>
+            <a:endParaRPr lang="en-US" altLang="ko-KR" dirty="0" smtClean="0"/>
+          </a:p>
+          <a:p>
+            <a:pPr lvl="1"/>
+            <a:r>
+              <a:rPr lang="en-US" altLang="ko-KR" dirty="0" err="1" smtClean="0"/>
+              <a:t>jupyter</a:t>
+            </a:r>
+            <a:r>
+              <a:rPr lang="en-US" altLang="ko-KR" dirty="0" smtClean="0"/>
+              <a:t> notebook –generate-</a:t>
+            </a:r>
+            <a:r>
+              <a:rPr lang="en-US" altLang="ko-KR" dirty="0" err="1" smtClean="0"/>
+              <a:t>config</a:t>
+            </a:r>
+            <a:endParaRPr lang="en-US" altLang="ko-KR" dirty="0" smtClean="0"/>
+          </a:p>
+          <a:p>
+            <a:pPr lvl="1"/>
+            <a:r>
+              <a:rPr lang="en-US" altLang="ko-KR" dirty="0" smtClean="0"/>
+              <a:t>.</a:t>
+            </a:r>
+            <a:r>
+              <a:rPr lang="en-US" altLang="ko-KR" dirty="0" err="1" smtClean="0"/>
+              <a:t>jupyter</a:t>
+            </a:r>
+            <a:r>
+              <a:rPr lang="en-US" altLang="ko-KR" dirty="0" smtClean="0"/>
+              <a:t> </a:t>
+            </a:r>
+            <a:r>
+              <a:rPr lang="ko-KR" altLang="en-US" dirty="0" err="1" smtClean="0"/>
+              <a:t>디렉토리로</a:t>
+            </a:r>
+            <a:r>
+              <a:rPr lang="ko-KR" altLang="en-US" dirty="0" smtClean="0"/>
+              <a:t> 이동</a:t>
+            </a:r>
+            <a:endParaRPr lang="en-US" altLang="ko-KR" dirty="0" smtClean="0"/>
+          </a:p>
+          <a:p>
+            <a:pPr lvl="1"/>
+            <a:r>
+              <a:rPr lang="en-US" altLang="ko-KR" dirty="0" err="1" smtClean="0"/>
+              <a:t>c.NotebookApp.notebook_dir</a:t>
+            </a:r>
+            <a:r>
+              <a:rPr lang="en-US" altLang="ko-KR" smtClean="0"/>
+              <a:t> =</a:t>
+            </a:r>
+            <a:endParaRPr lang="ko-KR" altLang="en-US" dirty="0"/>
+          </a:p>
+        </p:txBody>
+      </p:sp>
+    </p:spTree>
+    <p:extLst>
+      <p:ext uri="{BB962C8B-B14F-4D97-AF65-F5344CB8AC3E}">
+        <p14:creationId xmlns:p14="http://schemas.microsoft.com/office/powerpoint/2010/main" val="1447456994"/>
+      </p:ext>
+    </p:extLst>
+  </p:cSld>
+  <p:clrMapOvr>
+    <a:masterClrMapping/>
+  </p:clrMapOvr>
+  <p:timing>
+    <p:tnLst>
+      <p:par>
+        <p:cTn id="1" dur="indefinite" restart="never" nodeType="tmRoot"/>
+      </p:par>
+    </p:tnLst>
+  </p:timing>
+</p:sld>
+</file>
+
+<file path=ppt/slides/slide27.xml><?xml version="1.0" encoding="utf-8"?>
+<p:sld xmlns:a="http://schemas.openxmlformats.org/drawingml/2006/main" xmlns:r="http://schemas.openxmlformats.org/officeDocument/2006/relationships" xmlns:p="http://schemas.openxmlformats.org/presentationml/2006/main">
+  <p:cSld>
+    <p:spTree>
+      <p:nvGrpSpPr>
+        <p:cNvPr id="1" name=""/>
+        <p:cNvGrpSpPr/>
+        <p:nvPr/>
+      </p:nvGrpSpPr>
+      <p:grpSpPr>
+        <a:xfrm>
+          <a:off x="0" y="0"/>
+          <a:ext cx="0" cy="0"/>
+          <a:chOff x="0" y="0"/>
+          <a:chExt cx="0" cy="0"/>
+        </a:xfrm>
+      </p:grpSpPr>
+      <p:sp>
+        <p:nvSpPr>
+          <p:cNvPr id="2" name="제목 1"/>
+          <p:cNvSpPr>
+            <a:spLocks noGrp="1"/>
+          </p:cNvSpPr>
+          <p:nvPr>
+            <p:ph type="title"/>
+          </p:nvPr>
+        </p:nvSpPr>
+        <p:spPr/>
+        <p:txBody>
+          <a:bodyPr/>
+          <a:lstStyle/>
+          <a:p>
+            <a:r>
               <a:rPr lang="en-US" altLang="ko-KR" dirty="0" err="1" smtClean="0"/>
               <a:t>Git</a:t>
             </a:r>
@@ -20975,7 +22469,7 @@
 </p:sld>
 </file>
 
-<file path=ppt/slides/slide21.xml><?xml version="1.0" encoding="utf-8"?>
+<file path=ppt/slides/slide28.xml><?xml version="1.0" encoding="utf-8"?>
 <p:sld xmlns:a="http://schemas.openxmlformats.org/drawingml/2006/main" xmlns:r="http://schemas.openxmlformats.org/officeDocument/2006/relationships" xmlns:p="http://schemas.openxmlformats.org/presentationml/2006/main">
   <p:cSld>
     <p:spTree>
@@ -28469,10 +29963,17 @@
   <p:clrMapOvr>
     <a:masterClrMapping/>
   </p:clrMapOvr>
+  <p:timing>
+    <p:tnLst>
+      <p:par>
+        <p:cTn id="1" dur="indefinite" restart="never" nodeType="tmRoot"/>
+      </p:par>
+    </p:tnLst>
+  </p:timing>
 </p:sld>
 </file>
 
-<file path=ppt/slides/slide22.xml><?xml version="1.0" encoding="utf-8"?>
+<file path=ppt/slides/slide29.xml><?xml version="1.0" encoding="utf-8"?>
 <p:sld xmlns:a="http://schemas.openxmlformats.org/drawingml/2006/main" xmlns:r="http://schemas.openxmlformats.org/officeDocument/2006/relationships" xmlns:p="http://schemas.openxmlformats.org/presentationml/2006/main">
   <p:cSld>
     <p:spTree>
@@ -30633,1390 +32134,13 @@
   <p:clrMapOvr>
     <a:masterClrMapping/>
   </p:clrMapOvr>
-</p:sld>
-</file>
-
-<file path=ppt/slides/slide23.xml><?xml version="1.0" encoding="utf-8"?>
-<p:sld xmlns:a="http://schemas.openxmlformats.org/drawingml/2006/main" xmlns:r="http://schemas.openxmlformats.org/officeDocument/2006/relationships" xmlns:p="http://schemas.openxmlformats.org/presentationml/2006/main">
-  <p:cSld>
-    <p:spTree>
-      <p:nvGrpSpPr>
-        <p:cNvPr id="1" name=""/>
-        <p:cNvGrpSpPr/>
-        <p:nvPr/>
-      </p:nvGrpSpPr>
-      <p:grpSpPr>
-        <a:xfrm>
-          <a:off x="0" y="0"/>
-          <a:ext cx="0" cy="0"/>
-          <a:chOff x="0" y="0"/>
-          <a:chExt cx="0" cy="0"/>
-        </a:xfrm>
-      </p:grpSpPr>
-      <p:sp>
-        <p:nvSpPr>
-          <p:cNvPr id="2" name="제목 1"/>
-          <p:cNvSpPr>
-            <a:spLocks noGrp="1"/>
-          </p:cNvSpPr>
-          <p:nvPr>
-            <p:ph type="title"/>
-          </p:nvPr>
-        </p:nvSpPr>
-        <p:spPr/>
-        <p:txBody>
-          <a:bodyPr/>
-          <a:lstStyle/>
-          <a:p>
-            <a:r>
-              <a:rPr lang="ko-KR" altLang="en-US" dirty="0" smtClean="0"/>
-              <a:t>미니 프로젝트 </a:t>
-            </a:r>
-            <a:r>
-              <a:rPr lang="ko-KR" altLang="en-US" dirty="0" err="1" smtClean="0"/>
-              <a:t>기획안</a:t>
-            </a:r>
-            <a:endParaRPr lang="ko-KR" altLang="en-US" dirty="0"/>
-          </a:p>
-        </p:txBody>
-      </p:sp>
-      <p:graphicFrame>
-        <p:nvGraphicFramePr>
-          <p:cNvPr id="4" name="내용 개체 틀 3"/>
-          <p:cNvGraphicFramePr>
-            <a:graphicFrameLocks noGrp="1"/>
-          </p:cNvGraphicFramePr>
-          <p:nvPr>
-            <p:ph idx="1"/>
-            <p:extLst>
-              <p:ext uri="{D42A27DB-BD31-4B8C-83A1-F6EECF244321}">
-                <p14:modId xmlns:p14="http://schemas.microsoft.com/office/powerpoint/2010/main" val="2285918049"/>
-              </p:ext>
-            </p:extLst>
-          </p:nvPr>
-        </p:nvGraphicFramePr>
-        <p:xfrm>
-          <a:off x="776288" y="908050"/>
-          <a:ext cx="8857233" cy="5506720"/>
-        </p:xfrm>
-        <a:graphic>
-          <a:graphicData uri="http://schemas.openxmlformats.org/drawingml/2006/table">
-            <a:tbl>
-              <a:tblPr firstRow="1" bandRow="1">
-                <a:tableStyleId>{5C22544A-7EE6-4342-B048-85BDC9FD1C3A}</a:tableStyleId>
-              </a:tblPr>
-              <a:tblGrid>
-                <a:gridCol w="1142293"/>
-                <a:gridCol w="2456071"/>
-                <a:gridCol w="1162487"/>
-                <a:gridCol w="2048191"/>
-                <a:gridCol w="2048191"/>
-              </a:tblGrid>
-              <a:tr h="370840">
-                <a:tc>
-                  <a:txBody>
-                    <a:bodyPr/>
-                    <a:lstStyle/>
-                    <a:p>
-                      <a:pPr latinLnBrk="1"/>
-                      <a:endParaRPr lang="ko-KR" altLang="en-US" sz="900" dirty="0"/>
-                    </a:p>
-                  </a:txBody>
-                  <a:tcPr/>
-                </a:tc>
-                <a:tc>
-                  <a:txBody>
-                    <a:bodyPr/>
-                    <a:lstStyle/>
-                    <a:p>
-                      <a:pPr latinLnBrk="1"/>
-                      <a:r>
-                        <a:rPr lang="ko-KR" altLang="en-US" sz="900" dirty="0" smtClean="0"/>
-                        <a:t>주제</a:t>
-                      </a:r>
-                      <a:endParaRPr lang="ko-KR" altLang="en-US" sz="900" dirty="0"/>
-                    </a:p>
-                  </a:txBody>
-                  <a:tcPr/>
-                </a:tc>
-                <a:tc>
-                  <a:txBody>
-                    <a:bodyPr/>
-                    <a:lstStyle/>
-                    <a:p>
-                      <a:pPr latinLnBrk="1"/>
-                      <a:r>
-                        <a:rPr lang="ko-KR" altLang="en-US" sz="900" dirty="0" smtClean="0"/>
-                        <a:t>데이터 수집</a:t>
-                      </a:r>
-                      <a:endParaRPr lang="ko-KR" altLang="en-US" sz="900" dirty="0"/>
-                    </a:p>
-                  </a:txBody>
-                  <a:tcPr/>
-                </a:tc>
-                <a:tc>
-                  <a:txBody>
-                    <a:bodyPr/>
-                    <a:lstStyle/>
-                    <a:p>
-                      <a:pPr latinLnBrk="1"/>
-                      <a:r>
-                        <a:rPr lang="ko-KR" altLang="en-US" sz="900" dirty="0" smtClean="0"/>
-                        <a:t>분석 방법</a:t>
-                      </a:r>
-                      <a:endParaRPr lang="ko-KR" altLang="en-US" sz="900" dirty="0"/>
-                    </a:p>
-                  </a:txBody>
-                  <a:tcPr/>
-                </a:tc>
-                <a:tc>
-                  <a:txBody>
-                    <a:bodyPr/>
-                    <a:lstStyle/>
-                    <a:p>
-                      <a:pPr latinLnBrk="1"/>
-                      <a:r>
-                        <a:rPr lang="ko-KR" altLang="en-US" sz="900" dirty="0" smtClean="0"/>
-                        <a:t>시각화</a:t>
-                      </a:r>
-                      <a:endParaRPr lang="ko-KR" altLang="en-US" sz="900" dirty="0"/>
-                    </a:p>
-                  </a:txBody>
-                  <a:tcPr/>
-                </a:tc>
-              </a:tr>
-              <a:tr h="370840">
-                <a:tc>
-                  <a:txBody>
-                    <a:bodyPr/>
-                    <a:lstStyle/>
-                    <a:p>
-                      <a:pPr latinLnBrk="1"/>
-                      <a:r>
-                        <a:rPr lang="ko-KR" altLang="en-US" sz="900" dirty="0" smtClean="0"/>
-                        <a:t>권순임</a:t>
-                      </a:r>
-                      <a:endParaRPr lang="ko-KR" altLang="en-US" sz="900" dirty="0"/>
-                    </a:p>
-                  </a:txBody>
-                  <a:tcPr/>
-                </a:tc>
-                <a:tc>
-                  <a:txBody>
-                    <a:bodyPr/>
-                    <a:lstStyle/>
-                    <a:p>
-                      <a:pPr latinLnBrk="1"/>
-                      <a:endParaRPr lang="ko-KR" altLang="en-US" sz="900"/>
-                    </a:p>
-                  </a:txBody>
-                  <a:tcPr/>
-                </a:tc>
-                <a:tc>
-                  <a:txBody>
-                    <a:bodyPr/>
-                    <a:lstStyle/>
-                    <a:p>
-                      <a:pPr latinLnBrk="1"/>
-                      <a:endParaRPr lang="ko-KR" altLang="en-US" sz="900"/>
-                    </a:p>
-                  </a:txBody>
-                  <a:tcPr/>
-                </a:tc>
-                <a:tc>
-                  <a:txBody>
-                    <a:bodyPr/>
-                    <a:lstStyle/>
-                    <a:p>
-                      <a:pPr latinLnBrk="1"/>
-                      <a:endParaRPr lang="ko-KR" altLang="en-US" sz="900"/>
-                    </a:p>
-                  </a:txBody>
-                  <a:tcPr/>
-                </a:tc>
-                <a:tc>
-                  <a:txBody>
-                    <a:bodyPr/>
-                    <a:lstStyle/>
-                    <a:p>
-                      <a:pPr latinLnBrk="1"/>
-                      <a:endParaRPr lang="ko-KR" altLang="en-US" sz="900"/>
-                    </a:p>
-                  </a:txBody>
-                  <a:tcPr/>
-                </a:tc>
-              </a:tr>
-              <a:tr h="370840">
-                <a:tc>
-                  <a:txBody>
-                    <a:bodyPr/>
-                    <a:lstStyle/>
-                    <a:p>
-                      <a:pPr latinLnBrk="1"/>
-                      <a:r>
-                        <a:rPr lang="ko-KR" altLang="en-US" sz="900" dirty="0" smtClean="0"/>
-                        <a:t>김건우</a:t>
-                      </a:r>
-                      <a:endParaRPr lang="en-US" altLang="ko-KR" sz="900" dirty="0" smtClean="0"/>
-                    </a:p>
-                  </a:txBody>
-                  <a:tcPr/>
-                </a:tc>
-                <a:tc>
-                  <a:txBody>
-                    <a:bodyPr/>
-                    <a:lstStyle/>
-                    <a:p>
-                      <a:pPr latinLnBrk="1"/>
-                      <a:r>
-                        <a:rPr lang="ko-KR" altLang="en-US" sz="900" dirty="0" smtClean="0"/>
-                        <a:t>청소년 건강 통계 분석</a:t>
-                      </a:r>
-                      <a:endParaRPr lang="en-US" altLang="ko-KR" sz="900" dirty="0" smtClean="0"/>
-                    </a:p>
-                    <a:p>
-                      <a:pPr marL="171450" indent="-171450" latinLnBrk="1">
-                        <a:buFont typeface="Arial" panose="020B0604020202020204" pitchFamily="34" charset="0"/>
-                        <a:buChar char="•"/>
-                      </a:pPr>
-                      <a:r>
-                        <a:rPr lang="ko-KR" altLang="en-US" sz="900" dirty="0" smtClean="0"/>
-                        <a:t>통계로 보는 청소년 건강 실태</a:t>
-                      </a:r>
-                      <a:endParaRPr lang="en-US" altLang="ko-KR" sz="900" dirty="0" smtClean="0"/>
-                    </a:p>
-                    <a:p>
-                      <a:pPr marL="171450" indent="-171450" latinLnBrk="1">
-                        <a:buFont typeface="Arial" panose="020B0604020202020204" pitchFamily="34" charset="0"/>
-                        <a:buChar char="•"/>
-                      </a:pPr>
-                      <a:r>
-                        <a:rPr lang="en-US" altLang="ko-KR" sz="900" dirty="0" smtClean="0"/>
-                        <a:t>10</a:t>
-                      </a:r>
-                      <a:r>
-                        <a:rPr lang="ko-KR" altLang="en-US" sz="900" dirty="0" smtClean="0"/>
-                        <a:t>대 </a:t>
-                      </a:r>
-                      <a:r>
-                        <a:rPr lang="ko-KR" altLang="en-US" sz="900" dirty="0" err="1" smtClean="0"/>
-                        <a:t>척추측만증</a:t>
-                      </a:r>
-                      <a:r>
-                        <a:rPr lang="ko-KR" altLang="en-US" sz="900" dirty="0" smtClean="0"/>
-                        <a:t> 환자 </a:t>
-                      </a:r>
-                      <a:r>
-                        <a:rPr lang="en-US" altLang="ko-KR" sz="900" dirty="0" smtClean="0"/>
-                        <a:t>10</a:t>
-                      </a:r>
-                      <a:r>
-                        <a:rPr lang="ko-KR" altLang="en-US" sz="900" dirty="0" smtClean="0"/>
-                        <a:t>년간 </a:t>
-                      </a:r>
-                      <a:r>
-                        <a:rPr lang="en-US" altLang="ko-KR" sz="900" dirty="0" smtClean="0"/>
-                        <a:t>8000</a:t>
-                      </a:r>
-                      <a:r>
-                        <a:rPr lang="ko-KR" altLang="en-US" sz="900" dirty="0" smtClean="0"/>
-                        <a:t>명 증가</a:t>
-                      </a:r>
-                      <a:endParaRPr lang="en-US" altLang="ko-KR" sz="900" dirty="0" smtClean="0"/>
-                    </a:p>
-                    <a:p>
-                      <a:pPr marL="171450" indent="-171450" latinLnBrk="1">
-                        <a:buFont typeface="Arial" panose="020B0604020202020204" pitchFamily="34" charset="0"/>
-                        <a:buChar char="•"/>
-                      </a:pPr>
-                      <a:r>
-                        <a:rPr lang="ko-KR" altLang="en-US" sz="900" dirty="0" err="1" smtClean="0"/>
-                        <a:t>소셜</a:t>
-                      </a:r>
-                      <a:r>
-                        <a:rPr lang="ko-KR" altLang="en-US" sz="900" dirty="0" smtClean="0"/>
-                        <a:t> </a:t>
-                      </a:r>
-                      <a:r>
-                        <a:rPr lang="ko-KR" altLang="en-US" sz="900" dirty="0" err="1" smtClean="0"/>
-                        <a:t>빅데이터</a:t>
-                      </a:r>
-                      <a:endParaRPr lang="ko-KR" altLang="en-US" sz="900" dirty="0"/>
-                    </a:p>
-                  </a:txBody>
-                  <a:tcPr/>
-                </a:tc>
-                <a:tc>
-                  <a:txBody>
-                    <a:bodyPr/>
-                    <a:lstStyle/>
-                    <a:p>
-                      <a:pPr latinLnBrk="1"/>
-                      <a:r>
-                        <a:rPr lang="ko-KR" altLang="en-US" sz="900" dirty="0" smtClean="0"/>
-                        <a:t>건강보험심사평가원</a:t>
-                      </a:r>
-                      <a:endParaRPr lang="en-US" altLang="ko-KR" sz="900" dirty="0" smtClean="0"/>
-                    </a:p>
-                    <a:p>
-                      <a:pPr latinLnBrk="1"/>
-                      <a:r>
-                        <a:rPr lang="ko-KR" altLang="en-US" sz="900" dirty="0" smtClean="0"/>
-                        <a:t>질병관리본부</a:t>
-                      </a:r>
-                      <a:endParaRPr lang="en-US" altLang="ko-KR" sz="900" dirty="0" smtClean="0"/>
-                    </a:p>
-                    <a:p>
-                      <a:pPr latinLnBrk="1"/>
-                      <a:r>
-                        <a:rPr lang="ko-KR" altLang="en-US" sz="900" dirty="0" smtClean="0"/>
-                        <a:t>한국보건사회 연구원</a:t>
-                      </a:r>
-                      <a:endParaRPr lang="en-US" altLang="ko-KR" sz="900" dirty="0" smtClean="0"/>
-                    </a:p>
-                    <a:p>
-                      <a:pPr latinLnBrk="1"/>
-                      <a:r>
-                        <a:rPr lang="ko-KR" altLang="en-US" sz="900" dirty="0" smtClean="0"/>
-                        <a:t>교육부</a:t>
-                      </a:r>
-                      <a:endParaRPr lang="en-US" altLang="ko-KR" sz="900" dirty="0" smtClean="0"/>
-                    </a:p>
-                    <a:p>
-                      <a:pPr latinLnBrk="1"/>
-                      <a:r>
-                        <a:rPr lang="ko-KR" altLang="en-US" sz="900" dirty="0" smtClean="0"/>
-                        <a:t>국가통계포털</a:t>
-                      </a:r>
-                      <a:endParaRPr lang="ko-KR" altLang="en-US" sz="900" dirty="0"/>
-                    </a:p>
-                  </a:txBody>
-                  <a:tcPr/>
-                </a:tc>
-                <a:tc>
-                  <a:txBody>
-                    <a:bodyPr/>
-                    <a:lstStyle/>
-                    <a:p>
-                      <a:pPr latinLnBrk="1"/>
-                      <a:r>
-                        <a:rPr lang="ko-KR" altLang="en-US" sz="900" dirty="0" smtClean="0"/>
-                        <a:t>척추질환 또는 정신질환 등 범위를 좁혀 키워드 </a:t>
-                      </a:r>
-                      <a:r>
-                        <a:rPr lang="en-US" altLang="ko-KR" sz="900" dirty="0" smtClean="0"/>
-                        <a:t>2~3</a:t>
-                      </a:r>
-                      <a:r>
-                        <a:rPr lang="ko-KR" altLang="en-US" sz="900" dirty="0" smtClean="0"/>
-                        <a:t>개에 대해 데이터 찾아보기</a:t>
-                      </a:r>
-                      <a:endParaRPr lang="ko-KR" altLang="en-US" sz="900" dirty="0"/>
-                    </a:p>
-                  </a:txBody>
-                  <a:tcPr/>
-                </a:tc>
-                <a:tc>
-                  <a:txBody>
-                    <a:bodyPr/>
-                    <a:lstStyle/>
-                    <a:p>
-                      <a:pPr latinLnBrk="1"/>
-                      <a:endParaRPr lang="ko-KR" altLang="en-US" sz="900" dirty="0"/>
-                    </a:p>
-                  </a:txBody>
-                  <a:tcPr/>
-                </a:tc>
-              </a:tr>
-              <a:tr h="370840">
-                <a:tc>
-                  <a:txBody>
-                    <a:bodyPr/>
-                    <a:lstStyle/>
-                    <a:p>
-                      <a:pPr latinLnBrk="1"/>
-                      <a:r>
-                        <a:rPr lang="ko-KR" altLang="en-US" sz="900" dirty="0" smtClean="0"/>
-                        <a:t>이영배</a:t>
-                      </a:r>
-                      <a:endParaRPr lang="ko-KR" altLang="en-US" sz="900" dirty="0"/>
-                    </a:p>
-                  </a:txBody>
-                  <a:tcPr/>
-                </a:tc>
-                <a:tc>
-                  <a:txBody>
-                    <a:bodyPr/>
-                    <a:lstStyle/>
-                    <a:p>
-                      <a:pPr latinLnBrk="1"/>
-                      <a:r>
-                        <a:rPr lang="ko-KR" altLang="en-US" sz="900" dirty="0" smtClean="0"/>
-                        <a:t>서울시 각 구별 질소산화물</a:t>
-                      </a:r>
-                      <a:r>
-                        <a:rPr lang="en-US" altLang="ko-KR" sz="900" dirty="0" smtClean="0"/>
-                        <a:t>, </a:t>
-                      </a:r>
-                      <a:r>
-                        <a:rPr lang="ko-KR" altLang="en-US" sz="900" dirty="0" smtClean="0"/>
-                        <a:t>황산화물의 농도변화와 </a:t>
-                      </a:r>
-                      <a:r>
-                        <a:rPr lang="ko-KR" altLang="en-US" sz="900" dirty="0" err="1" smtClean="0"/>
-                        <a:t>초미세먼지와의</a:t>
-                      </a:r>
-                      <a:r>
-                        <a:rPr lang="ko-KR" altLang="en-US" sz="900" dirty="0" smtClean="0"/>
-                        <a:t> 관계 분석</a:t>
-                      </a:r>
-                      <a:endParaRPr lang="ko-KR" altLang="en-US" sz="900" dirty="0"/>
-                    </a:p>
-                  </a:txBody>
-                  <a:tcPr/>
-                </a:tc>
-                <a:tc>
-                  <a:txBody>
-                    <a:bodyPr/>
-                    <a:lstStyle/>
-                    <a:p>
-                      <a:pPr latinLnBrk="1"/>
-                      <a:r>
-                        <a:rPr lang="ko-KR" altLang="en-US" sz="900" dirty="0" smtClean="0"/>
-                        <a:t>서울시 공공데이터</a:t>
-                      </a:r>
-                      <a:endParaRPr lang="ko-KR" altLang="en-US" sz="900" dirty="0"/>
-                    </a:p>
-                  </a:txBody>
-                  <a:tcPr/>
-                </a:tc>
-                <a:tc>
-                  <a:txBody>
-                    <a:bodyPr/>
-                    <a:lstStyle/>
-                    <a:p>
-                      <a:pPr latinLnBrk="1"/>
-                      <a:r>
-                        <a:rPr lang="en-US" altLang="ko-KR" sz="900" dirty="0" smtClean="0"/>
-                        <a:t>pandas</a:t>
-                      </a:r>
-                      <a:r>
-                        <a:rPr lang="en-US" altLang="ko-KR" sz="900" baseline="0" dirty="0" smtClean="0"/>
-                        <a:t> </a:t>
-                      </a:r>
-                      <a:r>
-                        <a:rPr lang="en-US" altLang="ko-KR" sz="900" baseline="0" dirty="0" err="1" smtClean="0"/>
-                        <a:t>read_csv</a:t>
-                      </a:r>
-                      <a:r>
-                        <a:rPr lang="en-US" altLang="ko-KR" sz="900" baseline="0" dirty="0" smtClean="0"/>
-                        <a:t>, </a:t>
-                      </a:r>
-                      <a:r>
-                        <a:rPr lang="en-US" altLang="ko-KR" sz="900" baseline="0" dirty="0" err="1" smtClean="0"/>
-                        <a:t>index_col</a:t>
-                      </a:r>
-                      <a:r>
-                        <a:rPr lang="en-US" altLang="ko-KR" sz="900" baseline="0" dirty="0" smtClean="0"/>
-                        <a:t>, </a:t>
-                      </a:r>
-                      <a:r>
-                        <a:rPr lang="en-US" altLang="ko-KR" sz="900" baseline="0" dirty="0" err="1" smtClean="0"/>
-                        <a:t>parse_dates</a:t>
-                      </a:r>
-                      <a:r>
-                        <a:rPr lang="en-US" altLang="ko-KR" sz="900" baseline="0" dirty="0" smtClean="0"/>
-                        <a:t>,  </a:t>
-                      </a:r>
-                      <a:r>
-                        <a:rPr lang="en-US" altLang="ko-KR" sz="900" baseline="0" dirty="0" err="1" smtClean="0"/>
-                        <a:t>concat</a:t>
-                      </a:r>
-                      <a:r>
-                        <a:rPr lang="en-US" altLang="ko-KR" sz="900" baseline="0" dirty="0" smtClean="0"/>
-                        <a:t>, </a:t>
-                      </a:r>
-                      <a:r>
-                        <a:rPr lang="en-US" altLang="ko-KR" sz="900" baseline="0" dirty="0" err="1" smtClean="0"/>
-                        <a:t>corr</a:t>
-                      </a:r>
-                      <a:r>
-                        <a:rPr lang="en-US" altLang="ko-KR" sz="900" baseline="0" dirty="0" smtClean="0"/>
-                        <a:t> </a:t>
-                      </a:r>
-                      <a:r>
-                        <a:rPr lang="ko-KR" altLang="en-US" sz="900" baseline="0" dirty="0" smtClean="0"/>
-                        <a:t>등 이용</a:t>
-                      </a:r>
-                      <a:r>
-                        <a:rPr lang="en-US" altLang="ko-KR" sz="900" baseline="0" dirty="0" smtClean="0"/>
-                        <a:t>.</a:t>
-                      </a:r>
-                    </a:p>
-                    <a:p>
-                      <a:pPr latinLnBrk="1"/>
-                      <a:r>
-                        <a:rPr lang="ko-KR" altLang="en-US" sz="900" baseline="0" dirty="0" smtClean="0"/>
-                        <a:t>정규화</a:t>
-                      </a:r>
-                      <a:r>
-                        <a:rPr lang="en-US" altLang="ko-KR" sz="900" baseline="0" dirty="0" smtClean="0"/>
-                        <a:t>, </a:t>
-                      </a:r>
-                      <a:r>
-                        <a:rPr lang="ko-KR" altLang="en-US" sz="900" baseline="0" dirty="0" smtClean="0"/>
-                        <a:t>미세먼지</a:t>
-                      </a:r>
-                      <a:r>
-                        <a:rPr lang="en-US" altLang="ko-KR" sz="900" baseline="0" dirty="0" smtClean="0"/>
-                        <a:t> </a:t>
-                      </a:r>
-                      <a:r>
-                        <a:rPr lang="ko-KR" altLang="en-US" sz="900" baseline="0" dirty="0" smtClean="0"/>
-                        <a:t>위험단계 시각화 등 추가</a:t>
-                      </a:r>
-                      <a:endParaRPr lang="ko-KR" altLang="en-US" sz="900" dirty="0"/>
-                    </a:p>
-                  </a:txBody>
-                  <a:tcPr/>
-                </a:tc>
-                <a:tc>
-                  <a:txBody>
-                    <a:bodyPr/>
-                    <a:lstStyle/>
-                    <a:p>
-                      <a:pPr latinLnBrk="1"/>
-                      <a:r>
-                        <a:rPr lang="en-US" altLang="ko-KR" sz="900" dirty="0" smtClean="0"/>
-                        <a:t>pandas plot </a:t>
-                      </a:r>
-                      <a:r>
-                        <a:rPr lang="ko-KR" altLang="en-US" sz="900" dirty="0" smtClean="0"/>
-                        <a:t>기능 이용</a:t>
-                      </a:r>
-                      <a:endParaRPr lang="ko-KR" altLang="en-US" sz="900" dirty="0"/>
-                    </a:p>
-                  </a:txBody>
-                  <a:tcPr/>
-                </a:tc>
-              </a:tr>
-              <a:tr h="370840">
-                <a:tc>
-                  <a:txBody>
-                    <a:bodyPr/>
-                    <a:lstStyle/>
-                    <a:p>
-                      <a:pPr latinLnBrk="1"/>
-                      <a:r>
-                        <a:rPr lang="ko-KR" altLang="en-US" sz="900" dirty="0" smtClean="0"/>
-                        <a:t>김경남</a:t>
-                      </a:r>
-                      <a:endParaRPr lang="ko-KR" altLang="en-US" sz="900" dirty="0"/>
-                    </a:p>
-                  </a:txBody>
-                  <a:tcPr/>
-                </a:tc>
-                <a:tc>
-                  <a:txBody>
-                    <a:bodyPr/>
-                    <a:lstStyle/>
-                    <a:p>
-                      <a:pPr latinLnBrk="1"/>
-                      <a:r>
-                        <a:rPr lang="ko-KR" altLang="en-US" sz="900" dirty="0" err="1" smtClean="0"/>
-                        <a:t>로또</a:t>
-                      </a:r>
-                      <a:r>
-                        <a:rPr lang="ko-KR" altLang="en-US" sz="900" dirty="0" smtClean="0"/>
-                        <a:t> 패턴</a:t>
-                      </a:r>
-                      <a:r>
-                        <a:rPr lang="ko-KR" altLang="en-US" sz="900" baseline="0" dirty="0" smtClean="0"/>
-                        <a:t> 분석</a:t>
-                      </a:r>
-                      <a:endParaRPr lang="en-US" altLang="ko-KR" sz="900" baseline="0" dirty="0" smtClean="0"/>
-                    </a:p>
-                    <a:p>
-                      <a:pPr latinLnBrk="1"/>
-                      <a:r>
-                        <a:rPr lang="ko-KR" altLang="en-US" sz="900" baseline="0" dirty="0" smtClean="0"/>
-                        <a:t>데이터 사이즈</a:t>
-                      </a:r>
-                      <a:r>
-                        <a:rPr lang="en-US" altLang="ko-KR" sz="900" baseline="0" dirty="0" smtClean="0"/>
-                        <a:t>, </a:t>
-                      </a:r>
-                      <a:r>
-                        <a:rPr lang="ko-KR" altLang="en-US" sz="900" baseline="0" dirty="0" smtClean="0"/>
-                        <a:t>항목별 상관분석</a:t>
-                      </a:r>
-                      <a:endParaRPr lang="ko-KR" altLang="en-US" sz="900" dirty="0"/>
-                    </a:p>
-                  </a:txBody>
-                  <a:tcPr/>
-                </a:tc>
-                <a:tc>
-                  <a:txBody>
-                    <a:bodyPr/>
-                    <a:lstStyle/>
-                    <a:p>
-                      <a:pPr latinLnBrk="1"/>
-                      <a:endParaRPr lang="ko-KR" altLang="en-US" sz="900"/>
-                    </a:p>
-                  </a:txBody>
-                  <a:tcPr/>
-                </a:tc>
-                <a:tc>
-                  <a:txBody>
-                    <a:bodyPr/>
-                    <a:lstStyle/>
-                    <a:p>
-                      <a:pPr latinLnBrk="1"/>
-                      <a:endParaRPr lang="ko-KR" altLang="en-US" sz="900" dirty="0"/>
-                    </a:p>
-                  </a:txBody>
-                  <a:tcPr/>
-                </a:tc>
-                <a:tc>
-                  <a:txBody>
-                    <a:bodyPr/>
-                    <a:lstStyle/>
-                    <a:p>
-                      <a:pPr latinLnBrk="1"/>
-                      <a:endParaRPr lang="ko-KR" altLang="en-US" sz="900" dirty="0"/>
-                    </a:p>
-                  </a:txBody>
-                  <a:tcPr/>
-                </a:tc>
-              </a:tr>
-              <a:tr h="370840">
-                <a:tc>
-                  <a:txBody>
-                    <a:bodyPr/>
-                    <a:lstStyle/>
-                    <a:p>
-                      <a:pPr latinLnBrk="1"/>
-                      <a:r>
-                        <a:rPr lang="ko-KR" altLang="en-US" sz="900" dirty="0" smtClean="0"/>
-                        <a:t>유효상</a:t>
-                      </a:r>
-                      <a:endParaRPr lang="ko-KR" altLang="en-US" sz="900" dirty="0"/>
-                    </a:p>
-                  </a:txBody>
-                  <a:tcPr/>
-                </a:tc>
-                <a:tc>
-                  <a:txBody>
-                    <a:bodyPr/>
-                    <a:lstStyle/>
-                    <a:p>
-                      <a:pPr latinLnBrk="1"/>
-                      <a:r>
-                        <a:rPr lang="ko-KR" altLang="en-US" sz="900" dirty="0" smtClean="0"/>
-                        <a:t>국민 삶의 질</a:t>
-                      </a:r>
-                      <a:endParaRPr lang="en-US" altLang="ko-KR" sz="900" dirty="0" smtClean="0"/>
-                    </a:p>
-                    <a:p>
-                      <a:pPr latinLnBrk="1"/>
-                      <a:r>
-                        <a:rPr lang="en-US" altLang="ko-KR" sz="900" dirty="0" smtClean="0"/>
-                        <a:t>20</a:t>
-                      </a:r>
-                      <a:r>
-                        <a:rPr lang="ko-KR" altLang="en-US" sz="900" dirty="0" smtClean="0"/>
-                        <a:t>대 취업률</a:t>
-                      </a:r>
-                      <a:endParaRPr lang="ko-KR" altLang="en-US" sz="900" dirty="0"/>
-                    </a:p>
-                  </a:txBody>
-                  <a:tcPr/>
-                </a:tc>
-                <a:tc>
-                  <a:txBody>
-                    <a:bodyPr/>
-                    <a:lstStyle/>
-                    <a:p>
-                      <a:pPr latinLnBrk="1"/>
-                      <a:r>
-                        <a:rPr lang="ko-KR" altLang="en-US" sz="900" dirty="0" smtClean="0"/>
-                        <a:t>통계청 데이터</a:t>
-                      </a:r>
-                      <a:endParaRPr lang="ko-KR" altLang="en-US" sz="900" dirty="0"/>
-                    </a:p>
-                  </a:txBody>
-                  <a:tcPr/>
-                </a:tc>
-                <a:tc>
-                  <a:txBody>
-                    <a:bodyPr/>
-                    <a:lstStyle/>
-                    <a:p>
-                      <a:pPr latinLnBrk="1"/>
-                      <a:endParaRPr lang="ko-KR" altLang="en-US" sz="900" dirty="0"/>
-                    </a:p>
-                  </a:txBody>
-                  <a:tcPr/>
-                </a:tc>
-                <a:tc>
-                  <a:txBody>
-                    <a:bodyPr/>
-                    <a:lstStyle/>
-                    <a:p>
-                      <a:pPr latinLnBrk="1"/>
-                      <a:endParaRPr lang="ko-KR" altLang="en-US" sz="900" dirty="0"/>
-                    </a:p>
-                  </a:txBody>
-                  <a:tcPr/>
-                </a:tc>
-              </a:tr>
-              <a:tr h="370840">
-                <a:tc>
-                  <a:txBody>
-                    <a:bodyPr/>
-                    <a:lstStyle/>
-                    <a:p>
-                      <a:pPr marL="0" marR="0" lvl="0" indent="0" algn="l" defTabSz="914400" rtl="0" eaLnBrk="1" fontAlgn="auto" latinLnBrk="1" hangingPunct="1">
-                        <a:lnSpc>
-                          <a:spcPct val="100000"/>
-                        </a:lnSpc>
-                        <a:spcBef>
-                          <a:spcPts val="0"/>
-                        </a:spcBef>
-                        <a:spcAft>
-                          <a:spcPts val="0"/>
-                        </a:spcAft>
-                        <a:buClrTx/>
-                        <a:buSzTx/>
-                        <a:buFontTx/>
-                        <a:buNone/>
-                        <a:tabLst/>
-                        <a:defRPr/>
-                      </a:pPr>
-                      <a:r>
-                        <a:rPr lang="ko-KR" altLang="en-US" sz="900" dirty="0" smtClean="0"/>
-                        <a:t>정찬연</a:t>
-                      </a:r>
-                    </a:p>
-                  </a:txBody>
-                  <a:tcPr/>
-                </a:tc>
-                <a:tc>
-                  <a:txBody>
-                    <a:bodyPr/>
-                    <a:lstStyle/>
-                    <a:p>
-                      <a:pPr latinLnBrk="1"/>
-                      <a:r>
-                        <a:rPr lang="ko-KR" altLang="en-US" sz="900" dirty="0" smtClean="0"/>
-                        <a:t>우리가 사는 서울은 안전한가</a:t>
-                      </a:r>
-                      <a:r>
-                        <a:rPr lang="en-US" altLang="ko-KR" sz="900" dirty="0" smtClean="0"/>
-                        <a:t>?</a:t>
-                      </a:r>
-                    </a:p>
-                    <a:p>
-                      <a:pPr latinLnBrk="1"/>
-                      <a:r>
-                        <a:rPr lang="ko-KR" altLang="en-US" sz="900" dirty="0" smtClean="0"/>
-                        <a:t>데이터로 보는 </a:t>
-                      </a:r>
-                      <a:r>
-                        <a:rPr lang="ko-KR" altLang="en-US" sz="900" dirty="0" err="1" smtClean="0"/>
-                        <a:t>범죄율</a:t>
-                      </a:r>
-                      <a:endParaRPr lang="en-US" altLang="ko-KR" sz="900" dirty="0" smtClean="0"/>
-                    </a:p>
-                    <a:p>
-                      <a:pPr marL="171450" indent="-171450" latinLnBrk="1">
-                        <a:buFont typeface="Arial" panose="020B0604020202020204" pitchFamily="34" charset="0"/>
-                        <a:buChar char="•"/>
-                      </a:pPr>
-                      <a:r>
-                        <a:rPr lang="ko-KR" altLang="en-US" sz="900" baseline="0" dirty="0" smtClean="0"/>
-                        <a:t>안심귀가 스카우트</a:t>
-                      </a:r>
-                      <a:endParaRPr lang="en-US" altLang="ko-KR" sz="900" baseline="0" dirty="0" smtClean="0"/>
-                    </a:p>
-                    <a:p>
-                      <a:pPr marL="171450" indent="-171450" latinLnBrk="1">
-                        <a:buFont typeface="Arial" panose="020B0604020202020204" pitchFamily="34" charset="0"/>
-                        <a:buChar char="•"/>
-                      </a:pPr>
-                      <a:r>
-                        <a:rPr lang="ko-KR" altLang="en-US" sz="900" baseline="0" dirty="0" smtClean="0"/>
-                        <a:t>서울시 </a:t>
-                      </a:r>
-                      <a:r>
-                        <a:rPr lang="ko-KR" altLang="en-US" sz="900" baseline="0" dirty="0" err="1" smtClean="0"/>
-                        <a:t>홈방법</a:t>
-                      </a:r>
-                      <a:r>
-                        <a:rPr lang="ko-KR" altLang="en-US" sz="900" baseline="0" dirty="0" smtClean="0"/>
-                        <a:t> 서비스</a:t>
-                      </a:r>
-                      <a:endParaRPr lang="en-US" altLang="ko-KR" sz="900" baseline="0" dirty="0" smtClean="0"/>
-                    </a:p>
-                    <a:p>
-                      <a:pPr marL="171450" indent="-171450" latinLnBrk="1">
-                        <a:buFont typeface="Arial" panose="020B0604020202020204" pitchFamily="34" charset="0"/>
-                        <a:buChar char="•"/>
-                      </a:pPr>
-                      <a:r>
-                        <a:rPr lang="ko-KR" altLang="en-US" sz="900" baseline="0" dirty="0" smtClean="0"/>
-                        <a:t>서울여성 안심택배 서비스</a:t>
-                      </a:r>
-                      <a:endParaRPr lang="ko-KR" altLang="en-US" sz="900" dirty="0"/>
-                    </a:p>
-                  </a:txBody>
-                  <a:tcPr/>
-                </a:tc>
-                <a:tc>
-                  <a:txBody>
-                    <a:bodyPr/>
-                    <a:lstStyle/>
-                    <a:p>
-                      <a:pPr latinLnBrk="1"/>
-                      <a:r>
-                        <a:rPr lang="ko-KR" altLang="en-US" sz="900" dirty="0" err="1" smtClean="0"/>
-                        <a:t>관서별</a:t>
-                      </a:r>
-                      <a:r>
-                        <a:rPr lang="ko-KR" altLang="en-US" sz="900" dirty="0" smtClean="0"/>
-                        <a:t> </a:t>
-                      </a:r>
-                      <a:r>
-                        <a:rPr lang="en-US" altLang="ko-KR" sz="900" dirty="0" smtClean="0"/>
-                        <a:t>5</a:t>
-                      </a:r>
-                      <a:r>
-                        <a:rPr lang="ko-KR" altLang="en-US" sz="900" dirty="0" smtClean="0"/>
-                        <a:t>대 범죄 발생 및 검거 현황 데이터</a:t>
-                      </a:r>
-                      <a:r>
-                        <a:rPr lang="en-US" altLang="ko-KR" sz="900" dirty="0" smtClean="0"/>
-                        <a:t>,</a:t>
-                      </a:r>
-                      <a:r>
-                        <a:rPr lang="ko-KR" altLang="en-US" sz="900" baseline="0" dirty="0" smtClean="0"/>
-                        <a:t> 범죄 </a:t>
-                      </a:r>
-                      <a:r>
-                        <a:rPr lang="ko-KR" altLang="en-US" sz="900" baseline="0" dirty="0" err="1" smtClean="0"/>
-                        <a:t>장소별</a:t>
-                      </a:r>
-                      <a:r>
-                        <a:rPr lang="ko-KR" altLang="en-US" sz="900" baseline="0" dirty="0" smtClean="0"/>
-                        <a:t> 발생 현황</a:t>
-                      </a:r>
-                      <a:r>
-                        <a:rPr lang="en-US" altLang="ko-KR" sz="900" baseline="0" dirty="0" smtClean="0"/>
-                        <a:t>, </a:t>
-                      </a:r>
-                      <a:r>
-                        <a:rPr lang="ko-KR" altLang="en-US" sz="900" baseline="0" dirty="0" smtClean="0"/>
-                        <a:t>청소년 </a:t>
-                      </a:r>
-                      <a:r>
-                        <a:rPr lang="en-US" altLang="ko-KR" sz="900" baseline="0" dirty="0" smtClean="0"/>
-                        <a:t>5</a:t>
-                      </a:r>
-                      <a:r>
-                        <a:rPr lang="ko-KR" altLang="en-US" sz="900" baseline="0" dirty="0" smtClean="0"/>
-                        <a:t>대 범죄 현황</a:t>
-                      </a:r>
-                      <a:endParaRPr lang="en-US" altLang="ko-KR" sz="900" dirty="0" smtClean="0"/>
-                    </a:p>
-                  </a:txBody>
-                  <a:tcPr/>
-                </a:tc>
-                <a:tc>
-                  <a:txBody>
-                    <a:bodyPr/>
-                    <a:lstStyle/>
-                    <a:p>
-                      <a:pPr latinLnBrk="1"/>
-                      <a:endParaRPr lang="ko-KR" altLang="en-US" sz="900" dirty="0"/>
-                    </a:p>
-                  </a:txBody>
-                  <a:tcPr/>
-                </a:tc>
-                <a:tc>
-                  <a:txBody>
-                    <a:bodyPr/>
-                    <a:lstStyle/>
-                    <a:p>
-                      <a:pPr latinLnBrk="1"/>
-                      <a:r>
-                        <a:rPr lang="ko-KR" altLang="en-US" sz="900" dirty="0" smtClean="0"/>
-                        <a:t>서울시 지도에 범죄지도 표시</a:t>
-                      </a:r>
-                      <a:endParaRPr lang="en-US" altLang="ko-KR" sz="900" dirty="0" smtClean="0"/>
-                    </a:p>
-                    <a:p>
-                      <a:pPr latinLnBrk="1"/>
-                      <a:r>
-                        <a:rPr lang="en-US" altLang="ko-KR" sz="900" dirty="0" err="1" smtClean="0"/>
-                        <a:t>sns</a:t>
-                      </a:r>
-                      <a:r>
-                        <a:rPr lang="en-US" altLang="ko-KR" sz="900" dirty="0" smtClean="0"/>
-                        <a:t> </a:t>
-                      </a:r>
-                      <a:r>
-                        <a:rPr lang="en-US" altLang="ko-KR" sz="900" dirty="0" err="1" smtClean="0"/>
-                        <a:t>heatmap</a:t>
-                      </a:r>
-                      <a:r>
-                        <a:rPr lang="en-US" altLang="ko-KR" sz="900" dirty="0" smtClean="0"/>
-                        <a:t> </a:t>
-                      </a:r>
-                      <a:r>
-                        <a:rPr lang="ko-KR" altLang="en-US" sz="900" dirty="0" smtClean="0"/>
-                        <a:t>이용 예정</a:t>
-                      </a:r>
-                      <a:endParaRPr lang="ko-KR" altLang="en-US" sz="900" dirty="0"/>
-                    </a:p>
-                  </a:txBody>
-                  <a:tcPr/>
-                </a:tc>
-              </a:tr>
-              <a:tr h="370840">
-                <a:tc>
-                  <a:txBody>
-                    <a:bodyPr/>
-                    <a:lstStyle/>
-                    <a:p>
-                      <a:pPr marL="0" marR="0" lvl="0" indent="0" algn="l" defTabSz="914400" rtl="0" eaLnBrk="1" fontAlgn="auto" latinLnBrk="1" hangingPunct="1">
-                        <a:lnSpc>
-                          <a:spcPct val="100000"/>
-                        </a:lnSpc>
-                        <a:spcBef>
-                          <a:spcPts val="0"/>
-                        </a:spcBef>
-                        <a:spcAft>
-                          <a:spcPts val="0"/>
-                        </a:spcAft>
-                        <a:buClrTx/>
-                        <a:buSzTx/>
-                        <a:buFontTx/>
-                        <a:buNone/>
-                        <a:tabLst/>
-                        <a:defRPr/>
-                      </a:pPr>
-                      <a:r>
-                        <a:rPr lang="ko-KR" altLang="en-US" sz="900" dirty="0" err="1" smtClean="0"/>
-                        <a:t>조정식</a:t>
-                      </a:r>
-                      <a:endParaRPr lang="ko-KR" altLang="en-US" sz="900" dirty="0" smtClean="0"/>
-                    </a:p>
-                  </a:txBody>
-                  <a:tcPr/>
-                </a:tc>
-                <a:tc>
-                  <a:txBody>
-                    <a:bodyPr/>
-                    <a:lstStyle/>
-                    <a:p>
-                      <a:pPr latinLnBrk="1"/>
-                      <a:r>
-                        <a:rPr lang="ko-KR" altLang="en-US" sz="900" dirty="0" err="1" smtClean="0"/>
-                        <a:t>범죄율</a:t>
-                      </a:r>
-                      <a:r>
-                        <a:rPr lang="ko-KR" altLang="en-US" sz="900" dirty="0" smtClean="0"/>
-                        <a:t> 상관관계 분석</a:t>
-                      </a:r>
-                      <a:endParaRPr lang="en-US" altLang="ko-KR" sz="900" dirty="0" smtClean="0"/>
-                    </a:p>
-                    <a:p>
-                      <a:pPr marL="0" marR="0" lvl="0" indent="0" algn="l" defTabSz="914400" rtl="0" eaLnBrk="1" fontAlgn="auto" latinLnBrk="1" hangingPunct="1">
-                        <a:lnSpc>
-                          <a:spcPct val="100000"/>
-                        </a:lnSpc>
-                        <a:spcBef>
-                          <a:spcPts val="0"/>
-                        </a:spcBef>
-                        <a:spcAft>
-                          <a:spcPts val="0"/>
-                        </a:spcAft>
-                        <a:buClrTx/>
-                        <a:buSzTx/>
-                        <a:buFontTx/>
-                        <a:buNone/>
-                        <a:tabLst/>
-                        <a:defRPr/>
-                      </a:pPr>
-                      <a:r>
-                        <a:rPr lang="en-US" altLang="ko-KR" sz="900" dirty="0" smtClean="0"/>
-                        <a:t>*</a:t>
-                      </a:r>
-                      <a:r>
-                        <a:rPr lang="ko-KR" altLang="en-US" sz="900" dirty="0" err="1" smtClean="0"/>
-                        <a:t>음주율</a:t>
-                      </a:r>
-                      <a:r>
-                        <a:rPr lang="en-US" altLang="ko-KR" sz="900" dirty="0" smtClean="0"/>
-                        <a:t>,</a:t>
-                      </a:r>
-                      <a:r>
-                        <a:rPr lang="en-US" altLang="ko-KR" sz="900" baseline="0" dirty="0" smtClean="0"/>
-                        <a:t> CCTV </a:t>
-                      </a:r>
-                      <a:r>
-                        <a:rPr lang="ko-KR" altLang="en-US" sz="900" baseline="0" dirty="0" smtClean="0"/>
-                        <a:t>밀집지역</a:t>
-                      </a:r>
-                      <a:r>
-                        <a:rPr lang="en-US" altLang="ko-KR" sz="900" baseline="0" dirty="0" smtClean="0"/>
-                        <a:t>, </a:t>
-                      </a:r>
-                      <a:r>
-                        <a:rPr lang="ko-KR" altLang="en-US" sz="900" baseline="0" dirty="0" smtClean="0"/>
-                        <a:t>경찰출동시간</a:t>
-                      </a:r>
-                      <a:r>
-                        <a:rPr lang="en-US" altLang="ko-KR" sz="900" baseline="0" dirty="0" smtClean="0"/>
-                        <a:t>, </a:t>
-                      </a:r>
-                      <a:r>
-                        <a:rPr lang="ko-KR" altLang="en-US" sz="900" baseline="0" dirty="0" err="1" smtClean="0"/>
-                        <a:t>범죄율</a:t>
-                      </a:r>
-                      <a:r>
-                        <a:rPr lang="ko-KR" altLang="en-US" sz="900" baseline="0" dirty="0" smtClean="0"/>
-                        <a:t> 사이 상관관계</a:t>
-                      </a:r>
-                      <a:r>
-                        <a:rPr lang="en-US" altLang="ko-KR" sz="900" baseline="0" dirty="0" smtClean="0"/>
-                        <a:t>, </a:t>
-                      </a:r>
-                      <a:r>
-                        <a:rPr lang="ko-KR" altLang="en-US" sz="900" baseline="0" dirty="0" smtClean="0"/>
-                        <a:t>취업률</a:t>
-                      </a:r>
-                      <a:r>
-                        <a:rPr lang="en-US" altLang="ko-KR" sz="900" baseline="0" dirty="0" smtClean="0"/>
-                        <a:t>, </a:t>
-                      </a:r>
-                      <a:r>
-                        <a:rPr lang="ko-KR" altLang="en-US" sz="900" baseline="0" dirty="0" smtClean="0"/>
-                        <a:t>소득수준</a:t>
-                      </a:r>
-                      <a:r>
-                        <a:rPr lang="en-US" altLang="ko-KR" sz="900" baseline="0" dirty="0" smtClean="0"/>
-                        <a:t>, </a:t>
-                      </a:r>
-                      <a:r>
-                        <a:rPr lang="ko-KR" altLang="en-US" sz="900" baseline="0" dirty="0" smtClean="0"/>
-                        <a:t>삶 만족도</a:t>
-                      </a:r>
-                      <a:endParaRPr lang="ko-KR" altLang="en-US" sz="900" dirty="0"/>
-                    </a:p>
-                  </a:txBody>
-                  <a:tcPr/>
-                </a:tc>
-                <a:tc>
-                  <a:txBody>
-                    <a:bodyPr/>
-                    <a:lstStyle/>
-                    <a:p>
-                      <a:pPr latinLnBrk="1"/>
-                      <a:r>
-                        <a:rPr lang="ko-KR" altLang="en-US" sz="900" dirty="0" smtClean="0"/>
-                        <a:t>궁극적으로 전국 범죄지도 작성을 </a:t>
-                      </a:r>
-                      <a:r>
-                        <a:rPr lang="ko-KR" altLang="en-US" sz="900" dirty="0" err="1" smtClean="0"/>
-                        <a:t>하고싶음</a:t>
-                      </a:r>
-                      <a:r>
-                        <a:rPr lang="en-US" altLang="ko-KR" sz="900" dirty="0" smtClean="0"/>
-                        <a:t>.</a:t>
-                      </a:r>
-                    </a:p>
-                    <a:p>
-                      <a:pPr latinLnBrk="1"/>
-                      <a:endParaRPr lang="en-US" altLang="ko-KR" sz="900" dirty="0" smtClean="0"/>
-                    </a:p>
-                    <a:p>
-                      <a:pPr marL="0" marR="0" lvl="0" indent="0" algn="l" defTabSz="914400" rtl="0" eaLnBrk="1" fontAlgn="auto" latinLnBrk="1" hangingPunct="1">
-                        <a:lnSpc>
-                          <a:spcPct val="100000"/>
-                        </a:lnSpc>
-                        <a:spcBef>
-                          <a:spcPts val="0"/>
-                        </a:spcBef>
-                        <a:spcAft>
-                          <a:spcPts val="0"/>
-                        </a:spcAft>
-                        <a:buClrTx/>
-                        <a:buSzTx/>
-                        <a:buFontTx/>
-                        <a:buNone/>
-                        <a:tabLst/>
-                        <a:defRPr/>
-                      </a:pPr>
-                      <a:r>
-                        <a:rPr lang="ko-KR" altLang="en-US" sz="900" dirty="0" smtClean="0"/>
-                        <a:t>공공데이터</a:t>
-                      </a:r>
-                    </a:p>
-                  </a:txBody>
-                  <a:tcPr/>
-                </a:tc>
-                <a:tc>
-                  <a:txBody>
-                    <a:bodyPr/>
-                    <a:lstStyle/>
-                    <a:p>
-                      <a:pPr marL="0" marR="0" lvl="0" indent="0" algn="l" defTabSz="914400" rtl="0" eaLnBrk="1" fontAlgn="auto" latinLnBrk="1" hangingPunct="1">
-                        <a:lnSpc>
-                          <a:spcPct val="100000"/>
-                        </a:lnSpc>
-                        <a:spcBef>
-                          <a:spcPts val="0"/>
-                        </a:spcBef>
-                        <a:spcAft>
-                          <a:spcPts val="0"/>
-                        </a:spcAft>
-                        <a:buClrTx/>
-                        <a:buSzTx/>
-                        <a:buFontTx/>
-                        <a:buNone/>
-                        <a:tabLst/>
-                        <a:defRPr/>
-                      </a:pPr>
-                      <a:r>
-                        <a:rPr lang="ko-KR" altLang="en-US" sz="900" dirty="0" smtClean="0"/>
-                        <a:t>상관관계</a:t>
-                      </a:r>
-                      <a:r>
-                        <a:rPr lang="en-US" altLang="ko-KR" sz="900" dirty="0" smtClean="0"/>
-                        <a:t>, </a:t>
-                      </a:r>
-                      <a:r>
-                        <a:rPr lang="ko-KR" altLang="en-US" sz="900" dirty="0" smtClean="0"/>
-                        <a:t>병합</a:t>
-                      </a:r>
-                    </a:p>
-                    <a:p>
-                      <a:pPr latinLnBrk="1"/>
-                      <a:endParaRPr lang="ko-KR" altLang="en-US" sz="900" dirty="0"/>
-                    </a:p>
-                  </a:txBody>
-                  <a:tcPr/>
-                </a:tc>
-                <a:tc>
-                  <a:txBody>
-                    <a:bodyPr/>
-                    <a:lstStyle/>
-                    <a:p>
-                      <a:pPr latinLnBrk="1"/>
-                      <a:r>
-                        <a:rPr lang="ko-KR" altLang="en-US" sz="900" dirty="0" smtClean="0"/>
-                        <a:t>미정</a:t>
-                      </a:r>
-                      <a:endParaRPr lang="ko-KR" altLang="en-US" sz="900" dirty="0"/>
-                    </a:p>
-                  </a:txBody>
-                  <a:tcPr/>
-                </a:tc>
-              </a:tr>
-              <a:tr h="370840">
-                <a:tc>
-                  <a:txBody>
-                    <a:bodyPr/>
-                    <a:lstStyle/>
-                    <a:p>
-                      <a:pPr marL="0" marR="0" lvl="0" indent="0" algn="l" defTabSz="914400" rtl="0" eaLnBrk="1" fontAlgn="auto" latinLnBrk="1" hangingPunct="1">
-                        <a:lnSpc>
-                          <a:spcPct val="100000"/>
-                        </a:lnSpc>
-                        <a:spcBef>
-                          <a:spcPts val="0"/>
-                        </a:spcBef>
-                        <a:spcAft>
-                          <a:spcPts val="0"/>
-                        </a:spcAft>
-                        <a:buClrTx/>
-                        <a:buSzTx/>
-                        <a:buFontTx/>
-                        <a:buNone/>
-                        <a:tabLst/>
-                        <a:defRPr/>
-                      </a:pPr>
-                      <a:r>
-                        <a:rPr lang="ko-KR" altLang="en-US" sz="900" dirty="0" smtClean="0"/>
-                        <a:t>허인서</a:t>
-                      </a:r>
-                    </a:p>
-                  </a:txBody>
-                  <a:tcPr/>
-                </a:tc>
-                <a:tc>
-                  <a:txBody>
-                    <a:bodyPr/>
-                    <a:lstStyle/>
-                    <a:p>
-                      <a:pPr latinLnBrk="1"/>
-                      <a:r>
-                        <a:rPr lang="ko-KR" altLang="en-US" sz="900" dirty="0" smtClean="0"/>
-                        <a:t>향후 </a:t>
-                      </a:r>
-                      <a:r>
-                        <a:rPr lang="ko-KR" altLang="en-US" sz="900" dirty="0" err="1" smtClean="0"/>
-                        <a:t>시군구별</a:t>
-                      </a:r>
-                      <a:r>
-                        <a:rPr lang="ko-KR" altLang="en-US" sz="900" dirty="0" smtClean="0"/>
-                        <a:t> 인구구조 예측</a:t>
-                      </a:r>
-                      <a:endParaRPr lang="en-US" altLang="ko-KR" sz="900" dirty="0" smtClean="0"/>
-                    </a:p>
-                    <a:p>
-                      <a:pPr marL="171450" indent="-171450" latinLnBrk="1">
-                        <a:buFont typeface="Arial" panose="020B0604020202020204" pitchFamily="34" charset="0"/>
-                        <a:buChar char="•"/>
-                      </a:pPr>
-                      <a:r>
-                        <a:rPr lang="ko-KR" altLang="en-US" sz="900" dirty="0" smtClean="0"/>
-                        <a:t>인구구조의 변화</a:t>
-                      </a:r>
-                      <a:endParaRPr lang="en-US" altLang="ko-KR" sz="900" dirty="0" smtClean="0"/>
-                    </a:p>
-                    <a:p>
-                      <a:pPr marL="171450" indent="-171450" latinLnBrk="1">
-                        <a:buFont typeface="Arial" panose="020B0604020202020204" pitchFamily="34" charset="0"/>
-                        <a:buChar char="•"/>
-                      </a:pPr>
-                      <a:r>
-                        <a:rPr lang="ko-KR" altLang="en-US" sz="900" dirty="0" err="1" smtClean="0"/>
-                        <a:t>시군구별</a:t>
-                      </a:r>
-                      <a:r>
-                        <a:rPr lang="ko-KR" altLang="en-US" sz="900" dirty="0" smtClean="0"/>
-                        <a:t> 전입전출</a:t>
-                      </a:r>
-                      <a:endParaRPr lang="en-US" altLang="ko-KR" sz="900" dirty="0" smtClean="0"/>
-                    </a:p>
-                    <a:p>
-                      <a:pPr marL="171450" indent="-171450" latinLnBrk="1">
-                        <a:buFont typeface="Arial" panose="020B0604020202020204" pitchFamily="34" charset="0"/>
-                        <a:buChar char="•"/>
-                      </a:pPr>
-                      <a:r>
-                        <a:rPr lang="ko-KR" altLang="en-US" sz="900" dirty="0" smtClean="0"/>
-                        <a:t>노령화</a:t>
-                      </a:r>
-                      <a:r>
-                        <a:rPr lang="en-US" altLang="ko-KR" sz="900" dirty="0" smtClean="0"/>
-                        <a:t>, </a:t>
-                      </a:r>
-                      <a:r>
-                        <a:rPr lang="ko-KR" altLang="en-US" sz="900" dirty="0" err="1" smtClean="0"/>
-                        <a:t>저출산</a:t>
-                      </a:r>
-                      <a:r>
-                        <a:rPr lang="ko-KR" altLang="en-US" sz="900" dirty="0" smtClean="0"/>
-                        <a:t> 등의 사회 인구 변화 시작점 확인</a:t>
-                      </a:r>
-                      <a:endParaRPr lang="ko-KR" altLang="en-US" sz="900" dirty="0"/>
-                    </a:p>
-                  </a:txBody>
-                  <a:tcPr/>
-                </a:tc>
-                <a:tc>
-                  <a:txBody>
-                    <a:bodyPr/>
-                    <a:lstStyle/>
-                    <a:p>
-                      <a:pPr latinLnBrk="1"/>
-                      <a:r>
-                        <a:rPr lang="ko-KR" altLang="en-US" sz="900" dirty="0" err="1" smtClean="0"/>
-                        <a:t>국가통계포털의</a:t>
-                      </a:r>
-                      <a:r>
-                        <a:rPr lang="ko-KR" altLang="en-US" sz="900" dirty="0" smtClean="0"/>
-                        <a:t> 대한민국 인구구조 분석</a:t>
-                      </a:r>
-                      <a:endParaRPr lang="ko-KR" altLang="en-US" sz="900" dirty="0"/>
-                    </a:p>
-                  </a:txBody>
-                  <a:tcPr/>
-                </a:tc>
-                <a:tc>
-                  <a:txBody>
-                    <a:bodyPr/>
-                    <a:lstStyle/>
-                    <a:p>
-                      <a:pPr latinLnBrk="1"/>
-                      <a:r>
-                        <a:rPr lang="ko-KR" altLang="en-US" sz="900" dirty="0" smtClean="0"/>
-                        <a:t>전처리</a:t>
-                      </a:r>
-                      <a:r>
-                        <a:rPr lang="en-US" altLang="ko-KR" sz="900" dirty="0" smtClean="0"/>
-                        <a:t>,</a:t>
-                      </a:r>
-                    </a:p>
-                    <a:p>
-                      <a:pPr latinLnBrk="1"/>
-                      <a:r>
-                        <a:rPr lang="ko-KR" altLang="en-US" sz="900" dirty="0" err="1" smtClean="0"/>
-                        <a:t>데이터셋</a:t>
-                      </a:r>
-                      <a:r>
-                        <a:rPr lang="ko-KR" altLang="en-US" sz="900" dirty="0" smtClean="0"/>
-                        <a:t> 생성</a:t>
-                      </a:r>
-                      <a:r>
-                        <a:rPr lang="en-US" altLang="ko-KR" sz="900" dirty="0" smtClean="0"/>
-                        <a:t>,</a:t>
-                      </a:r>
-                    </a:p>
-                    <a:p>
-                      <a:pPr latinLnBrk="1"/>
-                      <a:r>
-                        <a:rPr lang="ko-KR" altLang="en-US" sz="900" dirty="0" smtClean="0"/>
-                        <a:t>패턴 발견 및 예측 진행</a:t>
-                      </a:r>
-                      <a:endParaRPr lang="en-US" altLang="ko-KR" sz="900" baseline="0" dirty="0" smtClean="0"/>
-                    </a:p>
-                  </a:txBody>
-                  <a:tcPr/>
-                </a:tc>
-                <a:tc>
-                  <a:txBody>
-                    <a:bodyPr/>
-                    <a:lstStyle/>
-                    <a:p>
-                      <a:pPr latinLnBrk="1"/>
-                      <a:r>
-                        <a:rPr lang="en-US" altLang="ko-KR" sz="900" dirty="0" err="1" smtClean="0"/>
-                        <a:t>matplotlib</a:t>
-                      </a:r>
-                      <a:endParaRPr lang="ko-KR" altLang="en-US" sz="900" dirty="0"/>
-                    </a:p>
-                  </a:txBody>
-                  <a:tcPr/>
-                </a:tc>
-              </a:tr>
-            </a:tbl>
-          </a:graphicData>
-        </a:graphic>
-      </p:graphicFrame>
-    </p:spTree>
-    <p:extLst>
-      <p:ext uri="{BB962C8B-B14F-4D97-AF65-F5344CB8AC3E}">
-        <p14:creationId xmlns:p14="http://schemas.microsoft.com/office/powerpoint/2010/main" val="3429110981"/>
-      </p:ext>
-    </p:extLst>
-  </p:cSld>
-  <p:clrMapOvr>
-    <a:masterClrMapping/>
-  </p:clrMapOvr>
+  <p:timing>
+    <p:tnLst>
+      <p:par>
+        <p:cTn id="1" dur="indefinite" restart="never" nodeType="tmRoot"/>
+      </p:par>
+    </p:tnLst>
+  </p:timing>
 </p:sld>
 </file>
 
@@ -32070,14 +32194,14 @@
             <p:ph idx="1"/>
             <p:extLst>
               <p:ext uri="{D42A27DB-BD31-4B8C-83A1-F6EECF244321}">
-                <p14:modId xmlns:p14="http://schemas.microsoft.com/office/powerpoint/2010/main" val="2747092820"/>
+                <p14:modId xmlns:p14="http://schemas.microsoft.com/office/powerpoint/2010/main" val="2442013691"/>
               </p:ext>
             </p:extLst>
           </p:nvPr>
         </p:nvGraphicFramePr>
         <p:xfrm>
           <a:off x="787742" y="980728"/>
-          <a:ext cx="8915400" cy="5570552"/>
+          <a:ext cx="8915400" cy="5722952"/>
         </p:xfrm>
         <a:graphic>
           <a:graphicData uri="http://schemas.openxmlformats.org/drawingml/2006/table">
@@ -33795,11 +33919,7 @@
                       </a:r>
                       <a:r>
                         <a:rPr lang="ko-KR" altLang="en-US" sz="1000" strike="sngStrike" dirty="0" smtClean="0"/>
-                        <a:t>경제 </a:t>
-                      </a:r>
-                      <a:r>
-                        <a:rPr lang="ko-KR" altLang="en-US" sz="1000" strike="sngStrike" dirty="0" smtClean="0"/>
-                        <a:t>데이터</a:t>
+                        <a:t>경제 데이터</a:t>
                       </a:r>
                       <a:endParaRPr lang="en-US" altLang="ko-KR" sz="1000" strike="sngStrike" dirty="0" smtClean="0"/>
                     </a:p>
@@ -33847,11 +33967,7 @@
                       </a:pPr>
                       <a:r>
                         <a:rPr lang="ko-KR" altLang="en-US" sz="1000" dirty="0" smtClean="0"/>
-                        <a:t>데이터 </a:t>
-                      </a:r>
-                      <a:r>
-                        <a:rPr lang="ko-KR" altLang="en-US" sz="1000" dirty="0" smtClean="0"/>
-                        <a:t>분석 사례</a:t>
+                        <a:t>데이터 분석 사례</a:t>
                       </a:r>
                       <a:endParaRPr lang="en-US" altLang="ko-KR" sz="1000" dirty="0" smtClean="0"/>
                     </a:p>
@@ -34019,6 +34135,38 @@
                       <a:br>
                         <a:rPr lang="en-US" altLang="ko-KR" sz="1000" dirty="0" smtClean="0"/>
                       </a:br>
+                      <a:r>
+                        <a:rPr lang="ko-KR" altLang="en-US" sz="1000" dirty="0" smtClean="0"/>
+                        <a:t>금융</a:t>
+                      </a:r>
+                      <a:r>
+                        <a:rPr lang="en-US" altLang="ko-KR" sz="1000" dirty="0" smtClean="0"/>
+                        <a:t>, </a:t>
+                      </a:r>
+                      <a:r>
+                        <a:rPr lang="ko-KR" altLang="en-US" sz="1000" dirty="0" smtClean="0"/>
+                        <a:t>경제 데이터</a:t>
+                      </a:r>
+                      <a:endParaRPr lang="en-US" altLang="ko-KR" sz="1000" dirty="0" smtClean="0"/>
+                    </a:p>
+                    <a:p>
+                      <a:pPr marL="0" marR="0" lvl="0" indent="0" algn="l" defTabSz="914400" rtl="0" eaLnBrk="1" fontAlgn="auto" latinLnBrk="1" hangingPunct="1">
+                        <a:lnSpc>
+                          <a:spcPct val="100000"/>
+                        </a:lnSpc>
+                        <a:spcBef>
+                          <a:spcPts val="0"/>
+                        </a:spcBef>
+                        <a:spcAft>
+                          <a:spcPts val="0"/>
+                        </a:spcAft>
+                        <a:buClrTx/>
+                        <a:buSzTx/>
+                        <a:buFontTx/>
+                        <a:buNone/>
+                        <a:tabLst/>
+                        <a:defRPr/>
+                      </a:pPr>
                       <a:r>
                         <a:rPr lang="ko-KR" altLang="en-US" sz="1000" dirty="0" smtClean="0"/>
                         <a:t>고급 </a:t>
@@ -34622,6 +34770,1729 @@
     <p:extLst>
       <p:ext uri="{BB962C8B-B14F-4D97-AF65-F5344CB8AC3E}">
         <p14:creationId xmlns:p14="http://schemas.microsoft.com/office/powerpoint/2010/main" val="2014214367"/>
+      </p:ext>
+    </p:extLst>
+  </p:cSld>
+  <p:clrMapOvr>
+    <a:masterClrMapping/>
+  </p:clrMapOvr>
+  <p:timing>
+    <p:tnLst>
+      <p:par>
+        <p:cTn id="1" dur="indefinite" restart="never" nodeType="tmRoot"/>
+      </p:par>
+    </p:tnLst>
+  </p:timing>
+</p:sld>
+</file>
+
+<file path=ppt/slides/slide30.xml><?xml version="1.0" encoding="utf-8"?>
+<p:sld xmlns:a="http://schemas.openxmlformats.org/drawingml/2006/main" xmlns:r="http://schemas.openxmlformats.org/officeDocument/2006/relationships" xmlns:p="http://schemas.openxmlformats.org/presentationml/2006/main">
+  <p:cSld>
+    <p:spTree>
+      <p:nvGrpSpPr>
+        <p:cNvPr id="1" name=""/>
+        <p:cNvGrpSpPr/>
+        <p:nvPr/>
+      </p:nvGrpSpPr>
+      <p:grpSpPr>
+        <a:xfrm>
+          <a:off x="0" y="0"/>
+          <a:ext cx="0" cy="0"/>
+          <a:chOff x="0" y="0"/>
+          <a:chExt cx="0" cy="0"/>
+        </a:xfrm>
+      </p:grpSpPr>
+      <p:sp>
+        <p:nvSpPr>
+          <p:cNvPr id="2" name="제목 1"/>
+          <p:cNvSpPr>
+            <a:spLocks noGrp="1"/>
+          </p:cNvSpPr>
+          <p:nvPr>
+            <p:ph type="title"/>
+          </p:nvPr>
+        </p:nvSpPr>
+        <p:spPr/>
+        <p:txBody>
+          <a:bodyPr/>
+          <a:lstStyle/>
+          <a:p>
+            <a:r>
+              <a:rPr lang="ko-KR" altLang="en-US" dirty="0" smtClean="0"/>
+              <a:t>미니 프로젝트 </a:t>
+            </a:r>
+            <a:r>
+              <a:rPr lang="ko-KR" altLang="en-US" dirty="0" err="1" smtClean="0"/>
+              <a:t>기획안</a:t>
+            </a:r>
+            <a:r>
+              <a:rPr lang="ko-KR" altLang="en-US" dirty="0" smtClean="0"/>
+              <a:t> </a:t>
+            </a:r>
+            <a:r>
+              <a:rPr lang="en-US" altLang="ko-KR" dirty="0" smtClean="0"/>
+              <a:t>(6</a:t>
+            </a:r>
+            <a:r>
+              <a:rPr lang="ko-KR" altLang="en-US" dirty="0" smtClean="0"/>
+              <a:t>월 </a:t>
+            </a:r>
+            <a:r>
+              <a:rPr lang="en-US" altLang="ko-KR" dirty="0" smtClean="0"/>
+              <a:t>18</a:t>
+            </a:r>
+            <a:r>
+              <a:rPr lang="ko-KR" altLang="en-US" dirty="0" smtClean="0"/>
+              <a:t>일</a:t>
+            </a:r>
+            <a:r>
+              <a:rPr lang="en-US" altLang="ko-KR" dirty="0" smtClean="0"/>
+              <a:t>)</a:t>
+            </a:r>
+            <a:endParaRPr lang="ko-KR" altLang="en-US" dirty="0"/>
+          </a:p>
+        </p:txBody>
+      </p:sp>
+      <p:graphicFrame>
+        <p:nvGraphicFramePr>
+          <p:cNvPr id="4" name="내용 개체 틀 3"/>
+          <p:cNvGraphicFramePr>
+            <a:graphicFrameLocks noGrp="1"/>
+          </p:cNvGraphicFramePr>
+          <p:nvPr>
+            <p:ph idx="1"/>
+            <p:extLst>
+              <p:ext uri="{D42A27DB-BD31-4B8C-83A1-F6EECF244321}">
+                <p14:modId xmlns:p14="http://schemas.microsoft.com/office/powerpoint/2010/main" val="2476551558"/>
+              </p:ext>
+            </p:extLst>
+          </p:nvPr>
+        </p:nvGraphicFramePr>
+        <p:xfrm>
+          <a:off x="776288" y="908050"/>
+          <a:ext cx="8857233" cy="5552440"/>
+        </p:xfrm>
+        <a:graphic>
+          <a:graphicData uri="http://schemas.openxmlformats.org/drawingml/2006/table">
+            <a:tbl>
+              <a:tblPr firstRow="1" bandRow="1">
+                <a:tableStyleId>{5C22544A-7EE6-4342-B048-85BDC9FD1C3A}</a:tableStyleId>
+              </a:tblPr>
+              <a:tblGrid>
+                <a:gridCol w="1142293"/>
+                <a:gridCol w="2456071"/>
+                <a:gridCol w="1370436"/>
+                <a:gridCol w="2232248"/>
+                <a:gridCol w="1656185"/>
+              </a:tblGrid>
+              <a:tr h="370840">
+                <a:tc>
+                  <a:txBody>
+                    <a:bodyPr/>
+                    <a:lstStyle/>
+                    <a:p>
+                      <a:pPr latinLnBrk="1"/>
+                      <a:endParaRPr lang="ko-KR" altLang="en-US" sz="900" dirty="0"/>
+                    </a:p>
+                  </a:txBody>
+                  <a:tcPr/>
+                </a:tc>
+                <a:tc>
+                  <a:txBody>
+                    <a:bodyPr/>
+                    <a:lstStyle/>
+                    <a:p>
+                      <a:pPr latinLnBrk="1"/>
+                      <a:r>
+                        <a:rPr lang="ko-KR" altLang="en-US" sz="900" dirty="0" smtClean="0"/>
+                        <a:t>주제</a:t>
+                      </a:r>
+                      <a:endParaRPr lang="ko-KR" altLang="en-US" sz="900" dirty="0"/>
+                    </a:p>
+                  </a:txBody>
+                  <a:tcPr/>
+                </a:tc>
+                <a:tc>
+                  <a:txBody>
+                    <a:bodyPr/>
+                    <a:lstStyle/>
+                    <a:p>
+                      <a:pPr latinLnBrk="1"/>
+                      <a:r>
+                        <a:rPr lang="ko-KR" altLang="en-US" sz="900" dirty="0" smtClean="0"/>
+                        <a:t>데이터 수집</a:t>
+                      </a:r>
+                      <a:endParaRPr lang="ko-KR" altLang="en-US" sz="900" dirty="0"/>
+                    </a:p>
+                  </a:txBody>
+                  <a:tcPr/>
+                </a:tc>
+                <a:tc>
+                  <a:txBody>
+                    <a:bodyPr/>
+                    <a:lstStyle/>
+                    <a:p>
+                      <a:pPr latinLnBrk="1"/>
+                      <a:r>
+                        <a:rPr lang="ko-KR" altLang="en-US" sz="900" dirty="0" smtClean="0"/>
+                        <a:t>분석 방법</a:t>
+                      </a:r>
+                      <a:endParaRPr lang="ko-KR" altLang="en-US" sz="900" dirty="0"/>
+                    </a:p>
+                  </a:txBody>
+                  <a:tcPr/>
+                </a:tc>
+                <a:tc>
+                  <a:txBody>
+                    <a:bodyPr/>
+                    <a:lstStyle/>
+                    <a:p>
+                      <a:pPr latinLnBrk="1"/>
+                      <a:r>
+                        <a:rPr lang="ko-KR" altLang="en-US" sz="900" dirty="0" smtClean="0"/>
+                        <a:t>시각화</a:t>
+                      </a:r>
+                      <a:endParaRPr lang="ko-KR" altLang="en-US" sz="900" dirty="0"/>
+                    </a:p>
+                  </a:txBody>
+                  <a:tcPr/>
+                </a:tc>
+              </a:tr>
+              <a:tr h="133886">
+                <a:tc>
+                  <a:txBody>
+                    <a:bodyPr/>
+                    <a:lstStyle/>
+                    <a:p>
+                      <a:pPr latinLnBrk="1"/>
+                      <a:r>
+                        <a:rPr lang="ko-KR" altLang="en-US" sz="900" dirty="0" smtClean="0"/>
+                        <a:t>권순임</a:t>
+                      </a:r>
+                      <a:endParaRPr lang="ko-KR" altLang="en-US" sz="900" dirty="0"/>
+                    </a:p>
+                  </a:txBody>
+                  <a:tcPr/>
+                </a:tc>
+                <a:tc>
+                  <a:txBody>
+                    <a:bodyPr/>
+                    <a:lstStyle/>
+                    <a:p>
+                      <a:pPr latinLnBrk="1"/>
+                      <a:r>
+                        <a:rPr lang="ko-KR" altLang="en-US" sz="900" dirty="0" smtClean="0"/>
+                        <a:t>교제의 사례 중 선택 예정</a:t>
+                      </a:r>
+                      <a:endParaRPr lang="ko-KR" altLang="en-US" sz="900" dirty="0"/>
+                    </a:p>
+                  </a:txBody>
+                  <a:tcPr/>
+                </a:tc>
+                <a:tc>
+                  <a:txBody>
+                    <a:bodyPr/>
+                    <a:lstStyle/>
+                    <a:p>
+                      <a:pPr latinLnBrk="1"/>
+                      <a:endParaRPr lang="ko-KR" altLang="en-US" sz="900"/>
+                    </a:p>
+                  </a:txBody>
+                  <a:tcPr/>
+                </a:tc>
+                <a:tc>
+                  <a:txBody>
+                    <a:bodyPr/>
+                    <a:lstStyle/>
+                    <a:p>
+                      <a:pPr latinLnBrk="1"/>
+                      <a:endParaRPr lang="ko-KR" altLang="en-US" sz="900"/>
+                    </a:p>
+                  </a:txBody>
+                  <a:tcPr/>
+                </a:tc>
+                <a:tc>
+                  <a:txBody>
+                    <a:bodyPr/>
+                    <a:lstStyle/>
+                    <a:p>
+                      <a:pPr latinLnBrk="1"/>
+                      <a:endParaRPr lang="ko-KR" altLang="en-US" sz="900"/>
+                    </a:p>
+                  </a:txBody>
+                  <a:tcPr/>
+                </a:tc>
+              </a:tr>
+              <a:tr h="625366">
+                <a:tc>
+                  <a:txBody>
+                    <a:bodyPr/>
+                    <a:lstStyle/>
+                    <a:p>
+                      <a:pPr latinLnBrk="1"/>
+                      <a:r>
+                        <a:rPr lang="ko-KR" altLang="en-US" sz="900" dirty="0" smtClean="0"/>
+                        <a:t>김건우</a:t>
+                      </a:r>
+                      <a:endParaRPr lang="en-US" altLang="ko-KR" sz="900" dirty="0" smtClean="0"/>
+                    </a:p>
+                  </a:txBody>
+                  <a:tcPr/>
+                </a:tc>
+                <a:tc>
+                  <a:txBody>
+                    <a:bodyPr/>
+                    <a:lstStyle/>
+                    <a:p>
+                      <a:pPr latinLnBrk="1"/>
+                      <a:r>
+                        <a:rPr lang="ko-KR" altLang="en-US" sz="900" dirty="0" smtClean="0"/>
+                        <a:t>청소년 건강 통계 분석</a:t>
+                      </a:r>
+                      <a:endParaRPr lang="en-US" altLang="ko-KR" sz="900" dirty="0" smtClean="0"/>
+                    </a:p>
+                    <a:p>
+                      <a:pPr marL="171450" indent="-171450" latinLnBrk="1">
+                        <a:buFont typeface="Arial" panose="020B0604020202020204" pitchFamily="34" charset="0"/>
+                        <a:buChar char="•"/>
+                      </a:pPr>
+                      <a:r>
+                        <a:rPr lang="ko-KR" altLang="en-US" sz="900" dirty="0" smtClean="0"/>
+                        <a:t>통계로 보는 청소년 건강 실태</a:t>
+                      </a:r>
+                      <a:endParaRPr lang="en-US" altLang="ko-KR" sz="900" dirty="0" smtClean="0"/>
+                    </a:p>
+                    <a:p>
+                      <a:pPr marL="171450" indent="-171450" latinLnBrk="1">
+                        <a:buFont typeface="Arial" panose="020B0604020202020204" pitchFamily="34" charset="0"/>
+                        <a:buChar char="•"/>
+                      </a:pPr>
+                      <a:r>
+                        <a:rPr lang="en-US" altLang="ko-KR" sz="900" dirty="0" smtClean="0"/>
+                        <a:t>10</a:t>
+                      </a:r>
+                      <a:r>
+                        <a:rPr lang="ko-KR" altLang="en-US" sz="900" dirty="0" smtClean="0"/>
+                        <a:t>대 </a:t>
+                      </a:r>
+                      <a:r>
+                        <a:rPr lang="ko-KR" altLang="en-US" sz="900" dirty="0" err="1" smtClean="0"/>
+                        <a:t>척추측만증</a:t>
+                      </a:r>
+                      <a:r>
+                        <a:rPr lang="ko-KR" altLang="en-US" sz="900" dirty="0" smtClean="0"/>
+                        <a:t> 환자 </a:t>
+                      </a:r>
+                      <a:r>
+                        <a:rPr lang="en-US" altLang="ko-KR" sz="900" dirty="0" smtClean="0"/>
+                        <a:t>10</a:t>
+                      </a:r>
+                      <a:r>
+                        <a:rPr lang="ko-KR" altLang="en-US" sz="900" dirty="0" smtClean="0"/>
+                        <a:t>년간 </a:t>
+                      </a:r>
+                      <a:r>
+                        <a:rPr lang="en-US" altLang="ko-KR" sz="900" dirty="0" smtClean="0"/>
+                        <a:t>8000</a:t>
+                      </a:r>
+                      <a:r>
+                        <a:rPr lang="ko-KR" altLang="en-US" sz="900" dirty="0" smtClean="0"/>
+                        <a:t>명 증가</a:t>
+                      </a:r>
+                      <a:endParaRPr lang="en-US" altLang="ko-KR" sz="900" dirty="0" smtClean="0"/>
+                    </a:p>
+                    <a:p>
+                      <a:pPr marL="171450" indent="-171450" latinLnBrk="1">
+                        <a:buFont typeface="Arial" panose="020B0604020202020204" pitchFamily="34" charset="0"/>
+                        <a:buChar char="•"/>
+                      </a:pPr>
+                      <a:r>
+                        <a:rPr lang="ko-KR" altLang="en-US" sz="900" dirty="0" err="1" smtClean="0"/>
+                        <a:t>소셜</a:t>
+                      </a:r>
+                      <a:r>
+                        <a:rPr lang="ko-KR" altLang="en-US" sz="900" dirty="0" smtClean="0"/>
+                        <a:t> </a:t>
+                      </a:r>
+                      <a:r>
+                        <a:rPr lang="ko-KR" altLang="en-US" sz="900" dirty="0" err="1" smtClean="0"/>
+                        <a:t>빅데이터</a:t>
+                      </a:r>
+                      <a:endParaRPr lang="ko-KR" altLang="en-US" sz="900" dirty="0"/>
+                    </a:p>
+                  </a:txBody>
+                  <a:tcPr/>
+                </a:tc>
+                <a:tc>
+                  <a:txBody>
+                    <a:bodyPr/>
+                    <a:lstStyle/>
+                    <a:p>
+                      <a:pPr latinLnBrk="1"/>
+                      <a:r>
+                        <a:rPr lang="ko-KR" altLang="en-US" sz="900" dirty="0" smtClean="0"/>
+                        <a:t>건강보험심사평가원</a:t>
+                      </a:r>
+                      <a:endParaRPr lang="en-US" altLang="ko-KR" sz="900" dirty="0" smtClean="0"/>
+                    </a:p>
+                    <a:p>
+                      <a:pPr latinLnBrk="1"/>
+                      <a:r>
+                        <a:rPr lang="ko-KR" altLang="en-US" sz="900" dirty="0" smtClean="0"/>
+                        <a:t>질병관리본부</a:t>
+                      </a:r>
+                      <a:endParaRPr lang="en-US" altLang="ko-KR" sz="900" dirty="0" smtClean="0"/>
+                    </a:p>
+                    <a:p>
+                      <a:pPr latinLnBrk="1"/>
+                      <a:r>
+                        <a:rPr lang="ko-KR" altLang="en-US" sz="900" dirty="0" smtClean="0"/>
+                        <a:t>한국보건사회 연구원</a:t>
+                      </a:r>
+                      <a:endParaRPr lang="en-US" altLang="ko-KR" sz="900" dirty="0" smtClean="0"/>
+                    </a:p>
+                    <a:p>
+                      <a:pPr latinLnBrk="1"/>
+                      <a:r>
+                        <a:rPr lang="ko-KR" altLang="en-US" sz="900" dirty="0" smtClean="0"/>
+                        <a:t>교육부</a:t>
+                      </a:r>
+                      <a:endParaRPr lang="en-US" altLang="ko-KR" sz="900" dirty="0" smtClean="0"/>
+                    </a:p>
+                    <a:p>
+                      <a:pPr latinLnBrk="1"/>
+                      <a:r>
+                        <a:rPr lang="ko-KR" altLang="en-US" sz="900" dirty="0" smtClean="0"/>
+                        <a:t>국가통계포털</a:t>
+                      </a:r>
+                      <a:endParaRPr lang="ko-KR" altLang="en-US" sz="900" dirty="0"/>
+                    </a:p>
+                  </a:txBody>
+                  <a:tcPr/>
+                </a:tc>
+                <a:tc>
+                  <a:txBody>
+                    <a:bodyPr/>
+                    <a:lstStyle/>
+                    <a:p>
+                      <a:pPr latinLnBrk="1"/>
+                      <a:r>
+                        <a:rPr lang="ko-KR" altLang="en-US" sz="900" dirty="0" smtClean="0"/>
+                        <a:t>척추질환 또는 정신질환 등 범위를 좁혀 키워드 </a:t>
+                      </a:r>
+                      <a:r>
+                        <a:rPr lang="en-US" altLang="ko-KR" sz="900" dirty="0" smtClean="0"/>
+                        <a:t>2~3</a:t>
+                      </a:r>
+                      <a:r>
+                        <a:rPr lang="ko-KR" altLang="en-US" sz="900" dirty="0" smtClean="0"/>
+                        <a:t>개에 대해 데이터 찾아보기</a:t>
+                      </a:r>
+                      <a:endParaRPr lang="ko-KR" altLang="en-US" sz="900" dirty="0"/>
+                    </a:p>
+                  </a:txBody>
+                  <a:tcPr/>
+                </a:tc>
+                <a:tc>
+                  <a:txBody>
+                    <a:bodyPr/>
+                    <a:lstStyle/>
+                    <a:p>
+                      <a:pPr latinLnBrk="1"/>
+                      <a:endParaRPr lang="ko-KR" altLang="en-US" sz="900" dirty="0"/>
+                    </a:p>
+                  </a:txBody>
+                  <a:tcPr/>
+                </a:tc>
+              </a:tr>
+              <a:tr h="370840">
+                <a:tc>
+                  <a:txBody>
+                    <a:bodyPr/>
+                    <a:lstStyle/>
+                    <a:p>
+                      <a:pPr latinLnBrk="1"/>
+                      <a:r>
+                        <a:rPr lang="ko-KR" altLang="en-US" sz="900" dirty="0" smtClean="0"/>
+                        <a:t>이영배</a:t>
+                      </a:r>
+                      <a:endParaRPr lang="ko-KR" altLang="en-US" sz="900" dirty="0"/>
+                    </a:p>
+                  </a:txBody>
+                  <a:tcPr/>
+                </a:tc>
+                <a:tc>
+                  <a:txBody>
+                    <a:bodyPr/>
+                    <a:lstStyle/>
+                    <a:p>
+                      <a:pPr latinLnBrk="1"/>
+                      <a:r>
+                        <a:rPr lang="ko-KR" altLang="en-US" sz="900" dirty="0" smtClean="0"/>
+                        <a:t>서울시 각 구별 질소산화물</a:t>
+                      </a:r>
+                      <a:r>
+                        <a:rPr lang="en-US" altLang="ko-KR" sz="900" dirty="0" smtClean="0"/>
+                        <a:t>, </a:t>
+                      </a:r>
+                      <a:r>
+                        <a:rPr lang="ko-KR" altLang="en-US" sz="900" dirty="0" smtClean="0"/>
+                        <a:t>황산화물의 농도변화와 </a:t>
+                      </a:r>
+                      <a:r>
+                        <a:rPr lang="ko-KR" altLang="en-US" sz="900" dirty="0" err="1" smtClean="0"/>
+                        <a:t>초미세먼지와의</a:t>
+                      </a:r>
+                      <a:r>
+                        <a:rPr lang="ko-KR" altLang="en-US" sz="900" dirty="0" smtClean="0"/>
+                        <a:t> 관계 분석</a:t>
+                      </a:r>
+                      <a:endParaRPr lang="ko-KR" altLang="en-US" sz="900" dirty="0"/>
+                    </a:p>
+                  </a:txBody>
+                  <a:tcPr/>
+                </a:tc>
+                <a:tc>
+                  <a:txBody>
+                    <a:bodyPr/>
+                    <a:lstStyle/>
+                    <a:p>
+                      <a:pPr latinLnBrk="1"/>
+                      <a:r>
+                        <a:rPr lang="ko-KR" altLang="en-US" sz="900" dirty="0" smtClean="0"/>
+                        <a:t>서울시 공공데이터</a:t>
+                      </a:r>
+                      <a:endParaRPr lang="ko-KR" altLang="en-US" sz="900" dirty="0"/>
+                    </a:p>
+                  </a:txBody>
+                  <a:tcPr/>
+                </a:tc>
+                <a:tc>
+                  <a:txBody>
+                    <a:bodyPr/>
+                    <a:lstStyle/>
+                    <a:p>
+                      <a:pPr latinLnBrk="1"/>
+                      <a:r>
+                        <a:rPr lang="en-US" altLang="ko-KR" sz="900" dirty="0" smtClean="0"/>
+                        <a:t>pandas</a:t>
+                      </a:r>
+                      <a:r>
+                        <a:rPr lang="en-US" altLang="ko-KR" sz="900" baseline="0" dirty="0" smtClean="0"/>
+                        <a:t> </a:t>
+                      </a:r>
+                      <a:r>
+                        <a:rPr lang="en-US" altLang="ko-KR" sz="900" baseline="0" dirty="0" err="1" smtClean="0"/>
+                        <a:t>read_csv</a:t>
+                      </a:r>
+                      <a:r>
+                        <a:rPr lang="en-US" altLang="ko-KR" sz="900" baseline="0" dirty="0" smtClean="0"/>
+                        <a:t>, </a:t>
+                      </a:r>
+                      <a:r>
+                        <a:rPr lang="en-US" altLang="ko-KR" sz="900" baseline="0" dirty="0" err="1" smtClean="0"/>
+                        <a:t>index_col</a:t>
+                      </a:r>
+                      <a:r>
+                        <a:rPr lang="en-US" altLang="ko-KR" sz="900" baseline="0" dirty="0" smtClean="0"/>
+                        <a:t>, </a:t>
+                      </a:r>
+                      <a:r>
+                        <a:rPr lang="en-US" altLang="ko-KR" sz="900" baseline="0" dirty="0" err="1" smtClean="0"/>
+                        <a:t>parse_dates</a:t>
+                      </a:r>
+                      <a:r>
+                        <a:rPr lang="en-US" altLang="ko-KR" sz="900" baseline="0" dirty="0" smtClean="0"/>
+                        <a:t>,  </a:t>
+                      </a:r>
+                      <a:r>
+                        <a:rPr lang="en-US" altLang="ko-KR" sz="900" baseline="0" dirty="0" err="1" smtClean="0"/>
+                        <a:t>concat</a:t>
+                      </a:r>
+                      <a:r>
+                        <a:rPr lang="en-US" altLang="ko-KR" sz="900" baseline="0" dirty="0" smtClean="0"/>
+                        <a:t>, </a:t>
+                      </a:r>
+                      <a:r>
+                        <a:rPr lang="en-US" altLang="ko-KR" sz="900" baseline="0" dirty="0" err="1" smtClean="0"/>
+                        <a:t>corr</a:t>
+                      </a:r>
+                      <a:r>
+                        <a:rPr lang="en-US" altLang="ko-KR" sz="900" baseline="0" dirty="0" smtClean="0"/>
+                        <a:t> </a:t>
+                      </a:r>
+                      <a:r>
+                        <a:rPr lang="ko-KR" altLang="en-US" sz="900" baseline="0" dirty="0" smtClean="0"/>
+                        <a:t>등 이용</a:t>
+                      </a:r>
+                      <a:r>
+                        <a:rPr lang="en-US" altLang="ko-KR" sz="900" baseline="0" dirty="0" smtClean="0"/>
+                        <a:t>.</a:t>
+                      </a:r>
+                    </a:p>
+                    <a:p>
+                      <a:pPr latinLnBrk="1"/>
+                      <a:r>
+                        <a:rPr lang="ko-KR" altLang="en-US" sz="900" baseline="0" dirty="0" smtClean="0"/>
+                        <a:t>정규화</a:t>
+                      </a:r>
+                      <a:r>
+                        <a:rPr lang="en-US" altLang="ko-KR" sz="900" baseline="0" dirty="0" smtClean="0"/>
+                        <a:t>, </a:t>
+                      </a:r>
+                      <a:r>
+                        <a:rPr lang="ko-KR" altLang="en-US" sz="900" baseline="0" dirty="0" smtClean="0"/>
+                        <a:t>미세먼지</a:t>
+                      </a:r>
+                      <a:r>
+                        <a:rPr lang="en-US" altLang="ko-KR" sz="900" baseline="0" dirty="0" smtClean="0"/>
+                        <a:t> </a:t>
+                      </a:r>
+                      <a:r>
+                        <a:rPr lang="ko-KR" altLang="en-US" sz="900" baseline="0" dirty="0" smtClean="0"/>
+                        <a:t>위험단계 시각화 등 추가</a:t>
+                      </a:r>
+                      <a:endParaRPr lang="ko-KR" altLang="en-US" sz="900" dirty="0"/>
+                    </a:p>
+                  </a:txBody>
+                  <a:tcPr/>
+                </a:tc>
+                <a:tc>
+                  <a:txBody>
+                    <a:bodyPr/>
+                    <a:lstStyle/>
+                    <a:p>
+                      <a:pPr latinLnBrk="1"/>
+                      <a:r>
+                        <a:rPr lang="en-US" altLang="ko-KR" sz="900" dirty="0" smtClean="0"/>
+                        <a:t>pandas plot </a:t>
+                      </a:r>
+                      <a:r>
+                        <a:rPr lang="ko-KR" altLang="en-US" sz="900" dirty="0" smtClean="0"/>
+                        <a:t>기능 이용</a:t>
+                      </a:r>
+                      <a:endParaRPr lang="ko-KR" altLang="en-US" sz="900" dirty="0"/>
+                    </a:p>
+                  </a:txBody>
+                  <a:tcPr/>
+                </a:tc>
+              </a:tr>
+              <a:tr h="370840">
+                <a:tc>
+                  <a:txBody>
+                    <a:bodyPr/>
+                    <a:lstStyle/>
+                    <a:p>
+                      <a:pPr latinLnBrk="1"/>
+                      <a:r>
+                        <a:rPr lang="ko-KR" altLang="en-US" sz="900" dirty="0" smtClean="0"/>
+                        <a:t>김경남</a:t>
+                      </a:r>
+                      <a:endParaRPr lang="ko-KR" altLang="en-US" sz="900" dirty="0"/>
+                    </a:p>
+                  </a:txBody>
+                  <a:tcPr/>
+                </a:tc>
+                <a:tc>
+                  <a:txBody>
+                    <a:bodyPr/>
+                    <a:lstStyle/>
+                    <a:p>
+                      <a:pPr latinLnBrk="1"/>
+                      <a:r>
+                        <a:rPr lang="ko-KR" altLang="en-US" sz="900" dirty="0" err="1" smtClean="0"/>
+                        <a:t>로또</a:t>
+                      </a:r>
+                      <a:r>
+                        <a:rPr lang="ko-KR" altLang="en-US" sz="900" dirty="0" smtClean="0"/>
+                        <a:t> 패턴</a:t>
+                      </a:r>
+                      <a:r>
+                        <a:rPr lang="ko-KR" altLang="en-US" sz="900" baseline="0" dirty="0" smtClean="0"/>
+                        <a:t> 분석</a:t>
+                      </a:r>
+                      <a:endParaRPr lang="en-US" altLang="ko-KR" sz="900" baseline="0" dirty="0" smtClean="0"/>
+                    </a:p>
+                    <a:p>
+                      <a:pPr latinLnBrk="1"/>
+                      <a:r>
+                        <a:rPr lang="ko-KR" altLang="en-US" sz="900" baseline="0" dirty="0" smtClean="0"/>
+                        <a:t>데이터 사이즈</a:t>
+                      </a:r>
+                      <a:r>
+                        <a:rPr lang="en-US" altLang="ko-KR" sz="900" baseline="0" dirty="0" smtClean="0"/>
+                        <a:t>, </a:t>
+                      </a:r>
+                      <a:r>
+                        <a:rPr lang="ko-KR" altLang="en-US" sz="900" baseline="0" dirty="0" smtClean="0"/>
+                        <a:t>항목별 상관분석</a:t>
+                      </a:r>
+                      <a:endParaRPr lang="ko-KR" altLang="en-US" sz="900" dirty="0"/>
+                    </a:p>
+                  </a:txBody>
+                  <a:tcPr/>
+                </a:tc>
+                <a:tc>
+                  <a:txBody>
+                    <a:bodyPr/>
+                    <a:lstStyle/>
+                    <a:p>
+                      <a:pPr latinLnBrk="1"/>
+                      <a:endParaRPr lang="ko-KR" altLang="en-US" sz="900"/>
+                    </a:p>
+                  </a:txBody>
+                  <a:tcPr/>
+                </a:tc>
+                <a:tc>
+                  <a:txBody>
+                    <a:bodyPr/>
+                    <a:lstStyle/>
+                    <a:p>
+                      <a:pPr latinLnBrk="1"/>
+                      <a:endParaRPr lang="ko-KR" altLang="en-US" sz="900" dirty="0"/>
+                    </a:p>
+                  </a:txBody>
+                  <a:tcPr/>
+                </a:tc>
+                <a:tc>
+                  <a:txBody>
+                    <a:bodyPr/>
+                    <a:lstStyle/>
+                    <a:p>
+                      <a:pPr latinLnBrk="1"/>
+                      <a:endParaRPr lang="ko-KR" altLang="en-US" sz="900" dirty="0"/>
+                    </a:p>
+                  </a:txBody>
+                  <a:tcPr/>
+                </a:tc>
+              </a:tr>
+              <a:tr h="370840">
+                <a:tc>
+                  <a:txBody>
+                    <a:bodyPr/>
+                    <a:lstStyle/>
+                    <a:p>
+                      <a:pPr latinLnBrk="1"/>
+                      <a:r>
+                        <a:rPr lang="ko-KR" altLang="en-US" sz="900" dirty="0" smtClean="0"/>
+                        <a:t>유효상</a:t>
+                      </a:r>
+                      <a:endParaRPr lang="ko-KR" altLang="en-US" sz="900" dirty="0"/>
+                    </a:p>
+                  </a:txBody>
+                  <a:tcPr/>
+                </a:tc>
+                <a:tc>
+                  <a:txBody>
+                    <a:bodyPr/>
+                    <a:lstStyle/>
+                    <a:p>
+                      <a:pPr latinLnBrk="1"/>
+                      <a:r>
+                        <a:rPr lang="ko-KR" altLang="en-US" sz="900" dirty="0" smtClean="0"/>
+                        <a:t>국민 삶의 질</a:t>
+                      </a:r>
+                      <a:endParaRPr lang="en-US" altLang="ko-KR" sz="900" dirty="0" smtClean="0"/>
+                    </a:p>
+                    <a:p>
+                      <a:pPr latinLnBrk="1"/>
+                      <a:r>
+                        <a:rPr lang="en-US" altLang="ko-KR" sz="900" dirty="0" smtClean="0"/>
+                        <a:t>20</a:t>
+                      </a:r>
+                      <a:r>
+                        <a:rPr lang="ko-KR" altLang="en-US" sz="900" dirty="0" smtClean="0"/>
+                        <a:t>대 취업률</a:t>
+                      </a:r>
+                      <a:endParaRPr lang="ko-KR" altLang="en-US" sz="900" dirty="0"/>
+                    </a:p>
+                  </a:txBody>
+                  <a:tcPr/>
+                </a:tc>
+                <a:tc>
+                  <a:txBody>
+                    <a:bodyPr/>
+                    <a:lstStyle/>
+                    <a:p>
+                      <a:pPr latinLnBrk="1"/>
+                      <a:r>
+                        <a:rPr lang="ko-KR" altLang="en-US" sz="900" dirty="0" smtClean="0"/>
+                        <a:t>통계청 데이터</a:t>
+                      </a:r>
+                      <a:endParaRPr lang="ko-KR" altLang="en-US" sz="900" dirty="0"/>
+                    </a:p>
+                  </a:txBody>
+                  <a:tcPr/>
+                </a:tc>
+                <a:tc>
+                  <a:txBody>
+                    <a:bodyPr/>
+                    <a:lstStyle/>
+                    <a:p>
+                      <a:pPr latinLnBrk="1"/>
+                      <a:endParaRPr lang="ko-KR" altLang="en-US" sz="900" dirty="0"/>
+                    </a:p>
+                  </a:txBody>
+                  <a:tcPr/>
+                </a:tc>
+                <a:tc>
+                  <a:txBody>
+                    <a:bodyPr/>
+                    <a:lstStyle/>
+                    <a:p>
+                      <a:pPr latinLnBrk="1"/>
+                      <a:endParaRPr lang="ko-KR" altLang="en-US" sz="900" dirty="0"/>
+                    </a:p>
+                  </a:txBody>
+                  <a:tcPr/>
+                </a:tc>
+              </a:tr>
+              <a:tr h="370840">
+                <a:tc>
+                  <a:txBody>
+                    <a:bodyPr/>
+                    <a:lstStyle/>
+                    <a:p>
+                      <a:pPr marL="0" marR="0" lvl="0" indent="0" algn="l" defTabSz="914400" rtl="0" eaLnBrk="1" fontAlgn="auto" latinLnBrk="1" hangingPunct="1">
+                        <a:lnSpc>
+                          <a:spcPct val="100000"/>
+                        </a:lnSpc>
+                        <a:spcBef>
+                          <a:spcPts val="0"/>
+                        </a:spcBef>
+                        <a:spcAft>
+                          <a:spcPts val="0"/>
+                        </a:spcAft>
+                        <a:buClrTx/>
+                        <a:buSzTx/>
+                        <a:buFontTx/>
+                        <a:buNone/>
+                        <a:tabLst/>
+                        <a:defRPr/>
+                      </a:pPr>
+                      <a:r>
+                        <a:rPr lang="ko-KR" altLang="en-US" sz="900" dirty="0" smtClean="0"/>
+                        <a:t>정찬연</a:t>
+                      </a:r>
+                    </a:p>
+                  </a:txBody>
+                  <a:tcPr/>
+                </a:tc>
+                <a:tc>
+                  <a:txBody>
+                    <a:bodyPr/>
+                    <a:lstStyle/>
+                    <a:p>
+                      <a:pPr latinLnBrk="1"/>
+                      <a:r>
+                        <a:rPr lang="ko-KR" altLang="en-US" sz="900" dirty="0" smtClean="0"/>
+                        <a:t>우리가 사는 서울은 안전한가</a:t>
+                      </a:r>
+                      <a:r>
+                        <a:rPr lang="en-US" altLang="ko-KR" sz="900" dirty="0" smtClean="0"/>
+                        <a:t>?</a:t>
+                      </a:r>
+                    </a:p>
+                    <a:p>
+                      <a:pPr latinLnBrk="1"/>
+                      <a:r>
+                        <a:rPr lang="ko-KR" altLang="en-US" sz="900" dirty="0" smtClean="0"/>
+                        <a:t>데이터로 보는 </a:t>
+                      </a:r>
+                      <a:r>
+                        <a:rPr lang="ko-KR" altLang="en-US" sz="900" dirty="0" err="1" smtClean="0"/>
+                        <a:t>범죄율</a:t>
+                      </a:r>
+                      <a:endParaRPr lang="en-US" altLang="ko-KR" sz="900" dirty="0" smtClean="0"/>
+                    </a:p>
+                    <a:p>
+                      <a:pPr marL="171450" indent="-171450" latinLnBrk="1">
+                        <a:buFont typeface="Arial" panose="020B0604020202020204" pitchFamily="34" charset="0"/>
+                        <a:buChar char="•"/>
+                      </a:pPr>
+                      <a:r>
+                        <a:rPr lang="ko-KR" altLang="en-US" sz="900" baseline="0" dirty="0" smtClean="0"/>
+                        <a:t>안심귀가 스카우트</a:t>
+                      </a:r>
+                      <a:endParaRPr lang="en-US" altLang="ko-KR" sz="900" baseline="0" dirty="0" smtClean="0"/>
+                    </a:p>
+                    <a:p>
+                      <a:pPr marL="171450" indent="-171450" latinLnBrk="1">
+                        <a:buFont typeface="Arial" panose="020B0604020202020204" pitchFamily="34" charset="0"/>
+                        <a:buChar char="•"/>
+                      </a:pPr>
+                      <a:r>
+                        <a:rPr lang="ko-KR" altLang="en-US" sz="900" baseline="0" dirty="0" smtClean="0"/>
+                        <a:t>서울시 </a:t>
+                      </a:r>
+                      <a:r>
+                        <a:rPr lang="ko-KR" altLang="en-US" sz="900" baseline="0" dirty="0" err="1" smtClean="0"/>
+                        <a:t>홈방법</a:t>
+                      </a:r>
+                      <a:r>
+                        <a:rPr lang="ko-KR" altLang="en-US" sz="900" baseline="0" dirty="0" smtClean="0"/>
+                        <a:t> 서비스</a:t>
+                      </a:r>
+                      <a:endParaRPr lang="en-US" altLang="ko-KR" sz="900" baseline="0" dirty="0" smtClean="0"/>
+                    </a:p>
+                    <a:p>
+                      <a:pPr marL="171450" indent="-171450" latinLnBrk="1">
+                        <a:buFont typeface="Arial" panose="020B0604020202020204" pitchFamily="34" charset="0"/>
+                        <a:buChar char="•"/>
+                      </a:pPr>
+                      <a:r>
+                        <a:rPr lang="ko-KR" altLang="en-US" sz="900" baseline="0" dirty="0" smtClean="0"/>
+                        <a:t>서울여성 안심택배 서비스</a:t>
+                      </a:r>
+                      <a:endParaRPr lang="ko-KR" altLang="en-US" sz="900" dirty="0"/>
+                    </a:p>
+                  </a:txBody>
+                  <a:tcPr/>
+                </a:tc>
+                <a:tc>
+                  <a:txBody>
+                    <a:bodyPr/>
+                    <a:lstStyle/>
+                    <a:p>
+                      <a:pPr latinLnBrk="1"/>
+                      <a:r>
+                        <a:rPr lang="ko-KR" altLang="en-US" sz="900" dirty="0" err="1" smtClean="0"/>
+                        <a:t>관서별</a:t>
+                      </a:r>
+                      <a:r>
+                        <a:rPr lang="ko-KR" altLang="en-US" sz="900" dirty="0" smtClean="0"/>
+                        <a:t> </a:t>
+                      </a:r>
+                      <a:r>
+                        <a:rPr lang="en-US" altLang="ko-KR" sz="900" dirty="0" smtClean="0"/>
+                        <a:t>5</a:t>
+                      </a:r>
+                      <a:r>
+                        <a:rPr lang="ko-KR" altLang="en-US" sz="900" dirty="0" smtClean="0"/>
+                        <a:t>대 범죄 발생 및 검거 현황 데이터</a:t>
+                      </a:r>
+                      <a:r>
+                        <a:rPr lang="en-US" altLang="ko-KR" sz="900" dirty="0" smtClean="0"/>
+                        <a:t>,</a:t>
+                      </a:r>
+                      <a:r>
+                        <a:rPr lang="ko-KR" altLang="en-US" sz="900" baseline="0" dirty="0" smtClean="0"/>
+                        <a:t> 범죄 </a:t>
+                      </a:r>
+                      <a:r>
+                        <a:rPr lang="ko-KR" altLang="en-US" sz="900" baseline="0" dirty="0" err="1" smtClean="0"/>
+                        <a:t>장소별</a:t>
+                      </a:r>
+                      <a:r>
+                        <a:rPr lang="ko-KR" altLang="en-US" sz="900" baseline="0" dirty="0" smtClean="0"/>
+                        <a:t> 발생 현황</a:t>
+                      </a:r>
+                      <a:r>
+                        <a:rPr lang="en-US" altLang="ko-KR" sz="900" baseline="0" dirty="0" smtClean="0"/>
+                        <a:t>, </a:t>
+                      </a:r>
+                      <a:r>
+                        <a:rPr lang="ko-KR" altLang="en-US" sz="900" baseline="0" dirty="0" smtClean="0"/>
+                        <a:t>청소년 </a:t>
+                      </a:r>
+                      <a:r>
+                        <a:rPr lang="en-US" altLang="ko-KR" sz="900" baseline="0" dirty="0" smtClean="0"/>
+                        <a:t>5</a:t>
+                      </a:r>
+                      <a:r>
+                        <a:rPr lang="ko-KR" altLang="en-US" sz="900" baseline="0" dirty="0" smtClean="0"/>
+                        <a:t>대 범죄 현황</a:t>
+                      </a:r>
+                      <a:endParaRPr lang="en-US" altLang="ko-KR" sz="900" dirty="0" smtClean="0"/>
+                    </a:p>
+                  </a:txBody>
+                  <a:tcPr/>
+                </a:tc>
+                <a:tc>
+                  <a:txBody>
+                    <a:bodyPr/>
+                    <a:lstStyle/>
+                    <a:p>
+                      <a:pPr latinLnBrk="1"/>
+                      <a:endParaRPr lang="ko-KR" altLang="en-US" sz="900" dirty="0"/>
+                    </a:p>
+                  </a:txBody>
+                  <a:tcPr/>
+                </a:tc>
+                <a:tc>
+                  <a:txBody>
+                    <a:bodyPr/>
+                    <a:lstStyle/>
+                    <a:p>
+                      <a:pPr latinLnBrk="1"/>
+                      <a:r>
+                        <a:rPr lang="ko-KR" altLang="en-US" sz="900" dirty="0" smtClean="0"/>
+                        <a:t>서울시 지도에 범죄지도 표시</a:t>
+                      </a:r>
+                      <a:endParaRPr lang="en-US" altLang="ko-KR" sz="900" dirty="0" smtClean="0"/>
+                    </a:p>
+                    <a:p>
+                      <a:pPr latinLnBrk="1"/>
+                      <a:r>
+                        <a:rPr lang="en-US" altLang="ko-KR" sz="900" dirty="0" err="1" smtClean="0"/>
+                        <a:t>sns</a:t>
+                      </a:r>
+                      <a:r>
+                        <a:rPr lang="en-US" altLang="ko-KR" sz="900" dirty="0" smtClean="0"/>
+                        <a:t> </a:t>
+                      </a:r>
+                      <a:r>
+                        <a:rPr lang="en-US" altLang="ko-KR" sz="900" dirty="0" err="1" smtClean="0"/>
+                        <a:t>heatmap</a:t>
+                      </a:r>
+                      <a:r>
+                        <a:rPr lang="en-US" altLang="ko-KR" sz="900" dirty="0" smtClean="0"/>
+                        <a:t> </a:t>
+                      </a:r>
+                      <a:r>
+                        <a:rPr lang="ko-KR" altLang="en-US" sz="900" dirty="0" smtClean="0"/>
+                        <a:t>이용 예정</a:t>
+                      </a:r>
+                      <a:endParaRPr lang="ko-KR" altLang="en-US" sz="900" dirty="0"/>
+                    </a:p>
+                  </a:txBody>
+                  <a:tcPr/>
+                </a:tc>
+              </a:tr>
+              <a:tr h="370840">
+                <a:tc>
+                  <a:txBody>
+                    <a:bodyPr/>
+                    <a:lstStyle/>
+                    <a:p>
+                      <a:pPr marL="0" marR="0" lvl="0" indent="0" algn="l" defTabSz="914400" rtl="0" eaLnBrk="1" fontAlgn="auto" latinLnBrk="1" hangingPunct="1">
+                        <a:lnSpc>
+                          <a:spcPct val="100000"/>
+                        </a:lnSpc>
+                        <a:spcBef>
+                          <a:spcPts val="0"/>
+                        </a:spcBef>
+                        <a:spcAft>
+                          <a:spcPts val="0"/>
+                        </a:spcAft>
+                        <a:buClrTx/>
+                        <a:buSzTx/>
+                        <a:buFontTx/>
+                        <a:buNone/>
+                        <a:tabLst/>
+                        <a:defRPr/>
+                      </a:pPr>
+                      <a:r>
+                        <a:rPr lang="ko-KR" altLang="en-US" sz="900" dirty="0" err="1" smtClean="0"/>
+                        <a:t>조정식</a:t>
+                      </a:r>
+                      <a:endParaRPr lang="ko-KR" altLang="en-US" sz="900" dirty="0" smtClean="0"/>
+                    </a:p>
+                  </a:txBody>
+                  <a:tcPr/>
+                </a:tc>
+                <a:tc>
+                  <a:txBody>
+                    <a:bodyPr/>
+                    <a:lstStyle/>
+                    <a:p>
+                      <a:pPr latinLnBrk="1"/>
+                      <a:r>
+                        <a:rPr lang="ko-KR" altLang="en-US" sz="900" dirty="0" err="1" smtClean="0"/>
+                        <a:t>범죄율</a:t>
+                      </a:r>
+                      <a:r>
+                        <a:rPr lang="ko-KR" altLang="en-US" sz="900" dirty="0" smtClean="0"/>
+                        <a:t> 상관관계 분석</a:t>
+                      </a:r>
+                      <a:endParaRPr lang="en-US" altLang="ko-KR" sz="900" dirty="0" smtClean="0"/>
+                    </a:p>
+                    <a:p>
+                      <a:pPr marL="0" marR="0" lvl="0" indent="0" algn="l" defTabSz="914400" rtl="0" eaLnBrk="1" fontAlgn="auto" latinLnBrk="1" hangingPunct="1">
+                        <a:lnSpc>
+                          <a:spcPct val="100000"/>
+                        </a:lnSpc>
+                        <a:spcBef>
+                          <a:spcPts val="0"/>
+                        </a:spcBef>
+                        <a:spcAft>
+                          <a:spcPts val="0"/>
+                        </a:spcAft>
+                        <a:buClrTx/>
+                        <a:buSzTx/>
+                        <a:buFontTx/>
+                        <a:buNone/>
+                        <a:tabLst/>
+                        <a:defRPr/>
+                      </a:pPr>
+                      <a:r>
+                        <a:rPr lang="en-US" altLang="ko-KR" sz="900" dirty="0" smtClean="0"/>
+                        <a:t>*</a:t>
+                      </a:r>
+                      <a:r>
+                        <a:rPr lang="ko-KR" altLang="en-US" sz="900" dirty="0" err="1" smtClean="0"/>
+                        <a:t>음주율</a:t>
+                      </a:r>
+                      <a:r>
+                        <a:rPr lang="en-US" altLang="ko-KR" sz="900" dirty="0" smtClean="0"/>
+                        <a:t>,</a:t>
+                      </a:r>
+                      <a:r>
+                        <a:rPr lang="en-US" altLang="ko-KR" sz="900" baseline="0" dirty="0" smtClean="0"/>
+                        <a:t> CCTV </a:t>
+                      </a:r>
+                      <a:r>
+                        <a:rPr lang="ko-KR" altLang="en-US" sz="900" baseline="0" dirty="0" smtClean="0"/>
+                        <a:t>밀집지역</a:t>
+                      </a:r>
+                      <a:r>
+                        <a:rPr lang="en-US" altLang="ko-KR" sz="900" baseline="0" dirty="0" smtClean="0"/>
+                        <a:t>, </a:t>
+                      </a:r>
+                      <a:r>
+                        <a:rPr lang="ko-KR" altLang="en-US" sz="900" baseline="0" dirty="0" smtClean="0"/>
+                        <a:t>경찰출동시간</a:t>
+                      </a:r>
+                      <a:r>
+                        <a:rPr lang="en-US" altLang="ko-KR" sz="900" baseline="0" dirty="0" smtClean="0"/>
+                        <a:t>, </a:t>
+                      </a:r>
+                      <a:r>
+                        <a:rPr lang="ko-KR" altLang="en-US" sz="900" baseline="0" dirty="0" err="1" smtClean="0"/>
+                        <a:t>범죄율</a:t>
+                      </a:r>
+                      <a:r>
+                        <a:rPr lang="ko-KR" altLang="en-US" sz="900" baseline="0" dirty="0" smtClean="0"/>
+                        <a:t> 사이 상관관계</a:t>
+                      </a:r>
+                      <a:r>
+                        <a:rPr lang="en-US" altLang="ko-KR" sz="900" baseline="0" dirty="0" smtClean="0"/>
+                        <a:t>, </a:t>
+                      </a:r>
+                      <a:r>
+                        <a:rPr lang="ko-KR" altLang="en-US" sz="900" baseline="0" dirty="0" smtClean="0"/>
+                        <a:t>취업률</a:t>
+                      </a:r>
+                      <a:r>
+                        <a:rPr lang="en-US" altLang="ko-KR" sz="900" baseline="0" dirty="0" smtClean="0"/>
+                        <a:t>, </a:t>
+                      </a:r>
+                      <a:r>
+                        <a:rPr lang="ko-KR" altLang="en-US" sz="900" baseline="0" dirty="0" smtClean="0"/>
+                        <a:t>소득수준</a:t>
+                      </a:r>
+                      <a:r>
+                        <a:rPr lang="en-US" altLang="ko-KR" sz="900" baseline="0" dirty="0" smtClean="0"/>
+                        <a:t>, </a:t>
+                      </a:r>
+                      <a:r>
+                        <a:rPr lang="ko-KR" altLang="en-US" sz="900" baseline="0" dirty="0" smtClean="0"/>
+                        <a:t>삶 만족도</a:t>
+                      </a:r>
+                      <a:endParaRPr lang="ko-KR" altLang="en-US" sz="900" dirty="0"/>
+                    </a:p>
+                  </a:txBody>
+                  <a:tcPr/>
+                </a:tc>
+                <a:tc>
+                  <a:txBody>
+                    <a:bodyPr/>
+                    <a:lstStyle/>
+                    <a:p>
+                      <a:pPr latinLnBrk="1"/>
+                      <a:r>
+                        <a:rPr lang="ko-KR" altLang="en-US" sz="900" dirty="0" smtClean="0"/>
+                        <a:t>궁극적으로 전국 범죄지도 작성을 </a:t>
+                      </a:r>
+                      <a:r>
+                        <a:rPr lang="ko-KR" altLang="en-US" sz="900" dirty="0" err="1" smtClean="0"/>
+                        <a:t>하고싶음</a:t>
+                      </a:r>
+                      <a:r>
+                        <a:rPr lang="en-US" altLang="ko-KR" sz="900" dirty="0" smtClean="0"/>
+                        <a:t>.</a:t>
+                      </a:r>
+                    </a:p>
+                    <a:p>
+                      <a:pPr latinLnBrk="1"/>
+                      <a:endParaRPr lang="en-US" altLang="ko-KR" sz="900" dirty="0" smtClean="0"/>
+                    </a:p>
+                    <a:p>
+                      <a:pPr marL="0" marR="0" lvl="0" indent="0" algn="l" defTabSz="914400" rtl="0" eaLnBrk="1" fontAlgn="auto" latinLnBrk="1" hangingPunct="1">
+                        <a:lnSpc>
+                          <a:spcPct val="100000"/>
+                        </a:lnSpc>
+                        <a:spcBef>
+                          <a:spcPts val="0"/>
+                        </a:spcBef>
+                        <a:spcAft>
+                          <a:spcPts val="0"/>
+                        </a:spcAft>
+                        <a:buClrTx/>
+                        <a:buSzTx/>
+                        <a:buFontTx/>
+                        <a:buNone/>
+                        <a:tabLst/>
+                        <a:defRPr/>
+                      </a:pPr>
+                      <a:r>
+                        <a:rPr lang="ko-KR" altLang="en-US" sz="900" dirty="0" smtClean="0"/>
+                        <a:t>공공데이터</a:t>
+                      </a:r>
+                    </a:p>
+                  </a:txBody>
+                  <a:tcPr/>
+                </a:tc>
+                <a:tc>
+                  <a:txBody>
+                    <a:bodyPr/>
+                    <a:lstStyle/>
+                    <a:p>
+                      <a:pPr marL="0" marR="0" lvl="0" indent="0" algn="l" defTabSz="914400" rtl="0" eaLnBrk="1" fontAlgn="auto" latinLnBrk="1" hangingPunct="1">
+                        <a:lnSpc>
+                          <a:spcPct val="100000"/>
+                        </a:lnSpc>
+                        <a:spcBef>
+                          <a:spcPts val="0"/>
+                        </a:spcBef>
+                        <a:spcAft>
+                          <a:spcPts val="0"/>
+                        </a:spcAft>
+                        <a:buClrTx/>
+                        <a:buSzTx/>
+                        <a:buFontTx/>
+                        <a:buNone/>
+                        <a:tabLst/>
+                        <a:defRPr/>
+                      </a:pPr>
+                      <a:r>
+                        <a:rPr lang="ko-KR" altLang="en-US" sz="900" dirty="0" smtClean="0"/>
+                        <a:t>상관관계</a:t>
+                      </a:r>
+                      <a:r>
+                        <a:rPr lang="en-US" altLang="ko-KR" sz="900" dirty="0" smtClean="0"/>
+                        <a:t>, </a:t>
+                      </a:r>
+                      <a:r>
+                        <a:rPr lang="ko-KR" altLang="en-US" sz="900" dirty="0" smtClean="0"/>
+                        <a:t>병합</a:t>
+                      </a:r>
+                    </a:p>
+                    <a:p>
+                      <a:pPr latinLnBrk="1"/>
+                      <a:endParaRPr lang="ko-KR" altLang="en-US" sz="900" dirty="0"/>
+                    </a:p>
+                  </a:txBody>
+                  <a:tcPr/>
+                </a:tc>
+                <a:tc>
+                  <a:txBody>
+                    <a:bodyPr/>
+                    <a:lstStyle/>
+                    <a:p>
+                      <a:pPr latinLnBrk="1"/>
+                      <a:r>
+                        <a:rPr lang="ko-KR" altLang="en-US" sz="900" dirty="0" smtClean="0"/>
+                        <a:t>미정</a:t>
+                      </a:r>
+                      <a:endParaRPr lang="ko-KR" altLang="en-US" sz="900" dirty="0"/>
+                    </a:p>
+                  </a:txBody>
+                  <a:tcPr/>
+                </a:tc>
+              </a:tr>
+              <a:tr h="370840">
+                <a:tc>
+                  <a:txBody>
+                    <a:bodyPr/>
+                    <a:lstStyle/>
+                    <a:p>
+                      <a:pPr marL="0" marR="0" lvl="0" indent="0" algn="l" defTabSz="914400" rtl="0" eaLnBrk="1" fontAlgn="auto" latinLnBrk="1" hangingPunct="1">
+                        <a:lnSpc>
+                          <a:spcPct val="100000"/>
+                        </a:lnSpc>
+                        <a:spcBef>
+                          <a:spcPts val="0"/>
+                        </a:spcBef>
+                        <a:spcAft>
+                          <a:spcPts val="0"/>
+                        </a:spcAft>
+                        <a:buClrTx/>
+                        <a:buSzTx/>
+                        <a:buFontTx/>
+                        <a:buNone/>
+                        <a:tabLst/>
+                        <a:defRPr/>
+                      </a:pPr>
+                      <a:r>
+                        <a:rPr lang="ko-KR" altLang="en-US" sz="900" dirty="0" smtClean="0"/>
+                        <a:t>허인서</a:t>
+                      </a:r>
+                    </a:p>
+                  </a:txBody>
+                  <a:tcPr/>
+                </a:tc>
+                <a:tc>
+                  <a:txBody>
+                    <a:bodyPr/>
+                    <a:lstStyle/>
+                    <a:p>
+                      <a:pPr latinLnBrk="1"/>
+                      <a:r>
+                        <a:rPr lang="ko-KR" altLang="en-US" sz="900" dirty="0" smtClean="0"/>
+                        <a:t>향후 </a:t>
+                      </a:r>
+                      <a:r>
+                        <a:rPr lang="ko-KR" altLang="en-US" sz="900" dirty="0" err="1" smtClean="0"/>
+                        <a:t>시군구별</a:t>
+                      </a:r>
+                      <a:r>
+                        <a:rPr lang="ko-KR" altLang="en-US" sz="900" dirty="0" smtClean="0"/>
+                        <a:t> 인구구조 예측</a:t>
+                      </a:r>
+                      <a:endParaRPr lang="en-US" altLang="ko-KR" sz="900" dirty="0" smtClean="0"/>
+                    </a:p>
+                    <a:p>
+                      <a:pPr marL="171450" indent="-171450" latinLnBrk="1">
+                        <a:buFont typeface="Arial" panose="020B0604020202020204" pitchFamily="34" charset="0"/>
+                        <a:buChar char="•"/>
+                      </a:pPr>
+                      <a:r>
+                        <a:rPr lang="ko-KR" altLang="en-US" sz="900" dirty="0" smtClean="0"/>
+                        <a:t>인구구조의 변화</a:t>
+                      </a:r>
+                      <a:endParaRPr lang="en-US" altLang="ko-KR" sz="900" dirty="0" smtClean="0"/>
+                    </a:p>
+                    <a:p>
+                      <a:pPr marL="171450" indent="-171450" latinLnBrk="1">
+                        <a:buFont typeface="Arial" panose="020B0604020202020204" pitchFamily="34" charset="0"/>
+                        <a:buChar char="•"/>
+                      </a:pPr>
+                      <a:r>
+                        <a:rPr lang="ko-KR" altLang="en-US" sz="900" dirty="0" err="1" smtClean="0"/>
+                        <a:t>시군구별</a:t>
+                      </a:r>
+                      <a:r>
+                        <a:rPr lang="ko-KR" altLang="en-US" sz="900" dirty="0" smtClean="0"/>
+                        <a:t> 전입전출</a:t>
+                      </a:r>
+                      <a:endParaRPr lang="en-US" altLang="ko-KR" sz="900" dirty="0" smtClean="0"/>
+                    </a:p>
+                    <a:p>
+                      <a:pPr marL="171450" indent="-171450" latinLnBrk="1">
+                        <a:buFont typeface="Arial" panose="020B0604020202020204" pitchFamily="34" charset="0"/>
+                        <a:buChar char="•"/>
+                      </a:pPr>
+                      <a:r>
+                        <a:rPr lang="ko-KR" altLang="en-US" sz="900" dirty="0" smtClean="0"/>
+                        <a:t>노령화</a:t>
+                      </a:r>
+                      <a:r>
+                        <a:rPr lang="en-US" altLang="ko-KR" sz="900" dirty="0" smtClean="0"/>
+                        <a:t>, </a:t>
+                      </a:r>
+                      <a:r>
+                        <a:rPr lang="ko-KR" altLang="en-US" sz="900" dirty="0" err="1" smtClean="0"/>
+                        <a:t>저출산</a:t>
+                      </a:r>
+                      <a:r>
+                        <a:rPr lang="ko-KR" altLang="en-US" sz="900" dirty="0" smtClean="0"/>
+                        <a:t> 등의 사회 인구 변화 시작점 확인</a:t>
+                      </a:r>
+                      <a:endParaRPr lang="ko-KR" altLang="en-US" sz="900" dirty="0"/>
+                    </a:p>
+                  </a:txBody>
+                  <a:tcPr/>
+                </a:tc>
+                <a:tc>
+                  <a:txBody>
+                    <a:bodyPr/>
+                    <a:lstStyle/>
+                    <a:p>
+                      <a:pPr latinLnBrk="1"/>
+                      <a:r>
+                        <a:rPr lang="ko-KR" altLang="en-US" sz="900" dirty="0" err="1" smtClean="0"/>
+                        <a:t>국가통계포털의</a:t>
+                      </a:r>
+                      <a:r>
+                        <a:rPr lang="ko-KR" altLang="en-US" sz="900" dirty="0" smtClean="0"/>
+                        <a:t> 대한민국 인구구조 분석</a:t>
+                      </a:r>
+                      <a:endParaRPr lang="ko-KR" altLang="en-US" sz="900" dirty="0"/>
+                    </a:p>
+                  </a:txBody>
+                  <a:tcPr/>
+                </a:tc>
+                <a:tc>
+                  <a:txBody>
+                    <a:bodyPr/>
+                    <a:lstStyle/>
+                    <a:p>
+                      <a:pPr latinLnBrk="1"/>
+                      <a:r>
+                        <a:rPr lang="ko-KR" altLang="en-US" sz="900" dirty="0" smtClean="0"/>
+                        <a:t>전처리</a:t>
+                      </a:r>
+                      <a:r>
+                        <a:rPr lang="en-US" altLang="ko-KR" sz="900" dirty="0" smtClean="0"/>
+                        <a:t>,</a:t>
+                      </a:r>
+                    </a:p>
+                    <a:p>
+                      <a:pPr latinLnBrk="1"/>
+                      <a:r>
+                        <a:rPr lang="ko-KR" altLang="en-US" sz="900" dirty="0" err="1" smtClean="0"/>
+                        <a:t>데이터셋</a:t>
+                      </a:r>
+                      <a:r>
+                        <a:rPr lang="ko-KR" altLang="en-US" sz="900" dirty="0" smtClean="0"/>
+                        <a:t> 생성</a:t>
+                      </a:r>
+                      <a:r>
+                        <a:rPr lang="en-US" altLang="ko-KR" sz="900" dirty="0" smtClean="0"/>
+                        <a:t>,</a:t>
+                      </a:r>
+                    </a:p>
+                    <a:p>
+                      <a:pPr latinLnBrk="1"/>
+                      <a:r>
+                        <a:rPr lang="ko-KR" altLang="en-US" sz="900" dirty="0" smtClean="0"/>
+                        <a:t>패턴 발견 및 예측 진행</a:t>
+                      </a:r>
+                      <a:endParaRPr lang="en-US" altLang="ko-KR" sz="900" baseline="0" dirty="0" smtClean="0"/>
+                    </a:p>
+                  </a:txBody>
+                  <a:tcPr/>
+                </a:tc>
+                <a:tc>
+                  <a:txBody>
+                    <a:bodyPr/>
+                    <a:lstStyle/>
+                    <a:p>
+                      <a:pPr latinLnBrk="1"/>
+                      <a:r>
+                        <a:rPr lang="en-US" altLang="ko-KR" sz="900" dirty="0" err="1" smtClean="0"/>
+                        <a:t>matplotlib</a:t>
+                      </a:r>
+                      <a:endParaRPr lang="ko-KR" altLang="en-US" sz="900" dirty="0"/>
+                    </a:p>
+                  </a:txBody>
+                  <a:tcPr/>
+                </a:tc>
+              </a:tr>
+              <a:tr h="160238">
+                <a:tc>
+                  <a:txBody>
+                    <a:bodyPr/>
+                    <a:lstStyle/>
+                    <a:p>
+                      <a:pPr marL="0" marR="0" lvl="0" indent="0" algn="l" defTabSz="914400" rtl="0" eaLnBrk="1" fontAlgn="auto" latinLnBrk="1" hangingPunct="1">
+                        <a:lnSpc>
+                          <a:spcPct val="100000"/>
+                        </a:lnSpc>
+                        <a:spcBef>
+                          <a:spcPts val="0"/>
+                        </a:spcBef>
+                        <a:spcAft>
+                          <a:spcPts val="0"/>
+                        </a:spcAft>
+                        <a:buClrTx/>
+                        <a:buSzTx/>
+                        <a:buFontTx/>
+                        <a:buNone/>
+                        <a:tabLst/>
+                        <a:defRPr/>
+                      </a:pPr>
+                      <a:r>
+                        <a:rPr lang="ko-KR" altLang="en-US" sz="900" dirty="0" smtClean="0"/>
+                        <a:t>박준희</a:t>
+                      </a:r>
+                    </a:p>
+                  </a:txBody>
+                  <a:tcPr/>
+                </a:tc>
+                <a:tc>
+                  <a:txBody>
+                    <a:bodyPr/>
+                    <a:lstStyle/>
+                    <a:p>
+                      <a:pPr marL="171450" indent="-171450" latinLnBrk="1">
+                        <a:buFont typeface="Arial" panose="020B0604020202020204" pitchFamily="34" charset="0"/>
+                        <a:buChar char="•"/>
+                      </a:pPr>
+                      <a:r>
+                        <a:rPr lang="ko-KR" altLang="en-US" sz="900" dirty="0" smtClean="0"/>
+                        <a:t>청소년 또는 대학생 건강 관련</a:t>
+                      </a:r>
+                      <a:endParaRPr lang="ko-KR" altLang="en-US" sz="900" dirty="0"/>
+                    </a:p>
+                  </a:txBody>
+                  <a:tcPr/>
+                </a:tc>
+                <a:tc>
+                  <a:txBody>
+                    <a:bodyPr/>
+                    <a:lstStyle/>
+                    <a:p>
+                      <a:pPr latinLnBrk="1"/>
+                      <a:endParaRPr lang="ko-KR" altLang="en-US" sz="900" dirty="0"/>
+                    </a:p>
+                  </a:txBody>
+                  <a:tcPr/>
+                </a:tc>
+                <a:tc>
+                  <a:txBody>
+                    <a:bodyPr/>
+                    <a:lstStyle/>
+                    <a:p>
+                      <a:pPr latinLnBrk="1"/>
+                      <a:endParaRPr lang="en-US" altLang="ko-KR" sz="900" baseline="0" dirty="0" smtClean="0"/>
+                    </a:p>
+                  </a:txBody>
+                  <a:tcPr/>
+                </a:tc>
+                <a:tc>
+                  <a:txBody>
+                    <a:bodyPr/>
+                    <a:lstStyle/>
+                    <a:p>
+                      <a:pPr latinLnBrk="1"/>
+                      <a:endParaRPr lang="ko-KR" altLang="en-US" sz="900" dirty="0"/>
+                    </a:p>
+                  </a:txBody>
+                  <a:tcPr/>
+                </a:tc>
+              </a:tr>
+              <a:tr h="370840">
+                <a:tc>
+                  <a:txBody>
+                    <a:bodyPr/>
+                    <a:lstStyle/>
+                    <a:p>
+                      <a:pPr marL="0" marR="0" lvl="0" indent="0" algn="l" defTabSz="914400" rtl="0" eaLnBrk="1" fontAlgn="auto" latinLnBrk="1" hangingPunct="1">
+                        <a:lnSpc>
+                          <a:spcPct val="100000"/>
+                        </a:lnSpc>
+                        <a:spcBef>
+                          <a:spcPts val="0"/>
+                        </a:spcBef>
+                        <a:spcAft>
+                          <a:spcPts val="0"/>
+                        </a:spcAft>
+                        <a:buClrTx/>
+                        <a:buSzTx/>
+                        <a:buFontTx/>
+                        <a:buNone/>
+                        <a:tabLst/>
+                        <a:defRPr/>
+                      </a:pPr>
+                      <a:r>
+                        <a:rPr lang="ko-KR" altLang="en-US" sz="900" dirty="0" smtClean="0"/>
+                        <a:t>박정수</a:t>
+                      </a:r>
+                    </a:p>
+                  </a:txBody>
+                  <a:tcPr/>
+                </a:tc>
+                <a:tc>
+                  <a:txBody>
+                    <a:bodyPr/>
+                    <a:lstStyle/>
+                    <a:p>
+                      <a:pPr marL="0" indent="0" latinLnBrk="1">
+                        <a:buFont typeface="Arial" panose="020B0604020202020204" pitchFamily="34" charset="0"/>
+                        <a:buNone/>
+                      </a:pPr>
+                      <a:r>
+                        <a:rPr lang="ko-KR" altLang="en-US" sz="900" dirty="0" smtClean="0"/>
+                        <a:t>가정에서 사용하는 재고 관리 시스템 </a:t>
+                      </a:r>
+                      <a:endParaRPr lang="en-US" altLang="ko-KR" sz="900" dirty="0" smtClean="0"/>
+                    </a:p>
+                    <a:p>
+                      <a:pPr marL="0" indent="0" latinLnBrk="1">
+                        <a:buFont typeface="Arial" panose="020B0604020202020204" pitchFamily="34" charset="0"/>
+                        <a:buNone/>
+                      </a:pPr>
+                      <a:r>
+                        <a:rPr lang="en-US" altLang="ko-KR" sz="900" dirty="0" smtClean="0"/>
+                        <a:t>(Home stock management system)</a:t>
+                      </a:r>
+                      <a:endParaRPr lang="ko-KR" altLang="en-US" sz="900" dirty="0"/>
+                    </a:p>
+                  </a:txBody>
+                  <a:tcPr/>
+                </a:tc>
+                <a:tc>
+                  <a:txBody>
+                    <a:bodyPr/>
+                    <a:lstStyle/>
+                    <a:p>
+                      <a:pPr latinLnBrk="1"/>
+                      <a:endParaRPr lang="ko-KR" altLang="en-US" sz="900" dirty="0"/>
+                    </a:p>
+                  </a:txBody>
+                  <a:tcPr/>
+                </a:tc>
+                <a:tc>
+                  <a:txBody>
+                    <a:bodyPr/>
+                    <a:lstStyle/>
+                    <a:p>
+                      <a:pPr latinLnBrk="1"/>
+                      <a:endParaRPr lang="en-US" altLang="ko-KR" sz="900" baseline="0" dirty="0" smtClean="0"/>
+                    </a:p>
+                  </a:txBody>
+                  <a:tcPr/>
+                </a:tc>
+                <a:tc>
+                  <a:txBody>
+                    <a:bodyPr/>
+                    <a:lstStyle/>
+                    <a:p>
+                      <a:pPr latinLnBrk="1"/>
+                      <a:endParaRPr lang="ko-KR" altLang="en-US" sz="900" dirty="0"/>
+                    </a:p>
+                  </a:txBody>
+                  <a:tcPr/>
+                </a:tc>
+              </a:tr>
+            </a:tbl>
+          </a:graphicData>
+        </a:graphic>
+      </p:graphicFrame>
+    </p:spTree>
+    <p:extLst>
+      <p:ext uri="{BB962C8B-B14F-4D97-AF65-F5344CB8AC3E}">
+        <p14:creationId xmlns:p14="http://schemas.microsoft.com/office/powerpoint/2010/main" val="3429110981"/>
+      </p:ext>
+    </p:extLst>
+  </p:cSld>
+  <p:clrMapOvr>
+    <a:masterClrMapping/>
+  </p:clrMapOvr>
+  <p:timing>
+    <p:tnLst>
+      <p:par>
+        <p:cTn id="1" dur="indefinite" restart="never" nodeType="tmRoot"/>
+      </p:par>
+    </p:tnLst>
+  </p:timing>
+</p:sld>
+</file>
+
+<file path=ppt/slides/slide31.xml><?xml version="1.0" encoding="utf-8"?>
+<p:sld xmlns:a="http://schemas.openxmlformats.org/drawingml/2006/main" xmlns:r="http://schemas.openxmlformats.org/officeDocument/2006/relationships" xmlns:p="http://schemas.openxmlformats.org/presentationml/2006/main">
+  <p:cSld>
+    <p:spTree>
+      <p:nvGrpSpPr>
+        <p:cNvPr id="1" name=""/>
+        <p:cNvGrpSpPr/>
+        <p:nvPr/>
+      </p:nvGrpSpPr>
+      <p:grpSpPr>
+        <a:xfrm>
+          <a:off x="0" y="0"/>
+          <a:ext cx="0" cy="0"/>
+          <a:chOff x="0" y="0"/>
+          <a:chExt cx="0" cy="0"/>
+        </a:xfrm>
+      </p:grpSpPr>
+      <p:sp>
+        <p:nvSpPr>
+          <p:cNvPr id="4" name="제목 3"/>
+          <p:cNvSpPr>
+            <a:spLocks noGrp="1"/>
+          </p:cNvSpPr>
+          <p:nvPr>
+            <p:ph type="title"/>
+          </p:nvPr>
+        </p:nvSpPr>
+        <p:spPr/>
+        <p:txBody>
+          <a:bodyPr/>
+          <a:lstStyle/>
+          <a:p>
+            <a:r>
+              <a:rPr lang="ko-KR" altLang="en-US" dirty="0" smtClean="0"/>
+              <a:t>미니 프로젝트 진행</a:t>
+            </a:r>
+            <a:endParaRPr lang="ko-KR" altLang="en-US" dirty="0"/>
+          </a:p>
+        </p:txBody>
+      </p:sp>
+      <p:sp>
+        <p:nvSpPr>
+          <p:cNvPr id="5" name="텍스트 개체 틀 4"/>
+          <p:cNvSpPr>
+            <a:spLocks noGrp="1"/>
+          </p:cNvSpPr>
+          <p:nvPr>
+            <p:ph type="body" idx="1"/>
+          </p:nvPr>
+        </p:nvSpPr>
+        <p:spPr/>
+        <p:txBody>
+          <a:bodyPr/>
+          <a:lstStyle/>
+          <a:p>
+            <a:r>
+              <a:rPr lang="ko-KR" altLang="en-US" dirty="0"/>
+              <a:t>라이프매니지먼트 데이터 분석 실습</a:t>
+            </a:r>
+          </a:p>
+        </p:txBody>
+      </p:sp>
+    </p:spTree>
+    <p:extLst>
+      <p:ext uri="{BB962C8B-B14F-4D97-AF65-F5344CB8AC3E}">
+        <p14:creationId xmlns:p14="http://schemas.microsoft.com/office/powerpoint/2010/main" val="3960848836"/>
+      </p:ext>
+    </p:extLst>
+  </p:cSld>
+  <p:clrMapOvr>
+    <a:masterClrMapping/>
+  </p:clrMapOvr>
+  <p:timing>
+    <p:tnLst>
+      <p:par>
+        <p:cTn id="1" dur="indefinite" restart="never" nodeType="tmRoot"/>
+      </p:par>
+    </p:tnLst>
+  </p:timing>
+</p:sld>
+</file>
+
+<file path=ppt/slides/slide32.xml><?xml version="1.0" encoding="utf-8"?>
+<p:sld xmlns:a="http://schemas.openxmlformats.org/drawingml/2006/main" xmlns:r="http://schemas.openxmlformats.org/officeDocument/2006/relationships" xmlns:p="http://schemas.openxmlformats.org/presentationml/2006/main">
+  <p:cSld>
+    <p:bg>
+      <p:bgPr>
+        <a:solidFill>
+          <a:schemeClr val="tx1"/>
+        </a:solidFill>
+        <a:effectLst/>
+      </p:bgPr>
+    </p:bg>
+    <p:spTree>
+      <p:nvGrpSpPr>
+        <p:cNvPr id="1" name=""/>
+        <p:cNvGrpSpPr/>
+        <p:nvPr/>
+      </p:nvGrpSpPr>
+      <p:grpSpPr>
+        <a:xfrm>
+          <a:off x="0" y="0"/>
+          <a:ext cx="0" cy="0"/>
+          <a:chOff x="0" y="0"/>
+          <a:chExt cx="0" cy="0"/>
+        </a:xfrm>
+      </p:grpSpPr>
+    </p:spTree>
+    <p:extLst>
+      <p:ext uri="{BB962C8B-B14F-4D97-AF65-F5344CB8AC3E}">
+        <p14:creationId xmlns:p14="http://schemas.microsoft.com/office/powerpoint/2010/main" val="2966281984"/>
       </p:ext>
     </p:extLst>
   </p:cSld>
